--- a/coding-sessions/code_talks.pptx
+++ b/coding-sessions/code_talks.pptx
@@ -5,10 +5,10 @@
     <p:sldMasterId id="2147483648" r:id="rId4"/>
   </p:sldMasterIdLst>
   <p:notesMasterIdLst>
-    <p:notesMasterId r:id="rId42"/>
+    <p:notesMasterId r:id="rId43"/>
   </p:notesMasterIdLst>
   <p:handoutMasterIdLst>
-    <p:handoutMasterId r:id="rId43"/>
+    <p:handoutMasterId r:id="rId44"/>
   </p:handoutMasterIdLst>
   <p:sldIdLst>
     <p:sldId id="256" r:id="rId5"/>
@@ -16,38 +16,39 @@
     <p:sldId id="454" r:id="rId7"/>
     <p:sldId id="275" r:id="rId8"/>
     <p:sldId id="288" r:id="rId9"/>
-    <p:sldId id="289" r:id="rId10"/>
-    <p:sldId id="456" r:id="rId11"/>
-    <p:sldId id="455" r:id="rId12"/>
-    <p:sldId id="457" r:id="rId13"/>
-    <p:sldId id="458" r:id="rId14"/>
-    <p:sldId id="460" r:id="rId15"/>
-    <p:sldId id="467" r:id="rId16"/>
-    <p:sldId id="466" r:id="rId17"/>
-    <p:sldId id="461" r:id="rId18"/>
-    <p:sldId id="462" r:id="rId19"/>
-    <p:sldId id="463" r:id="rId20"/>
-    <p:sldId id="464" r:id="rId21"/>
-    <p:sldId id="465" r:id="rId22"/>
-    <p:sldId id="475" r:id="rId23"/>
-    <p:sldId id="469" r:id="rId24"/>
-    <p:sldId id="470" r:id="rId25"/>
-    <p:sldId id="476" r:id="rId26"/>
-    <p:sldId id="471" r:id="rId27"/>
-    <p:sldId id="472" r:id="rId28"/>
-    <p:sldId id="473" r:id="rId29"/>
-    <p:sldId id="474" r:id="rId30"/>
-    <p:sldId id="484" r:id="rId31"/>
-    <p:sldId id="478" r:id="rId32"/>
-    <p:sldId id="479" r:id="rId33"/>
-    <p:sldId id="480" r:id="rId34"/>
-    <p:sldId id="481" r:id="rId35"/>
-    <p:sldId id="482" r:id="rId36"/>
-    <p:sldId id="492" r:id="rId37"/>
-    <p:sldId id="493" r:id="rId38"/>
-    <p:sldId id="483" r:id="rId39"/>
-    <p:sldId id="490" r:id="rId40"/>
-    <p:sldId id="491" r:id="rId41"/>
+    <p:sldId id="494" r:id="rId10"/>
+    <p:sldId id="289" r:id="rId11"/>
+    <p:sldId id="456" r:id="rId12"/>
+    <p:sldId id="455" r:id="rId13"/>
+    <p:sldId id="457" r:id="rId14"/>
+    <p:sldId id="458" r:id="rId15"/>
+    <p:sldId id="460" r:id="rId16"/>
+    <p:sldId id="467" r:id="rId17"/>
+    <p:sldId id="466" r:id="rId18"/>
+    <p:sldId id="461" r:id="rId19"/>
+    <p:sldId id="462" r:id="rId20"/>
+    <p:sldId id="463" r:id="rId21"/>
+    <p:sldId id="464" r:id="rId22"/>
+    <p:sldId id="465" r:id="rId23"/>
+    <p:sldId id="475" r:id="rId24"/>
+    <p:sldId id="469" r:id="rId25"/>
+    <p:sldId id="470" r:id="rId26"/>
+    <p:sldId id="476" r:id="rId27"/>
+    <p:sldId id="471" r:id="rId28"/>
+    <p:sldId id="472" r:id="rId29"/>
+    <p:sldId id="473" r:id="rId30"/>
+    <p:sldId id="474" r:id="rId31"/>
+    <p:sldId id="484" r:id="rId32"/>
+    <p:sldId id="478" r:id="rId33"/>
+    <p:sldId id="479" r:id="rId34"/>
+    <p:sldId id="480" r:id="rId35"/>
+    <p:sldId id="481" r:id="rId36"/>
+    <p:sldId id="482" r:id="rId37"/>
+    <p:sldId id="492" r:id="rId38"/>
+    <p:sldId id="493" r:id="rId39"/>
+    <p:sldId id="483" r:id="rId40"/>
+    <p:sldId id="490" r:id="rId41"/>
+    <p:sldId id="491" r:id="rId42"/>
   </p:sldIdLst>
   <p:sldSz cx="9144000" cy="6858000" type="screen4x3"/>
   <p:notesSz cx="7102475" cy="10234613"/>
@@ -827,7 +828,7 @@
             <a:fld id="{96B3538B-D81F-476E-A31A-F9ABC7F48F1A}" type="slidenum">
               <a:rPr lang="de-DE" smtClean="0"/>
               <a:pPr/>
-              <a:t>6</a:t>
+              <a:t>7</a:t>
             </a:fld>
             <a:endParaRPr lang="de-DE"/>
           </a:p>
@@ -912,7 +913,7 @@
             <a:fld id="{96B3538B-D81F-476E-A31A-F9ABC7F48F1A}" type="slidenum">
               <a:rPr lang="de-DE" smtClean="0"/>
               <a:pPr/>
-              <a:t>15</a:t>
+              <a:t>16</a:t>
             </a:fld>
             <a:endParaRPr lang="de-DE"/>
           </a:p>
@@ -997,7 +998,7 @@
             <a:fld id="{96B3538B-D81F-476E-A31A-F9ABC7F48F1A}" type="slidenum">
               <a:rPr lang="de-DE" smtClean="0"/>
               <a:pPr/>
-              <a:t>16</a:t>
+              <a:t>17</a:t>
             </a:fld>
             <a:endParaRPr lang="de-DE"/>
           </a:p>
@@ -1082,7 +1083,7 @@
             <a:fld id="{96B3538B-D81F-476E-A31A-F9ABC7F48F1A}" type="slidenum">
               <a:rPr lang="de-DE" smtClean="0"/>
               <a:pPr/>
-              <a:t>17</a:t>
+              <a:t>18</a:t>
             </a:fld>
             <a:endParaRPr lang="de-DE"/>
           </a:p>
@@ -1167,7 +1168,7 @@
             <a:fld id="{96B3538B-D81F-476E-A31A-F9ABC7F48F1A}" type="slidenum">
               <a:rPr lang="de-DE" smtClean="0"/>
               <a:pPr/>
-              <a:t>18</a:t>
+              <a:t>19</a:t>
             </a:fld>
             <a:endParaRPr lang="de-DE"/>
           </a:p>
@@ -1252,7 +1253,7 @@
             <a:fld id="{96B3538B-D81F-476E-A31A-F9ABC7F48F1A}" type="slidenum">
               <a:rPr lang="de-DE" smtClean="0"/>
               <a:pPr/>
-              <a:t>19</a:t>
+              <a:t>20</a:t>
             </a:fld>
             <a:endParaRPr lang="de-DE"/>
           </a:p>
@@ -2849,11 +2850,7 @@
           <a:p>
             <a:r>
               <a:rPr lang="de-DE" dirty="0" smtClean="0"/>
-              <a:t>Code Talks	</a:t>
-            </a:r>
-            <a:r>
-              <a:rPr lang="de-DE" dirty="0" smtClean="0"/>
-              <a:t>	</a:t>
+              <a:t>Code Talks		</a:t>
             </a:r>
             <a:endParaRPr lang="de-DE" dirty="0"/>
           </a:p>
@@ -2898,7 +2895,7 @@
       </p:grpSpPr>
       <p:sp>
         <p:nvSpPr>
-          <p:cNvPr id="5" name="Inhaltsplatzhalter 4"/>
+          <p:cNvPr id="3" name="Inhaltsplatzhalter 2"/>
           <p:cNvSpPr>
             <a:spLocks noGrp="1"/>
           </p:cNvSpPr>
@@ -2908,372 +2905,58 @@
         </p:nvSpPr>
         <p:spPr/>
         <p:txBody>
-          <a:bodyPr>
-            <a:normAutofit/>
-          </a:bodyPr>
+          <a:bodyPr/>
           <a:lstStyle/>
           <a:p>
-            <a:r>
-              <a:rPr lang="en-US" dirty="0"/>
-              <a:t>// Objects map keys (string) to values (properties):</a:t>
-            </a:r>
-          </a:p>
-          <a:p>
-            <a:r>
-              <a:rPr lang="en-US" dirty="0" smtClean="0"/>
-              <a:t>var </a:t>
-            </a:r>
-            <a:r>
-              <a:rPr lang="en-US" dirty="0" err="1"/>
-              <a:t>obj</a:t>
-            </a:r>
-            <a:r>
-              <a:rPr lang="en-US" dirty="0"/>
-              <a:t> = new Object</a:t>
-            </a:r>
-            <a:r>
-              <a:rPr lang="en-US" dirty="0" smtClean="0"/>
-              <a:t>()</a:t>
-            </a:r>
-            <a:r>
-              <a:rPr lang="en-US" dirty="0"/>
-              <a:t>; </a:t>
-            </a:r>
-          </a:p>
-          <a:p>
-            <a:endParaRPr lang="tr-TR" dirty="0" smtClean="0">
-              <a:solidFill>
-                <a:srgbClr val="FFFFFF"/>
-              </a:solidFill>
-              <a:highlight>
-                <a:srgbClr val="272822"/>
-              </a:highlight>
-            </a:endParaRPr>
-          </a:p>
-          <a:p>
-            <a:r>
-              <a:rPr lang="tr-TR" dirty="0" smtClean="0">
-                <a:solidFill>
-                  <a:srgbClr val="FFFFFF"/>
-                </a:solidFill>
-                <a:highlight>
-                  <a:srgbClr val="272822"/>
-                </a:highlight>
-              </a:rPr>
-              <a:t>// </a:t>
-            </a:r>
-            <a:r>
-              <a:rPr lang="tr-TR" dirty="0" err="1" smtClean="0">
-                <a:solidFill>
-                  <a:srgbClr val="FFFFFF"/>
-                </a:solidFill>
-                <a:highlight>
-                  <a:srgbClr val="272822"/>
-                </a:highlight>
-              </a:rPr>
-              <a:t>there</a:t>
-            </a:r>
-            <a:r>
-              <a:rPr lang="tr-TR" dirty="0" smtClean="0">
-                <a:solidFill>
-                  <a:srgbClr val="FFFFFF"/>
-                </a:solidFill>
-                <a:highlight>
-                  <a:srgbClr val="272822"/>
-                </a:highlight>
-              </a:rPr>
-              <a:t> is an Object </a:t>
-            </a:r>
-            <a:r>
-              <a:rPr lang="tr-TR" dirty="0" err="1" smtClean="0">
-                <a:solidFill>
-                  <a:srgbClr val="FFFFFF"/>
-                </a:solidFill>
-                <a:highlight>
-                  <a:srgbClr val="272822"/>
-                </a:highlight>
-              </a:rPr>
-              <a:t>literal</a:t>
-            </a:r>
-            <a:endParaRPr lang="tr-TR" dirty="0" smtClean="0">
-              <a:solidFill>
-                <a:srgbClr val="FFFFFF"/>
-              </a:solidFill>
-              <a:highlight>
-                <a:srgbClr val="272822"/>
-              </a:highlight>
-            </a:endParaRPr>
-          </a:p>
-          <a:p>
-            <a:r>
-              <a:rPr lang="tr-TR" dirty="0" smtClean="0">
-                <a:solidFill>
-                  <a:srgbClr val="FFFFFF"/>
-                </a:solidFill>
-                <a:highlight>
-                  <a:srgbClr val="272822"/>
-                </a:highlight>
-              </a:rPr>
-              <a:t>var </a:t>
-            </a:r>
-            <a:r>
-              <a:rPr lang="tr-TR" dirty="0" err="1" smtClean="0">
-                <a:solidFill>
-                  <a:srgbClr val="FFFFFF"/>
-                </a:solidFill>
-                <a:highlight>
-                  <a:srgbClr val="272822"/>
-                </a:highlight>
-              </a:rPr>
-              <a:t>myCar</a:t>
-            </a:r>
-            <a:r>
-              <a:rPr lang="tr-TR" dirty="0" smtClean="0">
-                <a:solidFill>
-                  <a:srgbClr val="FFFFFF"/>
-                </a:solidFill>
-                <a:highlight>
-                  <a:srgbClr val="272822"/>
-                </a:highlight>
-              </a:rPr>
-              <a:t> </a:t>
-            </a:r>
-            <a:r>
-              <a:rPr lang="tr-TR" dirty="0">
-                <a:solidFill>
-                  <a:srgbClr val="FFFFFF"/>
-                </a:solidFill>
-                <a:highlight>
-                  <a:srgbClr val="272822"/>
-                </a:highlight>
-              </a:rPr>
-              <a:t>= {</a:t>
-            </a:r>
-          </a:p>
-          <a:p>
-            <a:r>
-              <a:rPr lang="tr-TR" dirty="0">
-                <a:solidFill>
-                  <a:srgbClr val="FFFFFF"/>
-                </a:solidFill>
-                <a:highlight>
-                  <a:srgbClr val="272822"/>
-                </a:highlight>
-              </a:rPr>
-              <a:t>		</a:t>
-            </a:r>
-            <a:r>
-              <a:rPr lang="tr-TR" dirty="0" smtClean="0">
-                <a:solidFill>
-                  <a:srgbClr val="FFFFFF"/>
-                </a:solidFill>
-                <a:highlight>
-                  <a:srgbClr val="272822"/>
-                </a:highlight>
-              </a:rPr>
-              <a:t>‘</a:t>
-            </a:r>
-            <a:r>
-              <a:rPr lang="tr-TR" dirty="0" err="1" smtClean="0">
-                <a:solidFill>
-                  <a:srgbClr val="FFFFFF"/>
-                </a:solidFill>
-                <a:highlight>
-                  <a:srgbClr val="272822"/>
-                </a:highlight>
-              </a:rPr>
-              <a:t>brand</a:t>
-            </a:r>
-            <a:r>
-              <a:rPr lang="tr-TR" dirty="0" smtClean="0">
-                <a:solidFill>
-                  <a:srgbClr val="FFFFFF"/>
-                </a:solidFill>
-                <a:highlight>
-                  <a:srgbClr val="272822"/>
-                </a:highlight>
-              </a:rPr>
-              <a:t>’: ‘Ferrari’,</a:t>
-            </a:r>
-            <a:endParaRPr lang="tr-TR" dirty="0">
-              <a:solidFill>
-                <a:srgbClr val="FFFFFF"/>
-              </a:solidFill>
-              <a:highlight>
-                <a:srgbClr val="272822"/>
-              </a:highlight>
-            </a:endParaRPr>
-          </a:p>
-          <a:p>
-            <a:r>
-              <a:rPr lang="tr-TR" dirty="0">
-                <a:solidFill>
-                  <a:srgbClr val="FFFFFF"/>
-                </a:solidFill>
-                <a:highlight>
-                  <a:srgbClr val="272822"/>
-                </a:highlight>
-              </a:rPr>
-              <a:t>	  </a:t>
-            </a:r>
-            <a:r>
-              <a:rPr lang="tr-TR" dirty="0" smtClean="0">
-                <a:solidFill>
-                  <a:srgbClr val="FFFFFF"/>
-                </a:solidFill>
-                <a:highlight>
-                  <a:srgbClr val="272822"/>
-                </a:highlight>
-              </a:rPr>
-              <a:t>‘</a:t>
-            </a:r>
-            <a:r>
-              <a:rPr lang="tr-TR" dirty="0" err="1" smtClean="0">
-                <a:solidFill>
-                  <a:srgbClr val="FFFFFF"/>
-                </a:solidFill>
-                <a:highlight>
-                  <a:srgbClr val="272822"/>
-                </a:highlight>
-              </a:rPr>
-              <a:t>color</a:t>
-            </a:r>
-            <a:r>
-              <a:rPr lang="tr-TR" dirty="0" smtClean="0">
-                <a:solidFill>
-                  <a:srgbClr val="FFFFFF"/>
-                </a:solidFill>
-                <a:highlight>
-                  <a:srgbClr val="272822"/>
-                </a:highlight>
-              </a:rPr>
-              <a:t>’: ‘</a:t>
-            </a:r>
-            <a:r>
-              <a:rPr lang="tr-TR" dirty="0" err="1" smtClean="0">
-                <a:solidFill>
-                  <a:srgbClr val="FFFFFF"/>
-                </a:solidFill>
-                <a:highlight>
-                  <a:srgbClr val="272822"/>
-                </a:highlight>
-              </a:rPr>
-              <a:t>red</a:t>
-            </a:r>
-            <a:r>
-              <a:rPr lang="tr-TR" dirty="0" smtClean="0">
-                <a:solidFill>
-                  <a:srgbClr val="FFFFFF"/>
-                </a:solidFill>
-                <a:highlight>
-                  <a:srgbClr val="272822"/>
-                </a:highlight>
-              </a:rPr>
-              <a:t>’,</a:t>
-            </a:r>
-          </a:p>
-          <a:p>
-            <a:r>
-              <a:rPr lang="tr-TR" dirty="0">
-                <a:solidFill>
-                  <a:srgbClr val="FFFFFF"/>
-                </a:solidFill>
-                <a:highlight>
-                  <a:srgbClr val="272822"/>
-                </a:highlight>
-              </a:rPr>
-              <a:t> </a:t>
-            </a:r>
-            <a:r>
-              <a:rPr lang="tr-TR" dirty="0" smtClean="0">
-                <a:solidFill>
-                  <a:srgbClr val="FFFFFF"/>
-                </a:solidFill>
-                <a:highlight>
-                  <a:srgbClr val="272822"/>
-                </a:highlight>
-              </a:rPr>
-              <a:t>   ‘</a:t>
-            </a:r>
-            <a:r>
-              <a:rPr lang="tr-TR" dirty="0" err="1" smtClean="0">
-                <a:solidFill>
-                  <a:srgbClr val="FFFFFF"/>
-                </a:solidFill>
-                <a:highlight>
-                  <a:srgbClr val="272822"/>
-                </a:highlight>
-              </a:rPr>
-              <a:t>drive</a:t>
-            </a:r>
-            <a:r>
-              <a:rPr lang="tr-TR" dirty="0" smtClean="0">
-                <a:solidFill>
-                  <a:srgbClr val="FFFFFF"/>
-                </a:solidFill>
-                <a:highlight>
-                  <a:srgbClr val="272822"/>
-                </a:highlight>
-              </a:rPr>
-              <a:t>’: </a:t>
-            </a:r>
-            <a:r>
-              <a:rPr lang="tr-TR" dirty="0" err="1" smtClean="0">
-                <a:solidFill>
-                  <a:srgbClr val="FFFFFF"/>
-                </a:solidFill>
-                <a:highlight>
-                  <a:srgbClr val="272822"/>
-                </a:highlight>
-              </a:rPr>
-              <a:t>function</a:t>
-            </a:r>
-            <a:r>
-              <a:rPr lang="tr-TR" dirty="0" smtClean="0">
-                <a:solidFill>
-                  <a:srgbClr val="FFFFFF"/>
-                </a:solidFill>
-                <a:highlight>
-                  <a:srgbClr val="272822"/>
-                </a:highlight>
-              </a:rPr>
-              <a:t>() {....}</a:t>
-            </a:r>
-            <a:endParaRPr lang="tr-TR" dirty="0">
-              <a:solidFill>
-                <a:srgbClr val="FFFFFF"/>
-              </a:solidFill>
-              <a:highlight>
-                <a:srgbClr val="272822"/>
-              </a:highlight>
-            </a:endParaRPr>
-          </a:p>
-          <a:p>
-            <a:r>
-              <a:rPr lang="tr-TR" dirty="0" smtClean="0">
-                <a:solidFill>
-                  <a:srgbClr val="FFFFFF"/>
-                </a:solidFill>
-                <a:highlight>
-                  <a:srgbClr val="272822"/>
-                </a:highlight>
-              </a:rPr>
-              <a:t>};</a:t>
-            </a:r>
-            <a:endParaRPr lang="tr-TR" dirty="0">
-              <a:solidFill>
-                <a:srgbClr val="FFFFFF"/>
-              </a:solidFill>
-              <a:highlight>
-                <a:srgbClr val="272822"/>
-              </a:highlight>
-            </a:endParaRPr>
+            <a:pPr marL="0" indent="0">
+              <a:buNone/>
+            </a:pPr>
+            <a:r>
+              <a:rPr lang="de-DE" dirty="0" smtClean="0"/>
+              <a:t>Ein Objekt ist ein:</a:t>
+            </a:r>
+          </a:p>
+          <a:p>
+            <a:r>
+              <a:rPr lang="de-DE" dirty="0" smtClean="0"/>
+              <a:t>Container </a:t>
+            </a:r>
+            <a:r>
+              <a:rPr lang="de-DE" dirty="0"/>
+              <a:t>für Schlüssel-Wert-Paare </a:t>
+            </a:r>
+            <a:endParaRPr lang="de-DE" dirty="0" smtClean="0"/>
+          </a:p>
+          <a:p>
+            <a:r>
+              <a:rPr lang="de-DE" dirty="0" smtClean="0"/>
+              <a:t>Kann über den Objekt-Konstruktor gebildet werden</a:t>
+            </a:r>
+          </a:p>
+          <a:p>
+            <a:r>
+              <a:rPr lang="de-DE" dirty="0" smtClean="0"/>
+              <a:t>Kann direkt über das Objekt-Literal gebildet werden</a:t>
+            </a:r>
+          </a:p>
+          <a:p>
+            <a:r>
+              <a:rPr lang="de-DE" dirty="0" smtClean="0"/>
+              <a:t>Kann Methoden enthalten</a:t>
+            </a:r>
+          </a:p>
+          <a:p>
+            <a:r>
+              <a:rPr lang="de-DE" dirty="0" smtClean="0"/>
+              <a:t>Spannt einen eigenen Kontext auf</a:t>
+            </a:r>
+            <a:endParaRPr lang="de-DE" dirty="0"/>
           </a:p>
         </p:txBody>
       </p:sp>
       <p:sp>
         <p:nvSpPr>
-          <p:cNvPr id="4" name="Titel 3"/>
+          <p:cNvPr id="2" name="Titel 1"/>
           <p:cNvSpPr>
             <a:spLocks noGrp="1"/>
           </p:cNvSpPr>
@@ -3288,7 +2971,7 @@
           <a:p>
             <a:r>
               <a:rPr lang="de-DE" dirty="0" smtClean="0"/>
-              <a:t>Object</a:t>
+              <a:t>Objekt</a:t>
             </a:r>
             <a:endParaRPr lang="de-DE" dirty="0"/>
           </a:p>
@@ -3297,7 +2980,7 @@
     </p:spTree>
     <p:extLst>
       <p:ext uri="{BB962C8B-B14F-4D97-AF65-F5344CB8AC3E}">
-        <p14:creationId xmlns:p14="http://schemas.microsoft.com/office/powerpoint/2010/main" val="1673921645"/>
+        <p14:creationId xmlns:p14="http://schemas.microsoft.com/office/powerpoint/2010/main" val="947386058"/>
       </p:ext>
     </p:extLst>
   </p:cSld>
@@ -3343,145 +3026,366 @@
         </p:nvSpPr>
         <p:spPr/>
         <p:txBody>
-          <a:bodyPr/>
+          <a:bodyPr>
+            <a:normAutofit/>
+          </a:bodyPr>
           <a:lstStyle/>
           <a:p>
             <a:r>
-              <a:rPr lang="de-DE" dirty="0" err="1"/>
-              <a:t>var</a:t>
-            </a:r>
-            <a:r>
-              <a:rPr lang="de-DE" dirty="0"/>
-              <a:t> </a:t>
-            </a:r>
-            <a:r>
-              <a:rPr lang="de-DE" dirty="0" err="1"/>
-              <a:t>myObject</a:t>
-            </a:r>
-            <a:r>
-              <a:rPr lang="de-DE" dirty="0"/>
-              <a:t> = {</a:t>
-            </a:r>
-          </a:p>
-          <a:p>
-            <a:r>
-              <a:rPr lang="de-DE" dirty="0"/>
-              <a:t>	</a:t>
-            </a:r>
-            <a:r>
-              <a:rPr lang="de-DE" dirty="0" err="1" smtClean="0"/>
-              <a:t>val</a:t>
-            </a:r>
-            <a:r>
-              <a:rPr lang="de-DE" dirty="0"/>
-              <a:t>: 0,</a:t>
-            </a:r>
-          </a:p>
-          <a:p>
-            <a:r>
-              <a:rPr lang="de-DE" dirty="0"/>
-              <a:t> </a:t>
-            </a:r>
-            <a:r>
-              <a:rPr lang="de-DE" dirty="0" smtClean="0"/>
-              <a:t>	</a:t>
-            </a:r>
-            <a:r>
-              <a:rPr lang="de-DE" dirty="0" err="1" smtClean="0"/>
-              <a:t>increment</a:t>
-            </a:r>
-            <a:r>
-              <a:rPr lang="de-DE" dirty="0"/>
-              <a:t>: </a:t>
-            </a:r>
-            <a:r>
-              <a:rPr lang="de-DE" dirty="0" err="1"/>
+              <a:rPr lang="en-US" dirty="0"/>
+              <a:t>// Objects map keys (string) to values (properties):</a:t>
+            </a:r>
+          </a:p>
+          <a:p>
+            <a:r>
+              <a:rPr lang="en-US" dirty="0" smtClean="0"/>
+              <a:t>var </a:t>
+            </a:r>
+            <a:r>
+              <a:rPr lang="en-US" dirty="0" err="1"/>
+              <a:t>obj</a:t>
+            </a:r>
+            <a:r>
+              <a:rPr lang="en-US" dirty="0"/>
+              <a:t> = new Object</a:t>
+            </a:r>
+            <a:r>
+              <a:rPr lang="en-US" dirty="0" smtClean="0"/>
+              <a:t>()</a:t>
+            </a:r>
+            <a:r>
+              <a:rPr lang="en-US" dirty="0"/>
+              <a:t>; </a:t>
+            </a:r>
+          </a:p>
+          <a:p>
+            <a:endParaRPr lang="tr-TR" dirty="0" smtClean="0">
+              <a:solidFill>
+                <a:srgbClr val="FFFFFF"/>
+              </a:solidFill>
+              <a:highlight>
+                <a:srgbClr val="272822"/>
+              </a:highlight>
+            </a:endParaRPr>
+          </a:p>
+          <a:p>
+            <a:r>
+              <a:rPr lang="tr-TR" dirty="0" smtClean="0">
+                <a:solidFill>
+                  <a:srgbClr val="FFFFFF"/>
+                </a:solidFill>
+                <a:highlight>
+                  <a:srgbClr val="272822"/>
+                </a:highlight>
+              </a:rPr>
+              <a:t>// </a:t>
+            </a:r>
+            <a:r>
+              <a:rPr lang="tr-TR" dirty="0" err="1" smtClean="0">
+                <a:solidFill>
+                  <a:srgbClr val="FFFFFF"/>
+                </a:solidFill>
+                <a:highlight>
+                  <a:srgbClr val="272822"/>
+                </a:highlight>
+              </a:rPr>
+              <a:t>there</a:t>
+            </a:r>
+            <a:r>
+              <a:rPr lang="tr-TR" dirty="0" smtClean="0">
+                <a:solidFill>
+                  <a:srgbClr val="FFFFFF"/>
+                </a:solidFill>
+                <a:highlight>
+                  <a:srgbClr val="272822"/>
+                </a:highlight>
+              </a:rPr>
+              <a:t> is an Object </a:t>
+            </a:r>
+            <a:r>
+              <a:rPr lang="tr-TR" dirty="0" err="1" smtClean="0">
+                <a:solidFill>
+                  <a:srgbClr val="FFFFFF"/>
+                </a:solidFill>
+                <a:highlight>
+                  <a:srgbClr val="272822"/>
+                </a:highlight>
+              </a:rPr>
+              <a:t>literal</a:t>
+            </a:r>
+            <a:endParaRPr lang="tr-TR" dirty="0" smtClean="0">
+              <a:solidFill>
+                <a:srgbClr val="FFFFFF"/>
+              </a:solidFill>
+              <a:highlight>
+                <a:srgbClr val="272822"/>
+              </a:highlight>
+            </a:endParaRPr>
+          </a:p>
+          <a:p>
+            <a:r>
+              <a:rPr lang="tr-TR" dirty="0" smtClean="0">
+                <a:solidFill>
+                  <a:srgbClr val="FFFFFF"/>
+                </a:solidFill>
+                <a:highlight>
+                  <a:srgbClr val="272822"/>
+                </a:highlight>
+              </a:rPr>
+              <a:t>var </a:t>
+            </a:r>
+            <a:r>
+              <a:rPr lang="tr-TR" dirty="0" err="1" smtClean="0">
+                <a:solidFill>
+                  <a:srgbClr val="FFFFFF"/>
+                </a:solidFill>
+                <a:highlight>
+                  <a:srgbClr val="272822"/>
+                </a:highlight>
+              </a:rPr>
+              <a:t>myCar</a:t>
+            </a:r>
+            <a:r>
+              <a:rPr lang="tr-TR" dirty="0" smtClean="0">
+                <a:solidFill>
+                  <a:srgbClr val="FFFFFF"/>
+                </a:solidFill>
+                <a:highlight>
+                  <a:srgbClr val="272822"/>
+                </a:highlight>
+              </a:rPr>
+              <a:t> </a:t>
+            </a:r>
+            <a:r>
+              <a:rPr lang="tr-TR" dirty="0">
+                <a:solidFill>
+                  <a:srgbClr val="FFFFFF"/>
+                </a:solidFill>
+                <a:highlight>
+                  <a:srgbClr val="272822"/>
+                </a:highlight>
+              </a:rPr>
+              <a:t>= {</a:t>
+            </a:r>
+          </a:p>
+          <a:p>
+            <a:r>
+              <a:rPr lang="tr-TR" dirty="0">
+                <a:solidFill>
+                  <a:srgbClr val="FFFFFF"/>
+                </a:solidFill>
+                <a:highlight>
+                  <a:srgbClr val="272822"/>
+                </a:highlight>
+              </a:rPr>
+              <a:t>		</a:t>
+            </a:r>
+            <a:r>
+              <a:rPr lang="tr-TR" dirty="0" smtClean="0">
+                <a:solidFill>
+                  <a:srgbClr val="FFFFFF"/>
+                </a:solidFill>
+                <a:highlight>
+                  <a:srgbClr val="272822"/>
+                </a:highlight>
+              </a:rPr>
+              <a:t>‘</a:t>
+            </a:r>
+            <a:r>
+              <a:rPr lang="tr-TR" dirty="0" err="1" smtClean="0">
+                <a:solidFill>
+                  <a:srgbClr val="FFFFFF"/>
+                </a:solidFill>
+                <a:highlight>
+                  <a:srgbClr val="272822"/>
+                </a:highlight>
+              </a:rPr>
+              <a:t>brand</a:t>
+            </a:r>
+            <a:r>
+              <a:rPr lang="tr-TR" dirty="0" smtClean="0">
+                <a:solidFill>
+                  <a:srgbClr val="FFFFFF"/>
+                </a:solidFill>
+                <a:highlight>
+                  <a:srgbClr val="272822"/>
+                </a:highlight>
+              </a:rPr>
+              <a:t>’: ‘Ferrari’,</a:t>
+            </a:r>
+            <a:endParaRPr lang="tr-TR" dirty="0">
+              <a:solidFill>
+                <a:srgbClr val="FFFFFF"/>
+              </a:solidFill>
+              <a:highlight>
+                <a:srgbClr val="272822"/>
+              </a:highlight>
+            </a:endParaRPr>
+          </a:p>
+          <a:p>
+            <a:r>
+              <a:rPr lang="tr-TR" dirty="0">
+                <a:solidFill>
+                  <a:srgbClr val="FFFFFF"/>
+                </a:solidFill>
+                <a:highlight>
+                  <a:srgbClr val="272822"/>
+                </a:highlight>
+              </a:rPr>
+              <a:t>	  </a:t>
+            </a:r>
+            <a:r>
+              <a:rPr lang="tr-TR" dirty="0" smtClean="0">
+                <a:solidFill>
+                  <a:srgbClr val="FFFFFF"/>
+                </a:solidFill>
+                <a:highlight>
+                  <a:srgbClr val="272822"/>
+                </a:highlight>
+              </a:rPr>
+              <a:t>‘</a:t>
+            </a:r>
+            <a:r>
+              <a:rPr lang="tr-TR" dirty="0" err="1" smtClean="0">
+                <a:solidFill>
+                  <a:srgbClr val="FFFFFF"/>
+                </a:solidFill>
+                <a:highlight>
+                  <a:srgbClr val="272822"/>
+                </a:highlight>
+              </a:rPr>
+              <a:t>color</a:t>
+            </a:r>
+            <a:r>
+              <a:rPr lang="tr-TR" dirty="0" smtClean="0">
+                <a:solidFill>
+                  <a:srgbClr val="FFFFFF"/>
+                </a:solidFill>
+                <a:highlight>
+                  <a:srgbClr val="272822"/>
+                </a:highlight>
+              </a:rPr>
+              <a:t>’: ‘</a:t>
+            </a:r>
+            <a:r>
+              <a:rPr lang="tr-TR" dirty="0" err="1" smtClean="0">
+                <a:solidFill>
+                  <a:srgbClr val="FFFFFF"/>
+                </a:solidFill>
+                <a:highlight>
+                  <a:srgbClr val="272822"/>
+                </a:highlight>
+              </a:rPr>
+              <a:t>red</a:t>
+            </a:r>
+            <a:r>
+              <a:rPr lang="tr-TR" dirty="0" smtClean="0">
+                <a:solidFill>
+                  <a:srgbClr val="FFFFFF"/>
+                </a:solidFill>
+                <a:highlight>
+                  <a:srgbClr val="272822"/>
+                </a:highlight>
+              </a:rPr>
+              <a:t>’,</a:t>
+            </a:r>
+          </a:p>
+          <a:p>
+            <a:r>
+              <a:rPr lang="tr-TR" dirty="0">
+                <a:solidFill>
+                  <a:srgbClr val="FFFFFF"/>
+                </a:solidFill>
+                <a:highlight>
+                  <a:srgbClr val="272822"/>
+                </a:highlight>
+              </a:rPr>
+              <a:t> </a:t>
+            </a:r>
+            <a:r>
+              <a:rPr lang="tr-TR" dirty="0" smtClean="0">
+                <a:solidFill>
+                  <a:srgbClr val="FFFFFF"/>
+                </a:solidFill>
+                <a:highlight>
+                  <a:srgbClr val="272822"/>
+                </a:highlight>
+              </a:rPr>
+              <a:t>   ‘</a:t>
+            </a:r>
+            <a:r>
+              <a:rPr lang="tr-TR" dirty="0" err="1" smtClean="0">
+                <a:solidFill>
+                  <a:srgbClr val="FFFFFF"/>
+                </a:solidFill>
+                <a:highlight>
+                  <a:srgbClr val="272822"/>
+                </a:highlight>
+              </a:rPr>
+              <a:t>drive</a:t>
+            </a:r>
+            <a:r>
+              <a:rPr lang="tr-TR" dirty="0" smtClean="0">
+                <a:solidFill>
+                  <a:srgbClr val="FFFFFF"/>
+                </a:solidFill>
+                <a:highlight>
+                  <a:srgbClr val="272822"/>
+                </a:highlight>
+              </a:rPr>
+              <a:t>’: </a:t>
+            </a:r>
+            <a:r>
+              <a:rPr lang="tr-TR" dirty="0" err="1" smtClean="0">
+                <a:solidFill>
+                  <a:srgbClr val="FFFFFF"/>
+                </a:solidFill>
+                <a:highlight>
+                  <a:srgbClr val="272822"/>
+                </a:highlight>
+              </a:rPr>
               <a:t>function</a:t>
             </a:r>
             <a:r>
-              <a:rPr lang="de-DE" dirty="0"/>
-              <a:t> (</a:t>
-            </a:r>
-            <a:r>
-              <a:rPr lang="de-DE" dirty="0" err="1"/>
-              <a:t>inc</a:t>
-            </a:r>
-            <a:r>
-              <a:rPr lang="de-DE" dirty="0"/>
-              <a:t>) {</a:t>
-            </a:r>
-          </a:p>
-          <a:p>
-            <a:r>
-              <a:rPr lang="de-DE" dirty="0"/>
-              <a:t> </a:t>
-            </a:r>
-            <a:r>
-              <a:rPr lang="de-DE" dirty="0" smtClean="0"/>
-              <a:t>		</a:t>
-            </a:r>
-            <a:r>
-              <a:rPr lang="de-DE" dirty="0" err="1" smtClean="0"/>
-              <a:t>this.val</a:t>
-            </a:r>
-            <a:r>
-              <a:rPr lang="de-DE" dirty="0" smtClean="0"/>
-              <a:t> += </a:t>
-            </a:r>
-            <a:r>
-              <a:rPr lang="de-DE" dirty="0" err="1" smtClean="0"/>
-              <a:t>inc</a:t>
-            </a:r>
-            <a:r>
-              <a:rPr lang="de-DE" dirty="0" smtClean="0"/>
-              <a:t>;</a:t>
-            </a:r>
-            <a:endParaRPr lang="de-DE" dirty="0"/>
-          </a:p>
-          <a:p>
-            <a:r>
-              <a:rPr lang="de-DE" dirty="0"/>
-              <a:t> </a:t>
-            </a:r>
-            <a:r>
-              <a:rPr lang="de-DE" dirty="0" smtClean="0"/>
-              <a:t>	}</a:t>
-            </a:r>
-            <a:endParaRPr lang="de-DE" dirty="0"/>
-          </a:p>
-          <a:p>
-            <a:r>
-              <a:rPr lang="de-DE" dirty="0"/>
-              <a:t>}</a:t>
-            </a:r>
-            <a:r>
-              <a:rPr lang="de-DE" dirty="0" smtClean="0"/>
-              <a:t>;</a:t>
-            </a:r>
-          </a:p>
-          <a:p>
-            <a:endParaRPr lang="de-DE" dirty="0"/>
-          </a:p>
-          <a:p>
-            <a:r>
-              <a:rPr lang="de-DE" dirty="0" err="1" smtClean="0"/>
-              <a:t>myObject.increment</a:t>
-            </a:r>
-            <a:r>
-              <a:rPr lang="de-DE" dirty="0"/>
-              <a:t>(1);</a:t>
-            </a:r>
-          </a:p>
-          <a:p>
-            <a:r>
-              <a:rPr lang="de-DE" dirty="0" err="1" smtClean="0"/>
-              <a:t>myObject.val</a:t>
-            </a:r>
-            <a:r>
-              <a:rPr lang="de-DE" dirty="0" smtClean="0"/>
-              <a:t>; // 1</a:t>
-            </a:r>
-            <a:endParaRPr lang="de-DE" dirty="0"/>
+              <a:rPr lang="tr-TR" dirty="0" smtClean="0">
+                <a:solidFill>
+                  <a:srgbClr val="FFFFFF"/>
+                </a:solidFill>
+                <a:highlight>
+                  <a:srgbClr val="272822"/>
+                </a:highlight>
+              </a:rPr>
+              <a:t>() {....}</a:t>
+            </a:r>
+            <a:endParaRPr lang="tr-TR" dirty="0">
+              <a:solidFill>
+                <a:srgbClr val="FFFFFF"/>
+              </a:solidFill>
+              <a:highlight>
+                <a:srgbClr val="272822"/>
+              </a:highlight>
+            </a:endParaRPr>
+          </a:p>
+          <a:p>
+            <a:r>
+              <a:rPr lang="tr-TR" dirty="0" smtClean="0">
+                <a:solidFill>
+                  <a:srgbClr val="FFFFFF"/>
+                </a:solidFill>
+                <a:highlight>
+                  <a:srgbClr val="272822"/>
+                </a:highlight>
+              </a:rPr>
+              <a:t>};</a:t>
+            </a:r>
+            <a:endParaRPr lang="tr-TR" dirty="0">
+              <a:solidFill>
+                <a:srgbClr val="FFFFFF"/>
+              </a:solidFill>
+              <a:highlight>
+                <a:srgbClr val="272822"/>
+              </a:highlight>
+            </a:endParaRPr>
           </a:p>
         </p:txBody>
       </p:sp>
@@ -3501,16 +3405,8 @@
           <a:lstStyle/>
           <a:p>
             <a:r>
-              <a:rPr lang="de-DE" dirty="0" err="1" smtClean="0"/>
-              <a:t>Method</a:t>
-            </a:r>
-            <a:r>
-              <a:rPr lang="de-DE" dirty="0" smtClean="0"/>
-              <a:t> </a:t>
-            </a:r>
-            <a:r>
-              <a:rPr lang="de-DE" dirty="0" err="1" smtClean="0"/>
-              <a:t>Invocation</a:t>
+              <a:rPr lang="de-DE" dirty="0" smtClean="0"/>
+              <a:t>Object</a:t>
             </a:r>
             <a:endParaRPr lang="de-DE" dirty="0"/>
           </a:p>
@@ -3519,7 +3415,7 @@
     </p:spTree>
     <p:extLst>
       <p:ext uri="{BB962C8B-B14F-4D97-AF65-F5344CB8AC3E}">
-        <p14:creationId xmlns:p14="http://schemas.microsoft.com/office/powerpoint/2010/main" val="2405011695"/>
+        <p14:creationId xmlns:p14="http://schemas.microsoft.com/office/powerpoint/2010/main" val="1673921645"/>
       </p:ext>
     </p:extLst>
   </p:cSld>
@@ -3555,6 +3451,228 @@
       </p:grpSpPr>
       <p:sp>
         <p:nvSpPr>
+          <p:cNvPr id="5" name="Inhaltsplatzhalter 4"/>
+          <p:cNvSpPr>
+            <a:spLocks noGrp="1"/>
+          </p:cNvSpPr>
+          <p:nvPr>
+            <p:ph idx="1"/>
+          </p:nvPr>
+        </p:nvSpPr>
+        <p:spPr/>
+        <p:txBody>
+          <a:bodyPr/>
+          <a:lstStyle/>
+          <a:p>
+            <a:r>
+              <a:rPr lang="de-DE" dirty="0" err="1"/>
+              <a:t>var</a:t>
+            </a:r>
+            <a:r>
+              <a:rPr lang="de-DE" dirty="0"/>
+              <a:t> </a:t>
+            </a:r>
+            <a:r>
+              <a:rPr lang="de-DE" dirty="0" err="1"/>
+              <a:t>myObject</a:t>
+            </a:r>
+            <a:r>
+              <a:rPr lang="de-DE" dirty="0"/>
+              <a:t> = {</a:t>
+            </a:r>
+          </a:p>
+          <a:p>
+            <a:r>
+              <a:rPr lang="de-DE" dirty="0"/>
+              <a:t>	</a:t>
+            </a:r>
+            <a:r>
+              <a:rPr lang="de-DE" dirty="0" err="1" smtClean="0"/>
+              <a:t>val</a:t>
+            </a:r>
+            <a:r>
+              <a:rPr lang="de-DE" dirty="0"/>
+              <a:t>: 0,</a:t>
+            </a:r>
+          </a:p>
+          <a:p>
+            <a:r>
+              <a:rPr lang="de-DE" dirty="0"/>
+              <a:t> </a:t>
+            </a:r>
+            <a:r>
+              <a:rPr lang="de-DE" dirty="0" smtClean="0"/>
+              <a:t>	</a:t>
+            </a:r>
+            <a:r>
+              <a:rPr lang="de-DE" dirty="0" err="1" smtClean="0"/>
+              <a:t>increment</a:t>
+            </a:r>
+            <a:r>
+              <a:rPr lang="de-DE" dirty="0"/>
+              <a:t>: </a:t>
+            </a:r>
+            <a:r>
+              <a:rPr lang="de-DE" dirty="0" err="1"/>
+              <a:t>function</a:t>
+            </a:r>
+            <a:r>
+              <a:rPr lang="de-DE" dirty="0"/>
+              <a:t> (</a:t>
+            </a:r>
+            <a:r>
+              <a:rPr lang="de-DE" dirty="0" err="1"/>
+              <a:t>inc</a:t>
+            </a:r>
+            <a:r>
+              <a:rPr lang="de-DE" dirty="0"/>
+              <a:t>) {</a:t>
+            </a:r>
+          </a:p>
+          <a:p>
+            <a:r>
+              <a:rPr lang="de-DE" dirty="0"/>
+              <a:t> </a:t>
+            </a:r>
+            <a:r>
+              <a:rPr lang="de-DE" dirty="0" smtClean="0"/>
+              <a:t>		</a:t>
+            </a:r>
+            <a:r>
+              <a:rPr lang="de-DE" dirty="0" err="1" smtClean="0"/>
+              <a:t>this.val</a:t>
+            </a:r>
+            <a:r>
+              <a:rPr lang="de-DE" dirty="0" smtClean="0"/>
+              <a:t> += </a:t>
+            </a:r>
+            <a:r>
+              <a:rPr lang="de-DE" dirty="0" err="1" smtClean="0"/>
+              <a:t>inc</a:t>
+            </a:r>
+            <a:r>
+              <a:rPr lang="de-DE" dirty="0" smtClean="0"/>
+              <a:t>;</a:t>
+            </a:r>
+            <a:endParaRPr lang="de-DE" dirty="0"/>
+          </a:p>
+          <a:p>
+            <a:r>
+              <a:rPr lang="de-DE" dirty="0"/>
+              <a:t> </a:t>
+            </a:r>
+            <a:r>
+              <a:rPr lang="de-DE" dirty="0" smtClean="0"/>
+              <a:t>	}</a:t>
+            </a:r>
+            <a:endParaRPr lang="de-DE" dirty="0"/>
+          </a:p>
+          <a:p>
+            <a:r>
+              <a:rPr lang="de-DE" dirty="0"/>
+              <a:t>}</a:t>
+            </a:r>
+            <a:r>
+              <a:rPr lang="de-DE" dirty="0" smtClean="0"/>
+              <a:t>;</a:t>
+            </a:r>
+          </a:p>
+          <a:p>
+            <a:endParaRPr lang="de-DE" dirty="0"/>
+          </a:p>
+          <a:p>
+            <a:r>
+              <a:rPr lang="de-DE" dirty="0" err="1" smtClean="0"/>
+              <a:t>myObject.increment</a:t>
+            </a:r>
+            <a:r>
+              <a:rPr lang="de-DE" dirty="0"/>
+              <a:t>(1);</a:t>
+            </a:r>
+          </a:p>
+          <a:p>
+            <a:r>
+              <a:rPr lang="de-DE" dirty="0" err="1" smtClean="0"/>
+              <a:t>myObject.val</a:t>
+            </a:r>
+            <a:r>
+              <a:rPr lang="de-DE" dirty="0" smtClean="0"/>
+              <a:t>; // 1</a:t>
+            </a:r>
+            <a:endParaRPr lang="de-DE" dirty="0"/>
+          </a:p>
+        </p:txBody>
+      </p:sp>
+      <p:sp>
+        <p:nvSpPr>
+          <p:cNvPr id="4" name="Titel 3"/>
+          <p:cNvSpPr>
+            <a:spLocks noGrp="1"/>
+          </p:cNvSpPr>
+          <p:nvPr>
+            <p:ph type="title"/>
+          </p:nvPr>
+        </p:nvSpPr>
+        <p:spPr/>
+        <p:txBody>
+          <a:bodyPr/>
+          <a:lstStyle/>
+          <a:p>
+            <a:r>
+              <a:rPr lang="de-DE" dirty="0" err="1" smtClean="0"/>
+              <a:t>Method</a:t>
+            </a:r>
+            <a:r>
+              <a:rPr lang="de-DE" dirty="0" smtClean="0"/>
+              <a:t> </a:t>
+            </a:r>
+            <a:r>
+              <a:rPr lang="de-DE" dirty="0" err="1" smtClean="0"/>
+              <a:t>Invocation</a:t>
+            </a:r>
+            <a:endParaRPr lang="de-DE" dirty="0"/>
+          </a:p>
+        </p:txBody>
+      </p:sp>
+    </p:spTree>
+    <p:extLst>
+      <p:ext uri="{BB962C8B-B14F-4D97-AF65-F5344CB8AC3E}">
+        <p14:creationId xmlns:p14="http://schemas.microsoft.com/office/powerpoint/2010/main" val="2405011695"/>
+      </p:ext>
+    </p:extLst>
+  </p:cSld>
+  <p:clrMapOvr>
+    <a:masterClrMapping/>
+  </p:clrMapOvr>
+  <p:timing>
+    <p:tnLst>
+      <p:par>
+        <p:cTn xmlns:p14="http://schemas.microsoft.com/office/powerpoint/2010/main" id="1" dur="indefinite" restart="never" nodeType="tmRoot"/>
+      </p:par>
+    </p:tnLst>
+  </p:timing>
+</p:sld>
+</file>
+
+<file path=ppt/slides/slide13.xml><?xml version="1.0" encoding="utf-8"?>
+<p:sld xmlns:a="http://schemas.openxmlformats.org/drawingml/2006/main" xmlns:r="http://schemas.openxmlformats.org/officeDocument/2006/relationships" xmlns:p="http://schemas.openxmlformats.org/presentationml/2006/main">
+  <p:cSld>
+    <p:spTree>
+      <p:nvGrpSpPr>
+        <p:cNvPr id="1" name=""/>
+        <p:cNvGrpSpPr/>
+        <p:nvPr/>
+      </p:nvGrpSpPr>
+      <p:grpSpPr>
+        <a:xfrm>
+          <a:off x="0" y="0"/>
+          <a:ext cx="0" cy="0"/>
+          <a:chOff x="0" y="0"/>
+          <a:chExt cx="0" cy="0"/>
+        </a:xfrm>
+      </p:grpSpPr>
+      <p:sp>
+        <p:nvSpPr>
           <p:cNvPr id="5" name="Rechteck 4"/>
           <p:cNvSpPr/>
           <p:nvPr/>
@@ -3745,7 +3863,7 @@
 </p:sld>
 </file>
 
-<file path=ppt/slides/slide13.xml><?xml version="1.0" encoding="utf-8"?>
+<file path=ppt/slides/slide14.xml><?xml version="1.0" encoding="utf-8"?>
 <p:sld xmlns:a="http://schemas.openxmlformats.org/drawingml/2006/main" xmlns:r="http://schemas.openxmlformats.org/officeDocument/2006/relationships" xmlns:p="http://schemas.openxmlformats.org/presentationml/2006/main">
   <p:cSld>
     <p:spTree>
@@ -3916,147 +4034,6 @@
 </p:sld>
 </file>
 
-<file path=ppt/slides/slide14.xml><?xml version="1.0" encoding="utf-8"?>
-<p:sld xmlns:a="http://schemas.openxmlformats.org/drawingml/2006/main" xmlns:r="http://schemas.openxmlformats.org/officeDocument/2006/relationships" xmlns:p="http://schemas.openxmlformats.org/presentationml/2006/main">
-  <p:cSld>
-    <p:spTree>
-      <p:nvGrpSpPr>
-        <p:cNvPr id="1" name=""/>
-        <p:cNvGrpSpPr/>
-        <p:nvPr/>
-      </p:nvGrpSpPr>
-      <p:grpSpPr>
-        <a:xfrm>
-          <a:off x="0" y="0"/>
-          <a:ext cx="0" cy="0"/>
-          <a:chOff x="0" y="0"/>
-          <a:chExt cx="0" cy="0"/>
-        </a:xfrm>
-      </p:grpSpPr>
-      <p:sp>
-        <p:nvSpPr>
-          <p:cNvPr id="2" name="Inhaltsplatzhalter 1"/>
-          <p:cNvSpPr>
-            <a:spLocks noGrp="1"/>
-          </p:cNvSpPr>
-          <p:nvPr>
-            <p:ph idx="1"/>
-          </p:nvPr>
-        </p:nvSpPr>
-        <p:spPr/>
-        <p:txBody>
-          <a:bodyPr/>
-          <a:lstStyle/>
-          <a:p>
-            <a:r>
-              <a:rPr lang="de-DE" dirty="0" smtClean="0"/>
-              <a:t>Debuggen über alert ist doof</a:t>
-            </a:r>
-          </a:p>
-          <a:p>
-            <a:r>
-              <a:rPr lang="de-DE" dirty="0" smtClean="0"/>
-              <a:t>Aber: Mit </a:t>
-            </a:r>
-            <a:r>
-              <a:rPr lang="de-DE" dirty="0" err="1" smtClean="0"/>
-              <a:t>console.log</a:t>
-            </a:r>
-            <a:r>
-              <a:rPr lang="de-DE" dirty="0" smtClean="0"/>
-              <a:t>() (</a:t>
-            </a:r>
-            <a:r>
-              <a:rPr lang="de-DE" dirty="0" err="1" smtClean="0"/>
-              <a:t>debug</a:t>
-            </a:r>
-            <a:r>
-              <a:rPr lang="de-DE" dirty="0" smtClean="0"/>
-              <a:t>, </a:t>
-            </a:r>
-            <a:r>
-              <a:rPr lang="de-DE" dirty="0" err="1" smtClean="0"/>
-              <a:t>info</a:t>
-            </a:r>
-            <a:r>
-              <a:rPr lang="de-DE" dirty="0" smtClean="0"/>
-              <a:t>, warn, </a:t>
-            </a:r>
-            <a:r>
-              <a:rPr lang="de-DE" dirty="0" err="1" smtClean="0"/>
-              <a:t>error</a:t>
-            </a:r>
-            <a:r>
-              <a:rPr lang="de-DE" dirty="0" smtClean="0"/>
-              <a:t>) bekommt man geregeltes </a:t>
-            </a:r>
-            <a:r>
-              <a:rPr lang="de-DE" dirty="0" err="1" smtClean="0"/>
-              <a:t>Logging</a:t>
-            </a:r>
-            <a:r>
-              <a:rPr lang="de-DE" dirty="0" smtClean="0"/>
-              <a:t> hin</a:t>
-            </a:r>
-          </a:p>
-          <a:p>
-            <a:r>
-              <a:rPr lang="de-DE" dirty="0"/>
-              <a:t>Es gibt JS-Debugger</a:t>
-            </a:r>
-          </a:p>
-          <a:p>
-            <a:r>
-              <a:rPr lang="de-DE" dirty="0"/>
-              <a:t>Besser ist natürlich test-getriebene </a:t>
-            </a:r>
-            <a:r>
-              <a:rPr lang="de-DE" dirty="0" err="1"/>
-              <a:t>Entwicklerung</a:t>
-            </a:r>
-            <a:endParaRPr lang="de-DE" dirty="0"/>
-          </a:p>
-          <a:p>
-            <a:endParaRPr lang="de-DE" dirty="0"/>
-          </a:p>
-        </p:txBody>
-      </p:sp>
-      <p:sp>
-        <p:nvSpPr>
-          <p:cNvPr id="3" name="Titel 2"/>
-          <p:cNvSpPr>
-            <a:spLocks noGrp="1"/>
-          </p:cNvSpPr>
-          <p:nvPr>
-            <p:ph type="title"/>
-          </p:nvPr>
-        </p:nvSpPr>
-        <p:spPr/>
-        <p:txBody>
-          <a:bodyPr/>
-          <a:lstStyle/>
-          <a:p>
-            <a:r>
-              <a:rPr lang="de-DE" dirty="0" err="1" smtClean="0"/>
-              <a:t>Console</a:t>
-            </a:r>
-            <a:endParaRPr lang="de-DE" dirty="0"/>
-          </a:p>
-        </p:txBody>
-      </p:sp>
-    </p:spTree>
-    <p:extLst>
-      <p:ext uri="{BB962C8B-B14F-4D97-AF65-F5344CB8AC3E}">
-        <p14:creationId xmlns:p14="http://schemas.microsoft.com/office/powerpoint/2010/main" val="2479476741"/>
-      </p:ext>
-    </p:extLst>
-  </p:cSld>
-  <p:clrMapOvr>
-    <a:masterClrMapping/>
-  </p:clrMapOvr>
-</p:sld>
-</file>
-
 <file path=ppt/slides/slide15.xml><?xml version="1.0" encoding="utf-8"?>
 <p:sld xmlns:a="http://schemas.openxmlformats.org/drawingml/2006/main" xmlns:r="http://schemas.openxmlformats.org/officeDocument/2006/relationships" xmlns:p="http://schemas.openxmlformats.org/presentationml/2006/main">
   <p:cSld>
@@ -4091,20 +4068,71 @@
           <a:p>
             <a:r>
               <a:rPr lang="de-DE" dirty="0" smtClean="0"/>
-              <a:t>Ein Array ist vom Typ </a:t>
+              <a:t>Debuggen über alert ist doof</a:t>
+            </a:r>
+          </a:p>
+          <a:p>
+            <a:r>
+              <a:rPr lang="de-DE" dirty="0" smtClean="0"/>
+              <a:t>Aber: Mit </a:t>
             </a:r>
             <a:r>
               <a:rPr lang="de-DE" dirty="0" err="1" smtClean="0"/>
-              <a:t>Object</a:t>
-            </a:r>
-            <a:endParaRPr lang="de-DE" dirty="0" smtClean="0"/>
-          </a:p>
-          <a:p>
-            <a:r>
-              <a:rPr lang="de-DE" dirty="0" smtClean="0"/>
-              <a:t>D.h., es ist ein Objekt mit Properties und Methoden.</a:t>
-            </a:r>
-            <a:endParaRPr lang="de-DE" dirty="0" smtClean="0"/>
+              <a:t>console.log</a:t>
+            </a:r>
+            <a:r>
+              <a:rPr lang="de-DE" dirty="0" smtClean="0"/>
+              <a:t>() (</a:t>
+            </a:r>
+            <a:r>
+              <a:rPr lang="de-DE" dirty="0" err="1" smtClean="0"/>
+              <a:t>debug</a:t>
+            </a:r>
+            <a:r>
+              <a:rPr lang="de-DE" dirty="0" smtClean="0"/>
+              <a:t>, </a:t>
+            </a:r>
+            <a:r>
+              <a:rPr lang="de-DE" dirty="0" err="1" smtClean="0"/>
+              <a:t>info</a:t>
+            </a:r>
+            <a:r>
+              <a:rPr lang="de-DE" dirty="0" smtClean="0"/>
+              <a:t>, warn, </a:t>
+            </a:r>
+            <a:r>
+              <a:rPr lang="de-DE" dirty="0" err="1" smtClean="0"/>
+              <a:t>error</a:t>
+            </a:r>
+            <a:r>
+              <a:rPr lang="de-DE" dirty="0" smtClean="0"/>
+              <a:t>) bekommt man geregeltes </a:t>
+            </a:r>
+            <a:r>
+              <a:rPr lang="de-DE" dirty="0" err="1" smtClean="0"/>
+              <a:t>Logging</a:t>
+            </a:r>
+            <a:r>
+              <a:rPr lang="de-DE" dirty="0" smtClean="0"/>
+              <a:t> hin</a:t>
+            </a:r>
+          </a:p>
+          <a:p>
+            <a:r>
+              <a:rPr lang="de-DE" dirty="0"/>
+              <a:t>Es gibt JS-Debugger</a:t>
+            </a:r>
+          </a:p>
+          <a:p>
+            <a:r>
+              <a:rPr lang="de-DE" dirty="0"/>
+              <a:t>Besser ist natürlich test-getriebene </a:t>
+            </a:r>
+            <a:r>
+              <a:rPr lang="de-DE" dirty="0" err="1"/>
+              <a:t>Entwicklerung</a:t>
+            </a:r>
+            <a:endParaRPr lang="de-DE" dirty="0"/>
           </a:p>
           <a:p>
             <a:endParaRPr lang="de-DE" dirty="0"/>
@@ -4127,8 +4155,8 @@
           <a:lstStyle/>
           <a:p>
             <a:r>
-              <a:rPr lang="de-DE" dirty="0" smtClean="0"/>
-              <a:t>Arrays</a:t>
+              <a:rPr lang="de-DE" dirty="0" err="1" smtClean="0"/>
+              <a:t>Console</a:t>
             </a:r>
             <a:endParaRPr lang="de-DE" dirty="0"/>
           </a:p>
@@ -4137,20 +4165,13 @@
     </p:spTree>
     <p:extLst>
       <p:ext uri="{BB962C8B-B14F-4D97-AF65-F5344CB8AC3E}">
-        <p14:creationId xmlns:p14="http://schemas.microsoft.com/office/powerpoint/2010/main" val="3936742792"/>
+        <p14:creationId xmlns:p14="http://schemas.microsoft.com/office/powerpoint/2010/main" val="2479476741"/>
       </p:ext>
     </p:extLst>
   </p:cSld>
   <p:clrMapOvr>
     <a:masterClrMapping/>
   </p:clrMapOvr>
-  <p:timing>
-    <p:tnLst>
-      <p:par>
-        <p:cTn xmlns:p14="http://schemas.microsoft.com/office/powerpoint/2010/main" id="1" dur="indefinite" restart="never" nodeType="tmRoot"/>
-      </p:par>
-    </p:tnLst>
-  </p:timing>
 </p:sld>
 </file>
 
@@ -4188,671 +4209,18 @@
           <a:p>
             <a:r>
               <a:rPr lang="de-DE" dirty="0" smtClean="0"/>
-              <a:t>The </a:t>
-            </a:r>
-            <a:r>
-              <a:rPr lang="de-DE" dirty="0" err="1"/>
-              <a:t>indexOf</a:t>
-            </a:r>
-            <a:r>
-              <a:rPr lang="de-DE" dirty="0"/>
-              <a:t>() </a:t>
-            </a:r>
-            <a:r>
-              <a:rPr lang="de-DE" dirty="0" err="1"/>
-              <a:t>method</a:t>
-            </a:r>
-            <a:r>
-              <a:rPr lang="de-DE" dirty="0"/>
-              <a:t> </a:t>
-            </a:r>
-            <a:r>
-              <a:rPr lang="de-DE" dirty="0" err="1"/>
-              <a:t>returns</a:t>
-            </a:r>
-            <a:r>
-              <a:rPr lang="de-DE" dirty="0"/>
-              <a:t> </a:t>
-            </a:r>
-            <a:r>
-              <a:rPr lang="de-DE" dirty="0" err="1"/>
-              <a:t>the</a:t>
-            </a:r>
-            <a:r>
-              <a:rPr lang="de-DE" dirty="0"/>
-              <a:t> </a:t>
-            </a:r>
-            <a:r>
-              <a:rPr lang="de-DE" dirty="0" err="1"/>
-              <a:t>first</a:t>
-            </a:r>
-            <a:r>
-              <a:rPr lang="de-DE" dirty="0"/>
-              <a:t> </a:t>
-            </a:r>
-            <a:r>
-              <a:rPr lang="de-DE" dirty="0" err="1"/>
-              <a:t>index</a:t>
-            </a:r>
-            <a:r>
-              <a:rPr lang="de-DE" dirty="0"/>
-              <a:t> </a:t>
-            </a:r>
-            <a:r>
-              <a:rPr lang="de-DE" dirty="0" err="1"/>
-              <a:t>at</a:t>
-            </a:r>
-            <a:r>
-              <a:rPr lang="de-DE" dirty="0"/>
-              <a:t> </a:t>
-            </a:r>
-            <a:r>
-              <a:rPr lang="de-DE" dirty="0" err="1"/>
-              <a:t>which</a:t>
-            </a:r>
-            <a:r>
-              <a:rPr lang="de-DE" dirty="0"/>
-              <a:t> a </a:t>
-            </a:r>
-            <a:r>
-              <a:rPr lang="de-DE" dirty="0" err="1"/>
-              <a:t>given</a:t>
-            </a:r>
-            <a:r>
-              <a:rPr lang="de-DE" dirty="0"/>
-              <a:t> </a:t>
-            </a:r>
-            <a:r>
-              <a:rPr lang="de-DE" dirty="0" err="1"/>
-              <a:t>element</a:t>
-            </a:r>
-            <a:r>
-              <a:rPr lang="de-DE" dirty="0"/>
-              <a:t> </a:t>
-            </a:r>
-            <a:r>
-              <a:rPr lang="de-DE" dirty="0" err="1"/>
-              <a:t>can</a:t>
-            </a:r>
-            <a:r>
-              <a:rPr lang="de-DE" dirty="0"/>
-              <a:t> </a:t>
-            </a:r>
-            <a:r>
-              <a:rPr lang="de-DE" dirty="0" err="1"/>
-              <a:t>be</a:t>
-            </a:r>
-            <a:r>
-              <a:rPr lang="de-DE" dirty="0"/>
-              <a:t> </a:t>
-            </a:r>
-            <a:r>
-              <a:rPr lang="de-DE" dirty="0" err="1"/>
-              <a:t>found</a:t>
-            </a:r>
-            <a:r>
-              <a:rPr lang="de-DE" dirty="0"/>
-              <a:t> in </a:t>
-            </a:r>
-            <a:r>
-              <a:rPr lang="de-DE" dirty="0" err="1"/>
-              <a:t>the</a:t>
-            </a:r>
-            <a:r>
-              <a:rPr lang="de-DE" dirty="0"/>
-              <a:t> </a:t>
-            </a:r>
-            <a:r>
-              <a:rPr lang="de-DE" dirty="0" err="1"/>
-              <a:t>array</a:t>
-            </a:r>
-            <a:r>
-              <a:rPr lang="de-DE" dirty="0"/>
-              <a:t>, </a:t>
-            </a:r>
-            <a:r>
-              <a:rPr lang="de-DE" dirty="0" err="1"/>
-              <a:t>or</a:t>
-            </a:r>
-            <a:r>
-              <a:rPr lang="de-DE" dirty="0"/>
-              <a:t> -1 </a:t>
-            </a:r>
-            <a:r>
-              <a:rPr lang="de-DE" dirty="0" err="1"/>
-              <a:t>if</a:t>
-            </a:r>
-            <a:r>
-              <a:rPr lang="de-DE" dirty="0"/>
-              <a:t> </a:t>
-            </a:r>
-            <a:r>
-              <a:rPr lang="de-DE" dirty="0" err="1"/>
-              <a:t>it</a:t>
-            </a:r>
-            <a:r>
-              <a:rPr lang="de-DE" dirty="0"/>
-              <a:t> </a:t>
-            </a:r>
-            <a:r>
-              <a:rPr lang="de-DE" dirty="0" err="1"/>
-              <a:t>is</a:t>
-            </a:r>
-            <a:r>
-              <a:rPr lang="de-DE" dirty="0"/>
-              <a:t> not </a:t>
-            </a:r>
-            <a:r>
-              <a:rPr lang="de-DE" dirty="0" err="1"/>
-              <a:t>present</a:t>
-            </a:r>
-            <a:r>
-              <a:rPr lang="de-DE" dirty="0"/>
-              <a:t>.</a:t>
-            </a:r>
-          </a:p>
-          <a:p>
-            <a:r>
-              <a:rPr lang="de-DE" dirty="0" smtClean="0"/>
-              <a:t>The </a:t>
-            </a:r>
-            <a:r>
-              <a:rPr lang="de-DE" dirty="0" err="1"/>
-              <a:t>filter</a:t>
-            </a:r>
-            <a:r>
-              <a:rPr lang="de-DE" dirty="0"/>
-              <a:t>() </a:t>
-            </a:r>
-            <a:r>
-              <a:rPr lang="de-DE" dirty="0" err="1"/>
-              <a:t>method</a:t>
-            </a:r>
-            <a:r>
-              <a:rPr lang="de-DE" dirty="0"/>
-              <a:t> </a:t>
-            </a:r>
-            <a:r>
-              <a:rPr lang="de-DE" dirty="0" err="1"/>
-              <a:t>creates</a:t>
-            </a:r>
-            <a:r>
-              <a:rPr lang="de-DE" dirty="0"/>
-              <a:t> a </a:t>
-            </a:r>
-            <a:r>
-              <a:rPr lang="de-DE" dirty="0" err="1"/>
-              <a:t>new</a:t>
-            </a:r>
-            <a:r>
-              <a:rPr lang="de-DE" dirty="0"/>
-              <a:t> </a:t>
-            </a:r>
-            <a:r>
-              <a:rPr lang="de-DE" dirty="0" err="1"/>
-              <a:t>array</a:t>
-            </a:r>
-            <a:r>
-              <a:rPr lang="de-DE" dirty="0"/>
-              <a:t> </a:t>
-            </a:r>
-            <a:r>
-              <a:rPr lang="de-DE" dirty="0" err="1"/>
-              <a:t>with</a:t>
-            </a:r>
-            <a:r>
-              <a:rPr lang="de-DE" dirty="0"/>
-              <a:t> all </a:t>
-            </a:r>
-            <a:r>
-              <a:rPr lang="de-DE" dirty="0" err="1"/>
-              <a:t>elements</a:t>
-            </a:r>
-            <a:r>
-              <a:rPr lang="de-DE" dirty="0"/>
-              <a:t> </a:t>
-            </a:r>
-            <a:r>
-              <a:rPr lang="de-DE" dirty="0" err="1"/>
-              <a:t>that</a:t>
-            </a:r>
-            <a:r>
-              <a:rPr lang="de-DE" dirty="0"/>
-              <a:t> pass </a:t>
-            </a:r>
-            <a:r>
-              <a:rPr lang="de-DE" dirty="0" err="1"/>
-              <a:t>the</a:t>
-            </a:r>
-            <a:r>
-              <a:rPr lang="de-DE" dirty="0"/>
-              <a:t> </a:t>
-            </a:r>
-            <a:r>
-              <a:rPr lang="de-DE" dirty="0" err="1"/>
-              <a:t>test</a:t>
-            </a:r>
-            <a:r>
-              <a:rPr lang="de-DE" dirty="0"/>
-              <a:t> </a:t>
-            </a:r>
-            <a:r>
-              <a:rPr lang="de-DE" dirty="0" err="1"/>
-              <a:t>implemented</a:t>
-            </a:r>
-            <a:r>
-              <a:rPr lang="de-DE" dirty="0"/>
-              <a:t> </a:t>
-            </a:r>
-            <a:r>
-              <a:rPr lang="de-DE" dirty="0" err="1"/>
-              <a:t>by</a:t>
-            </a:r>
-            <a:r>
-              <a:rPr lang="de-DE" dirty="0"/>
-              <a:t> </a:t>
-            </a:r>
-            <a:r>
-              <a:rPr lang="de-DE" dirty="0" err="1"/>
-              <a:t>the</a:t>
-            </a:r>
-            <a:r>
-              <a:rPr lang="de-DE" dirty="0"/>
-              <a:t> </a:t>
-            </a:r>
-            <a:r>
-              <a:rPr lang="de-DE" dirty="0" err="1"/>
-              <a:t>provided</a:t>
-            </a:r>
-            <a:r>
-              <a:rPr lang="de-DE" dirty="0"/>
-              <a:t> </a:t>
-            </a:r>
-            <a:r>
-              <a:rPr lang="de-DE" dirty="0" err="1"/>
-              <a:t>function</a:t>
-            </a:r>
-            <a:r>
-              <a:rPr lang="de-DE" dirty="0"/>
-              <a:t>.</a:t>
-            </a:r>
-          </a:p>
-          <a:p>
-            <a:r>
-              <a:rPr lang="de-DE" dirty="0"/>
-              <a:t>The </a:t>
-            </a:r>
-            <a:r>
-              <a:rPr lang="de-DE" dirty="0" err="1"/>
-              <a:t>forEach</a:t>
-            </a:r>
-            <a:r>
-              <a:rPr lang="de-DE" dirty="0"/>
-              <a:t>() </a:t>
-            </a:r>
-            <a:r>
-              <a:rPr lang="de-DE" dirty="0" err="1"/>
-              <a:t>method</a:t>
-            </a:r>
-            <a:r>
-              <a:rPr lang="de-DE" dirty="0"/>
-              <a:t> </a:t>
-            </a:r>
-            <a:r>
-              <a:rPr lang="de-DE" dirty="0" err="1"/>
-              <a:t>executes</a:t>
-            </a:r>
-            <a:r>
-              <a:rPr lang="de-DE" dirty="0"/>
-              <a:t> a </a:t>
-            </a:r>
-            <a:r>
-              <a:rPr lang="de-DE" dirty="0" err="1"/>
-              <a:t>provided</a:t>
-            </a:r>
-            <a:r>
-              <a:rPr lang="de-DE" dirty="0"/>
-              <a:t> </a:t>
-            </a:r>
-            <a:r>
-              <a:rPr lang="de-DE" dirty="0" err="1"/>
-              <a:t>function</a:t>
-            </a:r>
-            <a:r>
-              <a:rPr lang="de-DE" dirty="0"/>
-              <a:t> </a:t>
-            </a:r>
-            <a:r>
-              <a:rPr lang="de-DE" dirty="0" err="1"/>
-              <a:t>once</a:t>
-            </a:r>
-            <a:r>
-              <a:rPr lang="de-DE" dirty="0"/>
-              <a:t> per </a:t>
-            </a:r>
-            <a:r>
-              <a:rPr lang="de-DE" dirty="0" err="1"/>
-              <a:t>array</a:t>
-            </a:r>
-            <a:r>
-              <a:rPr lang="de-DE" dirty="0"/>
-              <a:t> </a:t>
-            </a:r>
-            <a:r>
-              <a:rPr lang="de-DE" dirty="0" err="1"/>
-              <a:t>element</a:t>
-            </a:r>
-            <a:r>
-              <a:rPr lang="de-DE" dirty="0" smtClean="0"/>
-              <a:t>.</a:t>
-            </a:r>
-          </a:p>
-          <a:p>
-            <a:r>
-              <a:rPr lang="de-DE" dirty="0"/>
-              <a:t>The </a:t>
-            </a:r>
-            <a:r>
-              <a:rPr lang="de-DE" dirty="0" err="1"/>
-              <a:t>map</a:t>
-            </a:r>
-            <a:r>
-              <a:rPr lang="de-DE" dirty="0"/>
-              <a:t>() </a:t>
-            </a:r>
-            <a:r>
-              <a:rPr lang="de-DE" dirty="0" err="1"/>
-              <a:t>method</a:t>
-            </a:r>
-            <a:r>
-              <a:rPr lang="de-DE" dirty="0"/>
-              <a:t> </a:t>
-            </a:r>
-            <a:r>
-              <a:rPr lang="de-DE" dirty="0" err="1"/>
-              <a:t>creates</a:t>
-            </a:r>
-            <a:r>
-              <a:rPr lang="de-DE" dirty="0"/>
-              <a:t> a </a:t>
-            </a:r>
-            <a:r>
-              <a:rPr lang="de-DE" dirty="0" err="1"/>
-              <a:t>new</a:t>
-            </a:r>
-            <a:r>
-              <a:rPr lang="de-DE" dirty="0"/>
-              <a:t> </a:t>
-            </a:r>
-            <a:r>
-              <a:rPr lang="de-DE" dirty="0" err="1"/>
-              <a:t>array</a:t>
-            </a:r>
-            <a:r>
-              <a:rPr lang="de-DE" dirty="0"/>
-              <a:t> </a:t>
-            </a:r>
-            <a:r>
-              <a:rPr lang="de-DE" dirty="0" err="1"/>
-              <a:t>with</a:t>
-            </a:r>
-            <a:r>
-              <a:rPr lang="de-DE" dirty="0"/>
-              <a:t> </a:t>
-            </a:r>
-            <a:r>
-              <a:rPr lang="de-DE" dirty="0" err="1"/>
-              <a:t>the</a:t>
-            </a:r>
-            <a:r>
-              <a:rPr lang="de-DE" dirty="0"/>
-              <a:t> </a:t>
-            </a:r>
-            <a:r>
-              <a:rPr lang="de-DE" dirty="0" err="1"/>
-              <a:t>results</a:t>
-            </a:r>
-            <a:r>
-              <a:rPr lang="de-DE" dirty="0"/>
-              <a:t> </a:t>
-            </a:r>
-            <a:r>
-              <a:rPr lang="de-DE" dirty="0" err="1"/>
-              <a:t>of</a:t>
-            </a:r>
-            <a:r>
-              <a:rPr lang="de-DE" dirty="0"/>
-              <a:t> </a:t>
-            </a:r>
-            <a:r>
-              <a:rPr lang="de-DE" dirty="0" err="1"/>
-              <a:t>calling</a:t>
-            </a:r>
-            <a:r>
-              <a:rPr lang="de-DE" dirty="0"/>
-              <a:t> a </a:t>
-            </a:r>
-            <a:r>
-              <a:rPr lang="de-DE" dirty="0" err="1"/>
-              <a:t>provided</a:t>
-            </a:r>
-            <a:r>
-              <a:rPr lang="de-DE" dirty="0"/>
-              <a:t> </a:t>
-            </a:r>
-            <a:r>
-              <a:rPr lang="de-DE" dirty="0" err="1"/>
-              <a:t>function</a:t>
-            </a:r>
-            <a:r>
-              <a:rPr lang="de-DE" dirty="0"/>
-              <a:t> on </a:t>
-            </a:r>
-            <a:r>
-              <a:rPr lang="de-DE" dirty="0" err="1"/>
-              <a:t>every</a:t>
-            </a:r>
-            <a:r>
-              <a:rPr lang="de-DE" dirty="0"/>
-              <a:t> </a:t>
-            </a:r>
-            <a:r>
-              <a:rPr lang="de-DE" dirty="0" err="1"/>
-              <a:t>element</a:t>
-            </a:r>
-            <a:r>
-              <a:rPr lang="de-DE" dirty="0"/>
-              <a:t> in </a:t>
-            </a:r>
-            <a:r>
-              <a:rPr lang="de-DE" dirty="0" err="1"/>
-              <a:t>this</a:t>
-            </a:r>
-            <a:r>
-              <a:rPr lang="de-DE" dirty="0"/>
-              <a:t> </a:t>
-            </a:r>
-            <a:r>
-              <a:rPr lang="de-DE" dirty="0" err="1"/>
-              <a:t>array</a:t>
-            </a:r>
-            <a:r>
-              <a:rPr lang="de-DE" dirty="0" smtClean="0"/>
-              <a:t>.</a:t>
-            </a:r>
-          </a:p>
-          <a:p>
-            <a:r>
-              <a:rPr lang="de-DE" dirty="0"/>
-              <a:t>The </a:t>
-            </a:r>
-            <a:r>
-              <a:rPr lang="de-DE" dirty="0" err="1"/>
-              <a:t>reduce</a:t>
-            </a:r>
-            <a:r>
-              <a:rPr lang="de-DE" dirty="0"/>
-              <a:t>() </a:t>
-            </a:r>
-            <a:r>
-              <a:rPr lang="de-DE" dirty="0" err="1"/>
-              <a:t>method</a:t>
-            </a:r>
-            <a:r>
-              <a:rPr lang="de-DE" dirty="0"/>
-              <a:t> </a:t>
-            </a:r>
-            <a:r>
-              <a:rPr lang="de-DE" dirty="0" err="1"/>
-              <a:t>applies</a:t>
-            </a:r>
-            <a:r>
-              <a:rPr lang="de-DE" dirty="0"/>
-              <a:t> a </a:t>
-            </a:r>
-            <a:r>
-              <a:rPr lang="de-DE" dirty="0" err="1"/>
-              <a:t>function</a:t>
-            </a:r>
-            <a:r>
-              <a:rPr lang="de-DE" dirty="0"/>
-              <a:t> </a:t>
-            </a:r>
-            <a:r>
-              <a:rPr lang="de-DE" dirty="0" err="1"/>
-              <a:t>against</a:t>
-            </a:r>
-            <a:r>
-              <a:rPr lang="de-DE" dirty="0"/>
-              <a:t> an </a:t>
-            </a:r>
-            <a:r>
-              <a:rPr lang="de-DE" dirty="0" err="1"/>
-              <a:t>accumulator</a:t>
-            </a:r>
-            <a:r>
-              <a:rPr lang="de-DE" dirty="0"/>
-              <a:t> </a:t>
-            </a:r>
-            <a:r>
-              <a:rPr lang="de-DE" dirty="0" err="1"/>
-              <a:t>and</a:t>
-            </a:r>
-            <a:r>
-              <a:rPr lang="de-DE" dirty="0"/>
-              <a:t> </a:t>
-            </a:r>
-            <a:r>
-              <a:rPr lang="de-DE" dirty="0" err="1"/>
-              <a:t>each</a:t>
-            </a:r>
-            <a:r>
-              <a:rPr lang="de-DE" dirty="0"/>
-              <a:t> </a:t>
-            </a:r>
-            <a:r>
-              <a:rPr lang="de-DE" dirty="0" err="1"/>
-              <a:t>value</a:t>
-            </a:r>
-            <a:r>
-              <a:rPr lang="de-DE" dirty="0"/>
-              <a:t> </a:t>
-            </a:r>
-            <a:r>
-              <a:rPr lang="de-DE" dirty="0" err="1"/>
-              <a:t>of</a:t>
-            </a:r>
-            <a:r>
-              <a:rPr lang="de-DE" dirty="0"/>
-              <a:t> </a:t>
-            </a:r>
-            <a:r>
-              <a:rPr lang="de-DE" dirty="0" err="1"/>
-              <a:t>the</a:t>
-            </a:r>
-            <a:r>
-              <a:rPr lang="de-DE" dirty="0"/>
-              <a:t> </a:t>
-            </a:r>
-            <a:r>
-              <a:rPr lang="de-DE" dirty="0" err="1"/>
-              <a:t>array</a:t>
-            </a:r>
-            <a:r>
-              <a:rPr lang="de-DE" dirty="0"/>
-              <a:t> (</a:t>
-            </a:r>
-            <a:r>
-              <a:rPr lang="de-DE" dirty="0" err="1"/>
-              <a:t>from</a:t>
-            </a:r>
-            <a:r>
-              <a:rPr lang="de-DE" dirty="0"/>
-              <a:t> </a:t>
-            </a:r>
-            <a:r>
-              <a:rPr lang="de-DE" dirty="0" err="1"/>
-              <a:t>left-to-right</a:t>
-            </a:r>
-            <a:r>
-              <a:rPr lang="de-DE" dirty="0"/>
-              <a:t>) </a:t>
-            </a:r>
-            <a:r>
-              <a:rPr lang="de-DE" dirty="0" err="1"/>
-              <a:t>has</a:t>
-            </a:r>
-            <a:r>
-              <a:rPr lang="de-DE" dirty="0"/>
-              <a:t> </a:t>
-            </a:r>
-            <a:r>
-              <a:rPr lang="de-DE" dirty="0" err="1"/>
-              <a:t>to</a:t>
-            </a:r>
-            <a:r>
-              <a:rPr lang="de-DE" dirty="0"/>
-              <a:t> </a:t>
-            </a:r>
-            <a:r>
-              <a:rPr lang="de-DE" dirty="0" err="1"/>
-              <a:t>reduce</a:t>
-            </a:r>
-            <a:r>
-              <a:rPr lang="de-DE" dirty="0"/>
-              <a:t> </a:t>
-            </a:r>
-            <a:r>
-              <a:rPr lang="de-DE" dirty="0" err="1"/>
-              <a:t>it</a:t>
-            </a:r>
-            <a:r>
-              <a:rPr lang="de-DE" dirty="0"/>
-              <a:t> </a:t>
-            </a:r>
-            <a:r>
-              <a:rPr lang="de-DE" dirty="0" err="1"/>
-              <a:t>to</a:t>
-            </a:r>
-            <a:r>
-              <a:rPr lang="de-DE" dirty="0"/>
-              <a:t> a </a:t>
-            </a:r>
-            <a:r>
-              <a:rPr lang="de-DE" dirty="0" err="1"/>
-              <a:t>single</a:t>
-            </a:r>
-            <a:r>
-              <a:rPr lang="de-DE" dirty="0"/>
-              <a:t> </a:t>
-            </a:r>
-            <a:r>
-              <a:rPr lang="de-DE" dirty="0" err="1"/>
-              <a:t>value</a:t>
-            </a:r>
-            <a:r>
-              <a:rPr lang="de-DE" dirty="0"/>
-              <a:t>.</a:t>
+              <a:t>Ein Array ist vom Typ </a:t>
+            </a:r>
+            <a:r>
+              <a:rPr lang="de-DE" dirty="0" err="1" smtClean="0"/>
+              <a:t>Object</a:t>
+            </a:r>
+            <a:endParaRPr lang="de-DE" dirty="0" smtClean="0"/>
+          </a:p>
+          <a:p>
+            <a:r>
+              <a:rPr lang="de-DE" dirty="0" smtClean="0"/>
+              <a:t>D.h., es ist ein Objekt mit Properties und Methoden.</a:t>
             </a:r>
           </a:p>
           <a:p>
@@ -4886,7 +4254,7 @@
     </p:spTree>
     <p:extLst>
       <p:ext uri="{BB962C8B-B14F-4D97-AF65-F5344CB8AC3E}">
-        <p14:creationId xmlns:p14="http://schemas.microsoft.com/office/powerpoint/2010/main" val="1019305664"/>
+        <p14:creationId xmlns:p14="http://schemas.microsoft.com/office/powerpoint/2010/main" val="3936742792"/>
       </p:ext>
     </p:extLst>
   </p:cSld>
@@ -4941,6 +4309,368 @@
             </a:r>
             <a:r>
               <a:rPr lang="de-DE" dirty="0" err="1"/>
+              <a:t>indexOf</a:t>
+            </a:r>
+            <a:r>
+              <a:rPr lang="de-DE" dirty="0"/>
+              <a:t>() </a:t>
+            </a:r>
+            <a:r>
+              <a:rPr lang="de-DE" dirty="0" err="1"/>
+              <a:t>method</a:t>
+            </a:r>
+            <a:r>
+              <a:rPr lang="de-DE" dirty="0"/>
+              <a:t> </a:t>
+            </a:r>
+            <a:r>
+              <a:rPr lang="de-DE" dirty="0" err="1"/>
+              <a:t>returns</a:t>
+            </a:r>
+            <a:r>
+              <a:rPr lang="de-DE" dirty="0"/>
+              <a:t> </a:t>
+            </a:r>
+            <a:r>
+              <a:rPr lang="de-DE" dirty="0" err="1"/>
+              <a:t>the</a:t>
+            </a:r>
+            <a:r>
+              <a:rPr lang="de-DE" dirty="0"/>
+              <a:t> </a:t>
+            </a:r>
+            <a:r>
+              <a:rPr lang="de-DE" dirty="0" err="1"/>
+              <a:t>first</a:t>
+            </a:r>
+            <a:r>
+              <a:rPr lang="de-DE" dirty="0"/>
+              <a:t> </a:t>
+            </a:r>
+            <a:r>
+              <a:rPr lang="de-DE" dirty="0" err="1"/>
+              <a:t>index</a:t>
+            </a:r>
+            <a:r>
+              <a:rPr lang="de-DE" dirty="0"/>
+              <a:t> </a:t>
+            </a:r>
+            <a:r>
+              <a:rPr lang="de-DE" dirty="0" err="1"/>
+              <a:t>at</a:t>
+            </a:r>
+            <a:r>
+              <a:rPr lang="de-DE" dirty="0"/>
+              <a:t> </a:t>
+            </a:r>
+            <a:r>
+              <a:rPr lang="de-DE" dirty="0" err="1"/>
+              <a:t>which</a:t>
+            </a:r>
+            <a:r>
+              <a:rPr lang="de-DE" dirty="0"/>
+              <a:t> a </a:t>
+            </a:r>
+            <a:r>
+              <a:rPr lang="de-DE" dirty="0" err="1"/>
+              <a:t>given</a:t>
+            </a:r>
+            <a:r>
+              <a:rPr lang="de-DE" dirty="0"/>
+              <a:t> </a:t>
+            </a:r>
+            <a:r>
+              <a:rPr lang="de-DE" dirty="0" err="1"/>
+              <a:t>element</a:t>
+            </a:r>
+            <a:r>
+              <a:rPr lang="de-DE" dirty="0"/>
+              <a:t> </a:t>
+            </a:r>
+            <a:r>
+              <a:rPr lang="de-DE" dirty="0" err="1"/>
+              <a:t>can</a:t>
+            </a:r>
+            <a:r>
+              <a:rPr lang="de-DE" dirty="0"/>
+              <a:t> </a:t>
+            </a:r>
+            <a:r>
+              <a:rPr lang="de-DE" dirty="0" err="1"/>
+              <a:t>be</a:t>
+            </a:r>
+            <a:r>
+              <a:rPr lang="de-DE" dirty="0"/>
+              <a:t> </a:t>
+            </a:r>
+            <a:r>
+              <a:rPr lang="de-DE" dirty="0" err="1"/>
+              <a:t>found</a:t>
+            </a:r>
+            <a:r>
+              <a:rPr lang="de-DE" dirty="0"/>
+              <a:t> in </a:t>
+            </a:r>
+            <a:r>
+              <a:rPr lang="de-DE" dirty="0" err="1"/>
+              <a:t>the</a:t>
+            </a:r>
+            <a:r>
+              <a:rPr lang="de-DE" dirty="0"/>
+              <a:t> </a:t>
+            </a:r>
+            <a:r>
+              <a:rPr lang="de-DE" dirty="0" err="1"/>
+              <a:t>array</a:t>
+            </a:r>
+            <a:r>
+              <a:rPr lang="de-DE" dirty="0"/>
+              <a:t>, </a:t>
+            </a:r>
+            <a:r>
+              <a:rPr lang="de-DE" dirty="0" err="1"/>
+              <a:t>or</a:t>
+            </a:r>
+            <a:r>
+              <a:rPr lang="de-DE" dirty="0"/>
+              <a:t> -1 </a:t>
+            </a:r>
+            <a:r>
+              <a:rPr lang="de-DE" dirty="0" err="1"/>
+              <a:t>if</a:t>
+            </a:r>
+            <a:r>
+              <a:rPr lang="de-DE" dirty="0"/>
+              <a:t> </a:t>
+            </a:r>
+            <a:r>
+              <a:rPr lang="de-DE" dirty="0" err="1"/>
+              <a:t>it</a:t>
+            </a:r>
+            <a:r>
+              <a:rPr lang="de-DE" dirty="0"/>
+              <a:t> </a:t>
+            </a:r>
+            <a:r>
+              <a:rPr lang="de-DE" dirty="0" err="1"/>
+              <a:t>is</a:t>
+            </a:r>
+            <a:r>
+              <a:rPr lang="de-DE" dirty="0"/>
+              <a:t> not </a:t>
+            </a:r>
+            <a:r>
+              <a:rPr lang="de-DE" dirty="0" err="1"/>
+              <a:t>present</a:t>
+            </a:r>
+            <a:r>
+              <a:rPr lang="de-DE" dirty="0"/>
+              <a:t>.</a:t>
+            </a:r>
+          </a:p>
+          <a:p>
+            <a:r>
+              <a:rPr lang="de-DE" dirty="0" smtClean="0"/>
+              <a:t>The </a:t>
+            </a:r>
+            <a:r>
+              <a:rPr lang="de-DE" dirty="0" err="1"/>
+              <a:t>filter</a:t>
+            </a:r>
+            <a:r>
+              <a:rPr lang="de-DE" dirty="0"/>
+              <a:t>() </a:t>
+            </a:r>
+            <a:r>
+              <a:rPr lang="de-DE" dirty="0" err="1"/>
+              <a:t>method</a:t>
+            </a:r>
+            <a:r>
+              <a:rPr lang="de-DE" dirty="0"/>
+              <a:t> </a:t>
+            </a:r>
+            <a:r>
+              <a:rPr lang="de-DE" dirty="0" err="1"/>
+              <a:t>creates</a:t>
+            </a:r>
+            <a:r>
+              <a:rPr lang="de-DE" dirty="0"/>
+              <a:t> a </a:t>
+            </a:r>
+            <a:r>
+              <a:rPr lang="de-DE" dirty="0" err="1"/>
+              <a:t>new</a:t>
+            </a:r>
+            <a:r>
+              <a:rPr lang="de-DE" dirty="0"/>
+              <a:t> </a:t>
+            </a:r>
+            <a:r>
+              <a:rPr lang="de-DE" dirty="0" err="1"/>
+              <a:t>array</a:t>
+            </a:r>
+            <a:r>
+              <a:rPr lang="de-DE" dirty="0"/>
+              <a:t> </a:t>
+            </a:r>
+            <a:r>
+              <a:rPr lang="de-DE" dirty="0" err="1"/>
+              <a:t>with</a:t>
+            </a:r>
+            <a:r>
+              <a:rPr lang="de-DE" dirty="0"/>
+              <a:t> all </a:t>
+            </a:r>
+            <a:r>
+              <a:rPr lang="de-DE" dirty="0" err="1"/>
+              <a:t>elements</a:t>
+            </a:r>
+            <a:r>
+              <a:rPr lang="de-DE" dirty="0"/>
+              <a:t> </a:t>
+            </a:r>
+            <a:r>
+              <a:rPr lang="de-DE" dirty="0" err="1"/>
+              <a:t>that</a:t>
+            </a:r>
+            <a:r>
+              <a:rPr lang="de-DE" dirty="0"/>
+              <a:t> pass </a:t>
+            </a:r>
+            <a:r>
+              <a:rPr lang="de-DE" dirty="0" err="1"/>
+              <a:t>the</a:t>
+            </a:r>
+            <a:r>
+              <a:rPr lang="de-DE" dirty="0"/>
+              <a:t> </a:t>
+            </a:r>
+            <a:r>
+              <a:rPr lang="de-DE" dirty="0" err="1"/>
+              <a:t>test</a:t>
+            </a:r>
+            <a:r>
+              <a:rPr lang="de-DE" dirty="0"/>
+              <a:t> </a:t>
+            </a:r>
+            <a:r>
+              <a:rPr lang="de-DE" dirty="0" err="1"/>
+              <a:t>implemented</a:t>
+            </a:r>
+            <a:r>
+              <a:rPr lang="de-DE" dirty="0"/>
+              <a:t> </a:t>
+            </a:r>
+            <a:r>
+              <a:rPr lang="de-DE" dirty="0" err="1"/>
+              <a:t>by</a:t>
+            </a:r>
+            <a:r>
+              <a:rPr lang="de-DE" dirty="0"/>
+              <a:t> </a:t>
+            </a:r>
+            <a:r>
+              <a:rPr lang="de-DE" dirty="0" err="1"/>
+              <a:t>the</a:t>
+            </a:r>
+            <a:r>
+              <a:rPr lang="de-DE" dirty="0"/>
+              <a:t> </a:t>
+            </a:r>
+            <a:r>
+              <a:rPr lang="de-DE" dirty="0" err="1"/>
+              <a:t>provided</a:t>
+            </a:r>
+            <a:r>
+              <a:rPr lang="de-DE" dirty="0"/>
+              <a:t> </a:t>
+            </a:r>
+            <a:r>
+              <a:rPr lang="de-DE" dirty="0" err="1"/>
+              <a:t>function</a:t>
+            </a:r>
+            <a:r>
+              <a:rPr lang="de-DE" dirty="0"/>
+              <a:t>.</a:t>
+            </a:r>
+          </a:p>
+          <a:p>
+            <a:r>
+              <a:rPr lang="de-DE" dirty="0"/>
+              <a:t>The </a:t>
+            </a:r>
+            <a:r>
+              <a:rPr lang="de-DE" dirty="0" err="1"/>
+              <a:t>forEach</a:t>
+            </a:r>
+            <a:r>
+              <a:rPr lang="de-DE" dirty="0"/>
+              <a:t>() </a:t>
+            </a:r>
+            <a:r>
+              <a:rPr lang="de-DE" dirty="0" err="1"/>
+              <a:t>method</a:t>
+            </a:r>
+            <a:r>
+              <a:rPr lang="de-DE" dirty="0"/>
+              <a:t> </a:t>
+            </a:r>
+            <a:r>
+              <a:rPr lang="de-DE" dirty="0" err="1"/>
+              <a:t>executes</a:t>
+            </a:r>
+            <a:r>
+              <a:rPr lang="de-DE" dirty="0"/>
+              <a:t> a </a:t>
+            </a:r>
+            <a:r>
+              <a:rPr lang="de-DE" dirty="0" err="1"/>
+              <a:t>provided</a:t>
+            </a:r>
+            <a:r>
+              <a:rPr lang="de-DE" dirty="0"/>
+              <a:t> </a:t>
+            </a:r>
+            <a:r>
+              <a:rPr lang="de-DE" dirty="0" err="1"/>
+              <a:t>function</a:t>
+            </a:r>
+            <a:r>
+              <a:rPr lang="de-DE" dirty="0"/>
+              <a:t> </a:t>
+            </a:r>
+            <a:r>
+              <a:rPr lang="de-DE" dirty="0" err="1"/>
+              <a:t>once</a:t>
+            </a:r>
+            <a:r>
+              <a:rPr lang="de-DE" dirty="0"/>
+              <a:t> per </a:t>
+            </a:r>
+            <a:r>
+              <a:rPr lang="de-DE" dirty="0" err="1"/>
+              <a:t>array</a:t>
+            </a:r>
+            <a:r>
+              <a:rPr lang="de-DE" dirty="0"/>
+              <a:t> </a:t>
+            </a:r>
+            <a:r>
+              <a:rPr lang="de-DE" dirty="0" err="1"/>
+              <a:t>element</a:t>
+            </a:r>
+            <a:r>
+              <a:rPr lang="de-DE" dirty="0" smtClean="0"/>
+              <a:t>.</a:t>
+            </a:r>
+          </a:p>
+          <a:p>
+            <a:r>
+              <a:rPr lang="de-DE" dirty="0"/>
+              <a:t>The </a:t>
+            </a:r>
+            <a:r>
+              <a:rPr lang="de-DE" dirty="0" err="1"/>
               <a:t>map</a:t>
             </a:r>
             <a:r>
@@ -5273,7 +5003,7 @@
     </p:spTree>
     <p:extLst>
       <p:ext uri="{BB962C8B-B14F-4D97-AF65-F5344CB8AC3E}">
-        <p14:creationId xmlns:p14="http://schemas.microsoft.com/office/powerpoint/2010/main" val="3073625663"/>
+        <p14:creationId xmlns:p14="http://schemas.microsoft.com/office/powerpoint/2010/main" val="1019305664"/>
       </p:ext>
     </p:extLst>
   </p:cSld>
@@ -5323,15 +5053,194 @@
           <a:lstStyle/>
           <a:p>
             <a:r>
-              <a:rPr lang="de-DE" dirty="0" err="1" smtClean="0"/>
-              <a:t>demethodizing</a:t>
-            </a:r>
-            <a:endParaRPr lang="de-DE" dirty="0" smtClean="0"/>
-          </a:p>
-          <a:p>
-            <a:r>
-              <a:rPr lang="de-DE" dirty="0" err="1"/>
-              <a:t>var</a:t>
+              <a:rPr lang="de-DE" dirty="0" smtClean="0"/>
+              <a:t>The </a:t>
+            </a:r>
+            <a:r>
+              <a:rPr lang="de-DE" dirty="0" err="1"/>
+              <a:t>map</a:t>
+            </a:r>
+            <a:r>
+              <a:rPr lang="de-DE" dirty="0"/>
+              <a:t>() </a:t>
+            </a:r>
+            <a:r>
+              <a:rPr lang="de-DE" dirty="0" err="1"/>
+              <a:t>method</a:t>
+            </a:r>
+            <a:r>
+              <a:rPr lang="de-DE" dirty="0"/>
+              <a:t> </a:t>
+            </a:r>
+            <a:r>
+              <a:rPr lang="de-DE" dirty="0" err="1"/>
+              <a:t>creates</a:t>
+            </a:r>
+            <a:r>
+              <a:rPr lang="de-DE" dirty="0"/>
+              <a:t> a </a:t>
+            </a:r>
+            <a:r>
+              <a:rPr lang="de-DE" dirty="0" err="1"/>
+              <a:t>new</a:t>
+            </a:r>
+            <a:r>
+              <a:rPr lang="de-DE" dirty="0"/>
+              <a:t> </a:t>
+            </a:r>
+            <a:r>
+              <a:rPr lang="de-DE" dirty="0" err="1"/>
+              <a:t>array</a:t>
+            </a:r>
+            <a:r>
+              <a:rPr lang="de-DE" dirty="0"/>
+              <a:t> </a:t>
+            </a:r>
+            <a:r>
+              <a:rPr lang="de-DE" dirty="0" err="1"/>
+              <a:t>with</a:t>
+            </a:r>
+            <a:r>
+              <a:rPr lang="de-DE" dirty="0"/>
+              <a:t> </a:t>
+            </a:r>
+            <a:r>
+              <a:rPr lang="de-DE" dirty="0" err="1"/>
+              <a:t>the</a:t>
+            </a:r>
+            <a:r>
+              <a:rPr lang="de-DE" dirty="0"/>
+              <a:t> </a:t>
+            </a:r>
+            <a:r>
+              <a:rPr lang="de-DE" dirty="0" err="1"/>
+              <a:t>results</a:t>
+            </a:r>
+            <a:r>
+              <a:rPr lang="de-DE" dirty="0"/>
+              <a:t> </a:t>
+            </a:r>
+            <a:r>
+              <a:rPr lang="de-DE" dirty="0" err="1"/>
+              <a:t>of</a:t>
+            </a:r>
+            <a:r>
+              <a:rPr lang="de-DE" dirty="0"/>
+              <a:t> </a:t>
+            </a:r>
+            <a:r>
+              <a:rPr lang="de-DE" dirty="0" err="1"/>
+              <a:t>calling</a:t>
+            </a:r>
+            <a:r>
+              <a:rPr lang="de-DE" dirty="0"/>
+              <a:t> a </a:t>
+            </a:r>
+            <a:r>
+              <a:rPr lang="de-DE" dirty="0" err="1"/>
+              <a:t>provided</a:t>
+            </a:r>
+            <a:r>
+              <a:rPr lang="de-DE" dirty="0"/>
+              <a:t> </a:t>
+            </a:r>
+            <a:r>
+              <a:rPr lang="de-DE" dirty="0" err="1"/>
+              <a:t>function</a:t>
+            </a:r>
+            <a:r>
+              <a:rPr lang="de-DE" dirty="0"/>
+              <a:t> on </a:t>
+            </a:r>
+            <a:r>
+              <a:rPr lang="de-DE" dirty="0" err="1"/>
+              <a:t>every</a:t>
+            </a:r>
+            <a:r>
+              <a:rPr lang="de-DE" dirty="0"/>
+              <a:t> </a:t>
+            </a:r>
+            <a:r>
+              <a:rPr lang="de-DE" dirty="0" err="1"/>
+              <a:t>element</a:t>
+            </a:r>
+            <a:r>
+              <a:rPr lang="de-DE" dirty="0"/>
+              <a:t> in </a:t>
+            </a:r>
+            <a:r>
+              <a:rPr lang="de-DE" dirty="0" err="1"/>
+              <a:t>this</a:t>
+            </a:r>
+            <a:r>
+              <a:rPr lang="de-DE" dirty="0"/>
+              <a:t> </a:t>
+            </a:r>
+            <a:r>
+              <a:rPr lang="de-DE" dirty="0" err="1"/>
+              <a:t>array</a:t>
+            </a:r>
+            <a:r>
+              <a:rPr lang="de-DE" dirty="0" smtClean="0"/>
+              <a:t>.</a:t>
+            </a:r>
+          </a:p>
+          <a:p>
+            <a:r>
+              <a:rPr lang="de-DE" dirty="0"/>
+              <a:t>The </a:t>
+            </a:r>
+            <a:r>
+              <a:rPr lang="de-DE" dirty="0" err="1"/>
+              <a:t>reduce</a:t>
+            </a:r>
+            <a:r>
+              <a:rPr lang="de-DE" dirty="0"/>
+              <a:t>() </a:t>
+            </a:r>
+            <a:r>
+              <a:rPr lang="de-DE" dirty="0" err="1"/>
+              <a:t>method</a:t>
+            </a:r>
+            <a:r>
+              <a:rPr lang="de-DE" dirty="0"/>
+              <a:t> </a:t>
+            </a:r>
+            <a:r>
+              <a:rPr lang="de-DE" dirty="0" err="1"/>
+              <a:t>applies</a:t>
+            </a:r>
+            <a:r>
+              <a:rPr lang="de-DE" dirty="0"/>
+              <a:t> a </a:t>
+            </a:r>
+            <a:r>
+              <a:rPr lang="de-DE" dirty="0" err="1"/>
+              <a:t>function</a:t>
+            </a:r>
+            <a:r>
+              <a:rPr lang="de-DE" dirty="0"/>
+              <a:t> </a:t>
+            </a:r>
+            <a:r>
+              <a:rPr lang="de-DE" dirty="0" err="1"/>
+              <a:t>against</a:t>
+            </a:r>
+            <a:r>
+              <a:rPr lang="de-DE" dirty="0"/>
+              <a:t> an </a:t>
+            </a:r>
+            <a:r>
+              <a:rPr lang="de-DE" dirty="0" err="1"/>
+              <a:t>accumulator</a:t>
+            </a:r>
+            <a:r>
+              <a:rPr lang="de-DE" dirty="0"/>
+              <a:t> </a:t>
+            </a:r>
+            <a:r>
+              <a:rPr lang="de-DE" dirty="0" err="1"/>
+              <a:t>and</a:t>
             </a:r>
             <a:r>
               <a:rPr lang="de-DE" dirty="0"/>
@@ -5343,23 +5252,111 @@
             </a:r>
             <a:r>
               <a:rPr lang="de-DE" dirty="0"/>
-              <a:t> = </a:t>
-            </a:r>
-            <a:r>
-              <a:rPr lang="de-DE" dirty="0" err="1"/>
-              <a:t>Function.prototype.call.bind</a:t>
-            </a:r>
-            <a:r>
-              <a:rPr lang="de-DE" dirty="0"/>
-              <a:t>([].</a:t>
-            </a:r>
-            <a:r>
-              <a:rPr lang="de-DE" dirty="0" err="1"/>
-              <a:t>forEach</a:t>
-            </a:r>
-            <a:r>
-              <a:rPr lang="de-DE" dirty="0"/>
-              <a:t>);</a:t>
+              <a:t> </a:t>
+            </a:r>
+            <a:r>
+              <a:rPr lang="de-DE" dirty="0" err="1"/>
+              <a:t>value</a:t>
+            </a:r>
+            <a:r>
+              <a:rPr lang="de-DE" dirty="0"/>
+              <a:t> </a:t>
+            </a:r>
+            <a:r>
+              <a:rPr lang="de-DE" dirty="0" err="1"/>
+              <a:t>of</a:t>
+            </a:r>
+            <a:r>
+              <a:rPr lang="de-DE" dirty="0"/>
+              <a:t> </a:t>
+            </a:r>
+            <a:r>
+              <a:rPr lang="de-DE" dirty="0" err="1"/>
+              <a:t>the</a:t>
+            </a:r>
+            <a:r>
+              <a:rPr lang="de-DE" dirty="0"/>
+              <a:t> </a:t>
+            </a:r>
+            <a:r>
+              <a:rPr lang="de-DE" dirty="0" err="1"/>
+              <a:t>array</a:t>
+            </a:r>
+            <a:r>
+              <a:rPr lang="de-DE" dirty="0"/>
+              <a:t> (</a:t>
+            </a:r>
+            <a:r>
+              <a:rPr lang="de-DE" dirty="0" err="1"/>
+              <a:t>from</a:t>
+            </a:r>
+            <a:r>
+              <a:rPr lang="de-DE" dirty="0"/>
+              <a:t> </a:t>
+            </a:r>
+            <a:r>
+              <a:rPr lang="de-DE" dirty="0" err="1"/>
+              <a:t>left-to-right</a:t>
+            </a:r>
+            <a:r>
+              <a:rPr lang="de-DE" dirty="0"/>
+              <a:t>) </a:t>
+            </a:r>
+            <a:r>
+              <a:rPr lang="de-DE" dirty="0" err="1"/>
+              <a:t>has</a:t>
+            </a:r>
+            <a:r>
+              <a:rPr lang="de-DE" dirty="0"/>
+              <a:t> </a:t>
+            </a:r>
+            <a:r>
+              <a:rPr lang="de-DE" dirty="0" err="1"/>
+              <a:t>to</a:t>
+            </a:r>
+            <a:r>
+              <a:rPr lang="de-DE" dirty="0"/>
+              <a:t> </a:t>
+            </a:r>
+            <a:r>
+              <a:rPr lang="de-DE" dirty="0" err="1"/>
+              <a:t>reduce</a:t>
+            </a:r>
+            <a:r>
+              <a:rPr lang="de-DE" dirty="0"/>
+              <a:t> </a:t>
+            </a:r>
+            <a:r>
+              <a:rPr lang="de-DE" dirty="0" err="1"/>
+              <a:t>it</a:t>
+            </a:r>
+            <a:r>
+              <a:rPr lang="de-DE" dirty="0"/>
+              <a:t> </a:t>
+            </a:r>
+            <a:r>
+              <a:rPr lang="de-DE" dirty="0" err="1"/>
+              <a:t>to</a:t>
+            </a:r>
+            <a:r>
+              <a:rPr lang="de-DE" dirty="0"/>
+              <a:t> a </a:t>
+            </a:r>
+            <a:r>
+              <a:rPr lang="de-DE" dirty="0" err="1"/>
+              <a:t>single</a:t>
+            </a:r>
+            <a:r>
+              <a:rPr lang="de-DE" dirty="0"/>
+              <a:t> </a:t>
+            </a:r>
+            <a:r>
+              <a:rPr lang="de-DE" dirty="0" err="1"/>
+              <a:t>value</a:t>
+            </a:r>
+            <a:r>
+              <a:rPr lang="de-DE" dirty="0"/>
+              <a:t>.</a:t>
             </a:r>
           </a:p>
           <a:p>
@@ -5384,7 +5381,7 @@
           <a:p>
             <a:r>
               <a:rPr lang="de-DE" dirty="0" smtClean="0"/>
-              <a:t>Bonus: Arrays</a:t>
+              <a:t>Arrays</a:t>
             </a:r>
             <a:endParaRPr lang="de-DE" dirty="0"/>
           </a:p>
@@ -5393,7 +5390,7 @@
     </p:spTree>
     <p:extLst>
       <p:ext uri="{BB962C8B-B14F-4D97-AF65-F5344CB8AC3E}">
-        <p14:creationId xmlns:p14="http://schemas.microsoft.com/office/powerpoint/2010/main" val="3528035826"/>
+        <p14:creationId xmlns:p14="http://schemas.microsoft.com/office/powerpoint/2010/main" val="3073625663"/>
       </p:ext>
     </p:extLst>
   </p:cSld>
@@ -5443,27 +5440,46 @@
           <a:lstStyle/>
           <a:p>
             <a:r>
-              <a:rPr lang="de-DE" dirty="0" smtClean="0"/>
-              <a:t>aber ist gibt auch </a:t>
-            </a:r>
-            <a:r>
               <a:rPr lang="de-DE" dirty="0" err="1" smtClean="0"/>
-              <a:t>immernoch</a:t>
-            </a:r>
-            <a:r>
-              <a:rPr lang="de-DE" dirty="0" smtClean="0"/>
-              <a:t> „normale“ Kontrollstrukturen</a:t>
-            </a:r>
-          </a:p>
-          <a:p>
-            <a:r>
-              <a:rPr lang="de-DE" dirty="0" smtClean="0"/>
-              <a:t>z.B. </a:t>
-            </a:r>
-            <a:r>
-              <a:rPr lang="de-DE" dirty="0" err="1" smtClean="0"/>
-              <a:t>for</a:t>
-            </a:r>
+              <a:t>demethodizing</a:t>
+            </a:r>
+            <a:endParaRPr lang="de-DE" dirty="0" smtClean="0"/>
+          </a:p>
+          <a:p>
+            <a:r>
+              <a:rPr lang="de-DE" dirty="0" err="1"/>
+              <a:t>var</a:t>
+            </a:r>
+            <a:r>
+              <a:rPr lang="de-DE" dirty="0"/>
+              <a:t> </a:t>
+            </a:r>
+            <a:r>
+              <a:rPr lang="de-DE" dirty="0" err="1"/>
+              <a:t>each</a:t>
+            </a:r>
+            <a:r>
+              <a:rPr lang="de-DE" dirty="0"/>
+              <a:t> = </a:t>
+            </a:r>
+            <a:r>
+              <a:rPr lang="de-DE" dirty="0" err="1"/>
+              <a:t>Function.prototype.call.bind</a:t>
+            </a:r>
+            <a:r>
+              <a:rPr lang="de-DE" dirty="0"/>
+              <a:t>([].</a:t>
+            </a:r>
+            <a:r>
+              <a:rPr lang="de-DE" dirty="0" err="1"/>
+              <a:t>forEach</a:t>
+            </a:r>
+            <a:r>
+              <a:rPr lang="de-DE" dirty="0"/>
+              <a:t>);</a:t>
+            </a:r>
+          </a:p>
+          <a:p>
             <a:endParaRPr lang="de-DE" dirty="0"/>
           </a:p>
         </p:txBody>
@@ -5484,12 +5500,8 @@
           <a:lstStyle/>
           <a:p>
             <a:r>
-              <a:rPr lang="de-DE" dirty="0" err="1" smtClean="0"/>
-              <a:t>For-each</a:t>
-            </a:r>
-            <a:r>
-              <a:rPr lang="de-DE" dirty="0" smtClean="0"/>
-              <a:t> ist gut	</a:t>
+              <a:rPr lang="de-DE" dirty="0" smtClean="0"/>
+              <a:t>Bonus: Arrays</a:t>
             </a:r>
             <a:endParaRPr lang="de-DE" dirty="0"/>
           </a:p>
@@ -5498,7 +5510,7 @@
     </p:spTree>
     <p:extLst>
       <p:ext uri="{BB962C8B-B14F-4D97-AF65-F5344CB8AC3E}">
-        <p14:creationId xmlns:p14="http://schemas.microsoft.com/office/powerpoint/2010/main" val="3173567729"/>
+        <p14:creationId xmlns:p14="http://schemas.microsoft.com/office/powerpoint/2010/main" val="3528035826"/>
       </p:ext>
     </p:extLst>
   </p:cSld>
@@ -6162,7 +6174,7 @@
       </p:grpSpPr>
       <p:sp>
         <p:nvSpPr>
-          <p:cNvPr id="5" name="Inhaltsplatzhalter 4"/>
+          <p:cNvPr id="2" name="Inhaltsplatzhalter 1"/>
           <p:cNvSpPr>
             <a:spLocks noGrp="1"/>
           </p:cNvSpPr>
@@ -6172,141 +6184,38 @@
         </p:nvSpPr>
         <p:spPr/>
         <p:txBody>
-          <a:bodyPr>
-            <a:normAutofit/>
-          </a:bodyPr>
+          <a:bodyPr/>
           <a:lstStyle/>
           <a:p>
             <a:r>
-              <a:rPr lang="da-DK" dirty="0">
-                <a:solidFill>
-                  <a:srgbClr val="FFFFFF"/>
-                </a:solidFill>
-                <a:highlight>
-                  <a:srgbClr val="272822"/>
-                </a:highlight>
-              </a:rPr>
-              <a:t>for (var i = 0, j = 100; i &lt; 100; i++, j--) {</a:t>
-            </a:r>
-          </a:p>
-          <a:p>
-            <a:r>
-              <a:rPr lang="da-DK" dirty="0">
-                <a:solidFill>
-                  <a:srgbClr val="FFFFFF"/>
-                </a:solidFill>
-                <a:highlight>
-                  <a:srgbClr val="272822"/>
-                </a:highlight>
-              </a:rPr>
-              <a:t>	</a:t>
-            </a:r>
-            <a:r>
-              <a:rPr lang="da-DK" dirty="0" err="1" smtClean="0">
-                <a:solidFill>
-                  <a:srgbClr val="FFFFFF"/>
-                </a:solidFill>
-                <a:highlight>
-                  <a:srgbClr val="272822"/>
-                </a:highlight>
-              </a:rPr>
-              <a:t>console.log</a:t>
-            </a:r>
-            <a:r>
-              <a:rPr lang="da-DK" dirty="0" smtClean="0">
-                <a:solidFill>
-                  <a:srgbClr val="FFFFFF"/>
-                </a:solidFill>
-                <a:highlight>
-                  <a:srgbClr val="272822"/>
-                </a:highlight>
-              </a:rPr>
-              <a:t>(</a:t>
-            </a:r>
-            <a:r>
-              <a:rPr lang="da-DK" dirty="0">
-                <a:solidFill>
-                  <a:srgbClr val="FFFFFF"/>
-                </a:solidFill>
-                <a:highlight>
-                  <a:srgbClr val="272822"/>
-                </a:highlight>
-              </a:rPr>
-              <a:t>i);</a:t>
-            </a:r>
-          </a:p>
-          <a:p>
-            <a:r>
-              <a:rPr lang="da-DK" dirty="0">
-                <a:solidFill>
-                  <a:srgbClr val="FFFFFF"/>
-                </a:solidFill>
-                <a:highlight>
-                  <a:srgbClr val="272822"/>
-                </a:highlight>
-              </a:rPr>
-              <a:t>	</a:t>
-            </a:r>
-            <a:r>
-              <a:rPr lang="da-DK" dirty="0" err="1" smtClean="0">
-                <a:solidFill>
-                  <a:srgbClr val="FFFFFF"/>
-                </a:solidFill>
-                <a:highlight>
-                  <a:srgbClr val="272822"/>
-                </a:highlight>
-              </a:rPr>
-              <a:t>console.log</a:t>
-            </a:r>
-            <a:r>
-              <a:rPr lang="da-DK" dirty="0" smtClean="0">
-                <a:solidFill>
-                  <a:srgbClr val="FFFFFF"/>
-                </a:solidFill>
-                <a:highlight>
-                  <a:srgbClr val="272822"/>
-                </a:highlight>
-              </a:rPr>
-              <a:t>(</a:t>
-            </a:r>
-            <a:r>
-              <a:rPr lang="da-DK" dirty="0">
-                <a:solidFill>
-                  <a:srgbClr val="FFFFFF"/>
-                </a:solidFill>
-                <a:highlight>
-                  <a:srgbClr val="272822"/>
-                </a:highlight>
-              </a:rPr>
-              <a:t>j);</a:t>
-            </a:r>
-          </a:p>
-          <a:p>
-            <a:r>
-              <a:rPr lang="da-DK" dirty="0">
-                <a:solidFill>
-                  <a:srgbClr val="FFFFFF"/>
-                </a:solidFill>
-                <a:highlight>
-                  <a:srgbClr val="272822"/>
-                </a:highlight>
-              </a:rPr>
-              <a:t>};</a:t>
-            </a:r>
-            <a:endParaRPr lang="da-DK" dirty="0" smtClean="0">
-              <a:solidFill>
-                <a:srgbClr val="FFFFFF"/>
-              </a:solidFill>
-              <a:highlight>
-                <a:srgbClr val="272822"/>
-              </a:highlight>
-            </a:endParaRPr>
+              <a:rPr lang="de-DE" dirty="0" smtClean="0"/>
+              <a:t>aber ist gibt auch </a:t>
+            </a:r>
+            <a:r>
+              <a:rPr lang="de-DE" dirty="0" err="1" smtClean="0"/>
+              <a:t>immernoch</a:t>
+            </a:r>
+            <a:r>
+              <a:rPr lang="de-DE" dirty="0" smtClean="0"/>
+              <a:t> „normale“ Kontrollstrukturen</a:t>
+            </a:r>
+          </a:p>
+          <a:p>
+            <a:r>
+              <a:rPr lang="de-DE" dirty="0" smtClean="0"/>
+              <a:t>z.B. </a:t>
+            </a:r>
+            <a:r>
+              <a:rPr lang="de-DE" dirty="0" err="1" smtClean="0"/>
+              <a:t>for</a:t>
+            </a:r>
+            <a:endParaRPr lang="de-DE" dirty="0"/>
           </a:p>
         </p:txBody>
       </p:sp>
       <p:sp>
         <p:nvSpPr>
-          <p:cNvPr id="4" name="Titel 3"/>
+          <p:cNvPr id="3" name="Titel 2"/>
           <p:cNvSpPr>
             <a:spLocks noGrp="1"/>
           </p:cNvSpPr>
@@ -6320,16 +6229,12 @@
           <a:lstStyle/>
           <a:p>
             <a:r>
-              <a:rPr lang="de-DE" dirty="0" smtClean="0"/>
-              <a:t>Kontrollstrukturen: </a:t>
-            </a:r>
-            <a:r>
               <a:rPr lang="de-DE" dirty="0" err="1" smtClean="0"/>
-              <a:t>for</a:t>
-            </a:r>
-            <a:r>
-              <a:rPr lang="de-DE" dirty="0" smtClean="0"/>
-              <a:t>-Schleife</a:t>
+              <a:t>For-each</a:t>
+            </a:r>
+            <a:r>
+              <a:rPr lang="de-DE" dirty="0" smtClean="0"/>
+              <a:t> ist gut	</a:t>
             </a:r>
             <a:endParaRPr lang="de-DE" dirty="0"/>
           </a:p>
@@ -6338,21 +6243,13 @@
     </p:spTree>
     <p:extLst>
       <p:ext uri="{BB962C8B-B14F-4D97-AF65-F5344CB8AC3E}">
-        <p14:creationId xmlns:p14="http://schemas.microsoft.com/office/powerpoint/2010/main" val="825311514"/>
+        <p14:creationId xmlns:p14="http://schemas.microsoft.com/office/powerpoint/2010/main" val="3173567729"/>
       </p:ext>
     </p:extLst>
   </p:cSld>
   <p:clrMapOvr>
     <a:masterClrMapping/>
   </p:clrMapOvr>
-  <mc:AlternateContent xmlns:mc="http://schemas.openxmlformats.org/markup-compatibility/2006" xmlns:p14="http://schemas.microsoft.com/office/powerpoint/2010/main">
-    <mc:Choice Requires="p14">
-      <p:transition spd="slow" p14:dur="2000"/>
-    </mc:Choice>
-    <mc:Fallback xmlns="">
-      <p:transition xmlns:p14="http://schemas.microsoft.com/office/powerpoint/2010/main" spd="slow"/>
-    </mc:Fallback>
-  </mc:AlternateContent>
   <p:timing>
     <p:tnLst>
       <p:par>
@@ -6392,28 +6289,135 @@
         </p:nvSpPr>
         <p:spPr/>
         <p:txBody>
-          <a:bodyPr/>
+          <a:bodyPr>
+            <a:normAutofit/>
+          </a:bodyPr>
           <a:lstStyle/>
           <a:p>
-            <a:pPr marL="0" indent="0">
-              <a:buNone/>
-            </a:pPr>
-            <a:r>
-              <a:rPr lang="de-DE" b="1" dirty="0"/>
-              <a:t>Veränderung von Eigenschaften in einer Schleife</a:t>
-            </a:r>
-          </a:p>
-          <a:p>
-            <a:pPr marL="0" indent="0">
-              <a:buNone/>
-            </a:pPr>
-            <a:r>
-              <a:rPr lang="de-DE" dirty="0"/>
-              <a:t>Wenn die Eigenschaften in der Schleife hinzugefügt wurden, dann kann man sich nicht darauf verlassen, dass diese Eigenschaften in der Iteration berücksichtigt werden. Daher sollte das Objekt in der Schleife nicht verändert werden.</a:t>
-            </a:r>
-          </a:p>
-          <a:p>
-            <a:endParaRPr lang="de-DE" dirty="0"/>
+            <a:r>
+              <a:rPr lang="da-DK" dirty="0">
+                <a:solidFill>
+                  <a:srgbClr val="FFFFFF"/>
+                </a:solidFill>
+                <a:highlight>
+                  <a:srgbClr val="272822"/>
+                </a:highlight>
+              </a:rPr>
+              <a:t>for (var i = 0, j = 100; i &lt; 100; i++, j--) {</a:t>
+            </a:r>
+          </a:p>
+          <a:p>
+            <a:r>
+              <a:rPr lang="da-DK" dirty="0">
+                <a:solidFill>
+                  <a:srgbClr val="FFFFFF"/>
+                </a:solidFill>
+                <a:highlight>
+                  <a:srgbClr val="272822"/>
+                </a:highlight>
+              </a:rPr>
+              <a:t>	</a:t>
+            </a:r>
+            <a:r>
+              <a:rPr lang="da-DK" dirty="0" err="1" smtClean="0">
+                <a:solidFill>
+                  <a:srgbClr val="FFFFFF"/>
+                </a:solidFill>
+                <a:highlight>
+                  <a:srgbClr val="272822"/>
+                </a:highlight>
+              </a:rPr>
+              <a:t>console.log</a:t>
+            </a:r>
+            <a:r>
+              <a:rPr lang="da-DK" dirty="0" smtClean="0">
+                <a:solidFill>
+                  <a:srgbClr val="FFFFFF"/>
+                </a:solidFill>
+                <a:highlight>
+                  <a:srgbClr val="272822"/>
+                </a:highlight>
+              </a:rPr>
+              <a:t>(</a:t>
+            </a:r>
+            <a:r>
+              <a:rPr lang="da-DK" dirty="0">
+                <a:solidFill>
+                  <a:srgbClr val="FFFFFF"/>
+                </a:solidFill>
+                <a:highlight>
+                  <a:srgbClr val="272822"/>
+                </a:highlight>
+              </a:rPr>
+              <a:t>i);</a:t>
+            </a:r>
+          </a:p>
+          <a:p>
+            <a:r>
+              <a:rPr lang="da-DK" dirty="0">
+                <a:solidFill>
+                  <a:srgbClr val="FFFFFF"/>
+                </a:solidFill>
+                <a:highlight>
+                  <a:srgbClr val="272822"/>
+                </a:highlight>
+              </a:rPr>
+              <a:t>	</a:t>
+            </a:r>
+            <a:r>
+              <a:rPr lang="da-DK" dirty="0" err="1" smtClean="0">
+                <a:solidFill>
+                  <a:srgbClr val="FFFFFF"/>
+                </a:solidFill>
+                <a:highlight>
+                  <a:srgbClr val="272822"/>
+                </a:highlight>
+              </a:rPr>
+              <a:t>console.log</a:t>
+            </a:r>
+            <a:r>
+              <a:rPr lang="da-DK" dirty="0" smtClean="0">
+                <a:solidFill>
+                  <a:srgbClr val="FFFFFF"/>
+                </a:solidFill>
+                <a:highlight>
+                  <a:srgbClr val="272822"/>
+                </a:highlight>
+              </a:rPr>
+              <a:t>(</a:t>
+            </a:r>
+            <a:r>
+              <a:rPr lang="da-DK" dirty="0">
+                <a:solidFill>
+                  <a:srgbClr val="FFFFFF"/>
+                </a:solidFill>
+                <a:highlight>
+                  <a:srgbClr val="272822"/>
+                </a:highlight>
+              </a:rPr>
+              <a:t>j);</a:t>
+            </a:r>
+          </a:p>
+          <a:p>
+            <a:r>
+              <a:rPr lang="da-DK" dirty="0">
+                <a:solidFill>
+                  <a:srgbClr val="FFFFFF"/>
+                </a:solidFill>
+                <a:highlight>
+                  <a:srgbClr val="272822"/>
+                </a:highlight>
+              </a:rPr>
+              <a:t>};</a:t>
+            </a:r>
+            <a:endParaRPr lang="da-DK" dirty="0" smtClean="0">
+              <a:solidFill>
+                <a:srgbClr val="FFFFFF"/>
+              </a:solidFill>
+              <a:highlight>
+                <a:srgbClr val="272822"/>
+              </a:highlight>
+            </a:endParaRPr>
           </a:p>
         </p:txBody>
       </p:sp>
@@ -6433,8 +6437,12 @@
           <a:lstStyle/>
           <a:p>
             <a:r>
+              <a:rPr lang="de-DE" dirty="0" smtClean="0"/>
+              <a:t>Kontrollstrukturen: </a:t>
+            </a:r>
+            <a:r>
               <a:rPr lang="de-DE" dirty="0" err="1" smtClean="0"/>
-              <a:t>For</a:t>
+              <a:t>for</a:t>
             </a:r>
             <a:r>
               <a:rPr lang="de-DE" dirty="0" smtClean="0"/>
@@ -6447,7 +6455,7 @@
     </p:spTree>
     <p:extLst>
       <p:ext uri="{BB962C8B-B14F-4D97-AF65-F5344CB8AC3E}">
-        <p14:creationId xmlns:p14="http://schemas.microsoft.com/office/powerpoint/2010/main" val="108456401"/>
+        <p14:creationId xmlns:p14="http://schemas.microsoft.com/office/powerpoint/2010/main" val="825311514"/>
       </p:ext>
     </p:extLst>
   </p:cSld>
@@ -6508,8 +6516,8 @@
               <a:buNone/>
             </a:pPr>
             <a:r>
-              <a:rPr lang="de-DE" dirty="0" smtClean="0"/>
-              <a:t>Funktionen in JS sind wichtiger als Objekte.</a:t>
+              <a:rPr lang="de-DE" b="1" dirty="0"/>
+              <a:t>Veränderung von Eigenschaften in einer Schleife</a:t>
             </a:r>
           </a:p>
           <a:p>
@@ -6517,10 +6525,9 @@
               <a:buNone/>
             </a:pPr>
             <a:r>
-              <a:rPr lang="de-DE" dirty="0" smtClean="0"/>
-              <a:t>So ist der Gültigkeitsbereich von Variablen an Funktionen (und nicht an Objekte o.ä.) geheftet</a:t>
-            </a:r>
-            <a:endParaRPr lang="de-DE" dirty="0"/>
+              <a:rPr lang="de-DE" dirty="0"/>
+              <a:t>Wenn die Eigenschaften in der Schleife hinzugefügt wurden, dann kann man sich nicht darauf verlassen, dass diese Eigenschaften in der Iteration berücksichtigt werden. Daher sollte das Objekt in der Schleife nicht verändert werden.</a:t>
+            </a:r>
           </a:p>
           <a:p>
             <a:endParaRPr lang="de-DE" dirty="0"/>
@@ -6543,8 +6550,12 @@
           <a:lstStyle/>
           <a:p>
             <a:r>
-              <a:rPr lang="de-DE" dirty="0" smtClean="0"/>
-              <a:t>Funktionen</a:t>
+              <a:rPr lang="de-DE" dirty="0" err="1" smtClean="0"/>
+              <a:t>For</a:t>
+            </a:r>
+            <a:r>
+              <a:rPr lang="de-DE" dirty="0" smtClean="0"/>
+              <a:t>-Schleife</a:t>
             </a:r>
             <a:endParaRPr lang="de-DE" dirty="0"/>
           </a:p>
@@ -6553,7 +6564,7 @@
     </p:spTree>
     <p:extLst>
       <p:ext uri="{BB962C8B-B14F-4D97-AF65-F5344CB8AC3E}">
-        <p14:creationId xmlns:p14="http://schemas.microsoft.com/office/powerpoint/2010/main" val="2296971626"/>
+        <p14:creationId xmlns:p14="http://schemas.microsoft.com/office/powerpoint/2010/main" val="108456401"/>
       </p:ext>
     </p:extLst>
   </p:cSld>
@@ -6597,7 +6608,7 @@
       </p:grpSpPr>
       <p:sp>
         <p:nvSpPr>
-          <p:cNvPr id="4" name="Inhaltsplatzhalter 3"/>
+          <p:cNvPr id="5" name="Inhaltsplatzhalter 4"/>
           <p:cNvSpPr>
             <a:spLocks noGrp="1"/>
           </p:cNvSpPr>
@@ -6610,75 +6621,32 @@
           <a:bodyPr/>
           <a:lstStyle/>
           <a:p>
-            <a:r>
-              <a:rPr lang="fr-FR" dirty="0" err="1"/>
-              <a:t>function</a:t>
-            </a:r>
-            <a:r>
-              <a:rPr lang="fr-FR" dirty="0"/>
-              <a:t> plus(x, y) {</a:t>
+            <a:pPr marL="0" indent="0">
+              <a:buNone/>
+            </a:pPr>
+            <a:r>
+              <a:rPr lang="de-DE" dirty="0" smtClean="0"/>
+              <a:t>Funktionen in JS sind wichtiger als Objekte.</a:t>
+            </a:r>
+          </a:p>
+          <a:p>
+            <a:pPr marL="0" indent="0">
+              <a:buNone/>
+            </a:pPr>
+            <a:r>
+              <a:rPr lang="de-DE" dirty="0" smtClean="0"/>
+              <a:t>So ist der Gültigkeitsbereich von Variablen an Funktionen (und nicht an Objekte o.ä.) geheftet</a:t>
             </a:r>
             <a:endParaRPr lang="de-DE" dirty="0"/>
           </a:p>
           <a:p>
-            <a:r>
-              <a:rPr lang="fr-FR" dirty="0"/>
-              <a:t>	return x + y; </a:t>
-            </a:r>
-            <a:r>
-              <a:rPr lang="fr-FR" dirty="0" smtClean="0"/>
-              <a:t>// </a:t>
-            </a:r>
-            <a:r>
-              <a:rPr lang="fr-FR" dirty="0" err="1" smtClean="0"/>
-              <a:t>ansonsten</a:t>
-            </a:r>
-            <a:r>
-              <a:rPr lang="fr-FR" dirty="0" smtClean="0"/>
-              <a:t> undefined</a:t>
-            </a:r>
             <a:endParaRPr lang="de-DE" dirty="0"/>
           </a:p>
-          <a:p>
-            <a:r>
-              <a:rPr lang="de-DE" dirty="0"/>
-              <a:t>}</a:t>
-            </a:r>
-          </a:p>
-          <a:p>
-            <a:r>
-              <a:rPr lang="de-DE" dirty="0"/>
-              <a:t> </a:t>
-            </a:r>
-          </a:p>
-          <a:p>
-            <a:r>
-              <a:rPr lang="de-DE" dirty="0" smtClean="0"/>
-              <a:t>plus</a:t>
-            </a:r>
-            <a:r>
-              <a:rPr lang="de-DE" dirty="0"/>
-              <a:t>(1,2</a:t>
-            </a:r>
-            <a:r>
-              <a:rPr lang="de-DE" dirty="0" smtClean="0"/>
-              <a:t>); </a:t>
-            </a:r>
-            <a:r>
-              <a:rPr lang="de-DE" dirty="0"/>
-              <a:t>/</a:t>
-            </a:r>
-            <a:r>
-              <a:rPr lang="de-DE" dirty="0" smtClean="0"/>
-              <a:t>/ 3 </a:t>
-            </a:r>
-            <a:endParaRPr lang="de-DE" dirty="0"/>
-          </a:p>
         </p:txBody>
       </p:sp>
       <p:sp>
         <p:nvSpPr>
-          <p:cNvPr id="3" name="Titel 2"/>
+          <p:cNvPr id="4" name="Titel 3"/>
           <p:cNvSpPr>
             <a:spLocks noGrp="1"/>
           </p:cNvSpPr>
@@ -6692,8 +6660,8 @@
           <a:lstStyle/>
           <a:p>
             <a:r>
-              <a:rPr lang="de-DE" dirty="0" err="1" smtClean="0"/>
-              <a:t>Funktionsliteral</a:t>
+              <a:rPr lang="de-DE" dirty="0" smtClean="0"/>
+              <a:t>Funktionen</a:t>
             </a:r>
             <a:endParaRPr lang="de-DE" dirty="0"/>
           </a:p>
@@ -6702,13 +6670,21 @@
     </p:spTree>
     <p:extLst>
       <p:ext uri="{BB962C8B-B14F-4D97-AF65-F5344CB8AC3E}">
-        <p14:creationId xmlns:p14="http://schemas.microsoft.com/office/powerpoint/2010/main" val="3812871333"/>
+        <p14:creationId xmlns:p14="http://schemas.microsoft.com/office/powerpoint/2010/main" val="2296971626"/>
       </p:ext>
     </p:extLst>
   </p:cSld>
   <p:clrMapOvr>
     <a:masterClrMapping/>
   </p:clrMapOvr>
+  <mc:AlternateContent xmlns:mc="http://schemas.openxmlformats.org/markup-compatibility/2006" xmlns:p14="http://schemas.microsoft.com/office/powerpoint/2010/main">
+    <mc:Choice Requires="p14">
+      <p:transition spd="slow" p14:dur="2000"/>
+    </mc:Choice>
+    <mc:Fallback xmlns="">
+      <p:transition xmlns:p14="http://schemas.microsoft.com/office/powerpoint/2010/main" spd="slow"/>
+    </mc:Fallback>
+  </mc:AlternateContent>
   <p:timing>
     <p:tnLst>
       <p:par>
@@ -6738,7 +6714,7 @@
       </p:grpSpPr>
       <p:sp>
         <p:nvSpPr>
-          <p:cNvPr id="5" name="Inhaltsplatzhalter 4"/>
+          <p:cNvPr id="4" name="Inhaltsplatzhalter 3"/>
           <p:cNvSpPr>
             <a:spLocks noGrp="1"/>
           </p:cNvSpPr>
@@ -6752,53 +6728,74 @@
           <a:lstStyle/>
           <a:p>
             <a:r>
-              <a:rPr lang="de-DE" dirty="0" smtClean="0"/>
-              <a:t>Slots – alles wird in JS über einen Namen oder eine Referenz adressiert</a:t>
-            </a:r>
-          </a:p>
-          <a:p>
-            <a:r>
-              <a:rPr lang="de-DE" dirty="0" smtClean="0"/>
-              <a:t>Deshalb:</a:t>
-            </a:r>
-            <a:endParaRPr lang="de-DE" dirty="0" smtClean="0"/>
-          </a:p>
-          <a:p>
-            <a:r>
-              <a:rPr lang="de-DE" dirty="0" smtClean="0"/>
-              <a:t>Funktionen lassen sich nicht </a:t>
-            </a:r>
-            <a:r>
-              <a:rPr lang="de-DE" dirty="0" smtClean="0"/>
-              <a:t>anhand der Parameter überladen.</a:t>
-            </a:r>
-          </a:p>
-          <a:p>
-            <a:r>
-              <a:rPr lang="de-DE" dirty="0" smtClean="0"/>
-              <a:t>Nicht übergebene Parameter sind „undefined“.</a:t>
-            </a:r>
-          </a:p>
-          <a:p>
-            <a:r>
-              <a:rPr lang="de-DE" dirty="0" smtClean="0"/>
-              <a:t>Zuviel übergebene Parameter stehen im Bonusparameter „</a:t>
-            </a:r>
-            <a:r>
-              <a:rPr lang="de-DE" dirty="0" err="1" smtClean="0"/>
-              <a:t>arguments</a:t>
-            </a:r>
-            <a:r>
-              <a:rPr lang="de-DE" dirty="0" smtClean="0"/>
-              <a:t>“ zur Verfügung.</a:t>
+              <a:rPr lang="fr-FR" dirty="0" err="1"/>
+              <a:t>function</a:t>
+            </a:r>
+            <a:r>
+              <a:rPr lang="fr-FR" dirty="0"/>
+              <a:t> plus(x, y) {</a:t>
             </a:r>
             <a:endParaRPr lang="de-DE" dirty="0"/>
           </a:p>
+          <a:p>
+            <a:r>
+              <a:rPr lang="fr-FR" dirty="0"/>
+              <a:t>	return x + y; </a:t>
+            </a:r>
+            <a:r>
+              <a:rPr lang="fr-FR" dirty="0" smtClean="0"/>
+              <a:t>// </a:t>
+            </a:r>
+            <a:r>
+              <a:rPr lang="fr-FR" dirty="0" err="1" smtClean="0"/>
+              <a:t>ansonsten</a:t>
+            </a:r>
+            <a:r>
+              <a:rPr lang="fr-FR" dirty="0" smtClean="0"/>
+              <a:t> undefined</a:t>
+            </a:r>
+            <a:endParaRPr lang="de-DE" dirty="0"/>
+          </a:p>
+          <a:p>
+            <a:r>
+              <a:rPr lang="de-DE" dirty="0"/>
+              <a:t>}</a:t>
+            </a:r>
+          </a:p>
+          <a:p>
+            <a:r>
+              <a:rPr lang="de-DE" dirty="0"/>
+              <a:t> </a:t>
+            </a:r>
+          </a:p>
+          <a:p>
+            <a:r>
+              <a:rPr lang="de-DE" dirty="0" smtClean="0"/>
+              <a:t>plus</a:t>
+            </a:r>
+            <a:r>
+              <a:rPr lang="de-DE" dirty="0"/>
+              <a:t>(1,2</a:t>
+            </a:r>
+            <a:r>
+              <a:rPr lang="de-DE" dirty="0" smtClean="0"/>
+              <a:t>); </a:t>
+            </a:r>
+            <a:r>
+              <a:rPr lang="de-DE" dirty="0"/>
+              <a:t>/</a:t>
+            </a:r>
+            <a:r>
+              <a:rPr lang="de-DE" dirty="0" smtClean="0"/>
+              <a:t>/ 3 </a:t>
+            </a:r>
+            <a:endParaRPr lang="de-DE" dirty="0"/>
+          </a:p>
         </p:txBody>
       </p:sp>
       <p:sp>
         <p:nvSpPr>
-          <p:cNvPr id="4" name="Titel 3"/>
+          <p:cNvPr id="3" name="Titel 2"/>
           <p:cNvSpPr>
             <a:spLocks noGrp="1"/>
           </p:cNvSpPr>
@@ -6812,8 +6809,8 @@
           <a:lstStyle/>
           <a:p>
             <a:r>
-              <a:rPr lang="de-DE" dirty="0" smtClean="0"/>
-              <a:t>Parameter</a:t>
+              <a:rPr lang="de-DE" dirty="0" err="1" smtClean="0"/>
+              <a:t>Funktionsliteral</a:t>
             </a:r>
             <a:endParaRPr lang="de-DE" dirty="0"/>
           </a:p>
@@ -6822,7 +6819,7 @@
     </p:spTree>
     <p:extLst>
       <p:ext uri="{BB962C8B-B14F-4D97-AF65-F5344CB8AC3E}">
-        <p14:creationId xmlns:p14="http://schemas.microsoft.com/office/powerpoint/2010/main" val="1191960987"/>
+        <p14:creationId xmlns:p14="http://schemas.microsoft.com/office/powerpoint/2010/main" val="3812871333"/>
       </p:ext>
     </p:extLst>
   </p:cSld>
@@ -6872,167 +6869,41 @@
           <a:lstStyle/>
           <a:p>
             <a:r>
-              <a:rPr lang="de-DE" dirty="0" err="1"/>
-              <a:t>function</a:t>
-            </a:r>
-            <a:r>
-              <a:rPr lang="de-DE" dirty="0"/>
-              <a:t> </a:t>
-            </a:r>
-            <a:r>
-              <a:rPr lang="de-DE" dirty="0" err="1"/>
-              <a:t>plusAll</a:t>
-            </a:r>
-            <a:r>
-              <a:rPr lang="de-DE" dirty="0"/>
-              <a:t>() {</a:t>
-            </a:r>
-          </a:p>
-          <a:p>
-            <a:r>
-              <a:rPr lang="de-DE" dirty="0"/>
-              <a:t>	</a:t>
-            </a:r>
-            <a:r>
-              <a:rPr lang="de-DE" dirty="0" err="1"/>
-              <a:t>var</a:t>
-            </a:r>
-            <a:r>
-              <a:rPr lang="de-DE" dirty="0"/>
-              <a:t> </a:t>
-            </a:r>
-            <a:r>
-              <a:rPr lang="de-DE" dirty="0" err="1"/>
-              <a:t>result</a:t>
-            </a:r>
-            <a:r>
-              <a:rPr lang="de-DE" dirty="0"/>
-              <a:t> = 0;</a:t>
-            </a:r>
-          </a:p>
-          <a:p>
-            <a:r>
-              <a:rPr lang="de-DE" dirty="0"/>
-              <a:t>	</a:t>
-            </a:r>
-            <a:r>
-              <a:rPr lang="de-DE" dirty="0" err="1"/>
-              <a:t>for</a:t>
-            </a:r>
-            <a:r>
-              <a:rPr lang="de-DE" dirty="0"/>
-              <a:t> (</a:t>
-            </a:r>
-            <a:r>
-              <a:rPr lang="de-DE" dirty="0" err="1"/>
-              <a:t>var</a:t>
-            </a:r>
-            <a:r>
-              <a:rPr lang="de-DE" dirty="0"/>
-              <a:t> i in </a:t>
-            </a:r>
-            <a:r>
-              <a:rPr lang="de-DE" dirty="0" err="1"/>
+              <a:rPr lang="de-DE" dirty="0" smtClean="0"/>
+              <a:t>Slots – alles wird in JS über einen Namen oder eine Referenz adressiert</a:t>
+            </a:r>
+          </a:p>
+          <a:p>
+            <a:r>
+              <a:rPr lang="de-DE" dirty="0" smtClean="0"/>
+              <a:t>Deshalb:</a:t>
+            </a:r>
+          </a:p>
+          <a:p>
+            <a:r>
+              <a:rPr lang="de-DE" dirty="0" smtClean="0"/>
+              <a:t>Funktionen lassen sich nicht anhand der Parameter überladen.</a:t>
+            </a:r>
+          </a:p>
+          <a:p>
+            <a:r>
+              <a:rPr lang="de-DE" dirty="0" smtClean="0"/>
+              <a:t>Nicht übergebene Parameter sind „undefined“.</a:t>
+            </a:r>
+          </a:p>
+          <a:p>
+            <a:r>
+              <a:rPr lang="de-DE" dirty="0" smtClean="0"/>
+              <a:t>Zuviel übergebene Parameter stehen im Bonusparameter „</a:t>
+            </a:r>
+            <a:r>
+              <a:rPr lang="de-DE" dirty="0" err="1" smtClean="0"/>
               <a:t>arguments</a:t>
             </a:r>
             <a:r>
-              <a:rPr lang="de-DE" dirty="0"/>
-              <a:t>) {</a:t>
-            </a:r>
-          </a:p>
-          <a:p>
-            <a:r>
-              <a:rPr lang="de-DE" dirty="0"/>
-              <a:t>		</a:t>
-            </a:r>
-            <a:r>
-              <a:rPr lang="de-DE" dirty="0" err="1"/>
-              <a:t>result</a:t>
-            </a:r>
-            <a:r>
-              <a:rPr lang="de-DE" dirty="0"/>
-              <a:t> += </a:t>
-            </a:r>
-            <a:r>
-              <a:rPr lang="de-DE" dirty="0" err="1"/>
-              <a:t>arguments</a:t>
-            </a:r>
-            <a:r>
-              <a:rPr lang="de-DE" dirty="0"/>
-              <a:t>[i]; </a:t>
-            </a:r>
-          </a:p>
-          <a:p>
-            <a:r>
-              <a:rPr lang="de-DE" dirty="0"/>
-              <a:t>	} </a:t>
-            </a:r>
-          </a:p>
-          <a:p>
-            <a:r>
-              <a:rPr lang="de-DE" dirty="0"/>
-              <a:t>	</a:t>
-            </a:r>
-            <a:r>
-              <a:rPr lang="de-DE" dirty="0" err="1"/>
-              <a:t>return</a:t>
-            </a:r>
-            <a:r>
-              <a:rPr lang="de-DE" dirty="0"/>
-              <a:t> </a:t>
-            </a:r>
-            <a:r>
-              <a:rPr lang="de-DE" dirty="0" err="1"/>
-              <a:t>result</a:t>
-            </a:r>
-            <a:r>
-              <a:rPr lang="de-DE" dirty="0"/>
-              <a:t>;</a:t>
-            </a:r>
-          </a:p>
-          <a:p>
-            <a:r>
-              <a:rPr lang="de-DE" dirty="0"/>
-              <a:t>}</a:t>
-            </a:r>
-          </a:p>
-          <a:p>
-            <a:r>
-              <a:rPr lang="de-DE" dirty="0" err="1" smtClean="0"/>
-              <a:t>plusAll</a:t>
-            </a:r>
-            <a:r>
-              <a:rPr lang="de-DE" dirty="0"/>
-              <a:t>(</a:t>
-            </a:r>
-            <a:r>
-              <a:rPr lang="de-DE" dirty="0" smtClean="0"/>
-              <a:t>); </a:t>
-            </a:r>
-            <a:r>
-              <a:rPr lang="de-DE" dirty="0"/>
-              <a:t>//0 </a:t>
-            </a:r>
-          </a:p>
-          <a:p>
-            <a:r>
-              <a:rPr lang="de-DE" dirty="0" err="1" smtClean="0"/>
-              <a:t>plusAll</a:t>
-            </a:r>
-            <a:r>
-              <a:rPr lang="de-DE" dirty="0"/>
-              <a:t>(1,2,3,4,5</a:t>
-            </a:r>
-            <a:r>
-              <a:rPr lang="de-DE" dirty="0" smtClean="0"/>
-              <a:t>); </a:t>
-            </a:r>
-            <a:r>
-              <a:rPr lang="de-DE" dirty="0"/>
-              <a:t>// 15</a:t>
-            </a:r>
-          </a:p>
-          <a:p>
+              <a:rPr lang="de-DE" dirty="0" smtClean="0"/>
+              <a:t>“ zur Verfügung.</a:t>
+            </a:r>
             <a:endParaRPr lang="de-DE" dirty="0"/>
           </a:p>
         </p:txBody>
@@ -7054,7 +6925,7 @@
           <a:p>
             <a:r>
               <a:rPr lang="de-DE" dirty="0" smtClean="0"/>
-              <a:t>Bonusparameter</a:t>
+              <a:t>Parameter</a:t>
             </a:r>
             <a:endParaRPr lang="de-DE" dirty="0"/>
           </a:p>
@@ -7063,7 +6934,7 @@
     </p:spTree>
     <p:extLst>
       <p:ext uri="{BB962C8B-B14F-4D97-AF65-F5344CB8AC3E}">
-        <p14:creationId xmlns:p14="http://schemas.microsoft.com/office/powerpoint/2010/main" val="1424574295"/>
+        <p14:creationId xmlns:p14="http://schemas.microsoft.com/office/powerpoint/2010/main" val="1191960987"/>
       </p:ext>
     </p:extLst>
   </p:cSld>
@@ -7112,16 +6983,65 @@
           <a:bodyPr/>
           <a:lstStyle/>
           <a:p>
-            <a:pPr marL="0" indent="0">
-              <a:buNone/>
-            </a:pPr>
-            <a:r>
-              <a:rPr lang="de-DE" dirty="0" smtClean="0"/>
-              <a:t>Das </a:t>
-            </a:r>
-            <a:r>
-              <a:rPr lang="de-DE" dirty="0"/>
-              <a:t>Array </a:t>
+            <a:r>
+              <a:rPr lang="de-DE" dirty="0" err="1"/>
+              <a:t>function</a:t>
+            </a:r>
+            <a:r>
+              <a:rPr lang="de-DE" dirty="0"/>
+              <a:t> </a:t>
+            </a:r>
+            <a:r>
+              <a:rPr lang="de-DE" dirty="0" err="1"/>
+              <a:t>plusAll</a:t>
+            </a:r>
+            <a:r>
+              <a:rPr lang="de-DE" dirty="0"/>
+              <a:t>() {</a:t>
+            </a:r>
+          </a:p>
+          <a:p>
+            <a:r>
+              <a:rPr lang="de-DE" dirty="0"/>
+              <a:t>	</a:t>
+            </a:r>
+            <a:r>
+              <a:rPr lang="de-DE" dirty="0" err="1"/>
+              <a:t>var</a:t>
+            </a:r>
+            <a:r>
+              <a:rPr lang="de-DE" dirty="0"/>
+              <a:t> </a:t>
+            </a:r>
+            <a:r>
+              <a:rPr lang="de-DE" dirty="0" err="1"/>
+              <a:t>result</a:t>
+            </a:r>
+            <a:r>
+              <a:rPr lang="de-DE" dirty="0"/>
+              <a:t> = 0;</a:t>
+            </a:r>
+          </a:p>
+          <a:p>
+            <a:r>
+              <a:rPr lang="de-DE" dirty="0"/>
+              <a:t>	</a:t>
+            </a:r>
+            <a:r>
+              <a:rPr lang="de-DE" dirty="0" err="1"/>
+              <a:t>for</a:t>
+            </a:r>
+            <a:r>
+              <a:rPr lang="de-DE" dirty="0"/>
+              <a:t> (</a:t>
+            </a:r>
+            <a:r>
+              <a:rPr lang="de-DE" dirty="0" err="1"/>
+              <a:t>var</a:t>
+            </a:r>
+            <a:r>
+              <a:rPr lang="de-DE" dirty="0"/>
+              <a:t> i in </a:t>
             </a:r>
             <a:r>
               <a:rPr lang="de-DE" dirty="0" err="1"/>
@@ -7129,43 +7049,102 @@
             </a:r>
             <a:r>
               <a:rPr lang="de-DE" dirty="0"/>
-              <a:t> ist kein echtes Array. Es hat zwar ein </a:t>
-            </a:r>
-            <a:r>
-              <a:rPr lang="de-DE" dirty="0" err="1"/>
-              <a:t>length</a:t>
-            </a:r>
-            <a:r>
-              <a:rPr lang="de-DE" dirty="0"/>
-              <a:t>-Attribut und man kann über dieses iterieren, allerdings fehlen ihm die Methoden eines echten Array-</a:t>
-            </a:r>
-            <a:r>
-              <a:rPr lang="de-DE" dirty="0" smtClean="0"/>
-              <a:t>Objekts</a:t>
-            </a:r>
-            <a:r>
-              <a:rPr lang="de-DE" dirty="0" smtClean="0"/>
-              <a:t>.</a:t>
-            </a:r>
-          </a:p>
-          <a:p>
-            <a:pPr marL="0" indent="0">
-              <a:buNone/>
-            </a:pPr>
-            <a:endParaRPr lang="de-DE" dirty="0"/>
-          </a:p>
-          <a:p>
-            <a:pPr marL="0" indent="0">
-              <a:buNone/>
-            </a:pPr>
-            <a:r>
-              <a:rPr lang="de-DE" dirty="0" smtClean="0"/>
-              <a:t>Aber man kann sich ja die Funktio</a:t>
-            </a:r>
-            <a:r>
-              <a:rPr lang="de-DE" dirty="0" smtClean="0"/>
-              <a:t>n des Array-Objekts „borgen“.</a:t>
-            </a:r>
+              <a:t>) {</a:t>
+            </a:r>
+          </a:p>
+          <a:p>
+            <a:r>
+              <a:rPr lang="de-DE" dirty="0"/>
+              <a:t>		</a:t>
+            </a:r>
+            <a:r>
+              <a:rPr lang="de-DE" dirty="0" err="1"/>
+              <a:t>result</a:t>
+            </a:r>
+            <a:r>
+              <a:rPr lang="de-DE" dirty="0"/>
+              <a:t> += </a:t>
+            </a:r>
+            <a:r>
+              <a:rPr lang="de-DE" dirty="0" err="1"/>
+              <a:t>arguments</a:t>
+            </a:r>
+            <a:r>
+              <a:rPr lang="de-DE" dirty="0"/>
+              <a:t>[i]; </a:t>
+            </a:r>
+          </a:p>
+          <a:p>
+            <a:r>
+              <a:rPr lang="de-DE" dirty="0"/>
+              <a:t>	} </a:t>
+            </a:r>
+          </a:p>
+          <a:p>
+            <a:r>
+              <a:rPr lang="de-DE" dirty="0"/>
+              <a:t>	</a:t>
+            </a:r>
+            <a:r>
+              <a:rPr lang="de-DE" dirty="0" err="1"/>
+              <a:t>return</a:t>
+            </a:r>
+            <a:r>
+              <a:rPr lang="de-DE" dirty="0"/>
+              <a:t> </a:t>
+            </a:r>
+            <a:r>
+              <a:rPr lang="de-DE" dirty="0" err="1"/>
+              <a:t>result</a:t>
+            </a:r>
+            <a:r>
+              <a:rPr lang="de-DE" dirty="0"/>
+              <a:t>;</a:t>
+            </a:r>
+          </a:p>
+          <a:p>
+            <a:r>
+              <a:rPr lang="de-DE" dirty="0"/>
+              <a:t>}</a:t>
+            </a:r>
+          </a:p>
+          <a:p>
+            <a:r>
+              <a:rPr lang="de-DE" dirty="0" err="1" smtClean="0"/>
+              <a:t>plusAll</a:t>
+            </a:r>
+            <a:r>
+              <a:rPr lang="de-DE" dirty="0"/>
+              <a:t>(</a:t>
+            </a:r>
+            <a:r>
+              <a:rPr lang="de-DE" dirty="0" smtClean="0"/>
+              <a:t>); </a:t>
+            </a:r>
+            <a:r>
+              <a:rPr lang="de-DE" dirty="0"/>
+              <a:t>//0 </a:t>
+            </a:r>
+          </a:p>
+          <a:p>
+            <a:r>
+              <a:rPr lang="de-DE" dirty="0" err="1" smtClean="0"/>
+              <a:t>plusAll</a:t>
+            </a:r>
+            <a:r>
+              <a:rPr lang="de-DE" dirty="0"/>
+              <a:t>(1,2,3,4,5</a:t>
+            </a:r>
+            <a:r>
+              <a:rPr lang="de-DE" dirty="0" smtClean="0"/>
+              <a:t>); </a:t>
+            </a:r>
+            <a:r>
+              <a:rPr lang="de-DE" dirty="0"/>
+              <a:t>// 15</a:t>
+            </a:r>
+          </a:p>
+          <a:p>
             <a:endParaRPr lang="de-DE" dirty="0"/>
           </a:p>
         </p:txBody>
@@ -7187,7 +7166,7 @@
           <a:p>
             <a:r>
               <a:rPr lang="de-DE" dirty="0" smtClean="0"/>
-              <a:t>Fallstricke des Bonusparameters</a:t>
+              <a:t>Bonusparameter</a:t>
             </a:r>
             <a:endParaRPr lang="de-DE" dirty="0"/>
           </a:p>
@@ -7196,7 +7175,7 @@
     </p:spTree>
     <p:extLst>
       <p:ext uri="{BB962C8B-B14F-4D97-AF65-F5344CB8AC3E}">
-        <p14:creationId xmlns:p14="http://schemas.microsoft.com/office/powerpoint/2010/main" val="2639925433"/>
+        <p14:creationId xmlns:p14="http://schemas.microsoft.com/office/powerpoint/2010/main" val="1424574295"/>
       </p:ext>
     </p:extLst>
   </p:cSld>
@@ -7232,7 +7211,7 @@
       </p:grpSpPr>
       <p:sp>
         <p:nvSpPr>
-          <p:cNvPr id="2" name="Inhaltsplatzhalter 1"/>
+          <p:cNvPr id="5" name="Inhaltsplatzhalter 4"/>
           <p:cNvSpPr>
             <a:spLocks noGrp="1"/>
           </p:cNvSpPr>
@@ -7245,68 +7224,59 @@
           <a:bodyPr/>
           <a:lstStyle/>
           <a:p>
-            <a:r>
-              <a:rPr lang="en-US" dirty="0" smtClean="0"/>
-              <a:t>(</a:t>
-            </a:r>
-            <a:r>
-              <a:rPr lang="en-US" dirty="0"/>
-              <a:t>function() {</a:t>
-            </a:r>
-          </a:p>
-          <a:p>
-            <a:r>
-              <a:rPr lang="en-US" dirty="0"/>
-              <a:t>	</a:t>
-            </a:r>
-            <a:r>
-              <a:rPr lang="en-US" dirty="0" err="1"/>
-              <a:t>var</a:t>
-            </a:r>
-            <a:r>
-              <a:rPr lang="en-US" dirty="0"/>
-              <a:t> x = 1;</a:t>
-            </a:r>
-          </a:p>
-          <a:p>
-            <a:r>
-              <a:rPr lang="en-US" dirty="0"/>
-              <a:t>	</a:t>
-            </a:r>
-            <a:r>
-              <a:rPr lang="en-US" dirty="0" err="1"/>
-              <a:t>var</a:t>
-            </a:r>
-            <a:r>
-              <a:rPr lang="en-US" dirty="0"/>
-              <a:t> y = 2;</a:t>
-            </a:r>
-          </a:p>
-          <a:p>
-            <a:r>
-              <a:rPr lang="en-US" dirty="0"/>
-              <a:t>	return x + y; </a:t>
-            </a:r>
-          </a:p>
-          <a:p>
-            <a:r>
-              <a:rPr lang="en-US" dirty="0"/>
-              <a:t>})(</a:t>
-            </a:r>
-            <a:r>
-              <a:rPr lang="en-US" dirty="0" smtClean="0"/>
-              <a:t>)</a:t>
-            </a:r>
-            <a:endParaRPr lang="en-US" dirty="0"/>
-          </a:p>
-          <a:p>
+            <a:pPr marL="0" indent="0">
+              <a:buNone/>
+            </a:pPr>
+            <a:r>
+              <a:rPr lang="de-DE" dirty="0" smtClean="0"/>
+              <a:t>Das </a:t>
+            </a:r>
+            <a:r>
+              <a:rPr lang="de-DE" dirty="0"/>
+              <a:t>Array </a:t>
+            </a:r>
+            <a:r>
+              <a:rPr lang="de-DE" dirty="0" err="1"/>
+              <a:t>arguments</a:t>
+            </a:r>
+            <a:r>
+              <a:rPr lang="de-DE" dirty="0"/>
+              <a:t> ist kein echtes Array. Es hat zwar ein </a:t>
+            </a:r>
+            <a:r>
+              <a:rPr lang="de-DE" dirty="0" err="1"/>
+              <a:t>length</a:t>
+            </a:r>
+            <a:r>
+              <a:rPr lang="de-DE" dirty="0"/>
+              <a:t>-Attribut und man kann über dieses iterieren, allerdings fehlen ihm die Methoden eines echten Array-</a:t>
+            </a:r>
+            <a:r>
+              <a:rPr lang="de-DE" dirty="0" smtClean="0"/>
+              <a:t>Objekts.</a:t>
+            </a:r>
+          </a:p>
+          <a:p>
+            <a:pPr marL="0" indent="0">
+              <a:buNone/>
+            </a:pPr>
             <a:endParaRPr lang="de-DE" dirty="0"/>
           </a:p>
+          <a:p>
+            <a:pPr marL="0" indent="0">
+              <a:buNone/>
+            </a:pPr>
+            <a:r>
+              <a:rPr lang="de-DE" dirty="0" smtClean="0"/>
+              <a:t>Aber man kann sich ja die Funktion des Array-Objekts „borgen“.</a:t>
+            </a:r>
+            <a:endParaRPr lang="de-DE" dirty="0"/>
+          </a:p>
         </p:txBody>
       </p:sp>
       <p:sp>
         <p:nvSpPr>
-          <p:cNvPr id="3" name="Titel 2"/>
+          <p:cNvPr id="4" name="Titel 3"/>
           <p:cNvSpPr>
             <a:spLocks noGrp="1"/>
           </p:cNvSpPr>
@@ -7321,7 +7291,7 @@
           <a:p>
             <a:r>
               <a:rPr lang="de-DE" dirty="0" smtClean="0"/>
-              <a:t>Immediate Functions</a:t>
+              <a:t>Fallstricke des Bonusparameters</a:t>
             </a:r>
             <a:endParaRPr lang="de-DE" dirty="0"/>
           </a:p>
@@ -7330,7 +7300,7 @@
     </p:spTree>
     <p:extLst>
       <p:ext uri="{BB962C8B-B14F-4D97-AF65-F5344CB8AC3E}">
-        <p14:creationId xmlns:p14="http://schemas.microsoft.com/office/powerpoint/2010/main" val="2086110369"/>
+        <p14:creationId xmlns:p14="http://schemas.microsoft.com/office/powerpoint/2010/main" val="2639925433"/>
       </p:ext>
     </p:extLst>
   </p:cSld>
@@ -7366,7 +7336,7 @@
       </p:grpSpPr>
       <p:sp>
         <p:nvSpPr>
-          <p:cNvPr id="5" name="Inhaltsplatzhalter 4"/>
+          <p:cNvPr id="2" name="Inhaltsplatzhalter 1"/>
           <p:cNvSpPr>
             <a:spLocks noGrp="1"/>
           </p:cNvSpPr>
@@ -7380,70 +7350,67 @@
           <a:lstStyle/>
           <a:p>
             <a:r>
-              <a:rPr lang="de-DE" dirty="0" err="1"/>
-              <a:t>function</a:t>
-            </a:r>
-            <a:r>
-              <a:rPr lang="de-DE" dirty="0"/>
-              <a:t> </a:t>
-            </a:r>
-            <a:r>
-              <a:rPr lang="de-DE" dirty="0" err="1"/>
-              <a:t>MyClass</a:t>
-            </a:r>
-            <a:r>
-              <a:rPr lang="de-DE" dirty="0"/>
-              <a:t>() {}</a:t>
-            </a:r>
+              <a:rPr lang="en-US" dirty="0" smtClean="0"/>
+              <a:t>(</a:t>
+            </a:r>
+            <a:r>
+              <a:rPr lang="en-US" dirty="0"/>
+              <a:t>function() {</a:t>
+            </a:r>
+          </a:p>
+          <a:p>
+            <a:r>
+              <a:rPr lang="en-US" dirty="0"/>
+              <a:t>	</a:t>
+            </a:r>
+            <a:r>
+              <a:rPr lang="en-US" dirty="0" err="1"/>
+              <a:t>var</a:t>
+            </a:r>
+            <a:r>
+              <a:rPr lang="en-US" dirty="0"/>
+              <a:t> x = 1;</a:t>
+            </a:r>
+          </a:p>
+          <a:p>
+            <a:r>
+              <a:rPr lang="en-US" dirty="0"/>
+              <a:t>	</a:t>
+            </a:r>
+            <a:r>
+              <a:rPr lang="en-US" dirty="0" err="1"/>
+              <a:t>var</a:t>
+            </a:r>
+            <a:r>
+              <a:rPr lang="en-US" dirty="0"/>
+              <a:t> y = 2;</a:t>
+            </a:r>
+          </a:p>
+          <a:p>
+            <a:r>
+              <a:rPr lang="en-US" dirty="0"/>
+              <a:t>	return x + y; </a:t>
+            </a:r>
+          </a:p>
+          <a:p>
+            <a:r>
+              <a:rPr lang="en-US" dirty="0"/>
+              <a:t>})(</a:t>
+            </a:r>
+            <a:r>
+              <a:rPr lang="en-US" dirty="0" smtClean="0"/>
+              <a:t>)</a:t>
+            </a:r>
+            <a:endParaRPr lang="en-US" dirty="0"/>
           </a:p>
           <a:p>
             <a:endParaRPr lang="de-DE" dirty="0"/>
           </a:p>
-          <a:p>
-            <a:r>
-              <a:rPr lang="de-DE" dirty="0" err="1"/>
-              <a:t>var</a:t>
-            </a:r>
-            <a:r>
-              <a:rPr lang="de-DE" dirty="0"/>
-              <a:t> </a:t>
-            </a:r>
-            <a:r>
-              <a:rPr lang="de-DE" dirty="0" err="1"/>
-              <a:t>instance</a:t>
-            </a:r>
-            <a:r>
-              <a:rPr lang="de-DE" dirty="0"/>
-              <a:t> = </a:t>
-            </a:r>
-            <a:r>
-              <a:rPr lang="de-DE" dirty="0" err="1"/>
-              <a:t>new</a:t>
-            </a:r>
-            <a:r>
-              <a:rPr lang="de-DE" dirty="0"/>
-              <a:t> </a:t>
-            </a:r>
-            <a:r>
-              <a:rPr lang="de-DE" dirty="0" err="1"/>
-              <a:t>MyClass</a:t>
-            </a:r>
-            <a:r>
-              <a:rPr lang="de-DE" dirty="0"/>
-              <a:t>();</a:t>
-            </a:r>
-          </a:p>
-          <a:p>
-            <a:endParaRPr lang="de-DE" dirty="0"/>
-          </a:p>
-          <a:p>
-            <a:endParaRPr lang="de-DE" dirty="0"/>
-          </a:p>
         </p:txBody>
       </p:sp>
       <p:sp>
         <p:nvSpPr>
-          <p:cNvPr id="4" name="Titel 3"/>
+          <p:cNvPr id="3" name="Titel 2"/>
           <p:cNvSpPr>
             <a:spLocks noGrp="1"/>
           </p:cNvSpPr>
@@ -7457,16 +7424,8 @@
           <a:lstStyle/>
           <a:p>
             <a:r>
-              <a:rPr lang="de-DE" dirty="0"/>
-              <a:t>Class </a:t>
-            </a:r>
-            <a:r>
-              <a:rPr lang="de-DE" dirty="0" smtClean="0"/>
-              <a:t>Pattern </a:t>
-            </a:r>
-            <a:r>
-              <a:rPr lang="de-DE" dirty="0"/>
-              <a:t>– Konstruktor Functions</a:t>
+              <a:rPr lang="de-DE" dirty="0" smtClean="0"/>
+              <a:t>Immediate Functions</a:t>
             </a:r>
             <a:endParaRPr lang="de-DE" dirty="0"/>
           </a:p>
@@ -7475,7 +7434,7 @@
     </p:spTree>
     <p:extLst>
       <p:ext uri="{BB962C8B-B14F-4D97-AF65-F5344CB8AC3E}">
-        <p14:creationId xmlns:p14="http://schemas.microsoft.com/office/powerpoint/2010/main" val="2514446404"/>
+        <p14:creationId xmlns:p14="http://schemas.microsoft.com/office/powerpoint/2010/main" val="2086110369"/>
       </p:ext>
     </p:extLst>
   </p:cSld>
@@ -7538,28 +7497,11 @@
             </a:r>
             <a:r>
               <a:rPr lang="de-DE" dirty="0"/>
-              <a:t>(arg) {</a:t>
-            </a:r>
-          </a:p>
-          <a:p>
-            <a:r>
-              <a:rPr lang="de-DE" dirty="0"/>
-              <a:t>    </a:t>
-            </a:r>
-            <a:r>
-              <a:rPr lang="de-DE" dirty="0" err="1"/>
-              <a:t>this.arg</a:t>
-            </a:r>
-            <a:r>
-              <a:rPr lang="de-DE" dirty="0"/>
-              <a:t> = arg;</a:t>
-            </a:r>
-          </a:p>
-          <a:p>
-            <a:r>
-              <a:rPr lang="de-DE" dirty="0"/>
-              <a:t>}</a:t>
-            </a:r>
+              <a:t>() {}</a:t>
+            </a:r>
+          </a:p>
+          <a:p>
+            <a:endParaRPr lang="de-DE" dirty="0"/>
           </a:p>
           <a:p>
             <a:r>
@@ -7572,7 +7514,7 @@
             </a:r>
             <a:r>
               <a:rPr lang="de-DE" dirty="0" err="1"/>
-              <a:t>inst</a:t>
+              <a:t>instance</a:t>
             </a:r>
             <a:r>
               <a:rPr lang="de-DE" dirty="0"/>
@@ -7592,42 +7534,11 @@
             </a:r>
             <a:r>
               <a:rPr lang="de-DE" dirty="0"/>
-              <a:t>('</a:t>
-            </a:r>
-            <a:r>
-              <a:rPr lang="de-DE" dirty="0" err="1"/>
-              <a:t>foo</a:t>
-            </a:r>
-            <a:r>
-              <a:rPr lang="de-DE" dirty="0"/>
-              <a:t>');</a:t>
-            </a:r>
-          </a:p>
-          <a:p>
-            <a:r>
-              <a:rPr lang="de-DE" dirty="0" err="1"/>
-              <a:t>console.log</a:t>
-            </a:r>
-            <a:r>
-              <a:rPr lang="de-DE" dirty="0"/>
-              <a:t>(</a:t>
-            </a:r>
-            <a:r>
-              <a:rPr lang="de-DE" dirty="0" err="1"/>
-              <a:t>inst.arg</a:t>
-            </a:r>
-            <a:r>
-              <a:rPr lang="de-DE" dirty="0"/>
-              <a:t>); // =&gt; '</a:t>
-            </a:r>
-            <a:r>
-              <a:rPr lang="de-DE" dirty="0" err="1"/>
-              <a:t>foo</a:t>
-            </a:r>
-            <a:r>
-              <a:rPr lang="de-DE" dirty="0"/>
-              <a:t>'</a:t>
-            </a:r>
+              <a:t>();</a:t>
+            </a:r>
+          </a:p>
+          <a:p>
+            <a:endParaRPr lang="de-DE" dirty="0"/>
           </a:p>
           <a:p>
             <a:endParaRPr lang="de-DE" dirty="0"/>
@@ -7651,24 +7562,23 @@
           <a:p>
             <a:r>
               <a:rPr lang="de-DE" dirty="0"/>
-              <a:t>Class Pattern </a:t>
-            </a:r>
-            <a:r>
-              <a:rPr lang="de-DE" dirty="0" smtClean="0"/>
-              <a:t>– </a:t>
-            </a:r>
-            <a:r>
-              <a:rPr lang="de-DE" dirty="0" err="1" smtClean="0"/>
-              <a:t>this</a:t>
-            </a:r>
-            <a:endParaRPr lang="de-DE" dirty="0"/>
+              <a:t>Class </a:t>
+            </a:r>
+            <a:r>
+              <a:rPr lang="de-DE" dirty="0" smtClean="0"/>
+              <a:t>Pattern </a:t>
+            </a:r>
+            <a:r>
+              <a:rPr lang="de-DE" dirty="0"/>
+              <a:t>– Konstruktor Functions</a:t>
+            </a:r>
           </a:p>
         </p:txBody>
       </p:sp>
     </p:spTree>
     <p:extLst>
       <p:ext uri="{BB962C8B-B14F-4D97-AF65-F5344CB8AC3E}">
-        <p14:creationId xmlns:p14="http://schemas.microsoft.com/office/powerpoint/2010/main" val="255818325"/>
+        <p14:creationId xmlns:p14="http://schemas.microsoft.com/office/powerpoint/2010/main" val="2514446404"/>
       </p:ext>
     </p:extLst>
   </p:cSld>
@@ -8787,7 +8697,7 @@
             </a:r>
             <a:r>
               <a:rPr lang="de-DE" dirty="0"/>
-              <a:t>() {</a:t>
+              <a:t>(arg) {</a:t>
             </a:r>
           </a:p>
           <a:p>
@@ -8797,7 +8707,31 @@
             </a:r>
             <a:r>
               <a:rPr lang="de-DE" dirty="0" err="1"/>
-              <a:t>this.greet</a:t>
+              <a:t>this.arg</a:t>
+            </a:r>
+            <a:r>
+              <a:rPr lang="de-DE" dirty="0"/>
+              <a:t> = arg;</a:t>
+            </a:r>
+          </a:p>
+          <a:p>
+            <a:r>
+              <a:rPr lang="de-DE" dirty="0"/>
+              <a:t>}</a:t>
+            </a:r>
+          </a:p>
+          <a:p>
+            <a:r>
+              <a:rPr lang="de-DE" dirty="0" err="1"/>
+              <a:t>var</a:t>
+            </a:r>
+            <a:r>
+              <a:rPr lang="de-DE" dirty="0"/>
+              <a:t> </a:t>
+            </a:r>
+            <a:r>
+              <a:rPr lang="de-DE" dirty="0" err="1"/>
+              <a:t>inst</a:t>
             </a:r>
             <a:r>
               <a:rPr lang="de-DE" dirty="0"/>
@@ -8805,112 +8739,56 @@
             </a:r>
             <a:r>
               <a:rPr lang="de-DE" dirty="0" err="1"/>
-              <a:t>function</a:t>
-            </a:r>
-            <a:r>
-              <a:rPr lang="de-DE" dirty="0"/>
-              <a:t>() {</a:t>
-            </a:r>
-          </a:p>
-          <a:p>
-            <a:r>
-              <a:rPr lang="de-DE" dirty="0"/>
-              <a:t>        </a:t>
-            </a:r>
+              <a:t>new</a:t>
+            </a:r>
+            <a:r>
+              <a:rPr lang="de-DE" dirty="0"/>
+              <a:t> </a:t>
+            </a:r>
+            <a:r>
+              <a:rPr lang="de-DE" dirty="0" err="1"/>
+              <a:t>MyClass</a:t>
+            </a:r>
+            <a:r>
+              <a:rPr lang="de-DE" dirty="0"/>
+              <a:t>('</a:t>
+            </a:r>
+            <a:r>
+              <a:rPr lang="de-DE" dirty="0" err="1"/>
+              <a:t>foo</a:t>
+            </a:r>
+            <a:r>
+              <a:rPr lang="de-DE" dirty="0"/>
+              <a:t>');</a:t>
+            </a:r>
+          </a:p>
+          <a:p>
             <a:r>
               <a:rPr lang="de-DE" dirty="0" err="1"/>
               <a:t>console.log</a:t>
             </a:r>
             <a:r>
               <a:rPr lang="de-DE" dirty="0"/>
-              <a:t>('</a:t>
-            </a:r>
-            <a:r>
-              <a:rPr lang="de-DE" dirty="0" err="1"/>
-              <a:t>Hello</a:t>
-            </a:r>
-            <a:r>
-              <a:rPr lang="de-DE" dirty="0"/>
-              <a:t>!');</a:t>
-            </a:r>
-          </a:p>
-          <a:p>
-            <a:r>
-              <a:rPr lang="de-DE" dirty="0"/>
-              <a:t>    };</a:t>
-            </a:r>
-          </a:p>
-          <a:p>
-            <a:r>
-              <a:rPr lang="de-DE" dirty="0"/>
-              <a:t>}</a:t>
-            </a:r>
-          </a:p>
-          <a:p>
-            <a:r>
-              <a:rPr lang="de-DE" dirty="0" err="1"/>
-              <a:t>var</a:t>
-            </a:r>
-            <a:r>
-              <a:rPr lang="de-DE" dirty="0"/>
-              <a:t> </a:t>
-            </a:r>
-            <a:r>
-              <a:rPr lang="de-DE" dirty="0" err="1"/>
-              <a:t>inst</a:t>
-            </a:r>
-            <a:r>
-              <a:rPr lang="de-DE" dirty="0"/>
-              <a:t> = </a:t>
-            </a:r>
-            <a:r>
-              <a:rPr lang="de-DE" dirty="0" err="1"/>
-              <a:t>new</a:t>
-            </a:r>
-            <a:r>
-              <a:rPr lang="de-DE" dirty="0"/>
-              <a:t> </a:t>
-            </a:r>
-            <a:r>
-              <a:rPr lang="de-DE" dirty="0" err="1"/>
-              <a:t>MyClass</a:t>
-            </a:r>
-            <a:r>
-              <a:rPr lang="de-DE" dirty="0"/>
-              <a:t>();</a:t>
-            </a:r>
-          </a:p>
-          <a:p>
-            <a:r>
-              <a:rPr lang="de-DE" dirty="0" err="1"/>
-              <a:t>inst.greet</a:t>
-            </a:r>
-            <a:r>
-              <a:rPr lang="de-DE" dirty="0"/>
-              <a:t>(); // =&gt; '</a:t>
-            </a:r>
-            <a:r>
-              <a:rPr lang="de-DE" dirty="0" err="1" smtClean="0"/>
-              <a:t>Hello</a:t>
-            </a:r>
-            <a:endParaRPr lang="de-DE" dirty="0" smtClean="0"/>
-          </a:p>
-          <a:p>
-            <a:endParaRPr lang="de-DE" dirty="0"/>
-          </a:p>
-          <a:p>
-            <a:r>
-              <a:rPr lang="de-DE" dirty="0" smtClean="0"/>
-              <a:t>// Strange: Jedes Objekt hat eine eigene Kopie der Funktion </a:t>
-            </a:r>
-            <a:r>
-              <a:rPr lang="de-DE" dirty="0" err="1" smtClean="0"/>
-              <a:t>greet</a:t>
-            </a:r>
-            <a:r>
-              <a:rPr lang="de-DE" dirty="0" smtClean="0"/>
-              <a:t>!</a:t>
-            </a:r>
+              <a:t>(</a:t>
+            </a:r>
+            <a:r>
+              <a:rPr lang="de-DE" dirty="0" err="1"/>
+              <a:t>inst.arg</a:t>
+            </a:r>
+            <a:r>
+              <a:rPr lang="de-DE" dirty="0"/>
+              <a:t>); // =&gt; '</a:t>
+            </a:r>
+            <a:r>
+              <a:rPr lang="de-DE" dirty="0" err="1"/>
+              <a:t>foo</a:t>
+            </a:r>
+            <a:r>
+              <a:rPr lang="de-DE" dirty="0"/>
+              <a:t>'</a:t>
+            </a:r>
+          </a:p>
+          <a:p>
             <a:endParaRPr lang="de-DE" dirty="0"/>
           </a:p>
         </p:txBody>
@@ -8940,15 +8818,7 @@
             </a:r>
             <a:r>
               <a:rPr lang="de-DE" dirty="0" err="1" smtClean="0"/>
-              <a:t>method</a:t>
-            </a:r>
-            <a:r>
-              <a:rPr lang="de-DE" dirty="0" smtClean="0"/>
-              <a:t> </a:t>
-            </a:r>
-            <a:r>
-              <a:rPr lang="de-DE" dirty="0" err="1" smtClean="0"/>
-              <a:t>pattern</a:t>
+              <a:t>this</a:t>
             </a:r>
             <a:endParaRPr lang="de-DE" dirty="0"/>
           </a:p>
@@ -8957,7 +8827,7 @@
     </p:spTree>
     <p:extLst>
       <p:ext uri="{BB962C8B-B14F-4D97-AF65-F5344CB8AC3E}">
-        <p14:creationId xmlns:p14="http://schemas.microsoft.com/office/powerpoint/2010/main" val="99376980"/>
+        <p14:creationId xmlns:p14="http://schemas.microsoft.com/office/powerpoint/2010/main" val="255818325"/>
       </p:ext>
     </p:extLst>
   </p:cSld>
@@ -9020,13 +8890,17 @@
             </a:r>
             <a:r>
               <a:rPr lang="de-DE" dirty="0"/>
-              <a:t>() {}</a:t>
-            </a:r>
-          </a:p>
-          <a:p>
-            <a:r>
-              <a:rPr lang="de-DE" dirty="0" err="1"/>
-              <a:t>MyClass.prototype.greet</a:t>
+              <a:t>() {</a:t>
+            </a:r>
+          </a:p>
+          <a:p>
+            <a:r>
+              <a:rPr lang="de-DE" dirty="0"/>
+              <a:t>    </a:t>
+            </a:r>
+            <a:r>
+              <a:rPr lang="de-DE" dirty="0" err="1"/>
+              <a:t>this.greet</a:t>
             </a:r>
             <a:r>
               <a:rPr lang="de-DE" dirty="0"/>
@@ -9044,7 +8918,7 @@
           <a:p>
             <a:r>
               <a:rPr lang="de-DE" dirty="0"/>
-              <a:t>    </a:t>
+              <a:t>        </a:t>
             </a:r>
             <a:r>
               <a:rPr lang="de-DE" dirty="0" err="1"/>
@@ -9066,7 +8940,13 @@
           <a:p>
             <a:r>
               <a:rPr lang="de-DE" dirty="0"/>
-              <a:t>};</a:t>
+              <a:t>    };</a:t>
+            </a:r>
+          </a:p>
+          <a:p>
+            <a:r>
+              <a:rPr lang="de-DE" dirty="0"/>
+              <a:t>}</a:t>
             </a:r>
           </a:p>
           <a:p>
@@ -9113,25 +8993,18 @@
               <a:t>(); // =&gt; '</a:t>
             </a:r>
             <a:r>
-              <a:rPr lang="de-DE" dirty="0" err="1"/>
+              <a:rPr lang="de-DE" dirty="0" err="1" smtClean="0"/>
               <a:t>Hello</a:t>
             </a:r>
-            <a:r>
-              <a:rPr lang="de-DE" dirty="0" smtClean="0"/>
-              <a:t>!</a:t>
-            </a:r>
+            <a:endParaRPr lang="de-DE" dirty="0" smtClean="0"/>
           </a:p>
           <a:p>
             <a:endParaRPr lang="de-DE" dirty="0"/>
           </a:p>
           <a:p>
             <a:r>
-              <a:rPr lang="de-DE" dirty="0"/>
-              <a:t>// </a:t>
-            </a:r>
-            <a:r>
-              <a:rPr lang="de-DE" dirty="0" smtClean="0"/>
-              <a:t>Jetzt gibt es nur noch eine „Kopie“ der </a:t>
+              <a:rPr lang="de-DE" dirty="0" smtClean="0"/>
+              <a:t>// Strange: Jedes Objekt hat eine eigene Kopie der Funktion </a:t>
             </a:r>
             <a:r>
               <a:rPr lang="de-DE" dirty="0" err="1" smtClean="0"/>
@@ -9139,13 +9012,7 @@
             </a:r>
             <a:r>
               <a:rPr lang="de-DE" dirty="0" smtClean="0"/>
-              <a:t>-Funktion </a:t>
-            </a:r>
-            <a:r>
-              <a:rPr lang="de-DE" dirty="0" smtClean="0">
-                <a:sym typeface="Wingdings"/>
-              </a:rPr>
-              <a:t></a:t>
+              <a:t>!</a:t>
             </a:r>
             <a:endParaRPr lang="de-DE" dirty="0"/>
           </a:p>
@@ -9176,11 +9043,15 @@
             </a:r>
             <a:r>
               <a:rPr lang="de-DE" dirty="0" err="1" smtClean="0"/>
-              <a:t>Prototypes</a:t>
-            </a:r>
-            <a:r>
-              <a:rPr lang="de-DE" dirty="0" smtClean="0"/>
-              <a:t>!</a:t>
+              <a:t>method</a:t>
+            </a:r>
+            <a:r>
+              <a:rPr lang="de-DE" dirty="0" smtClean="0"/>
+              <a:t> </a:t>
+            </a:r>
+            <a:r>
+              <a:rPr lang="de-DE" dirty="0" err="1" smtClean="0"/>
+              <a:t>pattern</a:t>
             </a:r>
             <a:endParaRPr lang="de-DE" dirty="0"/>
           </a:p>
@@ -9189,7 +9060,7 @@
     </p:spTree>
     <p:extLst>
       <p:ext uri="{BB962C8B-B14F-4D97-AF65-F5344CB8AC3E}">
-        <p14:creationId xmlns:p14="http://schemas.microsoft.com/office/powerpoint/2010/main" val="323236905"/>
+        <p14:creationId xmlns:p14="http://schemas.microsoft.com/office/powerpoint/2010/main" val="99376980"/>
       </p:ext>
     </p:extLst>
   </p:cSld>
@@ -9240,6 +9111,70 @@
           <a:p>
             <a:r>
               <a:rPr lang="de-DE" dirty="0" err="1"/>
+              <a:t>function</a:t>
+            </a:r>
+            <a:r>
+              <a:rPr lang="de-DE" dirty="0"/>
+              <a:t> </a:t>
+            </a:r>
+            <a:r>
+              <a:rPr lang="de-DE" dirty="0" err="1"/>
+              <a:t>MyClass</a:t>
+            </a:r>
+            <a:r>
+              <a:rPr lang="de-DE" dirty="0"/>
+              <a:t>() {}</a:t>
+            </a:r>
+          </a:p>
+          <a:p>
+            <a:r>
+              <a:rPr lang="de-DE" dirty="0" err="1"/>
+              <a:t>MyClass.prototype.greet</a:t>
+            </a:r>
+            <a:r>
+              <a:rPr lang="de-DE" dirty="0"/>
+              <a:t> = </a:t>
+            </a:r>
+            <a:r>
+              <a:rPr lang="de-DE" dirty="0" err="1"/>
+              <a:t>function</a:t>
+            </a:r>
+            <a:r>
+              <a:rPr lang="de-DE" dirty="0"/>
+              <a:t>() {</a:t>
+            </a:r>
+          </a:p>
+          <a:p>
+            <a:r>
+              <a:rPr lang="de-DE" dirty="0"/>
+              <a:t>    </a:t>
+            </a:r>
+            <a:r>
+              <a:rPr lang="de-DE" dirty="0" err="1"/>
+              <a:t>console.log</a:t>
+            </a:r>
+            <a:r>
+              <a:rPr lang="de-DE" dirty="0"/>
+              <a:t>('</a:t>
+            </a:r>
+            <a:r>
+              <a:rPr lang="de-DE" dirty="0" err="1"/>
+              <a:t>Hello</a:t>
+            </a:r>
+            <a:r>
+              <a:rPr lang="de-DE" dirty="0"/>
+              <a:t>!');</a:t>
+            </a:r>
+          </a:p>
+          <a:p>
+            <a:r>
+              <a:rPr lang="de-DE" dirty="0"/>
+              <a:t>};</a:t>
+            </a:r>
+          </a:p>
+          <a:p>
+            <a:r>
+              <a:rPr lang="de-DE" dirty="0" err="1"/>
               <a:t>var</a:t>
             </a:r>
             <a:r>
@@ -9248,153 +9183,72 @@
             </a:r>
             <a:r>
               <a:rPr lang="de-DE" dirty="0" err="1"/>
-              <a:t>foo</a:t>
-            </a:r>
-            <a:r>
-              <a:rPr lang="de-DE" dirty="0"/>
-              <a:t> = 'bar';</a:t>
-            </a:r>
-          </a:p>
-          <a:p>
-            <a:r>
-              <a:rPr lang="de-DE" dirty="0" err="1"/>
-              <a:t>function</a:t>
-            </a:r>
-            <a:r>
-              <a:rPr lang="de-DE" dirty="0"/>
-              <a:t> </a:t>
-            </a:r>
-            <a:r>
-              <a:rPr lang="de-DE" dirty="0" err="1"/>
-              <a:t>myClosure</a:t>
-            </a:r>
-            <a:r>
-              <a:rPr lang="de-DE" dirty="0"/>
-              <a:t>() {</a:t>
-            </a:r>
-          </a:p>
-          <a:p>
-            <a:r>
-              <a:rPr lang="de-DE" dirty="0"/>
-              <a:t>  </a:t>
-            </a:r>
-            <a:r>
-              <a:rPr lang="de-DE" dirty="0" err="1"/>
-              <a:t>var</a:t>
-            </a:r>
-            <a:r>
-              <a:rPr lang="de-DE" dirty="0"/>
-              <a:t> </a:t>
-            </a:r>
-            <a:r>
-              <a:rPr lang="de-DE" dirty="0" err="1"/>
-              <a:t>baz</a:t>
-            </a:r>
-            <a:r>
-              <a:rPr lang="de-DE" dirty="0"/>
-              <a:t> = '</a:t>
-            </a:r>
-            <a:r>
-              <a:rPr lang="de-DE" dirty="0" err="1"/>
-              <a:t>qux</a:t>
-            </a:r>
-            <a:r>
-              <a:rPr lang="de-DE" dirty="0"/>
-              <a:t>';</a:t>
-            </a:r>
-          </a:p>
-          <a:p>
-            <a:r>
-              <a:rPr lang="de-DE" dirty="0"/>
-              <a:t>  </a:t>
-            </a:r>
-            <a:r>
-              <a:rPr lang="de-DE" dirty="0" err="1"/>
-              <a:t>console.log</a:t>
-            </a:r>
-            <a:r>
-              <a:rPr lang="de-DE" dirty="0"/>
-              <a:t>(</a:t>
-            </a:r>
-            <a:r>
-              <a:rPr lang="de-DE" dirty="0" err="1"/>
-              <a:t>foo</a:t>
-            </a:r>
-            <a:r>
-              <a:rPr lang="de-DE" dirty="0"/>
-              <a:t>); // =&gt; 'bar'</a:t>
-            </a:r>
-          </a:p>
-          <a:p>
-            <a:r>
-              <a:rPr lang="de-DE" dirty="0"/>
-              <a:t>  </a:t>
-            </a:r>
-            <a:r>
-              <a:rPr lang="de-DE" dirty="0" err="1"/>
-              <a:t>console.log</a:t>
-            </a:r>
-            <a:r>
-              <a:rPr lang="de-DE" dirty="0"/>
-              <a:t>(</a:t>
-            </a:r>
-            <a:r>
-              <a:rPr lang="de-DE" dirty="0" err="1"/>
-              <a:t>baz</a:t>
-            </a:r>
-            <a:r>
-              <a:rPr lang="de-DE" dirty="0"/>
-              <a:t>); // =&gt; '</a:t>
-            </a:r>
-            <a:r>
-              <a:rPr lang="de-DE" dirty="0" err="1"/>
-              <a:t>qux</a:t>
-            </a:r>
-            <a:r>
-              <a:rPr lang="de-DE" dirty="0"/>
-              <a:t>'</a:t>
-            </a:r>
-          </a:p>
-          <a:p>
-            <a:r>
-              <a:rPr lang="de-DE" dirty="0"/>
-              <a:t>}</a:t>
-            </a:r>
-          </a:p>
-          <a:p>
-            <a:r>
-              <a:rPr lang="de-DE" dirty="0" err="1"/>
-              <a:t>console.log</a:t>
-            </a:r>
-            <a:r>
-              <a:rPr lang="de-DE" dirty="0"/>
-              <a:t>(</a:t>
-            </a:r>
-            <a:r>
-              <a:rPr lang="de-DE" dirty="0" err="1"/>
-              <a:t>foo</a:t>
-            </a:r>
-            <a:r>
-              <a:rPr lang="de-DE" dirty="0"/>
-              <a:t>); // =&gt; 'bar'</a:t>
-            </a:r>
-          </a:p>
-          <a:p>
-            <a:r>
-              <a:rPr lang="de-DE" dirty="0" err="1"/>
-              <a:t>console.log</a:t>
-            </a:r>
-            <a:r>
-              <a:rPr lang="de-DE" dirty="0"/>
-              <a:t>(</a:t>
-            </a:r>
-            <a:r>
-              <a:rPr lang="de-DE" dirty="0" err="1"/>
-              <a:t>baz</a:t>
-            </a:r>
-            <a:r>
-              <a:rPr lang="de-DE" dirty="0"/>
-              <a:t>); // =&gt; undefined</a:t>
+              <a:t>inst</a:t>
+            </a:r>
+            <a:r>
+              <a:rPr lang="de-DE" dirty="0"/>
+              <a:t> = </a:t>
+            </a:r>
+            <a:r>
+              <a:rPr lang="de-DE" dirty="0" err="1"/>
+              <a:t>new</a:t>
+            </a:r>
+            <a:r>
+              <a:rPr lang="de-DE" dirty="0"/>
+              <a:t> </a:t>
+            </a:r>
+            <a:r>
+              <a:rPr lang="de-DE" dirty="0" err="1"/>
+              <a:t>MyClass</a:t>
+            </a:r>
+            <a:r>
+              <a:rPr lang="de-DE" dirty="0"/>
+              <a:t>();</a:t>
+            </a:r>
+          </a:p>
+          <a:p>
+            <a:r>
+              <a:rPr lang="de-DE" dirty="0" err="1"/>
+              <a:t>inst.greet</a:t>
+            </a:r>
+            <a:r>
+              <a:rPr lang="de-DE" dirty="0"/>
+              <a:t>(); // =&gt; '</a:t>
+            </a:r>
+            <a:r>
+              <a:rPr lang="de-DE" dirty="0" err="1"/>
+              <a:t>Hello</a:t>
+            </a:r>
+            <a:r>
+              <a:rPr lang="de-DE" dirty="0" smtClean="0"/>
+              <a:t>!</a:t>
+            </a:r>
+          </a:p>
+          <a:p>
+            <a:endParaRPr lang="de-DE" dirty="0"/>
+          </a:p>
+          <a:p>
+            <a:r>
+              <a:rPr lang="de-DE" dirty="0"/>
+              <a:t>// </a:t>
+            </a:r>
+            <a:r>
+              <a:rPr lang="de-DE" dirty="0" smtClean="0"/>
+              <a:t>Jetzt gibt es nur noch eine „Kopie“ der </a:t>
+            </a:r>
+            <a:r>
+              <a:rPr lang="de-DE" dirty="0" err="1" smtClean="0"/>
+              <a:t>greet</a:t>
+            </a:r>
+            <a:r>
+              <a:rPr lang="de-DE" dirty="0" smtClean="0"/>
+              <a:t>-Funktion </a:t>
+            </a:r>
+            <a:r>
+              <a:rPr lang="de-DE" dirty="0" smtClean="0">
+                <a:sym typeface="Wingdings"/>
+              </a:rPr>
+              <a:t></a:t>
             </a:r>
             <a:endParaRPr lang="de-DE" dirty="0"/>
           </a:p>
@@ -9421,7 +9275,15 @@
             </a:r>
             <a:r>
               <a:rPr lang="de-DE" dirty="0" smtClean="0"/>
-              <a:t>– Sichtbarkeit von Variablen</a:t>
+              <a:t>– </a:t>
+            </a:r>
+            <a:r>
+              <a:rPr lang="de-DE" dirty="0" err="1" smtClean="0"/>
+              <a:t>Prototypes</a:t>
+            </a:r>
+            <a:r>
+              <a:rPr lang="de-DE" dirty="0" smtClean="0"/>
+              <a:t>!</a:t>
             </a:r>
             <a:endParaRPr lang="de-DE" dirty="0"/>
           </a:p>
@@ -9430,7 +9292,7 @@
     </p:spTree>
     <p:extLst>
       <p:ext uri="{BB962C8B-B14F-4D97-AF65-F5344CB8AC3E}">
-        <p14:creationId xmlns:p14="http://schemas.microsoft.com/office/powerpoint/2010/main" val="1643762402"/>
+        <p14:creationId xmlns:p14="http://schemas.microsoft.com/office/powerpoint/2010/main" val="323236905"/>
       </p:ext>
     </p:extLst>
   </p:cSld>
@@ -9476,109 +9338,167 @@
         </p:nvSpPr>
         <p:spPr/>
         <p:txBody>
-          <a:bodyPr>
-            <a:normAutofit/>
-          </a:bodyPr>
+          <a:bodyPr/>
           <a:lstStyle/>
           <a:p>
-            <a:pPr marL="0" indent="0">
-              <a:buNone/>
-            </a:pPr>
-            <a:r>
-              <a:rPr lang="de-DE" dirty="0" smtClean="0">
-                <a:latin typeface="Consolas"/>
-                <a:cs typeface="Consolas"/>
-              </a:rPr>
-              <a:t>Code + </a:t>
-            </a:r>
-            <a:r>
-              <a:rPr lang="de-DE" dirty="0" err="1" smtClean="0">
-                <a:latin typeface="Consolas"/>
-                <a:cs typeface="Consolas"/>
-              </a:rPr>
-              <a:t>Scope</a:t>
-            </a:r>
-            <a:r>
-              <a:rPr lang="de-DE" dirty="0" smtClean="0">
-                <a:latin typeface="Consolas"/>
-                <a:cs typeface="Consolas"/>
-              </a:rPr>
-              <a:t> = </a:t>
-            </a:r>
-            <a:r>
-              <a:rPr lang="de-DE" dirty="0" err="1" smtClean="0">
-                <a:latin typeface="Consolas"/>
-                <a:cs typeface="Consolas"/>
-              </a:rPr>
-              <a:t>Closure</a:t>
-            </a:r>
-            <a:endParaRPr lang="de-DE" dirty="0" smtClean="0">
-              <a:latin typeface="Consolas"/>
-              <a:cs typeface="Consolas"/>
-            </a:endParaRPr>
-          </a:p>
-          <a:p>
-            <a:pPr marL="0" indent="0">
-              <a:buNone/>
-            </a:pPr>
-            <a:r>
-              <a:rPr lang="de-DE" dirty="0" smtClean="0"/>
-              <a:t>Eine </a:t>
-            </a:r>
-            <a:r>
-              <a:rPr lang="de-DE" dirty="0"/>
-              <a:t>Funktion wird stets in einem Funktionsgeltungsbereich ausgeführt. </a:t>
-            </a:r>
-          </a:p>
-          <a:p>
-            <a:pPr marL="0" indent="0">
-              <a:buNone/>
-            </a:pPr>
-            <a:r>
-              <a:rPr lang="de-DE" dirty="0"/>
-              <a:t>Der Funktionsgeltungsbereich gilt auch, wenn in einer Funktion eine weitere, innere Funktion definiert wird. </a:t>
-            </a:r>
-            <a:endParaRPr lang="de-DE" dirty="0" smtClean="0"/>
-          </a:p>
-          <a:p>
-            <a:pPr marL="0" indent="0">
-              <a:buNone/>
-            </a:pPr>
-            <a:r>
-              <a:rPr lang="de-DE" dirty="0" smtClean="0"/>
-              <a:t>Diese </a:t>
-            </a:r>
-            <a:r>
-              <a:rPr lang="de-DE" dirty="0"/>
-              <a:t>Funktion hat dann Zugriff auf die Variablen der äußeren Funktion. Ausnahmen sind hier </a:t>
-            </a:r>
-            <a:r>
-              <a:rPr lang="de-DE" dirty="0" err="1">
-                <a:latin typeface="Consolas"/>
-                <a:cs typeface="Consolas"/>
-              </a:rPr>
-              <a:t>this</a:t>
-            </a:r>
-            <a:r>
-              <a:rPr lang="de-DE" dirty="0"/>
-              <a:t> und der Bonusparameter </a:t>
-            </a:r>
-            <a:r>
-              <a:rPr lang="de-DE" dirty="0" err="1">
-                <a:latin typeface="Consolas"/>
-                <a:cs typeface="Consolas"/>
-              </a:rPr>
-              <a:t>arguments</a:t>
-            </a:r>
-            <a:r>
-              <a:rPr lang="de-DE" dirty="0"/>
-              <a:t>, da diese Parameter von jeder Funktion selbst überschrieben </a:t>
-            </a:r>
-            <a:r>
-              <a:rPr lang="de-DE" dirty="0" smtClean="0"/>
-              <a:t>werden.</a:t>
-            </a:r>
-            <a:endParaRPr lang="de-DE" dirty="0"/>
+            <a:r>
+              <a:rPr lang="de-DE" dirty="0" err="1"/>
+              <a:t>var</a:t>
+            </a:r>
+            <a:r>
+              <a:rPr lang="de-DE" dirty="0"/>
+              <a:t> </a:t>
+            </a:r>
+            <a:r>
+              <a:rPr lang="de-DE" dirty="0" err="1"/>
+              <a:t>foo</a:t>
+            </a:r>
+            <a:r>
+              <a:rPr lang="de-DE" dirty="0"/>
+              <a:t> = 'bar';</a:t>
+            </a:r>
+          </a:p>
+          <a:p>
+            <a:r>
+              <a:rPr lang="de-DE" dirty="0" err="1"/>
+              <a:t>function</a:t>
+            </a:r>
+            <a:r>
+              <a:rPr lang="de-DE" dirty="0"/>
+              <a:t> </a:t>
+            </a:r>
+            <a:r>
+              <a:rPr lang="de-DE" dirty="0" err="1"/>
+              <a:t>myClosure</a:t>
+            </a:r>
+            <a:r>
+              <a:rPr lang="de-DE" dirty="0"/>
+              <a:t>() {</a:t>
+            </a:r>
+          </a:p>
+          <a:p>
+            <a:r>
+              <a:rPr lang="de-DE" dirty="0"/>
+              <a:t>  </a:t>
+            </a:r>
+            <a:r>
+              <a:rPr lang="de-DE" dirty="0" err="1"/>
+              <a:t>var</a:t>
+            </a:r>
+            <a:r>
+              <a:rPr lang="de-DE" dirty="0"/>
+              <a:t> </a:t>
+            </a:r>
+            <a:r>
+              <a:rPr lang="de-DE" dirty="0" err="1"/>
+              <a:t>baz</a:t>
+            </a:r>
+            <a:r>
+              <a:rPr lang="de-DE" dirty="0"/>
+              <a:t> = '</a:t>
+            </a:r>
+            <a:r>
+              <a:rPr lang="de-DE" dirty="0" err="1"/>
+              <a:t>qux</a:t>
+            </a:r>
+            <a:r>
+              <a:rPr lang="de-DE" dirty="0"/>
+              <a:t>';</a:t>
+            </a:r>
+          </a:p>
+          <a:p>
+            <a:r>
+              <a:rPr lang="de-DE" dirty="0"/>
+              <a:t>  </a:t>
+            </a:r>
+            <a:r>
+              <a:rPr lang="de-DE" dirty="0" err="1"/>
+              <a:t>console.log</a:t>
+            </a:r>
+            <a:r>
+              <a:rPr lang="de-DE" dirty="0"/>
+              <a:t>(</a:t>
+            </a:r>
+            <a:r>
+              <a:rPr lang="de-DE" dirty="0" err="1"/>
+              <a:t>foo</a:t>
+            </a:r>
+            <a:r>
+              <a:rPr lang="de-DE" dirty="0"/>
+              <a:t>); // =&gt; 'bar'</a:t>
+            </a:r>
+          </a:p>
+          <a:p>
+            <a:r>
+              <a:rPr lang="de-DE" dirty="0"/>
+              <a:t>  </a:t>
+            </a:r>
+            <a:r>
+              <a:rPr lang="de-DE" dirty="0" err="1"/>
+              <a:t>console.log</a:t>
+            </a:r>
+            <a:r>
+              <a:rPr lang="de-DE" dirty="0"/>
+              <a:t>(</a:t>
+            </a:r>
+            <a:r>
+              <a:rPr lang="de-DE" dirty="0" err="1"/>
+              <a:t>baz</a:t>
+            </a:r>
+            <a:r>
+              <a:rPr lang="de-DE" dirty="0"/>
+              <a:t>); // =&gt; '</a:t>
+            </a:r>
+            <a:r>
+              <a:rPr lang="de-DE" dirty="0" err="1"/>
+              <a:t>qux</a:t>
+            </a:r>
+            <a:r>
+              <a:rPr lang="de-DE" dirty="0"/>
+              <a:t>'</a:t>
+            </a:r>
+          </a:p>
+          <a:p>
+            <a:r>
+              <a:rPr lang="de-DE" dirty="0"/>
+              <a:t>}</a:t>
+            </a:r>
+          </a:p>
+          <a:p>
+            <a:r>
+              <a:rPr lang="de-DE" dirty="0" err="1"/>
+              <a:t>console.log</a:t>
+            </a:r>
+            <a:r>
+              <a:rPr lang="de-DE" dirty="0"/>
+              <a:t>(</a:t>
+            </a:r>
+            <a:r>
+              <a:rPr lang="de-DE" dirty="0" err="1"/>
+              <a:t>foo</a:t>
+            </a:r>
+            <a:r>
+              <a:rPr lang="de-DE" dirty="0"/>
+              <a:t>); // =&gt; 'bar'</a:t>
+            </a:r>
+          </a:p>
+          <a:p>
+            <a:r>
+              <a:rPr lang="de-DE" dirty="0" err="1"/>
+              <a:t>console.log</a:t>
+            </a:r>
+            <a:r>
+              <a:rPr lang="de-DE" dirty="0"/>
+              <a:t>(</a:t>
+            </a:r>
+            <a:r>
+              <a:rPr lang="de-DE" dirty="0" err="1"/>
+              <a:t>baz</a:t>
+            </a:r>
+            <a:r>
+              <a:rPr lang="de-DE" dirty="0"/>
+              <a:t>); // =&gt; undefined</a:t>
+            </a:r>
           </a:p>
         </p:txBody>
       </p:sp>
@@ -9598,8 +9518,12 @@
           <a:lstStyle/>
           <a:p>
             <a:r>
-              <a:rPr lang="de-DE" dirty="0" err="1" smtClean="0"/>
-              <a:t>Closures</a:t>
+              <a:rPr lang="de-DE" dirty="0"/>
+              <a:t>Class Pattern </a:t>
+            </a:r>
+            <a:r>
+              <a:rPr lang="de-DE" dirty="0" smtClean="0"/>
+              <a:t>– Sichtbarkeit von Variablen</a:t>
             </a:r>
             <a:endParaRPr lang="de-DE" dirty="0"/>
           </a:p>
@@ -9608,7 +9532,7 @@
     </p:spTree>
     <p:extLst>
       <p:ext uri="{BB962C8B-B14F-4D97-AF65-F5344CB8AC3E}">
-        <p14:creationId xmlns:p14="http://schemas.microsoft.com/office/powerpoint/2010/main" val="1216556351"/>
+        <p14:creationId xmlns:p14="http://schemas.microsoft.com/office/powerpoint/2010/main" val="1643762402"/>
       </p:ext>
     </p:extLst>
   </p:cSld>
@@ -9644,7 +9568,7 @@
       </p:grpSpPr>
       <p:sp>
         <p:nvSpPr>
-          <p:cNvPr id="2" name="Inhaltsplatzhalter 1"/>
+          <p:cNvPr id="5" name="Inhaltsplatzhalter 4"/>
           <p:cNvSpPr>
             <a:spLocks noGrp="1"/>
           </p:cNvSpPr>
@@ -9654,152 +9578,115 @@
         </p:nvSpPr>
         <p:spPr/>
         <p:txBody>
-          <a:bodyPr/>
+          <a:bodyPr>
+            <a:normAutofit/>
+          </a:bodyPr>
           <a:lstStyle/>
           <a:p>
-            <a:r>
-              <a:rPr lang="de-DE" dirty="0" err="1"/>
-              <a:t>function</a:t>
-            </a:r>
-            <a:r>
-              <a:rPr lang="de-DE" dirty="0"/>
-              <a:t> </a:t>
-            </a:r>
-            <a:r>
-              <a:rPr lang="de-DE" dirty="0" err="1" smtClean="0"/>
-              <a:t>outerFunction</a:t>
-            </a:r>
-            <a:r>
-              <a:rPr lang="de-DE" dirty="0"/>
-              <a:t>() {</a:t>
-            </a:r>
-          </a:p>
-          <a:p>
-            <a:r>
-              <a:rPr lang="de-DE" dirty="0"/>
-              <a:t>	</a:t>
-            </a:r>
-            <a:r>
-              <a:rPr lang="de-DE" dirty="0" err="1"/>
-              <a:t>var</a:t>
-            </a:r>
-            <a:r>
-              <a:rPr lang="de-DE" dirty="0"/>
-              <a:t> x = "</a:t>
-            </a:r>
-            <a:r>
-              <a:rPr lang="de-DE" dirty="0" err="1"/>
-              <a:t>Hello</a:t>
-            </a:r>
-            <a:r>
-              <a:rPr lang="de-DE" dirty="0"/>
-              <a:t>";</a:t>
-            </a:r>
-          </a:p>
-          <a:p>
-            <a:r>
-              <a:rPr lang="de-DE" dirty="0"/>
-              <a:t>	</a:t>
-            </a:r>
-            <a:r>
-              <a:rPr lang="de-DE" dirty="0" err="1"/>
-              <a:t>function</a:t>
-            </a:r>
-            <a:r>
-              <a:rPr lang="de-DE" dirty="0"/>
-              <a:t> </a:t>
-            </a:r>
-            <a:r>
-              <a:rPr lang="de-DE" dirty="0" err="1"/>
-              <a:t>innerFunction</a:t>
-            </a:r>
-            <a:r>
-              <a:rPr lang="de-DE" dirty="0"/>
-              <a:t>() {</a:t>
-            </a:r>
-          </a:p>
-          <a:p>
-            <a:r>
-              <a:rPr lang="de-DE" dirty="0"/>
-              <a:t>		</a:t>
-            </a:r>
-            <a:r>
-              <a:rPr lang="de-DE" dirty="0" err="1"/>
-              <a:t>return</a:t>
-            </a:r>
-            <a:r>
-              <a:rPr lang="de-DE" dirty="0"/>
-              <a:t> x;</a:t>
-            </a:r>
-          </a:p>
-          <a:p>
-            <a:r>
-              <a:rPr lang="de-DE" dirty="0"/>
-              <a:t>	}</a:t>
-            </a:r>
-          </a:p>
-          <a:p>
-            <a:r>
-              <a:rPr lang="de-DE" dirty="0"/>
-              <a:t>	</a:t>
-            </a:r>
-            <a:r>
-              <a:rPr lang="de-DE" dirty="0" err="1"/>
-              <a:t>return</a:t>
-            </a:r>
-            <a:r>
-              <a:rPr lang="de-DE" dirty="0"/>
-              <a:t> </a:t>
-            </a:r>
-            <a:r>
-              <a:rPr lang="de-DE" dirty="0" err="1"/>
-              <a:t>innerFunction</a:t>
-            </a:r>
-            <a:r>
-              <a:rPr lang="de-DE" dirty="0"/>
-              <a:t>();</a:t>
-            </a:r>
-          </a:p>
-          <a:p>
-            <a:r>
-              <a:rPr lang="de-DE" dirty="0"/>
-              <a:t>}</a:t>
-            </a:r>
-          </a:p>
-          <a:p>
+            <a:pPr marL="0" indent="0">
+              <a:buNone/>
+            </a:pPr>
+            <a:r>
+              <a:rPr lang="de-DE" dirty="0" smtClean="0">
+                <a:latin typeface="Consolas"/>
+                <a:cs typeface="Consolas"/>
+              </a:rPr>
+              <a:t>Code + </a:t>
+            </a:r>
+            <a:r>
+              <a:rPr lang="de-DE" dirty="0" err="1" smtClean="0">
+                <a:latin typeface="Consolas"/>
+                <a:cs typeface="Consolas"/>
+              </a:rPr>
+              <a:t>Scope</a:t>
+            </a:r>
+            <a:r>
+              <a:rPr lang="de-DE" dirty="0" smtClean="0">
+                <a:latin typeface="Consolas"/>
+                <a:cs typeface="Consolas"/>
+              </a:rPr>
+              <a:t> = </a:t>
+            </a:r>
+            <a:r>
+              <a:rPr lang="de-DE" dirty="0" err="1" smtClean="0">
+                <a:latin typeface="Consolas"/>
+                <a:cs typeface="Consolas"/>
+              </a:rPr>
+              <a:t>Closure</a:t>
+            </a:r>
+            <a:endParaRPr lang="de-DE" dirty="0" smtClean="0">
+              <a:latin typeface="Consolas"/>
+              <a:cs typeface="Consolas"/>
+            </a:endParaRPr>
+          </a:p>
+          <a:p>
+            <a:pPr marL="0" indent="0">
+              <a:buNone/>
+            </a:pPr>
+            <a:r>
+              <a:rPr lang="de-DE" dirty="0" smtClean="0"/>
+              <a:t>Eine </a:t>
+            </a:r>
+            <a:r>
+              <a:rPr lang="de-DE" dirty="0"/>
+              <a:t>Funktion wird stets in einem Funktionsgeltungsbereich ausgeführt. </a:t>
+            </a:r>
+          </a:p>
+          <a:p>
+            <a:pPr marL="0" indent="0">
+              <a:buNone/>
+            </a:pPr>
+            <a:r>
+              <a:rPr lang="de-DE" dirty="0"/>
+              <a:t>Der Funktionsgeltungsbereich gilt auch, wenn in einer Funktion eine weitere, innere Funktion definiert wird. </a:t>
+            </a:r>
+            <a:endParaRPr lang="de-DE" dirty="0" smtClean="0"/>
+          </a:p>
+          <a:p>
+            <a:pPr marL="0" indent="0">
+              <a:buNone/>
+            </a:pPr>
+            <a:r>
+              <a:rPr lang="de-DE" dirty="0" smtClean="0"/>
+              <a:t>Diese </a:t>
+            </a:r>
+            <a:r>
+              <a:rPr lang="de-DE" dirty="0"/>
+              <a:t>Funktion hat dann Zugriff auf die Variablen der äußeren Funktion. Ausnahmen sind hier </a:t>
+            </a:r>
+            <a:r>
+              <a:rPr lang="de-DE" dirty="0" err="1">
+                <a:latin typeface="Consolas"/>
+                <a:cs typeface="Consolas"/>
+              </a:rPr>
+              <a:t>this</a:t>
+            </a:r>
+            <a:r>
+              <a:rPr lang="de-DE" dirty="0"/>
+              <a:t> und der Bonusparameter </a:t>
+            </a:r>
+            <a:r>
+              <a:rPr lang="de-DE" dirty="0" err="1">
+                <a:latin typeface="Consolas"/>
+                <a:cs typeface="Consolas"/>
+              </a:rPr>
+              <a:t>arguments</a:t>
+            </a:r>
+            <a:r>
+              <a:rPr lang="de-DE" dirty="0"/>
+              <a:t>, da diese Parameter von jeder Funktion selbst überschrieben </a:t>
+            </a:r>
+            <a:r>
+              <a:rPr lang="de-DE" dirty="0" smtClean="0"/>
+              <a:t>werden.</a:t>
+            </a:r>
             <a:endParaRPr lang="de-DE" dirty="0"/>
           </a:p>
-          <a:p>
-            <a:r>
-              <a:rPr lang="de-DE" dirty="0" err="1" smtClean="0"/>
-              <a:t>outerFunction</a:t>
-            </a:r>
-            <a:r>
-              <a:rPr lang="de-DE" dirty="0"/>
-              <a:t>(</a:t>
-            </a:r>
-            <a:r>
-              <a:rPr lang="de-DE" dirty="0" smtClean="0"/>
-              <a:t>); </a:t>
-            </a:r>
-            <a:r>
-              <a:rPr lang="de-DE" dirty="0"/>
-              <a:t>// </a:t>
-            </a:r>
-            <a:r>
-              <a:rPr lang="de-DE" dirty="0" err="1"/>
-              <a:t>Hello</a:t>
-            </a:r>
-            <a:endParaRPr lang="de-DE" dirty="0"/>
-          </a:p>
-          <a:p>
-            <a:endParaRPr lang="de-DE" dirty="0"/>
-          </a:p>
         </p:txBody>
       </p:sp>
       <p:sp>
         <p:nvSpPr>
-          <p:cNvPr id="3" name="Titel 2"/>
+          <p:cNvPr id="4" name="Titel 3"/>
           <p:cNvSpPr>
             <a:spLocks noGrp="1"/>
           </p:cNvSpPr>
@@ -9823,7 +9710,7 @@
     </p:spTree>
     <p:extLst>
       <p:ext uri="{BB962C8B-B14F-4D97-AF65-F5344CB8AC3E}">
-        <p14:creationId xmlns:p14="http://schemas.microsoft.com/office/powerpoint/2010/main" val="1306950165"/>
+        <p14:creationId xmlns:p14="http://schemas.microsoft.com/office/powerpoint/2010/main" val="1216556351"/>
       </p:ext>
     </p:extLst>
   </p:cSld>
@@ -9859,7 +9746,7 @@
       </p:grpSpPr>
       <p:sp>
         <p:nvSpPr>
-          <p:cNvPr id="5" name="Inhaltsplatzhalter 4"/>
+          <p:cNvPr id="2" name="Inhaltsplatzhalter 1"/>
           <p:cNvSpPr>
             <a:spLocks noGrp="1"/>
           </p:cNvSpPr>
@@ -9874,19 +9761,47 @@
           <a:p>
             <a:r>
               <a:rPr lang="de-DE" dirty="0" err="1"/>
+              <a:t>function</a:t>
+            </a:r>
+            <a:r>
+              <a:rPr lang="de-DE" dirty="0"/>
+              <a:t> </a:t>
+            </a:r>
+            <a:r>
+              <a:rPr lang="de-DE" dirty="0" err="1" smtClean="0"/>
+              <a:t>outerFunction</a:t>
+            </a:r>
+            <a:r>
+              <a:rPr lang="de-DE" dirty="0"/>
+              <a:t>() {</a:t>
+            </a:r>
+          </a:p>
+          <a:p>
+            <a:r>
+              <a:rPr lang="de-DE" dirty="0"/>
+              <a:t>	</a:t>
+            </a:r>
+            <a:r>
+              <a:rPr lang="de-DE" dirty="0" err="1"/>
               <a:t>var</a:t>
             </a:r>
             <a:r>
               <a:rPr lang="de-DE" dirty="0"/>
-              <a:t> </a:t>
-            </a:r>
-            <a:r>
-              <a:rPr lang="de-DE" dirty="0" err="1"/>
-              <a:t>MyClass</a:t>
-            </a:r>
-            <a:r>
-              <a:rPr lang="de-DE" dirty="0"/>
-              <a:t> = (</a:t>
+              <a:t> x = "</a:t>
+            </a:r>
+            <a:r>
+              <a:rPr lang="de-DE" dirty="0" err="1"/>
+              <a:t>Hello</a:t>
+            </a:r>
+            <a:r>
+              <a:rPr lang="de-DE" dirty="0"/>
+              <a:t>";</a:t>
+            </a:r>
+          </a:p>
+          <a:p>
+            <a:r>
+              <a:rPr lang="de-DE" dirty="0"/>
+              <a:t>	</a:t>
             </a:r>
             <a:r>
               <a:rPr lang="de-DE" dirty="0" err="1"/>
@@ -9894,130 +9809,99 @@
             </a:r>
             <a:r>
               <a:rPr lang="de-DE" dirty="0"/>
+              <a:t> </a:t>
+            </a:r>
+            <a:r>
+              <a:rPr lang="de-DE" dirty="0" err="1"/>
+              <a:t>innerFunction</a:t>
+            </a:r>
+            <a:r>
+              <a:rPr lang="de-DE" dirty="0"/>
               <a:t>() {</a:t>
             </a:r>
           </a:p>
           <a:p>
             <a:r>
               <a:rPr lang="de-DE" dirty="0"/>
-              <a:t>    </a:t>
-            </a:r>
-            <a:r>
-              <a:rPr lang="de-DE" dirty="0" err="1"/>
-              <a:t>var</a:t>
-            </a:r>
-            <a:r>
-              <a:rPr lang="de-DE" dirty="0"/>
-              <a:t> </a:t>
-            </a:r>
-            <a:r>
-              <a:rPr lang="de-DE" dirty="0" err="1"/>
-              <a:t>multiplier</a:t>
-            </a:r>
-            <a:r>
-              <a:rPr lang="de-DE" dirty="0"/>
-              <a:t> = 10;</a:t>
-            </a:r>
-          </a:p>
-          <a:p>
-            <a:r>
-              <a:rPr lang="de-DE" dirty="0"/>
-              <a:t>    </a:t>
-            </a:r>
-            <a:r>
-              <a:rPr lang="de-DE" dirty="0" err="1"/>
-              <a:t>function</a:t>
-            </a:r>
-            <a:r>
-              <a:rPr lang="de-DE" dirty="0"/>
-              <a:t> </a:t>
-            </a:r>
-            <a:r>
-              <a:rPr lang="de-DE" dirty="0" err="1"/>
-              <a:t>MyClass</a:t>
+              <a:t>		</a:t>
+            </a:r>
+            <a:r>
+              <a:rPr lang="de-DE" dirty="0" err="1"/>
+              <a:t>return</a:t>
+            </a:r>
+            <a:r>
+              <a:rPr lang="de-DE" dirty="0"/>
+              <a:t> x;</a:t>
+            </a:r>
+          </a:p>
+          <a:p>
+            <a:r>
+              <a:rPr lang="de-DE" dirty="0"/>
+              <a:t>	}</a:t>
+            </a:r>
+          </a:p>
+          <a:p>
+            <a:r>
+              <a:rPr lang="de-DE" dirty="0"/>
+              <a:t>	</a:t>
+            </a:r>
+            <a:r>
+              <a:rPr lang="de-DE" dirty="0" err="1"/>
+              <a:t>return</a:t>
+            </a:r>
+            <a:r>
+              <a:rPr lang="de-DE" dirty="0"/>
+              <a:t> </a:t>
+            </a:r>
+            <a:r>
+              <a:rPr lang="de-DE" dirty="0" err="1"/>
+              <a:t>innerFunction</a:t>
+            </a:r>
+            <a:r>
+              <a:rPr lang="de-DE" dirty="0"/>
+              <a:t>();</a:t>
+            </a:r>
+          </a:p>
+          <a:p>
+            <a:r>
+              <a:rPr lang="de-DE" dirty="0"/>
+              <a:t>}</a:t>
+            </a:r>
+          </a:p>
+          <a:p>
+            <a:endParaRPr lang="de-DE" dirty="0"/>
+          </a:p>
+          <a:p>
+            <a:r>
+              <a:rPr lang="de-DE" dirty="0" err="1" smtClean="0"/>
+              <a:t>outerFunction</a:t>
             </a:r>
             <a:r>
               <a:rPr lang="de-DE" dirty="0"/>
               <a:t>(</a:t>
             </a:r>
             <a:r>
-              <a:rPr lang="de-DE" dirty="0" err="1"/>
-              <a:t>n</a:t>
-            </a:r>
-            <a:r>
-              <a:rPr lang="de-DE" dirty="0"/>
-              <a:t>) {</a:t>
-            </a:r>
-          </a:p>
-          <a:p>
-            <a:r>
-              <a:rPr lang="de-DE" dirty="0"/>
-              <a:t>        </a:t>
-            </a:r>
-            <a:r>
-              <a:rPr lang="de-DE" dirty="0" err="1"/>
-              <a:t>this.n</a:t>
-            </a:r>
-            <a:r>
-              <a:rPr lang="de-DE" dirty="0"/>
-              <a:t> = </a:t>
-            </a:r>
-            <a:r>
-              <a:rPr lang="de-DE" dirty="0" err="1"/>
-              <a:t>n</a:t>
-            </a:r>
-            <a:r>
-              <a:rPr lang="de-DE" dirty="0"/>
-              <a:t> * </a:t>
-            </a:r>
-            <a:r>
-              <a:rPr lang="de-DE" dirty="0" err="1"/>
-              <a:t>multiplier</a:t>
-            </a:r>
-            <a:r>
-              <a:rPr lang="de-DE" dirty="0"/>
-              <a:t>;</a:t>
-            </a:r>
-          </a:p>
-          <a:p>
-            <a:r>
-              <a:rPr lang="de-DE" dirty="0"/>
-              <a:t>    }</a:t>
-            </a:r>
-          </a:p>
-          <a:p>
-            <a:r>
-              <a:rPr lang="de-DE" dirty="0"/>
-              <a:t>    </a:t>
-            </a:r>
-            <a:r>
-              <a:rPr lang="de-DE" dirty="0" err="1"/>
-              <a:t>return</a:t>
-            </a:r>
-            <a:r>
-              <a:rPr lang="de-DE" dirty="0"/>
-              <a:t> </a:t>
-            </a:r>
-            <a:r>
-              <a:rPr lang="de-DE" dirty="0" err="1"/>
-              <a:t>MyClass</a:t>
-            </a:r>
-            <a:r>
-              <a:rPr lang="de-DE" dirty="0"/>
-              <a:t>;</a:t>
-            </a:r>
-          </a:p>
-          <a:p>
-            <a:r>
-              <a:rPr lang="de-DE" dirty="0"/>
-              <a:t>})();</a:t>
-            </a:r>
+              <a:rPr lang="de-DE" dirty="0" smtClean="0"/>
+              <a:t>); </a:t>
+            </a:r>
+            <a:r>
+              <a:rPr lang="de-DE" dirty="0"/>
+              <a:t>// </a:t>
+            </a:r>
+            <a:r>
+              <a:rPr lang="de-DE" dirty="0" err="1"/>
+              <a:t>Hello</a:t>
+            </a:r>
+            <a:endParaRPr lang="de-DE" dirty="0"/>
+          </a:p>
+          <a:p>
+            <a:endParaRPr lang="de-DE" dirty="0"/>
           </a:p>
         </p:txBody>
       </p:sp>
       <p:sp>
         <p:nvSpPr>
-          <p:cNvPr id="4" name="Titel 3"/>
+          <p:cNvPr id="3" name="Titel 2"/>
           <p:cNvSpPr>
             <a:spLocks noGrp="1"/>
           </p:cNvSpPr>
@@ -10031,42 +9915,6 @@
           <a:lstStyle/>
           <a:p>
             <a:r>
-              <a:rPr lang="de-DE" dirty="0"/>
-              <a:t>Class Pattern </a:t>
-            </a:r>
-            <a:r>
-              <a:rPr lang="de-DE" dirty="0" smtClean="0"/>
-              <a:t>– </a:t>
-            </a:r>
-            <a:r>
-              <a:rPr lang="de-DE" dirty="0" err="1" smtClean="0"/>
-              <a:t>Putting</a:t>
-            </a:r>
-            <a:r>
-              <a:rPr lang="de-DE" dirty="0" smtClean="0"/>
-              <a:t> </a:t>
-            </a:r>
-            <a:r>
-              <a:rPr lang="de-DE" dirty="0" err="1" smtClean="0"/>
-              <a:t>it</a:t>
-            </a:r>
-            <a:r>
-              <a:rPr lang="de-DE" dirty="0" smtClean="0"/>
-              <a:t> all </a:t>
-            </a:r>
-            <a:r>
-              <a:rPr lang="de-DE" dirty="0" err="1" smtClean="0"/>
-              <a:t>together</a:t>
-            </a:r>
-            <a:r>
-              <a:rPr lang="de-DE" dirty="0"/>
-              <a:t> </a:t>
-            </a:r>
-            <a:r>
-              <a:rPr lang="de-DE" dirty="0" smtClean="0"/>
-              <a:t>– IIFE &amp; </a:t>
-            </a:r>
-            <a:r>
               <a:rPr lang="de-DE" dirty="0" err="1" smtClean="0"/>
               <a:t>Closures</a:t>
             </a:r>
@@ -10077,7 +9925,7 @@
     </p:spTree>
     <p:extLst>
       <p:ext uri="{BB962C8B-B14F-4D97-AF65-F5344CB8AC3E}">
-        <p14:creationId xmlns:p14="http://schemas.microsoft.com/office/powerpoint/2010/main" val="1086562262"/>
+        <p14:creationId xmlns:p14="http://schemas.microsoft.com/office/powerpoint/2010/main" val="1306950165"/>
       </p:ext>
     </p:extLst>
   </p:cSld>
@@ -10113,6 +9961,260 @@
       </p:grpSpPr>
       <p:sp>
         <p:nvSpPr>
+          <p:cNvPr id="5" name="Inhaltsplatzhalter 4"/>
+          <p:cNvSpPr>
+            <a:spLocks noGrp="1"/>
+          </p:cNvSpPr>
+          <p:nvPr>
+            <p:ph idx="1"/>
+          </p:nvPr>
+        </p:nvSpPr>
+        <p:spPr/>
+        <p:txBody>
+          <a:bodyPr/>
+          <a:lstStyle/>
+          <a:p>
+            <a:r>
+              <a:rPr lang="de-DE" dirty="0" err="1"/>
+              <a:t>var</a:t>
+            </a:r>
+            <a:r>
+              <a:rPr lang="de-DE" dirty="0"/>
+              <a:t> </a:t>
+            </a:r>
+            <a:r>
+              <a:rPr lang="de-DE" dirty="0" err="1"/>
+              <a:t>MyClass</a:t>
+            </a:r>
+            <a:r>
+              <a:rPr lang="de-DE" dirty="0"/>
+              <a:t> = (</a:t>
+            </a:r>
+            <a:r>
+              <a:rPr lang="de-DE" dirty="0" err="1"/>
+              <a:t>function</a:t>
+            </a:r>
+            <a:r>
+              <a:rPr lang="de-DE" dirty="0"/>
+              <a:t>() {</a:t>
+            </a:r>
+          </a:p>
+          <a:p>
+            <a:r>
+              <a:rPr lang="de-DE" dirty="0"/>
+              <a:t>    </a:t>
+            </a:r>
+            <a:r>
+              <a:rPr lang="de-DE" dirty="0" err="1"/>
+              <a:t>var</a:t>
+            </a:r>
+            <a:r>
+              <a:rPr lang="de-DE" dirty="0"/>
+              <a:t> </a:t>
+            </a:r>
+            <a:r>
+              <a:rPr lang="de-DE" dirty="0" err="1"/>
+              <a:t>multiplier</a:t>
+            </a:r>
+            <a:r>
+              <a:rPr lang="de-DE" dirty="0"/>
+              <a:t> = 10;</a:t>
+            </a:r>
+          </a:p>
+          <a:p>
+            <a:r>
+              <a:rPr lang="de-DE" dirty="0"/>
+              <a:t>    </a:t>
+            </a:r>
+            <a:r>
+              <a:rPr lang="de-DE" dirty="0" err="1"/>
+              <a:t>function</a:t>
+            </a:r>
+            <a:r>
+              <a:rPr lang="de-DE" dirty="0"/>
+              <a:t> </a:t>
+            </a:r>
+            <a:r>
+              <a:rPr lang="de-DE" dirty="0" err="1"/>
+              <a:t>MyClass</a:t>
+            </a:r>
+            <a:r>
+              <a:rPr lang="de-DE" dirty="0"/>
+              <a:t>(</a:t>
+            </a:r>
+            <a:r>
+              <a:rPr lang="de-DE" dirty="0" err="1"/>
+              <a:t>n</a:t>
+            </a:r>
+            <a:r>
+              <a:rPr lang="de-DE" dirty="0"/>
+              <a:t>) {</a:t>
+            </a:r>
+          </a:p>
+          <a:p>
+            <a:r>
+              <a:rPr lang="de-DE" dirty="0"/>
+              <a:t>        </a:t>
+            </a:r>
+            <a:r>
+              <a:rPr lang="de-DE" dirty="0" err="1"/>
+              <a:t>this.n</a:t>
+            </a:r>
+            <a:r>
+              <a:rPr lang="de-DE" dirty="0"/>
+              <a:t> = </a:t>
+            </a:r>
+            <a:r>
+              <a:rPr lang="de-DE" dirty="0" err="1"/>
+              <a:t>n</a:t>
+            </a:r>
+            <a:r>
+              <a:rPr lang="de-DE" dirty="0"/>
+              <a:t> * </a:t>
+            </a:r>
+            <a:r>
+              <a:rPr lang="de-DE" dirty="0" err="1"/>
+              <a:t>multiplier</a:t>
+            </a:r>
+            <a:r>
+              <a:rPr lang="de-DE" dirty="0"/>
+              <a:t>;</a:t>
+            </a:r>
+          </a:p>
+          <a:p>
+            <a:r>
+              <a:rPr lang="de-DE" dirty="0"/>
+              <a:t>    }</a:t>
+            </a:r>
+          </a:p>
+          <a:p>
+            <a:r>
+              <a:rPr lang="de-DE" dirty="0"/>
+              <a:t>    </a:t>
+            </a:r>
+            <a:r>
+              <a:rPr lang="de-DE" dirty="0" err="1"/>
+              <a:t>return</a:t>
+            </a:r>
+            <a:r>
+              <a:rPr lang="de-DE" dirty="0"/>
+              <a:t> </a:t>
+            </a:r>
+            <a:r>
+              <a:rPr lang="de-DE" dirty="0" err="1"/>
+              <a:t>MyClass</a:t>
+            </a:r>
+            <a:r>
+              <a:rPr lang="de-DE" dirty="0"/>
+              <a:t>;</a:t>
+            </a:r>
+          </a:p>
+          <a:p>
+            <a:r>
+              <a:rPr lang="de-DE" dirty="0"/>
+              <a:t>})();</a:t>
+            </a:r>
+          </a:p>
+        </p:txBody>
+      </p:sp>
+      <p:sp>
+        <p:nvSpPr>
+          <p:cNvPr id="4" name="Titel 3"/>
+          <p:cNvSpPr>
+            <a:spLocks noGrp="1"/>
+          </p:cNvSpPr>
+          <p:nvPr>
+            <p:ph type="title"/>
+          </p:nvPr>
+        </p:nvSpPr>
+        <p:spPr/>
+        <p:txBody>
+          <a:bodyPr/>
+          <a:lstStyle/>
+          <a:p>
+            <a:r>
+              <a:rPr lang="de-DE" dirty="0"/>
+              <a:t>Class Pattern </a:t>
+            </a:r>
+            <a:r>
+              <a:rPr lang="de-DE" dirty="0" smtClean="0"/>
+              <a:t>– </a:t>
+            </a:r>
+            <a:r>
+              <a:rPr lang="de-DE" dirty="0" err="1" smtClean="0"/>
+              <a:t>Putting</a:t>
+            </a:r>
+            <a:r>
+              <a:rPr lang="de-DE" dirty="0" smtClean="0"/>
+              <a:t> </a:t>
+            </a:r>
+            <a:r>
+              <a:rPr lang="de-DE" dirty="0" err="1" smtClean="0"/>
+              <a:t>it</a:t>
+            </a:r>
+            <a:r>
+              <a:rPr lang="de-DE" dirty="0" smtClean="0"/>
+              <a:t> all </a:t>
+            </a:r>
+            <a:r>
+              <a:rPr lang="de-DE" dirty="0" err="1" smtClean="0"/>
+              <a:t>together</a:t>
+            </a:r>
+            <a:r>
+              <a:rPr lang="de-DE" dirty="0"/>
+              <a:t> </a:t>
+            </a:r>
+            <a:r>
+              <a:rPr lang="de-DE" dirty="0" smtClean="0"/>
+              <a:t>– IIFE &amp; </a:t>
+            </a:r>
+            <a:r>
+              <a:rPr lang="de-DE" dirty="0" err="1" smtClean="0"/>
+              <a:t>Closures</a:t>
+            </a:r>
+            <a:endParaRPr lang="de-DE" dirty="0"/>
+          </a:p>
+        </p:txBody>
+      </p:sp>
+    </p:spTree>
+    <p:extLst>
+      <p:ext uri="{BB962C8B-B14F-4D97-AF65-F5344CB8AC3E}">
+        <p14:creationId xmlns:p14="http://schemas.microsoft.com/office/powerpoint/2010/main" val="1086562262"/>
+      </p:ext>
+    </p:extLst>
+  </p:cSld>
+  <p:clrMapOvr>
+    <a:masterClrMapping/>
+  </p:clrMapOvr>
+  <p:timing>
+    <p:tnLst>
+      <p:par>
+        <p:cTn xmlns:p14="http://schemas.microsoft.com/office/powerpoint/2010/main" id="1" dur="indefinite" restart="never" nodeType="tmRoot"/>
+      </p:par>
+    </p:tnLst>
+  </p:timing>
+</p:sld>
+</file>
+
+<file path=ppt/slides/slide37.xml><?xml version="1.0" encoding="utf-8"?>
+<p:sld xmlns:a="http://schemas.openxmlformats.org/drawingml/2006/main" xmlns:r="http://schemas.openxmlformats.org/officeDocument/2006/relationships" xmlns:p="http://schemas.openxmlformats.org/presentationml/2006/main">
+  <p:cSld>
+    <p:spTree>
+      <p:nvGrpSpPr>
+        <p:cNvPr id="1" name=""/>
+        <p:cNvGrpSpPr/>
+        <p:nvPr/>
+      </p:nvGrpSpPr>
+      <p:grpSpPr>
+        <a:xfrm>
+          <a:off x="0" y="0"/>
+          <a:ext cx="0" cy="0"/>
+          <a:chOff x="0" y="0"/>
+          <a:chExt cx="0" cy="0"/>
+        </a:xfrm>
+      </p:grpSpPr>
+      <p:sp>
+        <p:nvSpPr>
           <p:cNvPr id="2" name="Inhaltsplatzhalter 1"/>
           <p:cNvSpPr>
             <a:spLocks noGrp="1"/>
@@ -10235,22 +10337,14 @@
             </a:r>
             <a:r>
               <a:rPr lang="en-US" dirty="0" smtClean="0"/>
-              <a:t> </a:t>
-            </a:r>
-            <a:r>
-              <a:rPr lang="en-US" dirty="0" smtClean="0"/>
-              <a:t>// export</a:t>
+              <a:t> // export</a:t>
             </a:r>
             <a:br>
               <a:rPr lang="en-US" dirty="0" smtClean="0"/>
             </a:br>
             <a:r>
               <a:rPr lang="en-US" dirty="0" smtClean="0"/>
-              <a:t>  return </a:t>
-            </a:r>
-            <a:r>
-              <a:rPr lang="en-US" dirty="0" smtClean="0"/>
-              <a:t>{</a:t>
+              <a:t>  return {</a:t>
             </a:r>
           </a:p>
           <a:p>
@@ -10375,7 +10469,7 @@
 </p:sld>
 </file>
 
-<file path=ppt/slides/slide37.xml><?xml version="1.0" encoding="utf-8"?>
+<file path=ppt/slides/slide38.xml><?xml version="1.0" encoding="utf-8"?>
 <p:sld xmlns:a="http://schemas.openxmlformats.org/drawingml/2006/main" xmlns:r="http://schemas.openxmlformats.org/officeDocument/2006/relationships" xmlns:p="http://schemas.openxmlformats.org/presentationml/2006/main">
   <p:cSld>
     <p:spTree>
@@ -10773,11 +10867,7 @@
             </a:pPr>
             <a:r>
               <a:rPr lang="de-DE" dirty="0" smtClean="0"/>
-              <a:t>Variablen: Werden </a:t>
-            </a:r>
-            <a:r>
-              <a:rPr lang="de-DE" dirty="0" smtClean="0"/>
-              <a:t>durch die </a:t>
+              <a:t>Variablen: Werden durch die </a:t>
             </a:r>
             <a:r>
               <a:rPr lang="de-DE" dirty="0" err="1" smtClean="0"/>
@@ -10810,11 +10900,7 @@
             </a:r>
             <a:r>
               <a:rPr lang="de-DE" dirty="0" smtClean="0"/>
-              <a:t>-Objekt) deklariert</a:t>
-            </a:r>
-            <a:r>
-              <a:rPr lang="de-DE" dirty="0" smtClean="0"/>
-              <a:t>.</a:t>
+              <a:t>-Objekt) deklariert.</a:t>
             </a:r>
           </a:p>
           <a:p>
@@ -10887,7 +10973,6 @@
               <a:rPr lang="de-DE" dirty="0" smtClean="0"/>
               <a:t>Daher ist das in ES5 nicht mehr erlaubt.</a:t>
             </a:r>
-            <a:endParaRPr lang="de-DE" dirty="0" smtClean="0"/>
           </a:p>
           <a:p>
             <a:pPr marL="0" indent="0">
@@ -11002,9 +11087,7 @@
         </p:nvSpPr>
         <p:spPr/>
         <p:txBody>
-          <a:bodyPr>
-            <a:normAutofit/>
-          </a:bodyPr>
+          <a:bodyPr/>
           <a:lstStyle/>
           <a:p>
             <a:pPr marL="0" indent="0">
@@ -11012,15 +11095,28 @@
             </a:pPr>
             <a:r>
               <a:rPr lang="de-DE" dirty="0" smtClean="0"/>
-              <a:t>Achtung</a:t>
-            </a:r>
-            <a:r>
-              <a:rPr lang="de-DE" dirty="0"/>
-              <a:t>: Anders als in vielen anderen Programmiersprachen, wie Java und C, wird durch einen Block kein neuer Gültigkeitsbereich für Variablen definiert. Das heißt, auch Variablen, die in einem Block definiert wurden, sind außerhalb des Blocks nach ihrer Deklaration sichtbar</a:t>
-            </a:r>
-            <a:r>
-              <a:rPr lang="de-DE" dirty="0" smtClean="0"/>
-              <a:t>.</a:t>
+              <a:t>Wobei wir bei </a:t>
+            </a:r>
+            <a:r>
+              <a:rPr lang="de-DE" dirty="0" err="1" smtClean="0"/>
+              <a:t>var</a:t>
+            </a:r>
+            <a:r>
+              <a:rPr lang="de-DE" dirty="0" smtClean="0"/>
+              <a:t> wären.</a:t>
+            </a:r>
+          </a:p>
+          <a:p>
+            <a:pPr marL="0" indent="0">
+              <a:buNone/>
+            </a:pPr>
+            <a:r>
+              <a:rPr lang="de-DE" dirty="0" err="1" smtClean="0"/>
+              <a:t>Var</a:t>
+            </a:r>
+            <a:r>
+              <a:rPr lang="de-DE" dirty="0" smtClean="0"/>
+              <a:t> ist das Schlüsselwort, um eine Variable zu definieren.</a:t>
             </a:r>
             <a:endParaRPr lang="de-DE" dirty="0"/>
           </a:p>
@@ -11038,26 +11134,13 @@
         </p:nvSpPr>
         <p:spPr/>
         <p:txBody>
-          <a:bodyPr>
-            <a:normAutofit/>
-          </a:bodyPr>
+          <a:bodyPr/>
           <a:lstStyle/>
           <a:p>
             <a:r>
-              <a:rPr lang="de-DE" dirty="0"/>
-              <a:t>Gültigkeitsbereich </a:t>
-            </a:r>
-            <a:r>
-              <a:rPr lang="de-DE" dirty="0" smtClean="0"/>
-              <a:t>von Variablen</a:t>
-            </a:r>
-            <a:r>
-              <a:rPr lang="de-DE" dirty="0"/>
-              <a:t/>
-            </a:r>
-            <a:br>
-              <a:rPr lang="de-DE" dirty="0"/>
-            </a:br>
+              <a:rPr lang="de-DE" dirty="0" err="1" smtClean="0"/>
+              <a:t>var</a:t>
+            </a:r>
             <a:endParaRPr lang="de-DE" dirty="0"/>
           </a:p>
         </p:txBody>
@@ -11065,7 +11148,7 @@
     </p:spTree>
     <p:extLst>
       <p:ext uri="{BB962C8B-B14F-4D97-AF65-F5344CB8AC3E}">
-        <p14:creationId xmlns:p14="http://schemas.microsoft.com/office/powerpoint/2010/main" val="3486131111"/>
+        <p14:creationId xmlns:p14="http://schemas.microsoft.com/office/powerpoint/2010/main" val="652872155"/>
       </p:ext>
     </p:extLst>
   </p:cSld>
@@ -11101,6 +11184,42 @@
       </p:grpSpPr>
       <p:sp>
         <p:nvSpPr>
+          <p:cNvPr id="2" name="Inhaltsplatzhalter 1"/>
+          <p:cNvSpPr>
+            <a:spLocks noGrp="1"/>
+          </p:cNvSpPr>
+          <p:nvPr>
+            <p:ph idx="1"/>
+          </p:nvPr>
+        </p:nvSpPr>
+        <p:spPr/>
+        <p:txBody>
+          <a:bodyPr>
+            <a:normAutofit/>
+          </a:bodyPr>
+          <a:lstStyle/>
+          <a:p>
+            <a:pPr marL="0" indent="0">
+              <a:buNone/>
+            </a:pPr>
+            <a:r>
+              <a:rPr lang="de-DE" dirty="0" smtClean="0"/>
+              <a:t>Achtung</a:t>
+            </a:r>
+            <a:r>
+              <a:rPr lang="de-DE" dirty="0"/>
+              <a:t>: Anders als in vielen anderen Programmiersprachen, wie Java und C, wird durch einen Block kein neuer Gültigkeitsbereich für Variablen definiert. Das heißt, auch Variablen, die in einem Block definiert wurden, sind außerhalb des Blocks nach ihrer Deklaration sichtbar</a:t>
+            </a:r>
+            <a:r>
+              <a:rPr lang="de-DE" dirty="0" smtClean="0"/>
+              <a:t>.</a:t>
+            </a:r>
+            <a:endParaRPr lang="de-DE" dirty="0"/>
+          </a:p>
+        </p:txBody>
+      </p:sp>
+      <p:sp>
+        <p:nvSpPr>
           <p:cNvPr id="3" name="Titel 2"/>
           <p:cNvSpPr>
             <a:spLocks noGrp="1"/>
@@ -11111,82 +11230,34 @@
         </p:nvSpPr>
         <p:spPr/>
         <p:txBody>
-          <a:bodyPr/>
+          <a:bodyPr>
+            <a:normAutofit/>
+          </a:bodyPr>
           <a:lstStyle/>
           <a:p>
             <a:r>
-              <a:rPr lang="de-DE" dirty="0" smtClean="0"/>
-              <a:t>Objekte</a:t>
-            </a:r>
+              <a:rPr lang="de-DE" dirty="0"/>
+              <a:t>Gültigkeitsbereich </a:t>
+            </a:r>
+            <a:r>
+              <a:rPr lang="de-DE" dirty="0" smtClean="0"/>
+              <a:t>von Variablen</a:t>
+            </a:r>
+            <a:r>
+              <a:rPr lang="de-DE" dirty="0"/>
+              <a:t/>
+            </a:r>
+            <a:br>
+              <a:rPr lang="de-DE" dirty="0"/>
+            </a:br>
             <a:endParaRPr lang="de-DE" dirty="0"/>
-          </a:p>
-        </p:txBody>
-      </p:sp>
-      <p:sp>
-        <p:nvSpPr>
-          <p:cNvPr id="2" name="Inhaltsplatzhalter 1"/>
-          <p:cNvSpPr>
-            <a:spLocks noGrp="1"/>
-          </p:cNvSpPr>
-          <p:nvPr>
-            <p:ph type="body" sz="quarter" idx="11"/>
-          </p:nvPr>
-        </p:nvSpPr>
-        <p:spPr/>
-        <p:txBody>
-          <a:bodyPr/>
-          <a:lstStyle/>
-          <a:p>
-            <a:pPr marL="0" indent="0">
-              <a:buNone/>
-            </a:pPr>
-            <a:r>
-              <a:rPr lang="de-DE" dirty="0"/>
-              <a:t>Alle </a:t>
-            </a:r>
-            <a:r>
-              <a:rPr lang="de-DE" dirty="0" smtClean="0"/>
-              <a:t>Datentypen außer Basistypen </a:t>
-            </a:r>
-            <a:r>
-              <a:rPr lang="de-DE" dirty="0"/>
-              <a:t>sind Objekte:</a:t>
-            </a:r>
-          </a:p>
-          <a:p>
-            <a:r>
-              <a:rPr lang="de-DE" dirty="0" smtClean="0"/>
-              <a:t>Arrays </a:t>
-            </a:r>
-          </a:p>
-          <a:p>
-            <a:r>
-              <a:rPr lang="de-DE" dirty="0" smtClean="0"/>
-              <a:t>Funktionen </a:t>
-            </a:r>
-          </a:p>
-          <a:p>
-            <a:r>
-              <a:rPr lang="de-DE" dirty="0" smtClean="0"/>
-              <a:t>Reguläre Ausdrücke (Funktionen)</a:t>
-            </a:r>
-          </a:p>
-          <a:p>
-            <a:r>
-              <a:rPr lang="de-DE" dirty="0" smtClean="0"/>
-              <a:t>Objekte </a:t>
-            </a:r>
-            <a:r>
-              <a:rPr lang="de-DE" dirty="0"/>
-              <a:t>selbst</a:t>
-            </a:r>
           </a:p>
         </p:txBody>
       </p:sp>
     </p:spTree>
     <p:extLst>
       <p:ext uri="{BB962C8B-B14F-4D97-AF65-F5344CB8AC3E}">
-        <p14:creationId xmlns:p14="http://schemas.microsoft.com/office/powerpoint/2010/main" val="2133176542"/>
+        <p14:creationId xmlns:p14="http://schemas.microsoft.com/office/powerpoint/2010/main" val="3486131111"/>
       </p:ext>
     </p:extLst>
   </p:cSld>
@@ -11222,77 +11293,6 @@
       </p:grpSpPr>
       <p:sp>
         <p:nvSpPr>
-          <p:cNvPr id="2" name="Inhaltsplatzhalter 1"/>
-          <p:cNvSpPr>
-            <a:spLocks noGrp="1"/>
-          </p:cNvSpPr>
-          <p:nvPr>
-            <p:ph idx="1"/>
-          </p:nvPr>
-        </p:nvSpPr>
-        <p:spPr/>
-        <p:txBody>
-          <a:bodyPr/>
-          <a:lstStyle/>
-          <a:p>
-            <a:pPr marL="0" indent="0">
-              <a:buNone/>
-            </a:pPr>
-            <a:r>
-              <a:rPr lang="de-DE" dirty="0" smtClean="0"/>
-              <a:t>Wir hatten bereits Typen besprochen.</a:t>
-            </a:r>
-          </a:p>
-          <a:p>
-            <a:pPr marL="0" indent="0">
-              <a:buNone/>
-            </a:pPr>
-            <a:r>
-              <a:rPr lang="de-DE" dirty="0" smtClean="0"/>
-              <a:t>In JS gibt es Literale</a:t>
-            </a:r>
-            <a:endParaRPr lang="de-DE" dirty="0"/>
-          </a:p>
-          <a:p>
-            <a:r>
-              <a:rPr lang="de-DE" dirty="0" smtClean="0"/>
-              <a:t>lassen sich direkt verwenden</a:t>
-            </a:r>
-          </a:p>
-          <a:p>
-            <a:r>
-              <a:rPr lang="de-DE" dirty="0" smtClean="0"/>
-              <a:t>sind unveränderlich</a:t>
-            </a:r>
-          </a:p>
-          <a:p>
-            <a:r>
-              <a:rPr lang="de-DE" dirty="0" smtClean="0"/>
-              <a:t>haben Methoden</a:t>
-            </a:r>
-          </a:p>
-          <a:p>
-            <a:r>
-              <a:rPr lang="de-DE" dirty="0" smtClean="0"/>
-              <a:t>nutzen </a:t>
-            </a:r>
-            <a:r>
-              <a:rPr lang="de-DE" dirty="0" err="1" smtClean="0"/>
-              <a:t>Autoboxing</a:t>
-            </a:r>
-            <a:endParaRPr lang="de-DE" dirty="0" smtClean="0"/>
-          </a:p>
-          <a:p>
-            <a:pPr>
-              <a:buFont typeface="Arial"/>
-              <a:buChar char="•"/>
-            </a:pPr>
-            <a:endParaRPr lang="de-DE" dirty="0" smtClean="0"/>
-          </a:p>
-        </p:txBody>
-      </p:sp>
-      <p:sp>
-        <p:nvSpPr>
           <p:cNvPr id="3" name="Titel 2"/>
           <p:cNvSpPr>
             <a:spLocks noGrp="1"/>
@@ -11308,16 +11308,77 @@
           <a:p>
             <a:r>
               <a:rPr lang="de-DE" dirty="0" smtClean="0"/>
-              <a:t>Literale</a:t>
+              <a:t>Objekte</a:t>
             </a:r>
             <a:endParaRPr lang="de-DE" dirty="0"/>
+          </a:p>
+        </p:txBody>
+      </p:sp>
+      <p:sp>
+        <p:nvSpPr>
+          <p:cNvPr id="2" name="Inhaltsplatzhalter 1"/>
+          <p:cNvSpPr>
+            <a:spLocks noGrp="1"/>
+          </p:cNvSpPr>
+          <p:nvPr>
+            <p:ph type="body" sz="quarter" idx="11"/>
+          </p:nvPr>
+        </p:nvSpPr>
+        <p:spPr/>
+        <p:txBody>
+          <a:bodyPr/>
+          <a:lstStyle/>
+          <a:p>
+            <a:pPr marL="0" indent="0">
+              <a:buNone/>
+            </a:pPr>
+            <a:r>
+              <a:rPr lang="de-DE" dirty="0"/>
+              <a:t>Alle </a:t>
+            </a:r>
+            <a:r>
+              <a:rPr lang="de-DE" dirty="0" smtClean="0"/>
+              <a:t>Datentypen außer Basistypen </a:t>
+            </a:r>
+            <a:r>
+              <a:rPr lang="de-DE" dirty="0"/>
+              <a:t>sind Objekte:</a:t>
+            </a:r>
+          </a:p>
+          <a:p>
+            <a:r>
+              <a:rPr lang="de-DE" dirty="0" smtClean="0"/>
+              <a:t>Arrays </a:t>
+            </a:r>
+          </a:p>
+          <a:p>
+            <a:r>
+              <a:rPr lang="de-DE" dirty="0" smtClean="0"/>
+              <a:t>Funktionen </a:t>
+            </a:r>
+          </a:p>
+          <a:p>
+            <a:r>
+              <a:rPr lang="de-DE" dirty="0" smtClean="0"/>
+              <a:t>Reguläre Ausdrücke (Funktionen)</a:t>
+            </a:r>
+          </a:p>
+          <a:p>
+            <a:r>
+              <a:rPr lang="de-DE" dirty="0" smtClean="0"/>
+              <a:t>Objekte </a:t>
+            </a:r>
+            <a:r>
+              <a:rPr lang="de-DE" dirty="0"/>
+              <a:t>selbst</a:t>
+            </a:r>
           </a:p>
         </p:txBody>
       </p:sp>
     </p:spTree>
     <p:extLst>
       <p:ext uri="{BB962C8B-B14F-4D97-AF65-F5344CB8AC3E}">
-        <p14:creationId xmlns:p14="http://schemas.microsoft.com/office/powerpoint/2010/main" val="2542655482"/>
+        <p14:creationId xmlns:p14="http://schemas.microsoft.com/office/powerpoint/2010/main" val="2133176542"/>
       </p:ext>
     </p:extLst>
   </p:cSld>
@@ -11353,7 +11414,7 @@
       </p:grpSpPr>
       <p:sp>
         <p:nvSpPr>
-          <p:cNvPr id="3" name="Inhaltsplatzhalter 2"/>
+          <p:cNvPr id="2" name="Inhaltsplatzhalter 1"/>
           <p:cNvSpPr>
             <a:spLocks noGrp="1"/>
           </p:cNvSpPr>
@@ -11371,50 +11432,60 @@
             </a:pPr>
             <a:r>
               <a:rPr lang="de-DE" dirty="0" smtClean="0"/>
-              <a:t>Ein Objekt ist ein:</a:t>
-            </a:r>
-          </a:p>
-          <a:p>
-            <a:r>
-              <a:rPr lang="de-DE" dirty="0" smtClean="0"/>
-              <a:t>Container </a:t>
-            </a:r>
-            <a:r>
-              <a:rPr lang="de-DE" dirty="0"/>
-              <a:t>für Schlüssel-Wert-Paare </a:t>
+              <a:t>Wir hatten bereits Typen besprochen.</a:t>
+            </a:r>
+          </a:p>
+          <a:p>
+            <a:pPr marL="0" indent="0">
+              <a:buNone/>
+            </a:pPr>
+            <a:r>
+              <a:rPr lang="de-DE" dirty="0" smtClean="0"/>
+              <a:t>In JS gibt es Literale</a:t>
+            </a:r>
+            <a:endParaRPr lang="de-DE" dirty="0"/>
+          </a:p>
+          <a:p>
+            <a:r>
+              <a:rPr lang="de-DE" dirty="0" smtClean="0"/>
+              <a:t>lassen sich direkt verwenden</a:t>
+            </a:r>
+          </a:p>
+          <a:p>
+            <a:r>
+              <a:rPr lang="de-DE" dirty="0" smtClean="0"/>
+              <a:t>sind unveränderlich</a:t>
+            </a:r>
+          </a:p>
+          <a:p>
+            <a:r>
+              <a:rPr lang="de-DE" dirty="0" smtClean="0"/>
+              <a:t>haben Methoden</a:t>
+            </a:r>
+          </a:p>
+          <a:p>
+            <a:r>
+              <a:rPr lang="de-DE" dirty="0" smtClean="0"/>
+              <a:t>nutzen </a:t>
+            </a:r>
+            <a:r>
+              <a:rPr lang="de-DE" dirty="0" err="1" smtClean="0"/>
+              <a:t>Autoboxing</a:t>
             </a:r>
             <a:endParaRPr lang="de-DE" dirty="0" smtClean="0"/>
           </a:p>
           <a:p>
-            <a:r>
-              <a:rPr lang="de-DE" dirty="0" smtClean="0"/>
-              <a:t>Kann über den Objekt-Konstruktor gebildet werden</a:t>
-            </a:r>
-          </a:p>
-          <a:p>
-            <a:r>
-              <a:rPr lang="de-DE" dirty="0" smtClean="0"/>
-              <a:t>Kann direkt über das Objekt-Literal gebildet werden</a:t>
-            </a:r>
-          </a:p>
-          <a:p>
-            <a:r>
-              <a:rPr lang="de-DE" dirty="0" smtClean="0"/>
-              <a:t>Kann Methoden enthalten</a:t>
-            </a:r>
-          </a:p>
-          <a:p>
-            <a:r>
-              <a:rPr lang="de-DE" dirty="0" smtClean="0"/>
-              <a:t>Spannt einen eigenen Kontext auf</a:t>
-            </a:r>
-            <a:endParaRPr lang="de-DE" dirty="0"/>
+            <a:pPr>
+              <a:buFont typeface="Arial"/>
+              <a:buChar char="•"/>
+            </a:pPr>
+            <a:endParaRPr lang="de-DE" dirty="0" smtClean="0"/>
           </a:p>
         </p:txBody>
       </p:sp>
       <p:sp>
         <p:nvSpPr>
-          <p:cNvPr id="2" name="Titel 1"/>
+          <p:cNvPr id="3" name="Titel 2"/>
           <p:cNvSpPr>
             <a:spLocks noGrp="1"/>
           </p:cNvSpPr>
@@ -11429,7 +11500,7 @@
           <a:p>
             <a:r>
               <a:rPr lang="de-DE" dirty="0" smtClean="0"/>
-              <a:t>Objekt</a:t>
+              <a:t>Literale</a:t>
             </a:r>
             <a:endParaRPr lang="de-DE" dirty="0"/>
           </a:p>
@@ -11438,7 +11509,7 @@
     </p:spTree>
     <p:extLst>
       <p:ext uri="{BB962C8B-B14F-4D97-AF65-F5344CB8AC3E}">
-        <p14:creationId xmlns:p14="http://schemas.microsoft.com/office/powerpoint/2010/main" val="947386058"/>
+        <p14:creationId xmlns:p14="http://schemas.microsoft.com/office/powerpoint/2010/main" val="2542655482"/>
       </p:ext>
     </p:extLst>
   </p:cSld>

--- a/coding-sessions/code_talks.pptx
+++ b/coding-sessions/code_talks.pptx
@@ -10750,9 +10750,8 @@
             </a:pPr>
             <a:r>
               <a:rPr lang="de-DE" dirty="0" smtClean="0"/>
-              <a:t>null </a:t>
-            </a:r>
-            <a:endParaRPr lang="de-DE" dirty="0"/>
+              <a:t>undefined </a:t>
+            </a:r>
           </a:p>
           <a:p>
             <a:pPr>
@@ -10760,9 +10759,26 @@
               <a:buChar char="•"/>
             </a:pPr>
             <a:r>
-              <a:rPr lang="de-DE" dirty="0" smtClean="0"/>
-              <a:t>undefined </a:t>
-            </a:r>
+              <a:rPr lang="de-DE" dirty="0"/>
+              <a:t>null ist </a:t>
+            </a:r>
+            <a:r>
+              <a:rPr lang="de-DE" dirty="0" smtClean="0"/>
+              <a:t>kein </a:t>
+            </a:r>
+            <a:r>
+              <a:rPr lang="de-DE" dirty="0" err="1" smtClean="0"/>
+              <a:t>Basistyp</a:t>
+            </a:r>
+            <a:r>
+              <a:rPr lang="de-DE" smtClean="0"/>
+              <a:t> sondern ein </a:t>
+            </a:r>
+            <a:r>
+              <a:rPr lang="de-DE" dirty="0" smtClean="0"/>
+              <a:t>Objekt</a:t>
+            </a:r>
+            <a:endParaRPr lang="de-DE" dirty="0" smtClean="0"/>
           </a:p>
           <a:p>
             <a:pPr marL="0" indent="0">

--- a/coding-sessions/code_talks.pptx
+++ b/coding-sessions/code_talks.pptx
@@ -5,10 +5,10 @@
     <p:sldMasterId id="2147483648" r:id="rId4"/>
   </p:sldMasterIdLst>
   <p:notesMasterIdLst>
-    <p:notesMasterId r:id="rId43"/>
+    <p:notesMasterId r:id="rId42"/>
   </p:notesMasterIdLst>
   <p:handoutMasterIdLst>
-    <p:handoutMasterId r:id="rId44"/>
+    <p:handoutMasterId r:id="rId43"/>
   </p:handoutMasterIdLst>
   <p:sldIdLst>
     <p:sldId id="256" r:id="rId5"/>
@@ -22,33 +22,32 @@
     <p:sldId id="455" r:id="rId13"/>
     <p:sldId id="457" r:id="rId14"/>
     <p:sldId id="458" r:id="rId15"/>
-    <p:sldId id="460" r:id="rId16"/>
-    <p:sldId id="467" r:id="rId17"/>
-    <p:sldId id="466" r:id="rId18"/>
-    <p:sldId id="461" r:id="rId19"/>
-    <p:sldId id="462" r:id="rId20"/>
-    <p:sldId id="463" r:id="rId21"/>
-    <p:sldId id="464" r:id="rId22"/>
-    <p:sldId id="465" r:id="rId23"/>
-    <p:sldId id="475" r:id="rId24"/>
-    <p:sldId id="469" r:id="rId25"/>
-    <p:sldId id="470" r:id="rId26"/>
-    <p:sldId id="476" r:id="rId27"/>
-    <p:sldId id="471" r:id="rId28"/>
-    <p:sldId id="472" r:id="rId29"/>
-    <p:sldId id="473" r:id="rId30"/>
-    <p:sldId id="474" r:id="rId31"/>
-    <p:sldId id="484" r:id="rId32"/>
-    <p:sldId id="478" r:id="rId33"/>
-    <p:sldId id="479" r:id="rId34"/>
-    <p:sldId id="480" r:id="rId35"/>
-    <p:sldId id="481" r:id="rId36"/>
-    <p:sldId id="482" r:id="rId37"/>
-    <p:sldId id="492" r:id="rId38"/>
-    <p:sldId id="493" r:id="rId39"/>
-    <p:sldId id="483" r:id="rId40"/>
-    <p:sldId id="490" r:id="rId41"/>
-    <p:sldId id="491" r:id="rId42"/>
+    <p:sldId id="467" r:id="rId16"/>
+    <p:sldId id="466" r:id="rId17"/>
+    <p:sldId id="461" r:id="rId18"/>
+    <p:sldId id="462" r:id="rId19"/>
+    <p:sldId id="463" r:id="rId20"/>
+    <p:sldId id="464" r:id="rId21"/>
+    <p:sldId id="465" r:id="rId22"/>
+    <p:sldId id="475" r:id="rId23"/>
+    <p:sldId id="469" r:id="rId24"/>
+    <p:sldId id="470" r:id="rId25"/>
+    <p:sldId id="476" r:id="rId26"/>
+    <p:sldId id="471" r:id="rId27"/>
+    <p:sldId id="472" r:id="rId28"/>
+    <p:sldId id="473" r:id="rId29"/>
+    <p:sldId id="474" r:id="rId30"/>
+    <p:sldId id="484" r:id="rId31"/>
+    <p:sldId id="478" r:id="rId32"/>
+    <p:sldId id="479" r:id="rId33"/>
+    <p:sldId id="480" r:id="rId34"/>
+    <p:sldId id="481" r:id="rId35"/>
+    <p:sldId id="482" r:id="rId36"/>
+    <p:sldId id="492" r:id="rId37"/>
+    <p:sldId id="493" r:id="rId38"/>
+    <p:sldId id="483" r:id="rId39"/>
+    <p:sldId id="490" r:id="rId40"/>
+    <p:sldId id="491" r:id="rId41"/>
   </p:sldIdLst>
   <p:sldSz cx="9144000" cy="6858000" type="screen4x3"/>
   <p:notesSz cx="7102475" cy="10234613"/>
@@ -913,7 +912,7 @@
             <a:fld id="{96B3538B-D81F-476E-A31A-F9ABC7F48F1A}" type="slidenum">
               <a:rPr lang="de-DE" smtClean="0"/>
               <a:pPr/>
-              <a:t>16</a:t>
+              <a:t>15</a:t>
             </a:fld>
             <a:endParaRPr lang="de-DE"/>
           </a:p>
@@ -998,7 +997,7 @@
             <a:fld id="{96B3538B-D81F-476E-A31A-F9ABC7F48F1A}" type="slidenum">
               <a:rPr lang="de-DE" smtClean="0"/>
               <a:pPr/>
-              <a:t>17</a:t>
+              <a:t>16</a:t>
             </a:fld>
             <a:endParaRPr lang="de-DE"/>
           </a:p>
@@ -1083,7 +1082,7 @@
             <a:fld id="{96B3538B-D81F-476E-A31A-F9ABC7F48F1A}" type="slidenum">
               <a:rPr lang="de-DE" smtClean="0"/>
               <a:pPr/>
-              <a:t>18</a:t>
+              <a:t>17</a:t>
             </a:fld>
             <a:endParaRPr lang="de-DE"/>
           </a:p>
@@ -1168,7 +1167,7 @@
             <a:fld id="{96B3538B-D81F-476E-A31A-F9ABC7F48F1A}" type="slidenum">
               <a:rPr lang="de-DE" smtClean="0"/>
               <a:pPr/>
-              <a:t>19</a:t>
+              <a:t>18</a:t>
             </a:fld>
             <a:endParaRPr lang="de-DE"/>
           </a:p>
@@ -1253,7 +1252,7 @@
             <a:fld id="{96B3538B-D81F-476E-A31A-F9ABC7F48F1A}" type="slidenum">
               <a:rPr lang="de-DE" smtClean="0"/>
               <a:pPr/>
-              <a:t>20</a:t>
+              <a:t>19</a:t>
             </a:fld>
             <a:endParaRPr lang="de-DE"/>
           </a:p>
@@ -2925,32 +2924,22 @@
               <a:rPr lang="de-DE" dirty="0"/>
               <a:t>für Schlüssel-Wert-Paare </a:t>
             </a:r>
+            <a:r>
+              <a:rPr lang="de-DE" dirty="0" smtClean="0"/>
+              <a:t>(Slots)</a:t>
+            </a:r>
             <a:endParaRPr lang="de-DE" dirty="0" smtClean="0"/>
           </a:p>
           <a:p>
             <a:r>
               <a:rPr lang="de-DE" dirty="0" smtClean="0"/>
-              <a:t>Kann über den Objekt-Konstruktor gebildet werden</a:t>
-            </a:r>
-          </a:p>
-          <a:p>
-            <a:r>
-              <a:rPr lang="de-DE" dirty="0" smtClean="0"/>
-              <a:t>Kann direkt über das Objekt-Literal gebildet werden</a:t>
-            </a:r>
-          </a:p>
-          <a:p>
-            <a:r>
-              <a:rPr lang="de-DE" dirty="0" smtClean="0"/>
-              <a:t>Kann Methoden enthalten</a:t>
-            </a:r>
-          </a:p>
-          <a:p>
-            <a:r>
-              <a:rPr lang="de-DE" dirty="0" smtClean="0"/>
-              <a:t>Spannt einen eigenen Kontext auf</a:t>
-            </a:r>
-            <a:endParaRPr lang="de-DE" dirty="0"/>
+              <a:t>Kann direkt über das Objekt-Literal gebildet </a:t>
+            </a:r>
+            <a:r>
+              <a:rPr lang="de-DE" dirty="0" smtClean="0"/>
+              <a:t>werden</a:t>
+            </a:r>
+            <a:endParaRPr lang="de-DE" dirty="0" smtClean="0"/>
           </a:p>
         </p:txBody>
       </p:sp>
@@ -3032,33 +3021,60 @@
           <a:lstStyle/>
           <a:p>
             <a:r>
-              <a:rPr lang="en-US" dirty="0"/>
-              <a:t>// Objects map keys (string) to values (properties):</a:t>
-            </a:r>
-          </a:p>
-          <a:p>
-            <a:r>
-              <a:rPr lang="en-US" dirty="0" smtClean="0"/>
-              <a:t>var </a:t>
-            </a:r>
-            <a:r>
-              <a:rPr lang="en-US" dirty="0" err="1"/>
-              <a:t>obj</a:t>
-            </a:r>
-            <a:r>
-              <a:rPr lang="en-US" dirty="0"/>
-              <a:t> = new Object</a:t>
-            </a:r>
-            <a:r>
-              <a:rPr lang="en-US" dirty="0" smtClean="0"/>
-              <a:t>()</a:t>
-            </a:r>
-            <a:r>
-              <a:rPr lang="en-US" dirty="0"/>
-              <a:t>; </a:t>
-            </a:r>
-          </a:p>
-          <a:p>
+              <a:rPr lang="tr-TR" dirty="0" smtClean="0">
+                <a:solidFill>
+                  <a:srgbClr val="FFFFFF"/>
+                </a:solidFill>
+                <a:highlight>
+                  <a:srgbClr val="272822"/>
+                </a:highlight>
+              </a:rPr>
+              <a:t>/</a:t>
+            </a:r>
+            <a:r>
+              <a:rPr lang="tr-TR" dirty="0" smtClean="0">
+                <a:solidFill>
+                  <a:srgbClr val="FFFFFF"/>
+                </a:solidFill>
+                <a:highlight>
+                  <a:srgbClr val="272822"/>
+                </a:highlight>
+              </a:rPr>
+              <a:t>/ </a:t>
+            </a:r>
+            <a:r>
+              <a:rPr lang="tr-TR" dirty="0" err="1" smtClean="0">
+                <a:solidFill>
+                  <a:srgbClr val="FFFFFF"/>
+                </a:solidFill>
+                <a:highlight>
+                  <a:srgbClr val="272822"/>
+                </a:highlight>
+              </a:rPr>
+              <a:t>there</a:t>
+            </a:r>
+            <a:r>
+              <a:rPr lang="tr-TR" dirty="0" smtClean="0">
+                <a:solidFill>
+                  <a:srgbClr val="FFFFFF"/>
+                </a:solidFill>
+                <a:highlight>
+                  <a:srgbClr val="272822"/>
+                </a:highlight>
+              </a:rPr>
+              <a:t> is an Object </a:t>
+            </a:r>
+            <a:r>
+              <a:rPr lang="tr-TR" dirty="0" err="1" smtClean="0">
+                <a:solidFill>
+                  <a:srgbClr val="FFFFFF"/>
+                </a:solidFill>
+                <a:highlight>
+                  <a:srgbClr val="272822"/>
+                </a:highlight>
+              </a:rPr>
+              <a:t>literal</a:t>
+            </a:r>
             <a:endParaRPr lang="tr-TR" dirty="0" smtClean="0">
               <a:solidFill>
                 <a:srgbClr val="FFFFFF"/>
@@ -3078,7 +3094,7 @@
                   <a:srgbClr val="272822"/>
                 </a:highlight>
               </a:rPr>
-              <a:t>// </a:t>
+              <a:t>var </a:t>
             </a:r>
             <a:r>
               <a:rPr lang="tr-TR" dirty="0" err="1" smtClean="0">
@@ -3089,7 +3105,7 @@
                   <a:srgbClr val="272822"/>
                 </a:highlight>
               </a:rPr>
-              <a:t>there</a:t>
+              <a:t>person</a:t>
             </a:r>
             <a:r>
               <a:rPr lang="tr-TR" dirty="0" smtClean="0">
@@ -3100,10 +3116,10 @@
                   <a:srgbClr val="272822"/>
                 </a:highlight>
               </a:rPr>
-              <a:t> is an Object </a:t>
-            </a:r>
-            <a:r>
-              <a:rPr lang="tr-TR" dirty="0" err="1" smtClean="0">
+              <a:t>= </a:t>
+            </a:r>
+            <a:r>
+              <a:rPr lang="tr-TR" dirty="0">
                 <a:solidFill>
                   <a:srgbClr val="FFFFFF"/>
                 </a:solidFill>
@@ -3111,61 +3127,7 @@
                   <a:srgbClr val="272822"/>
                 </a:highlight>
               </a:rPr>
-              <a:t>literal</a:t>
-            </a:r>
-            <a:endParaRPr lang="tr-TR" dirty="0" smtClean="0">
-              <a:solidFill>
-                <a:srgbClr val="FFFFFF"/>
-              </a:solidFill>
-              <a:highlight>
-                <a:srgbClr val="272822"/>
-              </a:highlight>
-            </a:endParaRPr>
-          </a:p>
-          <a:p>
-            <a:r>
-              <a:rPr lang="tr-TR" dirty="0" smtClean="0">
-                <a:solidFill>
-                  <a:srgbClr val="FFFFFF"/>
-                </a:solidFill>
-                <a:highlight>
-                  <a:srgbClr val="272822"/>
-                </a:highlight>
-              </a:rPr>
-              <a:t>var </a:t>
-            </a:r>
-            <a:r>
-              <a:rPr lang="tr-TR" dirty="0" err="1" smtClean="0">
-                <a:solidFill>
-                  <a:srgbClr val="FFFFFF"/>
-                </a:solidFill>
-                <a:highlight>
-                  <a:srgbClr val="272822"/>
-                </a:highlight>
-              </a:rPr>
-              <a:t>myCar</a:t>
-            </a:r>
-            <a:r>
-              <a:rPr lang="tr-TR" dirty="0" smtClean="0">
-                <a:solidFill>
-                  <a:srgbClr val="FFFFFF"/>
-                </a:solidFill>
-                <a:highlight>
-                  <a:srgbClr val="272822"/>
-                </a:highlight>
-              </a:rPr>
-              <a:t> </a:t>
-            </a:r>
-            <a:r>
-              <a:rPr lang="tr-TR" dirty="0">
-                <a:solidFill>
-                  <a:srgbClr val="FFFFFF"/>
-                </a:solidFill>
-                <a:highlight>
-                  <a:srgbClr val="272822"/>
-                </a:highlight>
-              </a:rPr>
-              <a:t>= {</a:t>
+              <a:t>{</a:t>
             </a:r>
           </a:p>
           <a:p>
@@ -3451,228 +3413,6 @@
       </p:grpSpPr>
       <p:sp>
         <p:nvSpPr>
-          <p:cNvPr id="5" name="Inhaltsplatzhalter 4"/>
-          <p:cNvSpPr>
-            <a:spLocks noGrp="1"/>
-          </p:cNvSpPr>
-          <p:nvPr>
-            <p:ph idx="1"/>
-          </p:nvPr>
-        </p:nvSpPr>
-        <p:spPr/>
-        <p:txBody>
-          <a:bodyPr/>
-          <a:lstStyle/>
-          <a:p>
-            <a:r>
-              <a:rPr lang="de-DE" dirty="0" err="1"/>
-              <a:t>var</a:t>
-            </a:r>
-            <a:r>
-              <a:rPr lang="de-DE" dirty="0"/>
-              <a:t> </a:t>
-            </a:r>
-            <a:r>
-              <a:rPr lang="de-DE" dirty="0" err="1"/>
-              <a:t>myObject</a:t>
-            </a:r>
-            <a:r>
-              <a:rPr lang="de-DE" dirty="0"/>
-              <a:t> = {</a:t>
-            </a:r>
-          </a:p>
-          <a:p>
-            <a:r>
-              <a:rPr lang="de-DE" dirty="0"/>
-              <a:t>	</a:t>
-            </a:r>
-            <a:r>
-              <a:rPr lang="de-DE" dirty="0" err="1" smtClean="0"/>
-              <a:t>val</a:t>
-            </a:r>
-            <a:r>
-              <a:rPr lang="de-DE" dirty="0"/>
-              <a:t>: 0,</a:t>
-            </a:r>
-          </a:p>
-          <a:p>
-            <a:r>
-              <a:rPr lang="de-DE" dirty="0"/>
-              <a:t> </a:t>
-            </a:r>
-            <a:r>
-              <a:rPr lang="de-DE" dirty="0" smtClean="0"/>
-              <a:t>	</a:t>
-            </a:r>
-            <a:r>
-              <a:rPr lang="de-DE" dirty="0" err="1" smtClean="0"/>
-              <a:t>increment</a:t>
-            </a:r>
-            <a:r>
-              <a:rPr lang="de-DE" dirty="0"/>
-              <a:t>: </a:t>
-            </a:r>
-            <a:r>
-              <a:rPr lang="de-DE" dirty="0" err="1"/>
-              <a:t>function</a:t>
-            </a:r>
-            <a:r>
-              <a:rPr lang="de-DE" dirty="0"/>
-              <a:t> (</a:t>
-            </a:r>
-            <a:r>
-              <a:rPr lang="de-DE" dirty="0" err="1"/>
-              <a:t>inc</a:t>
-            </a:r>
-            <a:r>
-              <a:rPr lang="de-DE" dirty="0"/>
-              <a:t>) {</a:t>
-            </a:r>
-          </a:p>
-          <a:p>
-            <a:r>
-              <a:rPr lang="de-DE" dirty="0"/>
-              <a:t> </a:t>
-            </a:r>
-            <a:r>
-              <a:rPr lang="de-DE" dirty="0" smtClean="0"/>
-              <a:t>		</a:t>
-            </a:r>
-            <a:r>
-              <a:rPr lang="de-DE" dirty="0" err="1" smtClean="0"/>
-              <a:t>this.val</a:t>
-            </a:r>
-            <a:r>
-              <a:rPr lang="de-DE" dirty="0" smtClean="0"/>
-              <a:t> += </a:t>
-            </a:r>
-            <a:r>
-              <a:rPr lang="de-DE" dirty="0" err="1" smtClean="0"/>
-              <a:t>inc</a:t>
-            </a:r>
-            <a:r>
-              <a:rPr lang="de-DE" dirty="0" smtClean="0"/>
-              <a:t>;</a:t>
-            </a:r>
-            <a:endParaRPr lang="de-DE" dirty="0"/>
-          </a:p>
-          <a:p>
-            <a:r>
-              <a:rPr lang="de-DE" dirty="0"/>
-              <a:t> </a:t>
-            </a:r>
-            <a:r>
-              <a:rPr lang="de-DE" dirty="0" smtClean="0"/>
-              <a:t>	}</a:t>
-            </a:r>
-            <a:endParaRPr lang="de-DE" dirty="0"/>
-          </a:p>
-          <a:p>
-            <a:r>
-              <a:rPr lang="de-DE" dirty="0"/>
-              <a:t>}</a:t>
-            </a:r>
-            <a:r>
-              <a:rPr lang="de-DE" dirty="0" smtClean="0"/>
-              <a:t>;</a:t>
-            </a:r>
-          </a:p>
-          <a:p>
-            <a:endParaRPr lang="de-DE" dirty="0"/>
-          </a:p>
-          <a:p>
-            <a:r>
-              <a:rPr lang="de-DE" dirty="0" err="1" smtClean="0"/>
-              <a:t>myObject.increment</a:t>
-            </a:r>
-            <a:r>
-              <a:rPr lang="de-DE" dirty="0"/>
-              <a:t>(1);</a:t>
-            </a:r>
-          </a:p>
-          <a:p>
-            <a:r>
-              <a:rPr lang="de-DE" dirty="0" err="1" smtClean="0"/>
-              <a:t>myObject.val</a:t>
-            </a:r>
-            <a:r>
-              <a:rPr lang="de-DE" dirty="0" smtClean="0"/>
-              <a:t>; // 1</a:t>
-            </a:r>
-            <a:endParaRPr lang="de-DE" dirty="0"/>
-          </a:p>
-        </p:txBody>
-      </p:sp>
-      <p:sp>
-        <p:nvSpPr>
-          <p:cNvPr id="4" name="Titel 3"/>
-          <p:cNvSpPr>
-            <a:spLocks noGrp="1"/>
-          </p:cNvSpPr>
-          <p:nvPr>
-            <p:ph type="title"/>
-          </p:nvPr>
-        </p:nvSpPr>
-        <p:spPr/>
-        <p:txBody>
-          <a:bodyPr/>
-          <a:lstStyle/>
-          <a:p>
-            <a:r>
-              <a:rPr lang="de-DE" dirty="0" err="1" smtClean="0"/>
-              <a:t>Method</a:t>
-            </a:r>
-            <a:r>
-              <a:rPr lang="de-DE" dirty="0" smtClean="0"/>
-              <a:t> </a:t>
-            </a:r>
-            <a:r>
-              <a:rPr lang="de-DE" dirty="0" err="1" smtClean="0"/>
-              <a:t>Invocation</a:t>
-            </a:r>
-            <a:endParaRPr lang="de-DE" dirty="0"/>
-          </a:p>
-        </p:txBody>
-      </p:sp>
-    </p:spTree>
-    <p:extLst>
-      <p:ext uri="{BB962C8B-B14F-4D97-AF65-F5344CB8AC3E}">
-        <p14:creationId xmlns:p14="http://schemas.microsoft.com/office/powerpoint/2010/main" val="2405011695"/>
-      </p:ext>
-    </p:extLst>
-  </p:cSld>
-  <p:clrMapOvr>
-    <a:masterClrMapping/>
-  </p:clrMapOvr>
-  <p:timing>
-    <p:tnLst>
-      <p:par>
-        <p:cTn xmlns:p14="http://schemas.microsoft.com/office/powerpoint/2010/main" id="1" dur="indefinite" restart="never" nodeType="tmRoot"/>
-      </p:par>
-    </p:tnLst>
-  </p:timing>
-</p:sld>
-</file>
-
-<file path=ppt/slides/slide13.xml><?xml version="1.0" encoding="utf-8"?>
-<p:sld xmlns:a="http://schemas.openxmlformats.org/drawingml/2006/main" xmlns:r="http://schemas.openxmlformats.org/officeDocument/2006/relationships" xmlns:p="http://schemas.openxmlformats.org/presentationml/2006/main">
-  <p:cSld>
-    <p:spTree>
-      <p:nvGrpSpPr>
-        <p:cNvPr id="1" name=""/>
-        <p:cNvGrpSpPr/>
-        <p:nvPr/>
-      </p:nvGrpSpPr>
-      <p:grpSpPr>
-        <a:xfrm>
-          <a:off x="0" y="0"/>
-          <a:ext cx="0" cy="0"/>
-          <a:chOff x="0" y="0"/>
-          <a:chExt cx="0" cy="0"/>
-        </a:xfrm>
-      </p:grpSpPr>
-      <p:sp>
-        <p:nvSpPr>
           <p:cNvPr id="5" name="Rechteck 4"/>
           <p:cNvSpPr/>
           <p:nvPr/>
@@ -3863,7 +3603,7 @@
 </p:sld>
 </file>
 
-<file path=ppt/slides/slide14.xml><?xml version="1.0" encoding="utf-8"?>
+<file path=ppt/slides/slide13.xml><?xml version="1.0" encoding="utf-8"?>
 <p:sld xmlns:a="http://schemas.openxmlformats.org/drawingml/2006/main" xmlns:r="http://schemas.openxmlformats.org/officeDocument/2006/relationships" xmlns:p="http://schemas.openxmlformats.org/presentationml/2006/main">
   <p:cSld>
     <p:spTree>
@@ -4034,6 +3774,147 @@
 </p:sld>
 </file>
 
+<file path=ppt/slides/slide14.xml><?xml version="1.0" encoding="utf-8"?>
+<p:sld xmlns:a="http://schemas.openxmlformats.org/drawingml/2006/main" xmlns:r="http://schemas.openxmlformats.org/officeDocument/2006/relationships" xmlns:p="http://schemas.openxmlformats.org/presentationml/2006/main">
+  <p:cSld>
+    <p:spTree>
+      <p:nvGrpSpPr>
+        <p:cNvPr id="1" name=""/>
+        <p:cNvGrpSpPr/>
+        <p:nvPr/>
+      </p:nvGrpSpPr>
+      <p:grpSpPr>
+        <a:xfrm>
+          <a:off x="0" y="0"/>
+          <a:ext cx="0" cy="0"/>
+          <a:chOff x="0" y="0"/>
+          <a:chExt cx="0" cy="0"/>
+        </a:xfrm>
+      </p:grpSpPr>
+      <p:sp>
+        <p:nvSpPr>
+          <p:cNvPr id="2" name="Inhaltsplatzhalter 1"/>
+          <p:cNvSpPr>
+            <a:spLocks noGrp="1"/>
+          </p:cNvSpPr>
+          <p:nvPr>
+            <p:ph idx="1"/>
+          </p:nvPr>
+        </p:nvSpPr>
+        <p:spPr/>
+        <p:txBody>
+          <a:bodyPr/>
+          <a:lstStyle/>
+          <a:p>
+            <a:r>
+              <a:rPr lang="de-DE" dirty="0" smtClean="0"/>
+              <a:t>Debuggen über alert ist doof</a:t>
+            </a:r>
+          </a:p>
+          <a:p>
+            <a:r>
+              <a:rPr lang="de-DE" dirty="0" smtClean="0"/>
+              <a:t>Aber: Mit </a:t>
+            </a:r>
+            <a:r>
+              <a:rPr lang="de-DE" dirty="0" err="1" smtClean="0"/>
+              <a:t>console.log</a:t>
+            </a:r>
+            <a:r>
+              <a:rPr lang="de-DE" dirty="0" smtClean="0"/>
+              <a:t>() (</a:t>
+            </a:r>
+            <a:r>
+              <a:rPr lang="de-DE" dirty="0" err="1" smtClean="0"/>
+              <a:t>debug</a:t>
+            </a:r>
+            <a:r>
+              <a:rPr lang="de-DE" dirty="0" smtClean="0"/>
+              <a:t>, </a:t>
+            </a:r>
+            <a:r>
+              <a:rPr lang="de-DE" dirty="0" err="1" smtClean="0"/>
+              <a:t>info</a:t>
+            </a:r>
+            <a:r>
+              <a:rPr lang="de-DE" dirty="0" smtClean="0"/>
+              <a:t>, warn, </a:t>
+            </a:r>
+            <a:r>
+              <a:rPr lang="de-DE" dirty="0" err="1" smtClean="0"/>
+              <a:t>error</a:t>
+            </a:r>
+            <a:r>
+              <a:rPr lang="de-DE" dirty="0" smtClean="0"/>
+              <a:t>) bekommt man geregeltes </a:t>
+            </a:r>
+            <a:r>
+              <a:rPr lang="de-DE" dirty="0" err="1" smtClean="0"/>
+              <a:t>Logging</a:t>
+            </a:r>
+            <a:r>
+              <a:rPr lang="de-DE" dirty="0" smtClean="0"/>
+              <a:t> hin</a:t>
+            </a:r>
+          </a:p>
+          <a:p>
+            <a:r>
+              <a:rPr lang="de-DE" dirty="0"/>
+              <a:t>Es gibt JS-Debugger</a:t>
+            </a:r>
+          </a:p>
+          <a:p>
+            <a:r>
+              <a:rPr lang="de-DE" dirty="0"/>
+              <a:t>Besser ist natürlich test-getriebene </a:t>
+            </a:r>
+            <a:r>
+              <a:rPr lang="de-DE" dirty="0" err="1"/>
+              <a:t>Entwicklerung</a:t>
+            </a:r>
+            <a:endParaRPr lang="de-DE" dirty="0"/>
+          </a:p>
+          <a:p>
+            <a:endParaRPr lang="de-DE" dirty="0"/>
+          </a:p>
+        </p:txBody>
+      </p:sp>
+      <p:sp>
+        <p:nvSpPr>
+          <p:cNvPr id="3" name="Titel 2"/>
+          <p:cNvSpPr>
+            <a:spLocks noGrp="1"/>
+          </p:cNvSpPr>
+          <p:nvPr>
+            <p:ph type="title"/>
+          </p:nvPr>
+        </p:nvSpPr>
+        <p:spPr/>
+        <p:txBody>
+          <a:bodyPr/>
+          <a:lstStyle/>
+          <a:p>
+            <a:r>
+              <a:rPr lang="de-DE" dirty="0" err="1" smtClean="0"/>
+              <a:t>Console</a:t>
+            </a:r>
+            <a:endParaRPr lang="de-DE" dirty="0"/>
+          </a:p>
+        </p:txBody>
+      </p:sp>
+    </p:spTree>
+    <p:extLst>
+      <p:ext uri="{BB962C8B-B14F-4D97-AF65-F5344CB8AC3E}">
+        <p14:creationId xmlns:p14="http://schemas.microsoft.com/office/powerpoint/2010/main" val="2479476741"/>
+      </p:ext>
+    </p:extLst>
+  </p:cSld>
+  <p:clrMapOvr>
+    <a:masterClrMapping/>
+  </p:clrMapOvr>
+</p:sld>
+</file>
+
 <file path=ppt/slides/slide15.xml><?xml version="1.0" encoding="utf-8"?>
 <p:sld xmlns:a="http://schemas.openxmlformats.org/drawingml/2006/main" xmlns:r="http://schemas.openxmlformats.org/officeDocument/2006/relationships" xmlns:p="http://schemas.openxmlformats.org/presentationml/2006/main">
   <p:cSld>
@@ -4068,71 +3949,19 @@
           <a:p>
             <a:r>
               <a:rPr lang="de-DE" dirty="0" smtClean="0"/>
-              <a:t>Debuggen über alert ist doof</a:t>
-            </a:r>
-          </a:p>
-          <a:p>
-            <a:r>
-              <a:rPr lang="de-DE" dirty="0" smtClean="0"/>
-              <a:t>Aber: Mit </a:t>
+              <a:t>Ein Array ist vom Typ </a:t>
             </a:r>
             <a:r>
               <a:rPr lang="de-DE" dirty="0" err="1" smtClean="0"/>
-              <a:t>console.log</a:t>
-            </a:r>
-            <a:r>
-              <a:rPr lang="de-DE" dirty="0" smtClean="0"/>
-              <a:t>() (</a:t>
-            </a:r>
-            <a:r>
-              <a:rPr lang="de-DE" dirty="0" err="1" smtClean="0"/>
-              <a:t>debug</a:t>
-            </a:r>
-            <a:r>
-              <a:rPr lang="de-DE" dirty="0" smtClean="0"/>
-              <a:t>, </a:t>
-            </a:r>
-            <a:r>
-              <a:rPr lang="de-DE" dirty="0" err="1" smtClean="0"/>
-              <a:t>info</a:t>
-            </a:r>
-            <a:r>
-              <a:rPr lang="de-DE" dirty="0" smtClean="0"/>
-              <a:t>, warn, </a:t>
-            </a:r>
-            <a:r>
-              <a:rPr lang="de-DE" dirty="0" err="1" smtClean="0"/>
-              <a:t>error</a:t>
-            </a:r>
-            <a:r>
-              <a:rPr lang="de-DE" dirty="0" smtClean="0"/>
-              <a:t>) bekommt man geregeltes </a:t>
-            </a:r>
-            <a:r>
-              <a:rPr lang="de-DE" dirty="0" err="1" smtClean="0"/>
-              <a:t>Logging</a:t>
-            </a:r>
-            <a:r>
-              <a:rPr lang="de-DE" dirty="0" smtClean="0"/>
-              <a:t> hin</a:t>
-            </a:r>
-          </a:p>
-          <a:p>
-            <a:r>
-              <a:rPr lang="de-DE" dirty="0"/>
-              <a:t>Es gibt JS-Debugger</a:t>
-            </a:r>
-          </a:p>
-          <a:p>
-            <a:r>
-              <a:rPr lang="de-DE" dirty="0"/>
-              <a:t>Besser ist natürlich test-getriebene </a:t>
-            </a:r>
-            <a:r>
-              <a:rPr lang="de-DE" dirty="0" err="1"/>
-              <a:t>Entwicklerung</a:t>
-            </a:r>
-            <a:endParaRPr lang="de-DE" dirty="0"/>
+              <a:t>Object</a:t>
+            </a:r>
+            <a:endParaRPr lang="de-DE" dirty="0" smtClean="0"/>
+          </a:p>
+          <a:p>
+            <a:r>
+              <a:rPr lang="de-DE" dirty="0" smtClean="0"/>
+              <a:t>D.h., es ist ein Objekt mit Properties und Methoden.</a:t>
+            </a:r>
           </a:p>
           <a:p>
             <a:endParaRPr lang="de-DE" dirty="0"/>
@@ -4155,8 +3984,8 @@
           <a:lstStyle/>
           <a:p>
             <a:r>
-              <a:rPr lang="de-DE" dirty="0" err="1" smtClean="0"/>
-              <a:t>Console</a:t>
+              <a:rPr lang="de-DE" dirty="0" smtClean="0"/>
+              <a:t>Arrays</a:t>
             </a:r>
             <a:endParaRPr lang="de-DE" dirty="0"/>
           </a:p>
@@ -4165,13 +3994,20 @@
     </p:spTree>
     <p:extLst>
       <p:ext uri="{BB962C8B-B14F-4D97-AF65-F5344CB8AC3E}">
-        <p14:creationId xmlns:p14="http://schemas.microsoft.com/office/powerpoint/2010/main" val="2479476741"/>
+        <p14:creationId xmlns:p14="http://schemas.microsoft.com/office/powerpoint/2010/main" val="3936742792"/>
       </p:ext>
     </p:extLst>
   </p:cSld>
   <p:clrMapOvr>
     <a:masterClrMapping/>
   </p:clrMapOvr>
+  <p:timing>
+    <p:tnLst>
+      <p:par>
+        <p:cTn xmlns:p14="http://schemas.microsoft.com/office/powerpoint/2010/main" id="1" dur="indefinite" restart="never" nodeType="tmRoot"/>
+      </p:par>
+    </p:tnLst>
+  </p:timing>
 </p:sld>
 </file>
 
@@ -4209,18 +4045,671 @@
           <a:p>
             <a:r>
               <a:rPr lang="de-DE" dirty="0" smtClean="0"/>
-              <a:t>Ein Array ist vom Typ </a:t>
-            </a:r>
-            <a:r>
-              <a:rPr lang="de-DE" dirty="0" err="1" smtClean="0"/>
-              <a:t>Object</a:t>
-            </a:r>
-            <a:endParaRPr lang="de-DE" dirty="0" smtClean="0"/>
-          </a:p>
-          <a:p>
-            <a:r>
-              <a:rPr lang="de-DE" dirty="0" smtClean="0"/>
-              <a:t>D.h., es ist ein Objekt mit Properties und Methoden.</a:t>
+              <a:t>The </a:t>
+            </a:r>
+            <a:r>
+              <a:rPr lang="de-DE" dirty="0" err="1"/>
+              <a:t>indexOf</a:t>
+            </a:r>
+            <a:r>
+              <a:rPr lang="de-DE" dirty="0"/>
+              <a:t>() </a:t>
+            </a:r>
+            <a:r>
+              <a:rPr lang="de-DE" dirty="0" err="1"/>
+              <a:t>method</a:t>
+            </a:r>
+            <a:r>
+              <a:rPr lang="de-DE" dirty="0"/>
+              <a:t> </a:t>
+            </a:r>
+            <a:r>
+              <a:rPr lang="de-DE" dirty="0" err="1"/>
+              <a:t>returns</a:t>
+            </a:r>
+            <a:r>
+              <a:rPr lang="de-DE" dirty="0"/>
+              <a:t> </a:t>
+            </a:r>
+            <a:r>
+              <a:rPr lang="de-DE" dirty="0" err="1"/>
+              <a:t>the</a:t>
+            </a:r>
+            <a:r>
+              <a:rPr lang="de-DE" dirty="0"/>
+              <a:t> </a:t>
+            </a:r>
+            <a:r>
+              <a:rPr lang="de-DE" dirty="0" err="1"/>
+              <a:t>first</a:t>
+            </a:r>
+            <a:r>
+              <a:rPr lang="de-DE" dirty="0"/>
+              <a:t> </a:t>
+            </a:r>
+            <a:r>
+              <a:rPr lang="de-DE" dirty="0" err="1"/>
+              <a:t>index</a:t>
+            </a:r>
+            <a:r>
+              <a:rPr lang="de-DE" dirty="0"/>
+              <a:t> </a:t>
+            </a:r>
+            <a:r>
+              <a:rPr lang="de-DE" dirty="0" err="1"/>
+              <a:t>at</a:t>
+            </a:r>
+            <a:r>
+              <a:rPr lang="de-DE" dirty="0"/>
+              <a:t> </a:t>
+            </a:r>
+            <a:r>
+              <a:rPr lang="de-DE" dirty="0" err="1"/>
+              <a:t>which</a:t>
+            </a:r>
+            <a:r>
+              <a:rPr lang="de-DE" dirty="0"/>
+              <a:t> a </a:t>
+            </a:r>
+            <a:r>
+              <a:rPr lang="de-DE" dirty="0" err="1"/>
+              <a:t>given</a:t>
+            </a:r>
+            <a:r>
+              <a:rPr lang="de-DE" dirty="0"/>
+              <a:t> </a:t>
+            </a:r>
+            <a:r>
+              <a:rPr lang="de-DE" dirty="0" err="1"/>
+              <a:t>element</a:t>
+            </a:r>
+            <a:r>
+              <a:rPr lang="de-DE" dirty="0"/>
+              <a:t> </a:t>
+            </a:r>
+            <a:r>
+              <a:rPr lang="de-DE" dirty="0" err="1"/>
+              <a:t>can</a:t>
+            </a:r>
+            <a:r>
+              <a:rPr lang="de-DE" dirty="0"/>
+              <a:t> </a:t>
+            </a:r>
+            <a:r>
+              <a:rPr lang="de-DE" dirty="0" err="1"/>
+              <a:t>be</a:t>
+            </a:r>
+            <a:r>
+              <a:rPr lang="de-DE" dirty="0"/>
+              <a:t> </a:t>
+            </a:r>
+            <a:r>
+              <a:rPr lang="de-DE" dirty="0" err="1"/>
+              <a:t>found</a:t>
+            </a:r>
+            <a:r>
+              <a:rPr lang="de-DE" dirty="0"/>
+              <a:t> in </a:t>
+            </a:r>
+            <a:r>
+              <a:rPr lang="de-DE" dirty="0" err="1"/>
+              <a:t>the</a:t>
+            </a:r>
+            <a:r>
+              <a:rPr lang="de-DE" dirty="0"/>
+              <a:t> </a:t>
+            </a:r>
+            <a:r>
+              <a:rPr lang="de-DE" dirty="0" err="1"/>
+              <a:t>array</a:t>
+            </a:r>
+            <a:r>
+              <a:rPr lang="de-DE" dirty="0"/>
+              <a:t>, </a:t>
+            </a:r>
+            <a:r>
+              <a:rPr lang="de-DE" dirty="0" err="1"/>
+              <a:t>or</a:t>
+            </a:r>
+            <a:r>
+              <a:rPr lang="de-DE" dirty="0"/>
+              <a:t> -1 </a:t>
+            </a:r>
+            <a:r>
+              <a:rPr lang="de-DE" dirty="0" err="1"/>
+              <a:t>if</a:t>
+            </a:r>
+            <a:r>
+              <a:rPr lang="de-DE" dirty="0"/>
+              <a:t> </a:t>
+            </a:r>
+            <a:r>
+              <a:rPr lang="de-DE" dirty="0" err="1"/>
+              <a:t>it</a:t>
+            </a:r>
+            <a:r>
+              <a:rPr lang="de-DE" dirty="0"/>
+              <a:t> </a:t>
+            </a:r>
+            <a:r>
+              <a:rPr lang="de-DE" dirty="0" err="1"/>
+              <a:t>is</a:t>
+            </a:r>
+            <a:r>
+              <a:rPr lang="de-DE" dirty="0"/>
+              <a:t> not </a:t>
+            </a:r>
+            <a:r>
+              <a:rPr lang="de-DE" dirty="0" err="1"/>
+              <a:t>present</a:t>
+            </a:r>
+            <a:r>
+              <a:rPr lang="de-DE" dirty="0"/>
+              <a:t>.</a:t>
+            </a:r>
+          </a:p>
+          <a:p>
+            <a:r>
+              <a:rPr lang="de-DE" dirty="0" smtClean="0"/>
+              <a:t>The </a:t>
+            </a:r>
+            <a:r>
+              <a:rPr lang="de-DE" dirty="0" err="1"/>
+              <a:t>filter</a:t>
+            </a:r>
+            <a:r>
+              <a:rPr lang="de-DE" dirty="0"/>
+              <a:t>() </a:t>
+            </a:r>
+            <a:r>
+              <a:rPr lang="de-DE" dirty="0" err="1"/>
+              <a:t>method</a:t>
+            </a:r>
+            <a:r>
+              <a:rPr lang="de-DE" dirty="0"/>
+              <a:t> </a:t>
+            </a:r>
+            <a:r>
+              <a:rPr lang="de-DE" dirty="0" err="1"/>
+              <a:t>creates</a:t>
+            </a:r>
+            <a:r>
+              <a:rPr lang="de-DE" dirty="0"/>
+              <a:t> a </a:t>
+            </a:r>
+            <a:r>
+              <a:rPr lang="de-DE" dirty="0" err="1"/>
+              <a:t>new</a:t>
+            </a:r>
+            <a:r>
+              <a:rPr lang="de-DE" dirty="0"/>
+              <a:t> </a:t>
+            </a:r>
+            <a:r>
+              <a:rPr lang="de-DE" dirty="0" err="1"/>
+              <a:t>array</a:t>
+            </a:r>
+            <a:r>
+              <a:rPr lang="de-DE" dirty="0"/>
+              <a:t> </a:t>
+            </a:r>
+            <a:r>
+              <a:rPr lang="de-DE" dirty="0" err="1"/>
+              <a:t>with</a:t>
+            </a:r>
+            <a:r>
+              <a:rPr lang="de-DE" dirty="0"/>
+              <a:t> all </a:t>
+            </a:r>
+            <a:r>
+              <a:rPr lang="de-DE" dirty="0" err="1"/>
+              <a:t>elements</a:t>
+            </a:r>
+            <a:r>
+              <a:rPr lang="de-DE" dirty="0"/>
+              <a:t> </a:t>
+            </a:r>
+            <a:r>
+              <a:rPr lang="de-DE" dirty="0" err="1"/>
+              <a:t>that</a:t>
+            </a:r>
+            <a:r>
+              <a:rPr lang="de-DE" dirty="0"/>
+              <a:t> pass </a:t>
+            </a:r>
+            <a:r>
+              <a:rPr lang="de-DE" dirty="0" err="1"/>
+              <a:t>the</a:t>
+            </a:r>
+            <a:r>
+              <a:rPr lang="de-DE" dirty="0"/>
+              <a:t> </a:t>
+            </a:r>
+            <a:r>
+              <a:rPr lang="de-DE" dirty="0" err="1"/>
+              <a:t>test</a:t>
+            </a:r>
+            <a:r>
+              <a:rPr lang="de-DE" dirty="0"/>
+              <a:t> </a:t>
+            </a:r>
+            <a:r>
+              <a:rPr lang="de-DE" dirty="0" err="1"/>
+              <a:t>implemented</a:t>
+            </a:r>
+            <a:r>
+              <a:rPr lang="de-DE" dirty="0"/>
+              <a:t> </a:t>
+            </a:r>
+            <a:r>
+              <a:rPr lang="de-DE" dirty="0" err="1"/>
+              <a:t>by</a:t>
+            </a:r>
+            <a:r>
+              <a:rPr lang="de-DE" dirty="0"/>
+              <a:t> </a:t>
+            </a:r>
+            <a:r>
+              <a:rPr lang="de-DE" dirty="0" err="1"/>
+              <a:t>the</a:t>
+            </a:r>
+            <a:r>
+              <a:rPr lang="de-DE" dirty="0"/>
+              <a:t> </a:t>
+            </a:r>
+            <a:r>
+              <a:rPr lang="de-DE" dirty="0" err="1"/>
+              <a:t>provided</a:t>
+            </a:r>
+            <a:r>
+              <a:rPr lang="de-DE" dirty="0"/>
+              <a:t> </a:t>
+            </a:r>
+            <a:r>
+              <a:rPr lang="de-DE" dirty="0" err="1"/>
+              <a:t>function</a:t>
+            </a:r>
+            <a:r>
+              <a:rPr lang="de-DE" dirty="0"/>
+              <a:t>.</a:t>
+            </a:r>
+          </a:p>
+          <a:p>
+            <a:r>
+              <a:rPr lang="de-DE" dirty="0"/>
+              <a:t>The </a:t>
+            </a:r>
+            <a:r>
+              <a:rPr lang="de-DE" dirty="0" err="1"/>
+              <a:t>forEach</a:t>
+            </a:r>
+            <a:r>
+              <a:rPr lang="de-DE" dirty="0"/>
+              <a:t>() </a:t>
+            </a:r>
+            <a:r>
+              <a:rPr lang="de-DE" dirty="0" err="1"/>
+              <a:t>method</a:t>
+            </a:r>
+            <a:r>
+              <a:rPr lang="de-DE" dirty="0"/>
+              <a:t> </a:t>
+            </a:r>
+            <a:r>
+              <a:rPr lang="de-DE" dirty="0" err="1"/>
+              <a:t>executes</a:t>
+            </a:r>
+            <a:r>
+              <a:rPr lang="de-DE" dirty="0"/>
+              <a:t> a </a:t>
+            </a:r>
+            <a:r>
+              <a:rPr lang="de-DE" dirty="0" err="1"/>
+              <a:t>provided</a:t>
+            </a:r>
+            <a:r>
+              <a:rPr lang="de-DE" dirty="0"/>
+              <a:t> </a:t>
+            </a:r>
+            <a:r>
+              <a:rPr lang="de-DE" dirty="0" err="1"/>
+              <a:t>function</a:t>
+            </a:r>
+            <a:r>
+              <a:rPr lang="de-DE" dirty="0"/>
+              <a:t> </a:t>
+            </a:r>
+            <a:r>
+              <a:rPr lang="de-DE" dirty="0" err="1"/>
+              <a:t>once</a:t>
+            </a:r>
+            <a:r>
+              <a:rPr lang="de-DE" dirty="0"/>
+              <a:t> per </a:t>
+            </a:r>
+            <a:r>
+              <a:rPr lang="de-DE" dirty="0" err="1"/>
+              <a:t>array</a:t>
+            </a:r>
+            <a:r>
+              <a:rPr lang="de-DE" dirty="0"/>
+              <a:t> </a:t>
+            </a:r>
+            <a:r>
+              <a:rPr lang="de-DE" dirty="0" err="1"/>
+              <a:t>element</a:t>
+            </a:r>
+            <a:r>
+              <a:rPr lang="de-DE" dirty="0" smtClean="0"/>
+              <a:t>.</a:t>
+            </a:r>
+          </a:p>
+          <a:p>
+            <a:r>
+              <a:rPr lang="de-DE" dirty="0"/>
+              <a:t>The </a:t>
+            </a:r>
+            <a:r>
+              <a:rPr lang="de-DE" dirty="0" err="1"/>
+              <a:t>map</a:t>
+            </a:r>
+            <a:r>
+              <a:rPr lang="de-DE" dirty="0"/>
+              <a:t>() </a:t>
+            </a:r>
+            <a:r>
+              <a:rPr lang="de-DE" dirty="0" err="1"/>
+              <a:t>method</a:t>
+            </a:r>
+            <a:r>
+              <a:rPr lang="de-DE" dirty="0"/>
+              <a:t> </a:t>
+            </a:r>
+            <a:r>
+              <a:rPr lang="de-DE" dirty="0" err="1"/>
+              <a:t>creates</a:t>
+            </a:r>
+            <a:r>
+              <a:rPr lang="de-DE" dirty="0"/>
+              <a:t> a </a:t>
+            </a:r>
+            <a:r>
+              <a:rPr lang="de-DE" dirty="0" err="1"/>
+              <a:t>new</a:t>
+            </a:r>
+            <a:r>
+              <a:rPr lang="de-DE" dirty="0"/>
+              <a:t> </a:t>
+            </a:r>
+            <a:r>
+              <a:rPr lang="de-DE" dirty="0" err="1"/>
+              <a:t>array</a:t>
+            </a:r>
+            <a:r>
+              <a:rPr lang="de-DE" dirty="0"/>
+              <a:t> </a:t>
+            </a:r>
+            <a:r>
+              <a:rPr lang="de-DE" dirty="0" err="1"/>
+              <a:t>with</a:t>
+            </a:r>
+            <a:r>
+              <a:rPr lang="de-DE" dirty="0"/>
+              <a:t> </a:t>
+            </a:r>
+            <a:r>
+              <a:rPr lang="de-DE" dirty="0" err="1"/>
+              <a:t>the</a:t>
+            </a:r>
+            <a:r>
+              <a:rPr lang="de-DE" dirty="0"/>
+              <a:t> </a:t>
+            </a:r>
+            <a:r>
+              <a:rPr lang="de-DE" dirty="0" err="1"/>
+              <a:t>results</a:t>
+            </a:r>
+            <a:r>
+              <a:rPr lang="de-DE" dirty="0"/>
+              <a:t> </a:t>
+            </a:r>
+            <a:r>
+              <a:rPr lang="de-DE" dirty="0" err="1"/>
+              <a:t>of</a:t>
+            </a:r>
+            <a:r>
+              <a:rPr lang="de-DE" dirty="0"/>
+              <a:t> </a:t>
+            </a:r>
+            <a:r>
+              <a:rPr lang="de-DE" dirty="0" err="1"/>
+              <a:t>calling</a:t>
+            </a:r>
+            <a:r>
+              <a:rPr lang="de-DE" dirty="0"/>
+              <a:t> a </a:t>
+            </a:r>
+            <a:r>
+              <a:rPr lang="de-DE" dirty="0" err="1"/>
+              <a:t>provided</a:t>
+            </a:r>
+            <a:r>
+              <a:rPr lang="de-DE" dirty="0"/>
+              <a:t> </a:t>
+            </a:r>
+            <a:r>
+              <a:rPr lang="de-DE" dirty="0" err="1"/>
+              <a:t>function</a:t>
+            </a:r>
+            <a:r>
+              <a:rPr lang="de-DE" dirty="0"/>
+              <a:t> on </a:t>
+            </a:r>
+            <a:r>
+              <a:rPr lang="de-DE" dirty="0" err="1"/>
+              <a:t>every</a:t>
+            </a:r>
+            <a:r>
+              <a:rPr lang="de-DE" dirty="0"/>
+              <a:t> </a:t>
+            </a:r>
+            <a:r>
+              <a:rPr lang="de-DE" dirty="0" err="1"/>
+              <a:t>element</a:t>
+            </a:r>
+            <a:r>
+              <a:rPr lang="de-DE" dirty="0"/>
+              <a:t> in </a:t>
+            </a:r>
+            <a:r>
+              <a:rPr lang="de-DE" dirty="0" err="1"/>
+              <a:t>this</a:t>
+            </a:r>
+            <a:r>
+              <a:rPr lang="de-DE" dirty="0"/>
+              <a:t> </a:t>
+            </a:r>
+            <a:r>
+              <a:rPr lang="de-DE" dirty="0" err="1"/>
+              <a:t>array</a:t>
+            </a:r>
+            <a:r>
+              <a:rPr lang="de-DE" dirty="0" smtClean="0"/>
+              <a:t>.</a:t>
+            </a:r>
+          </a:p>
+          <a:p>
+            <a:r>
+              <a:rPr lang="de-DE" dirty="0"/>
+              <a:t>The </a:t>
+            </a:r>
+            <a:r>
+              <a:rPr lang="de-DE" dirty="0" err="1"/>
+              <a:t>reduce</a:t>
+            </a:r>
+            <a:r>
+              <a:rPr lang="de-DE" dirty="0"/>
+              <a:t>() </a:t>
+            </a:r>
+            <a:r>
+              <a:rPr lang="de-DE" dirty="0" err="1"/>
+              <a:t>method</a:t>
+            </a:r>
+            <a:r>
+              <a:rPr lang="de-DE" dirty="0"/>
+              <a:t> </a:t>
+            </a:r>
+            <a:r>
+              <a:rPr lang="de-DE" dirty="0" err="1"/>
+              <a:t>applies</a:t>
+            </a:r>
+            <a:r>
+              <a:rPr lang="de-DE" dirty="0"/>
+              <a:t> a </a:t>
+            </a:r>
+            <a:r>
+              <a:rPr lang="de-DE" dirty="0" err="1"/>
+              <a:t>function</a:t>
+            </a:r>
+            <a:r>
+              <a:rPr lang="de-DE" dirty="0"/>
+              <a:t> </a:t>
+            </a:r>
+            <a:r>
+              <a:rPr lang="de-DE" dirty="0" err="1"/>
+              <a:t>against</a:t>
+            </a:r>
+            <a:r>
+              <a:rPr lang="de-DE" dirty="0"/>
+              <a:t> an </a:t>
+            </a:r>
+            <a:r>
+              <a:rPr lang="de-DE" dirty="0" err="1"/>
+              <a:t>accumulator</a:t>
+            </a:r>
+            <a:r>
+              <a:rPr lang="de-DE" dirty="0"/>
+              <a:t> </a:t>
+            </a:r>
+            <a:r>
+              <a:rPr lang="de-DE" dirty="0" err="1"/>
+              <a:t>and</a:t>
+            </a:r>
+            <a:r>
+              <a:rPr lang="de-DE" dirty="0"/>
+              <a:t> </a:t>
+            </a:r>
+            <a:r>
+              <a:rPr lang="de-DE" dirty="0" err="1"/>
+              <a:t>each</a:t>
+            </a:r>
+            <a:r>
+              <a:rPr lang="de-DE" dirty="0"/>
+              <a:t> </a:t>
+            </a:r>
+            <a:r>
+              <a:rPr lang="de-DE" dirty="0" err="1"/>
+              <a:t>value</a:t>
+            </a:r>
+            <a:r>
+              <a:rPr lang="de-DE" dirty="0"/>
+              <a:t> </a:t>
+            </a:r>
+            <a:r>
+              <a:rPr lang="de-DE" dirty="0" err="1"/>
+              <a:t>of</a:t>
+            </a:r>
+            <a:r>
+              <a:rPr lang="de-DE" dirty="0"/>
+              <a:t> </a:t>
+            </a:r>
+            <a:r>
+              <a:rPr lang="de-DE" dirty="0" err="1"/>
+              <a:t>the</a:t>
+            </a:r>
+            <a:r>
+              <a:rPr lang="de-DE" dirty="0"/>
+              <a:t> </a:t>
+            </a:r>
+            <a:r>
+              <a:rPr lang="de-DE" dirty="0" err="1"/>
+              <a:t>array</a:t>
+            </a:r>
+            <a:r>
+              <a:rPr lang="de-DE" dirty="0"/>
+              <a:t> (</a:t>
+            </a:r>
+            <a:r>
+              <a:rPr lang="de-DE" dirty="0" err="1"/>
+              <a:t>from</a:t>
+            </a:r>
+            <a:r>
+              <a:rPr lang="de-DE" dirty="0"/>
+              <a:t> </a:t>
+            </a:r>
+            <a:r>
+              <a:rPr lang="de-DE" dirty="0" err="1"/>
+              <a:t>left-to-right</a:t>
+            </a:r>
+            <a:r>
+              <a:rPr lang="de-DE" dirty="0"/>
+              <a:t>) </a:t>
+            </a:r>
+            <a:r>
+              <a:rPr lang="de-DE" dirty="0" err="1"/>
+              <a:t>has</a:t>
+            </a:r>
+            <a:r>
+              <a:rPr lang="de-DE" dirty="0"/>
+              <a:t> </a:t>
+            </a:r>
+            <a:r>
+              <a:rPr lang="de-DE" dirty="0" err="1"/>
+              <a:t>to</a:t>
+            </a:r>
+            <a:r>
+              <a:rPr lang="de-DE" dirty="0"/>
+              <a:t> </a:t>
+            </a:r>
+            <a:r>
+              <a:rPr lang="de-DE" dirty="0" err="1"/>
+              <a:t>reduce</a:t>
+            </a:r>
+            <a:r>
+              <a:rPr lang="de-DE" dirty="0"/>
+              <a:t> </a:t>
+            </a:r>
+            <a:r>
+              <a:rPr lang="de-DE" dirty="0" err="1"/>
+              <a:t>it</a:t>
+            </a:r>
+            <a:r>
+              <a:rPr lang="de-DE" dirty="0"/>
+              <a:t> </a:t>
+            </a:r>
+            <a:r>
+              <a:rPr lang="de-DE" dirty="0" err="1"/>
+              <a:t>to</a:t>
+            </a:r>
+            <a:r>
+              <a:rPr lang="de-DE" dirty="0"/>
+              <a:t> a </a:t>
+            </a:r>
+            <a:r>
+              <a:rPr lang="de-DE" dirty="0" err="1"/>
+              <a:t>single</a:t>
+            </a:r>
+            <a:r>
+              <a:rPr lang="de-DE" dirty="0"/>
+              <a:t> </a:t>
+            </a:r>
+            <a:r>
+              <a:rPr lang="de-DE" dirty="0" err="1"/>
+              <a:t>value</a:t>
+            </a:r>
+            <a:r>
+              <a:rPr lang="de-DE" dirty="0"/>
+              <a:t>.</a:t>
             </a:r>
           </a:p>
           <a:p>
@@ -4254,7 +4743,7 @@
     </p:spTree>
     <p:extLst>
       <p:ext uri="{BB962C8B-B14F-4D97-AF65-F5344CB8AC3E}">
-        <p14:creationId xmlns:p14="http://schemas.microsoft.com/office/powerpoint/2010/main" val="3936742792"/>
+        <p14:creationId xmlns:p14="http://schemas.microsoft.com/office/powerpoint/2010/main" val="1019305664"/>
       </p:ext>
     </p:extLst>
   </p:cSld>
@@ -4309,368 +4798,6 @@
             </a:r>
             <a:r>
               <a:rPr lang="de-DE" dirty="0" err="1"/>
-              <a:t>indexOf</a:t>
-            </a:r>
-            <a:r>
-              <a:rPr lang="de-DE" dirty="0"/>
-              <a:t>() </a:t>
-            </a:r>
-            <a:r>
-              <a:rPr lang="de-DE" dirty="0" err="1"/>
-              <a:t>method</a:t>
-            </a:r>
-            <a:r>
-              <a:rPr lang="de-DE" dirty="0"/>
-              <a:t> </a:t>
-            </a:r>
-            <a:r>
-              <a:rPr lang="de-DE" dirty="0" err="1"/>
-              <a:t>returns</a:t>
-            </a:r>
-            <a:r>
-              <a:rPr lang="de-DE" dirty="0"/>
-              <a:t> </a:t>
-            </a:r>
-            <a:r>
-              <a:rPr lang="de-DE" dirty="0" err="1"/>
-              <a:t>the</a:t>
-            </a:r>
-            <a:r>
-              <a:rPr lang="de-DE" dirty="0"/>
-              <a:t> </a:t>
-            </a:r>
-            <a:r>
-              <a:rPr lang="de-DE" dirty="0" err="1"/>
-              <a:t>first</a:t>
-            </a:r>
-            <a:r>
-              <a:rPr lang="de-DE" dirty="0"/>
-              <a:t> </a:t>
-            </a:r>
-            <a:r>
-              <a:rPr lang="de-DE" dirty="0" err="1"/>
-              <a:t>index</a:t>
-            </a:r>
-            <a:r>
-              <a:rPr lang="de-DE" dirty="0"/>
-              <a:t> </a:t>
-            </a:r>
-            <a:r>
-              <a:rPr lang="de-DE" dirty="0" err="1"/>
-              <a:t>at</a:t>
-            </a:r>
-            <a:r>
-              <a:rPr lang="de-DE" dirty="0"/>
-              <a:t> </a:t>
-            </a:r>
-            <a:r>
-              <a:rPr lang="de-DE" dirty="0" err="1"/>
-              <a:t>which</a:t>
-            </a:r>
-            <a:r>
-              <a:rPr lang="de-DE" dirty="0"/>
-              <a:t> a </a:t>
-            </a:r>
-            <a:r>
-              <a:rPr lang="de-DE" dirty="0" err="1"/>
-              <a:t>given</a:t>
-            </a:r>
-            <a:r>
-              <a:rPr lang="de-DE" dirty="0"/>
-              <a:t> </a:t>
-            </a:r>
-            <a:r>
-              <a:rPr lang="de-DE" dirty="0" err="1"/>
-              <a:t>element</a:t>
-            </a:r>
-            <a:r>
-              <a:rPr lang="de-DE" dirty="0"/>
-              <a:t> </a:t>
-            </a:r>
-            <a:r>
-              <a:rPr lang="de-DE" dirty="0" err="1"/>
-              <a:t>can</a:t>
-            </a:r>
-            <a:r>
-              <a:rPr lang="de-DE" dirty="0"/>
-              <a:t> </a:t>
-            </a:r>
-            <a:r>
-              <a:rPr lang="de-DE" dirty="0" err="1"/>
-              <a:t>be</a:t>
-            </a:r>
-            <a:r>
-              <a:rPr lang="de-DE" dirty="0"/>
-              <a:t> </a:t>
-            </a:r>
-            <a:r>
-              <a:rPr lang="de-DE" dirty="0" err="1"/>
-              <a:t>found</a:t>
-            </a:r>
-            <a:r>
-              <a:rPr lang="de-DE" dirty="0"/>
-              <a:t> in </a:t>
-            </a:r>
-            <a:r>
-              <a:rPr lang="de-DE" dirty="0" err="1"/>
-              <a:t>the</a:t>
-            </a:r>
-            <a:r>
-              <a:rPr lang="de-DE" dirty="0"/>
-              <a:t> </a:t>
-            </a:r>
-            <a:r>
-              <a:rPr lang="de-DE" dirty="0" err="1"/>
-              <a:t>array</a:t>
-            </a:r>
-            <a:r>
-              <a:rPr lang="de-DE" dirty="0"/>
-              <a:t>, </a:t>
-            </a:r>
-            <a:r>
-              <a:rPr lang="de-DE" dirty="0" err="1"/>
-              <a:t>or</a:t>
-            </a:r>
-            <a:r>
-              <a:rPr lang="de-DE" dirty="0"/>
-              <a:t> -1 </a:t>
-            </a:r>
-            <a:r>
-              <a:rPr lang="de-DE" dirty="0" err="1"/>
-              <a:t>if</a:t>
-            </a:r>
-            <a:r>
-              <a:rPr lang="de-DE" dirty="0"/>
-              <a:t> </a:t>
-            </a:r>
-            <a:r>
-              <a:rPr lang="de-DE" dirty="0" err="1"/>
-              <a:t>it</a:t>
-            </a:r>
-            <a:r>
-              <a:rPr lang="de-DE" dirty="0"/>
-              <a:t> </a:t>
-            </a:r>
-            <a:r>
-              <a:rPr lang="de-DE" dirty="0" err="1"/>
-              <a:t>is</a:t>
-            </a:r>
-            <a:r>
-              <a:rPr lang="de-DE" dirty="0"/>
-              <a:t> not </a:t>
-            </a:r>
-            <a:r>
-              <a:rPr lang="de-DE" dirty="0" err="1"/>
-              <a:t>present</a:t>
-            </a:r>
-            <a:r>
-              <a:rPr lang="de-DE" dirty="0"/>
-              <a:t>.</a:t>
-            </a:r>
-          </a:p>
-          <a:p>
-            <a:r>
-              <a:rPr lang="de-DE" dirty="0" smtClean="0"/>
-              <a:t>The </a:t>
-            </a:r>
-            <a:r>
-              <a:rPr lang="de-DE" dirty="0" err="1"/>
-              <a:t>filter</a:t>
-            </a:r>
-            <a:r>
-              <a:rPr lang="de-DE" dirty="0"/>
-              <a:t>() </a:t>
-            </a:r>
-            <a:r>
-              <a:rPr lang="de-DE" dirty="0" err="1"/>
-              <a:t>method</a:t>
-            </a:r>
-            <a:r>
-              <a:rPr lang="de-DE" dirty="0"/>
-              <a:t> </a:t>
-            </a:r>
-            <a:r>
-              <a:rPr lang="de-DE" dirty="0" err="1"/>
-              <a:t>creates</a:t>
-            </a:r>
-            <a:r>
-              <a:rPr lang="de-DE" dirty="0"/>
-              <a:t> a </a:t>
-            </a:r>
-            <a:r>
-              <a:rPr lang="de-DE" dirty="0" err="1"/>
-              <a:t>new</a:t>
-            </a:r>
-            <a:r>
-              <a:rPr lang="de-DE" dirty="0"/>
-              <a:t> </a:t>
-            </a:r>
-            <a:r>
-              <a:rPr lang="de-DE" dirty="0" err="1"/>
-              <a:t>array</a:t>
-            </a:r>
-            <a:r>
-              <a:rPr lang="de-DE" dirty="0"/>
-              <a:t> </a:t>
-            </a:r>
-            <a:r>
-              <a:rPr lang="de-DE" dirty="0" err="1"/>
-              <a:t>with</a:t>
-            </a:r>
-            <a:r>
-              <a:rPr lang="de-DE" dirty="0"/>
-              <a:t> all </a:t>
-            </a:r>
-            <a:r>
-              <a:rPr lang="de-DE" dirty="0" err="1"/>
-              <a:t>elements</a:t>
-            </a:r>
-            <a:r>
-              <a:rPr lang="de-DE" dirty="0"/>
-              <a:t> </a:t>
-            </a:r>
-            <a:r>
-              <a:rPr lang="de-DE" dirty="0" err="1"/>
-              <a:t>that</a:t>
-            </a:r>
-            <a:r>
-              <a:rPr lang="de-DE" dirty="0"/>
-              <a:t> pass </a:t>
-            </a:r>
-            <a:r>
-              <a:rPr lang="de-DE" dirty="0" err="1"/>
-              <a:t>the</a:t>
-            </a:r>
-            <a:r>
-              <a:rPr lang="de-DE" dirty="0"/>
-              <a:t> </a:t>
-            </a:r>
-            <a:r>
-              <a:rPr lang="de-DE" dirty="0" err="1"/>
-              <a:t>test</a:t>
-            </a:r>
-            <a:r>
-              <a:rPr lang="de-DE" dirty="0"/>
-              <a:t> </a:t>
-            </a:r>
-            <a:r>
-              <a:rPr lang="de-DE" dirty="0" err="1"/>
-              <a:t>implemented</a:t>
-            </a:r>
-            <a:r>
-              <a:rPr lang="de-DE" dirty="0"/>
-              <a:t> </a:t>
-            </a:r>
-            <a:r>
-              <a:rPr lang="de-DE" dirty="0" err="1"/>
-              <a:t>by</a:t>
-            </a:r>
-            <a:r>
-              <a:rPr lang="de-DE" dirty="0"/>
-              <a:t> </a:t>
-            </a:r>
-            <a:r>
-              <a:rPr lang="de-DE" dirty="0" err="1"/>
-              <a:t>the</a:t>
-            </a:r>
-            <a:r>
-              <a:rPr lang="de-DE" dirty="0"/>
-              <a:t> </a:t>
-            </a:r>
-            <a:r>
-              <a:rPr lang="de-DE" dirty="0" err="1"/>
-              <a:t>provided</a:t>
-            </a:r>
-            <a:r>
-              <a:rPr lang="de-DE" dirty="0"/>
-              <a:t> </a:t>
-            </a:r>
-            <a:r>
-              <a:rPr lang="de-DE" dirty="0" err="1"/>
-              <a:t>function</a:t>
-            </a:r>
-            <a:r>
-              <a:rPr lang="de-DE" dirty="0"/>
-              <a:t>.</a:t>
-            </a:r>
-          </a:p>
-          <a:p>
-            <a:r>
-              <a:rPr lang="de-DE" dirty="0"/>
-              <a:t>The </a:t>
-            </a:r>
-            <a:r>
-              <a:rPr lang="de-DE" dirty="0" err="1"/>
-              <a:t>forEach</a:t>
-            </a:r>
-            <a:r>
-              <a:rPr lang="de-DE" dirty="0"/>
-              <a:t>() </a:t>
-            </a:r>
-            <a:r>
-              <a:rPr lang="de-DE" dirty="0" err="1"/>
-              <a:t>method</a:t>
-            </a:r>
-            <a:r>
-              <a:rPr lang="de-DE" dirty="0"/>
-              <a:t> </a:t>
-            </a:r>
-            <a:r>
-              <a:rPr lang="de-DE" dirty="0" err="1"/>
-              <a:t>executes</a:t>
-            </a:r>
-            <a:r>
-              <a:rPr lang="de-DE" dirty="0"/>
-              <a:t> a </a:t>
-            </a:r>
-            <a:r>
-              <a:rPr lang="de-DE" dirty="0" err="1"/>
-              <a:t>provided</a:t>
-            </a:r>
-            <a:r>
-              <a:rPr lang="de-DE" dirty="0"/>
-              <a:t> </a:t>
-            </a:r>
-            <a:r>
-              <a:rPr lang="de-DE" dirty="0" err="1"/>
-              <a:t>function</a:t>
-            </a:r>
-            <a:r>
-              <a:rPr lang="de-DE" dirty="0"/>
-              <a:t> </a:t>
-            </a:r>
-            <a:r>
-              <a:rPr lang="de-DE" dirty="0" err="1"/>
-              <a:t>once</a:t>
-            </a:r>
-            <a:r>
-              <a:rPr lang="de-DE" dirty="0"/>
-              <a:t> per </a:t>
-            </a:r>
-            <a:r>
-              <a:rPr lang="de-DE" dirty="0" err="1"/>
-              <a:t>array</a:t>
-            </a:r>
-            <a:r>
-              <a:rPr lang="de-DE" dirty="0"/>
-              <a:t> </a:t>
-            </a:r>
-            <a:r>
-              <a:rPr lang="de-DE" dirty="0" err="1"/>
-              <a:t>element</a:t>
-            </a:r>
-            <a:r>
-              <a:rPr lang="de-DE" dirty="0" smtClean="0"/>
-              <a:t>.</a:t>
-            </a:r>
-          </a:p>
-          <a:p>
-            <a:r>
-              <a:rPr lang="de-DE" dirty="0"/>
-              <a:t>The </a:t>
-            </a:r>
-            <a:r>
-              <a:rPr lang="de-DE" dirty="0" err="1"/>
               <a:t>map</a:t>
             </a:r>
             <a:r>
@@ -5003,7 +5130,7 @@
     </p:spTree>
     <p:extLst>
       <p:ext uri="{BB962C8B-B14F-4D97-AF65-F5344CB8AC3E}">
-        <p14:creationId xmlns:p14="http://schemas.microsoft.com/office/powerpoint/2010/main" val="1019305664"/>
+        <p14:creationId xmlns:p14="http://schemas.microsoft.com/office/powerpoint/2010/main" val="3073625663"/>
       </p:ext>
     </p:extLst>
   </p:cSld>
@@ -5053,194 +5180,15 @@
           <a:lstStyle/>
           <a:p>
             <a:r>
-              <a:rPr lang="de-DE" dirty="0" smtClean="0"/>
-              <a:t>The </a:t>
-            </a:r>
-            <a:r>
-              <a:rPr lang="de-DE" dirty="0" err="1"/>
-              <a:t>map</a:t>
-            </a:r>
-            <a:r>
-              <a:rPr lang="de-DE" dirty="0"/>
-              <a:t>() </a:t>
-            </a:r>
-            <a:r>
-              <a:rPr lang="de-DE" dirty="0" err="1"/>
-              <a:t>method</a:t>
-            </a:r>
-            <a:r>
-              <a:rPr lang="de-DE" dirty="0"/>
-              <a:t> </a:t>
-            </a:r>
-            <a:r>
-              <a:rPr lang="de-DE" dirty="0" err="1"/>
-              <a:t>creates</a:t>
-            </a:r>
-            <a:r>
-              <a:rPr lang="de-DE" dirty="0"/>
-              <a:t> a </a:t>
-            </a:r>
-            <a:r>
-              <a:rPr lang="de-DE" dirty="0" err="1"/>
-              <a:t>new</a:t>
-            </a:r>
-            <a:r>
-              <a:rPr lang="de-DE" dirty="0"/>
-              <a:t> </a:t>
-            </a:r>
-            <a:r>
-              <a:rPr lang="de-DE" dirty="0" err="1"/>
-              <a:t>array</a:t>
-            </a:r>
-            <a:r>
-              <a:rPr lang="de-DE" dirty="0"/>
-              <a:t> </a:t>
-            </a:r>
-            <a:r>
-              <a:rPr lang="de-DE" dirty="0" err="1"/>
-              <a:t>with</a:t>
-            </a:r>
-            <a:r>
-              <a:rPr lang="de-DE" dirty="0"/>
-              <a:t> </a:t>
-            </a:r>
-            <a:r>
-              <a:rPr lang="de-DE" dirty="0" err="1"/>
-              <a:t>the</a:t>
-            </a:r>
-            <a:r>
-              <a:rPr lang="de-DE" dirty="0"/>
-              <a:t> </a:t>
-            </a:r>
-            <a:r>
-              <a:rPr lang="de-DE" dirty="0" err="1"/>
-              <a:t>results</a:t>
-            </a:r>
-            <a:r>
-              <a:rPr lang="de-DE" dirty="0"/>
-              <a:t> </a:t>
-            </a:r>
-            <a:r>
-              <a:rPr lang="de-DE" dirty="0" err="1"/>
-              <a:t>of</a:t>
-            </a:r>
-            <a:r>
-              <a:rPr lang="de-DE" dirty="0"/>
-              <a:t> </a:t>
-            </a:r>
-            <a:r>
-              <a:rPr lang="de-DE" dirty="0" err="1"/>
-              <a:t>calling</a:t>
-            </a:r>
-            <a:r>
-              <a:rPr lang="de-DE" dirty="0"/>
-              <a:t> a </a:t>
-            </a:r>
-            <a:r>
-              <a:rPr lang="de-DE" dirty="0" err="1"/>
-              <a:t>provided</a:t>
-            </a:r>
-            <a:r>
-              <a:rPr lang="de-DE" dirty="0"/>
-              <a:t> </a:t>
-            </a:r>
-            <a:r>
-              <a:rPr lang="de-DE" dirty="0" err="1"/>
-              <a:t>function</a:t>
-            </a:r>
-            <a:r>
-              <a:rPr lang="de-DE" dirty="0"/>
-              <a:t> on </a:t>
-            </a:r>
-            <a:r>
-              <a:rPr lang="de-DE" dirty="0" err="1"/>
-              <a:t>every</a:t>
-            </a:r>
-            <a:r>
-              <a:rPr lang="de-DE" dirty="0"/>
-              <a:t> </a:t>
-            </a:r>
-            <a:r>
-              <a:rPr lang="de-DE" dirty="0" err="1"/>
-              <a:t>element</a:t>
-            </a:r>
-            <a:r>
-              <a:rPr lang="de-DE" dirty="0"/>
-              <a:t> in </a:t>
-            </a:r>
-            <a:r>
-              <a:rPr lang="de-DE" dirty="0" err="1"/>
-              <a:t>this</a:t>
-            </a:r>
-            <a:r>
-              <a:rPr lang="de-DE" dirty="0"/>
-              <a:t> </a:t>
-            </a:r>
-            <a:r>
-              <a:rPr lang="de-DE" dirty="0" err="1"/>
-              <a:t>array</a:t>
-            </a:r>
-            <a:r>
-              <a:rPr lang="de-DE" dirty="0" smtClean="0"/>
-              <a:t>.</a:t>
-            </a:r>
-          </a:p>
-          <a:p>
-            <a:r>
-              <a:rPr lang="de-DE" dirty="0"/>
-              <a:t>The </a:t>
-            </a:r>
-            <a:r>
-              <a:rPr lang="de-DE" dirty="0" err="1"/>
-              <a:t>reduce</a:t>
-            </a:r>
-            <a:r>
-              <a:rPr lang="de-DE" dirty="0"/>
-              <a:t>() </a:t>
-            </a:r>
-            <a:r>
-              <a:rPr lang="de-DE" dirty="0" err="1"/>
-              <a:t>method</a:t>
-            </a:r>
-            <a:r>
-              <a:rPr lang="de-DE" dirty="0"/>
-              <a:t> </a:t>
-            </a:r>
-            <a:r>
-              <a:rPr lang="de-DE" dirty="0" err="1"/>
-              <a:t>applies</a:t>
-            </a:r>
-            <a:r>
-              <a:rPr lang="de-DE" dirty="0"/>
-              <a:t> a </a:t>
-            </a:r>
-            <a:r>
-              <a:rPr lang="de-DE" dirty="0" err="1"/>
-              <a:t>function</a:t>
-            </a:r>
-            <a:r>
-              <a:rPr lang="de-DE" dirty="0"/>
-              <a:t> </a:t>
-            </a:r>
-            <a:r>
-              <a:rPr lang="de-DE" dirty="0" err="1"/>
-              <a:t>against</a:t>
-            </a:r>
-            <a:r>
-              <a:rPr lang="de-DE" dirty="0"/>
-              <a:t> an </a:t>
-            </a:r>
-            <a:r>
-              <a:rPr lang="de-DE" dirty="0" err="1"/>
-              <a:t>accumulator</a:t>
-            </a:r>
-            <a:r>
-              <a:rPr lang="de-DE" dirty="0"/>
-              <a:t> </a:t>
-            </a:r>
-            <a:r>
-              <a:rPr lang="de-DE" dirty="0" err="1"/>
-              <a:t>and</a:t>
+              <a:rPr lang="de-DE" dirty="0" err="1" smtClean="0"/>
+              <a:t>demethodizing</a:t>
+            </a:r>
+            <a:endParaRPr lang="de-DE" dirty="0" smtClean="0"/>
+          </a:p>
+          <a:p>
+            <a:r>
+              <a:rPr lang="de-DE" dirty="0" err="1"/>
+              <a:t>var</a:t>
             </a:r>
             <a:r>
               <a:rPr lang="de-DE" dirty="0"/>
@@ -5252,111 +5200,23 @@
             </a:r>
             <a:r>
               <a:rPr lang="de-DE" dirty="0"/>
-              <a:t> </a:t>
-            </a:r>
-            <a:r>
-              <a:rPr lang="de-DE" dirty="0" err="1"/>
-              <a:t>value</a:t>
-            </a:r>
-            <a:r>
-              <a:rPr lang="de-DE" dirty="0"/>
-              <a:t> </a:t>
-            </a:r>
-            <a:r>
-              <a:rPr lang="de-DE" dirty="0" err="1"/>
-              <a:t>of</a:t>
-            </a:r>
-            <a:r>
-              <a:rPr lang="de-DE" dirty="0"/>
-              <a:t> </a:t>
-            </a:r>
-            <a:r>
-              <a:rPr lang="de-DE" dirty="0" err="1"/>
-              <a:t>the</a:t>
-            </a:r>
-            <a:r>
-              <a:rPr lang="de-DE" dirty="0"/>
-              <a:t> </a:t>
-            </a:r>
-            <a:r>
-              <a:rPr lang="de-DE" dirty="0" err="1"/>
-              <a:t>array</a:t>
-            </a:r>
-            <a:r>
-              <a:rPr lang="de-DE" dirty="0"/>
-              <a:t> (</a:t>
-            </a:r>
-            <a:r>
-              <a:rPr lang="de-DE" dirty="0" err="1"/>
-              <a:t>from</a:t>
-            </a:r>
-            <a:r>
-              <a:rPr lang="de-DE" dirty="0"/>
-              <a:t> </a:t>
-            </a:r>
-            <a:r>
-              <a:rPr lang="de-DE" dirty="0" err="1"/>
-              <a:t>left-to-right</a:t>
-            </a:r>
-            <a:r>
-              <a:rPr lang="de-DE" dirty="0"/>
-              <a:t>) </a:t>
-            </a:r>
-            <a:r>
-              <a:rPr lang="de-DE" dirty="0" err="1"/>
-              <a:t>has</a:t>
-            </a:r>
-            <a:r>
-              <a:rPr lang="de-DE" dirty="0"/>
-              <a:t> </a:t>
-            </a:r>
-            <a:r>
-              <a:rPr lang="de-DE" dirty="0" err="1"/>
-              <a:t>to</a:t>
-            </a:r>
-            <a:r>
-              <a:rPr lang="de-DE" dirty="0"/>
-              <a:t> </a:t>
-            </a:r>
-            <a:r>
-              <a:rPr lang="de-DE" dirty="0" err="1"/>
-              <a:t>reduce</a:t>
-            </a:r>
-            <a:r>
-              <a:rPr lang="de-DE" dirty="0"/>
-              <a:t> </a:t>
-            </a:r>
-            <a:r>
-              <a:rPr lang="de-DE" dirty="0" err="1"/>
-              <a:t>it</a:t>
-            </a:r>
-            <a:r>
-              <a:rPr lang="de-DE" dirty="0"/>
-              <a:t> </a:t>
-            </a:r>
-            <a:r>
-              <a:rPr lang="de-DE" dirty="0" err="1"/>
-              <a:t>to</a:t>
-            </a:r>
-            <a:r>
-              <a:rPr lang="de-DE" dirty="0"/>
-              <a:t> a </a:t>
-            </a:r>
-            <a:r>
-              <a:rPr lang="de-DE" dirty="0" err="1"/>
-              <a:t>single</a:t>
-            </a:r>
-            <a:r>
-              <a:rPr lang="de-DE" dirty="0"/>
-              <a:t> </a:t>
-            </a:r>
-            <a:r>
-              <a:rPr lang="de-DE" dirty="0" err="1"/>
-              <a:t>value</a:t>
-            </a:r>
-            <a:r>
-              <a:rPr lang="de-DE" dirty="0"/>
-              <a:t>.</a:t>
+              <a:t> = </a:t>
+            </a:r>
+            <a:r>
+              <a:rPr lang="de-DE" dirty="0" err="1"/>
+              <a:t>Function.prototype.call.bind</a:t>
+            </a:r>
+            <a:r>
+              <a:rPr lang="de-DE" dirty="0"/>
+              <a:t>([].</a:t>
+            </a:r>
+            <a:r>
+              <a:rPr lang="de-DE" dirty="0" err="1"/>
+              <a:t>forEach</a:t>
+            </a:r>
+            <a:r>
+              <a:rPr lang="de-DE" dirty="0"/>
+              <a:t>);</a:t>
             </a:r>
           </a:p>
           <a:p>
@@ -5381,7 +5241,7 @@
           <a:p>
             <a:r>
               <a:rPr lang="de-DE" dirty="0" smtClean="0"/>
-              <a:t>Arrays</a:t>
+              <a:t>Bonus: Arrays</a:t>
             </a:r>
             <a:endParaRPr lang="de-DE" dirty="0"/>
           </a:p>
@@ -5390,7 +5250,7 @@
     </p:spTree>
     <p:extLst>
       <p:ext uri="{BB962C8B-B14F-4D97-AF65-F5344CB8AC3E}">
-        <p14:creationId xmlns:p14="http://schemas.microsoft.com/office/powerpoint/2010/main" val="3073625663"/>
+        <p14:creationId xmlns:p14="http://schemas.microsoft.com/office/powerpoint/2010/main" val="3528035826"/>
       </p:ext>
     </p:extLst>
   </p:cSld>
@@ -5440,46 +5300,27 @@
           <a:lstStyle/>
           <a:p>
             <a:r>
+              <a:rPr lang="de-DE" dirty="0" smtClean="0"/>
+              <a:t>aber ist gibt auch </a:t>
+            </a:r>
+            <a:r>
               <a:rPr lang="de-DE" dirty="0" err="1" smtClean="0"/>
-              <a:t>demethodizing</a:t>
-            </a:r>
-            <a:endParaRPr lang="de-DE" dirty="0" smtClean="0"/>
-          </a:p>
-          <a:p>
-            <a:r>
-              <a:rPr lang="de-DE" dirty="0" err="1"/>
-              <a:t>var</a:t>
-            </a:r>
-            <a:r>
-              <a:rPr lang="de-DE" dirty="0"/>
-              <a:t> </a:t>
-            </a:r>
-            <a:r>
-              <a:rPr lang="de-DE" dirty="0" err="1"/>
-              <a:t>each</a:t>
-            </a:r>
-            <a:r>
-              <a:rPr lang="de-DE" dirty="0"/>
-              <a:t> = </a:t>
-            </a:r>
-            <a:r>
-              <a:rPr lang="de-DE" dirty="0" err="1"/>
-              <a:t>Function.prototype.call.bind</a:t>
-            </a:r>
-            <a:r>
-              <a:rPr lang="de-DE" dirty="0"/>
-              <a:t>([].</a:t>
-            </a:r>
-            <a:r>
-              <a:rPr lang="de-DE" dirty="0" err="1"/>
-              <a:t>forEach</a:t>
-            </a:r>
-            <a:r>
-              <a:rPr lang="de-DE" dirty="0"/>
-              <a:t>);</a:t>
-            </a:r>
-          </a:p>
-          <a:p>
+              <a:t>immernoch</a:t>
+            </a:r>
+            <a:r>
+              <a:rPr lang="de-DE" dirty="0" smtClean="0"/>
+              <a:t> „normale“ Kontrollstrukturen</a:t>
+            </a:r>
+          </a:p>
+          <a:p>
+            <a:r>
+              <a:rPr lang="de-DE" dirty="0" smtClean="0"/>
+              <a:t>z.B. </a:t>
+            </a:r>
+            <a:r>
+              <a:rPr lang="de-DE" dirty="0" err="1" smtClean="0"/>
+              <a:t>for</a:t>
+            </a:r>
             <a:endParaRPr lang="de-DE" dirty="0"/>
           </a:p>
         </p:txBody>
@@ -5500,8 +5341,12 @@
           <a:lstStyle/>
           <a:p>
             <a:r>
-              <a:rPr lang="de-DE" dirty="0" smtClean="0"/>
-              <a:t>Bonus: Arrays</a:t>
+              <a:rPr lang="de-DE" dirty="0" err="1" smtClean="0"/>
+              <a:t>For-each</a:t>
+            </a:r>
+            <a:r>
+              <a:rPr lang="de-DE" dirty="0" smtClean="0"/>
+              <a:t> ist gut	</a:t>
             </a:r>
             <a:endParaRPr lang="de-DE" dirty="0"/>
           </a:p>
@@ -5510,7 +5355,7 @@
     </p:spTree>
     <p:extLst>
       <p:ext uri="{BB962C8B-B14F-4D97-AF65-F5344CB8AC3E}">
-        <p14:creationId xmlns:p14="http://schemas.microsoft.com/office/powerpoint/2010/main" val="3528035826"/>
+        <p14:creationId xmlns:p14="http://schemas.microsoft.com/office/powerpoint/2010/main" val="3173567729"/>
       </p:ext>
     </p:extLst>
   </p:cSld>
@@ -6174,7 +6019,7 @@
       </p:grpSpPr>
       <p:sp>
         <p:nvSpPr>
-          <p:cNvPr id="2" name="Inhaltsplatzhalter 1"/>
+          <p:cNvPr id="5" name="Inhaltsplatzhalter 4"/>
           <p:cNvSpPr>
             <a:spLocks noGrp="1"/>
           </p:cNvSpPr>
@@ -6184,38 +6029,141 @@
         </p:nvSpPr>
         <p:spPr/>
         <p:txBody>
-          <a:bodyPr/>
+          <a:bodyPr>
+            <a:normAutofit/>
+          </a:bodyPr>
           <a:lstStyle/>
           <a:p>
             <a:r>
-              <a:rPr lang="de-DE" dirty="0" smtClean="0"/>
-              <a:t>aber ist gibt auch </a:t>
-            </a:r>
-            <a:r>
-              <a:rPr lang="de-DE" dirty="0" err="1" smtClean="0"/>
-              <a:t>immernoch</a:t>
-            </a:r>
-            <a:r>
-              <a:rPr lang="de-DE" dirty="0" smtClean="0"/>
-              <a:t> „normale“ Kontrollstrukturen</a:t>
-            </a:r>
-          </a:p>
-          <a:p>
-            <a:r>
-              <a:rPr lang="de-DE" dirty="0" smtClean="0"/>
-              <a:t>z.B. </a:t>
-            </a:r>
-            <a:r>
-              <a:rPr lang="de-DE" dirty="0" err="1" smtClean="0"/>
-              <a:t>for</a:t>
-            </a:r>
-            <a:endParaRPr lang="de-DE" dirty="0"/>
+              <a:rPr lang="da-DK" dirty="0">
+                <a:solidFill>
+                  <a:srgbClr val="FFFFFF"/>
+                </a:solidFill>
+                <a:highlight>
+                  <a:srgbClr val="272822"/>
+                </a:highlight>
+              </a:rPr>
+              <a:t>for (var i = 0, j = 100; i &lt; 100; i++, j--) {</a:t>
+            </a:r>
+          </a:p>
+          <a:p>
+            <a:r>
+              <a:rPr lang="da-DK" dirty="0">
+                <a:solidFill>
+                  <a:srgbClr val="FFFFFF"/>
+                </a:solidFill>
+                <a:highlight>
+                  <a:srgbClr val="272822"/>
+                </a:highlight>
+              </a:rPr>
+              <a:t>	</a:t>
+            </a:r>
+            <a:r>
+              <a:rPr lang="da-DK" dirty="0" err="1" smtClean="0">
+                <a:solidFill>
+                  <a:srgbClr val="FFFFFF"/>
+                </a:solidFill>
+                <a:highlight>
+                  <a:srgbClr val="272822"/>
+                </a:highlight>
+              </a:rPr>
+              <a:t>console.log</a:t>
+            </a:r>
+            <a:r>
+              <a:rPr lang="da-DK" dirty="0" smtClean="0">
+                <a:solidFill>
+                  <a:srgbClr val="FFFFFF"/>
+                </a:solidFill>
+                <a:highlight>
+                  <a:srgbClr val="272822"/>
+                </a:highlight>
+              </a:rPr>
+              <a:t>(</a:t>
+            </a:r>
+            <a:r>
+              <a:rPr lang="da-DK" dirty="0">
+                <a:solidFill>
+                  <a:srgbClr val="FFFFFF"/>
+                </a:solidFill>
+                <a:highlight>
+                  <a:srgbClr val="272822"/>
+                </a:highlight>
+              </a:rPr>
+              <a:t>i);</a:t>
+            </a:r>
+          </a:p>
+          <a:p>
+            <a:r>
+              <a:rPr lang="da-DK" dirty="0">
+                <a:solidFill>
+                  <a:srgbClr val="FFFFFF"/>
+                </a:solidFill>
+                <a:highlight>
+                  <a:srgbClr val="272822"/>
+                </a:highlight>
+              </a:rPr>
+              <a:t>	</a:t>
+            </a:r>
+            <a:r>
+              <a:rPr lang="da-DK" dirty="0" err="1" smtClean="0">
+                <a:solidFill>
+                  <a:srgbClr val="FFFFFF"/>
+                </a:solidFill>
+                <a:highlight>
+                  <a:srgbClr val="272822"/>
+                </a:highlight>
+              </a:rPr>
+              <a:t>console.log</a:t>
+            </a:r>
+            <a:r>
+              <a:rPr lang="da-DK" dirty="0" smtClean="0">
+                <a:solidFill>
+                  <a:srgbClr val="FFFFFF"/>
+                </a:solidFill>
+                <a:highlight>
+                  <a:srgbClr val="272822"/>
+                </a:highlight>
+              </a:rPr>
+              <a:t>(</a:t>
+            </a:r>
+            <a:r>
+              <a:rPr lang="da-DK" dirty="0">
+                <a:solidFill>
+                  <a:srgbClr val="FFFFFF"/>
+                </a:solidFill>
+                <a:highlight>
+                  <a:srgbClr val="272822"/>
+                </a:highlight>
+              </a:rPr>
+              <a:t>j);</a:t>
+            </a:r>
+          </a:p>
+          <a:p>
+            <a:r>
+              <a:rPr lang="da-DK" dirty="0">
+                <a:solidFill>
+                  <a:srgbClr val="FFFFFF"/>
+                </a:solidFill>
+                <a:highlight>
+                  <a:srgbClr val="272822"/>
+                </a:highlight>
+              </a:rPr>
+              <a:t>};</a:t>
+            </a:r>
+            <a:endParaRPr lang="da-DK" dirty="0" smtClean="0">
+              <a:solidFill>
+                <a:srgbClr val="FFFFFF"/>
+              </a:solidFill>
+              <a:highlight>
+                <a:srgbClr val="272822"/>
+              </a:highlight>
+            </a:endParaRPr>
           </a:p>
         </p:txBody>
       </p:sp>
       <p:sp>
         <p:nvSpPr>
-          <p:cNvPr id="3" name="Titel 2"/>
+          <p:cNvPr id="4" name="Titel 3"/>
           <p:cNvSpPr>
             <a:spLocks noGrp="1"/>
           </p:cNvSpPr>
@@ -6229,12 +6177,16 @@
           <a:lstStyle/>
           <a:p>
             <a:r>
+              <a:rPr lang="de-DE" dirty="0" smtClean="0"/>
+              <a:t>Kontrollstrukturen: </a:t>
+            </a:r>
+            <a:r>
               <a:rPr lang="de-DE" dirty="0" err="1" smtClean="0"/>
-              <a:t>For-each</a:t>
-            </a:r>
-            <a:r>
-              <a:rPr lang="de-DE" dirty="0" smtClean="0"/>
-              <a:t> ist gut	</a:t>
+              <a:t>for</a:t>
+            </a:r>
+            <a:r>
+              <a:rPr lang="de-DE" dirty="0" smtClean="0"/>
+              <a:t>-Schleife</a:t>
             </a:r>
             <a:endParaRPr lang="de-DE" dirty="0"/>
           </a:p>
@@ -6243,13 +6195,21 @@
     </p:spTree>
     <p:extLst>
       <p:ext uri="{BB962C8B-B14F-4D97-AF65-F5344CB8AC3E}">
-        <p14:creationId xmlns:p14="http://schemas.microsoft.com/office/powerpoint/2010/main" val="3173567729"/>
+        <p14:creationId xmlns:p14="http://schemas.microsoft.com/office/powerpoint/2010/main" val="825311514"/>
       </p:ext>
     </p:extLst>
   </p:cSld>
   <p:clrMapOvr>
     <a:masterClrMapping/>
   </p:clrMapOvr>
+  <mc:AlternateContent xmlns:mc="http://schemas.openxmlformats.org/markup-compatibility/2006" xmlns:p14="http://schemas.microsoft.com/office/powerpoint/2010/main">
+    <mc:Choice Requires="p14">
+      <p:transition spd="slow" p14:dur="2000"/>
+    </mc:Choice>
+    <mc:Fallback xmlns="">
+      <p:transition xmlns:p14="http://schemas.microsoft.com/office/powerpoint/2010/main" spd="slow"/>
+    </mc:Fallback>
+  </mc:AlternateContent>
   <p:timing>
     <p:tnLst>
       <p:par>
@@ -6289,135 +6249,28 @@
         </p:nvSpPr>
         <p:spPr/>
         <p:txBody>
-          <a:bodyPr>
-            <a:normAutofit/>
-          </a:bodyPr>
+          <a:bodyPr/>
           <a:lstStyle/>
           <a:p>
-            <a:r>
-              <a:rPr lang="da-DK" dirty="0">
-                <a:solidFill>
-                  <a:srgbClr val="FFFFFF"/>
-                </a:solidFill>
-                <a:highlight>
-                  <a:srgbClr val="272822"/>
-                </a:highlight>
-              </a:rPr>
-              <a:t>for (var i = 0, j = 100; i &lt; 100; i++, j--) {</a:t>
-            </a:r>
-          </a:p>
-          <a:p>
-            <a:r>
-              <a:rPr lang="da-DK" dirty="0">
-                <a:solidFill>
-                  <a:srgbClr val="FFFFFF"/>
-                </a:solidFill>
-                <a:highlight>
-                  <a:srgbClr val="272822"/>
-                </a:highlight>
-              </a:rPr>
-              <a:t>	</a:t>
-            </a:r>
-            <a:r>
-              <a:rPr lang="da-DK" dirty="0" err="1" smtClean="0">
-                <a:solidFill>
-                  <a:srgbClr val="FFFFFF"/>
-                </a:solidFill>
-                <a:highlight>
-                  <a:srgbClr val="272822"/>
-                </a:highlight>
-              </a:rPr>
-              <a:t>console.log</a:t>
-            </a:r>
-            <a:r>
-              <a:rPr lang="da-DK" dirty="0" smtClean="0">
-                <a:solidFill>
-                  <a:srgbClr val="FFFFFF"/>
-                </a:solidFill>
-                <a:highlight>
-                  <a:srgbClr val="272822"/>
-                </a:highlight>
-              </a:rPr>
-              <a:t>(</a:t>
-            </a:r>
-            <a:r>
-              <a:rPr lang="da-DK" dirty="0">
-                <a:solidFill>
-                  <a:srgbClr val="FFFFFF"/>
-                </a:solidFill>
-                <a:highlight>
-                  <a:srgbClr val="272822"/>
-                </a:highlight>
-              </a:rPr>
-              <a:t>i);</a:t>
-            </a:r>
-          </a:p>
-          <a:p>
-            <a:r>
-              <a:rPr lang="da-DK" dirty="0">
-                <a:solidFill>
-                  <a:srgbClr val="FFFFFF"/>
-                </a:solidFill>
-                <a:highlight>
-                  <a:srgbClr val="272822"/>
-                </a:highlight>
-              </a:rPr>
-              <a:t>	</a:t>
-            </a:r>
-            <a:r>
-              <a:rPr lang="da-DK" dirty="0" err="1" smtClean="0">
-                <a:solidFill>
-                  <a:srgbClr val="FFFFFF"/>
-                </a:solidFill>
-                <a:highlight>
-                  <a:srgbClr val="272822"/>
-                </a:highlight>
-              </a:rPr>
-              <a:t>console.log</a:t>
-            </a:r>
-            <a:r>
-              <a:rPr lang="da-DK" dirty="0" smtClean="0">
-                <a:solidFill>
-                  <a:srgbClr val="FFFFFF"/>
-                </a:solidFill>
-                <a:highlight>
-                  <a:srgbClr val="272822"/>
-                </a:highlight>
-              </a:rPr>
-              <a:t>(</a:t>
-            </a:r>
-            <a:r>
-              <a:rPr lang="da-DK" dirty="0">
-                <a:solidFill>
-                  <a:srgbClr val="FFFFFF"/>
-                </a:solidFill>
-                <a:highlight>
-                  <a:srgbClr val="272822"/>
-                </a:highlight>
-              </a:rPr>
-              <a:t>j);</a:t>
-            </a:r>
-          </a:p>
-          <a:p>
-            <a:r>
-              <a:rPr lang="da-DK" dirty="0">
-                <a:solidFill>
-                  <a:srgbClr val="FFFFFF"/>
-                </a:solidFill>
-                <a:highlight>
-                  <a:srgbClr val="272822"/>
-                </a:highlight>
-              </a:rPr>
-              <a:t>};</a:t>
-            </a:r>
-            <a:endParaRPr lang="da-DK" dirty="0" smtClean="0">
-              <a:solidFill>
-                <a:srgbClr val="FFFFFF"/>
-              </a:solidFill>
-              <a:highlight>
-                <a:srgbClr val="272822"/>
-              </a:highlight>
-            </a:endParaRPr>
+            <a:pPr marL="0" indent="0">
+              <a:buNone/>
+            </a:pPr>
+            <a:r>
+              <a:rPr lang="de-DE" b="1" dirty="0"/>
+              <a:t>Veränderung von Eigenschaften in einer Schleife</a:t>
+            </a:r>
+          </a:p>
+          <a:p>
+            <a:pPr marL="0" indent="0">
+              <a:buNone/>
+            </a:pPr>
+            <a:r>
+              <a:rPr lang="de-DE" dirty="0"/>
+              <a:t>Wenn die Eigenschaften in der Schleife hinzugefügt wurden, dann kann man sich nicht darauf verlassen, dass diese Eigenschaften in der Iteration berücksichtigt werden. Daher sollte das Objekt in der Schleife nicht verändert werden.</a:t>
+            </a:r>
+          </a:p>
+          <a:p>
+            <a:endParaRPr lang="de-DE" dirty="0"/>
           </a:p>
         </p:txBody>
       </p:sp>
@@ -6437,12 +6290,8 @@
           <a:lstStyle/>
           <a:p>
             <a:r>
-              <a:rPr lang="de-DE" dirty="0" smtClean="0"/>
-              <a:t>Kontrollstrukturen: </a:t>
-            </a:r>
-            <a:r>
               <a:rPr lang="de-DE" dirty="0" err="1" smtClean="0"/>
-              <a:t>for</a:t>
+              <a:t>For</a:t>
             </a:r>
             <a:r>
               <a:rPr lang="de-DE" dirty="0" smtClean="0"/>
@@ -6455,7 +6304,7 @@
     </p:spTree>
     <p:extLst>
       <p:ext uri="{BB962C8B-B14F-4D97-AF65-F5344CB8AC3E}">
-        <p14:creationId xmlns:p14="http://schemas.microsoft.com/office/powerpoint/2010/main" val="825311514"/>
+        <p14:creationId xmlns:p14="http://schemas.microsoft.com/office/powerpoint/2010/main" val="108456401"/>
       </p:ext>
     </p:extLst>
   </p:cSld>
@@ -6516,8 +6365,8 @@
               <a:buNone/>
             </a:pPr>
             <a:r>
-              <a:rPr lang="de-DE" b="1" dirty="0"/>
-              <a:t>Veränderung von Eigenschaften in einer Schleife</a:t>
+              <a:rPr lang="de-DE" dirty="0" smtClean="0"/>
+              <a:t>Funktionen in JS sind wichtiger als Objekte.</a:t>
             </a:r>
           </a:p>
           <a:p>
@@ -6525,9 +6374,10 @@
               <a:buNone/>
             </a:pPr>
             <a:r>
-              <a:rPr lang="de-DE" dirty="0"/>
-              <a:t>Wenn die Eigenschaften in der Schleife hinzugefügt wurden, dann kann man sich nicht darauf verlassen, dass diese Eigenschaften in der Iteration berücksichtigt werden. Daher sollte das Objekt in der Schleife nicht verändert werden.</a:t>
-            </a:r>
+              <a:rPr lang="de-DE" dirty="0" smtClean="0"/>
+              <a:t>So ist der Gültigkeitsbereich von Variablen an Funktionen (und nicht an Objekte o.ä.) geheftet</a:t>
+            </a:r>
+            <a:endParaRPr lang="de-DE" dirty="0"/>
           </a:p>
           <a:p>
             <a:endParaRPr lang="de-DE" dirty="0"/>
@@ -6550,12 +6400,8 @@
           <a:lstStyle/>
           <a:p>
             <a:r>
-              <a:rPr lang="de-DE" dirty="0" err="1" smtClean="0"/>
-              <a:t>For</a:t>
-            </a:r>
-            <a:r>
-              <a:rPr lang="de-DE" dirty="0" smtClean="0"/>
-              <a:t>-Schleife</a:t>
+              <a:rPr lang="de-DE" dirty="0" smtClean="0"/>
+              <a:t>Funktionen</a:t>
             </a:r>
             <a:endParaRPr lang="de-DE" dirty="0"/>
           </a:p>
@@ -6564,7 +6410,7 @@
     </p:spTree>
     <p:extLst>
       <p:ext uri="{BB962C8B-B14F-4D97-AF65-F5344CB8AC3E}">
-        <p14:creationId xmlns:p14="http://schemas.microsoft.com/office/powerpoint/2010/main" val="108456401"/>
+        <p14:creationId xmlns:p14="http://schemas.microsoft.com/office/powerpoint/2010/main" val="2296971626"/>
       </p:ext>
     </p:extLst>
   </p:cSld>
@@ -6608,7 +6454,7 @@
       </p:grpSpPr>
       <p:sp>
         <p:nvSpPr>
-          <p:cNvPr id="5" name="Inhaltsplatzhalter 4"/>
+          <p:cNvPr id="4" name="Inhaltsplatzhalter 3"/>
           <p:cNvSpPr>
             <a:spLocks noGrp="1"/>
           </p:cNvSpPr>
@@ -6621,32 +6467,75 @@
           <a:bodyPr/>
           <a:lstStyle/>
           <a:p>
-            <a:pPr marL="0" indent="0">
-              <a:buNone/>
-            </a:pPr>
-            <a:r>
-              <a:rPr lang="de-DE" dirty="0" smtClean="0"/>
-              <a:t>Funktionen in JS sind wichtiger als Objekte.</a:t>
-            </a:r>
-          </a:p>
-          <a:p>
-            <a:pPr marL="0" indent="0">
-              <a:buNone/>
-            </a:pPr>
-            <a:r>
-              <a:rPr lang="de-DE" dirty="0" smtClean="0"/>
-              <a:t>So ist der Gültigkeitsbereich von Variablen an Funktionen (und nicht an Objekte o.ä.) geheftet</a:t>
+            <a:r>
+              <a:rPr lang="fr-FR" dirty="0" err="1"/>
+              <a:t>function</a:t>
+            </a:r>
+            <a:r>
+              <a:rPr lang="fr-FR" dirty="0"/>
+              <a:t> plus(x, y) {</a:t>
             </a:r>
             <a:endParaRPr lang="de-DE" dirty="0"/>
           </a:p>
           <a:p>
+            <a:r>
+              <a:rPr lang="fr-FR" dirty="0"/>
+              <a:t>	return x + y; </a:t>
+            </a:r>
+            <a:r>
+              <a:rPr lang="fr-FR" dirty="0" smtClean="0"/>
+              <a:t>// </a:t>
+            </a:r>
+            <a:r>
+              <a:rPr lang="fr-FR" dirty="0" err="1" smtClean="0"/>
+              <a:t>ansonsten</a:t>
+            </a:r>
+            <a:r>
+              <a:rPr lang="fr-FR" dirty="0" smtClean="0"/>
+              <a:t> undefined</a:t>
+            </a:r>
             <a:endParaRPr lang="de-DE" dirty="0"/>
           </a:p>
+          <a:p>
+            <a:r>
+              <a:rPr lang="de-DE" dirty="0"/>
+              <a:t>}</a:t>
+            </a:r>
+          </a:p>
+          <a:p>
+            <a:r>
+              <a:rPr lang="de-DE" dirty="0"/>
+              <a:t> </a:t>
+            </a:r>
+          </a:p>
+          <a:p>
+            <a:r>
+              <a:rPr lang="de-DE" dirty="0" smtClean="0"/>
+              <a:t>plus</a:t>
+            </a:r>
+            <a:r>
+              <a:rPr lang="de-DE" dirty="0"/>
+              <a:t>(1,2</a:t>
+            </a:r>
+            <a:r>
+              <a:rPr lang="de-DE" dirty="0" smtClean="0"/>
+              <a:t>); </a:t>
+            </a:r>
+            <a:r>
+              <a:rPr lang="de-DE" dirty="0"/>
+              <a:t>/</a:t>
+            </a:r>
+            <a:r>
+              <a:rPr lang="de-DE" dirty="0" smtClean="0"/>
+              <a:t>/ 3 </a:t>
+            </a:r>
+            <a:endParaRPr lang="de-DE" dirty="0"/>
+          </a:p>
         </p:txBody>
       </p:sp>
       <p:sp>
         <p:nvSpPr>
-          <p:cNvPr id="4" name="Titel 3"/>
+          <p:cNvPr id="3" name="Titel 2"/>
           <p:cNvSpPr>
             <a:spLocks noGrp="1"/>
           </p:cNvSpPr>
@@ -6660,8 +6549,8 @@
           <a:lstStyle/>
           <a:p>
             <a:r>
-              <a:rPr lang="de-DE" dirty="0" smtClean="0"/>
-              <a:t>Funktionen</a:t>
+              <a:rPr lang="de-DE" dirty="0" err="1" smtClean="0"/>
+              <a:t>Funktionsliteral</a:t>
             </a:r>
             <a:endParaRPr lang="de-DE" dirty="0"/>
           </a:p>
@@ -6670,21 +6559,13 @@
     </p:spTree>
     <p:extLst>
       <p:ext uri="{BB962C8B-B14F-4D97-AF65-F5344CB8AC3E}">
-        <p14:creationId xmlns:p14="http://schemas.microsoft.com/office/powerpoint/2010/main" val="2296971626"/>
+        <p14:creationId xmlns:p14="http://schemas.microsoft.com/office/powerpoint/2010/main" val="3812871333"/>
       </p:ext>
     </p:extLst>
   </p:cSld>
   <p:clrMapOvr>
     <a:masterClrMapping/>
   </p:clrMapOvr>
-  <mc:AlternateContent xmlns:mc="http://schemas.openxmlformats.org/markup-compatibility/2006" xmlns:p14="http://schemas.microsoft.com/office/powerpoint/2010/main">
-    <mc:Choice Requires="p14">
-      <p:transition spd="slow" p14:dur="2000"/>
-    </mc:Choice>
-    <mc:Fallback xmlns="">
-      <p:transition xmlns:p14="http://schemas.microsoft.com/office/powerpoint/2010/main" spd="slow"/>
-    </mc:Fallback>
-  </mc:AlternateContent>
   <p:timing>
     <p:tnLst>
       <p:par>
@@ -6714,7 +6595,7 @@
       </p:grpSpPr>
       <p:sp>
         <p:nvSpPr>
-          <p:cNvPr id="4" name="Inhaltsplatzhalter 3"/>
+          <p:cNvPr id="5" name="Inhaltsplatzhalter 4"/>
           <p:cNvSpPr>
             <a:spLocks noGrp="1"/>
           </p:cNvSpPr>
@@ -6728,74 +6609,48 @@
           <a:lstStyle/>
           <a:p>
             <a:r>
-              <a:rPr lang="fr-FR" dirty="0" err="1"/>
-              <a:t>function</a:t>
-            </a:r>
-            <a:r>
-              <a:rPr lang="fr-FR" dirty="0"/>
-              <a:t> plus(x, y) {</a:t>
+              <a:rPr lang="de-DE" dirty="0" smtClean="0"/>
+              <a:t>Slots – alles wird in JS über einen Namen oder eine Referenz adressiert</a:t>
+            </a:r>
+          </a:p>
+          <a:p>
+            <a:r>
+              <a:rPr lang="de-DE" dirty="0" smtClean="0"/>
+              <a:t>Deshalb:</a:t>
+            </a:r>
+          </a:p>
+          <a:p>
+            <a:r>
+              <a:rPr lang="de-DE" dirty="0" smtClean="0"/>
+              <a:t>Funktionen lassen sich nicht anhand der Parameter überladen.</a:t>
+            </a:r>
+          </a:p>
+          <a:p>
+            <a:r>
+              <a:rPr lang="de-DE" dirty="0" smtClean="0"/>
+              <a:t>Nicht übergebene Parameter sind „undefined“.</a:t>
+            </a:r>
+          </a:p>
+          <a:p>
+            <a:r>
+              <a:rPr lang="de-DE" dirty="0" smtClean="0"/>
+              <a:t>Zuviel übergebene Parameter stehen im Bonusparameter „</a:t>
+            </a:r>
+            <a:r>
+              <a:rPr lang="de-DE" dirty="0" err="1" smtClean="0"/>
+              <a:t>arguments</a:t>
+            </a:r>
+            <a:r>
+              <a:rPr lang="de-DE" dirty="0" smtClean="0"/>
+              <a:t>“ zur Verfügung.</a:t>
             </a:r>
             <a:endParaRPr lang="de-DE" dirty="0"/>
           </a:p>
-          <a:p>
-            <a:r>
-              <a:rPr lang="fr-FR" dirty="0"/>
-              <a:t>	return x + y; </a:t>
-            </a:r>
-            <a:r>
-              <a:rPr lang="fr-FR" dirty="0" smtClean="0"/>
-              <a:t>// </a:t>
-            </a:r>
-            <a:r>
-              <a:rPr lang="fr-FR" dirty="0" err="1" smtClean="0"/>
-              <a:t>ansonsten</a:t>
-            </a:r>
-            <a:r>
-              <a:rPr lang="fr-FR" dirty="0" smtClean="0"/>
-              <a:t> undefined</a:t>
-            </a:r>
-            <a:endParaRPr lang="de-DE" dirty="0"/>
-          </a:p>
-          <a:p>
-            <a:r>
-              <a:rPr lang="de-DE" dirty="0"/>
-              <a:t>}</a:t>
-            </a:r>
-          </a:p>
-          <a:p>
-            <a:r>
-              <a:rPr lang="de-DE" dirty="0"/>
-              <a:t> </a:t>
-            </a:r>
-          </a:p>
-          <a:p>
-            <a:r>
-              <a:rPr lang="de-DE" dirty="0" smtClean="0"/>
-              <a:t>plus</a:t>
-            </a:r>
-            <a:r>
-              <a:rPr lang="de-DE" dirty="0"/>
-              <a:t>(1,2</a:t>
-            </a:r>
-            <a:r>
-              <a:rPr lang="de-DE" dirty="0" smtClean="0"/>
-              <a:t>); </a:t>
-            </a:r>
-            <a:r>
-              <a:rPr lang="de-DE" dirty="0"/>
-              <a:t>/</a:t>
-            </a:r>
-            <a:r>
-              <a:rPr lang="de-DE" dirty="0" smtClean="0"/>
-              <a:t>/ 3 </a:t>
-            </a:r>
-            <a:endParaRPr lang="de-DE" dirty="0"/>
-          </a:p>
         </p:txBody>
       </p:sp>
       <p:sp>
         <p:nvSpPr>
-          <p:cNvPr id="3" name="Titel 2"/>
+          <p:cNvPr id="4" name="Titel 3"/>
           <p:cNvSpPr>
             <a:spLocks noGrp="1"/>
           </p:cNvSpPr>
@@ -6809,8 +6664,8 @@
           <a:lstStyle/>
           <a:p>
             <a:r>
-              <a:rPr lang="de-DE" dirty="0" err="1" smtClean="0"/>
-              <a:t>Funktionsliteral</a:t>
+              <a:rPr lang="de-DE" dirty="0" smtClean="0"/>
+              <a:t>Parameter</a:t>
             </a:r>
             <a:endParaRPr lang="de-DE" dirty="0"/>
           </a:p>
@@ -6819,7 +6674,7 @@
     </p:spTree>
     <p:extLst>
       <p:ext uri="{BB962C8B-B14F-4D97-AF65-F5344CB8AC3E}">
-        <p14:creationId xmlns:p14="http://schemas.microsoft.com/office/powerpoint/2010/main" val="3812871333"/>
+        <p14:creationId xmlns:p14="http://schemas.microsoft.com/office/powerpoint/2010/main" val="1191960987"/>
       </p:ext>
     </p:extLst>
   </p:cSld>
@@ -6869,41 +6724,167 @@
           <a:lstStyle/>
           <a:p>
             <a:r>
-              <a:rPr lang="de-DE" dirty="0" smtClean="0"/>
-              <a:t>Slots – alles wird in JS über einen Namen oder eine Referenz adressiert</a:t>
-            </a:r>
-          </a:p>
-          <a:p>
-            <a:r>
-              <a:rPr lang="de-DE" dirty="0" smtClean="0"/>
-              <a:t>Deshalb:</a:t>
-            </a:r>
-          </a:p>
-          <a:p>
-            <a:r>
-              <a:rPr lang="de-DE" dirty="0" smtClean="0"/>
-              <a:t>Funktionen lassen sich nicht anhand der Parameter überladen.</a:t>
-            </a:r>
-          </a:p>
-          <a:p>
-            <a:r>
-              <a:rPr lang="de-DE" dirty="0" smtClean="0"/>
-              <a:t>Nicht übergebene Parameter sind „undefined“.</a:t>
-            </a:r>
-          </a:p>
-          <a:p>
-            <a:r>
-              <a:rPr lang="de-DE" dirty="0" smtClean="0"/>
-              <a:t>Zuviel übergebene Parameter stehen im Bonusparameter „</a:t>
-            </a:r>
+              <a:rPr lang="de-DE" dirty="0" err="1"/>
+              <a:t>function</a:t>
+            </a:r>
+            <a:r>
+              <a:rPr lang="de-DE" dirty="0"/>
+              <a:t> </a:t>
+            </a:r>
+            <a:r>
+              <a:rPr lang="de-DE" dirty="0" err="1"/>
+              <a:t>plusAll</a:t>
+            </a:r>
+            <a:r>
+              <a:rPr lang="de-DE" dirty="0"/>
+              <a:t>() {</a:t>
+            </a:r>
+          </a:p>
+          <a:p>
+            <a:r>
+              <a:rPr lang="de-DE" dirty="0"/>
+              <a:t>	</a:t>
+            </a:r>
+            <a:r>
+              <a:rPr lang="de-DE" dirty="0" err="1"/>
+              <a:t>var</a:t>
+            </a:r>
+            <a:r>
+              <a:rPr lang="de-DE" dirty="0"/>
+              <a:t> </a:t>
+            </a:r>
+            <a:r>
+              <a:rPr lang="de-DE" dirty="0" err="1"/>
+              <a:t>result</a:t>
+            </a:r>
+            <a:r>
+              <a:rPr lang="de-DE" dirty="0"/>
+              <a:t> = 0;</a:t>
+            </a:r>
+          </a:p>
+          <a:p>
+            <a:r>
+              <a:rPr lang="de-DE" dirty="0"/>
+              <a:t>	</a:t>
+            </a:r>
+            <a:r>
+              <a:rPr lang="de-DE" dirty="0" err="1"/>
+              <a:t>for</a:t>
+            </a:r>
+            <a:r>
+              <a:rPr lang="de-DE" dirty="0"/>
+              <a:t> (</a:t>
+            </a:r>
+            <a:r>
+              <a:rPr lang="de-DE" dirty="0" err="1"/>
+              <a:t>var</a:t>
+            </a:r>
+            <a:r>
+              <a:rPr lang="de-DE" dirty="0"/>
+              <a:t> i in </a:t>
+            </a:r>
+            <a:r>
+              <a:rPr lang="de-DE" dirty="0" err="1"/>
+              <a:t>arguments</a:t>
+            </a:r>
+            <a:r>
+              <a:rPr lang="de-DE" dirty="0"/>
+              <a:t>) {</a:t>
+            </a:r>
+          </a:p>
+          <a:p>
+            <a:r>
+              <a:rPr lang="de-DE" dirty="0"/>
+              <a:t>		</a:t>
+            </a:r>
+            <a:r>
+              <a:rPr lang="de-DE" dirty="0" err="1"/>
+              <a:t>result</a:t>
+            </a:r>
+            <a:r>
+              <a:rPr lang="de-DE" dirty="0"/>
+              <a:t> += </a:t>
+            </a:r>
+            <a:r>
+              <a:rPr lang="de-DE" dirty="0" err="1"/>
+              <a:t>arguments</a:t>
+            </a:r>
+            <a:r>
+              <a:rPr lang="de-DE" dirty="0"/>
+              <a:t>[i]; </a:t>
+            </a:r>
+          </a:p>
+          <a:p>
+            <a:r>
+              <a:rPr lang="de-DE" dirty="0"/>
+              <a:t>	} </a:t>
+            </a:r>
+          </a:p>
+          <a:p>
+            <a:r>
+              <a:rPr lang="de-DE" dirty="0"/>
+              <a:t>	</a:t>
+            </a:r>
+            <a:r>
+              <a:rPr lang="de-DE" dirty="0" err="1"/>
+              <a:t>return</a:t>
+            </a:r>
+            <a:r>
+              <a:rPr lang="de-DE" dirty="0"/>
+              <a:t> </a:t>
+            </a:r>
+            <a:r>
+              <a:rPr lang="de-DE" dirty="0" err="1"/>
+              <a:t>result</a:t>
+            </a:r>
+            <a:r>
+              <a:rPr lang="de-DE" dirty="0"/>
+              <a:t>;</a:t>
+            </a:r>
+          </a:p>
+          <a:p>
+            <a:r>
+              <a:rPr lang="de-DE" dirty="0"/>
+              <a:t>}</a:t>
+            </a:r>
+          </a:p>
+          <a:p>
             <a:r>
               <a:rPr lang="de-DE" dirty="0" err="1" smtClean="0"/>
-              <a:t>arguments</a:t>
-            </a:r>
-            <a:r>
-              <a:rPr lang="de-DE" dirty="0" smtClean="0"/>
-              <a:t>“ zur Verfügung.</a:t>
-            </a:r>
+              <a:t>plusAll</a:t>
+            </a:r>
+            <a:r>
+              <a:rPr lang="de-DE" dirty="0"/>
+              <a:t>(</a:t>
+            </a:r>
+            <a:r>
+              <a:rPr lang="de-DE" dirty="0" smtClean="0"/>
+              <a:t>); </a:t>
+            </a:r>
+            <a:r>
+              <a:rPr lang="de-DE" dirty="0"/>
+              <a:t>//0 </a:t>
+            </a:r>
+          </a:p>
+          <a:p>
+            <a:r>
+              <a:rPr lang="de-DE" dirty="0" err="1" smtClean="0"/>
+              <a:t>plusAll</a:t>
+            </a:r>
+            <a:r>
+              <a:rPr lang="de-DE" dirty="0"/>
+              <a:t>(1,2,3,4,5</a:t>
+            </a:r>
+            <a:r>
+              <a:rPr lang="de-DE" dirty="0" smtClean="0"/>
+              <a:t>); </a:t>
+            </a:r>
+            <a:r>
+              <a:rPr lang="de-DE" dirty="0"/>
+              <a:t>// 15</a:t>
+            </a:r>
+          </a:p>
+          <a:p>
             <a:endParaRPr lang="de-DE" dirty="0"/>
           </a:p>
         </p:txBody>
@@ -6925,7 +6906,7 @@
           <a:p>
             <a:r>
               <a:rPr lang="de-DE" dirty="0" smtClean="0"/>
-              <a:t>Parameter</a:t>
+              <a:t>Bonusparameter</a:t>
             </a:r>
             <a:endParaRPr lang="de-DE" dirty="0"/>
           </a:p>
@@ -6934,7 +6915,7 @@
     </p:spTree>
     <p:extLst>
       <p:ext uri="{BB962C8B-B14F-4D97-AF65-F5344CB8AC3E}">
-        <p14:creationId xmlns:p14="http://schemas.microsoft.com/office/powerpoint/2010/main" val="1191960987"/>
+        <p14:creationId xmlns:p14="http://schemas.microsoft.com/office/powerpoint/2010/main" val="1424574295"/>
       </p:ext>
     </p:extLst>
   </p:cSld>
@@ -6983,65 +6964,16 @@
           <a:bodyPr/>
           <a:lstStyle/>
           <a:p>
-            <a:r>
-              <a:rPr lang="de-DE" dirty="0" err="1"/>
-              <a:t>function</a:t>
-            </a:r>
-            <a:r>
-              <a:rPr lang="de-DE" dirty="0"/>
-              <a:t> </a:t>
-            </a:r>
-            <a:r>
-              <a:rPr lang="de-DE" dirty="0" err="1"/>
-              <a:t>plusAll</a:t>
-            </a:r>
-            <a:r>
-              <a:rPr lang="de-DE" dirty="0"/>
-              <a:t>() {</a:t>
-            </a:r>
-          </a:p>
-          <a:p>
-            <a:r>
-              <a:rPr lang="de-DE" dirty="0"/>
-              <a:t>	</a:t>
-            </a:r>
-            <a:r>
-              <a:rPr lang="de-DE" dirty="0" err="1"/>
-              <a:t>var</a:t>
-            </a:r>
-            <a:r>
-              <a:rPr lang="de-DE" dirty="0"/>
-              <a:t> </a:t>
-            </a:r>
-            <a:r>
-              <a:rPr lang="de-DE" dirty="0" err="1"/>
-              <a:t>result</a:t>
-            </a:r>
-            <a:r>
-              <a:rPr lang="de-DE" dirty="0"/>
-              <a:t> = 0;</a:t>
-            </a:r>
-          </a:p>
-          <a:p>
-            <a:r>
-              <a:rPr lang="de-DE" dirty="0"/>
-              <a:t>	</a:t>
-            </a:r>
-            <a:r>
-              <a:rPr lang="de-DE" dirty="0" err="1"/>
-              <a:t>for</a:t>
-            </a:r>
-            <a:r>
-              <a:rPr lang="de-DE" dirty="0"/>
-              <a:t> (</a:t>
-            </a:r>
-            <a:r>
-              <a:rPr lang="de-DE" dirty="0" err="1"/>
-              <a:t>var</a:t>
-            </a:r>
-            <a:r>
-              <a:rPr lang="de-DE" dirty="0"/>
-              <a:t> i in </a:t>
+            <a:pPr marL="0" indent="0">
+              <a:buNone/>
+            </a:pPr>
+            <a:r>
+              <a:rPr lang="de-DE" dirty="0" smtClean="0"/>
+              <a:t>Das </a:t>
+            </a:r>
+            <a:r>
+              <a:rPr lang="de-DE" dirty="0"/>
+              <a:t>Array </a:t>
             </a:r>
             <a:r>
               <a:rPr lang="de-DE" dirty="0" err="1"/>
@@ -7049,102 +6981,35 @@
             </a:r>
             <a:r>
               <a:rPr lang="de-DE" dirty="0"/>
-              <a:t>) {</a:t>
-            </a:r>
-          </a:p>
-          <a:p>
-            <a:r>
-              <a:rPr lang="de-DE" dirty="0"/>
-              <a:t>		</a:t>
-            </a:r>
-            <a:r>
-              <a:rPr lang="de-DE" dirty="0" err="1"/>
-              <a:t>result</a:t>
-            </a:r>
-            <a:r>
-              <a:rPr lang="de-DE" dirty="0"/>
-              <a:t> += </a:t>
-            </a:r>
-            <a:r>
-              <a:rPr lang="de-DE" dirty="0" err="1"/>
-              <a:t>arguments</a:t>
-            </a:r>
-            <a:r>
-              <a:rPr lang="de-DE" dirty="0"/>
-              <a:t>[i]; </a:t>
-            </a:r>
-          </a:p>
-          <a:p>
-            <a:r>
-              <a:rPr lang="de-DE" dirty="0"/>
-              <a:t>	} </a:t>
-            </a:r>
-          </a:p>
-          <a:p>
-            <a:r>
-              <a:rPr lang="de-DE" dirty="0"/>
-              <a:t>	</a:t>
-            </a:r>
-            <a:r>
-              <a:rPr lang="de-DE" dirty="0" err="1"/>
-              <a:t>return</a:t>
-            </a:r>
-            <a:r>
-              <a:rPr lang="de-DE" dirty="0"/>
-              <a:t> </a:t>
-            </a:r>
-            <a:r>
-              <a:rPr lang="de-DE" dirty="0" err="1"/>
-              <a:t>result</a:t>
-            </a:r>
-            <a:r>
-              <a:rPr lang="de-DE" dirty="0"/>
-              <a:t>;</a:t>
-            </a:r>
-          </a:p>
-          <a:p>
-            <a:r>
-              <a:rPr lang="de-DE" dirty="0"/>
-              <a:t>}</a:t>
-            </a:r>
-          </a:p>
-          <a:p>
-            <a:r>
-              <a:rPr lang="de-DE" dirty="0" err="1" smtClean="0"/>
-              <a:t>plusAll</a:t>
-            </a:r>
-            <a:r>
-              <a:rPr lang="de-DE" dirty="0"/>
-              <a:t>(</a:t>
-            </a:r>
-            <a:r>
-              <a:rPr lang="de-DE" dirty="0" smtClean="0"/>
-              <a:t>); </a:t>
-            </a:r>
-            <a:r>
-              <a:rPr lang="de-DE" dirty="0"/>
-              <a:t>//0 </a:t>
-            </a:r>
-          </a:p>
-          <a:p>
-            <a:r>
-              <a:rPr lang="de-DE" dirty="0" err="1" smtClean="0"/>
-              <a:t>plusAll</a:t>
-            </a:r>
-            <a:r>
-              <a:rPr lang="de-DE" dirty="0"/>
-              <a:t>(1,2,3,4,5</a:t>
-            </a:r>
-            <a:r>
-              <a:rPr lang="de-DE" dirty="0" smtClean="0"/>
-              <a:t>); </a:t>
-            </a:r>
-            <a:r>
-              <a:rPr lang="de-DE" dirty="0"/>
-              <a:t>// 15</a:t>
-            </a:r>
-          </a:p>
-          <a:p>
+              <a:t> ist kein echtes Array. Es hat zwar ein </a:t>
+            </a:r>
+            <a:r>
+              <a:rPr lang="de-DE" dirty="0" err="1"/>
+              <a:t>length</a:t>
+            </a:r>
+            <a:r>
+              <a:rPr lang="de-DE" dirty="0"/>
+              <a:t>-Attribut und man kann über dieses iterieren, allerdings fehlen ihm die Methoden eines echten Array-</a:t>
+            </a:r>
+            <a:r>
+              <a:rPr lang="de-DE" dirty="0" smtClean="0"/>
+              <a:t>Objekts.</a:t>
+            </a:r>
+          </a:p>
+          <a:p>
+            <a:pPr marL="0" indent="0">
+              <a:buNone/>
+            </a:pPr>
+            <a:endParaRPr lang="de-DE" dirty="0"/>
+          </a:p>
+          <a:p>
+            <a:pPr marL="0" indent="0">
+              <a:buNone/>
+            </a:pPr>
+            <a:r>
+              <a:rPr lang="de-DE" dirty="0" smtClean="0"/>
+              <a:t>Aber man kann sich ja die Funktion des Array-Objekts „borgen“.</a:t>
+            </a:r>
             <a:endParaRPr lang="de-DE" dirty="0"/>
           </a:p>
         </p:txBody>
@@ -7166,7 +7031,7 @@
           <a:p>
             <a:r>
               <a:rPr lang="de-DE" dirty="0" smtClean="0"/>
-              <a:t>Bonusparameter</a:t>
+              <a:t>Fallstricke des Bonusparameters</a:t>
             </a:r>
             <a:endParaRPr lang="de-DE" dirty="0"/>
           </a:p>
@@ -7175,7 +7040,7 @@
     </p:spTree>
     <p:extLst>
       <p:ext uri="{BB962C8B-B14F-4D97-AF65-F5344CB8AC3E}">
-        <p14:creationId xmlns:p14="http://schemas.microsoft.com/office/powerpoint/2010/main" val="1424574295"/>
+        <p14:creationId xmlns:p14="http://schemas.microsoft.com/office/powerpoint/2010/main" val="2639925433"/>
       </p:ext>
     </p:extLst>
   </p:cSld>
@@ -7211,7 +7076,7 @@
       </p:grpSpPr>
       <p:sp>
         <p:nvSpPr>
-          <p:cNvPr id="5" name="Inhaltsplatzhalter 4"/>
+          <p:cNvPr id="2" name="Inhaltsplatzhalter 1"/>
           <p:cNvSpPr>
             <a:spLocks noGrp="1"/>
           </p:cNvSpPr>
@@ -7224,59 +7089,68 @@
           <a:bodyPr/>
           <a:lstStyle/>
           <a:p>
-            <a:pPr marL="0" indent="0">
-              <a:buNone/>
-            </a:pPr>
-            <a:r>
-              <a:rPr lang="de-DE" dirty="0" smtClean="0"/>
-              <a:t>Das </a:t>
-            </a:r>
-            <a:r>
-              <a:rPr lang="de-DE" dirty="0"/>
-              <a:t>Array </a:t>
-            </a:r>
-            <a:r>
-              <a:rPr lang="de-DE" dirty="0" err="1"/>
-              <a:t>arguments</a:t>
-            </a:r>
-            <a:r>
-              <a:rPr lang="de-DE" dirty="0"/>
-              <a:t> ist kein echtes Array. Es hat zwar ein </a:t>
-            </a:r>
-            <a:r>
-              <a:rPr lang="de-DE" dirty="0" err="1"/>
-              <a:t>length</a:t>
-            </a:r>
-            <a:r>
-              <a:rPr lang="de-DE" dirty="0"/>
-              <a:t>-Attribut und man kann über dieses iterieren, allerdings fehlen ihm die Methoden eines echten Array-</a:t>
-            </a:r>
-            <a:r>
-              <a:rPr lang="de-DE" dirty="0" smtClean="0"/>
-              <a:t>Objekts.</a:t>
-            </a:r>
-          </a:p>
-          <a:p>
-            <a:pPr marL="0" indent="0">
-              <a:buNone/>
-            </a:pPr>
+            <a:r>
+              <a:rPr lang="en-US" dirty="0" smtClean="0"/>
+              <a:t>(</a:t>
+            </a:r>
+            <a:r>
+              <a:rPr lang="en-US" dirty="0"/>
+              <a:t>function() {</a:t>
+            </a:r>
+          </a:p>
+          <a:p>
+            <a:r>
+              <a:rPr lang="en-US" dirty="0"/>
+              <a:t>	</a:t>
+            </a:r>
+            <a:r>
+              <a:rPr lang="en-US" dirty="0" err="1"/>
+              <a:t>var</a:t>
+            </a:r>
+            <a:r>
+              <a:rPr lang="en-US" dirty="0"/>
+              <a:t> x = 1;</a:t>
+            </a:r>
+          </a:p>
+          <a:p>
+            <a:r>
+              <a:rPr lang="en-US" dirty="0"/>
+              <a:t>	</a:t>
+            </a:r>
+            <a:r>
+              <a:rPr lang="en-US" dirty="0" err="1"/>
+              <a:t>var</a:t>
+            </a:r>
+            <a:r>
+              <a:rPr lang="en-US" dirty="0"/>
+              <a:t> y = 2;</a:t>
+            </a:r>
+          </a:p>
+          <a:p>
+            <a:r>
+              <a:rPr lang="en-US" dirty="0"/>
+              <a:t>	return x + y; </a:t>
+            </a:r>
+          </a:p>
+          <a:p>
+            <a:r>
+              <a:rPr lang="en-US" dirty="0"/>
+              <a:t>})(</a:t>
+            </a:r>
+            <a:r>
+              <a:rPr lang="en-US" dirty="0" smtClean="0"/>
+              <a:t>)</a:t>
+            </a:r>
+            <a:endParaRPr lang="en-US" dirty="0"/>
+          </a:p>
+          <a:p>
             <a:endParaRPr lang="de-DE" dirty="0"/>
           </a:p>
-          <a:p>
-            <a:pPr marL="0" indent="0">
-              <a:buNone/>
-            </a:pPr>
-            <a:r>
-              <a:rPr lang="de-DE" dirty="0" smtClean="0"/>
-              <a:t>Aber man kann sich ja die Funktion des Array-Objekts „borgen“.</a:t>
-            </a:r>
-            <a:endParaRPr lang="de-DE" dirty="0"/>
-          </a:p>
         </p:txBody>
       </p:sp>
       <p:sp>
         <p:nvSpPr>
-          <p:cNvPr id="4" name="Titel 3"/>
+          <p:cNvPr id="3" name="Titel 2"/>
           <p:cNvSpPr>
             <a:spLocks noGrp="1"/>
           </p:cNvSpPr>
@@ -7291,7 +7165,7 @@
           <a:p>
             <a:r>
               <a:rPr lang="de-DE" dirty="0" smtClean="0"/>
-              <a:t>Fallstricke des Bonusparameters</a:t>
+              <a:t>Immediate Functions</a:t>
             </a:r>
             <a:endParaRPr lang="de-DE" dirty="0"/>
           </a:p>
@@ -7300,7 +7174,7 @@
     </p:spTree>
     <p:extLst>
       <p:ext uri="{BB962C8B-B14F-4D97-AF65-F5344CB8AC3E}">
-        <p14:creationId xmlns:p14="http://schemas.microsoft.com/office/powerpoint/2010/main" val="2639925433"/>
+        <p14:creationId xmlns:p14="http://schemas.microsoft.com/office/powerpoint/2010/main" val="2086110369"/>
       </p:ext>
     </p:extLst>
   </p:cSld>
@@ -7336,7 +7210,7 @@
       </p:grpSpPr>
       <p:sp>
         <p:nvSpPr>
-          <p:cNvPr id="2" name="Inhaltsplatzhalter 1"/>
+          <p:cNvPr id="5" name="Inhaltsplatzhalter 4"/>
           <p:cNvSpPr>
             <a:spLocks noGrp="1"/>
           </p:cNvSpPr>
@@ -7350,67 +7224,70 @@
           <a:lstStyle/>
           <a:p>
             <a:r>
-              <a:rPr lang="en-US" dirty="0" smtClean="0"/>
-              <a:t>(</a:t>
-            </a:r>
-            <a:r>
-              <a:rPr lang="en-US" dirty="0"/>
-              <a:t>function() {</a:t>
-            </a:r>
-          </a:p>
-          <a:p>
-            <a:r>
-              <a:rPr lang="en-US" dirty="0"/>
-              <a:t>	</a:t>
-            </a:r>
-            <a:r>
-              <a:rPr lang="en-US" dirty="0" err="1"/>
+              <a:rPr lang="de-DE" dirty="0" err="1"/>
+              <a:t>function</a:t>
+            </a:r>
+            <a:r>
+              <a:rPr lang="de-DE" dirty="0"/>
+              <a:t> </a:t>
+            </a:r>
+            <a:r>
+              <a:rPr lang="de-DE" dirty="0" err="1"/>
+              <a:t>MyClass</a:t>
+            </a:r>
+            <a:r>
+              <a:rPr lang="de-DE" dirty="0"/>
+              <a:t>() {}</a:t>
+            </a:r>
+          </a:p>
+          <a:p>
+            <a:endParaRPr lang="de-DE" dirty="0"/>
+          </a:p>
+          <a:p>
+            <a:r>
+              <a:rPr lang="de-DE" dirty="0" err="1"/>
               <a:t>var</a:t>
             </a:r>
             <a:r>
-              <a:rPr lang="en-US" dirty="0"/>
-              <a:t> x = 1;</a:t>
-            </a:r>
-          </a:p>
-          <a:p>
-            <a:r>
-              <a:rPr lang="en-US" dirty="0"/>
-              <a:t>	</a:t>
-            </a:r>
-            <a:r>
-              <a:rPr lang="en-US" dirty="0" err="1"/>
-              <a:t>var</a:t>
-            </a:r>
-            <a:r>
-              <a:rPr lang="en-US" dirty="0"/>
-              <a:t> y = 2;</a:t>
-            </a:r>
-          </a:p>
-          <a:p>
-            <a:r>
-              <a:rPr lang="en-US" dirty="0"/>
-              <a:t>	return x + y; </a:t>
-            </a:r>
-          </a:p>
-          <a:p>
-            <a:r>
-              <a:rPr lang="en-US" dirty="0"/>
-              <a:t>})(</a:t>
-            </a:r>
-            <a:r>
-              <a:rPr lang="en-US" dirty="0" smtClean="0"/>
-              <a:t>)</a:t>
-            </a:r>
-            <a:endParaRPr lang="en-US" dirty="0"/>
+              <a:rPr lang="de-DE" dirty="0"/>
+              <a:t> </a:t>
+            </a:r>
+            <a:r>
+              <a:rPr lang="de-DE" dirty="0" err="1"/>
+              <a:t>instance</a:t>
+            </a:r>
+            <a:r>
+              <a:rPr lang="de-DE" dirty="0"/>
+              <a:t> = </a:t>
+            </a:r>
+            <a:r>
+              <a:rPr lang="de-DE" dirty="0" err="1"/>
+              <a:t>new</a:t>
+            </a:r>
+            <a:r>
+              <a:rPr lang="de-DE" dirty="0"/>
+              <a:t> </a:t>
+            </a:r>
+            <a:r>
+              <a:rPr lang="de-DE" dirty="0" err="1"/>
+              <a:t>MyClass</a:t>
+            </a:r>
+            <a:r>
+              <a:rPr lang="de-DE" dirty="0"/>
+              <a:t>();</a:t>
+            </a:r>
           </a:p>
           <a:p>
             <a:endParaRPr lang="de-DE" dirty="0"/>
           </a:p>
+          <a:p>
+            <a:endParaRPr lang="de-DE" dirty="0"/>
+          </a:p>
         </p:txBody>
       </p:sp>
       <p:sp>
         <p:nvSpPr>
-          <p:cNvPr id="3" name="Titel 2"/>
+          <p:cNvPr id="4" name="Titel 3"/>
           <p:cNvSpPr>
             <a:spLocks noGrp="1"/>
           </p:cNvSpPr>
@@ -7424,17 +7301,24 @@
           <a:lstStyle/>
           <a:p>
             <a:r>
-              <a:rPr lang="de-DE" dirty="0" smtClean="0"/>
-              <a:t>Immediate Functions</a:t>
-            </a:r>
-            <a:endParaRPr lang="de-DE" dirty="0"/>
+              <a:rPr lang="de-DE" dirty="0"/>
+              <a:t>Class </a:t>
+            </a:r>
+            <a:r>
+              <a:rPr lang="de-DE" dirty="0" smtClean="0"/>
+              <a:t>Pattern </a:t>
+            </a:r>
+            <a:r>
+              <a:rPr lang="de-DE" dirty="0"/>
+              <a:t>– Konstruktor Functions</a:t>
+            </a:r>
           </a:p>
         </p:txBody>
       </p:sp>
     </p:spTree>
     <p:extLst>
       <p:ext uri="{BB962C8B-B14F-4D97-AF65-F5344CB8AC3E}">
-        <p14:creationId xmlns:p14="http://schemas.microsoft.com/office/powerpoint/2010/main" val="2086110369"/>
+        <p14:creationId xmlns:p14="http://schemas.microsoft.com/office/powerpoint/2010/main" val="2514446404"/>
       </p:ext>
     </p:extLst>
   </p:cSld>
@@ -7497,11 +7381,28 @@
             </a:r>
             <a:r>
               <a:rPr lang="de-DE" dirty="0"/>
-              <a:t>() {}</a:t>
-            </a:r>
-          </a:p>
-          <a:p>
-            <a:endParaRPr lang="de-DE" dirty="0"/>
+              <a:t>(arg) {</a:t>
+            </a:r>
+          </a:p>
+          <a:p>
+            <a:r>
+              <a:rPr lang="de-DE" dirty="0"/>
+              <a:t>    </a:t>
+            </a:r>
+            <a:r>
+              <a:rPr lang="de-DE" dirty="0" err="1"/>
+              <a:t>this.arg</a:t>
+            </a:r>
+            <a:r>
+              <a:rPr lang="de-DE" dirty="0"/>
+              <a:t> = arg;</a:t>
+            </a:r>
+          </a:p>
+          <a:p>
+            <a:r>
+              <a:rPr lang="de-DE" dirty="0"/>
+              <a:t>}</a:t>
+            </a:r>
           </a:p>
           <a:p>
             <a:r>
@@ -7514,7 +7415,7 @@
             </a:r>
             <a:r>
               <a:rPr lang="de-DE" dirty="0" err="1"/>
-              <a:t>instance</a:t>
+              <a:t>inst</a:t>
             </a:r>
             <a:r>
               <a:rPr lang="de-DE" dirty="0"/>
@@ -7534,11 +7435,42 @@
             </a:r>
             <a:r>
               <a:rPr lang="de-DE" dirty="0"/>
-              <a:t>();</a:t>
-            </a:r>
-          </a:p>
-          <a:p>
-            <a:endParaRPr lang="de-DE" dirty="0"/>
+              <a:t>('</a:t>
+            </a:r>
+            <a:r>
+              <a:rPr lang="de-DE" dirty="0" err="1"/>
+              <a:t>foo</a:t>
+            </a:r>
+            <a:r>
+              <a:rPr lang="de-DE" dirty="0"/>
+              <a:t>');</a:t>
+            </a:r>
+          </a:p>
+          <a:p>
+            <a:r>
+              <a:rPr lang="de-DE" dirty="0" err="1"/>
+              <a:t>console.log</a:t>
+            </a:r>
+            <a:r>
+              <a:rPr lang="de-DE" dirty="0"/>
+              <a:t>(</a:t>
+            </a:r>
+            <a:r>
+              <a:rPr lang="de-DE" dirty="0" err="1"/>
+              <a:t>inst.arg</a:t>
+            </a:r>
+            <a:r>
+              <a:rPr lang="de-DE" dirty="0"/>
+              <a:t>); // =&gt; '</a:t>
+            </a:r>
+            <a:r>
+              <a:rPr lang="de-DE" dirty="0" err="1"/>
+              <a:t>foo</a:t>
+            </a:r>
+            <a:r>
+              <a:rPr lang="de-DE" dirty="0"/>
+              <a:t>'</a:t>
+            </a:r>
           </a:p>
           <a:p>
             <a:endParaRPr lang="de-DE" dirty="0"/>
@@ -7562,23 +7494,24 @@
           <a:p>
             <a:r>
               <a:rPr lang="de-DE" dirty="0"/>
-              <a:t>Class </a:t>
-            </a:r>
-            <a:r>
-              <a:rPr lang="de-DE" dirty="0" smtClean="0"/>
-              <a:t>Pattern </a:t>
-            </a:r>
-            <a:r>
-              <a:rPr lang="de-DE" dirty="0"/>
-              <a:t>– Konstruktor Functions</a:t>
-            </a:r>
+              <a:t>Class Pattern </a:t>
+            </a:r>
+            <a:r>
+              <a:rPr lang="de-DE" dirty="0" smtClean="0"/>
+              <a:t>– </a:t>
+            </a:r>
+            <a:r>
+              <a:rPr lang="de-DE" dirty="0" err="1" smtClean="0"/>
+              <a:t>this</a:t>
+            </a:r>
+            <a:endParaRPr lang="de-DE" dirty="0"/>
           </a:p>
         </p:txBody>
       </p:sp>
     </p:spTree>
     <p:extLst>
       <p:ext uri="{BB962C8B-B14F-4D97-AF65-F5344CB8AC3E}">
-        <p14:creationId xmlns:p14="http://schemas.microsoft.com/office/powerpoint/2010/main" val="2514446404"/>
+        <p14:creationId xmlns:p14="http://schemas.microsoft.com/office/powerpoint/2010/main" val="255818325"/>
       </p:ext>
     </p:extLst>
   </p:cSld>
@@ -8697,7 +8630,7 @@
             </a:r>
             <a:r>
               <a:rPr lang="de-DE" dirty="0"/>
-              <a:t>(arg) {</a:t>
+              <a:t>() {</a:t>
             </a:r>
           </a:p>
           <a:p>
@@ -8707,11 +8640,47 @@
             </a:r>
             <a:r>
               <a:rPr lang="de-DE" dirty="0" err="1"/>
-              <a:t>this.arg</a:t>
-            </a:r>
-            <a:r>
-              <a:rPr lang="de-DE" dirty="0"/>
-              <a:t> = arg;</a:t>
+              <a:t>this.greet</a:t>
+            </a:r>
+            <a:r>
+              <a:rPr lang="de-DE" dirty="0"/>
+              <a:t> = </a:t>
+            </a:r>
+            <a:r>
+              <a:rPr lang="de-DE" dirty="0" err="1"/>
+              <a:t>function</a:t>
+            </a:r>
+            <a:r>
+              <a:rPr lang="de-DE" dirty="0"/>
+              <a:t>() {</a:t>
+            </a:r>
+          </a:p>
+          <a:p>
+            <a:r>
+              <a:rPr lang="de-DE" dirty="0"/>
+              <a:t>        </a:t>
+            </a:r>
+            <a:r>
+              <a:rPr lang="de-DE" dirty="0" err="1"/>
+              <a:t>console.log</a:t>
+            </a:r>
+            <a:r>
+              <a:rPr lang="de-DE" dirty="0"/>
+              <a:t>('</a:t>
+            </a:r>
+            <a:r>
+              <a:rPr lang="de-DE" dirty="0" err="1"/>
+              <a:t>Hello</a:t>
+            </a:r>
+            <a:r>
+              <a:rPr lang="de-DE" dirty="0"/>
+              <a:t>!');</a:t>
+            </a:r>
+          </a:p>
+          <a:p>
+            <a:r>
+              <a:rPr lang="de-DE" dirty="0"/>
+              <a:t>    };</a:t>
             </a:r>
           </a:p>
           <a:p>
@@ -8751,44 +8720,40 @@
             </a:r>
             <a:r>
               <a:rPr lang="de-DE" dirty="0"/>
-              <a:t>('</a:t>
-            </a:r>
-            <a:r>
-              <a:rPr lang="de-DE" dirty="0" err="1"/>
-              <a:t>foo</a:t>
-            </a:r>
-            <a:r>
-              <a:rPr lang="de-DE" dirty="0"/>
-              <a:t>');</a:t>
-            </a:r>
-          </a:p>
-          <a:p>
-            <a:r>
-              <a:rPr lang="de-DE" dirty="0" err="1"/>
-              <a:t>console.log</a:t>
-            </a:r>
-            <a:r>
-              <a:rPr lang="de-DE" dirty="0"/>
-              <a:t>(</a:t>
-            </a:r>
-            <a:r>
-              <a:rPr lang="de-DE" dirty="0" err="1"/>
-              <a:t>inst.arg</a:t>
-            </a:r>
-            <a:r>
-              <a:rPr lang="de-DE" dirty="0"/>
-              <a:t>); // =&gt; '</a:t>
-            </a:r>
-            <a:r>
-              <a:rPr lang="de-DE" dirty="0" err="1"/>
-              <a:t>foo</a:t>
-            </a:r>
-            <a:r>
-              <a:rPr lang="de-DE" dirty="0"/>
-              <a:t>'</a:t>
-            </a:r>
-          </a:p>
-          <a:p>
+              <a:t>();</a:t>
+            </a:r>
+          </a:p>
+          <a:p>
+            <a:r>
+              <a:rPr lang="de-DE" dirty="0" err="1"/>
+              <a:t>inst.greet</a:t>
+            </a:r>
+            <a:r>
+              <a:rPr lang="de-DE" dirty="0"/>
+              <a:t>(); // =&gt; '</a:t>
+            </a:r>
+            <a:r>
+              <a:rPr lang="de-DE" dirty="0" err="1" smtClean="0"/>
+              <a:t>Hello</a:t>
+            </a:r>
+            <a:endParaRPr lang="de-DE" dirty="0" smtClean="0"/>
+          </a:p>
+          <a:p>
+            <a:endParaRPr lang="de-DE" dirty="0"/>
+          </a:p>
+          <a:p>
+            <a:r>
+              <a:rPr lang="de-DE" dirty="0" smtClean="0"/>
+              <a:t>// Strange: Jedes Objekt hat eine eigene Kopie der Funktion </a:t>
+            </a:r>
+            <a:r>
+              <a:rPr lang="de-DE" dirty="0" err="1" smtClean="0"/>
+              <a:t>greet</a:t>
+            </a:r>
+            <a:r>
+              <a:rPr lang="de-DE" dirty="0" smtClean="0"/>
+              <a:t>!</a:t>
+            </a:r>
             <a:endParaRPr lang="de-DE" dirty="0"/>
           </a:p>
         </p:txBody>
@@ -8818,7 +8783,15 @@
             </a:r>
             <a:r>
               <a:rPr lang="de-DE" dirty="0" err="1" smtClean="0"/>
-              <a:t>this</a:t>
+              <a:t>method</a:t>
+            </a:r>
+            <a:r>
+              <a:rPr lang="de-DE" dirty="0" smtClean="0"/>
+              <a:t> </a:t>
+            </a:r>
+            <a:r>
+              <a:rPr lang="de-DE" dirty="0" err="1" smtClean="0"/>
+              <a:t>pattern</a:t>
             </a:r>
             <a:endParaRPr lang="de-DE" dirty="0"/>
           </a:p>
@@ -8827,7 +8800,7 @@
     </p:spTree>
     <p:extLst>
       <p:ext uri="{BB962C8B-B14F-4D97-AF65-F5344CB8AC3E}">
-        <p14:creationId xmlns:p14="http://schemas.microsoft.com/office/powerpoint/2010/main" val="255818325"/>
+        <p14:creationId xmlns:p14="http://schemas.microsoft.com/office/powerpoint/2010/main" val="99376980"/>
       </p:ext>
     </p:extLst>
   </p:cSld>
@@ -8890,6 +8863,24 @@
             </a:r>
             <a:r>
               <a:rPr lang="de-DE" dirty="0"/>
+              <a:t>() {}</a:t>
+            </a:r>
+          </a:p>
+          <a:p>
+            <a:r>
+              <a:rPr lang="de-DE" dirty="0" err="1"/>
+              <a:t>MyClass.prototype.greet</a:t>
+            </a:r>
+            <a:r>
+              <a:rPr lang="de-DE" dirty="0"/>
+              <a:t> = </a:t>
+            </a:r>
+            <a:r>
+              <a:rPr lang="de-DE" dirty="0" err="1"/>
+              <a:t>function</a:t>
+            </a:r>
+            <a:r>
+              <a:rPr lang="de-DE" dirty="0"/>
               <a:t>() {</a:t>
             </a:r>
           </a:p>
@@ -8900,7 +8891,39 @@
             </a:r>
             <a:r>
               <a:rPr lang="de-DE" dirty="0" err="1"/>
-              <a:t>this.greet</a:t>
+              <a:t>console.log</a:t>
+            </a:r>
+            <a:r>
+              <a:rPr lang="de-DE" dirty="0"/>
+              <a:t>('</a:t>
+            </a:r>
+            <a:r>
+              <a:rPr lang="de-DE" dirty="0" err="1"/>
+              <a:t>Hello</a:t>
+            </a:r>
+            <a:r>
+              <a:rPr lang="de-DE" dirty="0"/>
+              <a:t>!');</a:t>
+            </a:r>
+          </a:p>
+          <a:p>
+            <a:r>
+              <a:rPr lang="de-DE" dirty="0"/>
+              <a:t>};</a:t>
+            </a:r>
+          </a:p>
+          <a:p>
+            <a:r>
+              <a:rPr lang="de-DE" dirty="0" err="1"/>
+              <a:t>var</a:t>
+            </a:r>
+            <a:r>
+              <a:rPr lang="de-DE" dirty="0"/>
+              <a:t> </a:t>
+            </a:r>
+            <a:r>
+              <a:rPr lang="de-DE" dirty="0" err="1"/>
+              <a:t>inst</a:t>
             </a:r>
             <a:r>
               <a:rPr lang="de-DE" dirty="0"/>
@@ -8908,103 +8931,50 @@
             </a:r>
             <a:r>
               <a:rPr lang="de-DE" dirty="0" err="1"/>
-              <a:t>function</a:t>
-            </a:r>
-            <a:r>
-              <a:rPr lang="de-DE" dirty="0"/>
-              <a:t>() {</a:t>
-            </a:r>
-          </a:p>
-          <a:p>
-            <a:r>
-              <a:rPr lang="de-DE" dirty="0"/>
-              <a:t>        </a:t>
-            </a:r>
-            <a:r>
-              <a:rPr lang="de-DE" dirty="0" err="1"/>
-              <a:t>console.log</a:t>
-            </a:r>
-            <a:r>
-              <a:rPr lang="de-DE" dirty="0"/>
-              <a:t>('</a:t>
+              <a:t>new</a:t>
+            </a:r>
+            <a:r>
+              <a:rPr lang="de-DE" dirty="0"/>
+              <a:t> </a:t>
+            </a:r>
+            <a:r>
+              <a:rPr lang="de-DE" dirty="0" err="1"/>
+              <a:t>MyClass</a:t>
+            </a:r>
+            <a:r>
+              <a:rPr lang="de-DE" dirty="0"/>
+              <a:t>();</a:t>
+            </a:r>
+          </a:p>
+          <a:p>
+            <a:r>
+              <a:rPr lang="de-DE" dirty="0" err="1"/>
+              <a:t>inst.greet</a:t>
+            </a:r>
+            <a:r>
+              <a:rPr lang="de-DE" dirty="0"/>
+              <a:t>(); // =&gt; '</a:t>
             </a:r>
             <a:r>
               <a:rPr lang="de-DE" dirty="0" err="1"/>
               <a:t>Hello</a:t>
             </a:r>
             <a:r>
-              <a:rPr lang="de-DE" dirty="0"/>
-              <a:t>!');</a:t>
-            </a:r>
-          </a:p>
-          <a:p>
-            <a:r>
-              <a:rPr lang="de-DE" dirty="0"/>
-              <a:t>    };</a:t>
-            </a:r>
-          </a:p>
-          <a:p>
-            <a:r>
-              <a:rPr lang="de-DE" dirty="0"/>
-              <a:t>}</a:t>
-            </a:r>
-          </a:p>
-          <a:p>
-            <a:r>
-              <a:rPr lang="de-DE" dirty="0" err="1"/>
-              <a:t>var</a:t>
-            </a:r>
-            <a:r>
-              <a:rPr lang="de-DE" dirty="0"/>
-              <a:t> </a:t>
-            </a:r>
-            <a:r>
-              <a:rPr lang="de-DE" dirty="0" err="1"/>
-              <a:t>inst</a:t>
-            </a:r>
-            <a:r>
-              <a:rPr lang="de-DE" dirty="0"/>
-              <a:t> = </a:t>
-            </a:r>
-            <a:r>
-              <a:rPr lang="de-DE" dirty="0" err="1"/>
-              <a:t>new</a:t>
-            </a:r>
-            <a:r>
-              <a:rPr lang="de-DE" dirty="0"/>
-              <a:t> </a:t>
-            </a:r>
-            <a:r>
-              <a:rPr lang="de-DE" dirty="0" err="1"/>
-              <a:t>MyClass</a:t>
-            </a:r>
-            <a:r>
-              <a:rPr lang="de-DE" dirty="0"/>
-              <a:t>();</a:t>
-            </a:r>
-          </a:p>
-          <a:p>
-            <a:r>
-              <a:rPr lang="de-DE" dirty="0" err="1"/>
-              <a:t>inst.greet</a:t>
-            </a:r>
-            <a:r>
-              <a:rPr lang="de-DE" dirty="0"/>
-              <a:t>(); // =&gt; '</a:t>
-            </a:r>
-            <a:r>
-              <a:rPr lang="de-DE" dirty="0" err="1" smtClean="0"/>
-              <a:t>Hello</a:t>
-            </a:r>
-            <a:endParaRPr lang="de-DE" dirty="0" smtClean="0"/>
+              <a:rPr lang="de-DE" dirty="0" smtClean="0"/>
+              <a:t>!</a:t>
+            </a:r>
           </a:p>
           <a:p>
             <a:endParaRPr lang="de-DE" dirty="0"/>
           </a:p>
           <a:p>
             <a:r>
-              <a:rPr lang="de-DE" dirty="0" smtClean="0"/>
-              <a:t>// Strange: Jedes Objekt hat eine eigene Kopie der Funktion </a:t>
+              <a:rPr lang="de-DE" dirty="0"/>
+              <a:t>// </a:t>
+            </a:r>
+            <a:r>
+              <a:rPr lang="de-DE" dirty="0" smtClean="0"/>
+              <a:t>Jetzt gibt es nur noch eine „Kopie“ der </a:t>
             </a:r>
             <a:r>
               <a:rPr lang="de-DE" dirty="0" err="1" smtClean="0"/>
@@ -9012,7 +8982,13 @@
             </a:r>
             <a:r>
               <a:rPr lang="de-DE" dirty="0" smtClean="0"/>
-              <a:t>!</a:t>
+              <a:t>-Funktion </a:t>
+            </a:r>
+            <a:r>
+              <a:rPr lang="de-DE" dirty="0" smtClean="0">
+                <a:sym typeface="Wingdings"/>
+              </a:rPr>
+              <a:t></a:t>
             </a:r>
             <a:endParaRPr lang="de-DE" dirty="0"/>
           </a:p>
@@ -9043,15 +9019,11 @@
             </a:r>
             <a:r>
               <a:rPr lang="de-DE" dirty="0" err="1" smtClean="0"/>
-              <a:t>method</a:t>
-            </a:r>
-            <a:r>
-              <a:rPr lang="de-DE" dirty="0" smtClean="0"/>
-              <a:t> </a:t>
-            </a:r>
-            <a:r>
-              <a:rPr lang="de-DE" dirty="0" err="1" smtClean="0"/>
-              <a:t>pattern</a:t>
+              <a:t>Prototypes</a:t>
+            </a:r>
+            <a:r>
+              <a:rPr lang="de-DE" dirty="0" smtClean="0"/>
+              <a:t>!</a:t>
             </a:r>
             <a:endParaRPr lang="de-DE" dirty="0"/>
           </a:p>
@@ -9060,7 +9032,7 @@
     </p:spTree>
     <p:extLst>
       <p:ext uri="{BB962C8B-B14F-4D97-AF65-F5344CB8AC3E}">
-        <p14:creationId xmlns:p14="http://schemas.microsoft.com/office/powerpoint/2010/main" val="99376980"/>
+        <p14:creationId xmlns:p14="http://schemas.microsoft.com/office/powerpoint/2010/main" val="323236905"/>
       </p:ext>
     </p:extLst>
   </p:cSld>
@@ -9111,6 +9083,24 @@
           <a:p>
             <a:r>
               <a:rPr lang="de-DE" dirty="0" err="1"/>
+              <a:t>var</a:t>
+            </a:r>
+            <a:r>
+              <a:rPr lang="de-DE" dirty="0"/>
+              <a:t> </a:t>
+            </a:r>
+            <a:r>
+              <a:rPr lang="de-DE" dirty="0" err="1"/>
+              <a:t>foo</a:t>
+            </a:r>
+            <a:r>
+              <a:rPr lang="de-DE" dirty="0"/>
+              <a:t> = 'bar';</a:t>
+            </a:r>
+          </a:p>
+          <a:p>
+            <a:r>
+              <a:rPr lang="de-DE" dirty="0" err="1"/>
               <a:t>function</a:t>
             </a:r>
             <a:r>
@@ -9119,25 +9109,7 @@
             </a:r>
             <a:r>
               <a:rPr lang="de-DE" dirty="0" err="1"/>
-              <a:t>MyClass</a:t>
-            </a:r>
-            <a:r>
-              <a:rPr lang="de-DE" dirty="0"/>
-              <a:t>() {}</a:t>
-            </a:r>
-          </a:p>
-          <a:p>
-            <a:r>
-              <a:rPr lang="de-DE" dirty="0" err="1"/>
-              <a:t>MyClass.prototype.greet</a:t>
-            </a:r>
-            <a:r>
-              <a:rPr lang="de-DE" dirty="0"/>
-              <a:t> = </a:t>
-            </a:r>
-            <a:r>
-              <a:rPr lang="de-DE" dirty="0" err="1"/>
-              <a:t>function</a:t>
+              <a:t>myClosure</a:t>
             </a:r>
             <a:r>
               <a:rPr lang="de-DE" dirty="0"/>
@@ -9147,7 +9119,37 @@
           <a:p>
             <a:r>
               <a:rPr lang="de-DE" dirty="0"/>
-              <a:t>    </a:t>
+              <a:t>  </a:t>
+            </a:r>
+            <a:r>
+              <a:rPr lang="de-DE" dirty="0" err="1"/>
+              <a:t>var</a:t>
+            </a:r>
+            <a:r>
+              <a:rPr lang="de-DE" dirty="0"/>
+              <a:t> </a:t>
+            </a:r>
+            <a:r>
+              <a:rPr lang="de-DE" dirty="0" err="1"/>
+              <a:t>baz</a:t>
+            </a:r>
+            <a:r>
+              <a:rPr lang="de-DE" dirty="0"/>
+              <a:t> = '</a:t>
+            </a:r>
+            <a:r>
+              <a:rPr lang="de-DE" dirty="0" err="1"/>
+              <a:t>qux</a:t>
+            </a:r>
+            <a:r>
+              <a:rPr lang="de-DE" dirty="0"/>
+              <a:t>';</a:t>
+            </a:r>
+          </a:p>
+          <a:p>
+            <a:r>
+              <a:rPr lang="de-DE" dirty="0"/>
+              <a:t>  </a:t>
             </a:r>
             <a:r>
               <a:rPr lang="de-DE" dirty="0" err="1"/>
@@ -9155,102 +9157,88 @@
             </a:r>
             <a:r>
               <a:rPr lang="de-DE" dirty="0"/>
-              <a:t>('</a:t>
-            </a:r>
-            <a:r>
-              <a:rPr lang="de-DE" dirty="0" err="1"/>
-              <a:t>Hello</a:t>
-            </a:r>
-            <a:r>
-              <a:rPr lang="de-DE" dirty="0"/>
-              <a:t>!');</a:t>
-            </a:r>
-          </a:p>
-          <a:p>
-            <a:r>
-              <a:rPr lang="de-DE" dirty="0"/>
-              <a:t>};</a:t>
-            </a:r>
-          </a:p>
-          <a:p>
-            <a:r>
-              <a:rPr lang="de-DE" dirty="0" err="1"/>
-              <a:t>var</a:t>
-            </a:r>
-            <a:r>
-              <a:rPr lang="de-DE" dirty="0"/>
-              <a:t> </a:t>
-            </a:r>
-            <a:r>
-              <a:rPr lang="de-DE" dirty="0" err="1"/>
-              <a:t>inst</a:t>
-            </a:r>
-            <a:r>
-              <a:rPr lang="de-DE" dirty="0"/>
-              <a:t> = </a:t>
-            </a:r>
-            <a:r>
-              <a:rPr lang="de-DE" dirty="0" err="1"/>
-              <a:t>new</a:t>
-            </a:r>
-            <a:r>
-              <a:rPr lang="de-DE" dirty="0"/>
-              <a:t> </a:t>
-            </a:r>
-            <a:r>
-              <a:rPr lang="de-DE" dirty="0" err="1"/>
-              <a:t>MyClass</a:t>
-            </a:r>
-            <a:r>
-              <a:rPr lang="de-DE" dirty="0"/>
-              <a:t>();</a:t>
-            </a:r>
-          </a:p>
-          <a:p>
-            <a:r>
-              <a:rPr lang="de-DE" dirty="0" err="1"/>
-              <a:t>inst.greet</a:t>
-            </a:r>
-            <a:r>
-              <a:rPr lang="de-DE" dirty="0"/>
-              <a:t>(); // =&gt; '</a:t>
-            </a:r>
-            <a:r>
-              <a:rPr lang="de-DE" dirty="0" err="1"/>
-              <a:t>Hello</a:t>
-            </a:r>
-            <a:r>
-              <a:rPr lang="de-DE" dirty="0" smtClean="0"/>
-              <a:t>!</a:t>
-            </a:r>
-          </a:p>
-          <a:p>
-            <a:endParaRPr lang="de-DE" dirty="0"/>
-          </a:p>
-          <a:p>
-            <a:r>
-              <a:rPr lang="de-DE" dirty="0"/>
-              <a:t>// </a:t>
-            </a:r>
-            <a:r>
-              <a:rPr lang="de-DE" dirty="0" smtClean="0"/>
-              <a:t>Jetzt gibt es nur noch eine „Kopie“ der </a:t>
-            </a:r>
-            <a:r>
-              <a:rPr lang="de-DE" dirty="0" err="1" smtClean="0"/>
-              <a:t>greet</a:t>
-            </a:r>
-            <a:r>
-              <a:rPr lang="de-DE" dirty="0" smtClean="0"/>
-              <a:t>-Funktion </a:t>
-            </a:r>
-            <a:r>
-              <a:rPr lang="de-DE" dirty="0" smtClean="0">
-                <a:sym typeface="Wingdings"/>
-              </a:rPr>
-              <a:t></a:t>
-            </a:r>
-            <a:endParaRPr lang="de-DE" dirty="0"/>
+              <a:t>(</a:t>
+            </a:r>
+            <a:r>
+              <a:rPr lang="de-DE" dirty="0" err="1"/>
+              <a:t>foo</a:t>
+            </a:r>
+            <a:r>
+              <a:rPr lang="de-DE" dirty="0"/>
+              <a:t>); // =&gt; 'bar'</a:t>
+            </a:r>
+          </a:p>
+          <a:p>
+            <a:r>
+              <a:rPr lang="de-DE" dirty="0"/>
+              <a:t>  </a:t>
+            </a:r>
+            <a:r>
+              <a:rPr lang="de-DE" dirty="0" err="1"/>
+              <a:t>console.log</a:t>
+            </a:r>
+            <a:r>
+              <a:rPr lang="de-DE" dirty="0"/>
+              <a:t>(</a:t>
+            </a:r>
+            <a:r>
+              <a:rPr lang="de-DE" dirty="0" err="1"/>
+              <a:t>baz</a:t>
+            </a:r>
+            <a:r>
+              <a:rPr lang="de-DE" dirty="0"/>
+              <a:t>); // =&gt; '</a:t>
+            </a:r>
+            <a:r>
+              <a:rPr lang="de-DE" dirty="0" err="1"/>
+              <a:t>qux</a:t>
+            </a:r>
+            <a:r>
+              <a:rPr lang="de-DE" dirty="0"/>
+              <a:t>'</a:t>
+            </a:r>
+          </a:p>
+          <a:p>
+            <a:r>
+              <a:rPr lang="de-DE" dirty="0"/>
+              <a:t>}</a:t>
+            </a:r>
+          </a:p>
+          <a:p>
+            <a:r>
+              <a:rPr lang="de-DE" dirty="0" err="1"/>
+              <a:t>console.log</a:t>
+            </a:r>
+            <a:r>
+              <a:rPr lang="de-DE" dirty="0"/>
+              <a:t>(</a:t>
+            </a:r>
+            <a:r>
+              <a:rPr lang="de-DE" dirty="0" err="1"/>
+              <a:t>foo</a:t>
+            </a:r>
+            <a:r>
+              <a:rPr lang="de-DE" dirty="0"/>
+              <a:t>); // =&gt; 'bar'</a:t>
+            </a:r>
+          </a:p>
+          <a:p>
+            <a:r>
+              <a:rPr lang="de-DE" dirty="0" err="1"/>
+              <a:t>console.log</a:t>
+            </a:r>
+            <a:r>
+              <a:rPr lang="de-DE" dirty="0"/>
+              <a:t>(</a:t>
+            </a:r>
+            <a:r>
+              <a:rPr lang="de-DE" dirty="0" err="1"/>
+              <a:t>baz</a:t>
+            </a:r>
+            <a:r>
+              <a:rPr lang="de-DE" dirty="0"/>
+              <a:t>); // =&gt; undefined</a:t>
+            </a:r>
           </a:p>
         </p:txBody>
       </p:sp>
@@ -9275,15 +9263,7 @@
             </a:r>
             <a:r>
               <a:rPr lang="de-DE" dirty="0" smtClean="0"/>
-              <a:t>– </a:t>
-            </a:r>
-            <a:r>
-              <a:rPr lang="de-DE" dirty="0" err="1" smtClean="0"/>
-              <a:t>Prototypes</a:t>
-            </a:r>
-            <a:r>
-              <a:rPr lang="de-DE" dirty="0" smtClean="0"/>
-              <a:t>!</a:t>
+              <a:t>– Sichtbarkeit von Variablen</a:t>
             </a:r>
             <a:endParaRPr lang="de-DE" dirty="0"/>
           </a:p>
@@ -9292,7 +9272,7 @@
     </p:spTree>
     <p:extLst>
       <p:ext uri="{BB962C8B-B14F-4D97-AF65-F5344CB8AC3E}">
-        <p14:creationId xmlns:p14="http://schemas.microsoft.com/office/powerpoint/2010/main" val="323236905"/>
+        <p14:creationId xmlns:p14="http://schemas.microsoft.com/office/powerpoint/2010/main" val="1643762402"/>
       </p:ext>
     </p:extLst>
   </p:cSld>
@@ -9338,167 +9318,109 @@
         </p:nvSpPr>
         <p:spPr/>
         <p:txBody>
-          <a:bodyPr/>
+          <a:bodyPr>
+            <a:normAutofit/>
+          </a:bodyPr>
           <a:lstStyle/>
           <a:p>
-            <a:r>
-              <a:rPr lang="de-DE" dirty="0" err="1"/>
-              <a:t>var</a:t>
-            </a:r>
-            <a:r>
-              <a:rPr lang="de-DE" dirty="0"/>
-              <a:t> </a:t>
-            </a:r>
-            <a:r>
-              <a:rPr lang="de-DE" dirty="0" err="1"/>
-              <a:t>foo</a:t>
-            </a:r>
-            <a:r>
-              <a:rPr lang="de-DE" dirty="0"/>
-              <a:t> = 'bar';</a:t>
-            </a:r>
-          </a:p>
-          <a:p>
-            <a:r>
-              <a:rPr lang="de-DE" dirty="0" err="1"/>
-              <a:t>function</a:t>
-            </a:r>
-            <a:r>
-              <a:rPr lang="de-DE" dirty="0"/>
-              <a:t> </a:t>
-            </a:r>
-            <a:r>
-              <a:rPr lang="de-DE" dirty="0" err="1"/>
-              <a:t>myClosure</a:t>
-            </a:r>
-            <a:r>
-              <a:rPr lang="de-DE" dirty="0"/>
-              <a:t>() {</a:t>
-            </a:r>
-          </a:p>
-          <a:p>
-            <a:r>
-              <a:rPr lang="de-DE" dirty="0"/>
-              <a:t>  </a:t>
-            </a:r>
-            <a:r>
-              <a:rPr lang="de-DE" dirty="0" err="1"/>
-              <a:t>var</a:t>
-            </a:r>
-            <a:r>
-              <a:rPr lang="de-DE" dirty="0"/>
-              <a:t> </a:t>
-            </a:r>
-            <a:r>
-              <a:rPr lang="de-DE" dirty="0" err="1"/>
-              <a:t>baz</a:t>
-            </a:r>
-            <a:r>
-              <a:rPr lang="de-DE" dirty="0"/>
-              <a:t> = '</a:t>
-            </a:r>
-            <a:r>
-              <a:rPr lang="de-DE" dirty="0" err="1"/>
-              <a:t>qux</a:t>
-            </a:r>
-            <a:r>
-              <a:rPr lang="de-DE" dirty="0"/>
-              <a:t>';</a:t>
-            </a:r>
-          </a:p>
-          <a:p>
-            <a:r>
-              <a:rPr lang="de-DE" dirty="0"/>
-              <a:t>  </a:t>
-            </a:r>
-            <a:r>
-              <a:rPr lang="de-DE" dirty="0" err="1"/>
-              <a:t>console.log</a:t>
-            </a:r>
-            <a:r>
-              <a:rPr lang="de-DE" dirty="0"/>
-              <a:t>(</a:t>
-            </a:r>
-            <a:r>
-              <a:rPr lang="de-DE" dirty="0" err="1"/>
-              <a:t>foo</a:t>
-            </a:r>
-            <a:r>
-              <a:rPr lang="de-DE" dirty="0"/>
-              <a:t>); // =&gt; 'bar'</a:t>
-            </a:r>
-          </a:p>
-          <a:p>
-            <a:r>
-              <a:rPr lang="de-DE" dirty="0"/>
-              <a:t>  </a:t>
-            </a:r>
-            <a:r>
-              <a:rPr lang="de-DE" dirty="0" err="1"/>
-              <a:t>console.log</a:t>
-            </a:r>
-            <a:r>
-              <a:rPr lang="de-DE" dirty="0"/>
-              <a:t>(</a:t>
-            </a:r>
-            <a:r>
-              <a:rPr lang="de-DE" dirty="0" err="1"/>
-              <a:t>baz</a:t>
-            </a:r>
-            <a:r>
-              <a:rPr lang="de-DE" dirty="0"/>
-              <a:t>); // =&gt; '</a:t>
-            </a:r>
-            <a:r>
-              <a:rPr lang="de-DE" dirty="0" err="1"/>
-              <a:t>qux</a:t>
-            </a:r>
-            <a:r>
-              <a:rPr lang="de-DE" dirty="0"/>
-              <a:t>'</a:t>
-            </a:r>
-          </a:p>
-          <a:p>
-            <a:r>
-              <a:rPr lang="de-DE" dirty="0"/>
-              <a:t>}</a:t>
-            </a:r>
-          </a:p>
-          <a:p>
-            <a:r>
-              <a:rPr lang="de-DE" dirty="0" err="1"/>
-              <a:t>console.log</a:t>
-            </a:r>
-            <a:r>
-              <a:rPr lang="de-DE" dirty="0"/>
-              <a:t>(</a:t>
-            </a:r>
-            <a:r>
-              <a:rPr lang="de-DE" dirty="0" err="1"/>
-              <a:t>foo</a:t>
-            </a:r>
-            <a:r>
-              <a:rPr lang="de-DE" dirty="0"/>
-              <a:t>); // =&gt; 'bar'</a:t>
-            </a:r>
-          </a:p>
-          <a:p>
-            <a:r>
-              <a:rPr lang="de-DE" dirty="0" err="1"/>
-              <a:t>console.log</a:t>
-            </a:r>
-            <a:r>
-              <a:rPr lang="de-DE" dirty="0"/>
-              <a:t>(</a:t>
-            </a:r>
-            <a:r>
-              <a:rPr lang="de-DE" dirty="0" err="1"/>
-              <a:t>baz</a:t>
-            </a:r>
-            <a:r>
-              <a:rPr lang="de-DE" dirty="0"/>
-              <a:t>); // =&gt; undefined</a:t>
-            </a:r>
+            <a:pPr marL="0" indent="0">
+              <a:buNone/>
+            </a:pPr>
+            <a:r>
+              <a:rPr lang="de-DE" dirty="0" smtClean="0">
+                <a:latin typeface="Consolas"/>
+                <a:cs typeface="Consolas"/>
+              </a:rPr>
+              <a:t>Code + </a:t>
+            </a:r>
+            <a:r>
+              <a:rPr lang="de-DE" dirty="0" err="1" smtClean="0">
+                <a:latin typeface="Consolas"/>
+                <a:cs typeface="Consolas"/>
+              </a:rPr>
+              <a:t>Scope</a:t>
+            </a:r>
+            <a:r>
+              <a:rPr lang="de-DE" dirty="0" smtClean="0">
+                <a:latin typeface="Consolas"/>
+                <a:cs typeface="Consolas"/>
+              </a:rPr>
+              <a:t> = </a:t>
+            </a:r>
+            <a:r>
+              <a:rPr lang="de-DE" dirty="0" err="1" smtClean="0">
+                <a:latin typeface="Consolas"/>
+                <a:cs typeface="Consolas"/>
+              </a:rPr>
+              <a:t>Closure</a:t>
+            </a:r>
+            <a:endParaRPr lang="de-DE" dirty="0" smtClean="0">
+              <a:latin typeface="Consolas"/>
+              <a:cs typeface="Consolas"/>
+            </a:endParaRPr>
+          </a:p>
+          <a:p>
+            <a:pPr marL="0" indent="0">
+              <a:buNone/>
+            </a:pPr>
+            <a:r>
+              <a:rPr lang="de-DE" dirty="0" smtClean="0"/>
+              <a:t>Eine </a:t>
+            </a:r>
+            <a:r>
+              <a:rPr lang="de-DE" dirty="0"/>
+              <a:t>Funktion wird stets in einem Funktionsgeltungsbereich ausgeführt. </a:t>
+            </a:r>
+          </a:p>
+          <a:p>
+            <a:pPr marL="0" indent="0">
+              <a:buNone/>
+            </a:pPr>
+            <a:r>
+              <a:rPr lang="de-DE" dirty="0"/>
+              <a:t>Der Funktionsgeltungsbereich gilt auch, wenn in einer Funktion eine weitere, innere Funktion definiert wird. </a:t>
+            </a:r>
+            <a:endParaRPr lang="de-DE" dirty="0" smtClean="0"/>
+          </a:p>
+          <a:p>
+            <a:pPr marL="0" indent="0">
+              <a:buNone/>
+            </a:pPr>
+            <a:r>
+              <a:rPr lang="de-DE" dirty="0" smtClean="0"/>
+              <a:t>Diese </a:t>
+            </a:r>
+            <a:r>
+              <a:rPr lang="de-DE" dirty="0"/>
+              <a:t>Funktion hat dann Zugriff auf die Variablen der äußeren Funktion. Ausnahmen sind hier </a:t>
+            </a:r>
+            <a:r>
+              <a:rPr lang="de-DE" dirty="0" err="1">
+                <a:latin typeface="Consolas"/>
+                <a:cs typeface="Consolas"/>
+              </a:rPr>
+              <a:t>this</a:t>
+            </a:r>
+            <a:r>
+              <a:rPr lang="de-DE" dirty="0"/>
+              <a:t> und der Bonusparameter </a:t>
+            </a:r>
+            <a:r>
+              <a:rPr lang="de-DE" dirty="0" err="1">
+                <a:latin typeface="Consolas"/>
+                <a:cs typeface="Consolas"/>
+              </a:rPr>
+              <a:t>arguments</a:t>
+            </a:r>
+            <a:r>
+              <a:rPr lang="de-DE" dirty="0"/>
+              <a:t>, da diese Parameter von jeder Funktion selbst überschrieben </a:t>
+            </a:r>
+            <a:r>
+              <a:rPr lang="de-DE" dirty="0" smtClean="0"/>
+              <a:t>werden.</a:t>
+            </a:r>
+            <a:endParaRPr lang="de-DE" dirty="0"/>
           </a:p>
         </p:txBody>
       </p:sp>
@@ -9518,12 +9440,8 @@
           <a:lstStyle/>
           <a:p>
             <a:r>
-              <a:rPr lang="de-DE" dirty="0"/>
-              <a:t>Class Pattern </a:t>
-            </a:r>
-            <a:r>
-              <a:rPr lang="de-DE" dirty="0" smtClean="0"/>
-              <a:t>– Sichtbarkeit von Variablen</a:t>
+              <a:rPr lang="de-DE" dirty="0" err="1" smtClean="0"/>
+              <a:t>Closures</a:t>
             </a:r>
             <a:endParaRPr lang="de-DE" dirty="0"/>
           </a:p>
@@ -9532,7 +9450,7 @@
     </p:spTree>
     <p:extLst>
       <p:ext uri="{BB962C8B-B14F-4D97-AF65-F5344CB8AC3E}">
-        <p14:creationId xmlns:p14="http://schemas.microsoft.com/office/powerpoint/2010/main" val="1643762402"/>
+        <p14:creationId xmlns:p14="http://schemas.microsoft.com/office/powerpoint/2010/main" val="1216556351"/>
       </p:ext>
     </p:extLst>
   </p:cSld>
@@ -9568,7 +9486,7 @@
       </p:grpSpPr>
       <p:sp>
         <p:nvSpPr>
-          <p:cNvPr id="5" name="Inhaltsplatzhalter 4"/>
+          <p:cNvPr id="2" name="Inhaltsplatzhalter 1"/>
           <p:cNvSpPr>
             <a:spLocks noGrp="1"/>
           </p:cNvSpPr>
@@ -9578,115 +9496,152 @@
         </p:nvSpPr>
         <p:spPr/>
         <p:txBody>
-          <a:bodyPr>
-            <a:normAutofit/>
-          </a:bodyPr>
+          <a:bodyPr/>
           <a:lstStyle/>
           <a:p>
-            <a:pPr marL="0" indent="0">
-              <a:buNone/>
-            </a:pPr>
-            <a:r>
-              <a:rPr lang="de-DE" dirty="0" smtClean="0">
-                <a:latin typeface="Consolas"/>
-                <a:cs typeface="Consolas"/>
-              </a:rPr>
-              <a:t>Code + </a:t>
-            </a:r>
-            <a:r>
-              <a:rPr lang="de-DE" dirty="0" err="1" smtClean="0">
-                <a:latin typeface="Consolas"/>
-                <a:cs typeface="Consolas"/>
-              </a:rPr>
-              <a:t>Scope</a:t>
-            </a:r>
-            <a:r>
-              <a:rPr lang="de-DE" dirty="0" smtClean="0">
-                <a:latin typeface="Consolas"/>
-                <a:cs typeface="Consolas"/>
-              </a:rPr>
-              <a:t> = </a:t>
-            </a:r>
-            <a:r>
-              <a:rPr lang="de-DE" dirty="0" err="1" smtClean="0">
-                <a:latin typeface="Consolas"/>
-                <a:cs typeface="Consolas"/>
-              </a:rPr>
-              <a:t>Closure</a:t>
-            </a:r>
-            <a:endParaRPr lang="de-DE" dirty="0" smtClean="0">
-              <a:latin typeface="Consolas"/>
-              <a:cs typeface="Consolas"/>
-            </a:endParaRPr>
-          </a:p>
-          <a:p>
-            <a:pPr marL="0" indent="0">
-              <a:buNone/>
-            </a:pPr>
-            <a:r>
-              <a:rPr lang="de-DE" dirty="0" smtClean="0"/>
-              <a:t>Eine </a:t>
-            </a:r>
-            <a:r>
-              <a:rPr lang="de-DE" dirty="0"/>
-              <a:t>Funktion wird stets in einem Funktionsgeltungsbereich ausgeführt. </a:t>
-            </a:r>
-          </a:p>
-          <a:p>
-            <a:pPr marL="0" indent="0">
-              <a:buNone/>
-            </a:pPr>
-            <a:r>
-              <a:rPr lang="de-DE" dirty="0"/>
-              <a:t>Der Funktionsgeltungsbereich gilt auch, wenn in einer Funktion eine weitere, innere Funktion definiert wird. </a:t>
-            </a:r>
-            <a:endParaRPr lang="de-DE" dirty="0" smtClean="0"/>
-          </a:p>
-          <a:p>
-            <a:pPr marL="0" indent="0">
-              <a:buNone/>
-            </a:pPr>
-            <a:r>
-              <a:rPr lang="de-DE" dirty="0" smtClean="0"/>
-              <a:t>Diese </a:t>
-            </a:r>
-            <a:r>
-              <a:rPr lang="de-DE" dirty="0"/>
-              <a:t>Funktion hat dann Zugriff auf die Variablen der äußeren Funktion. Ausnahmen sind hier </a:t>
-            </a:r>
-            <a:r>
-              <a:rPr lang="de-DE" dirty="0" err="1">
-                <a:latin typeface="Consolas"/>
-                <a:cs typeface="Consolas"/>
-              </a:rPr>
-              <a:t>this</a:t>
-            </a:r>
-            <a:r>
-              <a:rPr lang="de-DE" dirty="0"/>
-              <a:t> und der Bonusparameter </a:t>
-            </a:r>
-            <a:r>
-              <a:rPr lang="de-DE" dirty="0" err="1">
-                <a:latin typeface="Consolas"/>
-                <a:cs typeface="Consolas"/>
-              </a:rPr>
-              <a:t>arguments</a:t>
-            </a:r>
-            <a:r>
-              <a:rPr lang="de-DE" dirty="0"/>
-              <a:t>, da diese Parameter von jeder Funktion selbst überschrieben </a:t>
-            </a:r>
-            <a:r>
-              <a:rPr lang="de-DE" dirty="0" smtClean="0"/>
-              <a:t>werden.</a:t>
-            </a:r>
+            <a:r>
+              <a:rPr lang="de-DE" dirty="0" err="1"/>
+              <a:t>function</a:t>
+            </a:r>
+            <a:r>
+              <a:rPr lang="de-DE" dirty="0"/>
+              <a:t> </a:t>
+            </a:r>
+            <a:r>
+              <a:rPr lang="de-DE" dirty="0" err="1" smtClean="0"/>
+              <a:t>outerFunction</a:t>
+            </a:r>
+            <a:r>
+              <a:rPr lang="de-DE" dirty="0"/>
+              <a:t>() {</a:t>
+            </a:r>
+          </a:p>
+          <a:p>
+            <a:r>
+              <a:rPr lang="de-DE" dirty="0"/>
+              <a:t>	</a:t>
+            </a:r>
+            <a:r>
+              <a:rPr lang="de-DE" dirty="0" err="1"/>
+              <a:t>var</a:t>
+            </a:r>
+            <a:r>
+              <a:rPr lang="de-DE" dirty="0"/>
+              <a:t> x = "</a:t>
+            </a:r>
+            <a:r>
+              <a:rPr lang="de-DE" dirty="0" err="1"/>
+              <a:t>Hello</a:t>
+            </a:r>
+            <a:r>
+              <a:rPr lang="de-DE" dirty="0"/>
+              <a:t>";</a:t>
+            </a:r>
+          </a:p>
+          <a:p>
+            <a:r>
+              <a:rPr lang="de-DE" dirty="0"/>
+              <a:t>	</a:t>
+            </a:r>
+            <a:r>
+              <a:rPr lang="de-DE" dirty="0" err="1"/>
+              <a:t>function</a:t>
+            </a:r>
+            <a:r>
+              <a:rPr lang="de-DE" dirty="0"/>
+              <a:t> </a:t>
+            </a:r>
+            <a:r>
+              <a:rPr lang="de-DE" dirty="0" err="1"/>
+              <a:t>innerFunction</a:t>
+            </a:r>
+            <a:r>
+              <a:rPr lang="de-DE" dirty="0"/>
+              <a:t>() {</a:t>
+            </a:r>
+          </a:p>
+          <a:p>
+            <a:r>
+              <a:rPr lang="de-DE" dirty="0"/>
+              <a:t>		</a:t>
+            </a:r>
+            <a:r>
+              <a:rPr lang="de-DE" dirty="0" err="1"/>
+              <a:t>return</a:t>
+            </a:r>
+            <a:r>
+              <a:rPr lang="de-DE" dirty="0"/>
+              <a:t> x;</a:t>
+            </a:r>
+          </a:p>
+          <a:p>
+            <a:r>
+              <a:rPr lang="de-DE" dirty="0"/>
+              <a:t>	}</a:t>
+            </a:r>
+          </a:p>
+          <a:p>
+            <a:r>
+              <a:rPr lang="de-DE" dirty="0"/>
+              <a:t>	</a:t>
+            </a:r>
+            <a:r>
+              <a:rPr lang="de-DE" dirty="0" err="1"/>
+              <a:t>return</a:t>
+            </a:r>
+            <a:r>
+              <a:rPr lang="de-DE" dirty="0"/>
+              <a:t> </a:t>
+            </a:r>
+            <a:r>
+              <a:rPr lang="de-DE" dirty="0" err="1"/>
+              <a:t>innerFunction</a:t>
+            </a:r>
+            <a:r>
+              <a:rPr lang="de-DE" dirty="0"/>
+              <a:t>();</a:t>
+            </a:r>
+          </a:p>
+          <a:p>
+            <a:r>
+              <a:rPr lang="de-DE" dirty="0"/>
+              <a:t>}</a:t>
+            </a:r>
+          </a:p>
+          <a:p>
             <a:endParaRPr lang="de-DE" dirty="0"/>
           </a:p>
+          <a:p>
+            <a:r>
+              <a:rPr lang="de-DE" dirty="0" err="1" smtClean="0"/>
+              <a:t>outerFunction</a:t>
+            </a:r>
+            <a:r>
+              <a:rPr lang="de-DE" dirty="0"/>
+              <a:t>(</a:t>
+            </a:r>
+            <a:r>
+              <a:rPr lang="de-DE" dirty="0" smtClean="0"/>
+              <a:t>); </a:t>
+            </a:r>
+            <a:r>
+              <a:rPr lang="de-DE" dirty="0"/>
+              <a:t>// </a:t>
+            </a:r>
+            <a:r>
+              <a:rPr lang="de-DE" dirty="0" err="1"/>
+              <a:t>Hello</a:t>
+            </a:r>
+            <a:endParaRPr lang="de-DE" dirty="0"/>
+          </a:p>
+          <a:p>
+            <a:endParaRPr lang="de-DE" dirty="0"/>
+          </a:p>
         </p:txBody>
       </p:sp>
       <p:sp>
         <p:nvSpPr>
-          <p:cNvPr id="4" name="Titel 3"/>
+          <p:cNvPr id="3" name="Titel 2"/>
           <p:cNvSpPr>
             <a:spLocks noGrp="1"/>
           </p:cNvSpPr>
@@ -9710,7 +9665,7 @@
     </p:spTree>
     <p:extLst>
       <p:ext uri="{BB962C8B-B14F-4D97-AF65-F5344CB8AC3E}">
-        <p14:creationId xmlns:p14="http://schemas.microsoft.com/office/powerpoint/2010/main" val="1216556351"/>
+        <p14:creationId xmlns:p14="http://schemas.microsoft.com/office/powerpoint/2010/main" val="1306950165"/>
       </p:ext>
     </p:extLst>
   </p:cSld>
@@ -9746,7 +9701,7 @@
       </p:grpSpPr>
       <p:sp>
         <p:nvSpPr>
-          <p:cNvPr id="2" name="Inhaltsplatzhalter 1"/>
+          <p:cNvPr id="5" name="Inhaltsplatzhalter 4"/>
           <p:cNvSpPr>
             <a:spLocks noGrp="1"/>
           </p:cNvSpPr>
@@ -9761,25 +9716,33 @@
           <a:p>
             <a:r>
               <a:rPr lang="de-DE" dirty="0" err="1"/>
+              <a:t>var</a:t>
+            </a:r>
+            <a:r>
+              <a:rPr lang="de-DE" dirty="0"/>
+              <a:t> </a:t>
+            </a:r>
+            <a:r>
+              <a:rPr lang="de-DE" dirty="0" err="1"/>
+              <a:t>MyClass</a:t>
+            </a:r>
+            <a:r>
+              <a:rPr lang="de-DE" dirty="0"/>
+              <a:t> = (</a:t>
+            </a:r>
+            <a:r>
+              <a:rPr lang="de-DE" dirty="0" err="1"/>
               <a:t>function</a:t>
             </a:r>
             <a:r>
               <a:rPr lang="de-DE" dirty="0"/>
-              <a:t> </a:t>
-            </a:r>
-            <a:r>
-              <a:rPr lang="de-DE" dirty="0" err="1" smtClean="0"/>
-              <a:t>outerFunction</a:t>
-            </a:r>
-            <a:r>
-              <a:rPr lang="de-DE" dirty="0"/>
               <a:t>() {</a:t>
             </a:r>
           </a:p>
           <a:p>
             <a:r>
               <a:rPr lang="de-DE" dirty="0"/>
-              <a:t>	</a:t>
+              <a:t>    </a:t>
             </a:r>
             <a:r>
               <a:rPr lang="de-DE" dirty="0" err="1"/>
@@ -9787,21 +9750,21 @@
             </a:r>
             <a:r>
               <a:rPr lang="de-DE" dirty="0"/>
-              <a:t> x = "</a:t>
-            </a:r>
-            <a:r>
-              <a:rPr lang="de-DE" dirty="0" err="1"/>
-              <a:t>Hello</a:t>
-            </a:r>
-            <a:r>
-              <a:rPr lang="de-DE" dirty="0"/>
-              <a:t>";</a:t>
-            </a:r>
-          </a:p>
-          <a:p>
-            <a:r>
-              <a:rPr lang="de-DE" dirty="0"/>
-              <a:t>	</a:t>
+              <a:t> </a:t>
+            </a:r>
+            <a:r>
+              <a:rPr lang="de-DE" dirty="0" err="1"/>
+              <a:t>multiplier</a:t>
+            </a:r>
+            <a:r>
+              <a:rPr lang="de-DE" dirty="0"/>
+              <a:t> = 10;</a:t>
+            </a:r>
+          </a:p>
+          <a:p>
+            <a:r>
+              <a:rPr lang="de-DE" dirty="0"/>
+              <a:t>    </a:t>
             </a:r>
             <a:r>
               <a:rPr lang="de-DE" dirty="0" err="1"/>
@@ -9813,17 +9776,61 @@
             </a:r>
             <a:r>
               <a:rPr lang="de-DE" dirty="0" err="1"/>
-              <a:t>innerFunction</a:t>
-            </a:r>
-            <a:r>
-              <a:rPr lang="de-DE" dirty="0"/>
-              <a:t>() {</a:t>
-            </a:r>
-          </a:p>
-          <a:p>
-            <a:r>
-              <a:rPr lang="de-DE" dirty="0"/>
-              <a:t>		</a:t>
+              <a:t>MyClass</a:t>
+            </a:r>
+            <a:r>
+              <a:rPr lang="de-DE" dirty="0"/>
+              <a:t>(</a:t>
+            </a:r>
+            <a:r>
+              <a:rPr lang="de-DE" dirty="0" err="1"/>
+              <a:t>n</a:t>
+            </a:r>
+            <a:r>
+              <a:rPr lang="de-DE" dirty="0"/>
+              <a:t>) {</a:t>
+            </a:r>
+          </a:p>
+          <a:p>
+            <a:r>
+              <a:rPr lang="de-DE" dirty="0"/>
+              <a:t>        </a:t>
+            </a:r>
+            <a:r>
+              <a:rPr lang="de-DE" dirty="0" err="1"/>
+              <a:t>this.n</a:t>
+            </a:r>
+            <a:r>
+              <a:rPr lang="de-DE" dirty="0"/>
+              <a:t> = </a:t>
+            </a:r>
+            <a:r>
+              <a:rPr lang="de-DE" dirty="0" err="1"/>
+              <a:t>n</a:t>
+            </a:r>
+            <a:r>
+              <a:rPr lang="de-DE" dirty="0"/>
+              <a:t> * </a:t>
+            </a:r>
+            <a:r>
+              <a:rPr lang="de-DE" dirty="0" err="1"/>
+              <a:t>multiplier</a:t>
+            </a:r>
+            <a:r>
+              <a:rPr lang="de-DE" dirty="0"/>
+              <a:t>;</a:t>
+            </a:r>
+          </a:p>
+          <a:p>
+            <a:r>
+              <a:rPr lang="de-DE" dirty="0"/>
+              <a:t>    }</a:t>
+            </a:r>
+          </a:p>
+          <a:p>
+            <a:r>
+              <a:rPr lang="de-DE" dirty="0"/>
+              <a:t>    </a:t>
             </a:r>
             <a:r>
               <a:rPr lang="de-DE" dirty="0" err="1"/>
@@ -9831,77 +9838,28 @@
             </a:r>
             <a:r>
               <a:rPr lang="de-DE" dirty="0"/>
-              <a:t> x;</a:t>
-            </a:r>
-          </a:p>
-          <a:p>
-            <a:r>
-              <a:rPr lang="de-DE" dirty="0"/>
-              <a:t>	}</a:t>
-            </a:r>
-          </a:p>
-          <a:p>
-            <a:r>
-              <a:rPr lang="de-DE" dirty="0"/>
-              <a:t>	</a:t>
-            </a:r>
-            <a:r>
-              <a:rPr lang="de-DE" dirty="0" err="1"/>
-              <a:t>return</a:t>
-            </a:r>
-            <a:r>
-              <a:rPr lang="de-DE" dirty="0"/>
-              <a:t> </a:t>
-            </a:r>
-            <a:r>
-              <a:rPr lang="de-DE" dirty="0" err="1"/>
-              <a:t>innerFunction</a:t>
-            </a:r>
-            <a:r>
-              <a:rPr lang="de-DE" dirty="0"/>
-              <a:t>();</a:t>
-            </a:r>
-          </a:p>
-          <a:p>
-            <a:r>
-              <a:rPr lang="de-DE" dirty="0"/>
-              <a:t>}</a:t>
-            </a:r>
-          </a:p>
-          <a:p>
-            <a:endParaRPr lang="de-DE" dirty="0"/>
-          </a:p>
-          <a:p>
-            <a:r>
-              <a:rPr lang="de-DE" dirty="0" err="1" smtClean="0"/>
-              <a:t>outerFunction</a:t>
-            </a:r>
-            <a:r>
-              <a:rPr lang="de-DE" dirty="0"/>
-              <a:t>(</a:t>
-            </a:r>
-            <a:r>
-              <a:rPr lang="de-DE" dirty="0" smtClean="0"/>
-              <a:t>); </a:t>
-            </a:r>
-            <a:r>
-              <a:rPr lang="de-DE" dirty="0"/>
-              <a:t>// </a:t>
-            </a:r>
-            <a:r>
-              <a:rPr lang="de-DE" dirty="0" err="1"/>
-              <a:t>Hello</a:t>
-            </a:r>
-            <a:endParaRPr lang="de-DE" dirty="0"/>
-          </a:p>
-          <a:p>
-            <a:endParaRPr lang="de-DE" dirty="0"/>
+              <a:t> </a:t>
+            </a:r>
+            <a:r>
+              <a:rPr lang="de-DE" dirty="0" err="1"/>
+              <a:t>MyClass</a:t>
+            </a:r>
+            <a:r>
+              <a:rPr lang="de-DE" dirty="0"/>
+              <a:t>;</a:t>
+            </a:r>
+          </a:p>
+          <a:p>
+            <a:r>
+              <a:rPr lang="de-DE" dirty="0"/>
+              <a:t>})();</a:t>
+            </a:r>
           </a:p>
         </p:txBody>
       </p:sp>
       <p:sp>
         <p:nvSpPr>
-          <p:cNvPr id="3" name="Titel 2"/>
+          <p:cNvPr id="4" name="Titel 3"/>
           <p:cNvSpPr>
             <a:spLocks noGrp="1"/>
           </p:cNvSpPr>
@@ -9915,6 +9873,42 @@
           <a:lstStyle/>
           <a:p>
             <a:r>
+              <a:rPr lang="de-DE" dirty="0"/>
+              <a:t>Class Pattern </a:t>
+            </a:r>
+            <a:r>
+              <a:rPr lang="de-DE" dirty="0" smtClean="0"/>
+              <a:t>– </a:t>
+            </a:r>
+            <a:r>
+              <a:rPr lang="de-DE" dirty="0" err="1" smtClean="0"/>
+              <a:t>Putting</a:t>
+            </a:r>
+            <a:r>
+              <a:rPr lang="de-DE" dirty="0" smtClean="0"/>
+              <a:t> </a:t>
+            </a:r>
+            <a:r>
+              <a:rPr lang="de-DE" dirty="0" err="1" smtClean="0"/>
+              <a:t>it</a:t>
+            </a:r>
+            <a:r>
+              <a:rPr lang="de-DE" dirty="0" smtClean="0"/>
+              <a:t> all </a:t>
+            </a:r>
+            <a:r>
+              <a:rPr lang="de-DE" dirty="0" err="1" smtClean="0"/>
+              <a:t>together</a:t>
+            </a:r>
+            <a:r>
+              <a:rPr lang="de-DE" dirty="0"/>
+              <a:t> </a:t>
+            </a:r>
+            <a:r>
+              <a:rPr lang="de-DE" dirty="0" smtClean="0"/>
+              <a:t>– IIFE &amp; </a:t>
+            </a:r>
+            <a:r>
               <a:rPr lang="de-DE" dirty="0" err="1" smtClean="0"/>
               <a:t>Closures</a:t>
             </a:r>
@@ -9925,7 +9919,7 @@
     </p:spTree>
     <p:extLst>
       <p:ext uri="{BB962C8B-B14F-4D97-AF65-F5344CB8AC3E}">
-        <p14:creationId xmlns:p14="http://schemas.microsoft.com/office/powerpoint/2010/main" val="1306950165"/>
+        <p14:creationId xmlns:p14="http://schemas.microsoft.com/office/powerpoint/2010/main" val="1086562262"/>
       </p:ext>
     </p:extLst>
   </p:cSld>
@@ -9961,260 +9955,6 @@
       </p:grpSpPr>
       <p:sp>
         <p:nvSpPr>
-          <p:cNvPr id="5" name="Inhaltsplatzhalter 4"/>
-          <p:cNvSpPr>
-            <a:spLocks noGrp="1"/>
-          </p:cNvSpPr>
-          <p:nvPr>
-            <p:ph idx="1"/>
-          </p:nvPr>
-        </p:nvSpPr>
-        <p:spPr/>
-        <p:txBody>
-          <a:bodyPr/>
-          <a:lstStyle/>
-          <a:p>
-            <a:r>
-              <a:rPr lang="de-DE" dirty="0" err="1"/>
-              <a:t>var</a:t>
-            </a:r>
-            <a:r>
-              <a:rPr lang="de-DE" dirty="0"/>
-              <a:t> </a:t>
-            </a:r>
-            <a:r>
-              <a:rPr lang="de-DE" dirty="0" err="1"/>
-              <a:t>MyClass</a:t>
-            </a:r>
-            <a:r>
-              <a:rPr lang="de-DE" dirty="0"/>
-              <a:t> = (</a:t>
-            </a:r>
-            <a:r>
-              <a:rPr lang="de-DE" dirty="0" err="1"/>
-              <a:t>function</a:t>
-            </a:r>
-            <a:r>
-              <a:rPr lang="de-DE" dirty="0"/>
-              <a:t>() {</a:t>
-            </a:r>
-          </a:p>
-          <a:p>
-            <a:r>
-              <a:rPr lang="de-DE" dirty="0"/>
-              <a:t>    </a:t>
-            </a:r>
-            <a:r>
-              <a:rPr lang="de-DE" dirty="0" err="1"/>
-              <a:t>var</a:t>
-            </a:r>
-            <a:r>
-              <a:rPr lang="de-DE" dirty="0"/>
-              <a:t> </a:t>
-            </a:r>
-            <a:r>
-              <a:rPr lang="de-DE" dirty="0" err="1"/>
-              <a:t>multiplier</a:t>
-            </a:r>
-            <a:r>
-              <a:rPr lang="de-DE" dirty="0"/>
-              <a:t> = 10;</a:t>
-            </a:r>
-          </a:p>
-          <a:p>
-            <a:r>
-              <a:rPr lang="de-DE" dirty="0"/>
-              <a:t>    </a:t>
-            </a:r>
-            <a:r>
-              <a:rPr lang="de-DE" dirty="0" err="1"/>
-              <a:t>function</a:t>
-            </a:r>
-            <a:r>
-              <a:rPr lang="de-DE" dirty="0"/>
-              <a:t> </a:t>
-            </a:r>
-            <a:r>
-              <a:rPr lang="de-DE" dirty="0" err="1"/>
-              <a:t>MyClass</a:t>
-            </a:r>
-            <a:r>
-              <a:rPr lang="de-DE" dirty="0"/>
-              <a:t>(</a:t>
-            </a:r>
-            <a:r>
-              <a:rPr lang="de-DE" dirty="0" err="1"/>
-              <a:t>n</a:t>
-            </a:r>
-            <a:r>
-              <a:rPr lang="de-DE" dirty="0"/>
-              <a:t>) {</a:t>
-            </a:r>
-          </a:p>
-          <a:p>
-            <a:r>
-              <a:rPr lang="de-DE" dirty="0"/>
-              <a:t>        </a:t>
-            </a:r>
-            <a:r>
-              <a:rPr lang="de-DE" dirty="0" err="1"/>
-              <a:t>this.n</a:t>
-            </a:r>
-            <a:r>
-              <a:rPr lang="de-DE" dirty="0"/>
-              <a:t> = </a:t>
-            </a:r>
-            <a:r>
-              <a:rPr lang="de-DE" dirty="0" err="1"/>
-              <a:t>n</a:t>
-            </a:r>
-            <a:r>
-              <a:rPr lang="de-DE" dirty="0"/>
-              <a:t> * </a:t>
-            </a:r>
-            <a:r>
-              <a:rPr lang="de-DE" dirty="0" err="1"/>
-              <a:t>multiplier</a:t>
-            </a:r>
-            <a:r>
-              <a:rPr lang="de-DE" dirty="0"/>
-              <a:t>;</a:t>
-            </a:r>
-          </a:p>
-          <a:p>
-            <a:r>
-              <a:rPr lang="de-DE" dirty="0"/>
-              <a:t>    }</a:t>
-            </a:r>
-          </a:p>
-          <a:p>
-            <a:r>
-              <a:rPr lang="de-DE" dirty="0"/>
-              <a:t>    </a:t>
-            </a:r>
-            <a:r>
-              <a:rPr lang="de-DE" dirty="0" err="1"/>
-              <a:t>return</a:t>
-            </a:r>
-            <a:r>
-              <a:rPr lang="de-DE" dirty="0"/>
-              <a:t> </a:t>
-            </a:r>
-            <a:r>
-              <a:rPr lang="de-DE" dirty="0" err="1"/>
-              <a:t>MyClass</a:t>
-            </a:r>
-            <a:r>
-              <a:rPr lang="de-DE" dirty="0"/>
-              <a:t>;</a:t>
-            </a:r>
-          </a:p>
-          <a:p>
-            <a:r>
-              <a:rPr lang="de-DE" dirty="0"/>
-              <a:t>})();</a:t>
-            </a:r>
-          </a:p>
-        </p:txBody>
-      </p:sp>
-      <p:sp>
-        <p:nvSpPr>
-          <p:cNvPr id="4" name="Titel 3"/>
-          <p:cNvSpPr>
-            <a:spLocks noGrp="1"/>
-          </p:cNvSpPr>
-          <p:nvPr>
-            <p:ph type="title"/>
-          </p:nvPr>
-        </p:nvSpPr>
-        <p:spPr/>
-        <p:txBody>
-          <a:bodyPr/>
-          <a:lstStyle/>
-          <a:p>
-            <a:r>
-              <a:rPr lang="de-DE" dirty="0"/>
-              <a:t>Class Pattern </a:t>
-            </a:r>
-            <a:r>
-              <a:rPr lang="de-DE" dirty="0" smtClean="0"/>
-              <a:t>– </a:t>
-            </a:r>
-            <a:r>
-              <a:rPr lang="de-DE" dirty="0" err="1" smtClean="0"/>
-              <a:t>Putting</a:t>
-            </a:r>
-            <a:r>
-              <a:rPr lang="de-DE" dirty="0" smtClean="0"/>
-              <a:t> </a:t>
-            </a:r>
-            <a:r>
-              <a:rPr lang="de-DE" dirty="0" err="1" smtClean="0"/>
-              <a:t>it</a:t>
-            </a:r>
-            <a:r>
-              <a:rPr lang="de-DE" dirty="0" smtClean="0"/>
-              <a:t> all </a:t>
-            </a:r>
-            <a:r>
-              <a:rPr lang="de-DE" dirty="0" err="1" smtClean="0"/>
-              <a:t>together</a:t>
-            </a:r>
-            <a:r>
-              <a:rPr lang="de-DE" dirty="0"/>
-              <a:t> </a:t>
-            </a:r>
-            <a:r>
-              <a:rPr lang="de-DE" dirty="0" smtClean="0"/>
-              <a:t>– IIFE &amp; </a:t>
-            </a:r>
-            <a:r>
-              <a:rPr lang="de-DE" dirty="0" err="1" smtClean="0"/>
-              <a:t>Closures</a:t>
-            </a:r>
-            <a:endParaRPr lang="de-DE" dirty="0"/>
-          </a:p>
-        </p:txBody>
-      </p:sp>
-    </p:spTree>
-    <p:extLst>
-      <p:ext uri="{BB962C8B-B14F-4D97-AF65-F5344CB8AC3E}">
-        <p14:creationId xmlns:p14="http://schemas.microsoft.com/office/powerpoint/2010/main" val="1086562262"/>
-      </p:ext>
-    </p:extLst>
-  </p:cSld>
-  <p:clrMapOvr>
-    <a:masterClrMapping/>
-  </p:clrMapOvr>
-  <p:timing>
-    <p:tnLst>
-      <p:par>
-        <p:cTn xmlns:p14="http://schemas.microsoft.com/office/powerpoint/2010/main" id="1" dur="indefinite" restart="never" nodeType="tmRoot"/>
-      </p:par>
-    </p:tnLst>
-  </p:timing>
-</p:sld>
-</file>
-
-<file path=ppt/slides/slide37.xml><?xml version="1.0" encoding="utf-8"?>
-<p:sld xmlns:a="http://schemas.openxmlformats.org/drawingml/2006/main" xmlns:r="http://schemas.openxmlformats.org/officeDocument/2006/relationships" xmlns:p="http://schemas.openxmlformats.org/presentationml/2006/main">
-  <p:cSld>
-    <p:spTree>
-      <p:nvGrpSpPr>
-        <p:cNvPr id="1" name=""/>
-        <p:cNvGrpSpPr/>
-        <p:nvPr/>
-      </p:nvGrpSpPr>
-      <p:grpSpPr>
-        <a:xfrm>
-          <a:off x="0" y="0"/>
-          <a:ext cx="0" cy="0"/>
-          <a:chOff x="0" y="0"/>
-          <a:chExt cx="0" cy="0"/>
-        </a:xfrm>
-      </p:grpSpPr>
-      <p:sp>
-        <p:nvSpPr>
           <p:cNvPr id="2" name="Inhaltsplatzhalter 1"/>
           <p:cNvSpPr>
             <a:spLocks noGrp="1"/>
@@ -10469,7 +10209,7 @@
 </p:sld>
 </file>
 
-<file path=ppt/slides/slide38.xml><?xml version="1.0" encoding="utf-8"?>
+<file path=ppt/slides/slide37.xml><?xml version="1.0" encoding="utf-8"?>
 <p:sld xmlns:a="http://schemas.openxmlformats.org/drawingml/2006/main" xmlns:r="http://schemas.openxmlformats.org/officeDocument/2006/relationships" xmlns:p="http://schemas.openxmlformats.org/presentationml/2006/main">
   <p:cSld>
     <p:spTree>
@@ -10771,12 +10511,8 @@
               <a:t>Basistyp</a:t>
             </a:r>
             <a:r>
-              <a:rPr lang="de-DE" smtClean="0"/>
-              <a:t> sondern ein </a:t>
-            </a:r>
-            <a:r>
-              <a:rPr lang="de-DE" dirty="0" smtClean="0"/>
-              <a:t>Objekt</a:t>
+              <a:rPr lang="de-DE" dirty="0" smtClean="0"/>
+              <a:t> sondern ein Objekt</a:t>
             </a:r>
             <a:endParaRPr lang="de-DE" dirty="0" smtClean="0"/>
           </a:p>

--- a/coding-sessions/code_talks.pptx
+++ b/coding-sessions/code_talks.pptx
@@ -5,10 +5,10 @@
     <p:sldMasterId id="2147483648" r:id="rId4"/>
   </p:sldMasterIdLst>
   <p:notesMasterIdLst>
-    <p:notesMasterId r:id="rId42"/>
+    <p:notesMasterId r:id="rId36"/>
   </p:notesMasterIdLst>
   <p:handoutMasterIdLst>
-    <p:handoutMasterId r:id="rId43"/>
+    <p:handoutMasterId r:id="rId37"/>
   </p:handoutMasterIdLst>
   <p:sldIdLst>
     <p:sldId id="256" r:id="rId5"/>
@@ -24,30 +24,24 @@
     <p:sldId id="458" r:id="rId15"/>
     <p:sldId id="467" r:id="rId16"/>
     <p:sldId id="466" r:id="rId17"/>
-    <p:sldId id="461" r:id="rId18"/>
-    <p:sldId id="462" r:id="rId19"/>
-    <p:sldId id="463" r:id="rId20"/>
-    <p:sldId id="464" r:id="rId21"/>
-    <p:sldId id="465" r:id="rId22"/>
-    <p:sldId id="475" r:id="rId23"/>
-    <p:sldId id="469" r:id="rId24"/>
-    <p:sldId id="470" r:id="rId25"/>
-    <p:sldId id="476" r:id="rId26"/>
-    <p:sldId id="471" r:id="rId27"/>
-    <p:sldId id="472" r:id="rId28"/>
-    <p:sldId id="473" r:id="rId29"/>
-    <p:sldId id="474" r:id="rId30"/>
-    <p:sldId id="484" r:id="rId31"/>
-    <p:sldId id="478" r:id="rId32"/>
-    <p:sldId id="479" r:id="rId33"/>
-    <p:sldId id="480" r:id="rId34"/>
-    <p:sldId id="481" r:id="rId35"/>
-    <p:sldId id="482" r:id="rId36"/>
-    <p:sldId id="492" r:id="rId37"/>
-    <p:sldId id="493" r:id="rId38"/>
-    <p:sldId id="483" r:id="rId39"/>
-    <p:sldId id="490" r:id="rId40"/>
-    <p:sldId id="491" r:id="rId41"/>
+    <p:sldId id="469" r:id="rId18"/>
+    <p:sldId id="495" r:id="rId19"/>
+    <p:sldId id="496" r:id="rId20"/>
+    <p:sldId id="470" r:id="rId21"/>
+    <p:sldId id="476" r:id="rId22"/>
+    <p:sldId id="471" r:id="rId23"/>
+    <p:sldId id="472" r:id="rId24"/>
+    <p:sldId id="478" r:id="rId25"/>
+    <p:sldId id="479" r:id="rId26"/>
+    <p:sldId id="480" r:id="rId27"/>
+    <p:sldId id="481" r:id="rId28"/>
+    <p:sldId id="482" r:id="rId29"/>
+    <p:sldId id="497" r:id="rId30"/>
+    <p:sldId id="490" r:id="rId31"/>
+    <p:sldId id="500" r:id="rId32"/>
+    <p:sldId id="501" r:id="rId33"/>
+    <p:sldId id="498" r:id="rId34"/>
+    <p:sldId id="499" r:id="rId35"/>
   </p:sldIdLst>
   <p:sldSz cx="9144000" cy="6858000" type="screen4x3"/>
   <p:notesSz cx="7102475" cy="10234613"/>
@@ -912,347 +906,7 @@
             <a:fld id="{96B3538B-D81F-476E-A31A-F9ABC7F48F1A}" type="slidenum">
               <a:rPr lang="de-DE" smtClean="0"/>
               <a:pPr/>
-              <a:t>15</a:t>
-            </a:fld>
-            <a:endParaRPr lang="de-DE"/>
-          </a:p>
-        </p:txBody>
-      </p:sp>
-    </p:spTree>
-    <p:extLst>
-      <p:ext uri="{BB962C8B-B14F-4D97-AF65-F5344CB8AC3E}">
-        <p14:creationId xmlns:p14="http://schemas.microsoft.com/office/powerpoint/2010/main" val="118203740"/>
-      </p:ext>
-    </p:extLst>
-  </p:cSld>
-  <p:clrMapOvr>
-    <a:masterClrMapping/>
-  </p:clrMapOvr>
-</p:notes>
-</file>
-
-<file path=ppt/notesSlides/notesSlide4.xml><?xml version="1.0" encoding="utf-8"?>
-<p:notes xmlns:a="http://schemas.openxmlformats.org/drawingml/2006/main" xmlns:r="http://schemas.openxmlformats.org/officeDocument/2006/relationships" xmlns:p="http://schemas.openxmlformats.org/presentationml/2006/main">
-  <p:cSld>
-    <p:spTree>
-      <p:nvGrpSpPr>
-        <p:cNvPr id="1" name=""/>
-        <p:cNvGrpSpPr/>
-        <p:nvPr/>
-      </p:nvGrpSpPr>
-      <p:grpSpPr>
-        <a:xfrm>
-          <a:off x="0" y="0"/>
-          <a:ext cx="0" cy="0"/>
-          <a:chOff x="0" y="0"/>
-          <a:chExt cx="0" cy="0"/>
-        </a:xfrm>
-      </p:grpSpPr>
-      <p:sp>
-        <p:nvSpPr>
-          <p:cNvPr id="2" name="Folienbildplatzhalter 1"/>
-          <p:cNvSpPr>
-            <a:spLocks noGrp="1" noRot="1" noChangeAspect="1"/>
-          </p:cNvSpPr>
-          <p:nvPr>
-            <p:ph type="sldImg"/>
-          </p:nvPr>
-        </p:nvSpPr>
-        <p:spPr/>
-      </p:sp>
-      <p:sp>
-        <p:nvSpPr>
-          <p:cNvPr id="3" name="Notizenplatzhalter 2"/>
-          <p:cNvSpPr>
-            <a:spLocks noGrp="1"/>
-          </p:cNvSpPr>
-          <p:nvPr>
-            <p:ph type="body" idx="1"/>
-          </p:nvPr>
-        </p:nvSpPr>
-        <p:spPr/>
-        <p:txBody>
-          <a:bodyPr/>
-          <a:lstStyle/>
-          <a:p>
-            <a:endParaRPr lang="de-DE" dirty="0"/>
-          </a:p>
-        </p:txBody>
-      </p:sp>
-      <p:sp>
-        <p:nvSpPr>
-          <p:cNvPr id="4" name="Foliennummernplatzhalter 3"/>
-          <p:cNvSpPr>
-            <a:spLocks noGrp="1"/>
-          </p:cNvSpPr>
-          <p:nvPr>
-            <p:ph type="sldNum" sz="quarter" idx="10"/>
-          </p:nvPr>
-        </p:nvSpPr>
-        <p:spPr/>
-        <p:txBody>
-          <a:bodyPr/>
-          <a:lstStyle/>
-          <a:p>
-            <a:fld id="{96B3538B-D81F-476E-A31A-F9ABC7F48F1A}" type="slidenum">
-              <a:rPr lang="de-DE" smtClean="0"/>
-              <a:pPr/>
               <a:t>16</a:t>
-            </a:fld>
-            <a:endParaRPr lang="de-DE"/>
-          </a:p>
-        </p:txBody>
-      </p:sp>
-    </p:spTree>
-    <p:extLst>
-      <p:ext uri="{BB962C8B-B14F-4D97-AF65-F5344CB8AC3E}">
-        <p14:creationId xmlns:p14="http://schemas.microsoft.com/office/powerpoint/2010/main" val="118203740"/>
-      </p:ext>
-    </p:extLst>
-  </p:cSld>
-  <p:clrMapOvr>
-    <a:masterClrMapping/>
-  </p:clrMapOvr>
-</p:notes>
-</file>
-
-<file path=ppt/notesSlides/notesSlide5.xml><?xml version="1.0" encoding="utf-8"?>
-<p:notes xmlns:a="http://schemas.openxmlformats.org/drawingml/2006/main" xmlns:r="http://schemas.openxmlformats.org/officeDocument/2006/relationships" xmlns:p="http://schemas.openxmlformats.org/presentationml/2006/main">
-  <p:cSld>
-    <p:spTree>
-      <p:nvGrpSpPr>
-        <p:cNvPr id="1" name=""/>
-        <p:cNvGrpSpPr/>
-        <p:nvPr/>
-      </p:nvGrpSpPr>
-      <p:grpSpPr>
-        <a:xfrm>
-          <a:off x="0" y="0"/>
-          <a:ext cx="0" cy="0"/>
-          <a:chOff x="0" y="0"/>
-          <a:chExt cx="0" cy="0"/>
-        </a:xfrm>
-      </p:grpSpPr>
-      <p:sp>
-        <p:nvSpPr>
-          <p:cNvPr id="2" name="Folienbildplatzhalter 1"/>
-          <p:cNvSpPr>
-            <a:spLocks noGrp="1" noRot="1" noChangeAspect="1"/>
-          </p:cNvSpPr>
-          <p:nvPr>
-            <p:ph type="sldImg"/>
-          </p:nvPr>
-        </p:nvSpPr>
-        <p:spPr/>
-      </p:sp>
-      <p:sp>
-        <p:nvSpPr>
-          <p:cNvPr id="3" name="Notizenplatzhalter 2"/>
-          <p:cNvSpPr>
-            <a:spLocks noGrp="1"/>
-          </p:cNvSpPr>
-          <p:nvPr>
-            <p:ph type="body" idx="1"/>
-          </p:nvPr>
-        </p:nvSpPr>
-        <p:spPr/>
-        <p:txBody>
-          <a:bodyPr/>
-          <a:lstStyle/>
-          <a:p>
-            <a:endParaRPr lang="de-DE" dirty="0"/>
-          </a:p>
-        </p:txBody>
-      </p:sp>
-      <p:sp>
-        <p:nvSpPr>
-          <p:cNvPr id="4" name="Foliennummernplatzhalter 3"/>
-          <p:cNvSpPr>
-            <a:spLocks noGrp="1"/>
-          </p:cNvSpPr>
-          <p:nvPr>
-            <p:ph type="sldNum" sz="quarter" idx="10"/>
-          </p:nvPr>
-        </p:nvSpPr>
-        <p:spPr/>
-        <p:txBody>
-          <a:bodyPr/>
-          <a:lstStyle/>
-          <a:p>
-            <a:fld id="{96B3538B-D81F-476E-A31A-F9ABC7F48F1A}" type="slidenum">
-              <a:rPr lang="de-DE" smtClean="0"/>
-              <a:pPr/>
-              <a:t>17</a:t>
-            </a:fld>
-            <a:endParaRPr lang="de-DE"/>
-          </a:p>
-        </p:txBody>
-      </p:sp>
-    </p:spTree>
-    <p:extLst>
-      <p:ext uri="{BB962C8B-B14F-4D97-AF65-F5344CB8AC3E}">
-        <p14:creationId xmlns:p14="http://schemas.microsoft.com/office/powerpoint/2010/main" val="118203740"/>
-      </p:ext>
-    </p:extLst>
-  </p:cSld>
-  <p:clrMapOvr>
-    <a:masterClrMapping/>
-  </p:clrMapOvr>
-</p:notes>
-</file>
-
-<file path=ppt/notesSlides/notesSlide6.xml><?xml version="1.0" encoding="utf-8"?>
-<p:notes xmlns:a="http://schemas.openxmlformats.org/drawingml/2006/main" xmlns:r="http://schemas.openxmlformats.org/officeDocument/2006/relationships" xmlns:p="http://schemas.openxmlformats.org/presentationml/2006/main">
-  <p:cSld>
-    <p:spTree>
-      <p:nvGrpSpPr>
-        <p:cNvPr id="1" name=""/>
-        <p:cNvGrpSpPr/>
-        <p:nvPr/>
-      </p:nvGrpSpPr>
-      <p:grpSpPr>
-        <a:xfrm>
-          <a:off x="0" y="0"/>
-          <a:ext cx="0" cy="0"/>
-          <a:chOff x="0" y="0"/>
-          <a:chExt cx="0" cy="0"/>
-        </a:xfrm>
-      </p:grpSpPr>
-      <p:sp>
-        <p:nvSpPr>
-          <p:cNvPr id="2" name="Folienbildplatzhalter 1"/>
-          <p:cNvSpPr>
-            <a:spLocks noGrp="1" noRot="1" noChangeAspect="1"/>
-          </p:cNvSpPr>
-          <p:nvPr>
-            <p:ph type="sldImg"/>
-          </p:nvPr>
-        </p:nvSpPr>
-        <p:spPr/>
-      </p:sp>
-      <p:sp>
-        <p:nvSpPr>
-          <p:cNvPr id="3" name="Notizenplatzhalter 2"/>
-          <p:cNvSpPr>
-            <a:spLocks noGrp="1"/>
-          </p:cNvSpPr>
-          <p:nvPr>
-            <p:ph type="body" idx="1"/>
-          </p:nvPr>
-        </p:nvSpPr>
-        <p:spPr/>
-        <p:txBody>
-          <a:bodyPr/>
-          <a:lstStyle/>
-          <a:p>
-            <a:endParaRPr lang="de-DE" dirty="0"/>
-          </a:p>
-        </p:txBody>
-      </p:sp>
-      <p:sp>
-        <p:nvSpPr>
-          <p:cNvPr id="4" name="Foliennummernplatzhalter 3"/>
-          <p:cNvSpPr>
-            <a:spLocks noGrp="1"/>
-          </p:cNvSpPr>
-          <p:nvPr>
-            <p:ph type="sldNum" sz="quarter" idx="10"/>
-          </p:nvPr>
-        </p:nvSpPr>
-        <p:spPr/>
-        <p:txBody>
-          <a:bodyPr/>
-          <a:lstStyle/>
-          <a:p>
-            <a:fld id="{96B3538B-D81F-476E-A31A-F9ABC7F48F1A}" type="slidenum">
-              <a:rPr lang="de-DE" smtClean="0"/>
-              <a:pPr/>
-              <a:t>18</a:t>
-            </a:fld>
-            <a:endParaRPr lang="de-DE"/>
-          </a:p>
-        </p:txBody>
-      </p:sp>
-    </p:spTree>
-    <p:extLst>
-      <p:ext uri="{BB962C8B-B14F-4D97-AF65-F5344CB8AC3E}">
-        <p14:creationId xmlns:p14="http://schemas.microsoft.com/office/powerpoint/2010/main" val="118203740"/>
-      </p:ext>
-    </p:extLst>
-  </p:cSld>
-  <p:clrMapOvr>
-    <a:masterClrMapping/>
-  </p:clrMapOvr>
-</p:notes>
-</file>
-
-<file path=ppt/notesSlides/notesSlide7.xml><?xml version="1.0" encoding="utf-8"?>
-<p:notes xmlns:a="http://schemas.openxmlformats.org/drawingml/2006/main" xmlns:r="http://schemas.openxmlformats.org/officeDocument/2006/relationships" xmlns:p="http://schemas.openxmlformats.org/presentationml/2006/main">
-  <p:cSld>
-    <p:spTree>
-      <p:nvGrpSpPr>
-        <p:cNvPr id="1" name=""/>
-        <p:cNvGrpSpPr/>
-        <p:nvPr/>
-      </p:nvGrpSpPr>
-      <p:grpSpPr>
-        <a:xfrm>
-          <a:off x="0" y="0"/>
-          <a:ext cx="0" cy="0"/>
-          <a:chOff x="0" y="0"/>
-          <a:chExt cx="0" cy="0"/>
-        </a:xfrm>
-      </p:grpSpPr>
-      <p:sp>
-        <p:nvSpPr>
-          <p:cNvPr id="2" name="Folienbildplatzhalter 1"/>
-          <p:cNvSpPr>
-            <a:spLocks noGrp="1" noRot="1" noChangeAspect="1"/>
-          </p:cNvSpPr>
-          <p:nvPr>
-            <p:ph type="sldImg"/>
-          </p:nvPr>
-        </p:nvSpPr>
-        <p:spPr/>
-      </p:sp>
-      <p:sp>
-        <p:nvSpPr>
-          <p:cNvPr id="3" name="Notizenplatzhalter 2"/>
-          <p:cNvSpPr>
-            <a:spLocks noGrp="1"/>
-          </p:cNvSpPr>
-          <p:nvPr>
-            <p:ph type="body" idx="1"/>
-          </p:nvPr>
-        </p:nvSpPr>
-        <p:spPr/>
-        <p:txBody>
-          <a:bodyPr/>
-          <a:lstStyle/>
-          <a:p>
-            <a:endParaRPr lang="de-DE" dirty="0"/>
-          </a:p>
-        </p:txBody>
-      </p:sp>
-      <p:sp>
-        <p:nvSpPr>
-          <p:cNvPr id="4" name="Foliennummernplatzhalter 3"/>
-          <p:cNvSpPr>
-            <a:spLocks noGrp="1"/>
-          </p:cNvSpPr>
-          <p:nvPr>
-            <p:ph type="sldNum" sz="quarter" idx="10"/>
-          </p:nvPr>
-        </p:nvSpPr>
-        <p:spPr/>
-        <p:txBody>
-          <a:bodyPr/>
-          <a:lstStyle/>
-          <a:p>
-            <a:fld id="{96B3538B-D81F-476E-A31A-F9ABC7F48F1A}" type="slidenum">
-              <a:rPr lang="de-DE" smtClean="0"/>
-              <a:pPr/>
-              <a:t>19</a:t>
             </a:fld>
             <a:endParaRPr lang="de-DE"/>
           </a:p>
@@ -3086,7 +2740,7 @@
           </a:p>
           <a:p>
             <a:r>
-              <a:rPr lang="tr-TR" dirty="0" smtClean="0">
+              <a:rPr lang="en-US" dirty="0" err="1">
                 <a:solidFill>
                   <a:srgbClr val="FFFFFF"/>
                 </a:solidFill>
@@ -3094,10 +2748,10 @@
                   <a:srgbClr val="272822"/>
                 </a:highlight>
               </a:rPr>
-              <a:t>var </a:t>
-            </a:r>
-            <a:r>
-              <a:rPr lang="tr-TR" dirty="0" err="1" smtClean="0">
+              <a:t>var</a:t>
+            </a:r>
+            <a:r>
+              <a:rPr lang="en-US" dirty="0">
                 <a:solidFill>
                   <a:srgbClr val="FFFFFF"/>
                 </a:solidFill>
@@ -3105,10 +2759,12 @@
                   <a:srgbClr val="272822"/>
                 </a:highlight>
               </a:rPr>
-              <a:t>person</a:t>
-            </a:r>
-            <a:r>
-              <a:rPr lang="tr-TR" dirty="0" smtClean="0">
+              <a:t> person = {</a:t>
+            </a:r>
+          </a:p>
+          <a:p>
+            <a:r>
+              <a:rPr lang="en-US" dirty="0">
                 <a:solidFill>
                   <a:srgbClr val="FFFFFF"/>
                 </a:solidFill>
@@ -3116,10 +2772,10 @@
                   <a:srgbClr val="272822"/>
                 </a:highlight>
               </a:rPr>
-              <a:t>= </a:t>
-            </a:r>
-            <a:r>
-              <a:rPr lang="tr-TR" dirty="0">
+              <a:t>    name: "</a:t>
+            </a:r>
+            <a:r>
+              <a:rPr lang="en-US" dirty="0" err="1">
                 <a:solidFill>
                   <a:srgbClr val="FFFFFF"/>
                 </a:solidFill>
@@ -3127,12 +2783,10 @@
                   <a:srgbClr val="272822"/>
                 </a:highlight>
               </a:rPr>
-              <a:t>{</a:t>
-            </a:r>
-          </a:p>
-          <a:p>
-            <a:r>
-              <a:rPr lang="tr-TR" dirty="0">
+              <a:t>Oma</a:t>
+            </a:r>
+            <a:r>
+              <a:rPr lang="en-US" dirty="0">
                 <a:solidFill>
                   <a:srgbClr val="FFFFFF"/>
                 </a:solidFill>
@@ -3140,10 +2794,12 @@
                   <a:srgbClr val="272822"/>
                 </a:highlight>
               </a:rPr>
-              <a:t>		</a:t>
-            </a:r>
-            <a:r>
-              <a:rPr lang="tr-TR" dirty="0" smtClean="0">
+              <a:t>",</a:t>
+            </a:r>
+          </a:p>
+          <a:p>
+            <a:r>
+              <a:rPr lang="en-US" dirty="0">
                 <a:solidFill>
                   <a:srgbClr val="FFFFFF"/>
                 </a:solidFill>
@@ -3151,186 +2807,12 @@
                   <a:srgbClr val="272822"/>
                 </a:highlight>
               </a:rPr>
-              <a:t>‘</a:t>
-            </a:r>
-            <a:r>
-              <a:rPr lang="tr-TR" dirty="0" err="1" smtClean="0">
-                <a:solidFill>
-                  <a:srgbClr val="FFFFFF"/>
-                </a:solidFill>
-                <a:highlight>
-                  <a:srgbClr val="272822"/>
-                </a:highlight>
-              </a:rPr>
-              <a:t>brand</a:t>
-            </a:r>
-            <a:r>
-              <a:rPr lang="tr-TR" dirty="0" smtClean="0">
-                <a:solidFill>
-                  <a:srgbClr val="FFFFFF"/>
-                </a:solidFill>
-                <a:highlight>
-                  <a:srgbClr val="272822"/>
-                </a:highlight>
-              </a:rPr>
-              <a:t>’: ‘Ferrari’,</a:t>
-            </a:r>
-            <a:endParaRPr lang="tr-TR" dirty="0">
-              <a:solidFill>
-                <a:srgbClr val="FFFFFF"/>
-              </a:solidFill>
-              <a:highlight>
-                <a:srgbClr val="272822"/>
-              </a:highlight>
-            </a:endParaRPr>
-          </a:p>
-          <a:p>
-            <a:r>
-              <a:rPr lang="tr-TR" dirty="0">
-                <a:solidFill>
-                  <a:srgbClr val="FFFFFF"/>
-                </a:solidFill>
-                <a:highlight>
-                  <a:srgbClr val="272822"/>
-                </a:highlight>
-              </a:rPr>
-              <a:t>	  </a:t>
-            </a:r>
-            <a:r>
-              <a:rPr lang="tr-TR" dirty="0" smtClean="0">
-                <a:solidFill>
-                  <a:srgbClr val="FFFFFF"/>
-                </a:solidFill>
-                <a:highlight>
-                  <a:srgbClr val="272822"/>
-                </a:highlight>
-              </a:rPr>
-              <a:t>‘</a:t>
-            </a:r>
-            <a:r>
-              <a:rPr lang="tr-TR" dirty="0" err="1" smtClean="0">
-                <a:solidFill>
-                  <a:srgbClr val="FFFFFF"/>
-                </a:solidFill>
-                <a:highlight>
-                  <a:srgbClr val="272822"/>
-                </a:highlight>
-              </a:rPr>
-              <a:t>color</a:t>
-            </a:r>
-            <a:r>
-              <a:rPr lang="tr-TR" dirty="0" smtClean="0">
-                <a:solidFill>
-                  <a:srgbClr val="FFFFFF"/>
-                </a:solidFill>
-                <a:highlight>
-                  <a:srgbClr val="272822"/>
-                </a:highlight>
-              </a:rPr>
-              <a:t>’: ‘</a:t>
-            </a:r>
-            <a:r>
-              <a:rPr lang="tr-TR" dirty="0" err="1" smtClean="0">
-                <a:solidFill>
-                  <a:srgbClr val="FFFFFF"/>
-                </a:solidFill>
-                <a:highlight>
-                  <a:srgbClr val="272822"/>
-                </a:highlight>
-              </a:rPr>
-              <a:t>red</a:t>
-            </a:r>
-            <a:r>
-              <a:rPr lang="tr-TR" dirty="0" smtClean="0">
-                <a:solidFill>
-                  <a:srgbClr val="FFFFFF"/>
-                </a:solidFill>
-                <a:highlight>
-                  <a:srgbClr val="272822"/>
-                </a:highlight>
-              </a:rPr>
-              <a:t>’,</a:t>
-            </a:r>
-          </a:p>
-          <a:p>
-            <a:r>
-              <a:rPr lang="tr-TR" dirty="0">
-                <a:solidFill>
-                  <a:srgbClr val="FFFFFF"/>
-                </a:solidFill>
-                <a:highlight>
-                  <a:srgbClr val="272822"/>
-                </a:highlight>
-              </a:rPr>
-              <a:t> </a:t>
-            </a:r>
-            <a:r>
-              <a:rPr lang="tr-TR" dirty="0" smtClean="0">
-                <a:solidFill>
-                  <a:srgbClr val="FFFFFF"/>
-                </a:solidFill>
-                <a:highlight>
-                  <a:srgbClr val="272822"/>
-                </a:highlight>
-              </a:rPr>
-              <a:t>   ‘</a:t>
-            </a:r>
-            <a:r>
-              <a:rPr lang="tr-TR" dirty="0" err="1" smtClean="0">
-                <a:solidFill>
-                  <a:srgbClr val="FFFFFF"/>
-                </a:solidFill>
-                <a:highlight>
-                  <a:srgbClr val="272822"/>
-                </a:highlight>
-              </a:rPr>
-              <a:t>drive</a:t>
-            </a:r>
-            <a:r>
-              <a:rPr lang="tr-TR" dirty="0" smtClean="0">
-                <a:solidFill>
-                  <a:srgbClr val="FFFFFF"/>
-                </a:solidFill>
-                <a:highlight>
-                  <a:srgbClr val="272822"/>
-                </a:highlight>
-              </a:rPr>
-              <a:t>’: </a:t>
-            </a:r>
-            <a:r>
-              <a:rPr lang="tr-TR" dirty="0" err="1" smtClean="0">
-                <a:solidFill>
-                  <a:srgbClr val="FFFFFF"/>
-                </a:solidFill>
-                <a:highlight>
-                  <a:srgbClr val="272822"/>
-                </a:highlight>
-              </a:rPr>
-              <a:t>function</a:t>
-            </a:r>
-            <a:r>
-              <a:rPr lang="tr-TR" dirty="0" smtClean="0">
-                <a:solidFill>
-                  <a:srgbClr val="FFFFFF"/>
-                </a:solidFill>
-                <a:highlight>
-                  <a:srgbClr val="272822"/>
-                </a:highlight>
-              </a:rPr>
-              <a:t>() {....}</a:t>
-            </a:r>
-            <a:endParaRPr lang="tr-TR" dirty="0">
-              <a:solidFill>
-                <a:srgbClr val="FFFFFF"/>
-              </a:solidFill>
-              <a:highlight>
-                <a:srgbClr val="272822"/>
-              </a:highlight>
-            </a:endParaRPr>
-          </a:p>
-          <a:p>
-            <a:r>
-              <a:rPr lang="tr-TR" dirty="0" smtClean="0">
+              <a:t>    age: 88</a:t>
+            </a:r>
+          </a:p>
+          <a:p>
+            <a:r>
+              <a:rPr lang="en-US" dirty="0">
                 <a:solidFill>
                   <a:srgbClr val="FFFFFF"/>
                 </a:solidFill>
@@ -3669,32 +3151,6 @@
       </p:sp>
       <p:sp>
         <p:nvSpPr>
-          <p:cNvPr id="2" name="Inhaltsplatzhalter 1"/>
-          <p:cNvSpPr>
-            <a:spLocks noGrp="1"/>
-          </p:cNvSpPr>
-          <p:nvPr>
-            <p:ph idx="1"/>
-          </p:nvPr>
-        </p:nvSpPr>
-        <p:spPr/>
-        <p:txBody>
-          <a:bodyPr/>
-          <a:lstStyle/>
-          <a:p>
-            <a:pPr marL="0" indent="0">
-              <a:buNone/>
-            </a:pPr>
-            <a:endParaRPr lang="de-DE" dirty="0">
-              <a:solidFill>
-                <a:srgbClr val="FFFFFF"/>
-              </a:solidFill>
-            </a:endParaRPr>
-          </a:p>
-        </p:txBody>
-      </p:sp>
-      <p:sp>
-        <p:nvSpPr>
           <p:cNvPr id="3" name="Titel 2"/>
           <p:cNvSpPr>
             <a:spLocks noGrp="1"/>
@@ -3793,7 +3249,7 @@
       </p:grpSpPr>
       <p:sp>
         <p:nvSpPr>
-          <p:cNvPr id="2" name="Inhaltsplatzhalter 1"/>
+          <p:cNvPr id="5" name="Inhaltsplatzhalter 4"/>
           <p:cNvSpPr>
             <a:spLocks noGrp="1"/>
           </p:cNvSpPr>
@@ -3803,85 +3259,141 @@
         </p:nvSpPr>
         <p:spPr/>
         <p:txBody>
-          <a:bodyPr/>
+          <a:bodyPr>
+            <a:normAutofit/>
+          </a:bodyPr>
           <a:lstStyle/>
           <a:p>
             <a:r>
-              <a:rPr lang="de-DE" dirty="0" smtClean="0"/>
-              <a:t>Debuggen über alert ist doof</a:t>
-            </a:r>
-          </a:p>
-          <a:p>
-            <a:r>
-              <a:rPr lang="de-DE" dirty="0" smtClean="0"/>
-              <a:t>Aber: Mit </a:t>
-            </a:r>
-            <a:r>
-              <a:rPr lang="de-DE" dirty="0" err="1" smtClean="0"/>
+              <a:rPr lang="da-DK" dirty="0">
+                <a:solidFill>
+                  <a:srgbClr val="FFFFFF"/>
+                </a:solidFill>
+                <a:highlight>
+                  <a:srgbClr val="272822"/>
+                </a:highlight>
+              </a:rPr>
+              <a:t>for (var i = 0, j = 100; i &lt; 100; i++, j--) {</a:t>
+            </a:r>
+          </a:p>
+          <a:p>
+            <a:r>
+              <a:rPr lang="da-DK" dirty="0">
+                <a:solidFill>
+                  <a:srgbClr val="FFFFFF"/>
+                </a:solidFill>
+                <a:highlight>
+                  <a:srgbClr val="272822"/>
+                </a:highlight>
+              </a:rPr>
+              <a:t>	</a:t>
+            </a:r>
+            <a:r>
+              <a:rPr lang="da-DK" dirty="0" err="1" smtClean="0">
+                <a:solidFill>
+                  <a:srgbClr val="FFFFFF"/>
+                </a:solidFill>
+                <a:highlight>
+                  <a:srgbClr val="272822"/>
+                </a:highlight>
+              </a:rPr>
               <a:t>console.log</a:t>
             </a:r>
             <a:r>
-              <a:rPr lang="de-DE" dirty="0" smtClean="0"/>
-              <a:t>() (</a:t>
-            </a:r>
-            <a:r>
-              <a:rPr lang="de-DE" dirty="0" err="1" smtClean="0"/>
-              <a:t>debug</a:t>
-            </a:r>
-            <a:r>
-              <a:rPr lang="de-DE" dirty="0" smtClean="0"/>
-              <a:t>, </a:t>
-            </a:r>
-            <a:r>
-              <a:rPr lang="de-DE" dirty="0" err="1" smtClean="0"/>
-              <a:t>info</a:t>
-            </a:r>
-            <a:r>
-              <a:rPr lang="de-DE" dirty="0" smtClean="0"/>
-              <a:t>, warn, </a:t>
-            </a:r>
-            <a:r>
-              <a:rPr lang="de-DE" dirty="0" err="1" smtClean="0"/>
-              <a:t>error</a:t>
-            </a:r>
-            <a:r>
-              <a:rPr lang="de-DE" dirty="0" smtClean="0"/>
-              <a:t>) bekommt man geregeltes </a:t>
-            </a:r>
-            <a:r>
-              <a:rPr lang="de-DE" dirty="0" err="1" smtClean="0"/>
-              <a:t>Logging</a:t>
-            </a:r>
-            <a:r>
-              <a:rPr lang="de-DE" dirty="0" smtClean="0"/>
-              <a:t> hin</a:t>
-            </a:r>
-          </a:p>
-          <a:p>
-            <a:r>
-              <a:rPr lang="de-DE" dirty="0"/>
-              <a:t>Es gibt JS-Debugger</a:t>
-            </a:r>
-          </a:p>
-          <a:p>
-            <a:r>
-              <a:rPr lang="de-DE" dirty="0"/>
-              <a:t>Besser ist natürlich test-getriebene </a:t>
-            </a:r>
-            <a:r>
-              <a:rPr lang="de-DE" dirty="0" err="1"/>
-              <a:t>Entwicklerung</a:t>
-            </a:r>
-            <a:endParaRPr lang="de-DE" dirty="0"/>
-          </a:p>
-          <a:p>
-            <a:endParaRPr lang="de-DE" dirty="0"/>
+              <a:rPr lang="da-DK" dirty="0" smtClean="0">
+                <a:solidFill>
+                  <a:srgbClr val="FFFFFF"/>
+                </a:solidFill>
+                <a:highlight>
+                  <a:srgbClr val="272822"/>
+                </a:highlight>
+              </a:rPr>
+              <a:t>(</a:t>
+            </a:r>
+            <a:r>
+              <a:rPr lang="da-DK" dirty="0">
+                <a:solidFill>
+                  <a:srgbClr val="FFFFFF"/>
+                </a:solidFill>
+                <a:highlight>
+                  <a:srgbClr val="272822"/>
+                </a:highlight>
+              </a:rPr>
+              <a:t>i);</a:t>
+            </a:r>
+          </a:p>
+          <a:p>
+            <a:r>
+              <a:rPr lang="da-DK" dirty="0">
+                <a:solidFill>
+                  <a:srgbClr val="FFFFFF"/>
+                </a:solidFill>
+                <a:highlight>
+                  <a:srgbClr val="272822"/>
+                </a:highlight>
+              </a:rPr>
+              <a:t>	</a:t>
+            </a:r>
+            <a:r>
+              <a:rPr lang="da-DK" dirty="0" err="1" smtClean="0">
+                <a:solidFill>
+                  <a:srgbClr val="FFFFFF"/>
+                </a:solidFill>
+                <a:highlight>
+                  <a:srgbClr val="272822"/>
+                </a:highlight>
+              </a:rPr>
+              <a:t>console.log</a:t>
+            </a:r>
+            <a:r>
+              <a:rPr lang="da-DK" dirty="0" smtClean="0">
+                <a:solidFill>
+                  <a:srgbClr val="FFFFFF"/>
+                </a:solidFill>
+                <a:highlight>
+                  <a:srgbClr val="272822"/>
+                </a:highlight>
+              </a:rPr>
+              <a:t>(</a:t>
+            </a:r>
+            <a:r>
+              <a:rPr lang="da-DK" dirty="0">
+                <a:solidFill>
+                  <a:srgbClr val="FFFFFF"/>
+                </a:solidFill>
+                <a:highlight>
+                  <a:srgbClr val="272822"/>
+                </a:highlight>
+              </a:rPr>
+              <a:t>j);</a:t>
+            </a:r>
+          </a:p>
+          <a:p>
+            <a:r>
+              <a:rPr lang="da-DK" dirty="0">
+                <a:solidFill>
+                  <a:srgbClr val="FFFFFF"/>
+                </a:solidFill>
+                <a:highlight>
+                  <a:srgbClr val="272822"/>
+                </a:highlight>
+              </a:rPr>
+              <a:t>};</a:t>
+            </a:r>
+            <a:endParaRPr lang="da-DK" dirty="0" smtClean="0">
+              <a:solidFill>
+                <a:srgbClr val="FFFFFF"/>
+              </a:solidFill>
+              <a:highlight>
+                <a:srgbClr val="272822"/>
+              </a:highlight>
+            </a:endParaRPr>
           </a:p>
         </p:txBody>
       </p:sp>
       <p:sp>
         <p:nvSpPr>
-          <p:cNvPr id="3" name="Titel 2"/>
+          <p:cNvPr id="4" name="Titel 3"/>
           <p:cNvSpPr>
             <a:spLocks noGrp="1"/>
           </p:cNvSpPr>
@@ -3895,8 +3407,16 @@
           <a:lstStyle/>
           <a:p>
             <a:r>
+              <a:rPr lang="de-DE" dirty="0" smtClean="0"/>
+              <a:t>Kontrollstrukturen: </a:t>
+            </a:r>
+            <a:r>
               <a:rPr lang="de-DE" dirty="0" err="1" smtClean="0"/>
-              <a:t>Console</a:t>
+              <a:t>for</a:t>
+            </a:r>
+            <a:r>
+              <a:rPr lang="de-DE" dirty="0" smtClean="0"/>
+              <a:t>-Schleife</a:t>
             </a:r>
             <a:endParaRPr lang="de-DE" dirty="0"/>
           </a:p>
@@ -3905,13 +3425,28 @@
     </p:spTree>
     <p:extLst>
       <p:ext uri="{BB962C8B-B14F-4D97-AF65-F5344CB8AC3E}">
-        <p14:creationId xmlns:p14="http://schemas.microsoft.com/office/powerpoint/2010/main" val="2479476741"/>
+        <p14:creationId xmlns:p14="http://schemas.microsoft.com/office/powerpoint/2010/main" val="825311514"/>
       </p:ext>
     </p:extLst>
   </p:cSld>
   <p:clrMapOvr>
     <a:masterClrMapping/>
   </p:clrMapOvr>
+  <mc:AlternateContent xmlns:mc="http://schemas.openxmlformats.org/markup-compatibility/2006" xmlns:p14="http://schemas.microsoft.com/office/powerpoint/2010/main">
+    <mc:Choice Requires="p14">
+      <p:transition spd="slow" p14:dur="2000"/>
+    </mc:Choice>
+    <mc:Fallback xmlns="">
+      <p:transition xmlns:p14="http://schemas.microsoft.com/office/powerpoint/2010/main" spd="slow"/>
+    </mc:Fallback>
+  </mc:AlternateContent>
+  <p:timing>
+    <p:tnLst>
+      <p:par>
+        <p:cTn xmlns:p14="http://schemas.microsoft.com/office/powerpoint/2010/main" id="1" dur="indefinite" restart="never" nodeType="tmRoot"/>
+      </p:par>
+    </p:tnLst>
+  </p:timing>
 </p:sld>
 </file>
 
@@ -3949,19 +3484,71 @@
           <a:p>
             <a:r>
               <a:rPr lang="de-DE" dirty="0" smtClean="0"/>
-              <a:t>Ein Array ist vom Typ </a:t>
+              <a:t>Debuggen über alert ist doof</a:t>
+            </a:r>
+          </a:p>
+          <a:p>
+            <a:r>
+              <a:rPr lang="de-DE" dirty="0" smtClean="0"/>
+              <a:t>Aber: Mit </a:t>
             </a:r>
             <a:r>
               <a:rPr lang="de-DE" dirty="0" err="1" smtClean="0"/>
-              <a:t>Object</a:t>
-            </a:r>
-            <a:endParaRPr lang="de-DE" dirty="0" smtClean="0"/>
-          </a:p>
-          <a:p>
-            <a:r>
-              <a:rPr lang="de-DE" dirty="0" smtClean="0"/>
-              <a:t>D.h., es ist ein Objekt mit Properties und Methoden.</a:t>
-            </a:r>
+              <a:t>console.log</a:t>
+            </a:r>
+            <a:r>
+              <a:rPr lang="de-DE" dirty="0" smtClean="0"/>
+              <a:t>() (</a:t>
+            </a:r>
+            <a:r>
+              <a:rPr lang="de-DE" dirty="0" err="1" smtClean="0"/>
+              <a:t>debug</a:t>
+            </a:r>
+            <a:r>
+              <a:rPr lang="de-DE" dirty="0" smtClean="0"/>
+              <a:t>, </a:t>
+            </a:r>
+            <a:r>
+              <a:rPr lang="de-DE" dirty="0" err="1" smtClean="0"/>
+              <a:t>info</a:t>
+            </a:r>
+            <a:r>
+              <a:rPr lang="de-DE" dirty="0" smtClean="0"/>
+              <a:t>, warn, </a:t>
+            </a:r>
+            <a:r>
+              <a:rPr lang="de-DE" dirty="0" err="1" smtClean="0"/>
+              <a:t>error</a:t>
+            </a:r>
+            <a:r>
+              <a:rPr lang="de-DE" dirty="0" smtClean="0"/>
+              <a:t>) bekommt man geregeltes </a:t>
+            </a:r>
+            <a:r>
+              <a:rPr lang="de-DE" dirty="0" err="1" smtClean="0"/>
+              <a:t>Logging</a:t>
+            </a:r>
+            <a:r>
+              <a:rPr lang="de-DE" dirty="0" smtClean="0"/>
+              <a:t> hin</a:t>
+            </a:r>
+          </a:p>
+          <a:p>
+            <a:r>
+              <a:rPr lang="de-DE" dirty="0"/>
+              <a:t>Es gibt JS-Debugger</a:t>
+            </a:r>
+          </a:p>
+          <a:p>
+            <a:r>
+              <a:rPr lang="de-DE" dirty="0"/>
+              <a:t>Besser ist natürlich test-getriebene </a:t>
+            </a:r>
+            <a:r>
+              <a:rPr lang="de-DE" dirty="0" err="1"/>
+              <a:t>Entwicklerung</a:t>
+            </a:r>
+            <a:endParaRPr lang="de-DE" dirty="0"/>
           </a:p>
           <a:p>
             <a:endParaRPr lang="de-DE" dirty="0"/>
@@ -3984,8 +3571,8 @@
           <a:lstStyle/>
           <a:p>
             <a:r>
-              <a:rPr lang="de-DE" dirty="0" smtClean="0"/>
-              <a:t>Arrays</a:t>
+              <a:rPr lang="de-DE" dirty="0" err="1" smtClean="0"/>
+              <a:t>Console</a:t>
             </a:r>
             <a:endParaRPr lang="de-DE" dirty="0"/>
           </a:p>
@@ -3994,20 +3581,13 @@
     </p:spTree>
     <p:extLst>
       <p:ext uri="{BB962C8B-B14F-4D97-AF65-F5344CB8AC3E}">
-        <p14:creationId xmlns:p14="http://schemas.microsoft.com/office/powerpoint/2010/main" val="3936742792"/>
+        <p14:creationId xmlns:p14="http://schemas.microsoft.com/office/powerpoint/2010/main" val="553688316"/>
       </p:ext>
     </p:extLst>
   </p:cSld>
   <p:clrMapOvr>
     <a:masterClrMapping/>
   </p:clrMapOvr>
-  <p:timing>
-    <p:tnLst>
-      <p:par>
-        <p:cTn xmlns:p14="http://schemas.microsoft.com/office/powerpoint/2010/main" id="1" dur="indefinite" restart="never" nodeType="tmRoot"/>
-      </p:par>
-    </p:tnLst>
-  </p:timing>
 </p:sld>
 </file>
 
@@ -4045,671 +3625,18 @@
           <a:p>
             <a:r>
               <a:rPr lang="de-DE" dirty="0" smtClean="0"/>
-              <a:t>The </a:t>
-            </a:r>
-            <a:r>
-              <a:rPr lang="de-DE" dirty="0" err="1"/>
-              <a:t>indexOf</a:t>
-            </a:r>
-            <a:r>
-              <a:rPr lang="de-DE" dirty="0"/>
-              <a:t>() </a:t>
-            </a:r>
-            <a:r>
-              <a:rPr lang="de-DE" dirty="0" err="1"/>
-              <a:t>method</a:t>
-            </a:r>
-            <a:r>
-              <a:rPr lang="de-DE" dirty="0"/>
-              <a:t> </a:t>
-            </a:r>
-            <a:r>
-              <a:rPr lang="de-DE" dirty="0" err="1"/>
-              <a:t>returns</a:t>
-            </a:r>
-            <a:r>
-              <a:rPr lang="de-DE" dirty="0"/>
-              <a:t> </a:t>
-            </a:r>
-            <a:r>
-              <a:rPr lang="de-DE" dirty="0" err="1"/>
-              <a:t>the</a:t>
-            </a:r>
-            <a:r>
-              <a:rPr lang="de-DE" dirty="0"/>
-              <a:t> </a:t>
-            </a:r>
-            <a:r>
-              <a:rPr lang="de-DE" dirty="0" err="1"/>
-              <a:t>first</a:t>
-            </a:r>
-            <a:r>
-              <a:rPr lang="de-DE" dirty="0"/>
-              <a:t> </a:t>
-            </a:r>
-            <a:r>
-              <a:rPr lang="de-DE" dirty="0" err="1"/>
-              <a:t>index</a:t>
-            </a:r>
-            <a:r>
-              <a:rPr lang="de-DE" dirty="0"/>
-              <a:t> </a:t>
-            </a:r>
-            <a:r>
-              <a:rPr lang="de-DE" dirty="0" err="1"/>
-              <a:t>at</a:t>
-            </a:r>
-            <a:r>
-              <a:rPr lang="de-DE" dirty="0"/>
-              <a:t> </a:t>
-            </a:r>
-            <a:r>
-              <a:rPr lang="de-DE" dirty="0" err="1"/>
-              <a:t>which</a:t>
-            </a:r>
-            <a:r>
-              <a:rPr lang="de-DE" dirty="0"/>
-              <a:t> a </a:t>
-            </a:r>
-            <a:r>
-              <a:rPr lang="de-DE" dirty="0" err="1"/>
-              <a:t>given</a:t>
-            </a:r>
-            <a:r>
-              <a:rPr lang="de-DE" dirty="0"/>
-              <a:t> </a:t>
-            </a:r>
-            <a:r>
-              <a:rPr lang="de-DE" dirty="0" err="1"/>
-              <a:t>element</a:t>
-            </a:r>
-            <a:r>
-              <a:rPr lang="de-DE" dirty="0"/>
-              <a:t> </a:t>
-            </a:r>
-            <a:r>
-              <a:rPr lang="de-DE" dirty="0" err="1"/>
-              <a:t>can</a:t>
-            </a:r>
-            <a:r>
-              <a:rPr lang="de-DE" dirty="0"/>
-              <a:t> </a:t>
-            </a:r>
-            <a:r>
-              <a:rPr lang="de-DE" dirty="0" err="1"/>
-              <a:t>be</a:t>
-            </a:r>
-            <a:r>
-              <a:rPr lang="de-DE" dirty="0"/>
-              <a:t> </a:t>
-            </a:r>
-            <a:r>
-              <a:rPr lang="de-DE" dirty="0" err="1"/>
-              <a:t>found</a:t>
-            </a:r>
-            <a:r>
-              <a:rPr lang="de-DE" dirty="0"/>
-              <a:t> in </a:t>
-            </a:r>
-            <a:r>
-              <a:rPr lang="de-DE" dirty="0" err="1"/>
-              <a:t>the</a:t>
-            </a:r>
-            <a:r>
-              <a:rPr lang="de-DE" dirty="0"/>
-              <a:t> </a:t>
-            </a:r>
-            <a:r>
-              <a:rPr lang="de-DE" dirty="0" err="1"/>
-              <a:t>array</a:t>
-            </a:r>
-            <a:r>
-              <a:rPr lang="de-DE" dirty="0"/>
-              <a:t>, </a:t>
-            </a:r>
-            <a:r>
-              <a:rPr lang="de-DE" dirty="0" err="1"/>
-              <a:t>or</a:t>
-            </a:r>
-            <a:r>
-              <a:rPr lang="de-DE" dirty="0"/>
-              <a:t> -1 </a:t>
-            </a:r>
-            <a:r>
-              <a:rPr lang="de-DE" dirty="0" err="1"/>
-              <a:t>if</a:t>
-            </a:r>
-            <a:r>
-              <a:rPr lang="de-DE" dirty="0"/>
-              <a:t> </a:t>
-            </a:r>
-            <a:r>
-              <a:rPr lang="de-DE" dirty="0" err="1"/>
-              <a:t>it</a:t>
-            </a:r>
-            <a:r>
-              <a:rPr lang="de-DE" dirty="0"/>
-              <a:t> </a:t>
-            </a:r>
-            <a:r>
-              <a:rPr lang="de-DE" dirty="0" err="1"/>
-              <a:t>is</a:t>
-            </a:r>
-            <a:r>
-              <a:rPr lang="de-DE" dirty="0"/>
-              <a:t> not </a:t>
-            </a:r>
-            <a:r>
-              <a:rPr lang="de-DE" dirty="0" err="1"/>
-              <a:t>present</a:t>
-            </a:r>
-            <a:r>
-              <a:rPr lang="de-DE" dirty="0"/>
-              <a:t>.</a:t>
-            </a:r>
-          </a:p>
-          <a:p>
-            <a:r>
-              <a:rPr lang="de-DE" dirty="0" smtClean="0"/>
-              <a:t>The </a:t>
-            </a:r>
-            <a:r>
-              <a:rPr lang="de-DE" dirty="0" err="1"/>
-              <a:t>filter</a:t>
-            </a:r>
-            <a:r>
-              <a:rPr lang="de-DE" dirty="0"/>
-              <a:t>() </a:t>
-            </a:r>
-            <a:r>
-              <a:rPr lang="de-DE" dirty="0" err="1"/>
-              <a:t>method</a:t>
-            </a:r>
-            <a:r>
-              <a:rPr lang="de-DE" dirty="0"/>
-              <a:t> </a:t>
-            </a:r>
-            <a:r>
-              <a:rPr lang="de-DE" dirty="0" err="1"/>
-              <a:t>creates</a:t>
-            </a:r>
-            <a:r>
-              <a:rPr lang="de-DE" dirty="0"/>
-              <a:t> a </a:t>
-            </a:r>
-            <a:r>
-              <a:rPr lang="de-DE" dirty="0" err="1"/>
-              <a:t>new</a:t>
-            </a:r>
-            <a:r>
-              <a:rPr lang="de-DE" dirty="0"/>
-              <a:t> </a:t>
-            </a:r>
-            <a:r>
-              <a:rPr lang="de-DE" dirty="0" err="1"/>
-              <a:t>array</a:t>
-            </a:r>
-            <a:r>
-              <a:rPr lang="de-DE" dirty="0"/>
-              <a:t> </a:t>
-            </a:r>
-            <a:r>
-              <a:rPr lang="de-DE" dirty="0" err="1"/>
-              <a:t>with</a:t>
-            </a:r>
-            <a:r>
-              <a:rPr lang="de-DE" dirty="0"/>
-              <a:t> all </a:t>
-            </a:r>
-            <a:r>
-              <a:rPr lang="de-DE" dirty="0" err="1"/>
-              <a:t>elements</a:t>
-            </a:r>
-            <a:r>
-              <a:rPr lang="de-DE" dirty="0"/>
-              <a:t> </a:t>
-            </a:r>
-            <a:r>
-              <a:rPr lang="de-DE" dirty="0" err="1"/>
-              <a:t>that</a:t>
-            </a:r>
-            <a:r>
-              <a:rPr lang="de-DE" dirty="0"/>
-              <a:t> pass </a:t>
-            </a:r>
-            <a:r>
-              <a:rPr lang="de-DE" dirty="0" err="1"/>
-              <a:t>the</a:t>
-            </a:r>
-            <a:r>
-              <a:rPr lang="de-DE" dirty="0"/>
-              <a:t> </a:t>
-            </a:r>
-            <a:r>
-              <a:rPr lang="de-DE" dirty="0" err="1"/>
-              <a:t>test</a:t>
-            </a:r>
-            <a:r>
-              <a:rPr lang="de-DE" dirty="0"/>
-              <a:t> </a:t>
-            </a:r>
-            <a:r>
-              <a:rPr lang="de-DE" dirty="0" err="1"/>
-              <a:t>implemented</a:t>
-            </a:r>
-            <a:r>
-              <a:rPr lang="de-DE" dirty="0"/>
-              <a:t> </a:t>
-            </a:r>
-            <a:r>
-              <a:rPr lang="de-DE" dirty="0" err="1"/>
-              <a:t>by</a:t>
-            </a:r>
-            <a:r>
-              <a:rPr lang="de-DE" dirty="0"/>
-              <a:t> </a:t>
-            </a:r>
-            <a:r>
-              <a:rPr lang="de-DE" dirty="0" err="1"/>
-              <a:t>the</a:t>
-            </a:r>
-            <a:r>
-              <a:rPr lang="de-DE" dirty="0"/>
-              <a:t> </a:t>
-            </a:r>
-            <a:r>
-              <a:rPr lang="de-DE" dirty="0" err="1"/>
-              <a:t>provided</a:t>
-            </a:r>
-            <a:r>
-              <a:rPr lang="de-DE" dirty="0"/>
-              <a:t> </a:t>
-            </a:r>
-            <a:r>
-              <a:rPr lang="de-DE" dirty="0" err="1"/>
-              <a:t>function</a:t>
-            </a:r>
-            <a:r>
-              <a:rPr lang="de-DE" dirty="0"/>
-              <a:t>.</a:t>
-            </a:r>
-          </a:p>
-          <a:p>
-            <a:r>
-              <a:rPr lang="de-DE" dirty="0"/>
-              <a:t>The </a:t>
-            </a:r>
-            <a:r>
-              <a:rPr lang="de-DE" dirty="0" err="1"/>
-              <a:t>forEach</a:t>
-            </a:r>
-            <a:r>
-              <a:rPr lang="de-DE" dirty="0"/>
-              <a:t>() </a:t>
-            </a:r>
-            <a:r>
-              <a:rPr lang="de-DE" dirty="0" err="1"/>
-              <a:t>method</a:t>
-            </a:r>
-            <a:r>
-              <a:rPr lang="de-DE" dirty="0"/>
-              <a:t> </a:t>
-            </a:r>
-            <a:r>
-              <a:rPr lang="de-DE" dirty="0" err="1"/>
-              <a:t>executes</a:t>
-            </a:r>
-            <a:r>
-              <a:rPr lang="de-DE" dirty="0"/>
-              <a:t> a </a:t>
-            </a:r>
-            <a:r>
-              <a:rPr lang="de-DE" dirty="0" err="1"/>
-              <a:t>provided</a:t>
-            </a:r>
-            <a:r>
-              <a:rPr lang="de-DE" dirty="0"/>
-              <a:t> </a:t>
-            </a:r>
-            <a:r>
-              <a:rPr lang="de-DE" dirty="0" err="1"/>
-              <a:t>function</a:t>
-            </a:r>
-            <a:r>
-              <a:rPr lang="de-DE" dirty="0"/>
-              <a:t> </a:t>
-            </a:r>
-            <a:r>
-              <a:rPr lang="de-DE" dirty="0" err="1"/>
-              <a:t>once</a:t>
-            </a:r>
-            <a:r>
-              <a:rPr lang="de-DE" dirty="0"/>
-              <a:t> per </a:t>
-            </a:r>
-            <a:r>
-              <a:rPr lang="de-DE" dirty="0" err="1"/>
-              <a:t>array</a:t>
-            </a:r>
-            <a:r>
-              <a:rPr lang="de-DE" dirty="0"/>
-              <a:t> </a:t>
-            </a:r>
-            <a:r>
-              <a:rPr lang="de-DE" dirty="0" err="1"/>
-              <a:t>element</a:t>
-            </a:r>
-            <a:r>
-              <a:rPr lang="de-DE" dirty="0" smtClean="0"/>
-              <a:t>.</a:t>
-            </a:r>
-          </a:p>
-          <a:p>
-            <a:r>
-              <a:rPr lang="de-DE" dirty="0"/>
-              <a:t>The </a:t>
-            </a:r>
-            <a:r>
-              <a:rPr lang="de-DE" dirty="0" err="1"/>
-              <a:t>map</a:t>
-            </a:r>
-            <a:r>
-              <a:rPr lang="de-DE" dirty="0"/>
-              <a:t>() </a:t>
-            </a:r>
-            <a:r>
-              <a:rPr lang="de-DE" dirty="0" err="1"/>
-              <a:t>method</a:t>
-            </a:r>
-            <a:r>
-              <a:rPr lang="de-DE" dirty="0"/>
-              <a:t> </a:t>
-            </a:r>
-            <a:r>
-              <a:rPr lang="de-DE" dirty="0" err="1"/>
-              <a:t>creates</a:t>
-            </a:r>
-            <a:r>
-              <a:rPr lang="de-DE" dirty="0"/>
-              <a:t> a </a:t>
-            </a:r>
-            <a:r>
-              <a:rPr lang="de-DE" dirty="0" err="1"/>
-              <a:t>new</a:t>
-            </a:r>
-            <a:r>
-              <a:rPr lang="de-DE" dirty="0"/>
-              <a:t> </a:t>
-            </a:r>
-            <a:r>
-              <a:rPr lang="de-DE" dirty="0" err="1"/>
-              <a:t>array</a:t>
-            </a:r>
-            <a:r>
-              <a:rPr lang="de-DE" dirty="0"/>
-              <a:t> </a:t>
-            </a:r>
-            <a:r>
-              <a:rPr lang="de-DE" dirty="0" err="1"/>
-              <a:t>with</a:t>
-            </a:r>
-            <a:r>
-              <a:rPr lang="de-DE" dirty="0"/>
-              <a:t> </a:t>
-            </a:r>
-            <a:r>
-              <a:rPr lang="de-DE" dirty="0" err="1"/>
-              <a:t>the</a:t>
-            </a:r>
-            <a:r>
-              <a:rPr lang="de-DE" dirty="0"/>
-              <a:t> </a:t>
-            </a:r>
-            <a:r>
-              <a:rPr lang="de-DE" dirty="0" err="1"/>
-              <a:t>results</a:t>
-            </a:r>
-            <a:r>
-              <a:rPr lang="de-DE" dirty="0"/>
-              <a:t> </a:t>
-            </a:r>
-            <a:r>
-              <a:rPr lang="de-DE" dirty="0" err="1"/>
-              <a:t>of</a:t>
-            </a:r>
-            <a:r>
-              <a:rPr lang="de-DE" dirty="0"/>
-              <a:t> </a:t>
-            </a:r>
-            <a:r>
-              <a:rPr lang="de-DE" dirty="0" err="1"/>
-              <a:t>calling</a:t>
-            </a:r>
-            <a:r>
-              <a:rPr lang="de-DE" dirty="0"/>
-              <a:t> a </a:t>
-            </a:r>
-            <a:r>
-              <a:rPr lang="de-DE" dirty="0" err="1"/>
-              <a:t>provided</a:t>
-            </a:r>
-            <a:r>
-              <a:rPr lang="de-DE" dirty="0"/>
-              <a:t> </a:t>
-            </a:r>
-            <a:r>
-              <a:rPr lang="de-DE" dirty="0" err="1"/>
-              <a:t>function</a:t>
-            </a:r>
-            <a:r>
-              <a:rPr lang="de-DE" dirty="0"/>
-              <a:t> on </a:t>
-            </a:r>
-            <a:r>
-              <a:rPr lang="de-DE" dirty="0" err="1"/>
-              <a:t>every</a:t>
-            </a:r>
-            <a:r>
-              <a:rPr lang="de-DE" dirty="0"/>
-              <a:t> </a:t>
-            </a:r>
-            <a:r>
-              <a:rPr lang="de-DE" dirty="0" err="1"/>
-              <a:t>element</a:t>
-            </a:r>
-            <a:r>
-              <a:rPr lang="de-DE" dirty="0"/>
-              <a:t> in </a:t>
-            </a:r>
-            <a:r>
-              <a:rPr lang="de-DE" dirty="0" err="1"/>
-              <a:t>this</a:t>
-            </a:r>
-            <a:r>
-              <a:rPr lang="de-DE" dirty="0"/>
-              <a:t> </a:t>
-            </a:r>
-            <a:r>
-              <a:rPr lang="de-DE" dirty="0" err="1"/>
-              <a:t>array</a:t>
-            </a:r>
-            <a:r>
-              <a:rPr lang="de-DE" dirty="0" smtClean="0"/>
-              <a:t>.</a:t>
-            </a:r>
-          </a:p>
-          <a:p>
-            <a:r>
-              <a:rPr lang="de-DE" dirty="0"/>
-              <a:t>The </a:t>
-            </a:r>
-            <a:r>
-              <a:rPr lang="de-DE" dirty="0" err="1"/>
-              <a:t>reduce</a:t>
-            </a:r>
-            <a:r>
-              <a:rPr lang="de-DE" dirty="0"/>
-              <a:t>() </a:t>
-            </a:r>
-            <a:r>
-              <a:rPr lang="de-DE" dirty="0" err="1"/>
-              <a:t>method</a:t>
-            </a:r>
-            <a:r>
-              <a:rPr lang="de-DE" dirty="0"/>
-              <a:t> </a:t>
-            </a:r>
-            <a:r>
-              <a:rPr lang="de-DE" dirty="0" err="1"/>
-              <a:t>applies</a:t>
-            </a:r>
-            <a:r>
-              <a:rPr lang="de-DE" dirty="0"/>
-              <a:t> a </a:t>
-            </a:r>
-            <a:r>
-              <a:rPr lang="de-DE" dirty="0" err="1"/>
-              <a:t>function</a:t>
-            </a:r>
-            <a:r>
-              <a:rPr lang="de-DE" dirty="0"/>
-              <a:t> </a:t>
-            </a:r>
-            <a:r>
-              <a:rPr lang="de-DE" dirty="0" err="1"/>
-              <a:t>against</a:t>
-            </a:r>
-            <a:r>
-              <a:rPr lang="de-DE" dirty="0"/>
-              <a:t> an </a:t>
-            </a:r>
-            <a:r>
-              <a:rPr lang="de-DE" dirty="0" err="1"/>
-              <a:t>accumulator</a:t>
-            </a:r>
-            <a:r>
-              <a:rPr lang="de-DE" dirty="0"/>
-              <a:t> </a:t>
-            </a:r>
-            <a:r>
-              <a:rPr lang="de-DE" dirty="0" err="1"/>
-              <a:t>and</a:t>
-            </a:r>
-            <a:r>
-              <a:rPr lang="de-DE" dirty="0"/>
-              <a:t> </a:t>
-            </a:r>
-            <a:r>
-              <a:rPr lang="de-DE" dirty="0" err="1"/>
-              <a:t>each</a:t>
-            </a:r>
-            <a:r>
-              <a:rPr lang="de-DE" dirty="0"/>
-              <a:t> </a:t>
-            </a:r>
-            <a:r>
-              <a:rPr lang="de-DE" dirty="0" err="1"/>
-              <a:t>value</a:t>
-            </a:r>
-            <a:r>
-              <a:rPr lang="de-DE" dirty="0"/>
-              <a:t> </a:t>
-            </a:r>
-            <a:r>
-              <a:rPr lang="de-DE" dirty="0" err="1"/>
-              <a:t>of</a:t>
-            </a:r>
-            <a:r>
-              <a:rPr lang="de-DE" dirty="0"/>
-              <a:t> </a:t>
-            </a:r>
-            <a:r>
-              <a:rPr lang="de-DE" dirty="0" err="1"/>
-              <a:t>the</a:t>
-            </a:r>
-            <a:r>
-              <a:rPr lang="de-DE" dirty="0"/>
-              <a:t> </a:t>
-            </a:r>
-            <a:r>
-              <a:rPr lang="de-DE" dirty="0" err="1"/>
-              <a:t>array</a:t>
-            </a:r>
-            <a:r>
-              <a:rPr lang="de-DE" dirty="0"/>
-              <a:t> (</a:t>
-            </a:r>
-            <a:r>
-              <a:rPr lang="de-DE" dirty="0" err="1"/>
-              <a:t>from</a:t>
-            </a:r>
-            <a:r>
-              <a:rPr lang="de-DE" dirty="0"/>
-              <a:t> </a:t>
-            </a:r>
-            <a:r>
-              <a:rPr lang="de-DE" dirty="0" err="1"/>
-              <a:t>left-to-right</a:t>
-            </a:r>
-            <a:r>
-              <a:rPr lang="de-DE" dirty="0"/>
-              <a:t>) </a:t>
-            </a:r>
-            <a:r>
-              <a:rPr lang="de-DE" dirty="0" err="1"/>
-              <a:t>has</a:t>
-            </a:r>
-            <a:r>
-              <a:rPr lang="de-DE" dirty="0"/>
-              <a:t> </a:t>
-            </a:r>
-            <a:r>
-              <a:rPr lang="de-DE" dirty="0" err="1"/>
-              <a:t>to</a:t>
-            </a:r>
-            <a:r>
-              <a:rPr lang="de-DE" dirty="0"/>
-              <a:t> </a:t>
-            </a:r>
-            <a:r>
-              <a:rPr lang="de-DE" dirty="0" err="1"/>
-              <a:t>reduce</a:t>
-            </a:r>
-            <a:r>
-              <a:rPr lang="de-DE" dirty="0"/>
-              <a:t> </a:t>
-            </a:r>
-            <a:r>
-              <a:rPr lang="de-DE" dirty="0" err="1"/>
-              <a:t>it</a:t>
-            </a:r>
-            <a:r>
-              <a:rPr lang="de-DE" dirty="0"/>
-              <a:t> </a:t>
-            </a:r>
-            <a:r>
-              <a:rPr lang="de-DE" dirty="0" err="1"/>
-              <a:t>to</a:t>
-            </a:r>
-            <a:r>
-              <a:rPr lang="de-DE" dirty="0"/>
-              <a:t> a </a:t>
-            </a:r>
-            <a:r>
-              <a:rPr lang="de-DE" dirty="0" err="1"/>
-              <a:t>single</a:t>
-            </a:r>
-            <a:r>
-              <a:rPr lang="de-DE" dirty="0"/>
-              <a:t> </a:t>
-            </a:r>
-            <a:r>
-              <a:rPr lang="de-DE" dirty="0" err="1"/>
-              <a:t>value</a:t>
-            </a:r>
-            <a:r>
-              <a:rPr lang="de-DE" dirty="0"/>
-              <a:t>.</a:t>
+              <a:t>Ein Array ist vom Typ </a:t>
+            </a:r>
+            <a:r>
+              <a:rPr lang="de-DE" dirty="0" err="1" smtClean="0"/>
+              <a:t>Object</a:t>
+            </a:r>
+            <a:endParaRPr lang="de-DE" dirty="0" smtClean="0"/>
+          </a:p>
+          <a:p>
+            <a:r>
+              <a:rPr lang="de-DE" dirty="0" smtClean="0"/>
+              <a:t>D.h., es ist ein Objekt mit Properties und Methoden.</a:t>
             </a:r>
           </a:p>
           <a:p>
@@ -4743,7 +3670,7 @@
     </p:spTree>
     <p:extLst>
       <p:ext uri="{BB962C8B-B14F-4D97-AF65-F5344CB8AC3E}">
-        <p14:creationId xmlns:p14="http://schemas.microsoft.com/office/powerpoint/2010/main" val="1019305664"/>
+        <p14:creationId xmlns:p14="http://schemas.microsoft.com/office/powerpoint/2010/main" val="357033658"/>
       </p:ext>
     </p:extLst>
   </p:cSld>
@@ -4779,7 +3706,7 @@
       </p:grpSpPr>
       <p:sp>
         <p:nvSpPr>
-          <p:cNvPr id="2" name="Inhaltsplatzhalter 1"/>
+          <p:cNvPr id="5" name="Inhaltsplatzhalter 4"/>
           <p:cNvSpPr>
             <a:spLocks noGrp="1"/>
           </p:cNvSpPr>
@@ -4792,311 +3719,21 @@
           <a:bodyPr/>
           <a:lstStyle/>
           <a:p>
-            <a:r>
-              <a:rPr lang="de-DE" dirty="0" smtClean="0"/>
-              <a:t>The </a:t>
-            </a:r>
-            <a:r>
-              <a:rPr lang="de-DE" dirty="0" err="1"/>
-              <a:t>map</a:t>
-            </a:r>
-            <a:r>
-              <a:rPr lang="de-DE" dirty="0"/>
-              <a:t>() </a:t>
-            </a:r>
-            <a:r>
-              <a:rPr lang="de-DE" dirty="0" err="1"/>
-              <a:t>method</a:t>
-            </a:r>
-            <a:r>
-              <a:rPr lang="de-DE" dirty="0"/>
-              <a:t> </a:t>
-            </a:r>
-            <a:r>
-              <a:rPr lang="de-DE" dirty="0" err="1"/>
-              <a:t>creates</a:t>
-            </a:r>
-            <a:r>
-              <a:rPr lang="de-DE" dirty="0"/>
-              <a:t> a </a:t>
-            </a:r>
-            <a:r>
-              <a:rPr lang="de-DE" dirty="0" err="1"/>
-              <a:t>new</a:t>
-            </a:r>
-            <a:r>
-              <a:rPr lang="de-DE" dirty="0"/>
-              <a:t> </a:t>
-            </a:r>
-            <a:r>
-              <a:rPr lang="de-DE" dirty="0" err="1"/>
-              <a:t>array</a:t>
-            </a:r>
-            <a:r>
-              <a:rPr lang="de-DE" dirty="0"/>
-              <a:t> </a:t>
-            </a:r>
-            <a:r>
-              <a:rPr lang="de-DE" dirty="0" err="1"/>
-              <a:t>with</a:t>
-            </a:r>
-            <a:r>
-              <a:rPr lang="de-DE" dirty="0"/>
-              <a:t> </a:t>
-            </a:r>
-            <a:r>
-              <a:rPr lang="de-DE" dirty="0" err="1"/>
-              <a:t>the</a:t>
-            </a:r>
-            <a:r>
-              <a:rPr lang="de-DE" dirty="0"/>
-              <a:t> </a:t>
-            </a:r>
-            <a:r>
-              <a:rPr lang="de-DE" dirty="0" err="1"/>
-              <a:t>results</a:t>
-            </a:r>
-            <a:r>
-              <a:rPr lang="de-DE" dirty="0"/>
-              <a:t> </a:t>
-            </a:r>
-            <a:r>
-              <a:rPr lang="de-DE" dirty="0" err="1"/>
-              <a:t>of</a:t>
-            </a:r>
-            <a:r>
-              <a:rPr lang="de-DE" dirty="0"/>
-              <a:t> </a:t>
-            </a:r>
-            <a:r>
-              <a:rPr lang="de-DE" dirty="0" err="1"/>
-              <a:t>calling</a:t>
-            </a:r>
-            <a:r>
-              <a:rPr lang="de-DE" dirty="0"/>
-              <a:t> a </a:t>
-            </a:r>
-            <a:r>
-              <a:rPr lang="de-DE" dirty="0" err="1"/>
-              <a:t>provided</a:t>
-            </a:r>
-            <a:r>
-              <a:rPr lang="de-DE" dirty="0"/>
-              <a:t> </a:t>
-            </a:r>
-            <a:r>
-              <a:rPr lang="de-DE" dirty="0" err="1"/>
-              <a:t>function</a:t>
-            </a:r>
-            <a:r>
-              <a:rPr lang="de-DE" dirty="0"/>
-              <a:t> on </a:t>
-            </a:r>
-            <a:r>
-              <a:rPr lang="de-DE" dirty="0" err="1"/>
-              <a:t>every</a:t>
-            </a:r>
-            <a:r>
-              <a:rPr lang="de-DE" dirty="0"/>
-              <a:t> </a:t>
-            </a:r>
-            <a:r>
-              <a:rPr lang="de-DE" dirty="0" err="1"/>
-              <a:t>element</a:t>
-            </a:r>
-            <a:r>
-              <a:rPr lang="de-DE" dirty="0"/>
-              <a:t> in </a:t>
-            </a:r>
-            <a:r>
-              <a:rPr lang="de-DE" dirty="0" err="1"/>
-              <a:t>this</a:t>
-            </a:r>
-            <a:r>
-              <a:rPr lang="de-DE" dirty="0"/>
-              <a:t> </a:t>
-            </a:r>
-            <a:r>
-              <a:rPr lang="de-DE" dirty="0" err="1"/>
-              <a:t>array</a:t>
-            </a:r>
-            <a:r>
-              <a:rPr lang="de-DE" dirty="0" smtClean="0"/>
-              <a:t>.</a:t>
-            </a:r>
-          </a:p>
-          <a:p>
-            <a:r>
-              <a:rPr lang="de-DE" dirty="0"/>
-              <a:t>The </a:t>
-            </a:r>
-            <a:r>
-              <a:rPr lang="de-DE" dirty="0" err="1"/>
-              <a:t>reduce</a:t>
-            </a:r>
-            <a:r>
-              <a:rPr lang="de-DE" dirty="0"/>
-              <a:t>() </a:t>
-            </a:r>
-            <a:r>
-              <a:rPr lang="de-DE" dirty="0" err="1"/>
-              <a:t>method</a:t>
-            </a:r>
-            <a:r>
-              <a:rPr lang="de-DE" dirty="0"/>
-              <a:t> </a:t>
-            </a:r>
-            <a:r>
-              <a:rPr lang="de-DE" dirty="0" err="1"/>
-              <a:t>applies</a:t>
-            </a:r>
-            <a:r>
-              <a:rPr lang="de-DE" dirty="0"/>
-              <a:t> a </a:t>
-            </a:r>
-            <a:r>
-              <a:rPr lang="de-DE" dirty="0" err="1"/>
-              <a:t>function</a:t>
-            </a:r>
-            <a:r>
-              <a:rPr lang="de-DE" dirty="0"/>
-              <a:t> </a:t>
-            </a:r>
-            <a:r>
-              <a:rPr lang="de-DE" dirty="0" err="1"/>
-              <a:t>against</a:t>
-            </a:r>
-            <a:r>
-              <a:rPr lang="de-DE" dirty="0"/>
-              <a:t> an </a:t>
-            </a:r>
-            <a:r>
-              <a:rPr lang="de-DE" dirty="0" err="1"/>
-              <a:t>accumulator</a:t>
-            </a:r>
-            <a:r>
-              <a:rPr lang="de-DE" dirty="0"/>
-              <a:t> </a:t>
-            </a:r>
-            <a:r>
-              <a:rPr lang="de-DE" dirty="0" err="1"/>
-              <a:t>and</a:t>
-            </a:r>
-            <a:r>
-              <a:rPr lang="de-DE" dirty="0"/>
-              <a:t> </a:t>
-            </a:r>
-            <a:r>
-              <a:rPr lang="de-DE" dirty="0" err="1"/>
-              <a:t>each</a:t>
-            </a:r>
-            <a:r>
-              <a:rPr lang="de-DE" dirty="0"/>
-              <a:t> </a:t>
-            </a:r>
-            <a:r>
-              <a:rPr lang="de-DE" dirty="0" err="1"/>
-              <a:t>value</a:t>
-            </a:r>
-            <a:r>
-              <a:rPr lang="de-DE" dirty="0"/>
-              <a:t> </a:t>
-            </a:r>
-            <a:r>
-              <a:rPr lang="de-DE" dirty="0" err="1"/>
-              <a:t>of</a:t>
-            </a:r>
-            <a:r>
-              <a:rPr lang="de-DE" dirty="0"/>
-              <a:t> </a:t>
-            </a:r>
-            <a:r>
-              <a:rPr lang="de-DE" dirty="0" err="1"/>
-              <a:t>the</a:t>
-            </a:r>
-            <a:r>
-              <a:rPr lang="de-DE" dirty="0"/>
-              <a:t> </a:t>
-            </a:r>
-            <a:r>
-              <a:rPr lang="de-DE" dirty="0" err="1"/>
-              <a:t>array</a:t>
-            </a:r>
-            <a:r>
-              <a:rPr lang="de-DE" dirty="0"/>
-              <a:t> (</a:t>
-            </a:r>
-            <a:r>
-              <a:rPr lang="de-DE" dirty="0" err="1"/>
-              <a:t>from</a:t>
-            </a:r>
-            <a:r>
-              <a:rPr lang="de-DE" dirty="0"/>
-              <a:t> </a:t>
-            </a:r>
-            <a:r>
-              <a:rPr lang="de-DE" dirty="0" err="1"/>
-              <a:t>left-to-right</a:t>
-            </a:r>
-            <a:r>
-              <a:rPr lang="de-DE" dirty="0"/>
-              <a:t>) </a:t>
-            </a:r>
-            <a:r>
-              <a:rPr lang="de-DE" dirty="0" err="1"/>
-              <a:t>has</a:t>
-            </a:r>
-            <a:r>
-              <a:rPr lang="de-DE" dirty="0"/>
-              <a:t> </a:t>
-            </a:r>
-            <a:r>
-              <a:rPr lang="de-DE" dirty="0" err="1"/>
-              <a:t>to</a:t>
-            </a:r>
-            <a:r>
-              <a:rPr lang="de-DE" dirty="0"/>
-              <a:t> </a:t>
-            </a:r>
-            <a:r>
-              <a:rPr lang="de-DE" dirty="0" err="1"/>
-              <a:t>reduce</a:t>
-            </a:r>
-            <a:r>
-              <a:rPr lang="de-DE" dirty="0"/>
-              <a:t> </a:t>
-            </a:r>
-            <a:r>
-              <a:rPr lang="de-DE" dirty="0" err="1"/>
-              <a:t>it</a:t>
-            </a:r>
-            <a:r>
-              <a:rPr lang="de-DE" dirty="0"/>
-              <a:t> </a:t>
-            </a:r>
-            <a:r>
-              <a:rPr lang="de-DE" dirty="0" err="1"/>
-              <a:t>to</a:t>
-            </a:r>
-            <a:r>
-              <a:rPr lang="de-DE" dirty="0"/>
-              <a:t> a </a:t>
-            </a:r>
-            <a:r>
-              <a:rPr lang="de-DE" dirty="0" err="1"/>
-              <a:t>single</a:t>
-            </a:r>
-            <a:r>
-              <a:rPr lang="de-DE" dirty="0"/>
-              <a:t> </a:t>
-            </a:r>
-            <a:r>
-              <a:rPr lang="de-DE" dirty="0" err="1"/>
-              <a:t>value</a:t>
-            </a:r>
-            <a:r>
-              <a:rPr lang="de-DE" dirty="0"/>
-              <a:t>.</a:t>
+            <a:pPr marL="0" indent="0">
+              <a:buNone/>
+            </a:pPr>
+            <a:r>
+              <a:rPr lang="de-DE" b="1" dirty="0"/>
+              <a:t>Veränderung von Eigenschaften in einer Schleife</a:t>
+            </a:r>
+          </a:p>
+          <a:p>
+            <a:pPr marL="0" indent="0">
+              <a:buNone/>
+            </a:pPr>
+            <a:r>
+              <a:rPr lang="de-DE" dirty="0"/>
+              <a:t>Wenn die Eigenschaften in der Schleife hinzugefügt wurden, dann kann man sich nicht darauf verlassen, dass diese Eigenschaften in der Iteration berücksichtigt werden. Daher sollte das Objekt in der Schleife nicht verändert werden.</a:t>
             </a:r>
           </a:p>
           <a:p>
@@ -5106,7 +3743,7 @@
       </p:sp>
       <p:sp>
         <p:nvSpPr>
-          <p:cNvPr id="3" name="Titel 2"/>
+          <p:cNvPr id="4" name="Titel 3"/>
           <p:cNvSpPr>
             <a:spLocks noGrp="1"/>
           </p:cNvSpPr>
@@ -5120,8 +3757,12 @@
           <a:lstStyle/>
           <a:p>
             <a:r>
-              <a:rPr lang="de-DE" dirty="0" smtClean="0"/>
-              <a:t>Arrays</a:t>
+              <a:rPr lang="de-DE" dirty="0" err="1" smtClean="0"/>
+              <a:t>For</a:t>
+            </a:r>
+            <a:r>
+              <a:rPr lang="de-DE" dirty="0" smtClean="0"/>
+              <a:t>-Schleife</a:t>
             </a:r>
             <a:endParaRPr lang="de-DE" dirty="0"/>
           </a:p>
@@ -5130,13 +3771,21 @@
     </p:spTree>
     <p:extLst>
       <p:ext uri="{BB962C8B-B14F-4D97-AF65-F5344CB8AC3E}">
-        <p14:creationId xmlns:p14="http://schemas.microsoft.com/office/powerpoint/2010/main" val="3073625663"/>
+        <p14:creationId xmlns:p14="http://schemas.microsoft.com/office/powerpoint/2010/main" val="108456401"/>
       </p:ext>
     </p:extLst>
   </p:cSld>
   <p:clrMapOvr>
     <a:masterClrMapping/>
   </p:clrMapOvr>
+  <mc:AlternateContent xmlns:mc="http://schemas.openxmlformats.org/markup-compatibility/2006" xmlns:p14="http://schemas.microsoft.com/office/powerpoint/2010/main">
+    <mc:Choice Requires="p14">
+      <p:transition spd="slow" p14:dur="2000"/>
+    </mc:Choice>
+    <mc:Fallback xmlns="">
+      <p:transition xmlns:p14="http://schemas.microsoft.com/office/powerpoint/2010/main" spd="slow"/>
+    </mc:Fallback>
+  </mc:AlternateContent>
   <p:timing>
     <p:tnLst>
       <p:par>
@@ -5166,7 +3815,7 @@
       </p:grpSpPr>
       <p:sp>
         <p:nvSpPr>
-          <p:cNvPr id="2" name="Inhaltsplatzhalter 1"/>
+          <p:cNvPr id="5" name="Inhaltsplatzhalter 4"/>
           <p:cNvSpPr>
             <a:spLocks noGrp="1"/>
           </p:cNvSpPr>
@@ -5179,54 +3828,25 @@
           <a:bodyPr/>
           <a:lstStyle/>
           <a:p>
-            <a:r>
-              <a:rPr lang="de-DE" dirty="0" err="1" smtClean="0"/>
-              <a:t>demethodizing</a:t>
-            </a:r>
-            <a:endParaRPr lang="de-DE" dirty="0" smtClean="0"/>
-          </a:p>
-          <a:p>
-            <a:r>
-              <a:rPr lang="de-DE" dirty="0" err="1"/>
-              <a:t>var</a:t>
-            </a:r>
-            <a:r>
-              <a:rPr lang="de-DE" dirty="0"/>
-              <a:t> </a:t>
-            </a:r>
-            <a:r>
-              <a:rPr lang="de-DE" dirty="0" err="1"/>
-              <a:t>each</a:t>
-            </a:r>
-            <a:r>
-              <a:rPr lang="de-DE" dirty="0"/>
-              <a:t> = </a:t>
-            </a:r>
-            <a:r>
-              <a:rPr lang="de-DE" dirty="0" err="1"/>
-              <a:t>Function.prototype.call.bind</a:t>
-            </a:r>
-            <a:r>
-              <a:rPr lang="de-DE" dirty="0"/>
-              <a:t>([].</a:t>
-            </a:r>
-            <a:r>
-              <a:rPr lang="de-DE" dirty="0" err="1"/>
-              <a:t>forEach</a:t>
-            </a:r>
-            <a:r>
-              <a:rPr lang="de-DE" dirty="0"/>
-              <a:t>);</a:t>
-            </a:r>
-          </a:p>
-          <a:p>
+            <a:pPr marL="0" indent="0">
+              <a:buNone/>
+            </a:pPr>
+            <a:r>
+              <a:rPr lang="de-DE" dirty="0" smtClean="0"/>
+              <a:t>Funktionen in JS sind wichtiger als Objekte.</a:t>
+            </a:r>
+          </a:p>
+          <a:p>
+            <a:pPr marL="0" indent="0">
+              <a:buNone/>
+            </a:pPr>
             <a:endParaRPr lang="de-DE" dirty="0"/>
           </a:p>
         </p:txBody>
       </p:sp>
       <p:sp>
         <p:nvSpPr>
-          <p:cNvPr id="3" name="Titel 2"/>
+          <p:cNvPr id="4" name="Titel 3"/>
           <p:cNvSpPr>
             <a:spLocks noGrp="1"/>
           </p:cNvSpPr>
@@ -5241,7 +3861,7 @@
           <a:p>
             <a:r>
               <a:rPr lang="de-DE" dirty="0" smtClean="0"/>
-              <a:t>Bonus: Arrays</a:t>
+              <a:t>Funktionen</a:t>
             </a:r>
             <a:endParaRPr lang="de-DE" dirty="0"/>
           </a:p>
@@ -5250,13 +3870,21 @@
     </p:spTree>
     <p:extLst>
       <p:ext uri="{BB962C8B-B14F-4D97-AF65-F5344CB8AC3E}">
-        <p14:creationId xmlns:p14="http://schemas.microsoft.com/office/powerpoint/2010/main" val="3528035826"/>
+        <p14:creationId xmlns:p14="http://schemas.microsoft.com/office/powerpoint/2010/main" val="2296971626"/>
       </p:ext>
     </p:extLst>
   </p:cSld>
   <p:clrMapOvr>
     <a:masterClrMapping/>
   </p:clrMapOvr>
+  <mc:AlternateContent xmlns:mc="http://schemas.openxmlformats.org/markup-compatibility/2006" xmlns:p14="http://schemas.microsoft.com/office/powerpoint/2010/main">
+    <mc:Choice Requires="p14">
+      <p:transition spd="slow" p14:dur="2000"/>
+    </mc:Choice>
+    <mc:Fallback xmlns="">
+      <p:transition xmlns:p14="http://schemas.microsoft.com/office/powerpoint/2010/main" spd="slow"/>
+    </mc:Fallback>
+  </mc:AlternateContent>
   <p:timing>
     <p:tnLst>
       <p:par>
@@ -5286,7 +3914,7 @@
       </p:grpSpPr>
       <p:sp>
         <p:nvSpPr>
-          <p:cNvPr id="2" name="Inhaltsplatzhalter 1"/>
+          <p:cNvPr id="4" name="Inhaltsplatzhalter 3"/>
           <p:cNvSpPr>
             <a:spLocks noGrp="1"/>
           </p:cNvSpPr>
@@ -5300,26 +3928,66 @@
           <a:lstStyle/>
           <a:p>
             <a:r>
-              <a:rPr lang="de-DE" dirty="0" smtClean="0"/>
-              <a:t>aber ist gibt auch </a:t>
-            </a:r>
-            <a:r>
-              <a:rPr lang="de-DE" dirty="0" err="1" smtClean="0"/>
-              <a:t>immernoch</a:t>
-            </a:r>
-            <a:r>
-              <a:rPr lang="de-DE" dirty="0" smtClean="0"/>
-              <a:t> „normale“ Kontrollstrukturen</a:t>
-            </a:r>
-          </a:p>
-          <a:p>
-            <a:r>
-              <a:rPr lang="de-DE" dirty="0" smtClean="0"/>
-              <a:t>z.B. </a:t>
-            </a:r>
-            <a:r>
-              <a:rPr lang="de-DE" dirty="0" err="1" smtClean="0"/>
-              <a:t>for</a:t>
+              <a:rPr lang="fr-FR" dirty="0" err="1"/>
+              <a:t>function</a:t>
+            </a:r>
+            <a:r>
+              <a:rPr lang="fr-FR" dirty="0"/>
+              <a:t> plus(x, y) {</a:t>
+            </a:r>
+            <a:endParaRPr lang="de-DE" dirty="0"/>
+          </a:p>
+          <a:p>
+            <a:r>
+              <a:rPr lang="fr-FR" dirty="0"/>
+              <a:t>	return x + y; </a:t>
+            </a:r>
+            <a:r>
+              <a:rPr lang="fr-FR" dirty="0" smtClean="0"/>
+              <a:t>// </a:t>
+            </a:r>
+            <a:r>
+              <a:rPr lang="fr-FR" dirty="0" err="1" smtClean="0"/>
+              <a:t>ansonsten</a:t>
+            </a:r>
+            <a:r>
+              <a:rPr lang="fr-FR" dirty="0" smtClean="0"/>
+              <a:t> undefined</a:t>
+            </a:r>
+            <a:endParaRPr lang="de-DE" dirty="0"/>
+          </a:p>
+          <a:p>
+            <a:r>
+              <a:rPr lang="de-DE" dirty="0"/>
+              <a:t>}</a:t>
+            </a:r>
+          </a:p>
+          <a:p>
+            <a:r>
+              <a:rPr lang="de-DE" dirty="0"/>
+              <a:t> </a:t>
+            </a:r>
+          </a:p>
+          <a:p>
+            <a:r>
+              <a:rPr lang="de-DE" dirty="0" smtClean="0"/>
+              <a:t>plus</a:t>
+            </a:r>
+            <a:r>
+              <a:rPr lang="de-DE" dirty="0"/>
+              <a:t>(1,2</a:t>
+            </a:r>
+            <a:r>
+              <a:rPr lang="de-DE" dirty="0" smtClean="0"/>
+              <a:t>); </a:t>
+            </a:r>
+            <a:r>
+              <a:rPr lang="de-DE" dirty="0"/>
+              <a:t>/</a:t>
+            </a:r>
+            <a:r>
+              <a:rPr lang="de-DE" dirty="0" smtClean="0"/>
+              <a:t>/ 3 </a:t>
             </a:r>
             <a:endParaRPr lang="de-DE" dirty="0"/>
           </a:p>
@@ -5342,11 +4010,7 @@
           <a:p>
             <a:r>
               <a:rPr lang="de-DE" dirty="0" err="1" smtClean="0"/>
-              <a:t>For-each</a:t>
-            </a:r>
-            <a:r>
-              <a:rPr lang="de-DE" dirty="0" smtClean="0"/>
-              <a:t> ist gut	</a:t>
+              <a:t>Funktionsliteral</a:t>
             </a:r>
             <a:endParaRPr lang="de-DE" dirty="0"/>
           </a:p>
@@ -5355,7 +4019,7 @@
     </p:spTree>
     <p:extLst>
       <p:ext uri="{BB962C8B-B14F-4D97-AF65-F5344CB8AC3E}">
-        <p14:creationId xmlns:p14="http://schemas.microsoft.com/office/powerpoint/2010/main" val="3173567729"/>
+        <p14:creationId xmlns:p14="http://schemas.microsoft.com/office/powerpoint/2010/main" val="3812871333"/>
       </p:ext>
     </p:extLst>
   </p:cSld>
@@ -6029,135 +4693,46 @@
         </p:nvSpPr>
         <p:spPr/>
         <p:txBody>
-          <a:bodyPr>
-            <a:normAutofit/>
-          </a:bodyPr>
+          <a:bodyPr/>
           <a:lstStyle/>
           <a:p>
             <a:r>
-              <a:rPr lang="da-DK" dirty="0">
-                <a:solidFill>
-                  <a:srgbClr val="FFFFFF"/>
-                </a:solidFill>
-                <a:highlight>
-                  <a:srgbClr val="272822"/>
-                </a:highlight>
-              </a:rPr>
-              <a:t>for (var i = 0, j = 100; i &lt; 100; i++, j--) {</a:t>
-            </a:r>
-          </a:p>
-          <a:p>
-            <a:r>
-              <a:rPr lang="da-DK" dirty="0">
-                <a:solidFill>
-                  <a:srgbClr val="FFFFFF"/>
-                </a:solidFill>
-                <a:highlight>
-                  <a:srgbClr val="272822"/>
-                </a:highlight>
-              </a:rPr>
-              <a:t>	</a:t>
-            </a:r>
-            <a:r>
-              <a:rPr lang="da-DK" dirty="0" err="1" smtClean="0">
-                <a:solidFill>
-                  <a:srgbClr val="FFFFFF"/>
-                </a:solidFill>
-                <a:highlight>
-                  <a:srgbClr val="272822"/>
-                </a:highlight>
-              </a:rPr>
-              <a:t>console.log</a:t>
-            </a:r>
-            <a:r>
-              <a:rPr lang="da-DK" dirty="0" smtClean="0">
-                <a:solidFill>
-                  <a:srgbClr val="FFFFFF"/>
-                </a:solidFill>
-                <a:highlight>
-                  <a:srgbClr val="272822"/>
-                </a:highlight>
-              </a:rPr>
-              <a:t>(</a:t>
-            </a:r>
-            <a:r>
-              <a:rPr lang="da-DK" dirty="0">
-                <a:solidFill>
-                  <a:srgbClr val="FFFFFF"/>
-                </a:solidFill>
-                <a:highlight>
-                  <a:srgbClr val="272822"/>
-                </a:highlight>
-              </a:rPr>
-              <a:t>i);</a:t>
-            </a:r>
-          </a:p>
-          <a:p>
-            <a:r>
-              <a:rPr lang="da-DK" dirty="0">
-                <a:solidFill>
-                  <a:srgbClr val="FFFFFF"/>
-                </a:solidFill>
-                <a:highlight>
-                  <a:srgbClr val="272822"/>
-                </a:highlight>
-              </a:rPr>
-              <a:t>	</a:t>
-            </a:r>
-            <a:r>
-              <a:rPr lang="da-DK" dirty="0" err="1" smtClean="0">
-                <a:solidFill>
-                  <a:srgbClr val="FFFFFF"/>
-                </a:solidFill>
-                <a:highlight>
-                  <a:srgbClr val="272822"/>
-                </a:highlight>
-              </a:rPr>
-              <a:t>console.log</a:t>
-            </a:r>
-            <a:r>
-              <a:rPr lang="da-DK" dirty="0" smtClean="0">
-                <a:solidFill>
-                  <a:srgbClr val="FFFFFF"/>
-                </a:solidFill>
-                <a:highlight>
-                  <a:srgbClr val="272822"/>
-                </a:highlight>
-              </a:rPr>
-              <a:t>(</a:t>
-            </a:r>
-            <a:r>
-              <a:rPr lang="da-DK" dirty="0">
-                <a:solidFill>
-                  <a:srgbClr val="FFFFFF"/>
-                </a:solidFill>
-                <a:highlight>
-                  <a:srgbClr val="272822"/>
-                </a:highlight>
-              </a:rPr>
-              <a:t>j);</a:t>
-            </a:r>
-          </a:p>
-          <a:p>
-            <a:r>
-              <a:rPr lang="da-DK" dirty="0">
-                <a:solidFill>
-                  <a:srgbClr val="FFFFFF"/>
-                </a:solidFill>
-                <a:highlight>
-                  <a:srgbClr val="272822"/>
-                </a:highlight>
-              </a:rPr>
-              <a:t>};</a:t>
-            </a:r>
-            <a:endParaRPr lang="da-DK" dirty="0" smtClean="0">
-              <a:solidFill>
-                <a:srgbClr val="FFFFFF"/>
-              </a:solidFill>
-              <a:highlight>
-                <a:srgbClr val="272822"/>
-              </a:highlight>
-            </a:endParaRPr>
+              <a:rPr lang="de-DE" dirty="0" smtClean="0"/>
+              <a:t>Slots – alles wird in JS über einen Namen oder eine Referenz adressiert</a:t>
+            </a:r>
+          </a:p>
+          <a:p>
+            <a:r>
+              <a:rPr lang="de-DE" dirty="0" smtClean="0"/>
+              <a:t>Deshalb:</a:t>
+            </a:r>
+          </a:p>
+          <a:p>
+            <a:r>
+              <a:rPr lang="de-DE" dirty="0" smtClean="0"/>
+              <a:t>Funktionen lassen sich nicht anhand der Parameter überladen.</a:t>
+            </a:r>
+          </a:p>
+          <a:p>
+            <a:r>
+              <a:rPr lang="de-DE" dirty="0" smtClean="0"/>
+              <a:t>Nicht übergebene Parameter sind „undefined“.</a:t>
+            </a:r>
+          </a:p>
+          <a:p>
+            <a:r>
+              <a:rPr lang="de-DE" dirty="0" smtClean="0"/>
+              <a:t>Zuviel übergebene Parameter stehen im Bonusparameter „</a:t>
+            </a:r>
+            <a:r>
+              <a:rPr lang="de-DE" dirty="0" err="1" smtClean="0"/>
+              <a:t>arguments</a:t>
+            </a:r>
+            <a:r>
+              <a:rPr lang="de-DE" dirty="0" smtClean="0"/>
+              <a:t>“ zur Verfügung.</a:t>
+            </a:r>
+            <a:endParaRPr lang="de-DE" dirty="0"/>
           </a:p>
         </p:txBody>
       </p:sp>
@@ -6178,15 +4753,7 @@
           <a:p>
             <a:r>
               <a:rPr lang="de-DE" dirty="0" smtClean="0"/>
-              <a:t>Kontrollstrukturen: </a:t>
-            </a:r>
-            <a:r>
-              <a:rPr lang="de-DE" dirty="0" err="1" smtClean="0"/>
-              <a:t>for</a:t>
-            </a:r>
-            <a:r>
-              <a:rPr lang="de-DE" dirty="0" smtClean="0"/>
-              <a:t>-Schleife</a:t>
+              <a:t>Parameter</a:t>
             </a:r>
             <a:endParaRPr lang="de-DE" dirty="0"/>
           </a:p>
@@ -6195,21 +4762,13 @@
     </p:spTree>
     <p:extLst>
       <p:ext uri="{BB962C8B-B14F-4D97-AF65-F5344CB8AC3E}">
-        <p14:creationId xmlns:p14="http://schemas.microsoft.com/office/powerpoint/2010/main" val="825311514"/>
+        <p14:creationId xmlns:p14="http://schemas.microsoft.com/office/powerpoint/2010/main" val="1191960987"/>
       </p:ext>
     </p:extLst>
   </p:cSld>
   <p:clrMapOvr>
     <a:masterClrMapping/>
   </p:clrMapOvr>
-  <mc:AlternateContent xmlns:mc="http://schemas.openxmlformats.org/markup-compatibility/2006" xmlns:p14="http://schemas.microsoft.com/office/powerpoint/2010/main">
-    <mc:Choice Requires="p14">
-      <p:transition spd="slow" p14:dur="2000"/>
-    </mc:Choice>
-    <mc:Fallback xmlns="">
-      <p:transition xmlns:p14="http://schemas.microsoft.com/office/powerpoint/2010/main" spd="slow"/>
-    </mc:Fallback>
-  </mc:AlternateContent>
   <p:timing>
     <p:tnLst>
       <p:par>
@@ -6252,22 +4811,62 @@
           <a:bodyPr/>
           <a:lstStyle/>
           <a:p>
-            <a:pPr marL="0" indent="0">
-              <a:buNone/>
-            </a:pPr>
-            <a:r>
-              <a:rPr lang="de-DE" b="1" dirty="0"/>
-              <a:t>Veränderung von Eigenschaften in einer Schleife</a:t>
-            </a:r>
-          </a:p>
-          <a:p>
-            <a:pPr marL="0" indent="0">
-              <a:buNone/>
-            </a:pPr>
-            <a:r>
-              <a:rPr lang="de-DE" dirty="0"/>
-              <a:t>Wenn die Eigenschaften in der Schleife hinzugefügt wurden, dann kann man sich nicht darauf verlassen, dass diese Eigenschaften in der Iteration berücksichtigt werden. Daher sollte das Objekt in der Schleife nicht verändert werden.</a:t>
-            </a:r>
+            <a:r>
+              <a:rPr lang="de-DE" dirty="0" err="1"/>
+              <a:t>function</a:t>
+            </a:r>
+            <a:r>
+              <a:rPr lang="de-DE" dirty="0"/>
+              <a:t> </a:t>
+            </a:r>
+            <a:r>
+              <a:rPr lang="de-DE" dirty="0" err="1"/>
+              <a:t>MyClass</a:t>
+            </a:r>
+            <a:r>
+              <a:rPr lang="de-DE" dirty="0"/>
+              <a:t>() {}</a:t>
+            </a:r>
+          </a:p>
+          <a:p>
+            <a:endParaRPr lang="de-DE" dirty="0"/>
+          </a:p>
+          <a:p>
+            <a:r>
+              <a:rPr lang="de-DE" dirty="0" err="1"/>
+              <a:t>var</a:t>
+            </a:r>
+            <a:r>
+              <a:rPr lang="de-DE" dirty="0"/>
+              <a:t> </a:t>
+            </a:r>
+            <a:r>
+              <a:rPr lang="de-DE" dirty="0" err="1"/>
+              <a:t>instance</a:t>
+            </a:r>
+            <a:r>
+              <a:rPr lang="de-DE" dirty="0"/>
+              <a:t> = </a:t>
+            </a:r>
+            <a:r>
+              <a:rPr lang="de-DE" dirty="0" err="1"/>
+              <a:t>new</a:t>
+            </a:r>
+            <a:r>
+              <a:rPr lang="de-DE" dirty="0"/>
+              <a:t> </a:t>
+            </a:r>
+            <a:r>
+              <a:rPr lang="de-DE" dirty="0" err="1"/>
+              <a:t>MyClass</a:t>
+            </a:r>
+            <a:r>
+              <a:rPr lang="de-DE" dirty="0"/>
+              <a:t>();</a:t>
+            </a:r>
+          </a:p>
+          <a:p>
+            <a:endParaRPr lang="de-DE" dirty="0"/>
           </a:p>
           <a:p>
             <a:endParaRPr lang="de-DE" dirty="0"/>
@@ -6290,35 +4889,30 @@
           <a:lstStyle/>
           <a:p>
             <a:r>
-              <a:rPr lang="de-DE" dirty="0" err="1" smtClean="0"/>
-              <a:t>For</a:t>
-            </a:r>
-            <a:r>
-              <a:rPr lang="de-DE" dirty="0" smtClean="0"/>
-              <a:t>-Schleife</a:t>
-            </a:r>
-            <a:endParaRPr lang="de-DE" dirty="0"/>
+              <a:rPr lang="de-DE" dirty="0"/>
+              <a:t>Class </a:t>
+            </a:r>
+            <a:r>
+              <a:rPr lang="de-DE" dirty="0" smtClean="0"/>
+              <a:t>Pattern </a:t>
+            </a:r>
+            <a:r>
+              <a:rPr lang="de-DE" dirty="0"/>
+              <a:t>– Konstruktor Functions</a:t>
+            </a:r>
           </a:p>
         </p:txBody>
       </p:sp>
     </p:spTree>
     <p:extLst>
       <p:ext uri="{BB962C8B-B14F-4D97-AF65-F5344CB8AC3E}">
-        <p14:creationId xmlns:p14="http://schemas.microsoft.com/office/powerpoint/2010/main" val="108456401"/>
+        <p14:creationId xmlns:p14="http://schemas.microsoft.com/office/powerpoint/2010/main" val="2514446404"/>
       </p:ext>
     </p:extLst>
   </p:cSld>
   <p:clrMapOvr>
     <a:masterClrMapping/>
   </p:clrMapOvr>
-  <mc:AlternateContent xmlns:mc="http://schemas.openxmlformats.org/markup-compatibility/2006" xmlns:p14="http://schemas.microsoft.com/office/powerpoint/2010/main">
-    <mc:Choice Requires="p14">
-      <p:transition spd="slow" p14:dur="2000"/>
-    </mc:Choice>
-    <mc:Fallback xmlns="">
-      <p:transition xmlns:p14="http://schemas.microsoft.com/office/powerpoint/2010/main" spd="slow"/>
-    </mc:Fallback>
-  </mc:AlternateContent>
   <p:timing>
     <p:tnLst>
       <p:par>
@@ -6361,23 +4955,110 @@
           <a:bodyPr/>
           <a:lstStyle/>
           <a:p>
-            <a:pPr marL="0" indent="0">
-              <a:buNone/>
-            </a:pPr>
-            <a:r>
-              <a:rPr lang="de-DE" dirty="0" smtClean="0"/>
-              <a:t>Funktionen in JS sind wichtiger als Objekte.</a:t>
-            </a:r>
-          </a:p>
-          <a:p>
-            <a:pPr marL="0" indent="0">
-              <a:buNone/>
-            </a:pPr>
-            <a:r>
-              <a:rPr lang="de-DE" dirty="0" smtClean="0"/>
-              <a:t>So ist der Gültigkeitsbereich von Variablen an Funktionen (und nicht an Objekte o.ä.) geheftet</a:t>
-            </a:r>
-            <a:endParaRPr lang="de-DE" dirty="0"/>
+            <a:r>
+              <a:rPr lang="de-DE" dirty="0" err="1"/>
+              <a:t>function</a:t>
+            </a:r>
+            <a:r>
+              <a:rPr lang="de-DE" dirty="0"/>
+              <a:t> </a:t>
+            </a:r>
+            <a:r>
+              <a:rPr lang="de-DE" dirty="0" err="1"/>
+              <a:t>MyClass</a:t>
+            </a:r>
+            <a:r>
+              <a:rPr lang="de-DE" dirty="0"/>
+              <a:t>(arg) {</a:t>
+            </a:r>
+          </a:p>
+          <a:p>
+            <a:r>
+              <a:rPr lang="de-DE" dirty="0"/>
+              <a:t>    </a:t>
+            </a:r>
+            <a:r>
+              <a:rPr lang="de-DE" dirty="0" err="1"/>
+              <a:t>this.arg</a:t>
+            </a:r>
+            <a:r>
+              <a:rPr lang="de-DE" dirty="0"/>
+              <a:t> = arg;</a:t>
+            </a:r>
+          </a:p>
+          <a:p>
+            <a:r>
+              <a:rPr lang="de-DE" dirty="0"/>
+              <a:t>}</a:t>
+            </a:r>
+          </a:p>
+          <a:p>
+            <a:r>
+              <a:rPr lang="de-DE" dirty="0" err="1"/>
+              <a:t>var</a:t>
+            </a:r>
+            <a:r>
+              <a:rPr lang="de-DE" dirty="0"/>
+              <a:t> </a:t>
+            </a:r>
+            <a:r>
+              <a:rPr lang="de-DE" dirty="0" err="1"/>
+              <a:t>inst</a:t>
+            </a:r>
+            <a:r>
+              <a:rPr lang="de-DE" dirty="0"/>
+              <a:t> = </a:t>
+            </a:r>
+            <a:r>
+              <a:rPr lang="de-DE" dirty="0" err="1"/>
+              <a:t>new</a:t>
+            </a:r>
+            <a:r>
+              <a:rPr lang="de-DE" dirty="0"/>
+              <a:t> </a:t>
+            </a:r>
+            <a:r>
+              <a:rPr lang="de-DE" dirty="0" err="1"/>
+              <a:t>MyClass</a:t>
+            </a:r>
+            <a:r>
+              <a:rPr lang="de-DE" dirty="0"/>
+              <a:t>('</a:t>
+            </a:r>
+            <a:r>
+              <a:rPr lang="de-DE" dirty="0" err="1"/>
+              <a:t>foo</a:t>
+            </a:r>
+            <a:r>
+              <a:rPr lang="de-DE" dirty="0"/>
+              <a:t>');</a:t>
+            </a:r>
+          </a:p>
+          <a:p>
+            <a:r>
+              <a:rPr lang="de-DE" dirty="0" err="1"/>
+              <a:t>console.log</a:t>
+            </a:r>
+            <a:r>
+              <a:rPr lang="de-DE" dirty="0"/>
+              <a:t>(</a:t>
+            </a:r>
+            <a:r>
+              <a:rPr lang="de-DE" dirty="0" err="1"/>
+              <a:t>inst.arg</a:t>
+            </a:r>
+            <a:r>
+              <a:rPr lang="de-DE" dirty="0"/>
+              <a:t>); // =&gt; '</a:t>
+            </a:r>
+            <a:r>
+              <a:rPr lang="de-DE" dirty="0" err="1"/>
+              <a:t>foo</a:t>
+            </a:r>
+            <a:r>
+              <a:rPr lang="de-DE" dirty="0"/>
+              <a:t>'</a:t>
+            </a:r>
           </a:p>
           <a:p>
             <a:endParaRPr lang="de-DE" dirty="0"/>
@@ -6400,8 +5081,16 @@
           <a:lstStyle/>
           <a:p>
             <a:r>
-              <a:rPr lang="de-DE" dirty="0" smtClean="0"/>
-              <a:t>Funktionen</a:t>
+              <a:rPr lang="de-DE" dirty="0"/>
+              <a:t>Class Pattern </a:t>
+            </a:r>
+            <a:r>
+              <a:rPr lang="de-DE" dirty="0" smtClean="0"/>
+              <a:t>– </a:t>
+            </a:r>
+            <a:r>
+              <a:rPr lang="de-DE" dirty="0" err="1" smtClean="0"/>
+              <a:t>this</a:t>
             </a:r>
             <a:endParaRPr lang="de-DE" dirty="0"/>
           </a:p>
@@ -6410,21 +5099,13 @@
     </p:spTree>
     <p:extLst>
       <p:ext uri="{BB962C8B-B14F-4D97-AF65-F5344CB8AC3E}">
-        <p14:creationId xmlns:p14="http://schemas.microsoft.com/office/powerpoint/2010/main" val="2296971626"/>
+        <p14:creationId xmlns:p14="http://schemas.microsoft.com/office/powerpoint/2010/main" val="255818325"/>
       </p:ext>
     </p:extLst>
   </p:cSld>
   <p:clrMapOvr>
     <a:masterClrMapping/>
   </p:clrMapOvr>
-  <mc:AlternateContent xmlns:mc="http://schemas.openxmlformats.org/markup-compatibility/2006" xmlns:p14="http://schemas.microsoft.com/office/powerpoint/2010/main">
-    <mc:Choice Requires="p14">
-      <p:transition spd="slow" p14:dur="2000"/>
-    </mc:Choice>
-    <mc:Fallback xmlns="">
-      <p:transition xmlns:p14="http://schemas.microsoft.com/office/powerpoint/2010/main" spd="slow"/>
-    </mc:Fallback>
-  </mc:AlternateContent>
   <p:timing>
     <p:tnLst>
       <p:par>
@@ -6454,7 +5135,7 @@
       </p:grpSpPr>
       <p:sp>
         <p:nvSpPr>
-          <p:cNvPr id="4" name="Inhaltsplatzhalter 3"/>
+          <p:cNvPr id="5" name="Inhaltsplatzhalter 4"/>
           <p:cNvSpPr>
             <a:spLocks noGrp="1"/>
           </p:cNvSpPr>
@@ -6468,66 +5149,142 @@
           <a:lstStyle/>
           <a:p>
             <a:r>
-              <a:rPr lang="fr-FR" dirty="0" err="1"/>
+              <a:rPr lang="de-DE" dirty="0" err="1"/>
               <a:t>function</a:t>
             </a:r>
             <a:r>
-              <a:rPr lang="fr-FR" dirty="0"/>
-              <a:t> plus(x, y) {</a:t>
-            </a:r>
+              <a:rPr lang="de-DE" dirty="0"/>
+              <a:t> </a:t>
+            </a:r>
+            <a:r>
+              <a:rPr lang="de-DE" dirty="0" err="1"/>
+              <a:t>MyClass</a:t>
+            </a:r>
+            <a:r>
+              <a:rPr lang="de-DE" dirty="0"/>
+              <a:t>() {</a:t>
+            </a:r>
+          </a:p>
+          <a:p>
+            <a:r>
+              <a:rPr lang="de-DE" dirty="0"/>
+              <a:t>    </a:t>
+            </a:r>
+            <a:r>
+              <a:rPr lang="de-DE" dirty="0" err="1"/>
+              <a:t>this.greet</a:t>
+            </a:r>
+            <a:r>
+              <a:rPr lang="de-DE" dirty="0"/>
+              <a:t> = </a:t>
+            </a:r>
+            <a:r>
+              <a:rPr lang="de-DE" dirty="0" err="1"/>
+              <a:t>function</a:t>
+            </a:r>
+            <a:r>
+              <a:rPr lang="de-DE" dirty="0"/>
+              <a:t>() {</a:t>
+            </a:r>
+          </a:p>
+          <a:p>
+            <a:r>
+              <a:rPr lang="de-DE" dirty="0"/>
+              <a:t>        </a:t>
+            </a:r>
+            <a:r>
+              <a:rPr lang="de-DE" dirty="0" err="1"/>
+              <a:t>console.log</a:t>
+            </a:r>
+            <a:r>
+              <a:rPr lang="de-DE" dirty="0"/>
+              <a:t>('</a:t>
+            </a:r>
+            <a:r>
+              <a:rPr lang="de-DE" dirty="0" err="1"/>
+              <a:t>Hello</a:t>
+            </a:r>
+            <a:r>
+              <a:rPr lang="de-DE" dirty="0"/>
+              <a:t>!');</a:t>
+            </a:r>
+          </a:p>
+          <a:p>
+            <a:r>
+              <a:rPr lang="de-DE" dirty="0"/>
+              <a:t>    };</a:t>
+            </a:r>
+          </a:p>
+          <a:p>
+            <a:r>
+              <a:rPr lang="de-DE" dirty="0"/>
+              <a:t>}</a:t>
+            </a:r>
+          </a:p>
+          <a:p>
+            <a:r>
+              <a:rPr lang="de-DE" dirty="0" err="1"/>
+              <a:t>var</a:t>
+            </a:r>
+            <a:r>
+              <a:rPr lang="de-DE" dirty="0"/>
+              <a:t> </a:t>
+            </a:r>
+            <a:r>
+              <a:rPr lang="de-DE" dirty="0" err="1"/>
+              <a:t>inst</a:t>
+            </a:r>
+            <a:r>
+              <a:rPr lang="de-DE" dirty="0"/>
+              <a:t> = </a:t>
+            </a:r>
+            <a:r>
+              <a:rPr lang="de-DE" dirty="0" err="1"/>
+              <a:t>new</a:t>
+            </a:r>
+            <a:r>
+              <a:rPr lang="de-DE" dirty="0"/>
+              <a:t> </a:t>
+            </a:r>
+            <a:r>
+              <a:rPr lang="de-DE" dirty="0" err="1"/>
+              <a:t>MyClass</a:t>
+            </a:r>
+            <a:r>
+              <a:rPr lang="de-DE" dirty="0"/>
+              <a:t>();</a:t>
+            </a:r>
+          </a:p>
+          <a:p>
+            <a:r>
+              <a:rPr lang="de-DE" dirty="0" err="1"/>
+              <a:t>inst.greet</a:t>
+            </a:r>
+            <a:r>
+              <a:rPr lang="de-DE" dirty="0"/>
+              <a:t>(); // =&gt; '</a:t>
+            </a:r>
+            <a:r>
+              <a:rPr lang="de-DE" dirty="0" err="1" smtClean="0"/>
+              <a:t>Hello</a:t>
+            </a:r>
+            <a:endParaRPr lang="de-DE" dirty="0" smtClean="0"/>
+          </a:p>
+          <a:p>
             <a:endParaRPr lang="de-DE" dirty="0"/>
           </a:p>
           <a:p>
             <a:r>
-              <a:rPr lang="fr-FR" dirty="0"/>
-              <a:t>	return x + y; </a:t>
-            </a:r>
-            <a:r>
-              <a:rPr lang="fr-FR" dirty="0" smtClean="0"/>
-              <a:t>// </a:t>
-            </a:r>
-            <a:r>
-              <a:rPr lang="fr-FR" dirty="0" err="1" smtClean="0"/>
-              <a:t>ansonsten</a:t>
-            </a:r>
-            <a:r>
-              <a:rPr lang="fr-FR" dirty="0" smtClean="0"/>
-              <a:t> undefined</a:t>
-            </a:r>
-            <a:endParaRPr lang="de-DE" dirty="0"/>
-          </a:p>
-          <a:p>
-            <a:r>
-              <a:rPr lang="de-DE" dirty="0"/>
-              <a:t>}</a:t>
-            </a:r>
-          </a:p>
-          <a:p>
-            <a:r>
-              <a:rPr lang="de-DE" dirty="0"/>
-              <a:t> </a:t>
-            </a:r>
-          </a:p>
-          <a:p>
-            <a:r>
-              <a:rPr lang="de-DE" dirty="0" smtClean="0"/>
-              <a:t>plus</a:t>
-            </a:r>
-            <a:r>
-              <a:rPr lang="de-DE" dirty="0"/>
-              <a:t>(1,2</a:t>
-            </a:r>
-            <a:r>
-              <a:rPr lang="de-DE" dirty="0" smtClean="0"/>
-              <a:t>); </a:t>
-            </a:r>
-            <a:r>
-              <a:rPr lang="de-DE" dirty="0"/>
-              <a:t>/</a:t>
-            </a:r>
-            <a:r>
-              <a:rPr lang="de-DE" dirty="0" smtClean="0"/>
-              <a:t>/ 3 </a:t>
+              <a:rPr lang="de-DE" dirty="0" smtClean="0"/>
+              <a:t>// Strange: Jedes Objekt hat eine eigene Kopie der Funktion </a:t>
+            </a:r>
+            <a:r>
+              <a:rPr lang="de-DE" dirty="0" err="1" smtClean="0"/>
+              <a:t>greet</a:t>
+            </a:r>
+            <a:r>
+              <a:rPr lang="de-DE" dirty="0" smtClean="0"/>
+              <a:t>!</a:t>
             </a:r>
             <a:endParaRPr lang="de-DE" dirty="0"/>
           </a:p>
@@ -6535,7 +5292,7 @@
       </p:sp>
       <p:sp>
         <p:nvSpPr>
-          <p:cNvPr id="3" name="Titel 2"/>
+          <p:cNvPr id="4" name="Titel 3"/>
           <p:cNvSpPr>
             <a:spLocks noGrp="1"/>
           </p:cNvSpPr>
@@ -6549,8 +5306,24 @@
           <a:lstStyle/>
           <a:p>
             <a:r>
+              <a:rPr lang="de-DE" dirty="0"/>
+              <a:t>Class Pattern </a:t>
+            </a:r>
+            <a:r>
+              <a:rPr lang="de-DE" dirty="0" smtClean="0"/>
+              <a:t>– </a:t>
+            </a:r>
+            <a:r>
               <a:rPr lang="de-DE" dirty="0" err="1" smtClean="0"/>
-              <a:t>Funktionsliteral</a:t>
+              <a:t>method</a:t>
+            </a:r>
+            <a:r>
+              <a:rPr lang="de-DE" dirty="0" smtClean="0"/>
+              <a:t> </a:t>
+            </a:r>
+            <a:r>
+              <a:rPr lang="de-DE" dirty="0" err="1" smtClean="0"/>
+              <a:t>pattern</a:t>
             </a:r>
             <a:endParaRPr lang="de-DE" dirty="0"/>
           </a:p>
@@ -6559,7 +5332,7 @@
     </p:spTree>
     <p:extLst>
       <p:ext uri="{BB962C8B-B14F-4D97-AF65-F5344CB8AC3E}">
-        <p14:creationId xmlns:p14="http://schemas.microsoft.com/office/powerpoint/2010/main" val="3812871333"/>
+        <p14:creationId xmlns:p14="http://schemas.microsoft.com/office/powerpoint/2010/main" val="99376980"/>
       </p:ext>
     </p:extLst>
   </p:cSld>
@@ -6609,40 +5382,145 @@
           <a:lstStyle/>
           <a:p>
             <a:r>
-              <a:rPr lang="de-DE" dirty="0" smtClean="0"/>
-              <a:t>Slots – alles wird in JS über einen Namen oder eine Referenz adressiert</a:t>
-            </a:r>
-          </a:p>
-          <a:p>
-            <a:r>
-              <a:rPr lang="de-DE" dirty="0" smtClean="0"/>
-              <a:t>Deshalb:</a:t>
-            </a:r>
-          </a:p>
-          <a:p>
-            <a:r>
-              <a:rPr lang="de-DE" dirty="0" smtClean="0"/>
-              <a:t>Funktionen lassen sich nicht anhand der Parameter überladen.</a:t>
-            </a:r>
-          </a:p>
-          <a:p>
-            <a:r>
-              <a:rPr lang="de-DE" dirty="0" smtClean="0"/>
-              <a:t>Nicht übergebene Parameter sind „undefined“.</a:t>
-            </a:r>
-          </a:p>
-          <a:p>
-            <a:r>
-              <a:rPr lang="de-DE" dirty="0" smtClean="0"/>
-              <a:t>Zuviel übergebene Parameter stehen im Bonusparameter „</a:t>
+              <a:rPr lang="de-DE" dirty="0" err="1"/>
+              <a:t>function</a:t>
+            </a:r>
+            <a:r>
+              <a:rPr lang="de-DE" dirty="0"/>
+              <a:t> </a:t>
+            </a:r>
+            <a:r>
+              <a:rPr lang="de-DE" dirty="0" err="1"/>
+              <a:t>MyClass</a:t>
+            </a:r>
+            <a:r>
+              <a:rPr lang="de-DE" dirty="0"/>
+              <a:t>() {}</a:t>
+            </a:r>
+          </a:p>
+          <a:p>
+            <a:r>
+              <a:rPr lang="de-DE" dirty="0" err="1"/>
+              <a:t>MyClass.prototype.greet</a:t>
+            </a:r>
+            <a:r>
+              <a:rPr lang="de-DE" dirty="0"/>
+              <a:t> = </a:t>
+            </a:r>
+            <a:r>
+              <a:rPr lang="de-DE" dirty="0" err="1"/>
+              <a:t>function</a:t>
+            </a:r>
+            <a:r>
+              <a:rPr lang="de-DE" dirty="0"/>
+              <a:t>() {</a:t>
+            </a:r>
+          </a:p>
+          <a:p>
+            <a:r>
+              <a:rPr lang="de-DE" dirty="0"/>
+              <a:t>    </a:t>
+            </a:r>
+            <a:r>
+              <a:rPr lang="de-DE" dirty="0" err="1"/>
+              <a:t>console.log</a:t>
+            </a:r>
+            <a:r>
+              <a:rPr lang="de-DE" dirty="0"/>
+              <a:t>('</a:t>
+            </a:r>
+            <a:r>
+              <a:rPr lang="de-DE" dirty="0" err="1"/>
+              <a:t>Hello</a:t>
+            </a:r>
+            <a:r>
+              <a:rPr lang="de-DE" dirty="0"/>
+              <a:t>!');</a:t>
+            </a:r>
+          </a:p>
+          <a:p>
+            <a:r>
+              <a:rPr lang="de-DE" dirty="0"/>
+              <a:t>};</a:t>
+            </a:r>
+          </a:p>
+          <a:p>
+            <a:r>
+              <a:rPr lang="de-DE" dirty="0" err="1"/>
+              <a:t>var</a:t>
+            </a:r>
+            <a:r>
+              <a:rPr lang="de-DE" dirty="0"/>
+              <a:t> </a:t>
+            </a:r>
+            <a:r>
+              <a:rPr lang="de-DE" dirty="0" err="1"/>
+              <a:t>inst</a:t>
+            </a:r>
+            <a:r>
+              <a:rPr lang="de-DE" dirty="0"/>
+              <a:t> = </a:t>
+            </a:r>
+            <a:r>
+              <a:rPr lang="de-DE" dirty="0" err="1"/>
+              <a:t>new</a:t>
+            </a:r>
+            <a:r>
+              <a:rPr lang="de-DE" dirty="0"/>
+              <a:t> </a:t>
+            </a:r>
+            <a:r>
+              <a:rPr lang="de-DE" dirty="0" err="1"/>
+              <a:t>MyClass</a:t>
+            </a:r>
+            <a:r>
+              <a:rPr lang="de-DE" dirty="0"/>
+              <a:t>();</a:t>
+            </a:r>
+          </a:p>
+          <a:p>
+            <a:r>
+              <a:rPr lang="de-DE" dirty="0" err="1"/>
+              <a:t>inst.greet</a:t>
+            </a:r>
+            <a:r>
+              <a:rPr lang="de-DE" dirty="0"/>
+              <a:t>(); // =&gt; '</a:t>
+            </a:r>
+            <a:r>
+              <a:rPr lang="de-DE" dirty="0" err="1"/>
+              <a:t>Hello</a:t>
+            </a:r>
+            <a:r>
+              <a:rPr lang="de-DE" dirty="0" smtClean="0"/>
+              <a:t>!</a:t>
+            </a:r>
+          </a:p>
+          <a:p>
+            <a:endParaRPr lang="de-DE" dirty="0"/>
+          </a:p>
+          <a:p>
+            <a:r>
+              <a:rPr lang="de-DE" dirty="0"/>
+              <a:t>// </a:t>
+            </a:r>
+            <a:r>
+              <a:rPr lang="de-DE" dirty="0" smtClean="0"/>
+              <a:t>Jetzt gibt es nur noch eine „Kopie“ der </a:t>
             </a:r>
             <a:r>
               <a:rPr lang="de-DE" dirty="0" err="1" smtClean="0"/>
-              <a:t>arguments</a:t>
-            </a:r>
-            <a:r>
-              <a:rPr lang="de-DE" dirty="0" smtClean="0"/>
-              <a:t>“ zur Verfügung.</a:t>
+              <a:t>greet</a:t>
+            </a:r>
+            <a:r>
+              <a:rPr lang="de-DE" dirty="0" smtClean="0"/>
+              <a:t>-Funktion </a:t>
+            </a:r>
+            <a:r>
+              <a:rPr lang="de-DE" dirty="0" smtClean="0">
+                <a:sym typeface="Wingdings"/>
+              </a:rPr>
+              <a:t></a:t>
             </a:r>
             <a:endParaRPr lang="de-DE" dirty="0"/>
           </a:p>
@@ -6664,8 +5542,20 @@
           <a:lstStyle/>
           <a:p>
             <a:r>
-              <a:rPr lang="de-DE" dirty="0" smtClean="0"/>
-              <a:t>Parameter</a:t>
+              <a:rPr lang="de-DE" dirty="0"/>
+              <a:t>Class Pattern </a:t>
+            </a:r>
+            <a:r>
+              <a:rPr lang="de-DE" dirty="0" smtClean="0"/>
+              <a:t>– </a:t>
+            </a:r>
+            <a:r>
+              <a:rPr lang="de-DE" dirty="0" err="1" smtClean="0"/>
+              <a:t>Prototypes</a:t>
+            </a:r>
+            <a:r>
+              <a:rPr lang="de-DE" dirty="0" smtClean="0"/>
+              <a:t>!</a:t>
             </a:r>
             <a:endParaRPr lang="de-DE" dirty="0"/>
           </a:p>
@@ -6674,7 +5564,7 @@
     </p:spTree>
     <p:extLst>
       <p:ext uri="{BB962C8B-B14F-4D97-AF65-F5344CB8AC3E}">
-        <p14:creationId xmlns:p14="http://schemas.microsoft.com/office/powerpoint/2010/main" val="1191960987"/>
+        <p14:creationId xmlns:p14="http://schemas.microsoft.com/office/powerpoint/2010/main" val="323236905"/>
       </p:ext>
     </p:extLst>
   </p:cSld>
@@ -6724,167 +5614,63 @@
           <a:lstStyle/>
           <a:p>
             <a:r>
-              <a:rPr lang="de-DE" dirty="0" err="1"/>
+              <a:rPr lang="de-DE" dirty="0" err="1" smtClean="0"/>
               <a:t>function</a:t>
             </a:r>
             <a:r>
-              <a:rPr lang="de-DE" dirty="0"/>
-              <a:t> </a:t>
-            </a:r>
-            <a:r>
-              <a:rPr lang="de-DE" dirty="0" err="1"/>
-              <a:t>plusAll</a:t>
-            </a:r>
-            <a:r>
-              <a:rPr lang="de-DE" dirty="0"/>
-              <a:t>() {</a:t>
-            </a:r>
-          </a:p>
-          <a:p>
-            <a:r>
-              <a:rPr lang="de-DE" dirty="0"/>
-              <a:t>	</a:t>
-            </a:r>
-            <a:r>
-              <a:rPr lang="de-DE" dirty="0" err="1"/>
+              <a:rPr lang="de-DE" dirty="0" smtClean="0"/>
+              <a:t> log(</a:t>
+            </a:r>
+            <a:r>
+              <a:rPr lang="de-DE" dirty="0"/>
+              <a:t>) {</a:t>
+            </a:r>
+          </a:p>
+          <a:p>
+            <a:r>
+              <a:rPr lang="de-DE" dirty="0"/>
+              <a:t>  </a:t>
+            </a:r>
+            <a:r>
+              <a:rPr lang="de-DE" dirty="0" err="1" smtClean="0"/>
+              <a:t>for</a:t>
+            </a:r>
+            <a:r>
+              <a:rPr lang="de-DE" dirty="0" smtClean="0"/>
+              <a:t> (</a:t>
+            </a:r>
+            <a:r>
+              <a:rPr lang="de-DE" dirty="0" err="1" smtClean="0"/>
               <a:t>var</a:t>
             </a:r>
             <a:r>
-              <a:rPr lang="de-DE" dirty="0"/>
-              <a:t> </a:t>
-            </a:r>
-            <a:r>
-              <a:rPr lang="de-DE" dirty="0" err="1"/>
-              <a:t>result</a:t>
-            </a:r>
-            <a:r>
-              <a:rPr lang="de-DE" dirty="0"/>
-              <a:t> = 0;</a:t>
-            </a:r>
-          </a:p>
-          <a:p>
-            <a:r>
-              <a:rPr lang="de-DE" dirty="0"/>
-              <a:t>	</a:t>
-            </a:r>
-            <a:r>
-              <a:rPr lang="de-DE" dirty="0" err="1"/>
-              <a:t>for</a:t>
-            </a:r>
-            <a:r>
-              <a:rPr lang="de-DE" dirty="0"/>
-              <a:t> (</a:t>
-            </a:r>
-            <a:r>
-              <a:rPr lang="de-DE" dirty="0" err="1"/>
-              <a:t>var</a:t>
-            </a:r>
-            <a:r>
-              <a:rPr lang="de-DE" dirty="0"/>
-              <a:t> i in </a:t>
-            </a:r>
-            <a:r>
-              <a:rPr lang="de-DE" dirty="0" err="1"/>
-              <a:t>arguments</a:t>
-            </a:r>
-            <a:r>
-              <a:rPr lang="de-DE" dirty="0"/>
-              <a:t>) {</a:t>
-            </a:r>
-          </a:p>
-          <a:p>
-            <a:r>
-              <a:rPr lang="de-DE" dirty="0"/>
-              <a:t>		</a:t>
-            </a:r>
-            <a:r>
-              <a:rPr lang="de-DE" dirty="0" err="1"/>
-              <a:t>result</a:t>
-            </a:r>
-            <a:r>
-              <a:rPr lang="de-DE" dirty="0"/>
-              <a:t> += </a:t>
-            </a:r>
-            <a:r>
-              <a:rPr lang="de-DE" dirty="0" err="1"/>
-              <a:t>arguments</a:t>
-            </a:r>
-            <a:r>
-              <a:rPr lang="de-DE" dirty="0"/>
-              <a:t>[i]; </a:t>
-            </a:r>
-          </a:p>
-          <a:p>
-            <a:r>
-              <a:rPr lang="de-DE" dirty="0"/>
-              <a:t>	} </a:t>
-            </a:r>
-          </a:p>
-          <a:p>
-            <a:r>
-              <a:rPr lang="de-DE" dirty="0"/>
-              <a:t>	</a:t>
-            </a:r>
-            <a:r>
-              <a:rPr lang="de-DE" dirty="0" err="1"/>
-              <a:t>return</a:t>
-            </a:r>
-            <a:r>
-              <a:rPr lang="de-DE" dirty="0"/>
-              <a:t> </a:t>
-            </a:r>
-            <a:r>
-              <a:rPr lang="de-DE" dirty="0" err="1"/>
-              <a:t>result</a:t>
-            </a:r>
-            <a:r>
-              <a:rPr lang="de-DE" dirty="0"/>
+              <a:rPr lang="de-DE" dirty="0" smtClean="0"/>
+              <a:t> p = 0; ...) {}</a:t>
+            </a:r>
+            <a:r>
+              <a:rPr lang="de-DE" dirty="0" smtClean="0"/>
               <a:t>;</a:t>
             </a:r>
-          </a:p>
-          <a:p>
-            <a:r>
-              <a:rPr lang="de-DE" dirty="0"/>
+            <a:endParaRPr lang="de-DE" dirty="0"/>
+          </a:p>
+          <a:p>
+            <a:r>
+              <a:rPr lang="de-DE" dirty="0" smtClean="0"/>
               <a:t>}</a:t>
             </a:r>
           </a:p>
           <a:p>
+            <a:endParaRPr lang="de-DE" dirty="0"/>
+          </a:p>
+          <a:p>
             <a:r>
               <a:rPr lang="de-DE" dirty="0" err="1" smtClean="0"/>
-              <a:t>plusAll</a:t>
-            </a:r>
-            <a:r>
-              <a:rPr lang="de-DE" dirty="0"/>
-              <a:t>(</a:t>
-            </a:r>
-            <a:r>
-              <a:rPr lang="de-DE" dirty="0" smtClean="0"/>
-              <a:t>); </a:t>
-            </a:r>
-            <a:r>
-              <a:rPr lang="de-DE" dirty="0"/>
-              <a:t>//0 </a:t>
-            </a:r>
-          </a:p>
-          <a:p>
-            <a:r>
-              <a:rPr lang="de-DE" dirty="0" err="1" smtClean="0"/>
-              <a:t>plusAll</a:t>
-            </a:r>
-            <a:r>
-              <a:rPr lang="de-DE" dirty="0"/>
-              <a:t>(1,2,3,4,5</a:t>
-            </a:r>
-            <a:r>
-              <a:rPr lang="de-DE" dirty="0" smtClean="0"/>
-              <a:t>); </a:t>
-            </a:r>
-            <a:r>
-              <a:rPr lang="de-DE" dirty="0"/>
-              <a:t>// 15</a:t>
-            </a:r>
-          </a:p>
-          <a:p>
+              <a:t>console.log</a:t>
+            </a:r>
+            <a:r>
+              <a:rPr lang="de-DE" dirty="0" smtClean="0"/>
+              <a:t>(p);</a:t>
+            </a:r>
             <a:endParaRPr lang="de-DE" dirty="0"/>
           </a:p>
         </p:txBody>
@@ -6905,8 +5691,12 @@
           <a:lstStyle/>
           <a:p>
             <a:r>
-              <a:rPr lang="de-DE" dirty="0" smtClean="0"/>
-              <a:t>Bonusparameter</a:t>
+              <a:rPr lang="de-DE" dirty="0"/>
+              <a:t>Class Pattern </a:t>
+            </a:r>
+            <a:r>
+              <a:rPr lang="de-DE" dirty="0" smtClean="0"/>
+              <a:t>– Sichtbarkeit von Variablen</a:t>
             </a:r>
             <a:endParaRPr lang="de-DE" dirty="0"/>
           </a:p>
@@ -6915,7 +5705,7 @@
     </p:spTree>
     <p:extLst>
       <p:ext uri="{BB962C8B-B14F-4D97-AF65-F5344CB8AC3E}">
-        <p14:creationId xmlns:p14="http://schemas.microsoft.com/office/powerpoint/2010/main" val="1424574295"/>
+        <p14:creationId xmlns:p14="http://schemas.microsoft.com/office/powerpoint/2010/main" val="1643762402"/>
       </p:ext>
     </p:extLst>
   </p:cSld>
@@ -6964,51 +5754,80 @@
           <a:bodyPr/>
           <a:lstStyle/>
           <a:p>
-            <a:pPr marL="0" indent="0">
-              <a:buNone/>
-            </a:pPr>
-            <a:r>
-              <a:rPr lang="de-DE" dirty="0" smtClean="0"/>
-              <a:t>Das </a:t>
-            </a:r>
-            <a:r>
-              <a:rPr lang="de-DE" dirty="0"/>
-              <a:t>Array </a:t>
-            </a:r>
-            <a:r>
-              <a:rPr lang="de-DE" dirty="0" err="1"/>
-              <a:t>arguments</a:t>
-            </a:r>
-            <a:r>
-              <a:rPr lang="de-DE" dirty="0"/>
-              <a:t> ist kein echtes Array. Es hat zwar ein </a:t>
-            </a:r>
-            <a:r>
-              <a:rPr lang="de-DE" dirty="0" err="1"/>
-              <a:t>length</a:t>
-            </a:r>
-            <a:r>
-              <a:rPr lang="de-DE" dirty="0"/>
-              <a:t>-Attribut und man kann über dieses iterieren, allerdings fehlen ihm die Methoden eines echten Array-</a:t>
-            </a:r>
-            <a:r>
-              <a:rPr lang="de-DE" dirty="0" smtClean="0"/>
-              <a:t>Objekts.</a:t>
-            </a:r>
-          </a:p>
-          <a:p>
-            <a:pPr marL="0" indent="0">
-              <a:buNone/>
-            </a:pPr>
+            <a:r>
+              <a:rPr lang="de-DE" dirty="0" smtClean="0"/>
+              <a:t>(</a:t>
+            </a:r>
+            <a:r>
+              <a:rPr lang="de-DE" dirty="0" err="1" smtClean="0"/>
+              <a:t>function</a:t>
+            </a:r>
+            <a:r>
+              <a:rPr lang="de-DE" dirty="0" smtClean="0"/>
+              <a:t> log(</a:t>
+            </a:r>
+            <a:r>
+              <a:rPr lang="de-DE" dirty="0"/>
+              <a:t>) {</a:t>
+            </a:r>
+          </a:p>
+          <a:p>
+            <a:r>
+              <a:rPr lang="de-DE" dirty="0"/>
+              <a:t>  </a:t>
+            </a:r>
+            <a:r>
+              <a:rPr lang="de-DE" dirty="0" err="1" smtClean="0"/>
+              <a:t>for</a:t>
+            </a:r>
+            <a:r>
+              <a:rPr lang="de-DE" dirty="0" smtClean="0"/>
+              <a:t> (</a:t>
+            </a:r>
+            <a:r>
+              <a:rPr lang="de-DE" dirty="0" err="1" smtClean="0"/>
+              <a:t>var</a:t>
+            </a:r>
+            <a:r>
+              <a:rPr lang="de-DE" dirty="0" smtClean="0"/>
+              <a:t> p = 0; ...) {}</a:t>
+            </a:r>
+            <a:r>
+              <a:rPr lang="de-DE" dirty="0" smtClean="0"/>
+              <a:t>;</a:t>
+            </a:r>
             <a:endParaRPr lang="de-DE" dirty="0"/>
           </a:p>
           <a:p>
-            <a:pPr marL="0" indent="0">
-              <a:buNone/>
-            </a:pPr>
-            <a:r>
-              <a:rPr lang="de-DE" dirty="0" smtClean="0"/>
-              <a:t>Aber man kann sich ja die Funktion des Array-Objekts „borgen“.</a:t>
+            <a:r>
+              <a:rPr lang="de-DE" dirty="0" smtClean="0"/>
+              <a:t>}())</a:t>
+            </a:r>
+          </a:p>
+          <a:p>
+            <a:endParaRPr lang="de-DE" dirty="0"/>
+          </a:p>
+          <a:p>
+            <a:r>
+              <a:rPr lang="de-DE" dirty="0" err="1" smtClean="0"/>
+              <a:t>console.log</a:t>
+            </a:r>
+            <a:r>
+              <a:rPr lang="de-DE" dirty="0" smtClean="0"/>
+              <a:t>(p);</a:t>
+            </a:r>
+          </a:p>
+          <a:p>
+            <a:endParaRPr lang="de-DE" dirty="0"/>
+          </a:p>
+          <a:p>
+            <a:r>
+              <a:rPr lang="de-DE" dirty="0" smtClean="0"/>
+              <a:t>// IFEE dann auf die Konstruktor-Funktion und Prototypen </a:t>
+            </a:r>
+            <a:r>
+              <a:rPr lang="de-DE" smtClean="0"/>
+              <a:t>anwendne</a:t>
             </a:r>
             <a:endParaRPr lang="de-DE" dirty="0"/>
           </a:p>
@@ -7030,8 +5849,16 @@
           <a:lstStyle/>
           <a:p>
             <a:r>
-              <a:rPr lang="de-DE" dirty="0" smtClean="0"/>
-              <a:t>Fallstricke des Bonusparameters</a:t>
+              <a:rPr lang="de-DE" dirty="0"/>
+              <a:t>Class Pattern </a:t>
+            </a:r>
+            <a:r>
+              <a:rPr lang="de-DE" dirty="0" smtClean="0"/>
+              <a:t>– </a:t>
+            </a:r>
+            <a:r>
+              <a:rPr lang="de-DE" dirty="0" smtClean="0"/>
+              <a:t>IFEE</a:t>
             </a:r>
             <a:endParaRPr lang="de-DE" dirty="0"/>
           </a:p>
@@ -7040,7 +5867,7 @@
     </p:spTree>
     <p:extLst>
       <p:ext uri="{BB962C8B-B14F-4D97-AF65-F5344CB8AC3E}">
-        <p14:creationId xmlns:p14="http://schemas.microsoft.com/office/powerpoint/2010/main" val="2639925433"/>
+        <p14:creationId xmlns:p14="http://schemas.microsoft.com/office/powerpoint/2010/main" val="3225663653"/>
       </p:ext>
     </p:extLst>
   </p:cSld>
@@ -7086,16 +5913,26 @@
         </p:nvSpPr>
         <p:spPr/>
         <p:txBody>
-          <a:bodyPr/>
+          <a:bodyPr>
+            <a:normAutofit fontScale="85000" lnSpcReduction="20000"/>
+          </a:bodyPr>
           <a:lstStyle/>
           <a:p>
             <a:r>
+              <a:rPr lang="en-US" dirty="0" err="1"/>
+              <a:t>var</a:t>
+            </a:r>
+            <a:r>
+              <a:rPr lang="en-US" dirty="0"/>
+              <a:t> </a:t>
+            </a:r>
+            <a:r>
               <a:rPr lang="en-US" dirty="0" smtClean="0"/>
-              <a:t>(</a:t>
+              <a:t>module = </a:t>
             </a:r>
             <a:r>
               <a:rPr lang="en-US" dirty="0"/>
-              <a:t>function() {</a:t>
+              <a:t>(function () {</a:t>
             </a:r>
           </a:p>
           <a:p>
@@ -7109,8 +5946,25 @@
             </a:r>
             <a:r>
               <a:rPr lang="en-US" dirty="0"/>
-              <a:t> x = 1;</a:t>
-            </a:r>
+              <a:t> </a:t>
+            </a:r>
+            <a:r>
+              <a:rPr lang="en-US" dirty="0" err="1" smtClean="0"/>
+              <a:t>myModule</a:t>
+            </a:r>
+            <a:r>
+              <a:rPr lang="en-US" dirty="0" smtClean="0"/>
+              <a:t> </a:t>
+            </a:r>
+            <a:r>
+              <a:rPr lang="en-US" dirty="0"/>
+              <a:t>= {</a:t>
+            </a:r>
+            <a:r>
+              <a:rPr lang="en-US" dirty="0" smtClean="0"/>
+              <a:t>};</a:t>
+            </a:r>
+            <a:endParaRPr lang="en-US" dirty="0"/>
           </a:p>
           <a:p>
             <a:r>
@@ -7118,33 +5972,137 @@
               <a:t>	</a:t>
             </a:r>
             <a:r>
+              <a:rPr lang="en-US" dirty="0" err="1" smtClean="0"/>
+              <a:t>var</a:t>
+            </a:r>
+            <a:r>
+              <a:rPr lang="en-US" dirty="0" smtClean="0"/>
+              <a:t> </a:t>
+            </a:r>
+            <a:r>
+              <a:rPr lang="en-US" dirty="0" err="1" smtClean="0"/>
+              <a:t>privateVariable</a:t>
+            </a:r>
+            <a:r>
+              <a:rPr lang="en-US" dirty="0" smtClean="0"/>
+              <a:t> </a:t>
+            </a:r>
+            <a:r>
+              <a:rPr lang="en-US" dirty="0"/>
+              <a:t>= 1;</a:t>
+            </a:r>
+          </a:p>
+          <a:p>
+            <a:r>
+              <a:rPr lang="en-US" dirty="0"/>
+              <a:t>	function </a:t>
+            </a:r>
+            <a:r>
               <a:rPr lang="en-US" dirty="0" err="1"/>
-              <a:t>var</a:t>
+              <a:t>privateMethod</a:t>
             </a:r>
             <a:r>
               <a:rPr lang="en-US" dirty="0"/>
-              <a:t> y = 2;</a:t>
+              <a:t>() {</a:t>
             </a:r>
           </a:p>
           <a:p>
             <a:r>
               <a:rPr lang="en-US" dirty="0"/>
-              <a:t>	return x + y; </a:t>
+              <a:t>		// ...</a:t>
             </a:r>
           </a:p>
           <a:p>
             <a:r>
               <a:rPr lang="en-US" dirty="0"/>
-              <a:t>})(</a:t>
+              <a:t>	}</a:t>
+            </a:r>
+          </a:p>
+          <a:p>
+            <a:r>
+              <a:rPr lang="en-US" dirty="0"/>
+              <a:t> </a:t>
             </a:r>
             <a:r>
               <a:rPr lang="en-US" dirty="0" smtClean="0"/>
-              <a:t>)</a:t>
+              <a:t> // export</a:t>
+            </a:r>
+            <a:br>
+              <a:rPr lang="en-US" dirty="0" smtClean="0"/>
+            </a:br>
+            <a:r>
+              <a:rPr lang="en-US" dirty="0" smtClean="0"/>
+              <a:t>  return {</a:t>
+            </a:r>
+          </a:p>
+          <a:p>
+            <a:r>
+              <a:rPr lang="en-US" dirty="0"/>
+              <a:t>	</a:t>
+            </a:r>
+            <a:r>
+              <a:rPr lang="en-US" dirty="0" smtClean="0"/>
+              <a:t>	</a:t>
+            </a:r>
+            <a:r>
+              <a:rPr lang="en-US" dirty="0" err="1" smtClean="0"/>
+              <a:t>getVar</a:t>
+            </a:r>
+            <a:r>
+              <a:rPr lang="en-US" dirty="0" smtClean="0"/>
+              <a:t> : </a:t>
+            </a:r>
+            <a:r>
+              <a:rPr lang="en-US" dirty="0"/>
+              <a:t>function () {</a:t>
+            </a:r>
+          </a:p>
+          <a:p>
+            <a:r>
+              <a:rPr lang="en-US" dirty="0"/>
+              <a:t>		</a:t>
+            </a:r>
+            <a:r>
+              <a:rPr lang="en-US" dirty="0" smtClean="0"/>
+              <a:t>	return </a:t>
+            </a:r>
+            <a:r>
+              <a:rPr lang="en-US" dirty="0" err="1"/>
+              <a:t>privateVariable</a:t>
+            </a:r>
+            <a:r>
+              <a:rPr lang="en-US" dirty="0"/>
+              <a:t>;</a:t>
+            </a:r>
+          </a:p>
+          <a:p>
+            <a:r>
+              <a:rPr lang="en-US" dirty="0"/>
+              <a:t>	</a:t>
+            </a:r>
+            <a:r>
+              <a:rPr lang="en-US" dirty="0" smtClean="0"/>
+              <a:t>	}</a:t>
             </a:r>
             <a:endParaRPr lang="en-US" dirty="0"/>
           </a:p>
           <a:p>
-            <a:endParaRPr lang="de-DE" dirty="0"/>
+            <a:r>
+              <a:rPr lang="en-US" dirty="0"/>
+              <a:t>	</a:t>
+            </a:r>
+            <a:r>
+              <a:rPr lang="en-US" dirty="0" smtClean="0"/>
+              <a:t>};</a:t>
+            </a:r>
+            <a:endParaRPr lang="en-US" dirty="0"/>
+          </a:p>
+          <a:p>
+            <a:r>
+              <a:rPr lang="en-US" dirty="0" smtClean="0"/>
+              <a:t>})();</a:t>
+            </a:r>
+            <a:endParaRPr lang="en-US" dirty="0"/>
           </a:p>
         </p:txBody>
       </p:sp>
@@ -7165,7 +6123,7 @@
           <a:p>
             <a:r>
               <a:rPr lang="de-DE" dirty="0" smtClean="0"/>
-              <a:t>Immediate Functions</a:t>
+              <a:t>Module – Export</a:t>
             </a:r>
             <a:endParaRPr lang="de-DE" dirty="0"/>
           </a:p>
@@ -7174,13 +6132,21 @@
     </p:spTree>
     <p:extLst>
       <p:ext uri="{BB962C8B-B14F-4D97-AF65-F5344CB8AC3E}">
-        <p14:creationId xmlns:p14="http://schemas.microsoft.com/office/powerpoint/2010/main" val="2086110369"/>
+        <p14:creationId xmlns:p14="http://schemas.microsoft.com/office/powerpoint/2010/main" val="2605572196"/>
       </p:ext>
     </p:extLst>
   </p:cSld>
   <p:clrMapOvr>
     <a:masterClrMapping/>
   </p:clrMapOvr>
+  <mc:AlternateContent xmlns:mc="http://schemas.openxmlformats.org/markup-compatibility/2006" xmlns:p14="http://schemas.microsoft.com/office/powerpoint/2010/main">
+    <mc:Choice Requires="p14">
+      <p:transition spd="slow" p14:dur="2000"/>
+    </mc:Choice>
+    <mc:Fallback xmlns="">
+      <p:transition xmlns:p14="http://schemas.microsoft.com/office/powerpoint/2010/main" spd="slow"/>
+    </mc:Fallback>
+  </mc:AlternateContent>
   <p:timing>
     <p:tnLst>
       <p:par>
@@ -7210,7 +6176,7 @@
       </p:grpSpPr>
       <p:sp>
         <p:nvSpPr>
-          <p:cNvPr id="5" name="Inhaltsplatzhalter 4"/>
+          <p:cNvPr id="2" name="Inhaltsplatzhalter 1"/>
           <p:cNvSpPr>
             <a:spLocks noGrp="1"/>
           </p:cNvSpPr>
@@ -7220,74 +6186,183 @@
         </p:nvSpPr>
         <p:spPr/>
         <p:txBody>
-          <a:bodyPr/>
+          <a:bodyPr>
+            <a:normAutofit/>
+          </a:bodyPr>
           <a:lstStyle/>
           <a:p>
             <a:r>
-              <a:rPr lang="de-DE" dirty="0" err="1"/>
-              <a:t>function</a:t>
-            </a:r>
-            <a:r>
-              <a:rPr lang="de-DE" dirty="0"/>
+              <a:rPr lang="en-US" dirty="0" err="1"/>
+              <a:t>var</a:t>
+            </a:r>
+            <a:r>
+              <a:rPr lang="en-US" dirty="0"/>
               <a:t> </a:t>
             </a:r>
             <a:r>
-              <a:rPr lang="de-DE" dirty="0" err="1"/>
-              <a:t>MyClass</a:t>
-            </a:r>
-            <a:r>
-              <a:rPr lang="de-DE" dirty="0"/>
-              <a:t>() {}</a:t>
-            </a:r>
-          </a:p>
-          <a:p>
-            <a:endParaRPr lang="de-DE" dirty="0"/>
-          </a:p>
-          <a:p>
-            <a:r>
-              <a:rPr lang="de-DE" dirty="0" err="1"/>
+              <a:rPr lang="en-US" dirty="0" smtClean="0"/>
+              <a:t>module = </a:t>
+            </a:r>
+            <a:r>
+              <a:rPr lang="en-US" dirty="0" smtClean="0"/>
+              <a:t>{};</a:t>
+            </a:r>
+          </a:p>
+          <a:p>
+            <a:r>
+              <a:rPr lang="en-US" dirty="0" smtClean="0"/>
+              <a:t>(</a:t>
+            </a:r>
+            <a:r>
+              <a:rPr lang="en-US" dirty="0"/>
+              <a:t>function </a:t>
+            </a:r>
+            <a:r>
+              <a:rPr lang="en-US" dirty="0" smtClean="0"/>
+              <a:t>(export) </a:t>
+            </a:r>
+            <a:r>
+              <a:rPr lang="en-US" dirty="0"/>
+              <a:t>{</a:t>
+            </a:r>
+          </a:p>
+          <a:p>
+            <a:r>
+              <a:rPr lang="en-US" dirty="0"/>
+              <a:t>	</a:t>
+            </a:r>
+            <a:r>
+              <a:rPr lang="en-US" dirty="0" err="1"/>
               <a:t>var</a:t>
             </a:r>
             <a:r>
-              <a:rPr lang="de-DE" dirty="0"/>
+              <a:rPr lang="en-US" dirty="0"/>
               <a:t> </a:t>
             </a:r>
             <a:r>
-              <a:rPr lang="de-DE" dirty="0" err="1"/>
-              <a:t>instance</a:t>
-            </a:r>
-            <a:r>
-              <a:rPr lang="de-DE" dirty="0"/>
-              <a:t> = </a:t>
-            </a:r>
-            <a:r>
-              <a:rPr lang="de-DE" dirty="0" err="1"/>
-              <a:t>new</a:t>
-            </a:r>
-            <a:r>
-              <a:rPr lang="de-DE" dirty="0"/>
+              <a:rPr lang="en-US" dirty="0" err="1" smtClean="0"/>
+              <a:t>myModule</a:t>
+            </a:r>
+            <a:r>
+              <a:rPr lang="en-US" dirty="0" smtClean="0"/>
               <a:t> </a:t>
             </a:r>
             <a:r>
-              <a:rPr lang="de-DE" dirty="0" err="1"/>
-              <a:t>MyClass</a:t>
-            </a:r>
-            <a:r>
-              <a:rPr lang="de-DE" dirty="0"/>
-              <a:t>();</a:t>
-            </a:r>
-          </a:p>
-          <a:p>
-            <a:endParaRPr lang="de-DE" dirty="0"/>
-          </a:p>
-          <a:p>
-            <a:endParaRPr lang="de-DE" dirty="0"/>
+              <a:rPr lang="en-US" dirty="0"/>
+              <a:t>= {</a:t>
+            </a:r>
+            <a:r>
+              <a:rPr lang="en-US" dirty="0" smtClean="0"/>
+              <a:t>};</a:t>
+            </a:r>
+            <a:endParaRPr lang="en-US" dirty="0"/>
+          </a:p>
+          <a:p>
+            <a:r>
+              <a:rPr lang="en-US" dirty="0"/>
+              <a:t>	</a:t>
+            </a:r>
+            <a:r>
+              <a:rPr lang="en-US" dirty="0" err="1" smtClean="0"/>
+              <a:t>var</a:t>
+            </a:r>
+            <a:r>
+              <a:rPr lang="en-US" dirty="0" smtClean="0"/>
+              <a:t> </a:t>
+            </a:r>
+            <a:r>
+              <a:rPr lang="en-US" dirty="0" err="1" smtClean="0"/>
+              <a:t>privateVariable</a:t>
+            </a:r>
+            <a:r>
+              <a:rPr lang="en-US" dirty="0" smtClean="0"/>
+              <a:t> </a:t>
+            </a:r>
+            <a:r>
+              <a:rPr lang="en-US" dirty="0"/>
+              <a:t>= 1;</a:t>
+            </a:r>
+          </a:p>
+          <a:p>
+            <a:r>
+              <a:rPr lang="en-US" dirty="0"/>
+              <a:t>	function </a:t>
+            </a:r>
+            <a:r>
+              <a:rPr lang="en-US" dirty="0" err="1"/>
+              <a:t>privateMethod</a:t>
+            </a:r>
+            <a:r>
+              <a:rPr lang="en-US" dirty="0"/>
+              <a:t>() {</a:t>
+            </a:r>
+          </a:p>
+          <a:p>
+            <a:r>
+              <a:rPr lang="en-US" dirty="0"/>
+              <a:t>		// ...</a:t>
+            </a:r>
+          </a:p>
+          <a:p>
+            <a:r>
+              <a:rPr lang="en-US" dirty="0"/>
+              <a:t>	}</a:t>
+            </a:r>
+          </a:p>
+          <a:p>
+            <a:r>
+              <a:rPr lang="en-US" dirty="0"/>
+              <a:t> </a:t>
+            </a:r>
+            <a:r>
+              <a:rPr lang="en-US" dirty="0" smtClean="0"/>
+              <a:t> // export</a:t>
+            </a:r>
+            <a:br>
+              <a:rPr lang="en-US" dirty="0" smtClean="0"/>
+            </a:br>
+            <a:r>
+              <a:rPr lang="en-US" dirty="0" smtClean="0"/>
+              <a:t>  </a:t>
+            </a:r>
+            <a:r>
+              <a:rPr lang="en-US" dirty="0" err="1" smtClean="0"/>
+              <a:t>export.getVar</a:t>
+            </a:r>
+            <a:r>
+              <a:rPr lang="en-US" dirty="0"/>
+              <a:t>: </a:t>
+            </a:r>
+            <a:r>
+              <a:rPr lang="en-US" dirty="0" err="1"/>
+              <a:t>privateMethod</a:t>
+            </a:r>
+            <a:r>
+              <a:rPr lang="en-US" dirty="0"/>
+              <a:t> </a:t>
+            </a:r>
+            <a:r>
+              <a:rPr lang="en-US" dirty="0"/>
+              <a:t>	</a:t>
+            </a:r>
+            <a:r>
+              <a:rPr lang="en-US" dirty="0" smtClean="0"/>
+              <a:t>};</a:t>
+            </a:r>
+            <a:endParaRPr lang="en-US" dirty="0"/>
+          </a:p>
+          <a:p>
+            <a:r>
+              <a:rPr lang="en-US" dirty="0" smtClean="0"/>
+              <a:t>})();</a:t>
+            </a:r>
+            <a:endParaRPr lang="en-US" dirty="0"/>
           </a:p>
         </p:txBody>
       </p:sp>
       <p:sp>
         <p:nvSpPr>
-          <p:cNvPr id="4" name="Titel 3"/>
+          <p:cNvPr id="3" name="Titel 2"/>
           <p:cNvSpPr>
             <a:spLocks noGrp="1"/>
           </p:cNvSpPr>
@@ -7301,30 +6376,35 @@
           <a:lstStyle/>
           <a:p>
             <a:r>
-              <a:rPr lang="de-DE" dirty="0"/>
-              <a:t>Class </a:t>
-            </a:r>
-            <a:r>
-              <a:rPr lang="de-DE" dirty="0" smtClean="0"/>
-              <a:t>Pattern </a:t>
-            </a:r>
-            <a:r>
-              <a:rPr lang="de-DE" dirty="0"/>
-              <a:t>– Konstruktor Functions</a:t>
-            </a:r>
+              <a:rPr lang="de-DE" dirty="0" smtClean="0"/>
+              <a:t>Module – </a:t>
+            </a:r>
+            <a:r>
+              <a:rPr lang="de-DE" dirty="0" smtClean="0"/>
+              <a:t>Export reinreichen</a:t>
+            </a:r>
+            <a:endParaRPr lang="de-DE" dirty="0"/>
           </a:p>
         </p:txBody>
       </p:sp>
     </p:spTree>
     <p:extLst>
       <p:ext uri="{BB962C8B-B14F-4D97-AF65-F5344CB8AC3E}">
-        <p14:creationId xmlns:p14="http://schemas.microsoft.com/office/powerpoint/2010/main" val="2514446404"/>
+        <p14:creationId xmlns:p14="http://schemas.microsoft.com/office/powerpoint/2010/main" val="2706383187"/>
       </p:ext>
     </p:extLst>
   </p:cSld>
   <p:clrMapOvr>
     <a:masterClrMapping/>
   </p:clrMapOvr>
+  <mc:AlternateContent xmlns:mc="http://schemas.openxmlformats.org/markup-compatibility/2006" xmlns:p14="http://schemas.microsoft.com/office/powerpoint/2010/main">
+    <mc:Choice Requires="p14">
+      <p:transition spd="slow" p14:dur="2000"/>
+    </mc:Choice>
+    <mc:Fallback xmlns="">
+      <p:transition xmlns:p14="http://schemas.microsoft.com/office/powerpoint/2010/main" spd="slow"/>
+    </mc:Fallback>
+  </mc:AlternateContent>
   <p:timing>
     <p:tnLst>
       <p:par>
@@ -7354,7 +6434,7 @@
       </p:grpSpPr>
       <p:sp>
         <p:nvSpPr>
-          <p:cNvPr id="5" name="Inhaltsplatzhalter 4"/>
+          <p:cNvPr id="2" name="Inhaltsplatzhalter 1"/>
           <p:cNvSpPr>
             <a:spLocks noGrp="1"/>
           </p:cNvSpPr>
@@ -7364,122 +6444,140 @@
         </p:nvSpPr>
         <p:spPr/>
         <p:txBody>
-          <a:bodyPr/>
+          <a:bodyPr>
+            <a:normAutofit/>
+          </a:bodyPr>
           <a:lstStyle/>
           <a:p>
             <a:r>
-              <a:rPr lang="de-DE" dirty="0" err="1"/>
-              <a:t>function</a:t>
-            </a:r>
-            <a:r>
-              <a:rPr lang="de-DE" dirty="0"/>
+              <a:rPr lang="en-US" dirty="0"/>
+              <a:t>	</a:t>
+            </a:r>
+            <a:r>
+              <a:rPr lang="en-US" dirty="0" err="1"/>
+              <a:t>var</a:t>
+            </a:r>
+            <a:r>
+              <a:rPr lang="en-US" dirty="0"/>
               <a:t> </a:t>
             </a:r>
             <a:r>
-              <a:rPr lang="de-DE" dirty="0" err="1"/>
-              <a:t>MyClass</a:t>
-            </a:r>
-            <a:r>
-              <a:rPr lang="de-DE" dirty="0"/>
-              <a:t>(arg) {</a:t>
-            </a:r>
-          </a:p>
-          <a:p>
-            <a:r>
-              <a:rPr lang="de-DE" dirty="0"/>
-              <a:t>    </a:t>
-            </a:r>
-            <a:r>
-              <a:rPr lang="de-DE" dirty="0" err="1"/>
-              <a:t>this.arg</a:t>
-            </a:r>
-            <a:r>
-              <a:rPr lang="de-DE" dirty="0"/>
-              <a:t> = arg;</a:t>
-            </a:r>
-          </a:p>
-          <a:p>
-            <a:r>
-              <a:rPr lang="de-DE" dirty="0"/>
-              <a:t>}</a:t>
-            </a:r>
-          </a:p>
-          <a:p>
-            <a:r>
-              <a:rPr lang="de-DE" dirty="0" err="1"/>
+              <a:rPr lang="en-US" dirty="0" err="1" smtClean="0"/>
+              <a:t>myModule</a:t>
+            </a:r>
+            <a:r>
+              <a:rPr lang="en-US" dirty="0" smtClean="0"/>
+              <a:t> </a:t>
+            </a:r>
+            <a:r>
+              <a:rPr lang="en-US" dirty="0"/>
+              <a:t>= {</a:t>
+            </a:r>
+            <a:r>
+              <a:rPr lang="en-US" dirty="0" smtClean="0"/>
+              <a:t>};</a:t>
+            </a:r>
+            <a:endParaRPr lang="en-US" dirty="0"/>
+          </a:p>
+          <a:p>
+            <a:r>
+              <a:rPr lang="en-US" dirty="0"/>
+              <a:t>	</a:t>
+            </a:r>
+            <a:r>
+              <a:rPr lang="en-US" dirty="0" err="1" smtClean="0"/>
               <a:t>var</a:t>
             </a:r>
             <a:r>
-              <a:rPr lang="de-DE" dirty="0"/>
+              <a:rPr lang="en-US" dirty="0" smtClean="0"/>
               <a:t> </a:t>
             </a:r>
             <a:r>
-              <a:rPr lang="de-DE" dirty="0" err="1"/>
-              <a:t>inst</a:t>
-            </a:r>
-            <a:r>
-              <a:rPr lang="de-DE" dirty="0"/>
-              <a:t> = </a:t>
-            </a:r>
-            <a:r>
-              <a:rPr lang="de-DE" dirty="0" err="1"/>
-              <a:t>new</a:t>
-            </a:r>
-            <a:r>
-              <a:rPr lang="de-DE" dirty="0"/>
+              <a:rPr lang="en-US" dirty="0" err="1" smtClean="0"/>
+              <a:t>privateVariable</a:t>
+            </a:r>
+            <a:r>
+              <a:rPr lang="en-US" dirty="0" smtClean="0"/>
               <a:t> </a:t>
             </a:r>
             <a:r>
-              <a:rPr lang="de-DE" dirty="0" err="1"/>
-              <a:t>MyClass</a:t>
-            </a:r>
-            <a:r>
-              <a:rPr lang="de-DE" dirty="0"/>
-              <a:t>('</a:t>
-            </a:r>
-            <a:r>
-              <a:rPr lang="de-DE" dirty="0" err="1"/>
-              <a:t>foo</a:t>
-            </a:r>
-            <a:r>
-              <a:rPr lang="de-DE" dirty="0"/>
-              <a:t>');</a:t>
-            </a:r>
-          </a:p>
-          <a:p>
-            <a:r>
-              <a:rPr lang="de-DE" dirty="0" err="1"/>
-              <a:t>console.log</a:t>
-            </a:r>
-            <a:r>
-              <a:rPr lang="de-DE" dirty="0"/>
-              <a:t>(</a:t>
-            </a:r>
-            <a:r>
-              <a:rPr lang="de-DE" dirty="0" err="1"/>
-              <a:t>inst.arg</a:t>
-            </a:r>
-            <a:r>
-              <a:rPr lang="de-DE" dirty="0"/>
-              <a:t>); // =&gt; '</a:t>
-            </a:r>
-            <a:r>
-              <a:rPr lang="de-DE" dirty="0" err="1"/>
-              <a:t>foo</a:t>
-            </a:r>
-            <a:r>
-              <a:rPr lang="de-DE" dirty="0"/>
-              <a:t>'</a:t>
-            </a:r>
-          </a:p>
-          <a:p>
-            <a:endParaRPr lang="de-DE" dirty="0"/>
+              <a:rPr lang="en-US" dirty="0"/>
+              <a:t>= 1;</a:t>
+            </a:r>
+          </a:p>
+          <a:p>
+            <a:r>
+              <a:rPr lang="en-US" dirty="0"/>
+              <a:t>	function </a:t>
+            </a:r>
+            <a:r>
+              <a:rPr lang="en-US" dirty="0" err="1"/>
+              <a:t>privateMethod</a:t>
+            </a:r>
+            <a:r>
+              <a:rPr lang="en-US" dirty="0"/>
+              <a:t>() {</a:t>
+            </a:r>
+          </a:p>
+          <a:p>
+            <a:r>
+              <a:rPr lang="en-US" dirty="0"/>
+              <a:t>		// ...</a:t>
+            </a:r>
+          </a:p>
+          <a:p>
+            <a:r>
+              <a:rPr lang="en-US" dirty="0"/>
+              <a:t>	}</a:t>
+            </a:r>
+          </a:p>
+          <a:p>
+            <a:r>
+              <a:rPr lang="en-US" dirty="0"/>
+              <a:t> </a:t>
+            </a:r>
+            <a:r>
+              <a:rPr lang="en-US" dirty="0" smtClean="0"/>
+              <a:t> // export</a:t>
+            </a:r>
+            <a:br>
+              <a:rPr lang="en-US" dirty="0" smtClean="0"/>
+            </a:br>
+            <a:r>
+              <a:rPr lang="en-US" dirty="0" smtClean="0"/>
+              <a:t>  </a:t>
+            </a:r>
+            <a:r>
+              <a:rPr lang="en-US" dirty="0" err="1" smtClean="0"/>
+              <a:t>export.getVar</a:t>
+            </a:r>
+            <a:r>
+              <a:rPr lang="en-US" dirty="0"/>
+              <a:t>: </a:t>
+            </a:r>
+            <a:r>
+              <a:rPr lang="en-US" dirty="0" err="1"/>
+              <a:t>privateMethod</a:t>
+            </a:r>
+            <a:r>
+              <a:rPr lang="en-US" dirty="0"/>
+              <a:t> </a:t>
+            </a:r>
+            <a:r>
+              <a:rPr lang="en-US" dirty="0"/>
+              <a:t>	</a:t>
+            </a:r>
+            <a:r>
+              <a:rPr lang="en-US" dirty="0" smtClean="0"/>
+              <a:t>;</a:t>
+            </a:r>
+            <a:endParaRPr lang="en-US" dirty="0"/>
           </a:p>
         </p:txBody>
       </p:sp>
       <p:sp>
         <p:nvSpPr>
-          <p:cNvPr id="4" name="Titel 3"/>
+          <p:cNvPr id="3" name="Titel 2"/>
           <p:cNvSpPr>
             <a:spLocks noGrp="1"/>
           </p:cNvSpPr>
@@ -7493,16 +6591,20 @@
           <a:lstStyle/>
           <a:p>
             <a:r>
-              <a:rPr lang="de-DE" dirty="0"/>
-              <a:t>Class Pattern </a:t>
-            </a:r>
-            <a:r>
-              <a:rPr lang="de-DE" dirty="0" smtClean="0"/>
-              <a:t>– </a:t>
+              <a:rPr lang="de-DE" dirty="0" smtClean="0"/>
+              <a:t>Module – </a:t>
+            </a:r>
+            <a:r>
+              <a:rPr lang="de-DE" dirty="0" smtClean="0"/>
+              <a:t>in </a:t>
             </a:r>
             <a:r>
               <a:rPr lang="de-DE" dirty="0" err="1" smtClean="0"/>
-              <a:t>this</a:t>
+              <a:t>CommonJS</a:t>
+            </a:r>
+            <a:r>
+              <a:rPr lang="de-DE" dirty="0" smtClean="0"/>
+              <a:t> umbauen</a:t>
             </a:r>
             <a:endParaRPr lang="de-DE" dirty="0"/>
           </a:p>
@@ -7511,13 +6613,21 @@
     </p:spTree>
     <p:extLst>
       <p:ext uri="{BB962C8B-B14F-4D97-AF65-F5344CB8AC3E}">
-        <p14:creationId xmlns:p14="http://schemas.microsoft.com/office/powerpoint/2010/main" val="255818325"/>
+        <p14:creationId xmlns:p14="http://schemas.microsoft.com/office/powerpoint/2010/main" val="2821582376"/>
       </p:ext>
     </p:extLst>
   </p:cSld>
   <p:clrMapOvr>
     <a:masterClrMapping/>
   </p:clrMapOvr>
+  <mc:AlternateContent xmlns:mc="http://schemas.openxmlformats.org/markup-compatibility/2006" xmlns:p14="http://schemas.microsoft.com/office/powerpoint/2010/main">
+    <mc:Choice Requires="p14">
+      <p:transition spd="slow" p14:dur="2000"/>
+    </mc:Choice>
+    <mc:Fallback xmlns="">
+      <p:transition xmlns:p14="http://schemas.microsoft.com/office/powerpoint/2010/main" spd="slow"/>
+    </mc:Fallback>
+  </mc:AlternateContent>
   <p:timing>
     <p:tnLst>
       <p:par>
@@ -8613,146 +7723,107 @@
         </p:nvSpPr>
         <p:spPr/>
         <p:txBody>
-          <a:bodyPr/>
+          <a:bodyPr>
+            <a:normAutofit/>
+          </a:bodyPr>
           <a:lstStyle/>
           <a:p>
-            <a:r>
-              <a:rPr lang="de-DE" dirty="0" err="1"/>
-              <a:t>function</a:t>
-            </a:r>
-            <a:r>
-              <a:rPr lang="de-DE" dirty="0"/>
-              <a:t> </a:t>
-            </a:r>
-            <a:r>
-              <a:rPr lang="de-DE" dirty="0" err="1"/>
-              <a:t>MyClass</a:t>
-            </a:r>
-            <a:r>
-              <a:rPr lang="de-DE" dirty="0"/>
-              <a:t>() {</a:t>
-            </a:r>
-          </a:p>
-          <a:p>
-            <a:r>
-              <a:rPr lang="de-DE" dirty="0"/>
-              <a:t>    </a:t>
-            </a:r>
-            <a:r>
-              <a:rPr lang="de-DE" dirty="0" err="1"/>
-              <a:t>this.greet</a:t>
-            </a:r>
-            <a:r>
-              <a:rPr lang="de-DE" dirty="0"/>
+            <a:pPr marL="0" indent="0">
+              <a:buNone/>
+            </a:pPr>
+            <a:r>
+              <a:rPr lang="de-DE" dirty="0" smtClean="0">
+                <a:latin typeface="Consolas"/>
+                <a:cs typeface="Consolas"/>
+              </a:rPr>
+              <a:t>Code + </a:t>
+            </a:r>
+            <a:r>
+              <a:rPr lang="de-DE" dirty="0" err="1" smtClean="0">
+                <a:latin typeface="Consolas"/>
+                <a:cs typeface="Consolas"/>
+              </a:rPr>
+              <a:t>Scope</a:t>
+            </a:r>
+            <a:r>
+              <a:rPr lang="de-DE" dirty="0" smtClean="0">
+                <a:latin typeface="Consolas"/>
+                <a:cs typeface="Consolas"/>
+              </a:rPr>
               <a:t> = </a:t>
             </a:r>
             <a:r>
-              <a:rPr lang="de-DE" dirty="0" err="1"/>
-              <a:t>function</a:t>
-            </a:r>
-            <a:r>
-              <a:rPr lang="de-DE" dirty="0"/>
-              <a:t>() {</a:t>
-            </a:r>
-          </a:p>
-          <a:p>
-            <a:r>
-              <a:rPr lang="de-DE" dirty="0"/>
-              <a:t>        </a:t>
-            </a:r>
-            <a:r>
-              <a:rPr lang="de-DE" dirty="0" err="1"/>
-              <a:t>console.log</a:t>
-            </a:r>
-            <a:r>
-              <a:rPr lang="de-DE" dirty="0"/>
-              <a:t>('</a:t>
-            </a:r>
-            <a:r>
-              <a:rPr lang="de-DE" dirty="0" err="1"/>
-              <a:t>Hello</a:t>
-            </a:r>
-            <a:r>
-              <a:rPr lang="de-DE" dirty="0"/>
-              <a:t>!');</a:t>
-            </a:r>
-          </a:p>
-          <a:p>
-            <a:r>
-              <a:rPr lang="de-DE" dirty="0"/>
-              <a:t>    };</a:t>
-            </a:r>
-          </a:p>
-          <a:p>
-            <a:r>
-              <a:rPr lang="de-DE" dirty="0"/>
-              <a:t>}</a:t>
-            </a:r>
-          </a:p>
-          <a:p>
-            <a:r>
-              <a:rPr lang="de-DE" dirty="0" err="1"/>
-              <a:t>var</a:t>
-            </a:r>
-            <a:r>
-              <a:rPr lang="de-DE" dirty="0"/>
-              <a:t> </a:t>
-            </a:r>
-            <a:r>
-              <a:rPr lang="de-DE" dirty="0" err="1"/>
-              <a:t>inst</a:t>
-            </a:r>
-            <a:r>
-              <a:rPr lang="de-DE" dirty="0"/>
-              <a:t> = </a:t>
-            </a:r>
-            <a:r>
-              <a:rPr lang="de-DE" dirty="0" err="1"/>
-              <a:t>new</a:t>
-            </a:r>
-            <a:r>
-              <a:rPr lang="de-DE" dirty="0"/>
-              <a:t> </a:t>
-            </a:r>
-            <a:r>
-              <a:rPr lang="de-DE" dirty="0" err="1"/>
-              <a:t>MyClass</a:t>
-            </a:r>
-            <a:r>
-              <a:rPr lang="de-DE" dirty="0"/>
-              <a:t>();</a:t>
-            </a:r>
-          </a:p>
-          <a:p>
-            <a:r>
-              <a:rPr lang="de-DE" dirty="0" err="1"/>
-              <a:t>inst.greet</a:t>
-            </a:r>
-            <a:r>
-              <a:rPr lang="de-DE" dirty="0"/>
-              <a:t>(); // =&gt; '</a:t>
-            </a:r>
-            <a:r>
-              <a:rPr lang="de-DE" dirty="0" err="1" smtClean="0"/>
-              <a:t>Hello</a:t>
+              <a:rPr lang="de-DE" dirty="0" err="1" smtClean="0">
+                <a:latin typeface="Consolas"/>
+                <a:cs typeface="Consolas"/>
+              </a:rPr>
+              <a:t>Closure</a:t>
+            </a:r>
+            <a:endParaRPr lang="de-DE" dirty="0" smtClean="0">
+              <a:latin typeface="Consolas"/>
+              <a:cs typeface="Consolas"/>
+            </a:endParaRPr>
+          </a:p>
+          <a:p>
+            <a:pPr marL="0" indent="0">
+              <a:buNone/>
+            </a:pPr>
+            <a:r>
+              <a:rPr lang="de-DE" dirty="0" smtClean="0"/>
+              <a:t>Eine </a:t>
+            </a:r>
+            <a:r>
+              <a:rPr lang="de-DE" dirty="0"/>
+              <a:t>Funktion wird stets in einem Funktionsgeltungsbereich ausgeführt. </a:t>
+            </a:r>
+          </a:p>
+          <a:p>
+            <a:pPr marL="0" indent="0">
+              <a:buNone/>
+            </a:pPr>
+            <a:r>
+              <a:rPr lang="de-DE" dirty="0"/>
+              <a:t>Der Funktionsgeltungsbereich gilt auch, wenn in einer Funktion eine weitere, innere Funktion definiert wird. </a:t>
             </a:r>
             <a:endParaRPr lang="de-DE" dirty="0" smtClean="0"/>
           </a:p>
           <a:p>
-            <a:endParaRPr lang="de-DE" dirty="0"/>
-          </a:p>
-          <a:p>
-            <a:r>
-              <a:rPr lang="de-DE" dirty="0" smtClean="0"/>
-              <a:t>// Strange: Jedes Objekt hat eine eigene Kopie der Funktion </a:t>
-            </a:r>
-            <a:r>
-              <a:rPr lang="de-DE" dirty="0" err="1" smtClean="0"/>
-              <a:t>greet</a:t>
-            </a:r>
-            <a:r>
-              <a:rPr lang="de-DE" dirty="0" smtClean="0"/>
-              <a:t>!</a:t>
+            <a:pPr marL="0" indent="0">
+              <a:buNone/>
+            </a:pPr>
+            <a:r>
+              <a:rPr lang="de-DE" dirty="0" smtClean="0"/>
+              <a:t>Diese </a:t>
+            </a:r>
+            <a:r>
+              <a:rPr lang="de-DE" dirty="0"/>
+              <a:t>Funktion hat dann Zugriff auf die Variablen der äußeren Funktion. Ausnahmen sind hier </a:t>
+            </a:r>
+            <a:r>
+              <a:rPr lang="de-DE" dirty="0" err="1">
+                <a:latin typeface="Consolas"/>
+                <a:cs typeface="Consolas"/>
+              </a:rPr>
+              <a:t>this</a:t>
+            </a:r>
+            <a:r>
+              <a:rPr lang="de-DE" dirty="0"/>
+              <a:t> und der Bonusparameter </a:t>
+            </a:r>
+            <a:r>
+              <a:rPr lang="de-DE" dirty="0" err="1">
+                <a:latin typeface="Consolas"/>
+                <a:cs typeface="Consolas"/>
+              </a:rPr>
+              <a:t>arguments</a:t>
+            </a:r>
+            <a:r>
+              <a:rPr lang="de-DE" dirty="0"/>
+              <a:t>, da diese Parameter von jeder Funktion selbst überschrieben </a:t>
+            </a:r>
+            <a:r>
+              <a:rPr lang="de-DE" dirty="0" smtClean="0"/>
+              <a:t>werden.</a:t>
             </a:r>
             <a:endParaRPr lang="de-DE" dirty="0"/>
           </a:p>
@@ -8774,24 +7845,8 @@
           <a:lstStyle/>
           <a:p>
             <a:r>
-              <a:rPr lang="de-DE" dirty="0"/>
-              <a:t>Class Pattern </a:t>
-            </a:r>
-            <a:r>
-              <a:rPr lang="de-DE" dirty="0" smtClean="0"/>
-              <a:t>– </a:t>
-            </a:r>
-            <a:r>
               <a:rPr lang="de-DE" dirty="0" err="1" smtClean="0"/>
-              <a:t>method</a:t>
-            </a:r>
-            <a:r>
-              <a:rPr lang="de-DE" dirty="0" smtClean="0"/>
-              <a:t> </a:t>
-            </a:r>
-            <a:r>
-              <a:rPr lang="de-DE" dirty="0" err="1" smtClean="0"/>
-              <a:t>pattern</a:t>
+              <a:t>Closures</a:t>
             </a:r>
             <a:endParaRPr lang="de-DE" dirty="0"/>
           </a:p>
@@ -8800,7 +7855,7 @@
     </p:spTree>
     <p:extLst>
       <p:ext uri="{BB962C8B-B14F-4D97-AF65-F5344CB8AC3E}">
-        <p14:creationId xmlns:p14="http://schemas.microsoft.com/office/powerpoint/2010/main" val="99376980"/>
+        <p14:creationId xmlns:p14="http://schemas.microsoft.com/office/powerpoint/2010/main" val="1337038700"/>
       </p:ext>
     </p:extLst>
   </p:cSld>
@@ -8836,656 +7891,6 @@
       </p:grpSpPr>
       <p:sp>
         <p:nvSpPr>
-          <p:cNvPr id="5" name="Inhaltsplatzhalter 4"/>
-          <p:cNvSpPr>
-            <a:spLocks noGrp="1"/>
-          </p:cNvSpPr>
-          <p:nvPr>
-            <p:ph idx="1"/>
-          </p:nvPr>
-        </p:nvSpPr>
-        <p:spPr/>
-        <p:txBody>
-          <a:bodyPr/>
-          <a:lstStyle/>
-          <a:p>
-            <a:r>
-              <a:rPr lang="de-DE" dirty="0" err="1"/>
-              <a:t>function</a:t>
-            </a:r>
-            <a:r>
-              <a:rPr lang="de-DE" dirty="0"/>
-              <a:t> </a:t>
-            </a:r>
-            <a:r>
-              <a:rPr lang="de-DE" dirty="0" err="1"/>
-              <a:t>MyClass</a:t>
-            </a:r>
-            <a:r>
-              <a:rPr lang="de-DE" dirty="0"/>
-              <a:t>() {}</a:t>
-            </a:r>
-          </a:p>
-          <a:p>
-            <a:r>
-              <a:rPr lang="de-DE" dirty="0" err="1"/>
-              <a:t>MyClass.prototype.greet</a:t>
-            </a:r>
-            <a:r>
-              <a:rPr lang="de-DE" dirty="0"/>
-              <a:t> = </a:t>
-            </a:r>
-            <a:r>
-              <a:rPr lang="de-DE" dirty="0" err="1"/>
-              <a:t>function</a:t>
-            </a:r>
-            <a:r>
-              <a:rPr lang="de-DE" dirty="0"/>
-              <a:t>() {</a:t>
-            </a:r>
-          </a:p>
-          <a:p>
-            <a:r>
-              <a:rPr lang="de-DE" dirty="0"/>
-              <a:t>    </a:t>
-            </a:r>
-            <a:r>
-              <a:rPr lang="de-DE" dirty="0" err="1"/>
-              <a:t>console.log</a:t>
-            </a:r>
-            <a:r>
-              <a:rPr lang="de-DE" dirty="0"/>
-              <a:t>('</a:t>
-            </a:r>
-            <a:r>
-              <a:rPr lang="de-DE" dirty="0" err="1"/>
-              <a:t>Hello</a:t>
-            </a:r>
-            <a:r>
-              <a:rPr lang="de-DE" dirty="0"/>
-              <a:t>!');</a:t>
-            </a:r>
-          </a:p>
-          <a:p>
-            <a:r>
-              <a:rPr lang="de-DE" dirty="0"/>
-              <a:t>};</a:t>
-            </a:r>
-          </a:p>
-          <a:p>
-            <a:r>
-              <a:rPr lang="de-DE" dirty="0" err="1"/>
-              <a:t>var</a:t>
-            </a:r>
-            <a:r>
-              <a:rPr lang="de-DE" dirty="0"/>
-              <a:t> </a:t>
-            </a:r>
-            <a:r>
-              <a:rPr lang="de-DE" dirty="0" err="1"/>
-              <a:t>inst</a:t>
-            </a:r>
-            <a:r>
-              <a:rPr lang="de-DE" dirty="0"/>
-              <a:t> = </a:t>
-            </a:r>
-            <a:r>
-              <a:rPr lang="de-DE" dirty="0" err="1"/>
-              <a:t>new</a:t>
-            </a:r>
-            <a:r>
-              <a:rPr lang="de-DE" dirty="0"/>
-              <a:t> </a:t>
-            </a:r>
-            <a:r>
-              <a:rPr lang="de-DE" dirty="0" err="1"/>
-              <a:t>MyClass</a:t>
-            </a:r>
-            <a:r>
-              <a:rPr lang="de-DE" dirty="0"/>
-              <a:t>();</a:t>
-            </a:r>
-          </a:p>
-          <a:p>
-            <a:r>
-              <a:rPr lang="de-DE" dirty="0" err="1"/>
-              <a:t>inst.greet</a:t>
-            </a:r>
-            <a:r>
-              <a:rPr lang="de-DE" dirty="0"/>
-              <a:t>(); // =&gt; '</a:t>
-            </a:r>
-            <a:r>
-              <a:rPr lang="de-DE" dirty="0" err="1"/>
-              <a:t>Hello</a:t>
-            </a:r>
-            <a:r>
-              <a:rPr lang="de-DE" dirty="0" smtClean="0"/>
-              <a:t>!</a:t>
-            </a:r>
-          </a:p>
-          <a:p>
-            <a:endParaRPr lang="de-DE" dirty="0"/>
-          </a:p>
-          <a:p>
-            <a:r>
-              <a:rPr lang="de-DE" dirty="0"/>
-              <a:t>// </a:t>
-            </a:r>
-            <a:r>
-              <a:rPr lang="de-DE" dirty="0" smtClean="0"/>
-              <a:t>Jetzt gibt es nur noch eine „Kopie“ der </a:t>
-            </a:r>
-            <a:r>
-              <a:rPr lang="de-DE" dirty="0" err="1" smtClean="0"/>
-              <a:t>greet</a:t>
-            </a:r>
-            <a:r>
-              <a:rPr lang="de-DE" dirty="0" smtClean="0"/>
-              <a:t>-Funktion </a:t>
-            </a:r>
-            <a:r>
-              <a:rPr lang="de-DE" dirty="0" smtClean="0">
-                <a:sym typeface="Wingdings"/>
-              </a:rPr>
-              <a:t></a:t>
-            </a:r>
-            <a:endParaRPr lang="de-DE" dirty="0"/>
-          </a:p>
-        </p:txBody>
-      </p:sp>
-      <p:sp>
-        <p:nvSpPr>
-          <p:cNvPr id="4" name="Titel 3"/>
-          <p:cNvSpPr>
-            <a:spLocks noGrp="1"/>
-          </p:cNvSpPr>
-          <p:nvPr>
-            <p:ph type="title"/>
-          </p:nvPr>
-        </p:nvSpPr>
-        <p:spPr/>
-        <p:txBody>
-          <a:bodyPr/>
-          <a:lstStyle/>
-          <a:p>
-            <a:r>
-              <a:rPr lang="de-DE" dirty="0"/>
-              <a:t>Class Pattern </a:t>
-            </a:r>
-            <a:r>
-              <a:rPr lang="de-DE" dirty="0" smtClean="0"/>
-              <a:t>– </a:t>
-            </a:r>
-            <a:r>
-              <a:rPr lang="de-DE" dirty="0" err="1" smtClean="0"/>
-              <a:t>Prototypes</a:t>
-            </a:r>
-            <a:r>
-              <a:rPr lang="de-DE" dirty="0" smtClean="0"/>
-              <a:t>!</a:t>
-            </a:r>
-            <a:endParaRPr lang="de-DE" dirty="0"/>
-          </a:p>
-        </p:txBody>
-      </p:sp>
-    </p:spTree>
-    <p:extLst>
-      <p:ext uri="{BB962C8B-B14F-4D97-AF65-F5344CB8AC3E}">
-        <p14:creationId xmlns:p14="http://schemas.microsoft.com/office/powerpoint/2010/main" val="323236905"/>
-      </p:ext>
-    </p:extLst>
-  </p:cSld>
-  <p:clrMapOvr>
-    <a:masterClrMapping/>
-  </p:clrMapOvr>
-  <p:timing>
-    <p:tnLst>
-      <p:par>
-        <p:cTn xmlns:p14="http://schemas.microsoft.com/office/powerpoint/2010/main" id="1" dur="indefinite" restart="never" nodeType="tmRoot"/>
-      </p:par>
-    </p:tnLst>
-  </p:timing>
-</p:sld>
-</file>
-
-<file path=ppt/slides/slide32.xml><?xml version="1.0" encoding="utf-8"?>
-<p:sld xmlns:a="http://schemas.openxmlformats.org/drawingml/2006/main" xmlns:r="http://schemas.openxmlformats.org/officeDocument/2006/relationships" xmlns:p="http://schemas.openxmlformats.org/presentationml/2006/main">
-  <p:cSld>
-    <p:spTree>
-      <p:nvGrpSpPr>
-        <p:cNvPr id="1" name=""/>
-        <p:cNvGrpSpPr/>
-        <p:nvPr/>
-      </p:nvGrpSpPr>
-      <p:grpSpPr>
-        <a:xfrm>
-          <a:off x="0" y="0"/>
-          <a:ext cx="0" cy="0"/>
-          <a:chOff x="0" y="0"/>
-          <a:chExt cx="0" cy="0"/>
-        </a:xfrm>
-      </p:grpSpPr>
-      <p:sp>
-        <p:nvSpPr>
-          <p:cNvPr id="5" name="Inhaltsplatzhalter 4"/>
-          <p:cNvSpPr>
-            <a:spLocks noGrp="1"/>
-          </p:cNvSpPr>
-          <p:nvPr>
-            <p:ph idx="1"/>
-          </p:nvPr>
-        </p:nvSpPr>
-        <p:spPr/>
-        <p:txBody>
-          <a:bodyPr/>
-          <a:lstStyle/>
-          <a:p>
-            <a:r>
-              <a:rPr lang="de-DE" dirty="0" err="1"/>
-              <a:t>var</a:t>
-            </a:r>
-            <a:r>
-              <a:rPr lang="de-DE" dirty="0"/>
-              <a:t> </a:t>
-            </a:r>
-            <a:r>
-              <a:rPr lang="de-DE" dirty="0" err="1"/>
-              <a:t>foo</a:t>
-            </a:r>
-            <a:r>
-              <a:rPr lang="de-DE" dirty="0"/>
-              <a:t> = 'bar';</a:t>
-            </a:r>
-          </a:p>
-          <a:p>
-            <a:r>
-              <a:rPr lang="de-DE" dirty="0" err="1"/>
-              <a:t>function</a:t>
-            </a:r>
-            <a:r>
-              <a:rPr lang="de-DE" dirty="0"/>
-              <a:t> </a:t>
-            </a:r>
-            <a:r>
-              <a:rPr lang="de-DE" dirty="0" err="1"/>
-              <a:t>myClosure</a:t>
-            </a:r>
-            <a:r>
-              <a:rPr lang="de-DE" dirty="0"/>
-              <a:t>() {</a:t>
-            </a:r>
-          </a:p>
-          <a:p>
-            <a:r>
-              <a:rPr lang="de-DE" dirty="0"/>
-              <a:t>  </a:t>
-            </a:r>
-            <a:r>
-              <a:rPr lang="de-DE" dirty="0" err="1"/>
-              <a:t>var</a:t>
-            </a:r>
-            <a:r>
-              <a:rPr lang="de-DE" dirty="0"/>
-              <a:t> </a:t>
-            </a:r>
-            <a:r>
-              <a:rPr lang="de-DE" dirty="0" err="1"/>
-              <a:t>baz</a:t>
-            </a:r>
-            <a:r>
-              <a:rPr lang="de-DE" dirty="0"/>
-              <a:t> = '</a:t>
-            </a:r>
-            <a:r>
-              <a:rPr lang="de-DE" dirty="0" err="1"/>
-              <a:t>qux</a:t>
-            </a:r>
-            <a:r>
-              <a:rPr lang="de-DE" dirty="0"/>
-              <a:t>';</a:t>
-            </a:r>
-          </a:p>
-          <a:p>
-            <a:r>
-              <a:rPr lang="de-DE" dirty="0"/>
-              <a:t>  </a:t>
-            </a:r>
-            <a:r>
-              <a:rPr lang="de-DE" dirty="0" err="1"/>
-              <a:t>console.log</a:t>
-            </a:r>
-            <a:r>
-              <a:rPr lang="de-DE" dirty="0"/>
-              <a:t>(</a:t>
-            </a:r>
-            <a:r>
-              <a:rPr lang="de-DE" dirty="0" err="1"/>
-              <a:t>foo</a:t>
-            </a:r>
-            <a:r>
-              <a:rPr lang="de-DE" dirty="0"/>
-              <a:t>); // =&gt; 'bar'</a:t>
-            </a:r>
-          </a:p>
-          <a:p>
-            <a:r>
-              <a:rPr lang="de-DE" dirty="0"/>
-              <a:t>  </a:t>
-            </a:r>
-            <a:r>
-              <a:rPr lang="de-DE" dirty="0" err="1"/>
-              <a:t>console.log</a:t>
-            </a:r>
-            <a:r>
-              <a:rPr lang="de-DE" dirty="0"/>
-              <a:t>(</a:t>
-            </a:r>
-            <a:r>
-              <a:rPr lang="de-DE" dirty="0" err="1"/>
-              <a:t>baz</a:t>
-            </a:r>
-            <a:r>
-              <a:rPr lang="de-DE" dirty="0"/>
-              <a:t>); // =&gt; '</a:t>
-            </a:r>
-            <a:r>
-              <a:rPr lang="de-DE" dirty="0" err="1"/>
-              <a:t>qux</a:t>
-            </a:r>
-            <a:r>
-              <a:rPr lang="de-DE" dirty="0"/>
-              <a:t>'</a:t>
-            </a:r>
-          </a:p>
-          <a:p>
-            <a:r>
-              <a:rPr lang="de-DE" dirty="0"/>
-              <a:t>}</a:t>
-            </a:r>
-          </a:p>
-          <a:p>
-            <a:r>
-              <a:rPr lang="de-DE" dirty="0" err="1"/>
-              <a:t>console.log</a:t>
-            </a:r>
-            <a:r>
-              <a:rPr lang="de-DE" dirty="0"/>
-              <a:t>(</a:t>
-            </a:r>
-            <a:r>
-              <a:rPr lang="de-DE" dirty="0" err="1"/>
-              <a:t>foo</a:t>
-            </a:r>
-            <a:r>
-              <a:rPr lang="de-DE" dirty="0"/>
-              <a:t>); // =&gt; 'bar'</a:t>
-            </a:r>
-          </a:p>
-          <a:p>
-            <a:r>
-              <a:rPr lang="de-DE" dirty="0" err="1"/>
-              <a:t>console.log</a:t>
-            </a:r>
-            <a:r>
-              <a:rPr lang="de-DE" dirty="0"/>
-              <a:t>(</a:t>
-            </a:r>
-            <a:r>
-              <a:rPr lang="de-DE" dirty="0" err="1"/>
-              <a:t>baz</a:t>
-            </a:r>
-            <a:r>
-              <a:rPr lang="de-DE" dirty="0"/>
-              <a:t>); // =&gt; undefined</a:t>
-            </a:r>
-          </a:p>
-        </p:txBody>
-      </p:sp>
-      <p:sp>
-        <p:nvSpPr>
-          <p:cNvPr id="4" name="Titel 3"/>
-          <p:cNvSpPr>
-            <a:spLocks noGrp="1"/>
-          </p:cNvSpPr>
-          <p:nvPr>
-            <p:ph type="title"/>
-          </p:nvPr>
-        </p:nvSpPr>
-        <p:spPr/>
-        <p:txBody>
-          <a:bodyPr/>
-          <a:lstStyle/>
-          <a:p>
-            <a:r>
-              <a:rPr lang="de-DE" dirty="0"/>
-              <a:t>Class Pattern </a:t>
-            </a:r>
-            <a:r>
-              <a:rPr lang="de-DE" dirty="0" smtClean="0"/>
-              <a:t>– Sichtbarkeit von Variablen</a:t>
-            </a:r>
-            <a:endParaRPr lang="de-DE" dirty="0"/>
-          </a:p>
-        </p:txBody>
-      </p:sp>
-    </p:spTree>
-    <p:extLst>
-      <p:ext uri="{BB962C8B-B14F-4D97-AF65-F5344CB8AC3E}">
-        <p14:creationId xmlns:p14="http://schemas.microsoft.com/office/powerpoint/2010/main" val="1643762402"/>
-      </p:ext>
-    </p:extLst>
-  </p:cSld>
-  <p:clrMapOvr>
-    <a:masterClrMapping/>
-  </p:clrMapOvr>
-  <p:timing>
-    <p:tnLst>
-      <p:par>
-        <p:cTn xmlns:p14="http://schemas.microsoft.com/office/powerpoint/2010/main" id="1" dur="indefinite" restart="never" nodeType="tmRoot"/>
-      </p:par>
-    </p:tnLst>
-  </p:timing>
-</p:sld>
-</file>
-
-<file path=ppt/slides/slide33.xml><?xml version="1.0" encoding="utf-8"?>
-<p:sld xmlns:a="http://schemas.openxmlformats.org/drawingml/2006/main" xmlns:r="http://schemas.openxmlformats.org/officeDocument/2006/relationships" xmlns:p="http://schemas.openxmlformats.org/presentationml/2006/main">
-  <p:cSld>
-    <p:spTree>
-      <p:nvGrpSpPr>
-        <p:cNvPr id="1" name=""/>
-        <p:cNvGrpSpPr/>
-        <p:nvPr/>
-      </p:nvGrpSpPr>
-      <p:grpSpPr>
-        <a:xfrm>
-          <a:off x="0" y="0"/>
-          <a:ext cx="0" cy="0"/>
-          <a:chOff x="0" y="0"/>
-          <a:chExt cx="0" cy="0"/>
-        </a:xfrm>
-      </p:grpSpPr>
-      <p:sp>
-        <p:nvSpPr>
-          <p:cNvPr id="5" name="Inhaltsplatzhalter 4"/>
-          <p:cNvSpPr>
-            <a:spLocks noGrp="1"/>
-          </p:cNvSpPr>
-          <p:nvPr>
-            <p:ph idx="1"/>
-          </p:nvPr>
-        </p:nvSpPr>
-        <p:spPr/>
-        <p:txBody>
-          <a:bodyPr>
-            <a:normAutofit/>
-          </a:bodyPr>
-          <a:lstStyle/>
-          <a:p>
-            <a:pPr marL="0" indent="0">
-              <a:buNone/>
-            </a:pPr>
-            <a:r>
-              <a:rPr lang="de-DE" dirty="0" smtClean="0">
-                <a:latin typeface="Consolas"/>
-                <a:cs typeface="Consolas"/>
-              </a:rPr>
-              <a:t>Code + </a:t>
-            </a:r>
-            <a:r>
-              <a:rPr lang="de-DE" dirty="0" err="1" smtClean="0">
-                <a:latin typeface="Consolas"/>
-                <a:cs typeface="Consolas"/>
-              </a:rPr>
-              <a:t>Scope</a:t>
-            </a:r>
-            <a:r>
-              <a:rPr lang="de-DE" dirty="0" smtClean="0">
-                <a:latin typeface="Consolas"/>
-                <a:cs typeface="Consolas"/>
-              </a:rPr>
-              <a:t> = </a:t>
-            </a:r>
-            <a:r>
-              <a:rPr lang="de-DE" dirty="0" err="1" smtClean="0">
-                <a:latin typeface="Consolas"/>
-                <a:cs typeface="Consolas"/>
-              </a:rPr>
-              <a:t>Closure</a:t>
-            </a:r>
-            <a:endParaRPr lang="de-DE" dirty="0" smtClean="0">
-              <a:latin typeface="Consolas"/>
-              <a:cs typeface="Consolas"/>
-            </a:endParaRPr>
-          </a:p>
-          <a:p>
-            <a:pPr marL="0" indent="0">
-              <a:buNone/>
-            </a:pPr>
-            <a:r>
-              <a:rPr lang="de-DE" dirty="0" smtClean="0"/>
-              <a:t>Eine </a:t>
-            </a:r>
-            <a:r>
-              <a:rPr lang="de-DE" dirty="0"/>
-              <a:t>Funktion wird stets in einem Funktionsgeltungsbereich ausgeführt. </a:t>
-            </a:r>
-          </a:p>
-          <a:p>
-            <a:pPr marL="0" indent="0">
-              <a:buNone/>
-            </a:pPr>
-            <a:r>
-              <a:rPr lang="de-DE" dirty="0"/>
-              <a:t>Der Funktionsgeltungsbereich gilt auch, wenn in einer Funktion eine weitere, innere Funktion definiert wird. </a:t>
-            </a:r>
-            <a:endParaRPr lang="de-DE" dirty="0" smtClean="0"/>
-          </a:p>
-          <a:p>
-            <a:pPr marL="0" indent="0">
-              <a:buNone/>
-            </a:pPr>
-            <a:r>
-              <a:rPr lang="de-DE" dirty="0" smtClean="0"/>
-              <a:t>Diese </a:t>
-            </a:r>
-            <a:r>
-              <a:rPr lang="de-DE" dirty="0"/>
-              <a:t>Funktion hat dann Zugriff auf die Variablen der äußeren Funktion. Ausnahmen sind hier </a:t>
-            </a:r>
-            <a:r>
-              <a:rPr lang="de-DE" dirty="0" err="1">
-                <a:latin typeface="Consolas"/>
-                <a:cs typeface="Consolas"/>
-              </a:rPr>
-              <a:t>this</a:t>
-            </a:r>
-            <a:r>
-              <a:rPr lang="de-DE" dirty="0"/>
-              <a:t> und der Bonusparameter </a:t>
-            </a:r>
-            <a:r>
-              <a:rPr lang="de-DE" dirty="0" err="1">
-                <a:latin typeface="Consolas"/>
-                <a:cs typeface="Consolas"/>
-              </a:rPr>
-              <a:t>arguments</a:t>
-            </a:r>
-            <a:r>
-              <a:rPr lang="de-DE" dirty="0"/>
-              <a:t>, da diese Parameter von jeder Funktion selbst überschrieben </a:t>
-            </a:r>
-            <a:r>
-              <a:rPr lang="de-DE" dirty="0" smtClean="0"/>
-              <a:t>werden.</a:t>
-            </a:r>
-            <a:endParaRPr lang="de-DE" dirty="0"/>
-          </a:p>
-        </p:txBody>
-      </p:sp>
-      <p:sp>
-        <p:nvSpPr>
-          <p:cNvPr id="4" name="Titel 3"/>
-          <p:cNvSpPr>
-            <a:spLocks noGrp="1"/>
-          </p:cNvSpPr>
-          <p:nvPr>
-            <p:ph type="title"/>
-          </p:nvPr>
-        </p:nvSpPr>
-        <p:spPr/>
-        <p:txBody>
-          <a:bodyPr/>
-          <a:lstStyle/>
-          <a:p>
-            <a:r>
-              <a:rPr lang="de-DE" dirty="0" err="1" smtClean="0"/>
-              <a:t>Closures</a:t>
-            </a:r>
-            <a:endParaRPr lang="de-DE" dirty="0"/>
-          </a:p>
-        </p:txBody>
-      </p:sp>
-    </p:spTree>
-    <p:extLst>
-      <p:ext uri="{BB962C8B-B14F-4D97-AF65-F5344CB8AC3E}">
-        <p14:creationId xmlns:p14="http://schemas.microsoft.com/office/powerpoint/2010/main" val="1216556351"/>
-      </p:ext>
-    </p:extLst>
-  </p:cSld>
-  <p:clrMapOvr>
-    <a:masterClrMapping/>
-  </p:clrMapOvr>
-  <p:timing>
-    <p:tnLst>
-      <p:par>
-        <p:cTn xmlns:p14="http://schemas.microsoft.com/office/powerpoint/2010/main" id="1" dur="indefinite" restart="never" nodeType="tmRoot"/>
-      </p:par>
-    </p:tnLst>
-  </p:timing>
-</p:sld>
-</file>
-
-<file path=ppt/slides/slide34.xml><?xml version="1.0" encoding="utf-8"?>
-<p:sld xmlns:a="http://schemas.openxmlformats.org/drawingml/2006/main" xmlns:r="http://schemas.openxmlformats.org/officeDocument/2006/relationships" xmlns:p="http://schemas.openxmlformats.org/presentationml/2006/main">
-  <p:cSld>
-    <p:spTree>
-      <p:nvGrpSpPr>
-        <p:cNvPr id="1" name=""/>
-        <p:cNvGrpSpPr/>
-        <p:nvPr/>
-      </p:nvGrpSpPr>
-      <p:grpSpPr>
-        <a:xfrm>
-          <a:off x="0" y="0"/>
-          <a:ext cx="0" cy="0"/>
-          <a:chOff x="0" y="0"/>
-          <a:chExt cx="0" cy="0"/>
-        </a:xfrm>
-      </p:grpSpPr>
-      <p:sp>
-        <p:nvSpPr>
           <p:cNvPr id="2" name="Inhaltsplatzhalter 1"/>
           <p:cNvSpPr>
             <a:spLocks noGrp="1"/>
@@ -9665,719 +8070,13 @@
     </p:spTree>
     <p:extLst>
       <p:ext uri="{BB962C8B-B14F-4D97-AF65-F5344CB8AC3E}">
-        <p14:creationId xmlns:p14="http://schemas.microsoft.com/office/powerpoint/2010/main" val="1306950165"/>
+        <p14:creationId xmlns:p14="http://schemas.microsoft.com/office/powerpoint/2010/main" val="1774154853"/>
       </p:ext>
     </p:extLst>
   </p:cSld>
   <p:clrMapOvr>
     <a:masterClrMapping/>
   </p:clrMapOvr>
-  <p:timing>
-    <p:tnLst>
-      <p:par>
-        <p:cTn xmlns:p14="http://schemas.microsoft.com/office/powerpoint/2010/main" id="1" dur="indefinite" restart="never" nodeType="tmRoot"/>
-      </p:par>
-    </p:tnLst>
-  </p:timing>
-</p:sld>
-</file>
-
-<file path=ppt/slides/slide35.xml><?xml version="1.0" encoding="utf-8"?>
-<p:sld xmlns:a="http://schemas.openxmlformats.org/drawingml/2006/main" xmlns:r="http://schemas.openxmlformats.org/officeDocument/2006/relationships" xmlns:p="http://schemas.openxmlformats.org/presentationml/2006/main">
-  <p:cSld>
-    <p:spTree>
-      <p:nvGrpSpPr>
-        <p:cNvPr id="1" name=""/>
-        <p:cNvGrpSpPr/>
-        <p:nvPr/>
-      </p:nvGrpSpPr>
-      <p:grpSpPr>
-        <a:xfrm>
-          <a:off x="0" y="0"/>
-          <a:ext cx="0" cy="0"/>
-          <a:chOff x="0" y="0"/>
-          <a:chExt cx="0" cy="0"/>
-        </a:xfrm>
-      </p:grpSpPr>
-      <p:sp>
-        <p:nvSpPr>
-          <p:cNvPr id="5" name="Inhaltsplatzhalter 4"/>
-          <p:cNvSpPr>
-            <a:spLocks noGrp="1"/>
-          </p:cNvSpPr>
-          <p:nvPr>
-            <p:ph idx="1"/>
-          </p:nvPr>
-        </p:nvSpPr>
-        <p:spPr/>
-        <p:txBody>
-          <a:bodyPr/>
-          <a:lstStyle/>
-          <a:p>
-            <a:r>
-              <a:rPr lang="de-DE" dirty="0" err="1"/>
-              <a:t>var</a:t>
-            </a:r>
-            <a:r>
-              <a:rPr lang="de-DE" dirty="0"/>
-              <a:t> </a:t>
-            </a:r>
-            <a:r>
-              <a:rPr lang="de-DE" dirty="0" err="1"/>
-              <a:t>MyClass</a:t>
-            </a:r>
-            <a:r>
-              <a:rPr lang="de-DE" dirty="0"/>
-              <a:t> = (</a:t>
-            </a:r>
-            <a:r>
-              <a:rPr lang="de-DE" dirty="0" err="1"/>
-              <a:t>function</a:t>
-            </a:r>
-            <a:r>
-              <a:rPr lang="de-DE" dirty="0"/>
-              <a:t>() {</a:t>
-            </a:r>
-          </a:p>
-          <a:p>
-            <a:r>
-              <a:rPr lang="de-DE" dirty="0"/>
-              <a:t>    </a:t>
-            </a:r>
-            <a:r>
-              <a:rPr lang="de-DE" dirty="0" err="1"/>
-              <a:t>var</a:t>
-            </a:r>
-            <a:r>
-              <a:rPr lang="de-DE" dirty="0"/>
-              <a:t> </a:t>
-            </a:r>
-            <a:r>
-              <a:rPr lang="de-DE" dirty="0" err="1"/>
-              <a:t>multiplier</a:t>
-            </a:r>
-            <a:r>
-              <a:rPr lang="de-DE" dirty="0"/>
-              <a:t> = 10;</a:t>
-            </a:r>
-          </a:p>
-          <a:p>
-            <a:r>
-              <a:rPr lang="de-DE" dirty="0"/>
-              <a:t>    </a:t>
-            </a:r>
-            <a:r>
-              <a:rPr lang="de-DE" dirty="0" err="1"/>
-              <a:t>function</a:t>
-            </a:r>
-            <a:r>
-              <a:rPr lang="de-DE" dirty="0"/>
-              <a:t> </a:t>
-            </a:r>
-            <a:r>
-              <a:rPr lang="de-DE" dirty="0" err="1"/>
-              <a:t>MyClass</a:t>
-            </a:r>
-            <a:r>
-              <a:rPr lang="de-DE" dirty="0"/>
-              <a:t>(</a:t>
-            </a:r>
-            <a:r>
-              <a:rPr lang="de-DE" dirty="0" err="1"/>
-              <a:t>n</a:t>
-            </a:r>
-            <a:r>
-              <a:rPr lang="de-DE" dirty="0"/>
-              <a:t>) {</a:t>
-            </a:r>
-          </a:p>
-          <a:p>
-            <a:r>
-              <a:rPr lang="de-DE" dirty="0"/>
-              <a:t>        </a:t>
-            </a:r>
-            <a:r>
-              <a:rPr lang="de-DE" dirty="0" err="1"/>
-              <a:t>this.n</a:t>
-            </a:r>
-            <a:r>
-              <a:rPr lang="de-DE" dirty="0"/>
-              <a:t> = </a:t>
-            </a:r>
-            <a:r>
-              <a:rPr lang="de-DE" dirty="0" err="1"/>
-              <a:t>n</a:t>
-            </a:r>
-            <a:r>
-              <a:rPr lang="de-DE" dirty="0"/>
-              <a:t> * </a:t>
-            </a:r>
-            <a:r>
-              <a:rPr lang="de-DE" dirty="0" err="1"/>
-              <a:t>multiplier</a:t>
-            </a:r>
-            <a:r>
-              <a:rPr lang="de-DE" dirty="0"/>
-              <a:t>;</a:t>
-            </a:r>
-          </a:p>
-          <a:p>
-            <a:r>
-              <a:rPr lang="de-DE" dirty="0"/>
-              <a:t>    }</a:t>
-            </a:r>
-          </a:p>
-          <a:p>
-            <a:r>
-              <a:rPr lang="de-DE" dirty="0"/>
-              <a:t>    </a:t>
-            </a:r>
-            <a:r>
-              <a:rPr lang="de-DE" dirty="0" err="1"/>
-              <a:t>return</a:t>
-            </a:r>
-            <a:r>
-              <a:rPr lang="de-DE" dirty="0"/>
-              <a:t> </a:t>
-            </a:r>
-            <a:r>
-              <a:rPr lang="de-DE" dirty="0" err="1"/>
-              <a:t>MyClass</a:t>
-            </a:r>
-            <a:r>
-              <a:rPr lang="de-DE" dirty="0"/>
-              <a:t>;</a:t>
-            </a:r>
-          </a:p>
-          <a:p>
-            <a:r>
-              <a:rPr lang="de-DE" dirty="0"/>
-              <a:t>})();</a:t>
-            </a:r>
-          </a:p>
-        </p:txBody>
-      </p:sp>
-      <p:sp>
-        <p:nvSpPr>
-          <p:cNvPr id="4" name="Titel 3"/>
-          <p:cNvSpPr>
-            <a:spLocks noGrp="1"/>
-          </p:cNvSpPr>
-          <p:nvPr>
-            <p:ph type="title"/>
-          </p:nvPr>
-        </p:nvSpPr>
-        <p:spPr/>
-        <p:txBody>
-          <a:bodyPr/>
-          <a:lstStyle/>
-          <a:p>
-            <a:r>
-              <a:rPr lang="de-DE" dirty="0"/>
-              <a:t>Class Pattern </a:t>
-            </a:r>
-            <a:r>
-              <a:rPr lang="de-DE" dirty="0" smtClean="0"/>
-              <a:t>– </a:t>
-            </a:r>
-            <a:r>
-              <a:rPr lang="de-DE" dirty="0" err="1" smtClean="0"/>
-              <a:t>Putting</a:t>
-            </a:r>
-            <a:r>
-              <a:rPr lang="de-DE" dirty="0" smtClean="0"/>
-              <a:t> </a:t>
-            </a:r>
-            <a:r>
-              <a:rPr lang="de-DE" dirty="0" err="1" smtClean="0"/>
-              <a:t>it</a:t>
-            </a:r>
-            <a:r>
-              <a:rPr lang="de-DE" dirty="0" smtClean="0"/>
-              <a:t> all </a:t>
-            </a:r>
-            <a:r>
-              <a:rPr lang="de-DE" dirty="0" err="1" smtClean="0"/>
-              <a:t>together</a:t>
-            </a:r>
-            <a:r>
-              <a:rPr lang="de-DE" dirty="0"/>
-              <a:t> </a:t>
-            </a:r>
-            <a:r>
-              <a:rPr lang="de-DE" dirty="0" smtClean="0"/>
-              <a:t>– IIFE &amp; </a:t>
-            </a:r>
-            <a:r>
-              <a:rPr lang="de-DE" dirty="0" err="1" smtClean="0"/>
-              <a:t>Closures</a:t>
-            </a:r>
-            <a:endParaRPr lang="de-DE" dirty="0"/>
-          </a:p>
-        </p:txBody>
-      </p:sp>
-    </p:spTree>
-    <p:extLst>
-      <p:ext uri="{BB962C8B-B14F-4D97-AF65-F5344CB8AC3E}">
-        <p14:creationId xmlns:p14="http://schemas.microsoft.com/office/powerpoint/2010/main" val="1086562262"/>
-      </p:ext>
-    </p:extLst>
-  </p:cSld>
-  <p:clrMapOvr>
-    <a:masterClrMapping/>
-  </p:clrMapOvr>
-  <p:timing>
-    <p:tnLst>
-      <p:par>
-        <p:cTn xmlns:p14="http://schemas.microsoft.com/office/powerpoint/2010/main" id="1" dur="indefinite" restart="never" nodeType="tmRoot"/>
-      </p:par>
-    </p:tnLst>
-  </p:timing>
-</p:sld>
-</file>
-
-<file path=ppt/slides/slide36.xml><?xml version="1.0" encoding="utf-8"?>
-<p:sld xmlns:a="http://schemas.openxmlformats.org/drawingml/2006/main" xmlns:r="http://schemas.openxmlformats.org/officeDocument/2006/relationships" xmlns:p="http://schemas.openxmlformats.org/presentationml/2006/main">
-  <p:cSld>
-    <p:spTree>
-      <p:nvGrpSpPr>
-        <p:cNvPr id="1" name=""/>
-        <p:cNvGrpSpPr/>
-        <p:nvPr/>
-      </p:nvGrpSpPr>
-      <p:grpSpPr>
-        <a:xfrm>
-          <a:off x="0" y="0"/>
-          <a:ext cx="0" cy="0"/>
-          <a:chOff x="0" y="0"/>
-          <a:chExt cx="0" cy="0"/>
-        </a:xfrm>
-      </p:grpSpPr>
-      <p:sp>
-        <p:nvSpPr>
-          <p:cNvPr id="2" name="Inhaltsplatzhalter 1"/>
-          <p:cNvSpPr>
-            <a:spLocks noGrp="1"/>
-          </p:cNvSpPr>
-          <p:nvPr>
-            <p:ph idx="1"/>
-          </p:nvPr>
-        </p:nvSpPr>
-        <p:spPr/>
-        <p:txBody>
-          <a:bodyPr>
-            <a:normAutofit fontScale="85000" lnSpcReduction="20000"/>
-          </a:bodyPr>
-          <a:lstStyle/>
-          <a:p>
-            <a:r>
-              <a:rPr lang="en-US" dirty="0" err="1"/>
-              <a:t>var</a:t>
-            </a:r>
-            <a:r>
-              <a:rPr lang="en-US" dirty="0"/>
-              <a:t> </a:t>
-            </a:r>
-            <a:r>
-              <a:rPr lang="en-US" dirty="0" smtClean="0"/>
-              <a:t>module = </a:t>
-            </a:r>
-            <a:r>
-              <a:rPr lang="en-US" dirty="0"/>
-              <a:t>(function () {</a:t>
-            </a:r>
-          </a:p>
-          <a:p>
-            <a:r>
-              <a:rPr lang="en-US" dirty="0"/>
-              <a:t>	</a:t>
-            </a:r>
-            <a:r>
-              <a:rPr lang="en-US" dirty="0" err="1"/>
-              <a:t>var</a:t>
-            </a:r>
-            <a:r>
-              <a:rPr lang="en-US" dirty="0"/>
-              <a:t> </a:t>
-            </a:r>
-            <a:r>
-              <a:rPr lang="en-US" dirty="0" err="1" smtClean="0"/>
-              <a:t>myModule</a:t>
-            </a:r>
-            <a:r>
-              <a:rPr lang="en-US" dirty="0" smtClean="0"/>
-              <a:t> </a:t>
-            </a:r>
-            <a:r>
-              <a:rPr lang="en-US" dirty="0"/>
-              <a:t>= {</a:t>
-            </a:r>
-            <a:r>
-              <a:rPr lang="en-US" dirty="0" smtClean="0"/>
-              <a:t>};</a:t>
-            </a:r>
-            <a:endParaRPr lang="en-US" dirty="0"/>
-          </a:p>
-          <a:p>
-            <a:r>
-              <a:rPr lang="en-US" dirty="0"/>
-              <a:t>	</a:t>
-            </a:r>
-            <a:r>
-              <a:rPr lang="en-US" dirty="0" err="1" smtClean="0"/>
-              <a:t>var</a:t>
-            </a:r>
-            <a:r>
-              <a:rPr lang="en-US" dirty="0" smtClean="0"/>
-              <a:t> </a:t>
-            </a:r>
-            <a:r>
-              <a:rPr lang="en-US" dirty="0" err="1" smtClean="0"/>
-              <a:t>privateVariable</a:t>
-            </a:r>
-            <a:r>
-              <a:rPr lang="en-US" dirty="0" smtClean="0"/>
-              <a:t> </a:t>
-            </a:r>
-            <a:r>
-              <a:rPr lang="en-US" dirty="0"/>
-              <a:t>= 1;</a:t>
-            </a:r>
-          </a:p>
-          <a:p>
-            <a:r>
-              <a:rPr lang="en-US" dirty="0"/>
-              <a:t>	function </a:t>
-            </a:r>
-            <a:r>
-              <a:rPr lang="en-US" dirty="0" err="1"/>
-              <a:t>privateMethod</a:t>
-            </a:r>
-            <a:r>
-              <a:rPr lang="en-US" dirty="0"/>
-              <a:t>() {</a:t>
-            </a:r>
-          </a:p>
-          <a:p>
-            <a:r>
-              <a:rPr lang="en-US" dirty="0"/>
-              <a:t>		// ...</a:t>
-            </a:r>
-          </a:p>
-          <a:p>
-            <a:r>
-              <a:rPr lang="en-US" dirty="0"/>
-              <a:t>	}</a:t>
-            </a:r>
-          </a:p>
-          <a:p>
-            <a:r>
-              <a:rPr lang="en-US" dirty="0"/>
-              <a:t> </a:t>
-            </a:r>
-            <a:r>
-              <a:rPr lang="en-US" dirty="0" smtClean="0"/>
-              <a:t> // export</a:t>
-            </a:r>
-            <a:br>
-              <a:rPr lang="en-US" dirty="0" smtClean="0"/>
-            </a:br>
-            <a:r>
-              <a:rPr lang="en-US" dirty="0" smtClean="0"/>
-              <a:t>  return {</a:t>
-            </a:r>
-          </a:p>
-          <a:p>
-            <a:r>
-              <a:rPr lang="en-US" dirty="0"/>
-              <a:t>	</a:t>
-            </a:r>
-            <a:r>
-              <a:rPr lang="en-US" dirty="0" smtClean="0"/>
-              <a:t>	</a:t>
-            </a:r>
-            <a:r>
-              <a:rPr lang="en-US" dirty="0" err="1" smtClean="0"/>
-              <a:t>getVar</a:t>
-            </a:r>
-            <a:r>
-              <a:rPr lang="en-US" dirty="0" smtClean="0"/>
-              <a:t> : </a:t>
-            </a:r>
-            <a:r>
-              <a:rPr lang="en-US" dirty="0"/>
-              <a:t>function () {</a:t>
-            </a:r>
-          </a:p>
-          <a:p>
-            <a:r>
-              <a:rPr lang="en-US" dirty="0"/>
-              <a:t>		</a:t>
-            </a:r>
-            <a:r>
-              <a:rPr lang="en-US" dirty="0" smtClean="0"/>
-              <a:t>	return </a:t>
-            </a:r>
-            <a:r>
-              <a:rPr lang="en-US" dirty="0" err="1"/>
-              <a:t>privateVariable</a:t>
-            </a:r>
-            <a:r>
-              <a:rPr lang="en-US" dirty="0"/>
-              <a:t>;</a:t>
-            </a:r>
-          </a:p>
-          <a:p>
-            <a:r>
-              <a:rPr lang="en-US" dirty="0"/>
-              <a:t>	</a:t>
-            </a:r>
-            <a:r>
-              <a:rPr lang="en-US" dirty="0" smtClean="0"/>
-              <a:t>	}</a:t>
-            </a:r>
-            <a:endParaRPr lang="en-US" dirty="0"/>
-          </a:p>
-          <a:p>
-            <a:r>
-              <a:rPr lang="en-US" dirty="0"/>
-              <a:t>	</a:t>
-            </a:r>
-            <a:r>
-              <a:rPr lang="en-US" dirty="0" smtClean="0"/>
-              <a:t>};</a:t>
-            </a:r>
-            <a:endParaRPr lang="en-US" dirty="0"/>
-          </a:p>
-          <a:p>
-            <a:r>
-              <a:rPr lang="en-US" dirty="0" smtClean="0"/>
-              <a:t>})();</a:t>
-            </a:r>
-            <a:endParaRPr lang="en-US" dirty="0"/>
-          </a:p>
-        </p:txBody>
-      </p:sp>
-      <p:sp>
-        <p:nvSpPr>
-          <p:cNvPr id="3" name="Titel 2"/>
-          <p:cNvSpPr>
-            <a:spLocks noGrp="1"/>
-          </p:cNvSpPr>
-          <p:nvPr>
-            <p:ph type="title"/>
-          </p:nvPr>
-        </p:nvSpPr>
-        <p:spPr/>
-        <p:txBody>
-          <a:bodyPr/>
-          <a:lstStyle/>
-          <a:p>
-            <a:r>
-              <a:rPr lang="de-DE" dirty="0" smtClean="0"/>
-              <a:t>Module – Export</a:t>
-            </a:r>
-            <a:endParaRPr lang="de-DE" dirty="0"/>
-          </a:p>
-        </p:txBody>
-      </p:sp>
-    </p:spTree>
-    <p:extLst>
-      <p:ext uri="{BB962C8B-B14F-4D97-AF65-F5344CB8AC3E}">
-        <p14:creationId xmlns:p14="http://schemas.microsoft.com/office/powerpoint/2010/main" val="2605572196"/>
-      </p:ext>
-    </p:extLst>
-  </p:cSld>
-  <p:clrMapOvr>
-    <a:masterClrMapping/>
-  </p:clrMapOvr>
-  <mc:AlternateContent xmlns:mc="http://schemas.openxmlformats.org/markup-compatibility/2006" xmlns:p14="http://schemas.microsoft.com/office/powerpoint/2010/main">
-    <mc:Choice Requires="p14">
-      <p:transition spd="slow" p14:dur="2000"/>
-    </mc:Choice>
-    <mc:Fallback xmlns="">
-      <p:transition xmlns:p14="http://schemas.microsoft.com/office/powerpoint/2010/main" spd="slow"/>
-    </mc:Fallback>
-  </mc:AlternateContent>
-  <p:timing>
-    <p:tnLst>
-      <p:par>
-        <p:cTn xmlns:p14="http://schemas.microsoft.com/office/powerpoint/2010/main" id="1" dur="indefinite" restart="never" nodeType="tmRoot"/>
-      </p:par>
-    </p:tnLst>
-  </p:timing>
-</p:sld>
-</file>
-
-<file path=ppt/slides/slide37.xml><?xml version="1.0" encoding="utf-8"?>
-<p:sld xmlns:a="http://schemas.openxmlformats.org/drawingml/2006/main" xmlns:r="http://schemas.openxmlformats.org/officeDocument/2006/relationships" xmlns:p="http://schemas.openxmlformats.org/presentationml/2006/main">
-  <p:cSld>
-    <p:spTree>
-      <p:nvGrpSpPr>
-        <p:cNvPr id="1" name=""/>
-        <p:cNvGrpSpPr/>
-        <p:nvPr/>
-      </p:nvGrpSpPr>
-      <p:grpSpPr>
-        <a:xfrm>
-          <a:off x="0" y="0"/>
-          <a:ext cx="0" cy="0"/>
-          <a:chOff x="0" y="0"/>
-          <a:chExt cx="0" cy="0"/>
-        </a:xfrm>
-      </p:grpSpPr>
-      <p:sp>
-        <p:nvSpPr>
-          <p:cNvPr id="2" name="Inhaltsplatzhalter 1"/>
-          <p:cNvSpPr>
-            <a:spLocks noGrp="1"/>
-          </p:cNvSpPr>
-          <p:nvPr>
-            <p:ph idx="1"/>
-          </p:nvPr>
-        </p:nvSpPr>
-        <p:spPr/>
-        <p:txBody>
-          <a:bodyPr>
-            <a:normAutofit/>
-          </a:bodyPr>
-          <a:lstStyle/>
-          <a:p>
-            <a:r>
-              <a:rPr lang="en-US" dirty="0"/>
-              <a:t>(function ($, </a:t>
-            </a:r>
-            <a:r>
-              <a:rPr lang="en-US" dirty="0" err="1" smtClean="0"/>
-              <a:t>addressService</a:t>
-            </a:r>
-            <a:r>
-              <a:rPr lang="en-US" dirty="0" smtClean="0"/>
-              <a:t>) </a:t>
-            </a:r>
-            <a:r>
-              <a:rPr lang="en-US" dirty="0"/>
-              <a:t>{</a:t>
-            </a:r>
-          </a:p>
-          <a:p>
-            <a:r>
-              <a:rPr lang="en-US" dirty="0"/>
-              <a:t>	// now have access to </a:t>
-            </a:r>
-            <a:r>
-              <a:rPr lang="en-US" dirty="0" err="1" smtClean="0"/>
-              <a:t>jQuery</a:t>
-            </a:r>
-            <a:r>
-              <a:rPr lang="en-US" dirty="0" smtClean="0"/>
-              <a:t> </a:t>
-            </a:r>
-            <a:r>
-              <a:rPr lang="en-US" dirty="0"/>
-              <a:t>(as $) and </a:t>
-            </a:r>
-            <a:r>
-              <a:rPr lang="en-US" dirty="0" smtClean="0"/>
-              <a:t/>
-            </a:r>
-            <a:br>
-              <a:rPr lang="en-US" dirty="0" smtClean="0"/>
-            </a:br>
-            <a:r>
-              <a:rPr lang="en-US" dirty="0" smtClean="0"/>
-              <a:t>	// </a:t>
-            </a:r>
-            <a:r>
-              <a:rPr lang="en-US" dirty="0" err="1" smtClean="0"/>
-              <a:t>myModule</a:t>
-            </a:r>
-            <a:r>
-              <a:rPr lang="en-US" dirty="0" smtClean="0"/>
-              <a:t> as </a:t>
-            </a:r>
-            <a:r>
-              <a:rPr lang="en-US" dirty="0" err="1" smtClean="0"/>
-              <a:t>addressService</a:t>
-            </a:r>
-            <a:r>
-              <a:rPr lang="en-US" dirty="0" smtClean="0"/>
-              <a:t> in </a:t>
-            </a:r>
-            <a:r>
-              <a:rPr lang="en-US" dirty="0"/>
-              <a:t>this code</a:t>
-            </a:r>
-          </a:p>
-          <a:p>
-            <a:r>
-              <a:rPr lang="en-US" dirty="0"/>
-              <a:t>}(</a:t>
-            </a:r>
-            <a:r>
-              <a:rPr lang="en-US" dirty="0" err="1"/>
-              <a:t>jQuery</a:t>
-            </a:r>
-            <a:r>
-              <a:rPr lang="en-US" dirty="0"/>
-              <a:t>, </a:t>
-            </a:r>
-            <a:r>
-              <a:rPr lang="en-US" dirty="0" err="1" smtClean="0"/>
-              <a:t>myModule</a:t>
-            </a:r>
-            <a:r>
-              <a:rPr lang="en-US" dirty="0" smtClean="0"/>
-              <a:t>)</a:t>
-            </a:r>
-            <a:r>
-              <a:rPr lang="en-US" dirty="0"/>
-              <a:t>)</a:t>
-            </a:r>
-          </a:p>
-        </p:txBody>
-      </p:sp>
-      <p:sp>
-        <p:nvSpPr>
-          <p:cNvPr id="3" name="Titel 2"/>
-          <p:cNvSpPr>
-            <a:spLocks noGrp="1"/>
-          </p:cNvSpPr>
-          <p:nvPr>
-            <p:ph type="title"/>
-          </p:nvPr>
-        </p:nvSpPr>
-        <p:spPr/>
-        <p:txBody>
-          <a:bodyPr/>
-          <a:lstStyle/>
-          <a:p>
-            <a:r>
-              <a:rPr lang="de-DE" dirty="0" smtClean="0"/>
-              <a:t>Module – Import</a:t>
-            </a:r>
-            <a:endParaRPr lang="de-DE" dirty="0"/>
-          </a:p>
-        </p:txBody>
-      </p:sp>
-    </p:spTree>
-    <p:extLst>
-      <p:ext uri="{BB962C8B-B14F-4D97-AF65-F5344CB8AC3E}">
-        <p14:creationId xmlns:p14="http://schemas.microsoft.com/office/powerpoint/2010/main" val="692524135"/>
-      </p:ext>
-    </p:extLst>
-  </p:cSld>
-  <p:clrMapOvr>
-    <a:masterClrMapping/>
-  </p:clrMapOvr>
-  <mc:AlternateContent xmlns:mc="http://schemas.openxmlformats.org/markup-compatibility/2006" xmlns:p14="http://schemas.microsoft.com/office/powerpoint/2010/main">
-    <mc:Choice Requires="p14">
-      <p:transition spd="slow" p14:dur="2000"/>
-    </mc:Choice>
-    <mc:Fallback xmlns="">
-      <p:transition xmlns:p14="http://schemas.microsoft.com/office/powerpoint/2010/main" spd="slow"/>
-    </mc:Fallback>
-  </mc:AlternateContent>
   <p:timing>
     <p:tnLst>
       <p:par>

--- a/coding-sessions/code_talks.pptx
+++ b/coding-sessions/code_talks.pptx
@@ -5,10 +5,10 @@
     <p:sldMasterId id="2147483648" r:id="rId4"/>
   </p:sldMasterIdLst>
   <p:notesMasterIdLst>
-    <p:notesMasterId r:id="rId36"/>
+    <p:notesMasterId r:id="rId38"/>
   </p:notesMasterIdLst>
   <p:handoutMasterIdLst>
-    <p:handoutMasterId r:id="rId37"/>
+    <p:handoutMasterId r:id="rId39"/>
   </p:handoutMasterIdLst>
   <p:sldIdLst>
     <p:sldId id="256" r:id="rId5"/>
@@ -28,20 +28,22 @@
     <p:sldId id="495" r:id="rId19"/>
     <p:sldId id="496" r:id="rId20"/>
     <p:sldId id="470" r:id="rId21"/>
-    <p:sldId id="476" r:id="rId22"/>
-    <p:sldId id="471" r:id="rId23"/>
-    <p:sldId id="472" r:id="rId24"/>
-    <p:sldId id="478" r:id="rId25"/>
-    <p:sldId id="479" r:id="rId26"/>
-    <p:sldId id="480" r:id="rId27"/>
-    <p:sldId id="481" r:id="rId28"/>
-    <p:sldId id="482" r:id="rId29"/>
-    <p:sldId id="497" r:id="rId30"/>
-    <p:sldId id="490" r:id="rId31"/>
-    <p:sldId id="500" r:id="rId32"/>
-    <p:sldId id="501" r:id="rId33"/>
-    <p:sldId id="498" r:id="rId34"/>
-    <p:sldId id="499" r:id="rId35"/>
+    <p:sldId id="503" r:id="rId22"/>
+    <p:sldId id="476" r:id="rId23"/>
+    <p:sldId id="471" r:id="rId24"/>
+    <p:sldId id="472" r:id="rId25"/>
+    <p:sldId id="478" r:id="rId26"/>
+    <p:sldId id="479" r:id="rId27"/>
+    <p:sldId id="480" r:id="rId28"/>
+    <p:sldId id="481" r:id="rId29"/>
+    <p:sldId id="482" r:id="rId30"/>
+    <p:sldId id="497" r:id="rId31"/>
+    <p:sldId id="490" r:id="rId32"/>
+    <p:sldId id="500" r:id="rId33"/>
+    <p:sldId id="502" r:id="rId34"/>
+    <p:sldId id="501" r:id="rId35"/>
+    <p:sldId id="498" r:id="rId36"/>
+    <p:sldId id="499" r:id="rId37"/>
   </p:sldIdLst>
   <p:sldSz cx="9144000" cy="6858000" type="screen4x3"/>
   <p:notesSz cx="7102475" cy="10234613"/>
@@ -916,6 +918,201 @@
     <p:extLst>
       <p:ext uri="{BB962C8B-B14F-4D97-AF65-F5344CB8AC3E}">
         <p14:creationId xmlns:p14="http://schemas.microsoft.com/office/powerpoint/2010/main" val="118203740"/>
+      </p:ext>
+    </p:extLst>
+  </p:cSld>
+  <p:clrMapOvr>
+    <a:masterClrMapping/>
+  </p:clrMapOvr>
+</p:notes>
+</file>
+
+<file path=ppt/notesSlides/notesSlide4.xml><?xml version="1.0" encoding="utf-8"?>
+<p:notes xmlns:a="http://schemas.openxmlformats.org/drawingml/2006/main" xmlns:r="http://schemas.openxmlformats.org/officeDocument/2006/relationships" xmlns:p="http://schemas.openxmlformats.org/presentationml/2006/main">
+  <p:cSld>
+    <p:spTree>
+      <p:nvGrpSpPr>
+        <p:cNvPr id="1" name=""/>
+        <p:cNvGrpSpPr/>
+        <p:nvPr/>
+      </p:nvGrpSpPr>
+      <p:grpSpPr>
+        <a:xfrm>
+          <a:off x="0" y="0"/>
+          <a:ext cx="0" cy="0"/>
+          <a:chOff x="0" y="0"/>
+          <a:chExt cx="0" cy="0"/>
+        </a:xfrm>
+      </p:grpSpPr>
+      <p:sp>
+        <p:nvSpPr>
+          <p:cNvPr id="2" name="Folienbildplatzhalter 1"/>
+          <p:cNvSpPr>
+            <a:spLocks noGrp="1" noRot="1" noChangeAspect="1"/>
+          </p:cNvSpPr>
+          <p:nvPr>
+            <p:ph type="sldImg"/>
+          </p:nvPr>
+        </p:nvSpPr>
+        <p:spPr/>
+      </p:sp>
+      <p:sp>
+        <p:nvSpPr>
+          <p:cNvPr id="3" name="Notizenplatzhalter 2"/>
+          <p:cNvSpPr>
+            <a:spLocks noGrp="1"/>
+          </p:cNvSpPr>
+          <p:nvPr>
+            <p:ph type="body" idx="1"/>
+          </p:nvPr>
+        </p:nvSpPr>
+        <p:spPr/>
+        <p:txBody>
+          <a:bodyPr/>
+          <a:lstStyle/>
+          <a:p>
+            <a:endParaRPr lang="de-DE" dirty="0"/>
+          </a:p>
+        </p:txBody>
+      </p:sp>
+      <p:sp>
+        <p:nvSpPr>
+          <p:cNvPr id="4" name="Foliennummernplatzhalter 3"/>
+          <p:cNvSpPr>
+            <a:spLocks noGrp="1"/>
+          </p:cNvSpPr>
+          <p:nvPr>
+            <p:ph type="sldNum" sz="quarter" idx="10"/>
+          </p:nvPr>
+        </p:nvSpPr>
+        <p:spPr/>
+        <p:txBody>
+          <a:bodyPr/>
+          <a:lstStyle/>
+          <a:p>
+            <a:fld id="{96B3538B-D81F-476E-A31A-F9ABC7F48F1A}" type="slidenum">
+              <a:rPr lang="de-DE" smtClean="0"/>
+              <a:pPr/>
+              <a:t>18</a:t>
+            </a:fld>
+            <a:endParaRPr lang="de-DE"/>
+          </a:p>
+        </p:txBody>
+      </p:sp>
+    </p:spTree>
+    <p:extLst>
+      <p:ext uri="{BB962C8B-B14F-4D97-AF65-F5344CB8AC3E}">
+        <p14:creationId xmlns:p14="http://schemas.microsoft.com/office/powerpoint/2010/main" val="118203740"/>
+      </p:ext>
+    </p:extLst>
+  </p:cSld>
+  <p:clrMapOvr>
+    <a:masterClrMapping/>
+  </p:clrMapOvr>
+</p:notes>
+</file>
+
+<file path=ppt/notesSlides/notesSlide5.xml><?xml version="1.0" encoding="utf-8"?>
+<p:notes xmlns:a="http://schemas.openxmlformats.org/drawingml/2006/main" xmlns:r="http://schemas.openxmlformats.org/officeDocument/2006/relationships" xmlns:p="http://schemas.openxmlformats.org/presentationml/2006/main">
+  <p:cSld>
+    <p:spTree>
+      <p:nvGrpSpPr>
+        <p:cNvPr id="1" name=""/>
+        <p:cNvGrpSpPr/>
+        <p:nvPr/>
+      </p:nvGrpSpPr>
+      <p:grpSpPr>
+        <a:xfrm>
+          <a:off x="0" y="0"/>
+          <a:ext cx="0" cy="0"/>
+          <a:chOff x="0" y="0"/>
+          <a:chExt cx="0" cy="0"/>
+        </a:xfrm>
+      </p:grpSpPr>
+      <p:sp>
+        <p:nvSpPr>
+          <p:cNvPr id="2" name="Folienbildplatzhalter 1"/>
+          <p:cNvSpPr>
+            <a:spLocks noGrp="1" noRot="1" noChangeAspect="1"/>
+          </p:cNvSpPr>
+          <p:nvPr>
+            <p:ph type="sldImg"/>
+          </p:nvPr>
+        </p:nvSpPr>
+        <p:spPr/>
+      </p:sp>
+      <p:sp>
+        <p:nvSpPr>
+          <p:cNvPr id="3" name="Notizenplatzhalter 2"/>
+          <p:cNvSpPr>
+            <a:spLocks noGrp="1"/>
+          </p:cNvSpPr>
+          <p:nvPr>
+            <p:ph type="body" idx="1"/>
+          </p:nvPr>
+        </p:nvSpPr>
+        <p:spPr/>
+        <p:txBody>
+          <a:bodyPr/>
+          <a:lstStyle/>
+          <a:p>
+            <a:r>
+              <a:rPr lang="de-DE" dirty="0" err="1" smtClean="0"/>
+              <a:t>CommonLisp</a:t>
+            </a:r>
+            <a:endParaRPr lang="de-DE" dirty="0" smtClean="0"/>
+          </a:p>
+          <a:p>
+            <a:r>
+              <a:rPr lang="de-DE" dirty="0" smtClean="0"/>
+              <a:t>kein E/A</a:t>
+            </a:r>
+          </a:p>
+          <a:p>
+            <a:r>
+              <a:rPr lang="de-DE" dirty="0" smtClean="0"/>
+              <a:t>-&gt;</a:t>
+            </a:r>
+            <a:r>
+              <a:rPr lang="de-DE" baseline="0" dirty="0" smtClean="0"/>
+              <a:t> </a:t>
+            </a:r>
+            <a:r>
+              <a:rPr lang="de-DE" baseline="0" dirty="0" err="1" smtClean="0"/>
+              <a:t>CommonJS</a:t>
+            </a:r>
+            <a:endParaRPr lang="de-DE" dirty="0"/>
+          </a:p>
+        </p:txBody>
+      </p:sp>
+      <p:sp>
+        <p:nvSpPr>
+          <p:cNvPr id="4" name="Foliennummernplatzhalter 3"/>
+          <p:cNvSpPr>
+            <a:spLocks noGrp="1"/>
+          </p:cNvSpPr>
+          <p:nvPr>
+            <p:ph type="sldNum" sz="quarter" idx="10"/>
+          </p:nvPr>
+        </p:nvSpPr>
+        <p:spPr/>
+        <p:txBody>
+          <a:bodyPr/>
+          <a:lstStyle/>
+          <a:p>
+            <a:fld id="{96B3538B-D81F-476E-A31A-F9ABC7F48F1A}" type="slidenum">
+              <a:rPr lang="de-DE" smtClean="0"/>
+              <a:pPr/>
+              <a:t>30</a:t>
+            </a:fld>
+            <a:endParaRPr lang="de-DE"/>
+          </a:p>
+        </p:txBody>
+      </p:sp>
+    </p:spTree>
+    <p:extLst>
+      <p:ext uri="{BB962C8B-B14F-4D97-AF65-F5344CB8AC3E}">
+        <p14:creationId xmlns:p14="http://schemas.microsoft.com/office/powerpoint/2010/main" val="4292916527"/>
       </p:ext>
     </p:extLst>
   </p:cSld>
@@ -3815,7 +4012,7 @@
       </p:grpSpPr>
       <p:sp>
         <p:nvSpPr>
-          <p:cNvPr id="5" name="Inhaltsplatzhalter 4"/>
+          <p:cNvPr id="2" name="Inhaltsplatzhalter 1"/>
           <p:cNvSpPr>
             <a:spLocks noGrp="1"/>
           </p:cNvSpPr>
@@ -3828,25 +4025,55 @@
           <a:bodyPr/>
           <a:lstStyle/>
           <a:p>
-            <a:pPr marL="0" indent="0">
-              <a:buNone/>
-            </a:pPr>
-            <a:r>
-              <a:rPr lang="de-DE" dirty="0" smtClean="0"/>
-              <a:t>Funktionen in JS sind wichtiger als Objekte.</a:t>
-            </a:r>
-          </a:p>
-          <a:p>
-            <a:pPr marL="0" indent="0">
-              <a:buNone/>
-            </a:pPr>
+            <a:r>
+              <a:rPr lang="de-DE" dirty="0" smtClean="0"/>
+              <a:t>Methoden wie </a:t>
+            </a:r>
+            <a:r>
+              <a:rPr lang="de-DE" dirty="0" err="1" smtClean="0"/>
+              <a:t>forEach</a:t>
+            </a:r>
+            <a:endParaRPr lang="de-DE" dirty="0" smtClean="0"/>
+          </a:p>
+          <a:p>
+            <a:r>
+              <a:rPr lang="de-DE" dirty="0" smtClean="0"/>
+              <a:t>aber auch </a:t>
+            </a:r>
+            <a:r>
+              <a:rPr lang="de-DE" dirty="0" err="1" smtClean="0"/>
+              <a:t>filter</a:t>
+            </a:r>
+            <a:r>
+              <a:rPr lang="de-DE" dirty="0" smtClean="0"/>
+              <a:t>, </a:t>
+            </a:r>
+            <a:r>
+              <a:rPr lang="de-DE" dirty="0" err="1" smtClean="0"/>
+              <a:t>map</a:t>
+            </a:r>
+            <a:r>
+              <a:rPr lang="de-DE" dirty="0" smtClean="0"/>
+              <a:t> &amp; </a:t>
+            </a:r>
+            <a:r>
+              <a:rPr lang="de-DE" dirty="0" err="1" smtClean="0"/>
+              <a:t>reduce</a:t>
+            </a:r>
+            <a:r>
+              <a:rPr lang="de-DE" dirty="0" smtClean="0"/>
+              <a:t>.</a:t>
+            </a:r>
+            <a:endParaRPr lang="de-DE" dirty="0" smtClean="0"/>
+          </a:p>
+          <a:p>
             <a:endParaRPr lang="de-DE" dirty="0"/>
           </a:p>
         </p:txBody>
       </p:sp>
       <p:sp>
         <p:nvSpPr>
-          <p:cNvPr id="4" name="Titel 3"/>
+          <p:cNvPr id="3" name="Titel 2"/>
           <p:cNvSpPr>
             <a:spLocks noGrp="1"/>
           </p:cNvSpPr>
@@ -3861,7 +4088,11 @@
           <a:p>
             <a:r>
               <a:rPr lang="de-DE" dirty="0" smtClean="0"/>
-              <a:t>Funktionen</a:t>
+              <a:t>Arrays - </a:t>
+            </a:r>
+            <a:r>
+              <a:rPr lang="de-DE" dirty="0" err="1" smtClean="0"/>
+              <a:t>forEach</a:t>
             </a:r>
             <a:endParaRPr lang="de-DE" dirty="0"/>
           </a:p>
@@ -3870,21 +4101,13 @@
     </p:spTree>
     <p:extLst>
       <p:ext uri="{BB962C8B-B14F-4D97-AF65-F5344CB8AC3E}">
-        <p14:creationId xmlns:p14="http://schemas.microsoft.com/office/powerpoint/2010/main" val="2296971626"/>
+        <p14:creationId xmlns:p14="http://schemas.microsoft.com/office/powerpoint/2010/main" val="3751174090"/>
       </p:ext>
     </p:extLst>
   </p:cSld>
   <p:clrMapOvr>
     <a:masterClrMapping/>
   </p:clrMapOvr>
-  <mc:AlternateContent xmlns:mc="http://schemas.openxmlformats.org/markup-compatibility/2006" xmlns:p14="http://schemas.microsoft.com/office/powerpoint/2010/main">
-    <mc:Choice Requires="p14">
-      <p:transition spd="slow" p14:dur="2000"/>
-    </mc:Choice>
-    <mc:Fallback xmlns="">
-      <p:transition xmlns:p14="http://schemas.microsoft.com/office/powerpoint/2010/main" spd="slow"/>
-    </mc:Fallback>
-  </mc:AlternateContent>
   <p:timing>
     <p:tnLst>
       <p:par>
@@ -3914,7 +4137,7 @@
       </p:grpSpPr>
       <p:sp>
         <p:nvSpPr>
-          <p:cNvPr id="4" name="Inhaltsplatzhalter 3"/>
+          <p:cNvPr id="5" name="Inhaltsplatzhalter 4"/>
           <p:cNvSpPr>
             <a:spLocks noGrp="1"/>
           </p:cNvSpPr>
@@ -3927,75 +4150,25 @@
           <a:bodyPr/>
           <a:lstStyle/>
           <a:p>
-            <a:r>
-              <a:rPr lang="fr-FR" dirty="0" err="1"/>
-              <a:t>function</a:t>
-            </a:r>
-            <a:r>
-              <a:rPr lang="fr-FR" dirty="0"/>
-              <a:t> plus(x, y) {</a:t>
-            </a:r>
+            <a:pPr marL="0" indent="0">
+              <a:buNone/>
+            </a:pPr>
+            <a:r>
+              <a:rPr lang="de-DE" dirty="0" smtClean="0"/>
+              <a:t>Funktionen in JS sind wichtiger als Objekte.</a:t>
+            </a:r>
+          </a:p>
+          <a:p>
+            <a:pPr marL="0" indent="0">
+              <a:buNone/>
+            </a:pPr>
             <a:endParaRPr lang="de-DE" dirty="0"/>
           </a:p>
-          <a:p>
-            <a:r>
-              <a:rPr lang="fr-FR" dirty="0"/>
-              <a:t>	return x + y; </a:t>
-            </a:r>
-            <a:r>
-              <a:rPr lang="fr-FR" dirty="0" smtClean="0"/>
-              <a:t>// </a:t>
-            </a:r>
-            <a:r>
-              <a:rPr lang="fr-FR" dirty="0" err="1" smtClean="0"/>
-              <a:t>ansonsten</a:t>
-            </a:r>
-            <a:r>
-              <a:rPr lang="fr-FR" dirty="0" smtClean="0"/>
-              <a:t> undefined</a:t>
-            </a:r>
-            <a:endParaRPr lang="de-DE" dirty="0"/>
-          </a:p>
-          <a:p>
-            <a:r>
-              <a:rPr lang="de-DE" dirty="0"/>
-              <a:t>}</a:t>
-            </a:r>
-          </a:p>
-          <a:p>
-            <a:r>
-              <a:rPr lang="de-DE" dirty="0"/>
-              <a:t> </a:t>
-            </a:r>
-          </a:p>
-          <a:p>
-            <a:r>
-              <a:rPr lang="de-DE" dirty="0" smtClean="0"/>
-              <a:t>plus</a:t>
-            </a:r>
-            <a:r>
-              <a:rPr lang="de-DE" dirty="0"/>
-              <a:t>(1,2</a:t>
-            </a:r>
-            <a:r>
-              <a:rPr lang="de-DE" dirty="0" smtClean="0"/>
-              <a:t>); </a:t>
-            </a:r>
-            <a:r>
-              <a:rPr lang="de-DE" dirty="0"/>
-              <a:t>/</a:t>
-            </a:r>
-            <a:r>
-              <a:rPr lang="de-DE" dirty="0" smtClean="0"/>
-              <a:t>/ 3 </a:t>
-            </a:r>
-            <a:endParaRPr lang="de-DE" dirty="0"/>
-          </a:p>
         </p:txBody>
       </p:sp>
       <p:sp>
         <p:nvSpPr>
-          <p:cNvPr id="3" name="Titel 2"/>
+          <p:cNvPr id="4" name="Titel 3"/>
           <p:cNvSpPr>
             <a:spLocks noGrp="1"/>
           </p:cNvSpPr>
@@ -4009,8 +4182,8 @@
           <a:lstStyle/>
           <a:p>
             <a:r>
-              <a:rPr lang="de-DE" dirty="0" err="1" smtClean="0"/>
-              <a:t>Funktionsliteral</a:t>
+              <a:rPr lang="de-DE" dirty="0" smtClean="0"/>
+              <a:t>Funktionen</a:t>
             </a:r>
             <a:endParaRPr lang="de-DE" dirty="0"/>
           </a:p>
@@ -4019,13 +4192,21 @@
     </p:spTree>
     <p:extLst>
       <p:ext uri="{BB962C8B-B14F-4D97-AF65-F5344CB8AC3E}">
-        <p14:creationId xmlns:p14="http://schemas.microsoft.com/office/powerpoint/2010/main" val="3812871333"/>
+        <p14:creationId xmlns:p14="http://schemas.microsoft.com/office/powerpoint/2010/main" val="2296971626"/>
       </p:ext>
     </p:extLst>
   </p:cSld>
   <p:clrMapOvr>
     <a:masterClrMapping/>
   </p:clrMapOvr>
+  <mc:AlternateContent xmlns:mc="http://schemas.openxmlformats.org/markup-compatibility/2006" xmlns:p14="http://schemas.microsoft.com/office/powerpoint/2010/main">
+    <mc:Choice Requires="p14">
+      <p:transition spd="slow" p14:dur="2000"/>
+    </mc:Choice>
+    <mc:Fallback xmlns="">
+      <p:transition xmlns:p14="http://schemas.microsoft.com/office/powerpoint/2010/main" spd="slow"/>
+    </mc:Fallback>
+  </mc:AlternateContent>
   <p:timing>
     <p:tnLst>
       <p:par>
@@ -4683,7 +4864,7 @@
       </p:grpSpPr>
       <p:sp>
         <p:nvSpPr>
-          <p:cNvPr id="5" name="Inhaltsplatzhalter 4"/>
+          <p:cNvPr id="4" name="Inhaltsplatzhalter 3"/>
           <p:cNvSpPr>
             <a:spLocks noGrp="1"/>
           </p:cNvSpPr>
@@ -4697,48 +4878,74 @@
           <a:lstStyle/>
           <a:p>
             <a:r>
-              <a:rPr lang="de-DE" dirty="0" smtClean="0"/>
-              <a:t>Slots – alles wird in JS über einen Namen oder eine Referenz adressiert</a:t>
-            </a:r>
-          </a:p>
-          <a:p>
-            <a:r>
-              <a:rPr lang="de-DE" dirty="0" smtClean="0"/>
-              <a:t>Deshalb:</a:t>
-            </a:r>
-          </a:p>
-          <a:p>
-            <a:r>
-              <a:rPr lang="de-DE" dirty="0" smtClean="0"/>
-              <a:t>Funktionen lassen sich nicht anhand der Parameter überladen.</a:t>
-            </a:r>
-          </a:p>
-          <a:p>
-            <a:r>
-              <a:rPr lang="de-DE" dirty="0" smtClean="0"/>
-              <a:t>Nicht übergebene Parameter sind „undefined“.</a:t>
-            </a:r>
-          </a:p>
-          <a:p>
-            <a:r>
-              <a:rPr lang="de-DE" dirty="0" smtClean="0"/>
-              <a:t>Zuviel übergebene Parameter stehen im Bonusparameter „</a:t>
-            </a:r>
-            <a:r>
-              <a:rPr lang="de-DE" dirty="0" err="1" smtClean="0"/>
-              <a:t>arguments</a:t>
-            </a:r>
-            <a:r>
-              <a:rPr lang="de-DE" dirty="0" smtClean="0"/>
-              <a:t>“ zur Verfügung.</a:t>
+              <a:rPr lang="fr-FR" dirty="0" err="1"/>
+              <a:t>function</a:t>
+            </a:r>
+            <a:r>
+              <a:rPr lang="fr-FR" dirty="0"/>
+              <a:t> plus(x, y) {</a:t>
             </a:r>
             <a:endParaRPr lang="de-DE" dirty="0"/>
           </a:p>
+          <a:p>
+            <a:r>
+              <a:rPr lang="fr-FR" dirty="0"/>
+              <a:t>	return x + y; </a:t>
+            </a:r>
+            <a:r>
+              <a:rPr lang="fr-FR" dirty="0" smtClean="0"/>
+              <a:t>// </a:t>
+            </a:r>
+            <a:r>
+              <a:rPr lang="fr-FR" dirty="0" err="1" smtClean="0"/>
+              <a:t>ansonsten</a:t>
+            </a:r>
+            <a:r>
+              <a:rPr lang="fr-FR" dirty="0" smtClean="0"/>
+              <a:t> undefined</a:t>
+            </a:r>
+            <a:endParaRPr lang="de-DE" dirty="0"/>
+          </a:p>
+          <a:p>
+            <a:r>
+              <a:rPr lang="de-DE" dirty="0"/>
+              <a:t>}</a:t>
+            </a:r>
+          </a:p>
+          <a:p>
+            <a:r>
+              <a:rPr lang="de-DE" dirty="0"/>
+              <a:t> </a:t>
+            </a:r>
+          </a:p>
+          <a:p>
+            <a:r>
+              <a:rPr lang="de-DE" dirty="0" smtClean="0"/>
+              <a:t>plus</a:t>
+            </a:r>
+            <a:r>
+              <a:rPr lang="de-DE" dirty="0"/>
+              <a:t>(1,2</a:t>
+            </a:r>
+            <a:r>
+              <a:rPr lang="de-DE" dirty="0" smtClean="0"/>
+              <a:t>); </a:t>
+            </a:r>
+            <a:r>
+              <a:rPr lang="de-DE" dirty="0"/>
+              <a:t>/</a:t>
+            </a:r>
+            <a:r>
+              <a:rPr lang="de-DE" dirty="0" smtClean="0"/>
+              <a:t>/ 3 </a:t>
+            </a:r>
+            <a:endParaRPr lang="de-DE" dirty="0"/>
+          </a:p>
         </p:txBody>
       </p:sp>
       <p:sp>
         <p:nvSpPr>
-          <p:cNvPr id="4" name="Titel 3"/>
+          <p:cNvPr id="3" name="Titel 2"/>
           <p:cNvSpPr>
             <a:spLocks noGrp="1"/>
           </p:cNvSpPr>
@@ -4752,8 +4959,8 @@
           <a:lstStyle/>
           <a:p>
             <a:r>
-              <a:rPr lang="de-DE" dirty="0" smtClean="0"/>
-              <a:t>Parameter</a:t>
+              <a:rPr lang="de-DE" dirty="0" err="1" smtClean="0"/>
+              <a:t>Funktionsliteral</a:t>
             </a:r>
             <a:endParaRPr lang="de-DE" dirty="0"/>
           </a:p>
@@ -4762,7 +4969,7 @@
     </p:spTree>
     <p:extLst>
       <p:ext uri="{BB962C8B-B14F-4D97-AF65-F5344CB8AC3E}">
-        <p14:creationId xmlns:p14="http://schemas.microsoft.com/office/powerpoint/2010/main" val="1191960987"/>
+        <p14:creationId xmlns:p14="http://schemas.microsoft.com/office/powerpoint/2010/main" val="3812871333"/>
       </p:ext>
     </p:extLst>
   </p:cSld>
@@ -4812,63 +5019,41 @@
           <a:lstStyle/>
           <a:p>
             <a:r>
-              <a:rPr lang="de-DE" dirty="0" err="1"/>
-              <a:t>function</a:t>
-            </a:r>
-            <a:r>
-              <a:rPr lang="de-DE" dirty="0"/>
-              <a:t> </a:t>
-            </a:r>
-            <a:r>
-              <a:rPr lang="de-DE" dirty="0" err="1"/>
-              <a:t>MyClass</a:t>
-            </a:r>
-            <a:r>
-              <a:rPr lang="de-DE" dirty="0"/>
-              <a:t>() {}</a:t>
-            </a:r>
-          </a:p>
-          <a:p>
-            <a:endParaRPr lang="de-DE" dirty="0"/>
-          </a:p>
-          <a:p>
-            <a:r>
-              <a:rPr lang="de-DE" dirty="0" err="1"/>
-              <a:t>var</a:t>
-            </a:r>
-            <a:r>
-              <a:rPr lang="de-DE" dirty="0"/>
-              <a:t> </a:t>
-            </a:r>
-            <a:r>
-              <a:rPr lang="de-DE" dirty="0" err="1"/>
-              <a:t>instance</a:t>
-            </a:r>
-            <a:r>
-              <a:rPr lang="de-DE" dirty="0"/>
-              <a:t> = </a:t>
-            </a:r>
-            <a:r>
-              <a:rPr lang="de-DE" dirty="0" err="1"/>
-              <a:t>new</a:t>
-            </a:r>
-            <a:r>
-              <a:rPr lang="de-DE" dirty="0"/>
-              <a:t> </a:t>
-            </a:r>
-            <a:r>
-              <a:rPr lang="de-DE" dirty="0" err="1"/>
-              <a:t>MyClass</a:t>
-            </a:r>
-            <a:r>
-              <a:rPr lang="de-DE" dirty="0"/>
-              <a:t>();</a:t>
-            </a:r>
-          </a:p>
-          <a:p>
-            <a:endParaRPr lang="de-DE" dirty="0"/>
-          </a:p>
-          <a:p>
+              <a:rPr lang="de-DE" dirty="0" smtClean="0"/>
+              <a:t>Slots – alles wird in JS über einen Namen oder eine Referenz adressiert</a:t>
+            </a:r>
+          </a:p>
+          <a:p>
+            <a:r>
+              <a:rPr lang="de-DE" dirty="0" smtClean="0"/>
+              <a:t>Deshalb:</a:t>
+            </a:r>
+          </a:p>
+          <a:p>
+            <a:r>
+              <a:rPr lang="de-DE" dirty="0" smtClean="0"/>
+              <a:t>Funktionen lassen sich nicht anhand der Parameter überladen.</a:t>
+            </a:r>
+          </a:p>
+          <a:p>
+            <a:r>
+              <a:rPr lang="de-DE" dirty="0" smtClean="0"/>
+              <a:t>Nicht übergebene Parameter sind „undefined“.</a:t>
+            </a:r>
+          </a:p>
+          <a:p>
+            <a:r>
+              <a:rPr lang="de-DE" dirty="0" smtClean="0"/>
+              <a:t>Zuviel übergebene Parameter stehen im Bonusparameter „</a:t>
+            </a:r>
+            <a:r>
+              <a:rPr lang="de-DE" dirty="0" err="1" smtClean="0"/>
+              <a:t>arguments</a:t>
+            </a:r>
+            <a:r>
+              <a:rPr lang="de-DE" dirty="0" smtClean="0"/>
+              <a:t>“ zur Verfügung.</a:t>
+            </a:r>
             <a:endParaRPr lang="de-DE" dirty="0"/>
           </a:p>
         </p:txBody>
@@ -4889,24 +5074,17 @@
           <a:lstStyle/>
           <a:p>
             <a:r>
-              <a:rPr lang="de-DE" dirty="0"/>
-              <a:t>Class </a:t>
-            </a:r>
-            <a:r>
-              <a:rPr lang="de-DE" dirty="0" smtClean="0"/>
-              <a:t>Pattern </a:t>
-            </a:r>
-            <a:r>
-              <a:rPr lang="de-DE" dirty="0"/>
-              <a:t>– Konstruktor Functions</a:t>
-            </a:r>
+              <a:rPr lang="de-DE" dirty="0" smtClean="0"/>
+              <a:t>Parameter</a:t>
+            </a:r>
+            <a:endParaRPr lang="de-DE" dirty="0"/>
           </a:p>
         </p:txBody>
       </p:sp>
     </p:spTree>
     <p:extLst>
       <p:ext uri="{BB962C8B-B14F-4D97-AF65-F5344CB8AC3E}">
-        <p14:creationId xmlns:p14="http://schemas.microsoft.com/office/powerpoint/2010/main" val="2514446404"/>
+        <p14:creationId xmlns:p14="http://schemas.microsoft.com/office/powerpoint/2010/main" val="1191960987"/>
       </p:ext>
     </p:extLst>
   </p:cSld>
@@ -4969,28 +5147,11 @@
             </a:r>
             <a:r>
               <a:rPr lang="de-DE" dirty="0"/>
-              <a:t>(arg) {</a:t>
-            </a:r>
-          </a:p>
-          <a:p>
-            <a:r>
-              <a:rPr lang="de-DE" dirty="0"/>
-              <a:t>    </a:t>
-            </a:r>
-            <a:r>
-              <a:rPr lang="de-DE" dirty="0" err="1"/>
-              <a:t>this.arg</a:t>
-            </a:r>
-            <a:r>
-              <a:rPr lang="de-DE" dirty="0"/>
-              <a:t> = arg;</a:t>
-            </a:r>
-          </a:p>
-          <a:p>
-            <a:r>
-              <a:rPr lang="de-DE" dirty="0"/>
-              <a:t>}</a:t>
-            </a:r>
+              <a:t>() {}</a:t>
+            </a:r>
+          </a:p>
+          <a:p>
+            <a:endParaRPr lang="de-DE" dirty="0"/>
           </a:p>
           <a:p>
             <a:r>
@@ -5003,7 +5164,7 @@
             </a:r>
             <a:r>
               <a:rPr lang="de-DE" dirty="0" err="1"/>
-              <a:t>inst</a:t>
+              <a:t>instance</a:t>
             </a:r>
             <a:r>
               <a:rPr lang="de-DE" dirty="0"/>
@@ -5023,42 +5184,11 @@
             </a:r>
             <a:r>
               <a:rPr lang="de-DE" dirty="0"/>
-              <a:t>('</a:t>
-            </a:r>
-            <a:r>
-              <a:rPr lang="de-DE" dirty="0" err="1"/>
-              <a:t>foo</a:t>
-            </a:r>
-            <a:r>
-              <a:rPr lang="de-DE" dirty="0"/>
-              <a:t>');</a:t>
-            </a:r>
-          </a:p>
-          <a:p>
-            <a:r>
-              <a:rPr lang="de-DE" dirty="0" err="1"/>
-              <a:t>console.log</a:t>
-            </a:r>
-            <a:r>
-              <a:rPr lang="de-DE" dirty="0"/>
-              <a:t>(</a:t>
-            </a:r>
-            <a:r>
-              <a:rPr lang="de-DE" dirty="0" err="1"/>
-              <a:t>inst.arg</a:t>
-            </a:r>
-            <a:r>
-              <a:rPr lang="de-DE" dirty="0"/>
-              <a:t>); // =&gt; '</a:t>
-            </a:r>
-            <a:r>
-              <a:rPr lang="de-DE" dirty="0" err="1"/>
-              <a:t>foo</a:t>
-            </a:r>
-            <a:r>
-              <a:rPr lang="de-DE" dirty="0"/>
-              <a:t>'</a:t>
-            </a:r>
+              <a:t>();</a:t>
+            </a:r>
+          </a:p>
+          <a:p>
+            <a:endParaRPr lang="de-DE" dirty="0"/>
           </a:p>
           <a:p>
             <a:endParaRPr lang="de-DE" dirty="0"/>
@@ -5082,24 +5212,23 @@
           <a:p>
             <a:r>
               <a:rPr lang="de-DE" dirty="0"/>
-              <a:t>Class Pattern </a:t>
-            </a:r>
-            <a:r>
-              <a:rPr lang="de-DE" dirty="0" smtClean="0"/>
-              <a:t>– </a:t>
-            </a:r>
-            <a:r>
-              <a:rPr lang="de-DE" dirty="0" err="1" smtClean="0"/>
-              <a:t>this</a:t>
-            </a:r>
-            <a:endParaRPr lang="de-DE" dirty="0"/>
+              <a:t>Class </a:t>
+            </a:r>
+            <a:r>
+              <a:rPr lang="de-DE" dirty="0" smtClean="0"/>
+              <a:t>Pattern </a:t>
+            </a:r>
+            <a:r>
+              <a:rPr lang="de-DE" dirty="0"/>
+              <a:t>– Konstruktor Functions</a:t>
+            </a:r>
           </a:p>
         </p:txBody>
       </p:sp>
     </p:spTree>
     <p:extLst>
       <p:ext uri="{BB962C8B-B14F-4D97-AF65-F5344CB8AC3E}">
-        <p14:creationId xmlns:p14="http://schemas.microsoft.com/office/powerpoint/2010/main" val="255818325"/>
+        <p14:creationId xmlns:p14="http://schemas.microsoft.com/office/powerpoint/2010/main" val="2514446404"/>
       </p:ext>
     </p:extLst>
   </p:cSld>
@@ -5162,7 +5291,7 @@
             </a:r>
             <a:r>
               <a:rPr lang="de-DE" dirty="0"/>
-              <a:t>() {</a:t>
+              <a:t>(arg) {</a:t>
             </a:r>
           </a:p>
           <a:p>
@@ -5172,7 +5301,31 @@
             </a:r>
             <a:r>
               <a:rPr lang="de-DE" dirty="0" err="1"/>
-              <a:t>this.greet</a:t>
+              <a:t>this.arg</a:t>
+            </a:r>
+            <a:r>
+              <a:rPr lang="de-DE" dirty="0"/>
+              <a:t> = arg;</a:t>
+            </a:r>
+          </a:p>
+          <a:p>
+            <a:r>
+              <a:rPr lang="de-DE" dirty="0"/>
+              <a:t>}</a:t>
+            </a:r>
+          </a:p>
+          <a:p>
+            <a:r>
+              <a:rPr lang="de-DE" dirty="0" err="1"/>
+              <a:t>var</a:t>
+            </a:r>
+            <a:r>
+              <a:rPr lang="de-DE" dirty="0"/>
+              <a:t> </a:t>
+            </a:r>
+            <a:r>
+              <a:rPr lang="de-DE" dirty="0" err="1"/>
+              <a:t>inst</a:t>
             </a:r>
             <a:r>
               <a:rPr lang="de-DE" dirty="0"/>
@@ -5180,112 +5333,56 @@
             </a:r>
             <a:r>
               <a:rPr lang="de-DE" dirty="0" err="1"/>
-              <a:t>function</a:t>
+              <a:t>new</a:t>
             </a:r>
             <a:r>
               <a:rPr lang="de-DE" dirty="0"/>
-              <a:t>() {</a:t>
-            </a:r>
-          </a:p>
-          <a:p>
+              <a:t> </a:t>
+            </a:r>
+            <a:r>
+              <a:rPr lang="de-DE" dirty="0" err="1"/>
+              <a:t>MyClass</a:t>
+            </a:r>
             <a:r>
               <a:rPr lang="de-DE" dirty="0"/>
-              <a:t>        </a:t>
-            </a:r>
+              <a:t>('</a:t>
+            </a:r>
+            <a:r>
+              <a:rPr lang="de-DE" dirty="0" err="1"/>
+              <a:t>foo</a:t>
+            </a:r>
+            <a:r>
+              <a:rPr lang="de-DE" dirty="0"/>
+              <a:t>');</a:t>
+            </a:r>
+          </a:p>
+          <a:p>
             <a:r>
               <a:rPr lang="de-DE" dirty="0" err="1"/>
               <a:t>console.log</a:t>
             </a:r>
             <a:r>
               <a:rPr lang="de-DE" dirty="0"/>
-              <a:t>('</a:t>
+              <a:t>(</a:t>
             </a:r>
             <a:r>
               <a:rPr lang="de-DE" dirty="0" err="1"/>
-              <a:t>Hello</a:t>
+              <a:t>inst.arg</a:t>
             </a:r>
             <a:r>
               <a:rPr lang="de-DE" dirty="0"/>
-              <a:t>!');</a:t>
-            </a:r>
-          </a:p>
-          <a:p>
+              <a:t>); // =&gt; '</a:t>
+            </a:r>
+            <a:r>
+              <a:rPr lang="de-DE" dirty="0" err="1"/>
+              <a:t>foo</a:t>
+            </a:r>
             <a:r>
               <a:rPr lang="de-DE" dirty="0"/>
-              <a:t>    };</a:t>
-            </a:r>
-          </a:p>
-          <a:p>
-            <a:r>
-              <a:rPr lang="de-DE" dirty="0"/>
-              <a:t>}</a:t>
-            </a:r>
-          </a:p>
-          <a:p>
-            <a:r>
-              <a:rPr lang="de-DE" dirty="0" err="1"/>
-              <a:t>var</a:t>
-            </a:r>
-            <a:r>
-              <a:rPr lang="de-DE" dirty="0"/>
-              <a:t> </a:t>
-            </a:r>
-            <a:r>
-              <a:rPr lang="de-DE" dirty="0" err="1"/>
-              <a:t>inst</a:t>
-            </a:r>
-            <a:r>
-              <a:rPr lang="de-DE" dirty="0"/>
-              <a:t> = </a:t>
-            </a:r>
-            <a:r>
-              <a:rPr lang="de-DE" dirty="0" err="1"/>
-              <a:t>new</a:t>
-            </a:r>
-            <a:r>
-              <a:rPr lang="de-DE" dirty="0"/>
-              <a:t> </a:t>
-            </a:r>
-            <a:r>
-              <a:rPr lang="de-DE" dirty="0" err="1"/>
-              <a:t>MyClass</a:t>
-            </a:r>
-            <a:r>
-              <a:rPr lang="de-DE" dirty="0"/>
-              <a:t>();</a:t>
-            </a:r>
-          </a:p>
-          <a:p>
-            <a:r>
-              <a:rPr lang="de-DE" dirty="0" err="1"/>
-              <a:t>inst.greet</a:t>
-            </a:r>
-            <a:r>
-              <a:rPr lang="de-DE" dirty="0"/>
-              <a:t>(); // =&gt; '</a:t>
-            </a:r>
-            <a:r>
-              <a:rPr lang="de-DE" dirty="0" err="1" smtClean="0"/>
-              <a:t>Hello</a:t>
-            </a:r>
-            <a:endParaRPr lang="de-DE" dirty="0" smtClean="0"/>
-          </a:p>
-          <a:p>
-            <a:endParaRPr lang="de-DE" dirty="0"/>
-          </a:p>
-          <a:p>
-            <a:r>
-              <a:rPr lang="de-DE" dirty="0" smtClean="0"/>
-              <a:t>// Strange: Jedes Objekt hat eine eigene Kopie der Funktion </a:t>
-            </a:r>
-            <a:r>
-              <a:rPr lang="de-DE" dirty="0" err="1" smtClean="0"/>
-              <a:t>greet</a:t>
-            </a:r>
-            <a:r>
-              <a:rPr lang="de-DE" dirty="0" smtClean="0"/>
-              <a:t>!</a:t>
-            </a:r>
+              <a:t>'</a:t>
+            </a:r>
+          </a:p>
+          <a:p>
             <a:endParaRPr lang="de-DE" dirty="0"/>
           </a:p>
         </p:txBody>
@@ -5315,15 +5412,7 @@
             </a:r>
             <a:r>
               <a:rPr lang="de-DE" dirty="0" err="1" smtClean="0"/>
-              <a:t>method</a:t>
-            </a:r>
-            <a:r>
-              <a:rPr lang="de-DE" dirty="0" smtClean="0"/>
-              <a:t> </a:t>
-            </a:r>
-            <a:r>
-              <a:rPr lang="de-DE" dirty="0" err="1" smtClean="0"/>
-              <a:t>pattern</a:t>
+              <a:t>this</a:t>
             </a:r>
             <a:endParaRPr lang="de-DE" dirty="0"/>
           </a:p>
@@ -5332,7 +5421,7 @@
     </p:spTree>
     <p:extLst>
       <p:ext uri="{BB962C8B-B14F-4D97-AF65-F5344CB8AC3E}">
-        <p14:creationId xmlns:p14="http://schemas.microsoft.com/office/powerpoint/2010/main" val="99376980"/>
+        <p14:creationId xmlns:p14="http://schemas.microsoft.com/office/powerpoint/2010/main" val="255818325"/>
       </p:ext>
     </p:extLst>
   </p:cSld>
@@ -5395,13 +5484,17 @@
             </a:r>
             <a:r>
               <a:rPr lang="de-DE" dirty="0"/>
-              <a:t>() {}</a:t>
-            </a:r>
-          </a:p>
-          <a:p>
+              <a:t>() {</a:t>
+            </a:r>
+          </a:p>
+          <a:p>
+            <a:r>
+              <a:rPr lang="de-DE" dirty="0"/>
+              <a:t>    </a:t>
+            </a:r>
             <a:r>
               <a:rPr lang="de-DE" dirty="0" err="1"/>
-              <a:t>MyClass.prototype.greet</a:t>
+              <a:t>this.greet</a:t>
             </a:r>
             <a:r>
               <a:rPr lang="de-DE" dirty="0"/>
@@ -5419,7 +5512,7 @@
           <a:p>
             <a:r>
               <a:rPr lang="de-DE" dirty="0"/>
-              <a:t>    </a:t>
+              <a:t>        </a:t>
             </a:r>
             <a:r>
               <a:rPr lang="de-DE" dirty="0" err="1"/>
@@ -5441,7 +5534,13 @@
           <a:p>
             <a:r>
               <a:rPr lang="de-DE" dirty="0"/>
-              <a:t>};</a:t>
+              <a:t>    };</a:t>
+            </a:r>
+          </a:p>
+          <a:p>
+            <a:r>
+              <a:rPr lang="de-DE" dirty="0"/>
+              <a:t>}</a:t>
             </a:r>
           </a:p>
           <a:p>
@@ -5488,25 +5587,18 @@
               <a:t>(); // =&gt; '</a:t>
             </a:r>
             <a:r>
-              <a:rPr lang="de-DE" dirty="0" err="1"/>
+              <a:rPr lang="de-DE" dirty="0" err="1" smtClean="0"/>
               <a:t>Hello</a:t>
             </a:r>
-            <a:r>
-              <a:rPr lang="de-DE" dirty="0" smtClean="0"/>
-              <a:t>!</a:t>
-            </a:r>
+            <a:endParaRPr lang="de-DE" dirty="0" smtClean="0"/>
           </a:p>
           <a:p>
             <a:endParaRPr lang="de-DE" dirty="0"/>
           </a:p>
           <a:p>
             <a:r>
-              <a:rPr lang="de-DE" dirty="0"/>
-              <a:t>// </a:t>
-            </a:r>
-            <a:r>
-              <a:rPr lang="de-DE" dirty="0" smtClean="0"/>
-              <a:t>Jetzt gibt es nur noch eine „Kopie“ der </a:t>
+              <a:rPr lang="de-DE" dirty="0" smtClean="0"/>
+              <a:t>// Strange: Jedes Objekt hat eine eigene Kopie der Funktion </a:t>
             </a:r>
             <a:r>
               <a:rPr lang="de-DE" dirty="0" err="1" smtClean="0"/>
@@ -5514,13 +5606,7 @@
             </a:r>
             <a:r>
               <a:rPr lang="de-DE" dirty="0" smtClean="0"/>
-              <a:t>-Funktion </a:t>
-            </a:r>
-            <a:r>
-              <a:rPr lang="de-DE" dirty="0" smtClean="0">
-                <a:sym typeface="Wingdings"/>
-              </a:rPr>
-              <a:t></a:t>
+              <a:t>!</a:t>
             </a:r>
             <a:endParaRPr lang="de-DE" dirty="0"/>
           </a:p>
@@ -5551,11 +5637,15 @@
             </a:r>
             <a:r>
               <a:rPr lang="de-DE" dirty="0" err="1" smtClean="0"/>
-              <a:t>Prototypes</a:t>
-            </a:r>
-            <a:r>
-              <a:rPr lang="de-DE" dirty="0" smtClean="0"/>
-              <a:t>!</a:t>
+              <a:t>method</a:t>
+            </a:r>
+            <a:r>
+              <a:rPr lang="de-DE" dirty="0" smtClean="0"/>
+              <a:t> </a:t>
+            </a:r>
+            <a:r>
+              <a:rPr lang="de-DE" dirty="0" err="1" smtClean="0"/>
+              <a:t>pattern</a:t>
             </a:r>
             <a:endParaRPr lang="de-DE" dirty="0"/>
           </a:p>
@@ -5564,7 +5654,7 @@
     </p:spTree>
     <p:extLst>
       <p:ext uri="{BB962C8B-B14F-4D97-AF65-F5344CB8AC3E}">
-        <p14:creationId xmlns:p14="http://schemas.microsoft.com/office/powerpoint/2010/main" val="323236905"/>
+        <p14:creationId xmlns:p14="http://schemas.microsoft.com/office/powerpoint/2010/main" val="99376980"/>
       </p:ext>
     </p:extLst>
   </p:cSld>
@@ -5614,62 +5704,145 @@
           <a:lstStyle/>
           <a:p>
             <a:r>
+              <a:rPr lang="de-DE" dirty="0" err="1"/>
+              <a:t>function</a:t>
+            </a:r>
+            <a:r>
+              <a:rPr lang="de-DE" dirty="0"/>
+              <a:t> </a:t>
+            </a:r>
+            <a:r>
+              <a:rPr lang="de-DE" dirty="0" err="1"/>
+              <a:t>MyClass</a:t>
+            </a:r>
+            <a:r>
+              <a:rPr lang="de-DE" dirty="0"/>
+              <a:t>() {}</a:t>
+            </a:r>
+          </a:p>
+          <a:p>
+            <a:r>
+              <a:rPr lang="de-DE" dirty="0" err="1"/>
+              <a:t>MyClass.prototype.greet</a:t>
+            </a:r>
+            <a:r>
+              <a:rPr lang="de-DE" dirty="0"/>
+              <a:t> = </a:t>
+            </a:r>
+            <a:r>
+              <a:rPr lang="de-DE" dirty="0" err="1"/>
+              <a:t>function</a:t>
+            </a:r>
+            <a:r>
+              <a:rPr lang="de-DE" dirty="0"/>
+              <a:t>() {</a:t>
+            </a:r>
+          </a:p>
+          <a:p>
+            <a:r>
+              <a:rPr lang="de-DE" dirty="0"/>
+              <a:t>    </a:t>
+            </a:r>
+            <a:r>
+              <a:rPr lang="de-DE" dirty="0" err="1"/>
+              <a:t>console.log</a:t>
+            </a:r>
+            <a:r>
+              <a:rPr lang="de-DE" dirty="0"/>
+              <a:t>('</a:t>
+            </a:r>
+            <a:r>
+              <a:rPr lang="de-DE" dirty="0" err="1"/>
+              <a:t>Hello</a:t>
+            </a:r>
+            <a:r>
+              <a:rPr lang="de-DE" dirty="0"/>
+              <a:t>!');</a:t>
+            </a:r>
+          </a:p>
+          <a:p>
+            <a:r>
+              <a:rPr lang="de-DE" dirty="0"/>
+              <a:t>};</a:t>
+            </a:r>
+          </a:p>
+          <a:p>
+            <a:r>
+              <a:rPr lang="de-DE" dirty="0" err="1"/>
+              <a:t>var</a:t>
+            </a:r>
+            <a:r>
+              <a:rPr lang="de-DE" dirty="0"/>
+              <a:t> </a:t>
+            </a:r>
+            <a:r>
+              <a:rPr lang="de-DE" dirty="0" err="1"/>
+              <a:t>inst</a:t>
+            </a:r>
+            <a:r>
+              <a:rPr lang="de-DE" dirty="0"/>
+              <a:t> = </a:t>
+            </a:r>
+            <a:r>
+              <a:rPr lang="de-DE" dirty="0" err="1"/>
+              <a:t>new</a:t>
+            </a:r>
+            <a:r>
+              <a:rPr lang="de-DE" dirty="0"/>
+              <a:t> </a:t>
+            </a:r>
+            <a:r>
+              <a:rPr lang="de-DE" dirty="0" err="1"/>
+              <a:t>MyClass</a:t>
+            </a:r>
+            <a:r>
+              <a:rPr lang="de-DE" dirty="0"/>
+              <a:t>();</a:t>
+            </a:r>
+          </a:p>
+          <a:p>
+            <a:r>
+              <a:rPr lang="de-DE" dirty="0" err="1"/>
+              <a:t>inst.greet</a:t>
+            </a:r>
+            <a:r>
+              <a:rPr lang="de-DE" dirty="0"/>
+              <a:t>(); // =&gt; '</a:t>
+            </a:r>
+            <a:r>
+              <a:rPr lang="de-DE" dirty="0" err="1"/>
+              <a:t>Hello</a:t>
+            </a:r>
+            <a:r>
+              <a:rPr lang="de-DE" dirty="0" smtClean="0"/>
+              <a:t>!</a:t>
+            </a:r>
+          </a:p>
+          <a:p>
+            <a:endParaRPr lang="de-DE" dirty="0"/>
+          </a:p>
+          <a:p>
+            <a:r>
+              <a:rPr lang="de-DE" dirty="0"/>
+              <a:t>// </a:t>
+            </a:r>
+            <a:r>
+              <a:rPr lang="de-DE" dirty="0" smtClean="0"/>
+              <a:t>Jetzt gibt es nur noch eine „Kopie“ der </a:t>
+            </a:r>
+            <a:r>
               <a:rPr lang="de-DE" dirty="0" err="1" smtClean="0"/>
-              <a:t>function</a:t>
-            </a:r>
-            <a:r>
-              <a:rPr lang="de-DE" dirty="0" smtClean="0"/>
-              <a:t> log(</a:t>
-            </a:r>
-            <a:r>
-              <a:rPr lang="de-DE" dirty="0"/>
-              <a:t>) {</a:t>
-            </a:r>
-          </a:p>
-          <a:p>
-            <a:r>
-              <a:rPr lang="de-DE" dirty="0"/>
-              <a:t>  </a:t>
-            </a:r>
-            <a:r>
-              <a:rPr lang="de-DE" dirty="0" err="1" smtClean="0"/>
-              <a:t>for</a:t>
-            </a:r>
-            <a:r>
-              <a:rPr lang="de-DE" dirty="0" smtClean="0"/>
-              <a:t> (</a:t>
-            </a:r>
-            <a:r>
-              <a:rPr lang="de-DE" dirty="0" err="1" smtClean="0"/>
-              <a:t>var</a:t>
-            </a:r>
-            <a:r>
-              <a:rPr lang="de-DE" dirty="0" smtClean="0"/>
-              <a:t> p = 0; ...) {}</a:t>
-            </a:r>
-            <a:r>
-              <a:rPr lang="de-DE" dirty="0" smtClean="0"/>
-              <a:t>;</a:t>
-            </a:r>
-            <a:endParaRPr lang="de-DE" dirty="0"/>
-          </a:p>
-          <a:p>
-            <a:r>
-              <a:rPr lang="de-DE" dirty="0" smtClean="0"/>
-              <a:t>}</a:t>
-            </a:r>
-          </a:p>
-          <a:p>
-            <a:endParaRPr lang="de-DE" dirty="0"/>
-          </a:p>
-          <a:p>
-            <a:r>
-              <a:rPr lang="de-DE" dirty="0" err="1" smtClean="0"/>
-              <a:t>console.log</a:t>
-            </a:r>
-            <a:r>
-              <a:rPr lang="de-DE" dirty="0" smtClean="0"/>
-              <a:t>(p);</a:t>
+              <a:t>greet</a:t>
+            </a:r>
+            <a:r>
+              <a:rPr lang="de-DE" dirty="0" smtClean="0"/>
+              <a:t>-Funktion </a:t>
+            </a:r>
+            <a:r>
+              <a:rPr lang="de-DE" dirty="0" smtClean="0">
+                <a:sym typeface="Wingdings"/>
+              </a:rPr>
+              <a:t></a:t>
             </a:r>
             <a:endParaRPr lang="de-DE" dirty="0"/>
           </a:p>
@@ -5696,7 +5869,15 @@
             </a:r>
             <a:r>
               <a:rPr lang="de-DE" dirty="0" smtClean="0"/>
-              <a:t>– Sichtbarkeit von Variablen</a:t>
+              <a:t>– </a:t>
+            </a:r>
+            <a:r>
+              <a:rPr lang="de-DE" dirty="0" err="1" smtClean="0"/>
+              <a:t>Prototypes</a:t>
+            </a:r>
+            <a:r>
+              <a:rPr lang="de-DE" dirty="0" smtClean="0"/>
+              <a:t>!</a:t>
             </a:r>
             <a:endParaRPr lang="de-DE" dirty="0"/>
           </a:p>
@@ -5705,7 +5886,7 @@
     </p:spTree>
     <p:extLst>
       <p:ext uri="{BB962C8B-B14F-4D97-AF65-F5344CB8AC3E}">
-        <p14:creationId xmlns:p14="http://schemas.microsoft.com/office/powerpoint/2010/main" val="1643762402"/>
+        <p14:creationId xmlns:p14="http://schemas.microsoft.com/office/powerpoint/2010/main" val="323236905"/>
       </p:ext>
     </p:extLst>
   </p:cSld>
@@ -5755,10 +5936,6 @@
           <a:lstStyle/>
           <a:p>
             <a:r>
-              <a:rPr lang="de-DE" dirty="0" smtClean="0"/>
-              <a:t>(</a:t>
-            </a:r>
-            <a:r>
               <a:rPr lang="de-DE" dirty="0" err="1" smtClean="0"/>
               <a:t>function</a:t>
             </a:r>
@@ -5801,7 +5978,7 @@
           <a:p>
             <a:r>
               <a:rPr lang="de-DE" dirty="0" smtClean="0"/>
-              <a:t>}())</a:t>
+              <a:t>}</a:t>
             </a:r>
           </a:p>
           <a:p>
@@ -5815,19 +5992,6 @@
             <a:r>
               <a:rPr lang="de-DE" dirty="0" smtClean="0"/>
               <a:t>(p);</a:t>
-            </a:r>
-          </a:p>
-          <a:p>
-            <a:endParaRPr lang="de-DE" dirty="0"/>
-          </a:p>
-          <a:p>
-            <a:r>
-              <a:rPr lang="de-DE" dirty="0" smtClean="0"/>
-              <a:t>// IFEE dann auf die Konstruktor-Funktion und Prototypen </a:t>
-            </a:r>
-            <a:r>
-              <a:rPr lang="de-DE" smtClean="0"/>
-              <a:t>anwendne</a:t>
             </a:r>
             <a:endParaRPr lang="de-DE" dirty="0"/>
           </a:p>
@@ -5854,11 +6018,7 @@
             </a:r>
             <a:r>
               <a:rPr lang="de-DE" dirty="0" smtClean="0"/>
-              <a:t>– </a:t>
-            </a:r>
-            <a:r>
-              <a:rPr lang="de-DE" dirty="0" smtClean="0"/>
-              <a:t>IFEE</a:t>
+              <a:t>– Sichtbarkeit von Variablen</a:t>
             </a:r>
             <a:endParaRPr lang="de-DE" dirty="0"/>
           </a:p>
@@ -5867,7 +6027,7 @@
     </p:spTree>
     <p:extLst>
       <p:ext uri="{BB962C8B-B14F-4D97-AF65-F5344CB8AC3E}">
-        <p14:creationId xmlns:p14="http://schemas.microsoft.com/office/powerpoint/2010/main" val="3225663653"/>
+        <p14:creationId xmlns:p14="http://schemas.microsoft.com/office/powerpoint/2010/main" val="1643762402"/>
       </p:ext>
     </p:extLst>
   </p:cSld>
@@ -5903,7 +6063,7 @@
       </p:grpSpPr>
       <p:sp>
         <p:nvSpPr>
-          <p:cNvPr id="2" name="Inhaltsplatzhalter 1"/>
+          <p:cNvPr id="5" name="Inhaltsplatzhalter 4"/>
           <p:cNvSpPr>
             <a:spLocks noGrp="1"/>
           </p:cNvSpPr>
@@ -5913,202 +6073,74 @@
         </p:nvSpPr>
         <p:spPr/>
         <p:txBody>
-          <a:bodyPr>
-            <a:normAutofit fontScale="85000" lnSpcReduction="20000"/>
-          </a:bodyPr>
+          <a:bodyPr/>
           <a:lstStyle/>
           <a:p>
             <a:r>
-              <a:rPr lang="en-US" dirty="0" err="1"/>
+              <a:rPr lang="de-DE" dirty="0" smtClean="0"/>
+              <a:t>(</a:t>
+            </a:r>
+            <a:r>
+              <a:rPr lang="de-DE" dirty="0" err="1" smtClean="0"/>
+              <a:t>function</a:t>
+            </a:r>
+            <a:r>
+              <a:rPr lang="de-DE" dirty="0" smtClean="0"/>
+              <a:t> log(</a:t>
+            </a:r>
+            <a:r>
+              <a:rPr lang="de-DE" dirty="0"/>
+              <a:t>) {</a:t>
+            </a:r>
+          </a:p>
+          <a:p>
+            <a:r>
+              <a:rPr lang="de-DE" dirty="0"/>
+              <a:t>  </a:t>
+            </a:r>
+            <a:r>
+              <a:rPr lang="de-DE" dirty="0" err="1" smtClean="0"/>
+              <a:t>for</a:t>
+            </a:r>
+            <a:r>
+              <a:rPr lang="de-DE" dirty="0" smtClean="0"/>
+              <a:t> (</a:t>
+            </a:r>
+            <a:r>
+              <a:rPr lang="de-DE" dirty="0" err="1" smtClean="0"/>
               <a:t>var</a:t>
             </a:r>
             <a:r>
-              <a:rPr lang="en-US" dirty="0"/>
-              <a:t> </a:t>
-            </a:r>
-            <a:r>
-              <a:rPr lang="en-US" dirty="0" smtClean="0"/>
-              <a:t>module = </a:t>
-            </a:r>
-            <a:r>
-              <a:rPr lang="en-US" dirty="0"/>
-              <a:t>(function () {</a:t>
-            </a:r>
-          </a:p>
-          <a:p>
-            <a:r>
-              <a:rPr lang="en-US" dirty="0"/>
-              <a:t>	</a:t>
-            </a:r>
-            <a:r>
-              <a:rPr lang="en-US" dirty="0" err="1"/>
-              <a:t>var</a:t>
-            </a:r>
-            <a:r>
-              <a:rPr lang="en-US" dirty="0"/>
-              <a:t> </a:t>
-            </a:r>
-            <a:r>
-              <a:rPr lang="en-US" dirty="0" err="1" smtClean="0"/>
-              <a:t>myModule</a:t>
-            </a:r>
-            <a:r>
-              <a:rPr lang="en-US" dirty="0" smtClean="0"/>
-              <a:t> </a:t>
-            </a:r>
-            <a:r>
-              <a:rPr lang="en-US" dirty="0"/>
-              <a:t>= {</a:t>
-            </a:r>
-            <a:r>
-              <a:rPr lang="en-US" dirty="0" smtClean="0"/>
-              <a:t>};</a:t>
-            </a:r>
-            <a:endParaRPr lang="en-US" dirty="0"/>
-          </a:p>
-          <a:p>
-            <a:r>
-              <a:rPr lang="en-US" dirty="0"/>
-              <a:t>	</a:t>
-            </a:r>
-            <a:r>
-              <a:rPr lang="en-US" dirty="0" err="1" smtClean="0"/>
-              <a:t>var</a:t>
-            </a:r>
-            <a:r>
-              <a:rPr lang="en-US" dirty="0" smtClean="0"/>
-              <a:t> </a:t>
-            </a:r>
-            <a:r>
-              <a:rPr lang="en-US" dirty="0" err="1" smtClean="0"/>
-              <a:t>privateVariable</a:t>
-            </a:r>
-            <a:r>
-              <a:rPr lang="en-US" dirty="0" smtClean="0"/>
-              <a:t> </a:t>
-            </a:r>
-            <a:r>
-              <a:rPr lang="en-US" dirty="0"/>
-              <a:t>= 1;</a:t>
-            </a:r>
-          </a:p>
-          <a:p>
-            <a:r>
-              <a:rPr lang="en-US" dirty="0"/>
-              <a:t>	function </a:t>
-            </a:r>
-            <a:r>
-              <a:rPr lang="en-US" dirty="0" err="1"/>
-              <a:t>privateMethod</a:t>
-            </a:r>
-            <a:r>
-              <a:rPr lang="en-US" dirty="0"/>
-              <a:t>() {</a:t>
-            </a:r>
-          </a:p>
-          <a:p>
-            <a:r>
-              <a:rPr lang="en-US" dirty="0"/>
-              <a:t>		// ...</a:t>
-            </a:r>
-          </a:p>
-          <a:p>
-            <a:r>
-              <a:rPr lang="en-US" dirty="0"/>
-              <a:t>	}</a:t>
-            </a:r>
-          </a:p>
-          <a:p>
-            <a:r>
-              <a:rPr lang="en-US" dirty="0"/>
-              <a:t> </a:t>
-            </a:r>
-            <a:r>
-              <a:rPr lang="en-US" dirty="0" smtClean="0"/>
-              <a:t> // export</a:t>
-            </a:r>
-            <a:br>
-              <a:rPr lang="en-US" dirty="0" smtClean="0"/>
-            </a:br>
-            <a:r>
-              <a:rPr lang="en-US" dirty="0" smtClean="0"/>
-              <a:t>  return {</a:t>
-            </a:r>
-          </a:p>
-          <a:p>
-            <a:r>
-              <a:rPr lang="en-US" dirty="0"/>
-              <a:t>	</a:t>
-            </a:r>
-            <a:r>
-              <a:rPr lang="en-US" dirty="0" smtClean="0"/>
-              <a:t>	</a:t>
-            </a:r>
-            <a:r>
-              <a:rPr lang="en-US" dirty="0" err="1" smtClean="0"/>
-              <a:t>getVar</a:t>
-            </a:r>
-            <a:r>
-              <a:rPr lang="en-US" dirty="0" smtClean="0"/>
-              <a:t> : </a:t>
-            </a:r>
-            <a:r>
-              <a:rPr lang="en-US" dirty="0"/>
-              <a:t>function () {</a:t>
-            </a:r>
-          </a:p>
-          <a:p>
-            <a:r>
-              <a:rPr lang="en-US" dirty="0"/>
-              <a:t>		</a:t>
-            </a:r>
-            <a:r>
-              <a:rPr lang="en-US" dirty="0" smtClean="0"/>
-              <a:t>	return </a:t>
-            </a:r>
-            <a:r>
-              <a:rPr lang="en-US" dirty="0" err="1"/>
-              <a:t>privateVariable</a:t>
-            </a:r>
-            <a:r>
-              <a:rPr lang="en-US" dirty="0"/>
+              <a:rPr lang="de-DE" dirty="0" smtClean="0"/>
+              <a:t> p = 0; ...) {}</a:t>
+            </a:r>
+            <a:r>
+              <a:rPr lang="de-DE" dirty="0" smtClean="0"/>
               <a:t>;</a:t>
             </a:r>
-          </a:p>
-          <a:p>
-            <a:r>
-              <a:rPr lang="en-US" dirty="0"/>
-              <a:t>	</a:t>
-            </a:r>
-            <a:r>
-              <a:rPr lang="en-US" dirty="0" smtClean="0"/>
-              <a:t>	}</a:t>
-            </a:r>
-            <a:endParaRPr lang="en-US" dirty="0"/>
-          </a:p>
-          <a:p>
-            <a:r>
-              <a:rPr lang="en-US" dirty="0"/>
-              <a:t>	</a:t>
-            </a:r>
-            <a:r>
-              <a:rPr lang="en-US" dirty="0" smtClean="0"/>
-              <a:t>};</a:t>
-            </a:r>
-            <a:endParaRPr lang="en-US" dirty="0"/>
-          </a:p>
-          <a:p>
-            <a:r>
-              <a:rPr lang="en-US" dirty="0" smtClean="0"/>
-              <a:t>})();</a:t>
-            </a:r>
-            <a:endParaRPr lang="en-US" dirty="0"/>
+            <a:endParaRPr lang="de-DE" dirty="0"/>
+          </a:p>
+          <a:p>
+            <a:r>
+              <a:rPr lang="de-DE" dirty="0" smtClean="0"/>
+              <a:t>}())</a:t>
+            </a:r>
+          </a:p>
+          <a:p>
+            <a:endParaRPr lang="de-DE" dirty="0"/>
+          </a:p>
+          <a:p>
+            <a:r>
+              <a:rPr lang="de-DE" dirty="0" smtClean="0"/>
+              <a:t>// IFEE dann auf die Konstruktor-Funktion und Prototypen anwenden</a:t>
+            </a:r>
+            <a:endParaRPr lang="de-DE" dirty="0"/>
           </a:p>
         </p:txBody>
       </p:sp>
       <p:sp>
         <p:nvSpPr>
-          <p:cNvPr id="3" name="Titel 2"/>
+          <p:cNvPr id="4" name="Titel 3"/>
           <p:cNvSpPr>
             <a:spLocks noGrp="1"/>
           </p:cNvSpPr>
@@ -6122,8 +6154,16 @@
           <a:lstStyle/>
           <a:p>
             <a:r>
-              <a:rPr lang="de-DE" dirty="0" smtClean="0"/>
-              <a:t>Module – Export</a:t>
+              <a:rPr lang="de-DE" dirty="0"/>
+              <a:t>Class Pattern </a:t>
+            </a:r>
+            <a:r>
+              <a:rPr lang="de-DE" dirty="0" smtClean="0"/>
+              <a:t>– </a:t>
+            </a:r>
+            <a:r>
+              <a:rPr lang="de-DE" dirty="0" smtClean="0"/>
+              <a:t>IFEE</a:t>
             </a:r>
             <a:endParaRPr lang="de-DE" dirty="0"/>
           </a:p>
@@ -6132,21 +6172,13 @@
     </p:spTree>
     <p:extLst>
       <p:ext uri="{BB962C8B-B14F-4D97-AF65-F5344CB8AC3E}">
-        <p14:creationId xmlns:p14="http://schemas.microsoft.com/office/powerpoint/2010/main" val="2605572196"/>
+        <p14:creationId xmlns:p14="http://schemas.microsoft.com/office/powerpoint/2010/main" val="3225663653"/>
       </p:ext>
     </p:extLst>
   </p:cSld>
   <p:clrMapOvr>
     <a:masterClrMapping/>
   </p:clrMapOvr>
-  <mc:AlternateContent xmlns:mc="http://schemas.openxmlformats.org/markup-compatibility/2006" xmlns:p14="http://schemas.microsoft.com/office/powerpoint/2010/main">
-    <mc:Choice Requires="p14">
-      <p:transition spd="slow" p14:dur="2000"/>
-    </mc:Choice>
-    <mc:Fallback xmlns="">
-      <p:transition xmlns:p14="http://schemas.microsoft.com/office/powerpoint/2010/main" spd="slow"/>
-    </mc:Fallback>
-  </mc:AlternateContent>
   <p:timing>
     <p:tnLst>
       <p:par>
@@ -6187,7 +6219,7 @@
         <p:spPr/>
         <p:txBody>
           <a:bodyPr>
-            <a:normAutofit/>
+            <a:normAutofit fontScale="85000" lnSpcReduction="20000"/>
           </a:bodyPr>
           <a:lstStyle/>
           <a:p>
@@ -6204,26 +6236,8 @@
               <a:t>module = </a:t>
             </a:r>
             <a:r>
-              <a:rPr lang="en-US" dirty="0" smtClean="0"/>
-              <a:t>{};</a:t>
-            </a:r>
-          </a:p>
-          <a:p>
-            <a:r>
-              <a:rPr lang="en-US" dirty="0" smtClean="0"/>
-              <a:t>(</a:t>
-            </a:r>
-            <a:r>
               <a:rPr lang="en-US" dirty="0"/>
-              <a:t>function </a:t>
-            </a:r>
-            <a:r>
-              <a:rPr lang="en-US" dirty="0" smtClean="0"/>
-              <a:t>(export) </a:t>
-            </a:r>
-            <a:r>
-              <a:rPr lang="en-US" dirty="0"/>
-              <a:t>{</a:t>
+              <a:t>(function () {</a:t>
             </a:r>
           </a:p>
           <a:p>
@@ -6323,24 +6337,61 @@
             </a:br>
             <a:r>
               <a:rPr lang="en-US" dirty="0" smtClean="0"/>
-              <a:t>  </a:t>
+              <a:t>  return {</a:t>
+            </a:r>
+          </a:p>
+          <a:p>
+            <a:r>
+              <a:rPr lang="en-US" dirty="0"/>
+              <a:t>	</a:t>
+            </a:r>
+            <a:r>
+              <a:rPr lang="en-US" dirty="0" smtClean="0"/>
+              <a:t>	</a:t>
             </a:r>
             <a:r>
               <a:rPr lang="en-US" dirty="0" err="1" smtClean="0"/>
-              <a:t>export.getVar</a:t>
+              <a:t>getVar</a:t>
+            </a:r>
+            <a:r>
+              <a:rPr lang="en-US" dirty="0" smtClean="0"/>
+              <a:t> : </a:t>
             </a:r>
             <a:r>
               <a:rPr lang="en-US" dirty="0"/>
-              <a:t>: </a:t>
+              <a:t>function () {</a:t>
+            </a:r>
+          </a:p>
+          <a:p>
+            <a:r>
+              <a:rPr lang="en-US" dirty="0"/>
+              <a:t>		</a:t>
+            </a:r>
+            <a:r>
+              <a:rPr lang="en-US" dirty="0" smtClean="0"/>
+              <a:t>	return </a:t>
             </a:r>
             <a:r>
               <a:rPr lang="en-US" dirty="0" err="1"/>
-              <a:t>privateMethod</a:t>
+              <a:t>privateVariable</a:t>
             </a:r>
             <a:r>
               <a:rPr lang="en-US" dirty="0"/>
-              <a:t> </a:t>
-            </a:r>
+              <a:t>;</a:t>
+            </a:r>
+          </a:p>
+          <a:p>
+            <a:r>
+              <a:rPr lang="en-US" dirty="0"/>
+              <a:t>	</a:t>
+            </a:r>
+            <a:r>
+              <a:rPr lang="en-US" dirty="0" smtClean="0"/>
+              <a:t>	}</a:t>
+            </a:r>
+            <a:endParaRPr lang="en-US" dirty="0"/>
+          </a:p>
+          <a:p>
             <a:r>
               <a:rPr lang="en-US" dirty="0"/>
               <a:t>	</a:t>
@@ -6377,11 +6428,7 @@
           <a:p>
             <a:r>
               <a:rPr lang="de-DE" dirty="0" smtClean="0"/>
-              <a:t>Module – </a:t>
-            </a:r>
-            <a:r>
-              <a:rPr lang="de-DE" dirty="0" smtClean="0"/>
-              <a:t>Export reinreichen</a:t>
+              <a:t>Module – Export</a:t>
             </a:r>
             <a:endParaRPr lang="de-DE" dirty="0"/>
           </a:p>
@@ -6390,7 +6437,7 @@
     </p:spTree>
     <p:extLst>
       <p:ext uri="{BB962C8B-B14F-4D97-AF65-F5344CB8AC3E}">
-        <p14:creationId xmlns:p14="http://schemas.microsoft.com/office/powerpoint/2010/main" val="2706383187"/>
+        <p14:creationId xmlns:p14="http://schemas.microsoft.com/office/powerpoint/2010/main" val="2605572196"/>
       </p:ext>
     </p:extLst>
   </p:cSld>
@@ -6450,6 +6497,42 @@
           <a:lstStyle/>
           <a:p>
             <a:r>
+              <a:rPr lang="en-US" dirty="0" err="1"/>
+              <a:t>var</a:t>
+            </a:r>
+            <a:r>
+              <a:rPr lang="en-US" dirty="0"/>
+              <a:t> </a:t>
+            </a:r>
+            <a:r>
+              <a:rPr lang="en-US" dirty="0" smtClean="0"/>
+              <a:t>module = </a:t>
+            </a:r>
+            <a:r>
+              <a:rPr lang="en-US" dirty="0" smtClean="0"/>
+              <a:t>{};</a:t>
+            </a:r>
+          </a:p>
+          <a:p>
+            <a:r>
+              <a:rPr lang="en-US" dirty="0" smtClean="0"/>
+              <a:t>(</a:t>
+            </a:r>
+            <a:r>
+              <a:rPr lang="en-US" dirty="0"/>
+              <a:t>function </a:t>
+            </a:r>
+            <a:r>
+              <a:rPr lang="en-US" dirty="0" smtClean="0"/>
+              <a:t>(export) </a:t>
+            </a:r>
+            <a:r>
+              <a:rPr lang="en-US" dirty="0"/>
+              <a:t>{</a:t>
+            </a:r>
+          </a:p>
+          <a:p>
+            <a:r>
               <a:rPr lang="en-US" dirty="0"/>
               <a:t>	</a:t>
             </a:r>
@@ -6569,7 +6652,14 @@
             </a:r>
             <a:r>
               <a:rPr lang="en-US" dirty="0" smtClean="0"/>
-              <a:t>;</a:t>
+              <a:t>};</a:t>
+            </a:r>
+            <a:endParaRPr lang="en-US" dirty="0"/>
+          </a:p>
+          <a:p>
+            <a:r>
+              <a:rPr lang="en-US" dirty="0" smtClean="0"/>
+              <a:t>})();</a:t>
             </a:r>
             <a:endParaRPr lang="en-US" dirty="0"/>
           </a:p>
@@ -6596,15 +6686,7 @@
             </a:r>
             <a:r>
               <a:rPr lang="de-DE" dirty="0" smtClean="0"/>
-              <a:t>in </a:t>
-            </a:r>
-            <a:r>
-              <a:rPr lang="de-DE" dirty="0" err="1" smtClean="0"/>
-              <a:t>CommonJS</a:t>
-            </a:r>
-            <a:r>
-              <a:rPr lang="de-DE" dirty="0" smtClean="0"/>
-              <a:t> umbauen</a:t>
+              <a:t>Export</a:t>
             </a:r>
             <a:endParaRPr lang="de-DE" dirty="0"/>
           </a:p>
@@ -6613,7 +6695,7 @@
     </p:spTree>
     <p:extLst>
       <p:ext uri="{BB962C8B-B14F-4D97-AF65-F5344CB8AC3E}">
-        <p14:creationId xmlns:p14="http://schemas.microsoft.com/office/powerpoint/2010/main" val="2821582376"/>
+        <p14:creationId xmlns:p14="http://schemas.microsoft.com/office/powerpoint/2010/main" val="2706383187"/>
       </p:ext>
     </p:extLst>
   </p:cSld>
@@ -7713,6 +7795,311 @@
       </p:grpSpPr>
       <p:sp>
         <p:nvSpPr>
+          <p:cNvPr id="3" name="Titel 2"/>
+          <p:cNvSpPr>
+            <a:spLocks noGrp="1"/>
+          </p:cNvSpPr>
+          <p:nvPr>
+            <p:ph type="title"/>
+          </p:nvPr>
+        </p:nvSpPr>
+        <p:spPr/>
+        <p:txBody>
+          <a:bodyPr/>
+          <a:lstStyle/>
+          <a:p>
+            <a:r>
+              <a:rPr lang="de-DE" dirty="0" smtClean="0"/>
+              <a:t>Common JS</a:t>
+            </a:r>
+            <a:endParaRPr lang="de-DE" dirty="0"/>
+          </a:p>
+        </p:txBody>
+      </p:sp>
+      <p:pic>
+        <p:nvPicPr>
+          <p:cNvPr id="4" name="Bild 3" descr="common-js.png"/>
+          <p:cNvPicPr>
+            <a:picLocks noChangeAspect="1"/>
+          </p:cNvPicPr>
+          <p:nvPr/>
+        </p:nvPicPr>
+        <p:blipFill>
+          <a:blip r:embed="rId3">
+            <a:extLst>
+              <a:ext uri="{28A0092B-C50C-407E-A947-70E740481C1C}">
+                <a14:useLocalDpi xmlns:a14="http://schemas.microsoft.com/office/drawing/2010/main" val="0"/>
+              </a:ext>
+            </a:extLst>
+          </a:blip>
+          <a:stretch>
+            <a:fillRect/>
+          </a:stretch>
+        </p:blipFill>
+        <p:spPr>
+          <a:xfrm>
+            <a:off x="0" y="-29220"/>
+            <a:ext cx="9146989" cy="7490668"/>
+          </a:xfrm>
+          <a:prstGeom prst="rect">
+            <a:avLst/>
+          </a:prstGeom>
+        </p:spPr>
+      </p:pic>
+    </p:spTree>
+    <p:extLst>
+      <p:ext uri="{BB962C8B-B14F-4D97-AF65-F5344CB8AC3E}">
+        <p14:creationId xmlns:p14="http://schemas.microsoft.com/office/powerpoint/2010/main" val="4156212830"/>
+      </p:ext>
+    </p:extLst>
+  </p:cSld>
+  <p:clrMapOvr>
+    <a:masterClrMapping/>
+  </p:clrMapOvr>
+  <p:timing>
+    <p:tnLst>
+      <p:par>
+        <p:cTn xmlns:p14="http://schemas.microsoft.com/office/powerpoint/2010/main" id="1" dur="indefinite" restart="never" nodeType="tmRoot"/>
+      </p:par>
+    </p:tnLst>
+  </p:timing>
+</p:sld>
+</file>
+
+<file path=ppt/slides/slide31.xml><?xml version="1.0" encoding="utf-8"?>
+<p:sld xmlns:a="http://schemas.openxmlformats.org/drawingml/2006/main" xmlns:r="http://schemas.openxmlformats.org/officeDocument/2006/relationships" xmlns:p="http://schemas.openxmlformats.org/presentationml/2006/main">
+  <p:cSld>
+    <p:spTree>
+      <p:nvGrpSpPr>
+        <p:cNvPr id="1" name=""/>
+        <p:cNvGrpSpPr/>
+        <p:nvPr/>
+      </p:nvGrpSpPr>
+      <p:grpSpPr>
+        <a:xfrm>
+          <a:off x="0" y="0"/>
+          <a:ext cx="0" cy="0"/>
+          <a:chOff x="0" y="0"/>
+          <a:chExt cx="0" cy="0"/>
+        </a:xfrm>
+      </p:grpSpPr>
+      <p:sp>
+        <p:nvSpPr>
+          <p:cNvPr id="2" name="Inhaltsplatzhalter 1"/>
+          <p:cNvSpPr>
+            <a:spLocks noGrp="1"/>
+          </p:cNvSpPr>
+          <p:nvPr>
+            <p:ph idx="1"/>
+          </p:nvPr>
+        </p:nvSpPr>
+        <p:spPr/>
+        <p:txBody>
+          <a:bodyPr>
+            <a:normAutofit/>
+          </a:bodyPr>
+          <a:lstStyle/>
+          <a:p>
+            <a:r>
+              <a:rPr lang="en-US" dirty="0"/>
+              <a:t>	</a:t>
+            </a:r>
+            <a:r>
+              <a:rPr lang="en-US" dirty="0" err="1"/>
+              <a:t>var</a:t>
+            </a:r>
+            <a:r>
+              <a:rPr lang="en-US" dirty="0"/>
+              <a:t> </a:t>
+            </a:r>
+            <a:r>
+              <a:rPr lang="en-US" dirty="0" err="1" smtClean="0"/>
+              <a:t>myModule</a:t>
+            </a:r>
+            <a:r>
+              <a:rPr lang="en-US" dirty="0" smtClean="0"/>
+              <a:t> </a:t>
+            </a:r>
+            <a:r>
+              <a:rPr lang="en-US" dirty="0"/>
+              <a:t>= {</a:t>
+            </a:r>
+            <a:r>
+              <a:rPr lang="en-US" dirty="0" smtClean="0"/>
+              <a:t>};</a:t>
+            </a:r>
+            <a:endParaRPr lang="en-US" dirty="0"/>
+          </a:p>
+          <a:p>
+            <a:r>
+              <a:rPr lang="en-US" dirty="0"/>
+              <a:t>	</a:t>
+            </a:r>
+            <a:r>
+              <a:rPr lang="en-US" dirty="0" err="1" smtClean="0"/>
+              <a:t>var</a:t>
+            </a:r>
+            <a:r>
+              <a:rPr lang="en-US" dirty="0" smtClean="0"/>
+              <a:t> </a:t>
+            </a:r>
+            <a:r>
+              <a:rPr lang="en-US" dirty="0" err="1" smtClean="0"/>
+              <a:t>privateVariable</a:t>
+            </a:r>
+            <a:r>
+              <a:rPr lang="en-US" dirty="0" smtClean="0"/>
+              <a:t> </a:t>
+            </a:r>
+            <a:r>
+              <a:rPr lang="en-US" dirty="0"/>
+              <a:t>= 1;</a:t>
+            </a:r>
+          </a:p>
+          <a:p>
+            <a:r>
+              <a:rPr lang="en-US" dirty="0"/>
+              <a:t>	function </a:t>
+            </a:r>
+            <a:r>
+              <a:rPr lang="en-US" dirty="0" err="1"/>
+              <a:t>privateMethod</a:t>
+            </a:r>
+            <a:r>
+              <a:rPr lang="en-US" dirty="0"/>
+              <a:t>() {</a:t>
+            </a:r>
+          </a:p>
+          <a:p>
+            <a:r>
+              <a:rPr lang="en-US" dirty="0"/>
+              <a:t>		// ...</a:t>
+            </a:r>
+          </a:p>
+          <a:p>
+            <a:r>
+              <a:rPr lang="en-US" dirty="0"/>
+              <a:t>	}</a:t>
+            </a:r>
+          </a:p>
+          <a:p>
+            <a:r>
+              <a:rPr lang="en-US" dirty="0"/>
+              <a:t> </a:t>
+            </a:r>
+            <a:r>
+              <a:rPr lang="en-US" dirty="0" smtClean="0"/>
+              <a:t> // export</a:t>
+            </a:r>
+            <a:br>
+              <a:rPr lang="en-US" dirty="0" smtClean="0"/>
+            </a:br>
+            <a:r>
+              <a:rPr lang="en-US" dirty="0" smtClean="0"/>
+              <a:t>  </a:t>
+            </a:r>
+            <a:r>
+              <a:rPr lang="en-US" dirty="0" err="1" smtClean="0"/>
+              <a:t>export.getVar</a:t>
+            </a:r>
+            <a:r>
+              <a:rPr lang="en-US" dirty="0" smtClean="0"/>
+              <a:t> = </a:t>
+            </a:r>
+            <a:r>
+              <a:rPr lang="en-US" dirty="0" err="1" smtClean="0"/>
+              <a:t>privateMethod</a:t>
+            </a:r>
+            <a:r>
+              <a:rPr lang="en-US" dirty="0" smtClean="0"/>
+              <a:t>;</a:t>
+            </a:r>
+            <a:endParaRPr lang="en-US" dirty="0"/>
+          </a:p>
+        </p:txBody>
+      </p:sp>
+      <p:sp>
+        <p:nvSpPr>
+          <p:cNvPr id="3" name="Titel 2"/>
+          <p:cNvSpPr>
+            <a:spLocks noGrp="1"/>
+          </p:cNvSpPr>
+          <p:nvPr>
+            <p:ph type="title"/>
+          </p:nvPr>
+        </p:nvSpPr>
+        <p:spPr/>
+        <p:txBody>
+          <a:bodyPr/>
+          <a:lstStyle/>
+          <a:p>
+            <a:r>
+              <a:rPr lang="de-DE" dirty="0" smtClean="0"/>
+              <a:t>Module – </a:t>
+            </a:r>
+            <a:r>
+              <a:rPr lang="de-DE" dirty="0" smtClean="0"/>
+              <a:t>in </a:t>
+            </a:r>
+            <a:r>
+              <a:rPr lang="de-DE" dirty="0" err="1" smtClean="0"/>
+              <a:t>CommonJS</a:t>
+            </a:r>
+            <a:r>
+              <a:rPr lang="de-DE" dirty="0" smtClean="0"/>
+              <a:t> umbauen</a:t>
+            </a:r>
+            <a:endParaRPr lang="de-DE" dirty="0"/>
+          </a:p>
+        </p:txBody>
+      </p:sp>
+    </p:spTree>
+    <p:extLst>
+      <p:ext uri="{BB962C8B-B14F-4D97-AF65-F5344CB8AC3E}">
+        <p14:creationId xmlns:p14="http://schemas.microsoft.com/office/powerpoint/2010/main" val="2821582376"/>
+      </p:ext>
+    </p:extLst>
+  </p:cSld>
+  <p:clrMapOvr>
+    <a:masterClrMapping/>
+  </p:clrMapOvr>
+  <mc:AlternateContent xmlns:mc="http://schemas.openxmlformats.org/markup-compatibility/2006" xmlns:p14="http://schemas.microsoft.com/office/powerpoint/2010/main">
+    <mc:Choice Requires="p14">
+      <p:transition spd="slow" p14:dur="2000"/>
+    </mc:Choice>
+    <mc:Fallback xmlns="">
+      <p:transition xmlns:p14="http://schemas.microsoft.com/office/powerpoint/2010/main" spd="slow"/>
+    </mc:Fallback>
+  </mc:AlternateContent>
+  <p:timing>
+    <p:tnLst>
+      <p:par>
+        <p:cTn xmlns:p14="http://schemas.microsoft.com/office/powerpoint/2010/main" id="1" dur="indefinite" restart="never" nodeType="tmRoot"/>
+      </p:par>
+    </p:tnLst>
+  </p:timing>
+</p:sld>
+</file>
+
+<file path=ppt/slides/slide32.xml><?xml version="1.0" encoding="utf-8"?>
+<p:sld xmlns:a="http://schemas.openxmlformats.org/drawingml/2006/main" xmlns:r="http://schemas.openxmlformats.org/officeDocument/2006/relationships" xmlns:p="http://schemas.openxmlformats.org/presentationml/2006/main">
+  <p:cSld>
+    <p:spTree>
+      <p:nvGrpSpPr>
+        <p:cNvPr id="1" name=""/>
+        <p:cNvGrpSpPr/>
+        <p:nvPr/>
+      </p:nvGrpSpPr>
+      <p:grpSpPr>
+        <a:xfrm>
+          <a:off x="0" y="0"/>
+          <a:ext cx="0" cy="0"/>
+          <a:chOff x="0" y="0"/>
+          <a:chExt cx="0" cy="0"/>
+        </a:xfrm>
+      </p:grpSpPr>
+      <p:sp>
+        <p:nvSpPr>
           <p:cNvPr id="5" name="Inhaltsplatzhalter 4"/>
           <p:cNvSpPr>
             <a:spLocks noGrp="1"/>
@@ -7872,7 +8259,7 @@
 </p:sld>
 </file>
 
-<file path=ppt/slides/slide31.xml><?xml version="1.0" encoding="utf-8"?>
+<file path=ppt/slides/slide33.xml><?xml version="1.0" encoding="utf-8"?>
 <p:sld xmlns:a="http://schemas.openxmlformats.org/drawingml/2006/main" xmlns:r="http://schemas.openxmlformats.org/officeDocument/2006/relationships" xmlns:p="http://schemas.openxmlformats.org/presentationml/2006/main">
   <p:cSld>
     <p:spTree>

--- a/coding-sessions/code_talks.pptx
+++ b/coding-sessions/code_talks.pptx
@@ -8533,10 +8533,6 @@
               <a:rPr lang="de-DE" dirty="0" err="1" smtClean="0"/>
               <a:t>Prototypes</a:t>
             </a:r>
-            <a:r>
-              <a:rPr lang="de-DE" dirty="0" smtClean="0"/>
-              <a:t>!</a:t>
-            </a:r>
             <a:endParaRPr lang="de-DE" dirty="0"/>
           </a:p>
         </p:txBody>
@@ -10307,11 +10303,7 @@
             </a:r>
             <a:r>
               <a:rPr lang="de-DE" dirty="0" smtClean="0"/>
-              <a:t> </a:t>
-            </a:r>
-            <a:r>
-              <a:rPr lang="de-DE" smtClean="0"/>
-              <a:t>schon gewohnt)</a:t>
+              <a:t> schon gewohnt)</a:t>
             </a:r>
             <a:endParaRPr lang="de-DE" dirty="0"/>
           </a:p>
@@ -10385,14 +10377,22 @@
           </a:p>
           <a:p>
             <a:r>
+              <a:rPr lang="de-DE" dirty="0" smtClean="0"/>
+              <a:t>JS kennt kein </a:t>
+            </a:r>
+            <a:r>
               <a:rPr lang="de-DE" dirty="0"/>
-              <a:t>kein E/A</a:t>
-            </a:r>
-          </a:p>
-          <a:p>
+              <a:t>E/A</a:t>
+            </a:r>
+          </a:p>
+          <a:p>
+            <a:r>
+              <a:rPr lang="de-DE" dirty="0" smtClean="0"/>
+              <a:t>JS kennt keine </a:t>
+            </a:r>
             <a:r>
               <a:rPr lang="de-DE" dirty="0"/>
-              <a:t>keine Module</a:t>
+              <a:t>Module</a:t>
             </a:r>
           </a:p>
           <a:p>

--- a/coding-sessions/code_talks.pptx
+++ b/coding-sessions/code_talks.pptx
@@ -3404,7 +3404,7 @@
         <p:spPr>
           <a:xfrm>
             <a:off x="683568" y="1916832"/>
-            <a:ext cx="7645182" cy="2554545"/>
+            <a:ext cx="7645182" cy="3416320"/>
           </a:xfrm>
           <a:prstGeom prst="rect">
             <a:avLst/>
@@ -3421,7 +3421,7 @@
               <a:defRPr/>
             </a:pPr>
             <a:r>
-              <a:rPr lang="de-DE" sz="2000" dirty="0" smtClean="0">
+              <a:rPr lang="de-DE" sz="2400" dirty="0" smtClean="0">
                 <a:solidFill>
                   <a:schemeClr val="bg1"/>
                 </a:solidFill>
@@ -3429,7 +3429,7 @@
               <a:t>Hat Einiges von </a:t>
             </a:r>
             <a:r>
-              <a:rPr lang="de-DE" sz="2000" dirty="0" err="1" smtClean="0">
+              <a:rPr lang="de-DE" sz="2400" dirty="0" err="1" smtClean="0">
                 <a:solidFill>
                   <a:schemeClr val="bg1"/>
                 </a:solidFill>
@@ -3437,7 +3437,7 @@
               <a:t>Scheme</a:t>
             </a:r>
             <a:r>
-              <a:rPr lang="de-DE" sz="2000" dirty="0" smtClean="0">
+              <a:rPr lang="de-DE" sz="2400" dirty="0" smtClean="0">
                 <a:solidFill>
                   <a:schemeClr val="bg1"/>
                 </a:solidFill>
@@ -3450,7 +3450,7 @@
               <a:defRPr/>
             </a:pPr>
             <a:r>
-              <a:rPr lang="de-DE" sz="2000" dirty="0" smtClean="0">
+              <a:rPr lang="de-DE" sz="2400" dirty="0" smtClean="0">
                 <a:solidFill>
                   <a:schemeClr val="bg1"/>
                 </a:solidFill>
@@ -3458,7 +3458,7 @@
               <a:t>e.g</a:t>
             </a:r>
             <a:r>
-              <a:rPr lang="de-DE" sz="2000" dirty="0">
+              <a:rPr lang="de-DE" sz="2400" dirty="0">
                 <a:solidFill>
                   <a:schemeClr val="bg1"/>
                 </a:solidFill>
@@ -3466,7 +3466,7 @@
               <a:t>. </a:t>
             </a:r>
             <a:r>
-              <a:rPr lang="de-DE" sz="2000" dirty="0" err="1">
+              <a:rPr lang="de-DE" sz="2400" dirty="0" err="1">
                 <a:solidFill>
                   <a:schemeClr val="bg1"/>
                 </a:solidFill>
@@ -3474,7 +3474,7 @@
               <a:t>Lexical</a:t>
             </a:r>
             <a:r>
-              <a:rPr lang="de-DE" sz="2000" dirty="0">
+              <a:rPr lang="de-DE" sz="2400" dirty="0">
                 <a:solidFill>
                   <a:schemeClr val="bg1"/>
                 </a:solidFill>
@@ -3482,7 +3482,7 @@
               <a:t> </a:t>
             </a:r>
             <a:r>
-              <a:rPr lang="de-DE" sz="2000" dirty="0" err="1">
+              <a:rPr lang="de-DE" sz="2400" dirty="0" err="1">
                 <a:solidFill>
                   <a:schemeClr val="bg1"/>
                 </a:solidFill>
@@ -3490,7 +3490,7 @@
               <a:t>scoping</a:t>
             </a:r>
             <a:r>
-              <a:rPr lang="de-DE" sz="2000" dirty="0">
+              <a:rPr lang="de-DE" sz="2400" dirty="0">
                 <a:solidFill>
                   <a:schemeClr val="bg1"/>
                 </a:solidFill>
@@ -3498,14 +3498,14 @@
               <a:t>, Lambda, </a:t>
             </a:r>
             <a:r>
-              <a:rPr lang="de-DE" sz="2000" dirty="0" err="1">
+              <a:rPr lang="de-DE" sz="2400" dirty="0" err="1">
                 <a:solidFill>
                   <a:schemeClr val="bg1"/>
                 </a:solidFill>
               </a:rPr>
               <a:t>Callbacks</a:t>
             </a:r>
-            <a:endParaRPr lang="de-DE" sz="2000" dirty="0">
+            <a:endParaRPr lang="de-DE" sz="2400" dirty="0">
               <a:solidFill>
                 <a:schemeClr val="bg1"/>
               </a:solidFill>
@@ -3515,11 +3515,11 @@
             <a:pPr>
               <a:defRPr/>
             </a:pPr>
-            <a:endParaRPr lang="de-DE" sz="2000" dirty="0"/>
-          </a:p>
-          <a:p>
-            <a:r>
-              <a:rPr lang="de-DE" sz="2000" dirty="0">
+            <a:endParaRPr lang="de-DE" sz="2400" dirty="0"/>
+          </a:p>
+          <a:p>
+            <a:r>
+              <a:rPr lang="de-DE" sz="2400" dirty="0">
                 <a:solidFill>
                   <a:srgbClr val="FFFFFF"/>
                 </a:solidFill>
@@ -3527,7 +3527,7 @@
               <a:t>Das Grundprinzip von </a:t>
             </a:r>
             <a:r>
-              <a:rPr lang="de-DE" sz="2000" dirty="0" err="1">
+              <a:rPr lang="de-DE" sz="2400" dirty="0" err="1">
                 <a:solidFill>
                   <a:srgbClr val="FFFFFF"/>
                 </a:solidFill>
@@ -3535,21 +3535,21 @@
               <a:t>Scheme</a:t>
             </a:r>
             <a:r>
-              <a:rPr lang="de-DE" sz="2000" dirty="0">
+              <a:rPr lang="de-DE" sz="2400" dirty="0">
                 <a:solidFill>
                   <a:srgbClr val="FFFFFF"/>
                 </a:solidFill>
               </a:rPr>
               <a:t> ist es, eine Sprache nicht dadurch mächtig werden zu lassen, indem man immer mehr Features hinzufügt, sondern indem man Einschränkungen entfernt. </a:t>
             </a:r>
-            <a:endParaRPr lang="de-DE" sz="2000" dirty="0" smtClean="0">
+            <a:endParaRPr lang="de-DE" sz="2400" dirty="0" smtClean="0">
               <a:solidFill>
                 <a:srgbClr val="FFFFFF"/>
               </a:solidFill>
             </a:endParaRPr>
           </a:p>
           <a:p>
-            <a:endParaRPr lang="de-DE" sz="2000" dirty="0">
+            <a:endParaRPr lang="de-DE" sz="2400" dirty="0">
               <a:solidFill>
                 <a:srgbClr val="FFFFFF"/>
               </a:solidFill>
@@ -3557,7 +3557,7 @@
           </a:p>
           <a:p>
             <a:r>
-              <a:rPr lang="de-DE" sz="2000" dirty="0">
+              <a:rPr lang="de-DE" sz="2400" dirty="0">
                 <a:solidFill>
                   <a:srgbClr val="FFFFFF"/>
                 </a:solidFill>
@@ -3565,7 +3565,7 @@
               <a:t>Es gab </a:t>
             </a:r>
             <a:r>
-              <a:rPr lang="de-DE" sz="2000" dirty="0" err="1">
+              <a:rPr lang="de-DE" sz="2400" dirty="0" err="1">
                 <a:solidFill>
                   <a:srgbClr val="FFFFFF"/>
                 </a:solidFill>
@@ -3573,7 +3573,7 @@
               <a:t>Scheme</a:t>
             </a:r>
             <a:r>
-              <a:rPr lang="de-DE" sz="2000" dirty="0">
+              <a:rPr lang="de-DE" sz="2400" dirty="0">
                 <a:solidFill>
                   <a:srgbClr val="FFFFFF"/>
                 </a:solidFill>

--- a/coding-sessions/code_talks.pptx
+++ b/coding-sessions/code_talks.pptx
@@ -4271,6 +4271,15 @@
               <a:rPr lang="de-DE" dirty="0" smtClean="0"/>
               <a:t>.</a:t>
             </a:r>
+          </a:p>
+          <a:p>
+            <a:pPr marL="0" indent="0">
+              <a:buNone/>
+            </a:pPr>
+            <a:r>
+              <a:rPr lang="de-DE" dirty="0" smtClean="0"/>
+              <a:t>Aber DAZU später mehr!</a:t>
+            </a:r>
             <a:endParaRPr lang="de-DE" dirty="0"/>
           </a:p>
         </p:txBody>
@@ -8591,7 +8600,7 @@
           <a:p>
             <a:r>
               <a:rPr lang="de-DE" dirty="0" smtClean="0"/>
-              <a:t>Wir haben bereits gelernt, dass die Sichtbarkeit von Variablen in einer Funktion liegen.</a:t>
+              <a:t>Wir haben bereits gelernt, dass die Sichtbarkeit von Variablen an die Funktion gebunden ist.</a:t>
             </a:r>
           </a:p>
           <a:p>
@@ -8687,7 +8696,15 @@
           <a:p>
             <a:r>
               <a:rPr lang="de-DE" dirty="0" smtClean="0"/>
-              <a:t>Und dann IFEE dann auf die Konstruktor-Funktion und Prototypen anwenden</a:t>
+              <a:t>Und </a:t>
+            </a:r>
+            <a:r>
+              <a:rPr lang="de-DE" smtClean="0"/>
+              <a:t>dann IIFE </a:t>
+            </a:r>
+            <a:r>
+              <a:rPr lang="de-DE" dirty="0" smtClean="0"/>
+              <a:t>dann auf die Konstruktor-Funktion und Prototypen anwenden</a:t>
             </a:r>
             <a:endParaRPr lang="de-DE" dirty="0"/>
           </a:p>
@@ -8718,7 +8735,7 @@
             </a:r>
             <a:r>
               <a:rPr lang="de-DE" dirty="0" smtClean="0"/>
-              <a:t>IFEE</a:t>
+              <a:t>IIFE</a:t>
             </a:r>
             <a:endParaRPr lang="de-DE" dirty="0"/>
           </a:p>

--- a/coding-sessions/code_talks.pptx
+++ b/coding-sessions/code_talks.pptx
@@ -239,7 +239,7 @@
           <a:p>
             <a:fld id="{6A764251-D831-1B46-B49E-A81E2C17AA3D}" type="datetimeFigureOut">
               <a:rPr lang="de-DE" smtClean="0"/>
-              <a:t>08/10/14</a:t>
+              <a:t>10/10/14</a:t>
             </a:fld>
             <a:endParaRPr lang="de-DE"/>
           </a:p>
@@ -406,7 +406,7 @@
             <a:fld id="{E566868E-4981-412A-A780-CE3D41660550}" type="datetimeFigureOut">
               <a:rPr lang="de-DE" smtClean="0"/>
               <a:pPr/>
-              <a:t>08/10/14</a:t>
+              <a:t>10/10/14</a:t>
             </a:fld>
             <a:endParaRPr lang="de-DE"/>
           </a:p>
@@ -3729,7 +3729,6 @@
               <a:rPr lang="de-DE" dirty="0" smtClean="0"/>
               <a:t> sondern ein Objekt!</a:t>
             </a:r>
-            <a:endParaRPr lang="de-DE" dirty="0" smtClean="0"/>
           </a:p>
           <a:p>
             <a:pPr marL="0" indent="0">
@@ -4645,18 +4644,12 @@
               <a:rPr lang="de-DE" dirty="0" smtClean="0"/>
               <a:t>(Slots)</a:t>
             </a:r>
-            <a:endParaRPr lang="de-DE" dirty="0" smtClean="0"/>
-          </a:p>
-          <a:p>
-            <a:r>
-              <a:rPr lang="de-DE" dirty="0" smtClean="0"/>
-              <a:t>Kann direkt über das Objekt-Literal gebildet </a:t>
-            </a:r>
-            <a:r>
-              <a:rPr lang="de-DE" dirty="0" smtClean="0"/>
-              <a:t>werden</a:t>
-            </a:r>
-            <a:endParaRPr lang="de-DE" dirty="0" smtClean="0"/>
+          </a:p>
+          <a:p>
+            <a:r>
+              <a:rPr lang="de-DE" dirty="0" smtClean="0"/>
+              <a:t>Kann direkt über das Objekt-Literal gebildet werden</a:t>
+            </a:r>
           </a:p>
         </p:txBody>
       </p:sp>
@@ -4746,18 +4739,7 @@
                   <a:srgbClr val="272822"/>
                 </a:highlight>
               </a:rPr>
-              <a:t>/</a:t>
-            </a:r>
-            <a:r>
-              <a:rPr lang="tr-TR" dirty="0" smtClean="0">
-                <a:solidFill>
-                  <a:srgbClr val="FFFFFF"/>
-                </a:solidFill>
-                <a:highlight>
-                  <a:srgbClr val="272822"/>
-                </a:highlight>
-              </a:rPr>
-              <a:t>/ </a:t>
+              <a:t>// </a:t>
             </a:r>
             <a:r>
               <a:rPr lang="tr-TR" dirty="0" err="1" smtClean="0">
@@ -5616,7 +5598,6 @@
               <a:rPr lang="de-DE" dirty="0" smtClean="0"/>
               <a:t> (hat als Literal die [])</a:t>
             </a:r>
-            <a:endParaRPr lang="de-DE" dirty="0" smtClean="0"/>
           </a:p>
           <a:p>
             <a:r>
@@ -6259,7 +6240,6 @@
               <a:rPr lang="de-DE" dirty="0" smtClean="0"/>
               <a:t>.</a:t>
             </a:r>
-            <a:endParaRPr lang="de-DE" dirty="0" smtClean="0"/>
           </a:p>
           <a:p>
             <a:endParaRPr lang="de-DE" dirty="0"/>
@@ -6506,7 +6486,6 @@
               <a:rPr lang="de-DE" dirty="0" smtClean="0"/>
               <a:t>/ 3 </a:t>
             </a:r>
-            <a:endParaRPr lang="de-DE" dirty="0" smtClean="0"/>
           </a:p>
           <a:p>
             <a:endParaRPr lang="de-DE" dirty="0"/>
@@ -6899,15 +6878,7 @@
                   <a:schemeClr val="bg1"/>
                 </a:solidFill>
               </a:rPr>
-              <a:t> </a:t>
-            </a:r>
-            <a:r>
-              <a:rPr lang="de-DE" dirty="0" smtClean="0">
-                <a:solidFill>
-                  <a:schemeClr val="bg1"/>
-                </a:solidFill>
-              </a:rPr>
-              <a:t>AWK (</a:t>
+              <a:t> AWK (</a:t>
             </a:r>
             <a:r>
               <a:rPr lang="de-DE" dirty="0" err="1" smtClean="0">
@@ -7471,11 +7442,7 @@
             </a:r>
             <a:r>
               <a:rPr lang="de-DE" dirty="0" smtClean="0"/>
-              <a:t> p = 0; ...) {}</a:t>
-            </a:r>
-            <a:r>
-              <a:rPr lang="de-DE" dirty="0" smtClean="0"/>
-              <a:t>;</a:t>
+              <a:t> p = 0; ...) {};</a:t>
             </a:r>
             <a:endParaRPr lang="de-DE" dirty="0"/>
           </a:p>
@@ -7518,11 +7485,7 @@
           <a:p>
             <a:r>
               <a:rPr lang="de-DE" dirty="0" smtClean="0"/>
-              <a:t>Sichtbarkeit </a:t>
-            </a:r>
-            <a:r>
-              <a:rPr lang="de-DE" dirty="0" smtClean="0"/>
-              <a:t>von Variablen</a:t>
+              <a:t>Sichtbarkeit von Variablen</a:t>
             </a:r>
             <a:endParaRPr lang="de-DE" dirty="0"/>
           </a:p>
@@ -7616,11 +7579,7 @@
             </a:r>
             <a:r>
               <a:rPr lang="de-DE" dirty="0" smtClean="0"/>
-              <a:t> p = 0; ...) {}</a:t>
-            </a:r>
-            <a:r>
-              <a:rPr lang="de-DE" dirty="0" smtClean="0"/>
-              <a:t>;</a:t>
+              <a:t> p = 0; ...) {};</a:t>
             </a:r>
             <a:endParaRPr lang="de-DE" dirty="0"/>
           </a:p>
@@ -7636,7 +7595,15 @@
           <a:p>
             <a:r>
               <a:rPr lang="de-DE" dirty="0" smtClean="0"/>
-              <a:t>// IFEE dann auf die Konstruktor-Funktion und Prototypen anwenden</a:t>
+              <a:t>// </a:t>
+            </a:r>
+            <a:r>
+              <a:rPr lang="de-DE" dirty="0" smtClean="0"/>
+              <a:t>IIFE </a:t>
+            </a:r>
+            <a:r>
+              <a:rPr lang="de-DE" dirty="0" smtClean="0"/>
+              <a:t>dann auf die Konstruktor-Funktion und Prototypen anwenden</a:t>
             </a:r>
             <a:endParaRPr lang="de-DE" dirty="0"/>
           </a:p>
@@ -7659,7 +7626,7 @@
           <a:p>
             <a:r>
               <a:rPr lang="de-DE" dirty="0" smtClean="0"/>
-              <a:t>IFEE</a:t>
+              <a:t>IIFE</a:t>
             </a:r>
             <a:endParaRPr lang="de-DE" dirty="0"/>
           </a:p>
@@ -8731,11 +8698,7 @@
             </a:r>
             <a:r>
               <a:rPr lang="de-DE" dirty="0" smtClean="0"/>
-              <a:t>– </a:t>
-            </a:r>
-            <a:r>
-              <a:rPr lang="de-DE" dirty="0" smtClean="0"/>
-              <a:t>IIFE</a:t>
+              <a:t>– IIFE</a:t>
             </a:r>
             <a:endParaRPr lang="de-DE" dirty="0"/>
           </a:p>
@@ -9000,11 +8963,7 @@
           <a:p>
             <a:r>
               <a:rPr lang="de-DE" dirty="0" smtClean="0"/>
-              <a:t>Module – </a:t>
-            </a:r>
-            <a:r>
-              <a:rPr lang="de-DE" dirty="0" smtClean="0"/>
-              <a:t>Export 1</a:t>
+              <a:t>Module – Export 1</a:t>
             </a:r>
             <a:endParaRPr lang="de-DE" dirty="0"/>
           </a:p>
@@ -10132,11 +10091,7 @@
             </a:r>
             <a:r>
               <a:rPr lang="en-US" dirty="0" smtClean="0"/>
-              <a:t>module = </a:t>
-            </a:r>
-            <a:r>
-              <a:rPr lang="en-US" dirty="0" smtClean="0"/>
-              <a:t>{};</a:t>
+              <a:t>module = {};</a:t>
             </a:r>
           </a:p>
           <a:p>
@@ -10270,11 +10225,7 @@
             </a:r>
             <a:r>
               <a:rPr lang="en-US" dirty="0"/>
-              <a:t> </a:t>
-            </a:r>
-            <a:r>
-              <a:rPr lang="en-US" dirty="0"/>
-              <a:t>	</a:t>
+              <a:t> 	</a:t>
             </a:r>
             <a:r>
               <a:rPr lang="en-US" dirty="0" smtClean="0"/>
@@ -10308,11 +10259,7 @@
           <a:p>
             <a:r>
               <a:rPr lang="de-DE" dirty="0" smtClean="0"/>
-              <a:t>Module – </a:t>
-            </a:r>
-            <a:r>
-              <a:rPr lang="de-DE" dirty="0" smtClean="0"/>
-              <a:t>Export 2 (wie von </a:t>
+              <a:t>Module – Export 2 (wie von </a:t>
             </a:r>
             <a:r>
               <a:rPr lang="de-DE" dirty="0" err="1" smtClean="0"/>
@@ -10639,11 +10586,7 @@
           <a:p>
             <a:r>
               <a:rPr lang="de-DE" dirty="0" smtClean="0"/>
-              <a:t>Module – </a:t>
-            </a:r>
-            <a:r>
-              <a:rPr lang="de-DE" dirty="0" smtClean="0"/>
-              <a:t>in </a:t>
+              <a:t>Module – in </a:t>
             </a:r>
             <a:r>
               <a:rPr lang="de-DE" dirty="0" err="1" smtClean="0"/>
